--- a/Markov models/Slides/MarkovModelSlides.pptx
+++ b/Markov models/Slides/MarkovModelSlides.pptx
@@ -231,7 +231,7 @@
           <a:p>
             <a:fld id="{80022054-F6B9-B04E-9F80-BE6C2BED9348}" type="datetimeFigureOut">
               <a:rPr lang="en-US" smtClean="0"/>
-              <a:t>10/15/19</a:t>
+              <a:t>1/27/20</a:t>
             </a:fld>
             <a:endParaRPr lang="en-US"/>
           </a:p>
@@ -3644,7 +3644,7 @@
           <a:p>
             <a:fld id="{DD3575FE-2CC2-2845-A91B-203C440E7198}" type="datetimeFigureOut">
               <a:rPr lang="en-US" smtClean="0"/>
-              <a:t>10/15/19</a:t>
+              <a:t>1/27/20</a:t>
             </a:fld>
             <a:endParaRPr lang="en-US"/>
           </a:p>
@@ -3977,7 +3977,7 @@
           <a:p>
             <a:fld id="{DD3575FE-2CC2-2845-A91B-203C440E7198}" type="datetimeFigureOut">
               <a:rPr lang="en-US" smtClean="0"/>
-              <a:t>10/15/19</a:t>
+              <a:t>1/27/20</a:t>
             </a:fld>
             <a:endParaRPr lang="en-US"/>
           </a:p>
@@ -4161,7 +4161,7 @@
           <a:p>
             <a:fld id="{DD3575FE-2CC2-2845-A91B-203C440E7198}" type="datetimeFigureOut">
               <a:rPr lang="en-US" smtClean="0"/>
-              <a:t>10/15/19</a:t>
+              <a:t>1/27/20</a:t>
             </a:fld>
             <a:endParaRPr lang="en-US"/>
           </a:p>
@@ -4351,7 +4351,7 @@
           <a:p>
             <a:fld id="{DD3575FE-2CC2-2845-A91B-203C440E7198}" type="datetimeFigureOut">
               <a:rPr lang="en-US" smtClean="0"/>
-              <a:t>10/15/19</a:t>
+              <a:t>1/27/20</a:t>
             </a:fld>
             <a:endParaRPr lang="en-US"/>
           </a:p>
@@ -4503,7 +4503,7 @@
           <a:p>
             <a:fld id="{DD3575FE-2CC2-2845-A91B-203C440E7198}" type="datetimeFigureOut">
               <a:rPr lang="en-US" smtClean="0"/>
-              <a:t>10/15/19</a:t>
+              <a:t>1/27/20</a:t>
             </a:fld>
             <a:endParaRPr lang="en-US"/>
           </a:p>
@@ -5728,7 +5728,7 @@
           <a:p>
             <a:fld id="{DD3575FE-2CC2-2845-A91B-203C440E7198}" type="datetimeFigureOut">
               <a:rPr lang="en-US" smtClean="0"/>
-              <a:t>10/15/19</a:t>
+              <a:t>1/27/20</a:t>
             </a:fld>
             <a:endParaRPr lang="en-US"/>
           </a:p>
@@ -5766,7 +5766,7 @@
           <a:noFill/>
           <a:extLst>
             <a:ext uri="{909E8E84-426E-40dd-AFC4-6F175D3DCCD1}">
-              <a14:hiddenFill xmlns="" xmlns:a14="http://schemas.microsoft.com/office/drawing/2010/main">
+              <a14:hiddenFill xmlns:a14="http://schemas.microsoft.com/office/drawing/2010/main" xmlns="">
                 <a:solidFill>
                   <a:srgbClr val="FFFFFF"/>
                 </a:solidFill>
@@ -5807,7 +5807,7 @@
           <a:noFill/>
           <a:extLst>
             <a:ext uri="{909E8E84-426E-40dd-AFC4-6F175D3DCCD1}">
-              <a14:hiddenFill xmlns="" xmlns:a14="http://schemas.microsoft.com/office/drawing/2010/main">
+              <a14:hiddenFill xmlns:a14="http://schemas.microsoft.com/office/drawing/2010/main" xmlns="">
                 <a:solidFill>
                   <a:srgbClr val="FFFFFF"/>
                 </a:solidFill>
@@ -7416,7 +7416,7 @@
           <a:noFill/>
           <a:extLst>
             <a:ext uri="{909E8E84-426E-40dd-AFC4-6F175D3DCCD1}">
-              <a14:hiddenFill xmlns="" xmlns:a14="http://schemas.microsoft.com/office/drawing/2010/main">
+              <a14:hiddenFill xmlns:a14="http://schemas.microsoft.com/office/drawing/2010/main" xmlns="">
                 <a:solidFill>
                   <a:srgbClr val="FFFFFF"/>
                 </a:solidFill>
@@ -7455,7 +7455,7 @@
           <a:noFill/>
           <a:extLst>
             <a:ext uri="{909E8E84-426E-40dd-AFC4-6F175D3DCCD1}">
-              <a14:hiddenFill xmlns="" xmlns:a14="http://schemas.microsoft.com/office/drawing/2010/main">
+              <a14:hiddenFill xmlns:a14="http://schemas.microsoft.com/office/drawing/2010/main" xmlns="">
                 <a:solidFill>
                   <a:srgbClr val="FFFFFF"/>
                 </a:solidFill>
@@ -7550,7 +7550,7 @@
           <a:noFill/>
           <a:extLst>
             <a:ext uri="{909E8E84-426E-40dd-AFC4-6F175D3DCCD1}">
-              <a14:hiddenFill xmlns="" xmlns:a14="http://schemas.microsoft.com/office/drawing/2010/main">
+              <a14:hiddenFill xmlns:a14="http://schemas.microsoft.com/office/drawing/2010/main" xmlns="">
                 <a:solidFill>
                   <a:srgbClr val="FFFFFF"/>
                 </a:solidFill>
@@ -7591,7 +7591,7 @@
           <a:noFill/>
           <a:extLst>
             <a:ext uri="{909E8E84-426E-40dd-AFC4-6F175D3DCCD1}">
-              <a14:hiddenFill xmlns="" xmlns:a14="http://schemas.microsoft.com/office/drawing/2010/main">
+              <a14:hiddenFill xmlns:a14="http://schemas.microsoft.com/office/drawing/2010/main" xmlns="">
                 <a:solidFill>
                   <a:srgbClr val="FFFFFF"/>
                 </a:solidFill>
@@ -7636,14 +7636,14 @@
           <a:effectLst/>
           <a:extLst>
             <a:ext uri="{909E8E84-426E-40dd-AFC4-6F175D3DCCD1}">
-              <a14:hiddenFill xmlns="" xmlns:a14="http://schemas.microsoft.com/office/drawing/2010/main">
+              <a14:hiddenFill xmlns:a14="http://schemas.microsoft.com/office/drawing/2010/main" xmlns="">
                 <a:solidFill>
                   <a:schemeClr val="accent1"/>
                 </a:solidFill>
               </a14:hiddenFill>
             </a:ext>
             <a:ext uri="{91240B29-F687-4f45-9708-019B960494DF}">
-              <a14:hiddenLine xmlns="" xmlns:a14="http://schemas.microsoft.com/office/drawing/2010/main" w="9525">
+              <a14:hiddenLine xmlns:a14="http://schemas.microsoft.com/office/drawing/2010/main" xmlns="" w="9525">
                 <a:solidFill>
                   <a:schemeClr val="tx1"/>
                 </a:solidFill>
@@ -7653,7 +7653,7 @@
               </a14:hiddenLine>
             </a:ext>
             <a:ext uri="{AF507438-7753-43e0-B8FC-AC1667EBCBE1}">
-              <a14:hiddenEffects xmlns="" xmlns:a14="http://schemas.microsoft.com/office/drawing/2010/main">
+              <a14:hiddenEffects xmlns:a14="http://schemas.microsoft.com/office/drawing/2010/main" xmlns="">
                 <a:effectLst>
                   <a:outerShdw dist="35921" dir="2700000" algn="ctr" rotWithShape="0">
                     <a:schemeClr val="bg2"/>
@@ -7700,14 +7700,14 @@
           <a:effectLst/>
           <a:extLst>
             <a:ext uri="{909E8E84-426E-40dd-AFC4-6F175D3DCCD1}">
-              <a14:hiddenFill xmlns="" xmlns:a14="http://schemas.microsoft.com/office/drawing/2010/main">
+              <a14:hiddenFill xmlns:a14="http://schemas.microsoft.com/office/drawing/2010/main" xmlns="">
                 <a:solidFill>
                   <a:schemeClr val="accent1"/>
                 </a:solidFill>
               </a14:hiddenFill>
             </a:ext>
             <a:ext uri="{91240B29-F687-4f45-9708-019B960494DF}">
-              <a14:hiddenLine xmlns="" xmlns:a14="http://schemas.microsoft.com/office/drawing/2010/main" w="9525">
+              <a14:hiddenLine xmlns:a14="http://schemas.microsoft.com/office/drawing/2010/main" xmlns="" w="9525">
                 <a:solidFill>
                   <a:schemeClr val="tx1"/>
                 </a:solidFill>
@@ -7717,7 +7717,7 @@
               </a14:hiddenLine>
             </a:ext>
             <a:ext uri="{AF507438-7753-43e0-B8FC-AC1667EBCBE1}">
-              <a14:hiddenEffects xmlns="" xmlns:a14="http://schemas.microsoft.com/office/drawing/2010/main">
+              <a14:hiddenEffects xmlns:a14="http://schemas.microsoft.com/office/drawing/2010/main" xmlns="">
                 <a:effectLst>
                   <a:outerShdw dist="35921" dir="2700000" algn="ctr" rotWithShape="0">
                     <a:schemeClr val="bg2"/>
@@ -8137,7 +8137,7 @@
           <a:noFill/>
           <a:extLst>
             <a:ext uri="{909E8E84-426E-40dd-AFC4-6F175D3DCCD1}">
-              <a14:hiddenFill xmlns="" xmlns:a14="http://schemas.microsoft.com/office/drawing/2010/main">
+              <a14:hiddenFill xmlns:a14="http://schemas.microsoft.com/office/drawing/2010/main" xmlns="">
                 <a:solidFill>
                   <a:srgbClr val="FFFFFF"/>
                 </a:solidFill>
@@ -8176,7 +8176,7 @@
           <a:noFill/>
           <a:extLst>
             <a:ext uri="{909E8E84-426E-40dd-AFC4-6F175D3DCCD1}">
-              <a14:hiddenFill xmlns="" xmlns:a14="http://schemas.microsoft.com/office/drawing/2010/main">
+              <a14:hiddenFill xmlns:a14="http://schemas.microsoft.com/office/drawing/2010/main" xmlns="">
                 <a:solidFill>
                   <a:srgbClr val="FFFFFF"/>
                 </a:solidFill>
@@ -8398,7 +8398,7 @@
           <a:noFill/>
           <a:extLst>
             <a:ext uri="{909E8E84-426E-40dd-AFC4-6F175D3DCCD1}">
-              <a14:hiddenFill xmlns="" xmlns:a14="http://schemas.microsoft.com/office/drawing/2010/main">
+              <a14:hiddenFill xmlns:a14="http://schemas.microsoft.com/office/drawing/2010/main" xmlns="">
                 <a:solidFill>
                   <a:srgbClr val="FFFFFF"/>
                 </a:solidFill>
@@ -8445,7 +8445,7 @@
           <a:noFill/>
           <a:extLst>
             <a:ext uri="{909E8E84-426E-40dd-AFC4-6F175D3DCCD1}">
-              <a14:hiddenFill xmlns="" xmlns:a14="http://schemas.microsoft.com/office/drawing/2010/main">
+              <a14:hiddenFill xmlns:a14="http://schemas.microsoft.com/office/drawing/2010/main" xmlns="">
                 <a:solidFill>
                   <a:srgbClr val="FFFFFF"/>
                 </a:solidFill>
@@ -8496,14 +8496,14 @@
           <a:effectLst/>
           <a:extLst>
             <a:ext uri="{909E8E84-426E-40dd-AFC4-6F175D3DCCD1}">
-              <a14:hiddenFill xmlns="" xmlns:a14="http://schemas.microsoft.com/office/drawing/2010/main">
+              <a14:hiddenFill xmlns:a14="http://schemas.microsoft.com/office/drawing/2010/main" xmlns="">
                 <a:solidFill>
                   <a:schemeClr val="accent1"/>
                 </a:solidFill>
               </a14:hiddenFill>
             </a:ext>
             <a:ext uri="{91240B29-F687-4f45-9708-019B960494DF}">
-              <a14:hiddenLine xmlns="" xmlns:a14="http://schemas.microsoft.com/office/drawing/2010/main" w="9525">
+              <a14:hiddenLine xmlns:a14="http://schemas.microsoft.com/office/drawing/2010/main" xmlns="" w="9525">
                 <a:solidFill>
                   <a:schemeClr val="tx1"/>
                 </a:solidFill>
@@ -8513,7 +8513,7 @@
               </a14:hiddenLine>
             </a:ext>
             <a:ext uri="{AF507438-7753-43e0-B8FC-AC1667EBCBE1}">
-              <a14:hiddenEffects xmlns="" xmlns:a14="http://schemas.microsoft.com/office/drawing/2010/main">
+              <a14:hiddenEffects xmlns:a14="http://schemas.microsoft.com/office/drawing/2010/main" xmlns="">
                 <a:effectLst>
                   <a:outerShdw dist="35921" dir="2700000" algn="ctr" rotWithShape="0">
                     <a:schemeClr val="bg2"/>
@@ -8566,14 +8566,14 @@
           <a:effectLst/>
           <a:extLst>
             <a:ext uri="{909E8E84-426E-40dd-AFC4-6F175D3DCCD1}">
-              <a14:hiddenFill xmlns="" xmlns:a14="http://schemas.microsoft.com/office/drawing/2010/main">
+              <a14:hiddenFill xmlns:a14="http://schemas.microsoft.com/office/drawing/2010/main" xmlns="">
                 <a:solidFill>
                   <a:schemeClr val="accent1"/>
                 </a:solidFill>
               </a14:hiddenFill>
             </a:ext>
             <a:ext uri="{91240B29-F687-4f45-9708-019B960494DF}">
-              <a14:hiddenLine xmlns="" xmlns:a14="http://schemas.microsoft.com/office/drawing/2010/main" w="9525">
+              <a14:hiddenLine xmlns:a14="http://schemas.microsoft.com/office/drawing/2010/main" xmlns="" w="9525">
                 <a:solidFill>
                   <a:schemeClr val="tx1"/>
                 </a:solidFill>
@@ -8583,7 +8583,7 @@
               </a14:hiddenLine>
             </a:ext>
             <a:ext uri="{AF507438-7753-43e0-B8FC-AC1667EBCBE1}">
-              <a14:hiddenEffects xmlns="" xmlns:a14="http://schemas.microsoft.com/office/drawing/2010/main">
+              <a14:hiddenEffects xmlns:a14="http://schemas.microsoft.com/office/drawing/2010/main" xmlns="">
                 <a:effectLst>
                   <a:outerShdw dist="35921" dir="2700000" algn="ctr" rotWithShape="0">
                     <a:schemeClr val="bg2"/>
@@ -8759,7 +8759,7 @@
           <a:p>
             <a:fld id="{DD3575FE-2CC2-2845-A91B-203C440E7198}" type="datetimeFigureOut">
               <a:rPr lang="en-US" smtClean="0"/>
-              <a:t>10/15/19</a:t>
+              <a:t>1/27/20</a:t>
             </a:fld>
             <a:endParaRPr lang="en-US"/>
           </a:p>
@@ -9016,7 +9016,7 @@
           <a:p>
             <a:fld id="{DD3575FE-2CC2-2845-A91B-203C440E7198}" type="datetimeFigureOut">
               <a:rPr lang="en-US" smtClean="0"/>
-              <a:t>10/15/19</a:t>
+              <a:t>1/27/20</a:t>
             </a:fld>
             <a:endParaRPr lang="en-US"/>
           </a:p>
@@ -9320,7 +9320,7 @@
           <a:p>
             <a:fld id="{DD3575FE-2CC2-2845-A91B-203C440E7198}" type="datetimeFigureOut">
               <a:rPr lang="en-US" smtClean="0"/>
-              <a:t>10/15/19</a:t>
+              <a:t>1/27/20</a:t>
             </a:fld>
             <a:endParaRPr lang="en-US"/>
           </a:p>
@@ -9769,7 +9769,7 @@
           <a:p>
             <a:fld id="{DD3575FE-2CC2-2845-A91B-203C440E7198}" type="datetimeFigureOut">
               <a:rPr lang="en-US" smtClean="0"/>
-              <a:t>10/15/19</a:t>
+              <a:t>1/27/20</a:t>
             </a:fld>
             <a:endParaRPr lang="en-US"/>
           </a:p>
@@ -9903,7 +9903,7 @@
           <a:p>
             <a:fld id="{DD3575FE-2CC2-2845-A91B-203C440E7198}" type="datetimeFigureOut">
               <a:rPr lang="en-US" smtClean="0"/>
-              <a:t>10/15/19</a:t>
+              <a:t>1/27/20</a:t>
             </a:fld>
             <a:endParaRPr lang="en-US"/>
           </a:p>
@@ -10009,7 +10009,7 @@
           <a:p>
             <a:fld id="{DD3575FE-2CC2-2845-A91B-203C440E7198}" type="datetimeFigureOut">
               <a:rPr lang="en-US" smtClean="0"/>
-              <a:t>10/15/19</a:t>
+              <a:t>1/27/20</a:t>
             </a:fld>
             <a:endParaRPr lang="en-US"/>
           </a:p>
@@ -10358,7 +10358,7 @@
           <a:p>
             <a:fld id="{DD3575FE-2CC2-2845-A91B-203C440E7198}" type="datetimeFigureOut">
               <a:rPr lang="en-US" smtClean="0"/>
-              <a:t>10/15/19</a:t>
+              <a:t>1/27/20</a:t>
             </a:fld>
             <a:endParaRPr lang="en-US"/>
           </a:p>
@@ -10730,16 +10730,16 @@
           </a:p>
           <a:p>
             <a:r>
+              <a:rPr lang="en-US"/>
+              <a:t>Institution</a:t>
+            </a:r>
+            <a:endParaRPr lang="en-US" dirty="0"/>
+          </a:p>
+          <a:p>
+            <a:r>
               <a:rPr lang="en-US" dirty="0"/>
-              <a:t>The CHOICE Institute, University of Washington</a:t>
-            </a:r>
-          </a:p>
-          <a:p>
-            <a:r>
-              <a:rPr lang="en-US"/>
-              <a:t>October 16-18, 2019</a:t>
-            </a:r>
-            <a:endParaRPr lang="en-US" dirty="0"/>
+              <a:t>MONTH, YEAR</a:t>
+            </a:r>
           </a:p>
         </p:txBody>
       </p:sp>
@@ -27162,14 +27162,14 @@
           </a:ln>
           <a:extLst>
             <a:ext uri="{909E8E84-426E-40dd-AFC4-6F175D3DCCD1}">
-              <a14:hiddenFill xmlns:a14="http://schemas.microsoft.com/office/drawing/2010/main" xmlns="">
+              <a14:hiddenFill xmlns="" xmlns:a14="http://schemas.microsoft.com/office/drawing/2010/main">
                 <a:solidFill>
                   <a:srgbClr val="FFFFFF"/>
                 </a:solidFill>
               </a14:hiddenFill>
             </a:ext>
             <a:ext uri="{91240B29-F687-4f45-9708-019B960494DF}">
-              <a14:hiddenLine xmlns:a14="http://schemas.microsoft.com/office/drawing/2010/main" xmlns="" w="9525">
+              <a14:hiddenLine xmlns="" xmlns:a14="http://schemas.microsoft.com/office/drawing/2010/main" w="9525">
                 <a:solidFill>
                   <a:srgbClr val="000000"/>
                 </a:solidFill>
@@ -27322,7 +27322,7 @@
           </a:ln>
           <a:extLst>
             <a:ext uri="{909E8E84-426E-40dd-AFC4-6F175D3DCCD1}">
-              <a14:hiddenFill xmlns:a14="http://schemas.microsoft.com/office/drawing/2010/main" xmlns="">
+              <a14:hiddenFill xmlns="" xmlns:a14="http://schemas.microsoft.com/office/drawing/2010/main">
                 <a:solidFill>
                   <a:srgbClr val="FFFFFF"/>
                 </a:solidFill>
@@ -27469,7 +27469,7 @@
           </a:ln>
           <a:extLst>
             <a:ext uri="{909E8E84-426E-40dd-AFC4-6F175D3DCCD1}">
-              <a14:hiddenFill xmlns:a14="http://schemas.microsoft.com/office/drawing/2010/main" xmlns="">
+              <a14:hiddenFill xmlns="" xmlns:a14="http://schemas.microsoft.com/office/drawing/2010/main">
                 <a:solidFill>
                   <a:srgbClr val="FFFFFF"/>
                 </a:solidFill>
@@ -27616,7 +27616,7 @@
           </a:ln>
           <a:extLst>
             <a:ext uri="{909E8E84-426E-40dd-AFC4-6F175D3DCCD1}">
-              <a14:hiddenFill xmlns:a14="http://schemas.microsoft.com/office/drawing/2010/main" xmlns="">
+              <a14:hiddenFill xmlns="" xmlns:a14="http://schemas.microsoft.com/office/drawing/2010/main">
                 <a:solidFill>
                   <a:srgbClr val="FFFFFF"/>
                 </a:solidFill>
@@ -27763,7 +27763,7 @@
           </a:ln>
           <a:extLst>
             <a:ext uri="{909E8E84-426E-40dd-AFC4-6F175D3DCCD1}">
-              <a14:hiddenFill xmlns:a14="http://schemas.microsoft.com/office/drawing/2010/main" xmlns="">
+              <a14:hiddenFill xmlns="" xmlns:a14="http://schemas.microsoft.com/office/drawing/2010/main">
                 <a:solidFill>
                   <a:srgbClr val="FFFFFF"/>
                 </a:solidFill>
@@ -27910,7 +27910,7 @@
           </a:ln>
           <a:extLst>
             <a:ext uri="{909E8E84-426E-40dd-AFC4-6F175D3DCCD1}">
-              <a14:hiddenFill xmlns:a14="http://schemas.microsoft.com/office/drawing/2010/main" xmlns="">
+              <a14:hiddenFill xmlns="" xmlns:a14="http://schemas.microsoft.com/office/drawing/2010/main">
                 <a:solidFill>
                   <a:srgbClr val="FFFFFF"/>
                 </a:solidFill>
@@ -28057,7 +28057,7 @@
           </a:ln>
           <a:extLst>
             <a:ext uri="{909E8E84-426E-40dd-AFC4-6F175D3DCCD1}">
-              <a14:hiddenFill xmlns:a14="http://schemas.microsoft.com/office/drawing/2010/main" xmlns="">
+              <a14:hiddenFill xmlns="" xmlns:a14="http://schemas.microsoft.com/office/drawing/2010/main">
                 <a:solidFill>
                   <a:srgbClr val="FFFFFF"/>
                 </a:solidFill>
@@ -28204,7 +28204,7 @@
           </a:ln>
           <a:extLst>
             <a:ext uri="{909E8E84-426E-40dd-AFC4-6F175D3DCCD1}">
-              <a14:hiddenFill xmlns:a14="http://schemas.microsoft.com/office/drawing/2010/main" xmlns="">
+              <a14:hiddenFill xmlns="" xmlns:a14="http://schemas.microsoft.com/office/drawing/2010/main">
                 <a:solidFill>
                   <a:srgbClr val="FFFFFF"/>
                 </a:solidFill>
@@ -28351,7 +28351,7 @@
           </a:ln>
           <a:extLst>
             <a:ext uri="{909E8E84-426E-40dd-AFC4-6F175D3DCCD1}">
-              <a14:hiddenFill xmlns:a14="http://schemas.microsoft.com/office/drawing/2010/main" xmlns="">
+              <a14:hiddenFill xmlns="" xmlns:a14="http://schemas.microsoft.com/office/drawing/2010/main">
                 <a:solidFill>
                   <a:srgbClr val="FFFFFF"/>
                 </a:solidFill>
@@ -28498,7 +28498,7 @@
           </a:ln>
           <a:extLst>
             <a:ext uri="{909E8E84-426E-40dd-AFC4-6F175D3DCCD1}">
-              <a14:hiddenFill xmlns:a14="http://schemas.microsoft.com/office/drawing/2010/main" xmlns="">
+              <a14:hiddenFill xmlns="" xmlns:a14="http://schemas.microsoft.com/office/drawing/2010/main">
                 <a:solidFill>
                   <a:srgbClr val="FFFFFF"/>
                 </a:solidFill>
@@ -28652,7 +28652,7 @@
           </a:ln>
           <a:extLst>
             <a:ext uri="{909E8E84-426E-40dd-AFC4-6F175D3DCCD1}">
-              <a14:hiddenFill xmlns:a14="http://schemas.microsoft.com/office/drawing/2010/main" xmlns="">
+              <a14:hiddenFill xmlns="" xmlns:a14="http://schemas.microsoft.com/office/drawing/2010/main">
                 <a:noFill/>
               </a14:hiddenFill>
             </a:ext>
@@ -28709,7 +28709,7 @@
             </a:ln>
             <a:extLst>
               <a:ext uri="{909E8E84-426E-40dd-AFC4-6F175D3DCCD1}">
-                <a14:hiddenFill xmlns:a14="http://schemas.microsoft.com/office/drawing/2010/main" xmlns="">
+                <a14:hiddenFill xmlns="" xmlns:a14="http://schemas.microsoft.com/office/drawing/2010/main">
                   <a:solidFill>
                     <a:srgbClr val="FFFFFF"/>
                   </a:solidFill>
@@ -28853,7 +28853,7 @@
             </a:ln>
             <a:extLst>
               <a:ext uri="{909E8E84-426E-40dd-AFC4-6F175D3DCCD1}">
-                <a14:hiddenFill xmlns:a14="http://schemas.microsoft.com/office/drawing/2010/main" xmlns="">
+                <a14:hiddenFill xmlns="" xmlns:a14="http://schemas.microsoft.com/office/drawing/2010/main">
                   <a:noFill/>
                 </a14:hiddenFill>
               </a:ext>
@@ -28894,7 +28894,7 @@
             </a:ln>
             <a:extLst>
               <a:ext uri="{909E8E84-426E-40dd-AFC4-6F175D3DCCD1}">
-                <a14:hiddenFill xmlns:a14="http://schemas.microsoft.com/office/drawing/2010/main" xmlns="">
+                <a14:hiddenFill xmlns="" xmlns:a14="http://schemas.microsoft.com/office/drawing/2010/main">
                   <a:noFill/>
                 </a14:hiddenFill>
               </a:ext>
@@ -28935,7 +28935,7 @@
             </a:ln>
             <a:extLst>
               <a:ext uri="{909E8E84-426E-40dd-AFC4-6F175D3DCCD1}">
-                <a14:hiddenFill xmlns:a14="http://schemas.microsoft.com/office/drawing/2010/main" xmlns="">
+                <a14:hiddenFill xmlns="" xmlns:a14="http://schemas.microsoft.com/office/drawing/2010/main">
                   <a:noFill/>
                 </a14:hiddenFill>
               </a:ext>
@@ -28976,7 +28976,7 @@
             </a:ln>
             <a:extLst>
               <a:ext uri="{909E8E84-426E-40dd-AFC4-6F175D3DCCD1}">
-                <a14:hiddenFill xmlns:a14="http://schemas.microsoft.com/office/drawing/2010/main" xmlns="">
+                <a14:hiddenFill xmlns="" xmlns:a14="http://schemas.microsoft.com/office/drawing/2010/main">
                   <a:noFill/>
                 </a14:hiddenFill>
               </a:ext>
@@ -29017,7 +29017,7 @@
             </a:ln>
             <a:extLst>
               <a:ext uri="{909E8E84-426E-40dd-AFC4-6F175D3DCCD1}">
-                <a14:hiddenFill xmlns:a14="http://schemas.microsoft.com/office/drawing/2010/main" xmlns="">
+                <a14:hiddenFill xmlns="" xmlns:a14="http://schemas.microsoft.com/office/drawing/2010/main">
                   <a:noFill/>
                 </a14:hiddenFill>
               </a:ext>
@@ -29386,7 +29386,7 @@
             </a:ln>
             <a:extLst>
               <a:ext uri="{909E8E84-426E-40dd-AFC4-6F175D3DCCD1}">
-                <a14:hiddenFill xmlns:a14="http://schemas.microsoft.com/office/drawing/2010/main" xmlns="">
+                <a14:hiddenFill xmlns="" xmlns:a14="http://schemas.microsoft.com/office/drawing/2010/main">
                   <a:solidFill>
                     <a:srgbClr val="FFFFFF"/>
                   </a:solidFill>
@@ -29425,14 +29425,14 @@
           </a:ln>
           <a:extLst>
             <a:ext uri="{909E8E84-426E-40dd-AFC4-6F175D3DCCD1}">
-              <a14:hiddenFill xmlns:a14="http://schemas.microsoft.com/office/drawing/2010/main" xmlns="">
+              <a14:hiddenFill xmlns="" xmlns:a14="http://schemas.microsoft.com/office/drawing/2010/main">
                 <a:solidFill>
                   <a:srgbClr val="FFFFFF"/>
                 </a:solidFill>
               </a14:hiddenFill>
             </a:ext>
             <a:ext uri="{91240B29-F687-4f45-9708-019B960494DF}">
-              <a14:hiddenLine xmlns:a14="http://schemas.microsoft.com/office/drawing/2010/main" xmlns="" w="9525">
+              <a14:hiddenLine xmlns="" xmlns:a14="http://schemas.microsoft.com/office/drawing/2010/main" w="9525">
                 <a:solidFill>
                   <a:srgbClr val="000000"/>
                 </a:solidFill>
@@ -29587,7 +29587,7 @@
           </a:ln>
           <a:extLst>
             <a:ext uri="{909E8E84-426E-40dd-AFC4-6F175D3DCCD1}">
-              <a14:hiddenFill xmlns:a14="http://schemas.microsoft.com/office/drawing/2010/main" xmlns="">
+              <a14:hiddenFill xmlns="" xmlns:a14="http://schemas.microsoft.com/office/drawing/2010/main">
                 <a:noFill/>
               </a14:hiddenFill>
             </a:ext>
@@ -29623,14 +29623,14 @@
           </a:ln>
           <a:extLst>
             <a:ext uri="{909E8E84-426E-40dd-AFC4-6F175D3DCCD1}">
-              <a14:hiddenFill xmlns:a14="http://schemas.microsoft.com/office/drawing/2010/main" xmlns="">
+              <a14:hiddenFill xmlns="" xmlns:a14="http://schemas.microsoft.com/office/drawing/2010/main">
                 <a:solidFill>
                   <a:srgbClr val="FFFFFF"/>
                 </a:solidFill>
               </a14:hiddenFill>
             </a:ext>
             <a:ext uri="{91240B29-F687-4f45-9708-019B960494DF}">
-              <a14:hiddenLine xmlns:a14="http://schemas.microsoft.com/office/drawing/2010/main" xmlns="" w="9525">
+              <a14:hiddenLine xmlns="" xmlns:a14="http://schemas.microsoft.com/office/drawing/2010/main" w="9525">
                 <a:solidFill>
                   <a:srgbClr val="000000"/>
                 </a:solidFill>
@@ -29785,7 +29785,7 @@
           </a:ln>
           <a:extLst>
             <a:ext uri="{909E8E84-426E-40dd-AFC4-6F175D3DCCD1}">
-              <a14:hiddenFill xmlns:a14="http://schemas.microsoft.com/office/drawing/2010/main" xmlns="">
+              <a14:hiddenFill xmlns="" xmlns:a14="http://schemas.microsoft.com/office/drawing/2010/main">
                 <a:noFill/>
               </a14:hiddenFill>
             </a:ext>
@@ -29821,14 +29821,14 @@
           </a:ln>
           <a:extLst>
             <a:ext uri="{909E8E84-426E-40dd-AFC4-6F175D3DCCD1}">
-              <a14:hiddenFill xmlns:a14="http://schemas.microsoft.com/office/drawing/2010/main" xmlns="">
+              <a14:hiddenFill xmlns="" xmlns:a14="http://schemas.microsoft.com/office/drawing/2010/main">
                 <a:solidFill>
                   <a:srgbClr val="FFFFFF"/>
                 </a:solidFill>
               </a14:hiddenFill>
             </a:ext>
             <a:ext uri="{91240B29-F687-4f45-9708-019B960494DF}">
-              <a14:hiddenLine xmlns:a14="http://schemas.microsoft.com/office/drawing/2010/main" xmlns="" w="9525">
+              <a14:hiddenLine xmlns="" xmlns:a14="http://schemas.microsoft.com/office/drawing/2010/main" w="9525">
                 <a:solidFill>
                   <a:srgbClr val="000000"/>
                 </a:solidFill>
@@ -29972,7 +29972,7 @@
           <a:graphicData uri="http://schemas.openxmlformats.org/presentationml/2006/ole">
             <mc:AlternateContent xmlns:mc="http://schemas.openxmlformats.org/markup-compatibility/2006">
               <mc:Choice xmlns:v="urn:schemas-microsoft-com:vml" Requires="v">
-                <p:oleObj spid="_x0000_s4165" name="Equation" r:id="rId3" imgW="2577960" imgH="457200" progId="Equation.DSMT4">
+                <p:oleObj spid="_x0000_s4167" name="Equation" r:id="rId3" imgW="2577960" imgH="457200" progId="Equation.DSMT4">
                   <p:embed/>
                 </p:oleObj>
               </mc:Choice>
@@ -30015,14 +30015,14 @@
                       <a:effectLst/>
                       <a:extLst>
                         <a:ext uri="{909E8E84-426E-40dd-AFC4-6F175D3DCCD1}">
-                          <a14:hiddenFill xmlns:a14="http://schemas.microsoft.com/office/drawing/2010/main" xmlns="">
+                          <a14:hiddenFill xmlns="" xmlns:a14="http://schemas.microsoft.com/office/drawing/2010/main">
                             <a:solidFill>
                               <a:srgbClr val="FFFFFF"/>
                             </a:solidFill>
                           </a14:hiddenFill>
                         </a:ext>
                         <a:ext uri="{91240B29-F687-4f45-9708-019B960494DF}">
-                          <a14:hiddenLine xmlns:a14="http://schemas.microsoft.com/office/drawing/2010/main" xmlns="" w="9525">
+                          <a14:hiddenLine xmlns="" xmlns:a14="http://schemas.microsoft.com/office/drawing/2010/main" w="9525">
                             <a:solidFill>
                               <a:srgbClr val="000000"/>
                             </a:solidFill>
@@ -30032,7 +30032,7 @@
                           </a14:hiddenLine>
                         </a:ext>
                         <a:ext uri="{AF507438-7753-43e0-B8FC-AC1667EBCBE1}">
-                          <a14:hiddenEffects xmlns:a14="http://schemas.microsoft.com/office/drawing/2010/main" xmlns="">
+                          <a14:hiddenEffects xmlns="" xmlns:a14="http://schemas.microsoft.com/office/drawing/2010/main">
                             <a:effectLst>
                               <a:outerShdw dist="35921" dir="2700000" algn="ctr" rotWithShape="0">
                                 <a:srgbClr val="808080"/>

--- a/Markov models/Slides/MarkovModelSlides.pptx
+++ b/Markov models/Slides/MarkovModelSlides.pptx
@@ -231,7 +231,7 @@
           <a:p>
             <a:fld id="{80022054-F6B9-B04E-9F80-BE6C2BED9348}" type="datetimeFigureOut">
               <a:rPr lang="en-US" smtClean="0"/>
-              <a:t>10/15/19</a:t>
+              <a:t>1/28/20</a:t>
             </a:fld>
             <a:endParaRPr lang="en-US"/>
           </a:p>
@@ -3644,7 +3644,7 @@
           <a:p>
             <a:fld id="{DD3575FE-2CC2-2845-A91B-203C440E7198}" type="datetimeFigureOut">
               <a:rPr lang="en-US" smtClean="0"/>
-              <a:t>10/15/19</a:t>
+              <a:t>1/28/20</a:t>
             </a:fld>
             <a:endParaRPr lang="en-US"/>
           </a:p>
@@ -3977,7 +3977,7 @@
           <a:p>
             <a:fld id="{DD3575FE-2CC2-2845-A91B-203C440E7198}" type="datetimeFigureOut">
               <a:rPr lang="en-US" smtClean="0"/>
-              <a:t>10/15/19</a:t>
+              <a:t>1/28/20</a:t>
             </a:fld>
             <a:endParaRPr lang="en-US"/>
           </a:p>
@@ -4161,7 +4161,7 @@
           <a:p>
             <a:fld id="{DD3575FE-2CC2-2845-A91B-203C440E7198}" type="datetimeFigureOut">
               <a:rPr lang="en-US" smtClean="0"/>
-              <a:t>10/15/19</a:t>
+              <a:t>1/28/20</a:t>
             </a:fld>
             <a:endParaRPr lang="en-US"/>
           </a:p>
@@ -4351,7 +4351,7 @@
           <a:p>
             <a:fld id="{DD3575FE-2CC2-2845-A91B-203C440E7198}" type="datetimeFigureOut">
               <a:rPr lang="en-US" smtClean="0"/>
-              <a:t>10/15/19</a:t>
+              <a:t>1/28/20</a:t>
             </a:fld>
             <a:endParaRPr lang="en-US"/>
           </a:p>
@@ -4503,7 +4503,7 @@
           <a:p>
             <a:fld id="{DD3575FE-2CC2-2845-A91B-203C440E7198}" type="datetimeFigureOut">
               <a:rPr lang="en-US" smtClean="0"/>
-              <a:t>10/15/19</a:t>
+              <a:t>1/28/20</a:t>
             </a:fld>
             <a:endParaRPr lang="en-US"/>
           </a:p>
@@ -5728,7 +5728,7 @@
           <a:p>
             <a:fld id="{DD3575FE-2CC2-2845-A91B-203C440E7198}" type="datetimeFigureOut">
               <a:rPr lang="en-US" smtClean="0"/>
-              <a:t>10/15/19</a:t>
+              <a:t>1/28/20</a:t>
             </a:fld>
             <a:endParaRPr lang="en-US"/>
           </a:p>
@@ -5766,7 +5766,7 @@
           <a:noFill/>
           <a:extLst>
             <a:ext uri="{909E8E84-426E-40dd-AFC4-6F175D3DCCD1}">
-              <a14:hiddenFill xmlns="" xmlns:a14="http://schemas.microsoft.com/office/drawing/2010/main">
+              <a14:hiddenFill xmlns:a14="http://schemas.microsoft.com/office/drawing/2010/main" xmlns="">
                 <a:solidFill>
                   <a:srgbClr val="FFFFFF"/>
                 </a:solidFill>
@@ -5807,7 +5807,7 @@
           <a:noFill/>
           <a:extLst>
             <a:ext uri="{909E8E84-426E-40dd-AFC4-6F175D3DCCD1}">
-              <a14:hiddenFill xmlns="" xmlns:a14="http://schemas.microsoft.com/office/drawing/2010/main">
+              <a14:hiddenFill xmlns:a14="http://schemas.microsoft.com/office/drawing/2010/main" xmlns="">
                 <a:solidFill>
                   <a:srgbClr val="FFFFFF"/>
                 </a:solidFill>
@@ -7416,7 +7416,7 @@
           <a:noFill/>
           <a:extLst>
             <a:ext uri="{909E8E84-426E-40dd-AFC4-6F175D3DCCD1}">
-              <a14:hiddenFill xmlns="" xmlns:a14="http://schemas.microsoft.com/office/drawing/2010/main">
+              <a14:hiddenFill xmlns:a14="http://schemas.microsoft.com/office/drawing/2010/main" xmlns="">
                 <a:solidFill>
                   <a:srgbClr val="FFFFFF"/>
                 </a:solidFill>
@@ -7455,7 +7455,7 @@
           <a:noFill/>
           <a:extLst>
             <a:ext uri="{909E8E84-426E-40dd-AFC4-6F175D3DCCD1}">
-              <a14:hiddenFill xmlns="" xmlns:a14="http://schemas.microsoft.com/office/drawing/2010/main">
+              <a14:hiddenFill xmlns:a14="http://schemas.microsoft.com/office/drawing/2010/main" xmlns="">
                 <a:solidFill>
                   <a:srgbClr val="FFFFFF"/>
                 </a:solidFill>
@@ -7550,7 +7550,7 @@
           <a:noFill/>
           <a:extLst>
             <a:ext uri="{909E8E84-426E-40dd-AFC4-6F175D3DCCD1}">
-              <a14:hiddenFill xmlns="" xmlns:a14="http://schemas.microsoft.com/office/drawing/2010/main">
+              <a14:hiddenFill xmlns:a14="http://schemas.microsoft.com/office/drawing/2010/main" xmlns="">
                 <a:solidFill>
                   <a:srgbClr val="FFFFFF"/>
                 </a:solidFill>
@@ -7591,7 +7591,7 @@
           <a:noFill/>
           <a:extLst>
             <a:ext uri="{909E8E84-426E-40dd-AFC4-6F175D3DCCD1}">
-              <a14:hiddenFill xmlns="" xmlns:a14="http://schemas.microsoft.com/office/drawing/2010/main">
+              <a14:hiddenFill xmlns:a14="http://schemas.microsoft.com/office/drawing/2010/main" xmlns="">
                 <a:solidFill>
                   <a:srgbClr val="FFFFFF"/>
                 </a:solidFill>
@@ -7636,14 +7636,14 @@
           <a:effectLst/>
           <a:extLst>
             <a:ext uri="{909E8E84-426E-40dd-AFC4-6F175D3DCCD1}">
-              <a14:hiddenFill xmlns="" xmlns:a14="http://schemas.microsoft.com/office/drawing/2010/main">
+              <a14:hiddenFill xmlns:a14="http://schemas.microsoft.com/office/drawing/2010/main" xmlns="">
                 <a:solidFill>
                   <a:schemeClr val="accent1"/>
                 </a:solidFill>
               </a14:hiddenFill>
             </a:ext>
             <a:ext uri="{91240B29-F687-4f45-9708-019B960494DF}">
-              <a14:hiddenLine xmlns="" xmlns:a14="http://schemas.microsoft.com/office/drawing/2010/main" w="9525">
+              <a14:hiddenLine xmlns:a14="http://schemas.microsoft.com/office/drawing/2010/main" xmlns="" w="9525">
                 <a:solidFill>
                   <a:schemeClr val="tx1"/>
                 </a:solidFill>
@@ -7653,7 +7653,7 @@
               </a14:hiddenLine>
             </a:ext>
             <a:ext uri="{AF507438-7753-43e0-B8FC-AC1667EBCBE1}">
-              <a14:hiddenEffects xmlns="" xmlns:a14="http://schemas.microsoft.com/office/drawing/2010/main">
+              <a14:hiddenEffects xmlns:a14="http://schemas.microsoft.com/office/drawing/2010/main" xmlns="">
                 <a:effectLst>
                   <a:outerShdw dist="35921" dir="2700000" algn="ctr" rotWithShape="0">
                     <a:schemeClr val="bg2"/>
@@ -7700,14 +7700,14 @@
           <a:effectLst/>
           <a:extLst>
             <a:ext uri="{909E8E84-426E-40dd-AFC4-6F175D3DCCD1}">
-              <a14:hiddenFill xmlns="" xmlns:a14="http://schemas.microsoft.com/office/drawing/2010/main">
+              <a14:hiddenFill xmlns:a14="http://schemas.microsoft.com/office/drawing/2010/main" xmlns="">
                 <a:solidFill>
                   <a:schemeClr val="accent1"/>
                 </a:solidFill>
               </a14:hiddenFill>
             </a:ext>
             <a:ext uri="{91240B29-F687-4f45-9708-019B960494DF}">
-              <a14:hiddenLine xmlns="" xmlns:a14="http://schemas.microsoft.com/office/drawing/2010/main" w="9525">
+              <a14:hiddenLine xmlns:a14="http://schemas.microsoft.com/office/drawing/2010/main" xmlns="" w="9525">
                 <a:solidFill>
                   <a:schemeClr val="tx1"/>
                 </a:solidFill>
@@ -7717,7 +7717,7 @@
               </a14:hiddenLine>
             </a:ext>
             <a:ext uri="{AF507438-7753-43e0-B8FC-AC1667EBCBE1}">
-              <a14:hiddenEffects xmlns="" xmlns:a14="http://schemas.microsoft.com/office/drawing/2010/main">
+              <a14:hiddenEffects xmlns:a14="http://schemas.microsoft.com/office/drawing/2010/main" xmlns="">
                 <a:effectLst>
                   <a:outerShdw dist="35921" dir="2700000" algn="ctr" rotWithShape="0">
                     <a:schemeClr val="bg2"/>
@@ -8137,7 +8137,7 @@
           <a:noFill/>
           <a:extLst>
             <a:ext uri="{909E8E84-426E-40dd-AFC4-6F175D3DCCD1}">
-              <a14:hiddenFill xmlns="" xmlns:a14="http://schemas.microsoft.com/office/drawing/2010/main">
+              <a14:hiddenFill xmlns:a14="http://schemas.microsoft.com/office/drawing/2010/main" xmlns="">
                 <a:solidFill>
                   <a:srgbClr val="FFFFFF"/>
                 </a:solidFill>
@@ -8176,7 +8176,7 @@
           <a:noFill/>
           <a:extLst>
             <a:ext uri="{909E8E84-426E-40dd-AFC4-6F175D3DCCD1}">
-              <a14:hiddenFill xmlns="" xmlns:a14="http://schemas.microsoft.com/office/drawing/2010/main">
+              <a14:hiddenFill xmlns:a14="http://schemas.microsoft.com/office/drawing/2010/main" xmlns="">
                 <a:solidFill>
                   <a:srgbClr val="FFFFFF"/>
                 </a:solidFill>
@@ -8398,7 +8398,7 @@
           <a:noFill/>
           <a:extLst>
             <a:ext uri="{909E8E84-426E-40dd-AFC4-6F175D3DCCD1}">
-              <a14:hiddenFill xmlns="" xmlns:a14="http://schemas.microsoft.com/office/drawing/2010/main">
+              <a14:hiddenFill xmlns:a14="http://schemas.microsoft.com/office/drawing/2010/main" xmlns="">
                 <a:solidFill>
                   <a:srgbClr val="FFFFFF"/>
                 </a:solidFill>
@@ -8445,7 +8445,7 @@
           <a:noFill/>
           <a:extLst>
             <a:ext uri="{909E8E84-426E-40dd-AFC4-6F175D3DCCD1}">
-              <a14:hiddenFill xmlns="" xmlns:a14="http://schemas.microsoft.com/office/drawing/2010/main">
+              <a14:hiddenFill xmlns:a14="http://schemas.microsoft.com/office/drawing/2010/main" xmlns="">
                 <a:solidFill>
                   <a:srgbClr val="FFFFFF"/>
                 </a:solidFill>
@@ -8496,14 +8496,14 @@
           <a:effectLst/>
           <a:extLst>
             <a:ext uri="{909E8E84-426E-40dd-AFC4-6F175D3DCCD1}">
-              <a14:hiddenFill xmlns="" xmlns:a14="http://schemas.microsoft.com/office/drawing/2010/main">
+              <a14:hiddenFill xmlns:a14="http://schemas.microsoft.com/office/drawing/2010/main" xmlns="">
                 <a:solidFill>
                   <a:schemeClr val="accent1"/>
                 </a:solidFill>
               </a14:hiddenFill>
             </a:ext>
             <a:ext uri="{91240B29-F687-4f45-9708-019B960494DF}">
-              <a14:hiddenLine xmlns="" xmlns:a14="http://schemas.microsoft.com/office/drawing/2010/main" w="9525">
+              <a14:hiddenLine xmlns:a14="http://schemas.microsoft.com/office/drawing/2010/main" xmlns="" w="9525">
                 <a:solidFill>
                   <a:schemeClr val="tx1"/>
                 </a:solidFill>
@@ -8513,7 +8513,7 @@
               </a14:hiddenLine>
             </a:ext>
             <a:ext uri="{AF507438-7753-43e0-B8FC-AC1667EBCBE1}">
-              <a14:hiddenEffects xmlns="" xmlns:a14="http://schemas.microsoft.com/office/drawing/2010/main">
+              <a14:hiddenEffects xmlns:a14="http://schemas.microsoft.com/office/drawing/2010/main" xmlns="">
                 <a:effectLst>
                   <a:outerShdw dist="35921" dir="2700000" algn="ctr" rotWithShape="0">
                     <a:schemeClr val="bg2"/>
@@ -8566,14 +8566,14 @@
           <a:effectLst/>
           <a:extLst>
             <a:ext uri="{909E8E84-426E-40dd-AFC4-6F175D3DCCD1}">
-              <a14:hiddenFill xmlns="" xmlns:a14="http://schemas.microsoft.com/office/drawing/2010/main">
+              <a14:hiddenFill xmlns:a14="http://schemas.microsoft.com/office/drawing/2010/main" xmlns="">
                 <a:solidFill>
                   <a:schemeClr val="accent1"/>
                 </a:solidFill>
               </a14:hiddenFill>
             </a:ext>
             <a:ext uri="{91240B29-F687-4f45-9708-019B960494DF}">
-              <a14:hiddenLine xmlns="" xmlns:a14="http://schemas.microsoft.com/office/drawing/2010/main" w="9525">
+              <a14:hiddenLine xmlns:a14="http://schemas.microsoft.com/office/drawing/2010/main" xmlns="" w="9525">
                 <a:solidFill>
                   <a:schemeClr val="tx1"/>
                 </a:solidFill>
@@ -8583,7 +8583,7 @@
               </a14:hiddenLine>
             </a:ext>
             <a:ext uri="{AF507438-7753-43e0-B8FC-AC1667EBCBE1}">
-              <a14:hiddenEffects xmlns="" xmlns:a14="http://schemas.microsoft.com/office/drawing/2010/main">
+              <a14:hiddenEffects xmlns:a14="http://schemas.microsoft.com/office/drawing/2010/main" xmlns="">
                 <a:effectLst>
                   <a:outerShdw dist="35921" dir="2700000" algn="ctr" rotWithShape="0">
                     <a:schemeClr val="bg2"/>
@@ -8759,7 +8759,7 @@
           <a:p>
             <a:fld id="{DD3575FE-2CC2-2845-A91B-203C440E7198}" type="datetimeFigureOut">
               <a:rPr lang="en-US" smtClean="0"/>
-              <a:t>10/15/19</a:t>
+              <a:t>1/28/20</a:t>
             </a:fld>
             <a:endParaRPr lang="en-US"/>
           </a:p>
@@ -9016,7 +9016,7 @@
           <a:p>
             <a:fld id="{DD3575FE-2CC2-2845-A91B-203C440E7198}" type="datetimeFigureOut">
               <a:rPr lang="en-US" smtClean="0"/>
-              <a:t>10/15/19</a:t>
+              <a:t>1/28/20</a:t>
             </a:fld>
             <a:endParaRPr lang="en-US"/>
           </a:p>
@@ -9320,7 +9320,7 @@
           <a:p>
             <a:fld id="{DD3575FE-2CC2-2845-A91B-203C440E7198}" type="datetimeFigureOut">
               <a:rPr lang="en-US" smtClean="0"/>
-              <a:t>10/15/19</a:t>
+              <a:t>1/28/20</a:t>
             </a:fld>
             <a:endParaRPr lang="en-US"/>
           </a:p>
@@ -9769,7 +9769,7 @@
           <a:p>
             <a:fld id="{DD3575FE-2CC2-2845-A91B-203C440E7198}" type="datetimeFigureOut">
               <a:rPr lang="en-US" smtClean="0"/>
-              <a:t>10/15/19</a:t>
+              <a:t>1/28/20</a:t>
             </a:fld>
             <a:endParaRPr lang="en-US"/>
           </a:p>
@@ -9903,7 +9903,7 @@
           <a:p>
             <a:fld id="{DD3575FE-2CC2-2845-A91B-203C440E7198}" type="datetimeFigureOut">
               <a:rPr lang="en-US" smtClean="0"/>
-              <a:t>10/15/19</a:t>
+              <a:t>1/28/20</a:t>
             </a:fld>
             <a:endParaRPr lang="en-US"/>
           </a:p>
@@ -10009,7 +10009,7 @@
           <a:p>
             <a:fld id="{DD3575FE-2CC2-2845-A91B-203C440E7198}" type="datetimeFigureOut">
               <a:rPr lang="en-US" smtClean="0"/>
-              <a:t>10/15/19</a:t>
+              <a:t>1/28/20</a:t>
             </a:fld>
             <a:endParaRPr lang="en-US"/>
           </a:p>
@@ -10358,7 +10358,7 @@
           <a:p>
             <a:fld id="{DD3575FE-2CC2-2845-A91B-203C440E7198}" type="datetimeFigureOut">
               <a:rPr lang="en-US" smtClean="0"/>
-              <a:t>10/15/19</a:t>
+              <a:t>1/28/20</a:t>
             </a:fld>
             <a:endParaRPr lang="en-US"/>
           </a:p>
@@ -10716,13 +10716,19 @@
         </p:spPr>
         <p:txBody>
           <a:bodyPr>
-            <a:normAutofit/>
+            <a:normAutofit lnSpcReduction="10000"/>
           </a:bodyPr>
           <a:lstStyle/>
           <a:p>
             <a:r>
+              <a:rPr lang="en-US" b="1" dirty="0"/>
+              <a:t>Using R for Decision Modeling in Health Technology Assessment</a:t>
+            </a:r>
+          </a:p>
+          <a:p>
+            <a:r>
               <a:rPr lang="en-US" dirty="0"/>
-              <a:t>Cost-Effectiveness and Decision Modeling in R Workshop</a:t>
+              <a:t>CE16 </a:t>
             </a:r>
           </a:p>
           <a:p>
@@ -10731,15 +10737,14 @@
           <a:p>
             <a:r>
               <a:rPr lang="en-US" dirty="0"/>
-              <a:t>The CHOICE Institute, University of Washington</a:t>
-            </a:r>
-          </a:p>
-          <a:p>
-            <a:r>
-              <a:rPr lang="en-US"/>
-              <a:t>October 16-18, 2019</a:t>
-            </a:r>
-            <a:endParaRPr lang="en-US" dirty="0"/>
+              <a:t>NIHES Erasmus Medical Center Rotterdam</a:t>
+            </a:r>
+          </a:p>
+          <a:p>
+            <a:r>
+              <a:rPr lang="en-US" dirty="0"/>
+              <a:t>February, 2020</a:t>
+            </a:r>
           </a:p>
         </p:txBody>
       </p:sp>
@@ -23285,7 +23290,7 @@
           <a:p>
             <a:r>
               <a:rPr lang="en-US" dirty="0" err="1"/>
-              <a:t>p.HD</a:t>
+              <a:t>p_HD</a:t>
             </a:r>
             <a:r>
               <a:rPr lang="en-US" dirty="0"/>
@@ -23293,7 +23298,7 @@
             </a:r>
             <a:r>
               <a:rPr lang="en-US" dirty="0" err="1"/>
-              <a:t>pDie</a:t>
+              <a:t>p_Die</a:t>
             </a:r>
             <a:r>
               <a:rPr lang="en-US" dirty="0"/>
@@ -23301,15 +23306,15 @@
             </a:r>
             <a:r>
               <a:rPr lang="en-US" dirty="0" err="1"/>
-              <a:t>pSick</a:t>
+              <a:t>p_Sick</a:t>
             </a:r>
             <a:r>
               <a:rPr lang="en-US" dirty="0"/>
-              <a:t>*</a:t>
+              <a:t> * </a:t>
             </a:r>
             <a:r>
               <a:rPr lang="en-US" dirty="0" err="1"/>
-              <a:t>pDieAcute</a:t>
+              <a:t>p_DieAcute</a:t>
             </a:r>
             <a:endParaRPr lang="en-US" dirty="0"/>
           </a:p>
@@ -27162,14 +27167,14 @@
           </a:ln>
           <a:extLst>
             <a:ext uri="{909E8E84-426E-40dd-AFC4-6F175D3DCCD1}">
-              <a14:hiddenFill xmlns:a14="http://schemas.microsoft.com/office/drawing/2010/main" xmlns="">
+              <a14:hiddenFill xmlns="" xmlns:a14="http://schemas.microsoft.com/office/drawing/2010/main">
                 <a:solidFill>
                   <a:srgbClr val="FFFFFF"/>
                 </a:solidFill>
               </a14:hiddenFill>
             </a:ext>
             <a:ext uri="{91240B29-F687-4f45-9708-019B960494DF}">
-              <a14:hiddenLine xmlns:a14="http://schemas.microsoft.com/office/drawing/2010/main" xmlns="" w="9525">
+              <a14:hiddenLine xmlns="" xmlns:a14="http://schemas.microsoft.com/office/drawing/2010/main" w="9525">
                 <a:solidFill>
                   <a:srgbClr val="000000"/>
                 </a:solidFill>
@@ -27322,7 +27327,7 @@
           </a:ln>
           <a:extLst>
             <a:ext uri="{909E8E84-426E-40dd-AFC4-6F175D3DCCD1}">
-              <a14:hiddenFill xmlns:a14="http://schemas.microsoft.com/office/drawing/2010/main" xmlns="">
+              <a14:hiddenFill xmlns="" xmlns:a14="http://schemas.microsoft.com/office/drawing/2010/main">
                 <a:solidFill>
                   <a:srgbClr val="FFFFFF"/>
                 </a:solidFill>
@@ -27469,7 +27474,7 @@
           </a:ln>
           <a:extLst>
             <a:ext uri="{909E8E84-426E-40dd-AFC4-6F175D3DCCD1}">
-              <a14:hiddenFill xmlns:a14="http://schemas.microsoft.com/office/drawing/2010/main" xmlns="">
+              <a14:hiddenFill xmlns="" xmlns:a14="http://schemas.microsoft.com/office/drawing/2010/main">
                 <a:solidFill>
                   <a:srgbClr val="FFFFFF"/>
                 </a:solidFill>
@@ -27616,7 +27621,7 @@
           </a:ln>
           <a:extLst>
             <a:ext uri="{909E8E84-426E-40dd-AFC4-6F175D3DCCD1}">
-              <a14:hiddenFill xmlns:a14="http://schemas.microsoft.com/office/drawing/2010/main" xmlns="">
+              <a14:hiddenFill xmlns="" xmlns:a14="http://schemas.microsoft.com/office/drawing/2010/main">
                 <a:solidFill>
                   <a:srgbClr val="FFFFFF"/>
                 </a:solidFill>
@@ -27763,7 +27768,7 @@
           </a:ln>
           <a:extLst>
             <a:ext uri="{909E8E84-426E-40dd-AFC4-6F175D3DCCD1}">
-              <a14:hiddenFill xmlns:a14="http://schemas.microsoft.com/office/drawing/2010/main" xmlns="">
+              <a14:hiddenFill xmlns="" xmlns:a14="http://schemas.microsoft.com/office/drawing/2010/main">
                 <a:solidFill>
                   <a:srgbClr val="FFFFFF"/>
                 </a:solidFill>
@@ -27910,7 +27915,7 @@
           </a:ln>
           <a:extLst>
             <a:ext uri="{909E8E84-426E-40dd-AFC4-6F175D3DCCD1}">
-              <a14:hiddenFill xmlns:a14="http://schemas.microsoft.com/office/drawing/2010/main" xmlns="">
+              <a14:hiddenFill xmlns="" xmlns:a14="http://schemas.microsoft.com/office/drawing/2010/main">
                 <a:solidFill>
                   <a:srgbClr val="FFFFFF"/>
                 </a:solidFill>
@@ -28057,7 +28062,7 @@
           </a:ln>
           <a:extLst>
             <a:ext uri="{909E8E84-426E-40dd-AFC4-6F175D3DCCD1}">
-              <a14:hiddenFill xmlns:a14="http://schemas.microsoft.com/office/drawing/2010/main" xmlns="">
+              <a14:hiddenFill xmlns="" xmlns:a14="http://schemas.microsoft.com/office/drawing/2010/main">
                 <a:solidFill>
                   <a:srgbClr val="FFFFFF"/>
                 </a:solidFill>
@@ -28204,7 +28209,7 @@
           </a:ln>
           <a:extLst>
             <a:ext uri="{909E8E84-426E-40dd-AFC4-6F175D3DCCD1}">
-              <a14:hiddenFill xmlns:a14="http://schemas.microsoft.com/office/drawing/2010/main" xmlns="">
+              <a14:hiddenFill xmlns="" xmlns:a14="http://schemas.microsoft.com/office/drawing/2010/main">
                 <a:solidFill>
                   <a:srgbClr val="FFFFFF"/>
                 </a:solidFill>
@@ -28351,7 +28356,7 @@
           </a:ln>
           <a:extLst>
             <a:ext uri="{909E8E84-426E-40dd-AFC4-6F175D3DCCD1}">
-              <a14:hiddenFill xmlns:a14="http://schemas.microsoft.com/office/drawing/2010/main" xmlns="">
+              <a14:hiddenFill xmlns="" xmlns:a14="http://schemas.microsoft.com/office/drawing/2010/main">
                 <a:solidFill>
                   <a:srgbClr val="FFFFFF"/>
                 </a:solidFill>
@@ -28498,7 +28503,7 @@
           </a:ln>
           <a:extLst>
             <a:ext uri="{909E8E84-426E-40dd-AFC4-6F175D3DCCD1}">
-              <a14:hiddenFill xmlns:a14="http://schemas.microsoft.com/office/drawing/2010/main" xmlns="">
+              <a14:hiddenFill xmlns="" xmlns:a14="http://schemas.microsoft.com/office/drawing/2010/main">
                 <a:solidFill>
                   <a:srgbClr val="FFFFFF"/>
                 </a:solidFill>
@@ -28652,7 +28657,7 @@
           </a:ln>
           <a:extLst>
             <a:ext uri="{909E8E84-426E-40dd-AFC4-6F175D3DCCD1}">
-              <a14:hiddenFill xmlns:a14="http://schemas.microsoft.com/office/drawing/2010/main" xmlns="">
+              <a14:hiddenFill xmlns="" xmlns:a14="http://schemas.microsoft.com/office/drawing/2010/main">
                 <a:noFill/>
               </a14:hiddenFill>
             </a:ext>
@@ -28709,7 +28714,7 @@
             </a:ln>
             <a:extLst>
               <a:ext uri="{909E8E84-426E-40dd-AFC4-6F175D3DCCD1}">
-                <a14:hiddenFill xmlns:a14="http://schemas.microsoft.com/office/drawing/2010/main" xmlns="">
+                <a14:hiddenFill xmlns="" xmlns:a14="http://schemas.microsoft.com/office/drawing/2010/main">
                   <a:solidFill>
                     <a:srgbClr val="FFFFFF"/>
                   </a:solidFill>
@@ -28853,7 +28858,7 @@
             </a:ln>
             <a:extLst>
               <a:ext uri="{909E8E84-426E-40dd-AFC4-6F175D3DCCD1}">
-                <a14:hiddenFill xmlns:a14="http://schemas.microsoft.com/office/drawing/2010/main" xmlns="">
+                <a14:hiddenFill xmlns="" xmlns:a14="http://schemas.microsoft.com/office/drawing/2010/main">
                   <a:noFill/>
                 </a14:hiddenFill>
               </a:ext>
@@ -28894,7 +28899,7 @@
             </a:ln>
             <a:extLst>
               <a:ext uri="{909E8E84-426E-40dd-AFC4-6F175D3DCCD1}">
-                <a14:hiddenFill xmlns:a14="http://schemas.microsoft.com/office/drawing/2010/main" xmlns="">
+                <a14:hiddenFill xmlns="" xmlns:a14="http://schemas.microsoft.com/office/drawing/2010/main">
                   <a:noFill/>
                 </a14:hiddenFill>
               </a:ext>
@@ -28935,7 +28940,7 @@
             </a:ln>
             <a:extLst>
               <a:ext uri="{909E8E84-426E-40dd-AFC4-6F175D3DCCD1}">
-                <a14:hiddenFill xmlns:a14="http://schemas.microsoft.com/office/drawing/2010/main" xmlns="">
+                <a14:hiddenFill xmlns="" xmlns:a14="http://schemas.microsoft.com/office/drawing/2010/main">
                   <a:noFill/>
                 </a14:hiddenFill>
               </a:ext>
@@ -28976,7 +28981,7 @@
             </a:ln>
             <a:extLst>
               <a:ext uri="{909E8E84-426E-40dd-AFC4-6F175D3DCCD1}">
-                <a14:hiddenFill xmlns:a14="http://schemas.microsoft.com/office/drawing/2010/main" xmlns="">
+                <a14:hiddenFill xmlns="" xmlns:a14="http://schemas.microsoft.com/office/drawing/2010/main">
                   <a:noFill/>
                 </a14:hiddenFill>
               </a:ext>
@@ -29017,7 +29022,7 @@
             </a:ln>
             <a:extLst>
               <a:ext uri="{909E8E84-426E-40dd-AFC4-6F175D3DCCD1}">
-                <a14:hiddenFill xmlns:a14="http://schemas.microsoft.com/office/drawing/2010/main" xmlns="">
+                <a14:hiddenFill xmlns="" xmlns:a14="http://schemas.microsoft.com/office/drawing/2010/main">
                   <a:noFill/>
                 </a14:hiddenFill>
               </a:ext>
@@ -29386,7 +29391,7 @@
             </a:ln>
             <a:extLst>
               <a:ext uri="{909E8E84-426E-40dd-AFC4-6F175D3DCCD1}">
-                <a14:hiddenFill xmlns:a14="http://schemas.microsoft.com/office/drawing/2010/main" xmlns="">
+                <a14:hiddenFill xmlns="" xmlns:a14="http://schemas.microsoft.com/office/drawing/2010/main">
                   <a:solidFill>
                     <a:srgbClr val="FFFFFF"/>
                   </a:solidFill>
@@ -29425,14 +29430,14 @@
           </a:ln>
           <a:extLst>
             <a:ext uri="{909E8E84-426E-40dd-AFC4-6F175D3DCCD1}">
-              <a14:hiddenFill xmlns:a14="http://schemas.microsoft.com/office/drawing/2010/main" xmlns="">
+              <a14:hiddenFill xmlns="" xmlns:a14="http://schemas.microsoft.com/office/drawing/2010/main">
                 <a:solidFill>
                   <a:srgbClr val="FFFFFF"/>
                 </a:solidFill>
               </a14:hiddenFill>
             </a:ext>
             <a:ext uri="{91240B29-F687-4f45-9708-019B960494DF}">
-              <a14:hiddenLine xmlns:a14="http://schemas.microsoft.com/office/drawing/2010/main" xmlns="" w="9525">
+              <a14:hiddenLine xmlns="" xmlns:a14="http://schemas.microsoft.com/office/drawing/2010/main" w="9525">
                 <a:solidFill>
                   <a:srgbClr val="000000"/>
                 </a:solidFill>
@@ -29587,7 +29592,7 @@
           </a:ln>
           <a:extLst>
             <a:ext uri="{909E8E84-426E-40dd-AFC4-6F175D3DCCD1}">
-              <a14:hiddenFill xmlns:a14="http://schemas.microsoft.com/office/drawing/2010/main" xmlns="">
+              <a14:hiddenFill xmlns="" xmlns:a14="http://schemas.microsoft.com/office/drawing/2010/main">
                 <a:noFill/>
               </a14:hiddenFill>
             </a:ext>
@@ -29623,14 +29628,14 @@
           </a:ln>
           <a:extLst>
             <a:ext uri="{909E8E84-426E-40dd-AFC4-6F175D3DCCD1}">
-              <a14:hiddenFill xmlns:a14="http://schemas.microsoft.com/office/drawing/2010/main" xmlns="">
+              <a14:hiddenFill xmlns="" xmlns:a14="http://schemas.microsoft.com/office/drawing/2010/main">
                 <a:solidFill>
                   <a:srgbClr val="FFFFFF"/>
                 </a:solidFill>
               </a14:hiddenFill>
             </a:ext>
             <a:ext uri="{91240B29-F687-4f45-9708-019B960494DF}">
-              <a14:hiddenLine xmlns:a14="http://schemas.microsoft.com/office/drawing/2010/main" xmlns="" w="9525">
+              <a14:hiddenLine xmlns="" xmlns:a14="http://schemas.microsoft.com/office/drawing/2010/main" w="9525">
                 <a:solidFill>
                   <a:srgbClr val="000000"/>
                 </a:solidFill>
@@ -29785,7 +29790,7 @@
           </a:ln>
           <a:extLst>
             <a:ext uri="{909E8E84-426E-40dd-AFC4-6F175D3DCCD1}">
-              <a14:hiddenFill xmlns:a14="http://schemas.microsoft.com/office/drawing/2010/main" xmlns="">
+              <a14:hiddenFill xmlns="" xmlns:a14="http://schemas.microsoft.com/office/drawing/2010/main">
                 <a:noFill/>
               </a14:hiddenFill>
             </a:ext>
@@ -29821,14 +29826,14 @@
           </a:ln>
           <a:extLst>
             <a:ext uri="{909E8E84-426E-40dd-AFC4-6F175D3DCCD1}">
-              <a14:hiddenFill xmlns:a14="http://schemas.microsoft.com/office/drawing/2010/main" xmlns="">
+              <a14:hiddenFill xmlns="" xmlns:a14="http://schemas.microsoft.com/office/drawing/2010/main">
                 <a:solidFill>
                   <a:srgbClr val="FFFFFF"/>
                 </a:solidFill>
               </a14:hiddenFill>
             </a:ext>
             <a:ext uri="{91240B29-F687-4f45-9708-019B960494DF}">
-              <a14:hiddenLine xmlns:a14="http://schemas.microsoft.com/office/drawing/2010/main" xmlns="" w="9525">
+              <a14:hiddenLine xmlns="" xmlns:a14="http://schemas.microsoft.com/office/drawing/2010/main" w="9525">
                 <a:solidFill>
                   <a:srgbClr val="000000"/>
                 </a:solidFill>
@@ -29972,7 +29977,7 @@
           <a:graphicData uri="http://schemas.openxmlformats.org/presentationml/2006/ole">
             <mc:AlternateContent xmlns:mc="http://schemas.openxmlformats.org/markup-compatibility/2006">
               <mc:Choice xmlns:v="urn:schemas-microsoft-com:vml" Requires="v">
-                <p:oleObj spid="_x0000_s4165" name="Equation" r:id="rId3" imgW="2577960" imgH="457200" progId="Equation.DSMT4">
+                <p:oleObj spid="_x0000_s4168" name="Equation" r:id="rId3" imgW="2577960" imgH="457200" progId="Equation.DSMT4">
                   <p:embed/>
                 </p:oleObj>
               </mc:Choice>
@@ -30015,14 +30020,14 @@
                       <a:effectLst/>
                       <a:extLst>
                         <a:ext uri="{909E8E84-426E-40dd-AFC4-6F175D3DCCD1}">
-                          <a14:hiddenFill xmlns:a14="http://schemas.microsoft.com/office/drawing/2010/main" xmlns="">
+                          <a14:hiddenFill xmlns="" xmlns:a14="http://schemas.microsoft.com/office/drawing/2010/main">
                             <a:solidFill>
                               <a:srgbClr val="FFFFFF"/>
                             </a:solidFill>
                           </a14:hiddenFill>
                         </a:ext>
                         <a:ext uri="{91240B29-F687-4f45-9708-019B960494DF}">
-                          <a14:hiddenLine xmlns:a14="http://schemas.microsoft.com/office/drawing/2010/main" xmlns="" w="9525">
+                          <a14:hiddenLine xmlns="" xmlns:a14="http://schemas.microsoft.com/office/drawing/2010/main" w="9525">
                             <a:solidFill>
                               <a:srgbClr val="000000"/>
                             </a:solidFill>
@@ -30032,7 +30037,7 @@
                           </a14:hiddenLine>
                         </a:ext>
                         <a:ext uri="{AF507438-7753-43e0-B8FC-AC1667EBCBE1}">
-                          <a14:hiddenEffects xmlns:a14="http://schemas.microsoft.com/office/drawing/2010/main" xmlns="">
+                          <a14:hiddenEffects xmlns="" xmlns:a14="http://schemas.microsoft.com/office/drawing/2010/main">
                             <a:effectLst>
                               <a:outerShdw dist="35921" dir="2700000" algn="ctr" rotWithShape="0">
                                 <a:srgbClr val="808080"/>
@@ -32761,7 +32766,7 @@
         </p:blipFill>
         <p:spPr>
           <a:xfrm>
-            <a:off x="5891526" y="1742782"/>
+            <a:off x="5879951" y="1742782"/>
             <a:ext cx="3032124" cy="2604966"/>
           </a:xfrm>
           <a:prstGeom prst="rect">
@@ -36563,7 +36568,7 @@
         </p:blipFill>
         <p:spPr>
           <a:xfrm>
-            <a:off x="612500" y="463087"/>
+            <a:off x="705100" y="463087"/>
             <a:ext cx="4905375" cy="5931825"/>
           </a:xfrm>
           <a:prstGeom prst="rect">
@@ -37141,7 +37146,7 @@
                 <a:buNone/>
               </a:pPr>
               <a:r>
-                <a:rPr lang="nl-NL" sz="2200">
+                <a:rPr lang="nl-NL" sz="2200" dirty="0" err="1">
                   <a:solidFill>
                     <a:schemeClr val="dk1"/>
                   </a:solidFill>
@@ -37150,7 +37155,7 @@
                   <a:cs typeface="Calibri"/>
                   <a:sym typeface="Calibri"/>
                 </a:rPr>
-                <a:t>p.HS</a:t>
+                <a:t>p_HS</a:t>
               </a:r>
               <a:endParaRPr sz="2200" dirty="0">
                 <a:solidFill>
@@ -37199,7 +37204,7 @@
                 <a:buNone/>
               </a:pPr>
               <a:r>
-                <a:rPr lang="nl-NL" sz="2200">
+                <a:rPr lang="nl-NL" sz="2200" dirty="0" err="1">
                   <a:solidFill>
                     <a:schemeClr val="dk1"/>
                   </a:solidFill>
@@ -37208,7 +37213,7 @@
                   <a:cs typeface="Calibri"/>
                   <a:sym typeface="Calibri"/>
                 </a:rPr>
-                <a:t>p.HD</a:t>
+                <a:t>p_HD</a:t>
               </a:r>
               <a:endParaRPr sz="2200" dirty="0">
                 <a:solidFill>
@@ -37266,7 +37271,7 @@
                   <a:cs typeface="Calibri"/>
                   <a:sym typeface="Calibri"/>
                 </a:rPr>
-                <a:t>p.SD</a:t>
+                <a:t>p_SD</a:t>
               </a:r>
               <a:endParaRPr sz="2200" dirty="0">
                 <a:solidFill>

--- a/Markov models/Slides/MarkovModelSlides.pptx
+++ b/Markov models/Slides/MarkovModelSlides.pptx
@@ -5,7 +5,7 @@
     <p:sldMasterId id="2147483690" r:id="rId1"/>
   </p:sldMasterIdLst>
   <p:notesMasterIdLst>
-    <p:notesMasterId r:id="rId37"/>
+    <p:notesMasterId r:id="rId38"/>
   </p:notesMasterIdLst>
   <p:sldIdLst>
     <p:sldId id="256" r:id="rId2"/>
@@ -43,6 +43,7 @@
     <p:sldId id="283" r:id="rId34"/>
     <p:sldId id="284" r:id="rId35"/>
     <p:sldId id="258" r:id="rId36"/>
+    <p:sldId id="346" r:id="rId37"/>
   </p:sldIdLst>
   <p:sldSz cx="9144000" cy="6858000" type="screen4x3"/>
   <p:notesSz cx="6858000" cy="9144000"/>
@@ -2307,6 +2308,115 @@
     <p:extLst>
       <p:ext uri="{BB962C8B-B14F-4D97-AF65-F5344CB8AC3E}">
         <p14:creationId xmlns:p14="http://schemas.microsoft.com/office/powerpoint/2010/main" val="1165599608"/>
+      </p:ext>
+    </p:extLst>
+  </p:cSld>
+  <p:clrMapOvr>
+    <a:masterClrMapping/>
+  </p:clrMapOvr>
+</p:notes>
+</file>
+
+<file path=ppt/notesSlides/notesSlide23.xml><?xml version="1.0" encoding="utf-8"?>
+<p:notes xmlns:a="http://schemas.openxmlformats.org/drawingml/2006/main" xmlns:r="http://schemas.openxmlformats.org/officeDocument/2006/relationships" xmlns:p="http://schemas.openxmlformats.org/presentationml/2006/main" showMasterSp="0" showMasterPhAnim="0">
+  <p:cSld>
+    <p:spTree>
+      <p:nvGrpSpPr>
+        <p:cNvPr id="1" name="Shape 2027"/>
+        <p:cNvGrpSpPr/>
+        <p:nvPr/>
+      </p:nvGrpSpPr>
+      <p:grpSpPr>
+        <a:xfrm>
+          <a:off x="0" y="0"/>
+          <a:ext cx="0" cy="0"/>
+          <a:chOff x="0" y="0"/>
+          <a:chExt cx="0" cy="0"/>
+        </a:xfrm>
+      </p:grpSpPr>
+      <p:sp>
+        <p:nvSpPr>
+          <p:cNvPr id="2028" name="Google Shape;2028;p9:notes"/>
+          <p:cNvSpPr txBox="1">
+            <a:spLocks noGrp="1"/>
+          </p:cNvSpPr>
+          <p:nvPr>
+            <p:ph type="body" idx="1"/>
+          </p:nvPr>
+        </p:nvSpPr>
+        <p:spPr>
+          <a:xfrm>
+            <a:off x="685800" y="4343400"/>
+            <a:ext cx="5486400" cy="4114800"/>
+          </a:xfrm>
+          <a:prstGeom prst="rect">
+            <a:avLst/>
+          </a:prstGeom>
+        </p:spPr>
+        <p:txBody>
+          <a:bodyPr spcFirstLastPara="1" wrap="square" lIns="91425" tIns="91425" rIns="91425" bIns="91425" anchor="t" anchorCtr="0">
+            <a:noAutofit/>
+          </a:bodyPr>
+          <a:lstStyle/>
+          <a:p>
+            <a:pPr marL="0" lvl="0" indent="0" algn="l" rtl="0">
+              <a:spcBef>
+                <a:spcPts val="0"/>
+              </a:spcBef>
+              <a:spcAft>
+                <a:spcPts val="0"/>
+              </a:spcAft>
+              <a:buNone/>
+            </a:pPr>
+            <a:endParaRPr/>
+          </a:p>
+        </p:txBody>
+      </p:sp>
+      <p:sp>
+        <p:nvSpPr>
+          <p:cNvPr id="2029" name="Google Shape;2029;p9:notes"/>
+          <p:cNvSpPr>
+            <a:spLocks noGrp="1" noRot="1" noChangeAspect="1"/>
+          </p:cNvSpPr>
+          <p:nvPr>
+            <p:ph type="sldImg" idx="2"/>
+          </p:nvPr>
+        </p:nvSpPr>
+        <p:spPr>
+          <a:xfrm>
+            <a:off x="1143000" y="685800"/>
+            <a:ext cx="4572000" cy="3429000"/>
+          </a:xfrm>
+          <a:custGeom>
+            <a:avLst/>
+            <a:gdLst/>
+            <a:ahLst/>
+            <a:cxnLst/>
+            <a:rect l="l" t="t" r="r" b="b"/>
+            <a:pathLst>
+              <a:path w="120000" h="120000" extrusionOk="0">
+                <a:moveTo>
+                  <a:pt x="0" y="0"/>
+                </a:moveTo>
+                <a:lnTo>
+                  <a:pt x="120000" y="0"/>
+                </a:lnTo>
+                <a:lnTo>
+                  <a:pt x="120000" y="120000"/>
+                </a:lnTo>
+                <a:lnTo>
+                  <a:pt x="0" y="120000"/>
+                </a:lnTo>
+                <a:close/>
+              </a:path>
+            </a:pathLst>
+          </a:custGeom>
+        </p:spPr>
+      </p:sp>
+    </p:spTree>
+    <p:extLst>
+      <p:ext uri="{BB962C8B-B14F-4D97-AF65-F5344CB8AC3E}">
+        <p14:creationId xmlns:p14="http://schemas.microsoft.com/office/powerpoint/2010/main" val="4176920243"/>
       </p:ext>
     </p:extLst>
   </p:cSld>
@@ -23350,6 +23460,147 @@
           </a:prstGeom>
         </p:spPr>
       </p:pic>
+      <p:sp>
+        <p:nvSpPr>
+          <p:cNvPr id="5" name="Slide Number Placeholder 28">
+            <a:extLst>
+              <a:ext uri="{FF2B5EF4-FFF2-40B4-BE49-F238E27FC236}">
+                <a16:creationId xmlns:a16="http://schemas.microsoft.com/office/drawing/2014/main" id="{E23C36EF-729F-274D-B4B8-E0F72A6F5516}"/>
+              </a:ext>
+            </a:extLst>
+          </p:cNvPr>
+          <p:cNvSpPr>
+            <a:spLocks noGrp="1"/>
+          </p:cNvSpPr>
+          <p:nvPr>
+            <p:ph type="sldNum" sz="quarter" idx="12"/>
+          </p:nvPr>
+        </p:nvSpPr>
+        <p:spPr>
+          <a:xfrm>
+            <a:off x="8559864" y="6453336"/>
+            <a:ext cx="548640" cy="396240"/>
+          </a:xfrm>
+        </p:spPr>
+        <p:txBody>
+          <a:bodyPr/>
+          <a:lstStyle>
+            <a:lvl1pPr eaLnBrk="0" hangingPunct="0">
+              <a:defRPr>
+                <a:solidFill>
+                  <a:schemeClr val="tx1"/>
+                </a:solidFill>
+                <a:latin typeface="Arial" panose="020B0604020202020204" pitchFamily="34" charset="0"/>
+              </a:defRPr>
+            </a:lvl1pPr>
+            <a:lvl2pPr marL="742950" indent="-285750" eaLnBrk="0" hangingPunct="0">
+              <a:defRPr>
+                <a:solidFill>
+                  <a:schemeClr val="tx1"/>
+                </a:solidFill>
+                <a:latin typeface="Arial" panose="020B0604020202020204" pitchFamily="34" charset="0"/>
+              </a:defRPr>
+            </a:lvl2pPr>
+            <a:lvl3pPr marL="1143000" indent="-228600" eaLnBrk="0" hangingPunct="0">
+              <a:defRPr>
+                <a:solidFill>
+                  <a:schemeClr val="tx1"/>
+                </a:solidFill>
+                <a:latin typeface="Arial" panose="020B0604020202020204" pitchFamily="34" charset="0"/>
+              </a:defRPr>
+            </a:lvl3pPr>
+            <a:lvl4pPr marL="1600200" indent="-228600" eaLnBrk="0" hangingPunct="0">
+              <a:defRPr>
+                <a:solidFill>
+                  <a:schemeClr val="tx1"/>
+                </a:solidFill>
+                <a:latin typeface="Arial" panose="020B0604020202020204" pitchFamily="34" charset="0"/>
+              </a:defRPr>
+            </a:lvl4pPr>
+            <a:lvl5pPr marL="2057400" indent="-228600" eaLnBrk="0" hangingPunct="0">
+              <a:defRPr>
+                <a:solidFill>
+                  <a:schemeClr val="tx1"/>
+                </a:solidFill>
+                <a:latin typeface="Arial" panose="020B0604020202020204" pitchFamily="34" charset="0"/>
+              </a:defRPr>
+            </a:lvl5pPr>
+            <a:lvl6pPr marL="2514600" indent="-228600" eaLnBrk="0" fontAlgn="base" hangingPunct="0">
+              <a:spcBef>
+                <a:spcPct val="0"/>
+              </a:spcBef>
+              <a:spcAft>
+                <a:spcPct val="0"/>
+              </a:spcAft>
+              <a:defRPr>
+                <a:solidFill>
+                  <a:schemeClr val="tx1"/>
+                </a:solidFill>
+                <a:latin typeface="Arial" panose="020B0604020202020204" pitchFamily="34" charset="0"/>
+              </a:defRPr>
+            </a:lvl6pPr>
+            <a:lvl7pPr marL="2971800" indent="-228600" eaLnBrk="0" fontAlgn="base" hangingPunct="0">
+              <a:spcBef>
+                <a:spcPct val="0"/>
+              </a:spcBef>
+              <a:spcAft>
+                <a:spcPct val="0"/>
+              </a:spcAft>
+              <a:defRPr>
+                <a:solidFill>
+                  <a:schemeClr val="tx1"/>
+                </a:solidFill>
+                <a:latin typeface="Arial" panose="020B0604020202020204" pitchFamily="34" charset="0"/>
+              </a:defRPr>
+            </a:lvl7pPr>
+            <a:lvl8pPr marL="3429000" indent="-228600" eaLnBrk="0" fontAlgn="base" hangingPunct="0">
+              <a:spcBef>
+                <a:spcPct val="0"/>
+              </a:spcBef>
+              <a:spcAft>
+                <a:spcPct val="0"/>
+              </a:spcAft>
+              <a:defRPr>
+                <a:solidFill>
+                  <a:schemeClr val="tx1"/>
+                </a:solidFill>
+                <a:latin typeface="Arial" panose="020B0604020202020204" pitchFamily="34" charset="0"/>
+              </a:defRPr>
+            </a:lvl8pPr>
+            <a:lvl9pPr marL="3886200" indent="-228600" eaLnBrk="0" fontAlgn="base" hangingPunct="0">
+              <a:spcBef>
+                <a:spcPct val="0"/>
+              </a:spcBef>
+              <a:spcAft>
+                <a:spcPct val="0"/>
+              </a:spcAft>
+              <a:defRPr>
+                <a:solidFill>
+                  <a:schemeClr val="tx1"/>
+                </a:solidFill>
+                <a:latin typeface="Arial" panose="020B0604020202020204" pitchFamily="34" charset="0"/>
+              </a:defRPr>
+            </a:lvl9pPr>
+          </a:lstStyle>
+          <a:p>
+            <a:pPr eaLnBrk="1" hangingPunct="1"/>
+            <a:fld id="{3F7E73E1-F280-4386-87FD-01754258053D}" type="slidenum">
+              <a:rPr lang="en-US">
+                <a:solidFill>
+                  <a:schemeClr val="accent1"/>
+                </a:solidFill>
+              </a:rPr>
+              <a:pPr eaLnBrk="1" hangingPunct="1"/>
+              <a:t>14</a:t>
+            </a:fld>
+            <a:endParaRPr lang="en-US" dirty="0">
+              <a:solidFill>
+                <a:schemeClr val="accent1"/>
+              </a:solidFill>
+            </a:endParaRPr>
+          </a:p>
+        </p:txBody>
+      </p:sp>
     </p:spTree>
     <p:extLst>
       <p:ext uri="{BB962C8B-B14F-4D97-AF65-F5344CB8AC3E}">
@@ -23463,6 +23714,147 @@
               <a:rPr lang="en-US" sz="2400" dirty="0"/>
               <a:t>, where t is a proxy for age</a:t>
             </a:r>
+          </a:p>
+        </p:txBody>
+      </p:sp>
+      <p:sp>
+        <p:nvSpPr>
+          <p:cNvPr id="4" name="Slide Number Placeholder 28">
+            <a:extLst>
+              <a:ext uri="{FF2B5EF4-FFF2-40B4-BE49-F238E27FC236}">
+                <a16:creationId xmlns:a16="http://schemas.microsoft.com/office/drawing/2014/main" id="{76AAEDF7-DC6A-774F-B72F-D7FEFFFCD4BC}"/>
+              </a:ext>
+            </a:extLst>
+          </p:cNvPr>
+          <p:cNvSpPr>
+            <a:spLocks noGrp="1"/>
+          </p:cNvSpPr>
+          <p:nvPr>
+            <p:ph type="sldNum" sz="quarter" idx="12"/>
+          </p:nvPr>
+        </p:nvSpPr>
+        <p:spPr>
+          <a:xfrm>
+            <a:off x="8559864" y="6485420"/>
+            <a:ext cx="548640" cy="396240"/>
+          </a:xfrm>
+        </p:spPr>
+        <p:txBody>
+          <a:bodyPr/>
+          <a:lstStyle>
+            <a:lvl1pPr eaLnBrk="0" hangingPunct="0">
+              <a:defRPr>
+                <a:solidFill>
+                  <a:schemeClr val="tx1"/>
+                </a:solidFill>
+                <a:latin typeface="Arial" panose="020B0604020202020204" pitchFamily="34" charset="0"/>
+              </a:defRPr>
+            </a:lvl1pPr>
+            <a:lvl2pPr marL="742950" indent="-285750" eaLnBrk="0" hangingPunct="0">
+              <a:defRPr>
+                <a:solidFill>
+                  <a:schemeClr val="tx1"/>
+                </a:solidFill>
+                <a:latin typeface="Arial" panose="020B0604020202020204" pitchFamily="34" charset="0"/>
+              </a:defRPr>
+            </a:lvl2pPr>
+            <a:lvl3pPr marL="1143000" indent="-228600" eaLnBrk="0" hangingPunct="0">
+              <a:defRPr>
+                <a:solidFill>
+                  <a:schemeClr val="tx1"/>
+                </a:solidFill>
+                <a:latin typeface="Arial" panose="020B0604020202020204" pitchFamily="34" charset="0"/>
+              </a:defRPr>
+            </a:lvl3pPr>
+            <a:lvl4pPr marL="1600200" indent="-228600" eaLnBrk="0" hangingPunct="0">
+              <a:defRPr>
+                <a:solidFill>
+                  <a:schemeClr val="tx1"/>
+                </a:solidFill>
+                <a:latin typeface="Arial" panose="020B0604020202020204" pitchFamily="34" charset="0"/>
+              </a:defRPr>
+            </a:lvl4pPr>
+            <a:lvl5pPr marL="2057400" indent="-228600" eaLnBrk="0" hangingPunct="0">
+              <a:defRPr>
+                <a:solidFill>
+                  <a:schemeClr val="tx1"/>
+                </a:solidFill>
+                <a:latin typeface="Arial" panose="020B0604020202020204" pitchFamily="34" charset="0"/>
+              </a:defRPr>
+            </a:lvl5pPr>
+            <a:lvl6pPr marL="2514600" indent="-228600" eaLnBrk="0" fontAlgn="base" hangingPunct="0">
+              <a:spcBef>
+                <a:spcPct val="0"/>
+              </a:spcBef>
+              <a:spcAft>
+                <a:spcPct val="0"/>
+              </a:spcAft>
+              <a:defRPr>
+                <a:solidFill>
+                  <a:schemeClr val="tx1"/>
+                </a:solidFill>
+                <a:latin typeface="Arial" panose="020B0604020202020204" pitchFamily="34" charset="0"/>
+              </a:defRPr>
+            </a:lvl6pPr>
+            <a:lvl7pPr marL="2971800" indent="-228600" eaLnBrk="0" fontAlgn="base" hangingPunct="0">
+              <a:spcBef>
+                <a:spcPct val="0"/>
+              </a:spcBef>
+              <a:spcAft>
+                <a:spcPct val="0"/>
+              </a:spcAft>
+              <a:defRPr>
+                <a:solidFill>
+                  <a:schemeClr val="tx1"/>
+                </a:solidFill>
+                <a:latin typeface="Arial" panose="020B0604020202020204" pitchFamily="34" charset="0"/>
+              </a:defRPr>
+            </a:lvl7pPr>
+            <a:lvl8pPr marL="3429000" indent="-228600" eaLnBrk="0" fontAlgn="base" hangingPunct="0">
+              <a:spcBef>
+                <a:spcPct val="0"/>
+              </a:spcBef>
+              <a:spcAft>
+                <a:spcPct val="0"/>
+              </a:spcAft>
+              <a:defRPr>
+                <a:solidFill>
+                  <a:schemeClr val="tx1"/>
+                </a:solidFill>
+                <a:latin typeface="Arial" panose="020B0604020202020204" pitchFamily="34" charset="0"/>
+              </a:defRPr>
+            </a:lvl8pPr>
+            <a:lvl9pPr marL="3886200" indent="-228600" eaLnBrk="0" fontAlgn="base" hangingPunct="0">
+              <a:spcBef>
+                <a:spcPct val="0"/>
+              </a:spcBef>
+              <a:spcAft>
+                <a:spcPct val="0"/>
+              </a:spcAft>
+              <a:defRPr>
+                <a:solidFill>
+                  <a:schemeClr val="tx1"/>
+                </a:solidFill>
+                <a:latin typeface="Arial" panose="020B0604020202020204" pitchFamily="34" charset="0"/>
+              </a:defRPr>
+            </a:lvl9pPr>
+          </a:lstStyle>
+          <a:p>
+            <a:pPr eaLnBrk="1" hangingPunct="1"/>
+            <a:fld id="{3F7E73E1-F280-4386-87FD-01754258053D}" type="slidenum">
+              <a:rPr lang="en-US">
+                <a:solidFill>
+                  <a:schemeClr val="accent1"/>
+                </a:solidFill>
+              </a:rPr>
+              <a:pPr eaLnBrk="1" hangingPunct="1"/>
+              <a:t>15</a:t>
+            </a:fld>
+            <a:endParaRPr lang="en-US" dirty="0">
+              <a:solidFill>
+                <a:schemeClr val="accent1"/>
+              </a:solidFill>
+            </a:endParaRPr>
           </a:p>
         </p:txBody>
       </p:sp>
@@ -23593,6 +23985,147 @@
               <a:rPr lang="en-US" dirty="0"/>
               <a:t>Requires “tunnel” states</a:t>
             </a:r>
+          </a:p>
+        </p:txBody>
+      </p:sp>
+      <p:sp>
+        <p:nvSpPr>
+          <p:cNvPr id="4" name="Slide Number Placeholder 28">
+            <a:extLst>
+              <a:ext uri="{FF2B5EF4-FFF2-40B4-BE49-F238E27FC236}">
+                <a16:creationId xmlns:a16="http://schemas.microsoft.com/office/drawing/2014/main" id="{8B97FA58-4FD4-E74A-9205-9548154ECCF6}"/>
+              </a:ext>
+            </a:extLst>
+          </p:cNvPr>
+          <p:cNvSpPr>
+            <a:spLocks noGrp="1"/>
+          </p:cNvSpPr>
+          <p:nvPr>
+            <p:ph type="sldNum" sz="quarter" idx="12"/>
+          </p:nvPr>
+        </p:nvSpPr>
+        <p:spPr>
+          <a:xfrm>
+            <a:off x="8559864" y="6453336"/>
+            <a:ext cx="548640" cy="396240"/>
+          </a:xfrm>
+        </p:spPr>
+        <p:txBody>
+          <a:bodyPr/>
+          <a:lstStyle>
+            <a:lvl1pPr eaLnBrk="0" hangingPunct="0">
+              <a:defRPr>
+                <a:solidFill>
+                  <a:schemeClr val="tx1"/>
+                </a:solidFill>
+                <a:latin typeface="Arial" panose="020B0604020202020204" pitchFamily="34" charset="0"/>
+              </a:defRPr>
+            </a:lvl1pPr>
+            <a:lvl2pPr marL="742950" indent="-285750" eaLnBrk="0" hangingPunct="0">
+              <a:defRPr>
+                <a:solidFill>
+                  <a:schemeClr val="tx1"/>
+                </a:solidFill>
+                <a:latin typeface="Arial" panose="020B0604020202020204" pitchFamily="34" charset="0"/>
+              </a:defRPr>
+            </a:lvl2pPr>
+            <a:lvl3pPr marL="1143000" indent="-228600" eaLnBrk="0" hangingPunct="0">
+              <a:defRPr>
+                <a:solidFill>
+                  <a:schemeClr val="tx1"/>
+                </a:solidFill>
+                <a:latin typeface="Arial" panose="020B0604020202020204" pitchFamily="34" charset="0"/>
+              </a:defRPr>
+            </a:lvl3pPr>
+            <a:lvl4pPr marL="1600200" indent="-228600" eaLnBrk="0" hangingPunct="0">
+              <a:defRPr>
+                <a:solidFill>
+                  <a:schemeClr val="tx1"/>
+                </a:solidFill>
+                <a:latin typeface="Arial" panose="020B0604020202020204" pitchFamily="34" charset="0"/>
+              </a:defRPr>
+            </a:lvl4pPr>
+            <a:lvl5pPr marL="2057400" indent="-228600" eaLnBrk="0" hangingPunct="0">
+              <a:defRPr>
+                <a:solidFill>
+                  <a:schemeClr val="tx1"/>
+                </a:solidFill>
+                <a:latin typeface="Arial" panose="020B0604020202020204" pitchFamily="34" charset="0"/>
+              </a:defRPr>
+            </a:lvl5pPr>
+            <a:lvl6pPr marL="2514600" indent="-228600" eaLnBrk="0" fontAlgn="base" hangingPunct="0">
+              <a:spcBef>
+                <a:spcPct val="0"/>
+              </a:spcBef>
+              <a:spcAft>
+                <a:spcPct val="0"/>
+              </a:spcAft>
+              <a:defRPr>
+                <a:solidFill>
+                  <a:schemeClr val="tx1"/>
+                </a:solidFill>
+                <a:latin typeface="Arial" panose="020B0604020202020204" pitchFamily="34" charset="0"/>
+              </a:defRPr>
+            </a:lvl6pPr>
+            <a:lvl7pPr marL="2971800" indent="-228600" eaLnBrk="0" fontAlgn="base" hangingPunct="0">
+              <a:spcBef>
+                <a:spcPct val="0"/>
+              </a:spcBef>
+              <a:spcAft>
+                <a:spcPct val="0"/>
+              </a:spcAft>
+              <a:defRPr>
+                <a:solidFill>
+                  <a:schemeClr val="tx1"/>
+                </a:solidFill>
+                <a:latin typeface="Arial" panose="020B0604020202020204" pitchFamily="34" charset="0"/>
+              </a:defRPr>
+            </a:lvl7pPr>
+            <a:lvl8pPr marL="3429000" indent="-228600" eaLnBrk="0" fontAlgn="base" hangingPunct="0">
+              <a:spcBef>
+                <a:spcPct val="0"/>
+              </a:spcBef>
+              <a:spcAft>
+                <a:spcPct val="0"/>
+              </a:spcAft>
+              <a:defRPr>
+                <a:solidFill>
+                  <a:schemeClr val="tx1"/>
+                </a:solidFill>
+                <a:latin typeface="Arial" panose="020B0604020202020204" pitchFamily="34" charset="0"/>
+              </a:defRPr>
+            </a:lvl8pPr>
+            <a:lvl9pPr marL="3886200" indent="-228600" eaLnBrk="0" fontAlgn="base" hangingPunct="0">
+              <a:spcBef>
+                <a:spcPct val="0"/>
+              </a:spcBef>
+              <a:spcAft>
+                <a:spcPct val="0"/>
+              </a:spcAft>
+              <a:defRPr>
+                <a:solidFill>
+                  <a:schemeClr val="tx1"/>
+                </a:solidFill>
+                <a:latin typeface="Arial" panose="020B0604020202020204" pitchFamily="34" charset="0"/>
+              </a:defRPr>
+            </a:lvl9pPr>
+          </a:lstStyle>
+          <a:p>
+            <a:pPr eaLnBrk="1" hangingPunct="1"/>
+            <a:fld id="{3F7E73E1-F280-4386-87FD-01754258053D}" type="slidenum">
+              <a:rPr lang="en-US">
+                <a:solidFill>
+                  <a:schemeClr val="accent1"/>
+                </a:solidFill>
+              </a:rPr>
+              <a:pPr eaLnBrk="1" hangingPunct="1"/>
+              <a:t>16</a:t>
+            </a:fld>
+            <a:endParaRPr lang="en-US" dirty="0">
+              <a:solidFill>
+                <a:schemeClr val="accent1"/>
+              </a:solidFill>
+            </a:endParaRPr>
           </a:p>
         </p:txBody>
       </p:sp>
@@ -23692,7 +24225,7 @@
         </p:nvSpPr>
         <p:spPr>
           <a:xfrm>
-            <a:off x="8595360" y="6904749"/>
+            <a:off x="8595360" y="6447551"/>
             <a:ext cx="548640" cy="396240"/>
           </a:xfrm>
           <a:prstGeom prst="rect">
@@ -23726,7 +24259,7 @@
               <a:rPr lang="nl-NL"/>
               <a:t>17</a:t>
             </a:fld>
-            <a:endParaRPr/>
+            <a:endParaRPr dirty="0"/>
           </a:p>
         </p:txBody>
       </p:sp>
@@ -25753,11 +26286,19 @@
           <a:p>
             <a:pPr eaLnBrk="1" hangingPunct="1"/>
             <a:fld id="{3F7E73E1-F280-4386-87FD-01754258053D}" type="slidenum">
-              <a:rPr lang="en-US"/>
+              <a:rPr lang="en-US">
+                <a:solidFill>
+                  <a:schemeClr val="accent1"/>
+                </a:solidFill>
+              </a:rPr>
               <a:pPr eaLnBrk="1" hangingPunct="1"/>
               <a:t>18</a:t>
             </a:fld>
-            <a:endParaRPr lang="en-US"/>
+            <a:endParaRPr lang="en-US" dirty="0">
+              <a:solidFill>
+                <a:schemeClr val="accent1"/>
+              </a:solidFill>
+            </a:endParaRPr>
           </a:p>
         </p:txBody>
       </p:sp>
@@ -25918,6 +26459,147 @@
           </a:p>
         </p:txBody>
       </p:sp>
+      <p:sp>
+        <p:nvSpPr>
+          <p:cNvPr id="4" name="Slide Number Placeholder 28">
+            <a:extLst>
+              <a:ext uri="{FF2B5EF4-FFF2-40B4-BE49-F238E27FC236}">
+                <a16:creationId xmlns:a16="http://schemas.microsoft.com/office/drawing/2014/main" id="{8452026E-0BA1-934D-9AE2-A839BA2E2F0A}"/>
+              </a:ext>
+            </a:extLst>
+          </p:cNvPr>
+          <p:cNvSpPr>
+            <a:spLocks noGrp="1"/>
+          </p:cNvSpPr>
+          <p:nvPr>
+            <p:ph type="sldNum" sz="quarter" idx="12"/>
+          </p:nvPr>
+        </p:nvSpPr>
+        <p:spPr>
+          <a:xfrm>
+            <a:off x="8559864" y="6453336"/>
+            <a:ext cx="548640" cy="396240"/>
+          </a:xfrm>
+        </p:spPr>
+        <p:txBody>
+          <a:bodyPr/>
+          <a:lstStyle>
+            <a:lvl1pPr eaLnBrk="0" hangingPunct="0">
+              <a:defRPr>
+                <a:solidFill>
+                  <a:schemeClr val="tx1"/>
+                </a:solidFill>
+                <a:latin typeface="Arial" panose="020B0604020202020204" pitchFamily="34" charset="0"/>
+              </a:defRPr>
+            </a:lvl1pPr>
+            <a:lvl2pPr marL="742950" indent="-285750" eaLnBrk="0" hangingPunct="0">
+              <a:defRPr>
+                <a:solidFill>
+                  <a:schemeClr val="tx1"/>
+                </a:solidFill>
+                <a:latin typeface="Arial" panose="020B0604020202020204" pitchFamily="34" charset="0"/>
+              </a:defRPr>
+            </a:lvl2pPr>
+            <a:lvl3pPr marL="1143000" indent="-228600" eaLnBrk="0" hangingPunct="0">
+              <a:defRPr>
+                <a:solidFill>
+                  <a:schemeClr val="tx1"/>
+                </a:solidFill>
+                <a:latin typeface="Arial" panose="020B0604020202020204" pitchFamily="34" charset="0"/>
+              </a:defRPr>
+            </a:lvl3pPr>
+            <a:lvl4pPr marL="1600200" indent="-228600" eaLnBrk="0" hangingPunct="0">
+              <a:defRPr>
+                <a:solidFill>
+                  <a:schemeClr val="tx1"/>
+                </a:solidFill>
+                <a:latin typeface="Arial" panose="020B0604020202020204" pitchFamily="34" charset="0"/>
+              </a:defRPr>
+            </a:lvl4pPr>
+            <a:lvl5pPr marL="2057400" indent="-228600" eaLnBrk="0" hangingPunct="0">
+              <a:defRPr>
+                <a:solidFill>
+                  <a:schemeClr val="tx1"/>
+                </a:solidFill>
+                <a:latin typeface="Arial" panose="020B0604020202020204" pitchFamily="34" charset="0"/>
+              </a:defRPr>
+            </a:lvl5pPr>
+            <a:lvl6pPr marL="2514600" indent="-228600" eaLnBrk="0" fontAlgn="base" hangingPunct="0">
+              <a:spcBef>
+                <a:spcPct val="0"/>
+              </a:spcBef>
+              <a:spcAft>
+                <a:spcPct val="0"/>
+              </a:spcAft>
+              <a:defRPr>
+                <a:solidFill>
+                  <a:schemeClr val="tx1"/>
+                </a:solidFill>
+                <a:latin typeface="Arial" panose="020B0604020202020204" pitchFamily="34" charset="0"/>
+              </a:defRPr>
+            </a:lvl6pPr>
+            <a:lvl7pPr marL="2971800" indent="-228600" eaLnBrk="0" fontAlgn="base" hangingPunct="0">
+              <a:spcBef>
+                <a:spcPct val="0"/>
+              </a:spcBef>
+              <a:spcAft>
+                <a:spcPct val="0"/>
+              </a:spcAft>
+              <a:defRPr>
+                <a:solidFill>
+                  <a:schemeClr val="tx1"/>
+                </a:solidFill>
+                <a:latin typeface="Arial" panose="020B0604020202020204" pitchFamily="34" charset="0"/>
+              </a:defRPr>
+            </a:lvl7pPr>
+            <a:lvl8pPr marL="3429000" indent="-228600" eaLnBrk="0" fontAlgn="base" hangingPunct="0">
+              <a:spcBef>
+                <a:spcPct val="0"/>
+              </a:spcBef>
+              <a:spcAft>
+                <a:spcPct val="0"/>
+              </a:spcAft>
+              <a:defRPr>
+                <a:solidFill>
+                  <a:schemeClr val="tx1"/>
+                </a:solidFill>
+                <a:latin typeface="Arial" panose="020B0604020202020204" pitchFamily="34" charset="0"/>
+              </a:defRPr>
+            </a:lvl8pPr>
+            <a:lvl9pPr marL="3886200" indent="-228600" eaLnBrk="0" fontAlgn="base" hangingPunct="0">
+              <a:spcBef>
+                <a:spcPct val="0"/>
+              </a:spcBef>
+              <a:spcAft>
+                <a:spcPct val="0"/>
+              </a:spcAft>
+              <a:defRPr>
+                <a:solidFill>
+                  <a:schemeClr val="tx1"/>
+                </a:solidFill>
+                <a:latin typeface="Arial" panose="020B0604020202020204" pitchFamily="34" charset="0"/>
+              </a:defRPr>
+            </a:lvl9pPr>
+          </a:lstStyle>
+          <a:p>
+            <a:pPr eaLnBrk="1" hangingPunct="1"/>
+            <a:fld id="{3F7E73E1-F280-4386-87FD-01754258053D}" type="slidenum">
+              <a:rPr lang="en-US">
+                <a:solidFill>
+                  <a:schemeClr val="accent1"/>
+                </a:solidFill>
+              </a:rPr>
+              <a:pPr eaLnBrk="1" hangingPunct="1"/>
+              <a:t>19</a:t>
+            </a:fld>
+            <a:endParaRPr lang="en-US" dirty="0">
+              <a:solidFill>
+                <a:schemeClr val="accent1"/>
+              </a:solidFill>
+            </a:endParaRPr>
+          </a:p>
+        </p:txBody>
+      </p:sp>
     </p:spTree>
     <p:extLst>
       <p:ext uri="{BB962C8B-B14F-4D97-AF65-F5344CB8AC3E}">
@@ -26530,6 +27212,147 @@
               <a:rPr lang="en-US" sz="2400" dirty="0"/>
               <a:t>), Dead</a:t>
             </a:r>
+          </a:p>
+        </p:txBody>
+      </p:sp>
+      <p:sp>
+        <p:nvSpPr>
+          <p:cNvPr id="5" name="Slide Number Placeholder 28">
+            <a:extLst>
+              <a:ext uri="{FF2B5EF4-FFF2-40B4-BE49-F238E27FC236}">
+                <a16:creationId xmlns:a16="http://schemas.microsoft.com/office/drawing/2014/main" id="{5DF03D01-79BC-7346-9D8F-05C0B1B84D5C}"/>
+              </a:ext>
+            </a:extLst>
+          </p:cNvPr>
+          <p:cNvSpPr>
+            <a:spLocks noGrp="1"/>
+          </p:cNvSpPr>
+          <p:nvPr>
+            <p:ph type="sldNum" sz="quarter" idx="12"/>
+          </p:nvPr>
+        </p:nvSpPr>
+        <p:spPr>
+          <a:xfrm>
+            <a:off x="8559864" y="6453336"/>
+            <a:ext cx="548640" cy="396240"/>
+          </a:xfrm>
+        </p:spPr>
+        <p:txBody>
+          <a:bodyPr/>
+          <a:lstStyle>
+            <a:lvl1pPr eaLnBrk="0" hangingPunct="0">
+              <a:defRPr>
+                <a:solidFill>
+                  <a:schemeClr val="tx1"/>
+                </a:solidFill>
+                <a:latin typeface="Arial" panose="020B0604020202020204" pitchFamily="34" charset="0"/>
+              </a:defRPr>
+            </a:lvl1pPr>
+            <a:lvl2pPr marL="742950" indent="-285750" eaLnBrk="0" hangingPunct="0">
+              <a:defRPr>
+                <a:solidFill>
+                  <a:schemeClr val="tx1"/>
+                </a:solidFill>
+                <a:latin typeface="Arial" panose="020B0604020202020204" pitchFamily="34" charset="0"/>
+              </a:defRPr>
+            </a:lvl2pPr>
+            <a:lvl3pPr marL="1143000" indent="-228600" eaLnBrk="0" hangingPunct="0">
+              <a:defRPr>
+                <a:solidFill>
+                  <a:schemeClr val="tx1"/>
+                </a:solidFill>
+                <a:latin typeface="Arial" panose="020B0604020202020204" pitchFamily="34" charset="0"/>
+              </a:defRPr>
+            </a:lvl3pPr>
+            <a:lvl4pPr marL="1600200" indent="-228600" eaLnBrk="0" hangingPunct="0">
+              <a:defRPr>
+                <a:solidFill>
+                  <a:schemeClr val="tx1"/>
+                </a:solidFill>
+                <a:latin typeface="Arial" panose="020B0604020202020204" pitchFamily="34" charset="0"/>
+              </a:defRPr>
+            </a:lvl4pPr>
+            <a:lvl5pPr marL="2057400" indent="-228600" eaLnBrk="0" hangingPunct="0">
+              <a:defRPr>
+                <a:solidFill>
+                  <a:schemeClr val="tx1"/>
+                </a:solidFill>
+                <a:latin typeface="Arial" panose="020B0604020202020204" pitchFamily="34" charset="0"/>
+              </a:defRPr>
+            </a:lvl5pPr>
+            <a:lvl6pPr marL="2514600" indent="-228600" eaLnBrk="0" fontAlgn="base" hangingPunct="0">
+              <a:spcBef>
+                <a:spcPct val="0"/>
+              </a:spcBef>
+              <a:spcAft>
+                <a:spcPct val="0"/>
+              </a:spcAft>
+              <a:defRPr>
+                <a:solidFill>
+                  <a:schemeClr val="tx1"/>
+                </a:solidFill>
+                <a:latin typeface="Arial" panose="020B0604020202020204" pitchFamily="34" charset="0"/>
+              </a:defRPr>
+            </a:lvl6pPr>
+            <a:lvl7pPr marL="2971800" indent="-228600" eaLnBrk="0" fontAlgn="base" hangingPunct="0">
+              <a:spcBef>
+                <a:spcPct val="0"/>
+              </a:spcBef>
+              <a:spcAft>
+                <a:spcPct val="0"/>
+              </a:spcAft>
+              <a:defRPr>
+                <a:solidFill>
+                  <a:schemeClr val="tx1"/>
+                </a:solidFill>
+                <a:latin typeface="Arial" panose="020B0604020202020204" pitchFamily="34" charset="0"/>
+              </a:defRPr>
+            </a:lvl7pPr>
+            <a:lvl8pPr marL="3429000" indent="-228600" eaLnBrk="0" fontAlgn="base" hangingPunct="0">
+              <a:spcBef>
+                <a:spcPct val="0"/>
+              </a:spcBef>
+              <a:spcAft>
+                <a:spcPct val="0"/>
+              </a:spcAft>
+              <a:defRPr>
+                <a:solidFill>
+                  <a:schemeClr val="tx1"/>
+                </a:solidFill>
+                <a:latin typeface="Arial" panose="020B0604020202020204" pitchFamily="34" charset="0"/>
+              </a:defRPr>
+            </a:lvl8pPr>
+            <a:lvl9pPr marL="3886200" indent="-228600" eaLnBrk="0" fontAlgn="base" hangingPunct="0">
+              <a:spcBef>
+                <a:spcPct val="0"/>
+              </a:spcBef>
+              <a:spcAft>
+                <a:spcPct val="0"/>
+              </a:spcAft>
+              <a:defRPr>
+                <a:solidFill>
+                  <a:schemeClr val="tx1"/>
+                </a:solidFill>
+                <a:latin typeface="Arial" panose="020B0604020202020204" pitchFamily="34" charset="0"/>
+              </a:defRPr>
+            </a:lvl9pPr>
+          </a:lstStyle>
+          <a:p>
+            <a:pPr eaLnBrk="1" hangingPunct="1"/>
+            <a:fld id="{3F7E73E1-F280-4386-87FD-01754258053D}" type="slidenum">
+              <a:rPr lang="en-US">
+                <a:solidFill>
+                  <a:schemeClr val="accent1"/>
+                </a:solidFill>
+              </a:rPr>
+              <a:pPr eaLnBrk="1" hangingPunct="1"/>
+              <a:t>20</a:t>
+            </a:fld>
+            <a:endParaRPr lang="en-US" dirty="0">
+              <a:solidFill>
+                <a:schemeClr val="accent1"/>
+              </a:solidFill>
+            </a:endParaRPr>
           </a:p>
         </p:txBody>
       </p:sp>
@@ -26990,6 +27813,147 @@
           </a:p>
         </p:txBody>
       </p:sp>
+      <p:sp>
+        <p:nvSpPr>
+          <p:cNvPr id="4" name="Slide Number Placeholder 28">
+            <a:extLst>
+              <a:ext uri="{FF2B5EF4-FFF2-40B4-BE49-F238E27FC236}">
+                <a16:creationId xmlns:a16="http://schemas.microsoft.com/office/drawing/2014/main" id="{DA610EA8-6DB1-8543-87E0-F26E29B03EEE}"/>
+              </a:ext>
+            </a:extLst>
+          </p:cNvPr>
+          <p:cNvSpPr>
+            <a:spLocks noGrp="1"/>
+          </p:cNvSpPr>
+          <p:nvPr>
+            <p:ph type="sldNum" sz="quarter" idx="12"/>
+          </p:nvPr>
+        </p:nvSpPr>
+        <p:spPr>
+          <a:xfrm>
+            <a:off x="8559864" y="6453336"/>
+            <a:ext cx="548640" cy="396240"/>
+          </a:xfrm>
+        </p:spPr>
+        <p:txBody>
+          <a:bodyPr/>
+          <a:lstStyle>
+            <a:lvl1pPr eaLnBrk="0" hangingPunct="0">
+              <a:defRPr>
+                <a:solidFill>
+                  <a:schemeClr val="tx1"/>
+                </a:solidFill>
+                <a:latin typeface="Arial" panose="020B0604020202020204" pitchFamily="34" charset="0"/>
+              </a:defRPr>
+            </a:lvl1pPr>
+            <a:lvl2pPr marL="742950" indent="-285750" eaLnBrk="0" hangingPunct="0">
+              <a:defRPr>
+                <a:solidFill>
+                  <a:schemeClr val="tx1"/>
+                </a:solidFill>
+                <a:latin typeface="Arial" panose="020B0604020202020204" pitchFamily="34" charset="0"/>
+              </a:defRPr>
+            </a:lvl2pPr>
+            <a:lvl3pPr marL="1143000" indent="-228600" eaLnBrk="0" hangingPunct="0">
+              <a:defRPr>
+                <a:solidFill>
+                  <a:schemeClr val="tx1"/>
+                </a:solidFill>
+                <a:latin typeface="Arial" panose="020B0604020202020204" pitchFamily="34" charset="0"/>
+              </a:defRPr>
+            </a:lvl3pPr>
+            <a:lvl4pPr marL="1600200" indent="-228600" eaLnBrk="0" hangingPunct="0">
+              <a:defRPr>
+                <a:solidFill>
+                  <a:schemeClr val="tx1"/>
+                </a:solidFill>
+                <a:latin typeface="Arial" panose="020B0604020202020204" pitchFamily="34" charset="0"/>
+              </a:defRPr>
+            </a:lvl4pPr>
+            <a:lvl5pPr marL="2057400" indent="-228600" eaLnBrk="0" hangingPunct="0">
+              <a:defRPr>
+                <a:solidFill>
+                  <a:schemeClr val="tx1"/>
+                </a:solidFill>
+                <a:latin typeface="Arial" panose="020B0604020202020204" pitchFamily="34" charset="0"/>
+              </a:defRPr>
+            </a:lvl5pPr>
+            <a:lvl6pPr marL="2514600" indent="-228600" eaLnBrk="0" fontAlgn="base" hangingPunct="0">
+              <a:spcBef>
+                <a:spcPct val="0"/>
+              </a:spcBef>
+              <a:spcAft>
+                <a:spcPct val="0"/>
+              </a:spcAft>
+              <a:defRPr>
+                <a:solidFill>
+                  <a:schemeClr val="tx1"/>
+                </a:solidFill>
+                <a:latin typeface="Arial" panose="020B0604020202020204" pitchFamily="34" charset="0"/>
+              </a:defRPr>
+            </a:lvl6pPr>
+            <a:lvl7pPr marL="2971800" indent="-228600" eaLnBrk="0" fontAlgn="base" hangingPunct="0">
+              <a:spcBef>
+                <a:spcPct val="0"/>
+              </a:spcBef>
+              <a:spcAft>
+                <a:spcPct val="0"/>
+              </a:spcAft>
+              <a:defRPr>
+                <a:solidFill>
+                  <a:schemeClr val="tx1"/>
+                </a:solidFill>
+                <a:latin typeface="Arial" panose="020B0604020202020204" pitchFamily="34" charset="0"/>
+              </a:defRPr>
+            </a:lvl7pPr>
+            <a:lvl8pPr marL="3429000" indent="-228600" eaLnBrk="0" fontAlgn="base" hangingPunct="0">
+              <a:spcBef>
+                <a:spcPct val="0"/>
+              </a:spcBef>
+              <a:spcAft>
+                <a:spcPct val="0"/>
+              </a:spcAft>
+              <a:defRPr>
+                <a:solidFill>
+                  <a:schemeClr val="tx1"/>
+                </a:solidFill>
+                <a:latin typeface="Arial" panose="020B0604020202020204" pitchFamily="34" charset="0"/>
+              </a:defRPr>
+            </a:lvl8pPr>
+            <a:lvl9pPr marL="3886200" indent="-228600" eaLnBrk="0" fontAlgn="base" hangingPunct="0">
+              <a:spcBef>
+                <a:spcPct val="0"/>
+              </a:spcBef>
+              <a:spcAft>
+                <a:spcPct val="0"/>
+              </a:spcAft>
+              <a:defRPr>
+                <a:solidFill>
+                  <a:schemeClr val="tx1"/>
+                </a:solidFill>
+                <a:latin typeface="Arial" panose="020B0604020202020204" pitchFamily="34" charset="0"/>
+              </a:defRPr>
+            </a:lvl9pPr>
+          </a:lstStyle>
+          <a:p>
+            <a:pPr eaLnBrk="1" hangingPunct="1"/>
+            <a:fld id="{3F7E73E1-F280-4386-87FD-01754258053D}" type="slidenum">
+              <a:rPr lang="en-US">
+                <a:solidFill>
+                  <a:schemeClr val="accent1"/>
+                </a:solidFill>
+              </a:rPr>
+              <a:pPr eaLnBrk="1" hangingPunct="1"/>
+              <a:t>21</a:t>
+            </a:fld>
+            <a:endParaRPr lang="en-US" dirty="0">
+              <a:solidFill>
+                <a:schemeClr val="accent1"/>
+              </a:solidFill>
+            </a:endParaRPr>
+          </a:p>
+        </p:txBody>
+      </p:sp>
     </p:spTree>
     <p:extLst>
       <p:ext uri="{BB962C8B-B14F-4D97-AF65-F5344CB8AC3E}">
@@ -27112,6 +28076,147 @@
               <a:rPr lang="en-US" sz="2400" dirty="0"/>
               <a:t>Allows “memory” to be introduced</a:t>
             </a:r>
+          </a:p>
+        </p:txBody>
+      </p:sp>
+      <p:sp>
+        <p:nvSpPr>
+          <p:cNvPr id="4" name="Slide Number Placeholder 28">
+            <a:extLst>
+              <a:ext uri="{FF2B5EF4-FFF2-40B4-BE49-F238E27FC236}">
+                <a16:creationId xmlns:a16="http://schemas.microsoft.com/office/drawing/2014/main" id="{73903A97-8494-AE4D-90F0-655FC133F2E3}"/>
+              </a:ext>
+            </a:extLst>
+          </p:cNvPr>
+          <p:cNvSpPr>
+            <a:spLocks noGrp="1"/>
+          </p:cNvSpPr>
+          <p:nvPr>
+            <p:ph type="sldNum" sz="quarter" idx="12"/>
+          </p:nvPr>
+        </p:nvSpPr>
+        <p:spPr>
+          <a:xfrm>
+            <a:off x="8559864" y="6453336"/>
+            <a:ext cx="548640" cy="396240"/>
+          </a:xfrm>
+        </p:spPr>
+        <p:txBody>
+          <a:bodyPr/>
+          <a:lstStyle>
+            <a:lvl1pPr eaLnBrk="0" hangingPunct="0">
+              <a:defRPr>
+                <a:solidFill>
+                  <a:schemeClr val="tx1"/>
+                </a:solidFill>
+                <a:latin typeface="Arial" panose="020B0604020202020204" pitchFamily="34" charset="0"/>
+              </a:defRPr>
+            </a:lvl1pPr>
+            <a:lvl2pPr marL="742950" indent="-285750" eaLnBrk="0" hangingPunct="0">
+              <a:defRPr>
+                <a:solidFill>
+                  <a:schemeClr val="tx1"/>
+                </a:solidFill>
+                <a:latin typeface="Arial" panose="020B0604020202020204" pitchFamily="34" charset="0"/>
+              </a:defRPr>
+            </a:lvl2pPr>
+            <a:lvl3pPr marL="1143000" indent="-228600" eaLnBrk="0" hangingPunct="0">
+              <a:defRPr>
+                <a:solidFill>
+                  <a:schemeClr val="tx1"/>
+                </a:solidFill>
+                <a:latin typeface="Arial" panose="020B0604020202020204" pitchFamily="34" charset="0"/>
+              </a:defRPr>
+            </a:lvl3pPr>
+            <a:lvl4pPr marL="1600200" indent="-228600" eaLnBrk="0" hangingPunct="0">
+              <a:defRPr>
+                <a:solidFill>
+                  <a:schemeClr val="tx1"/>
+                </a:solidFill>
+                <a:latin typeface="Arial" panose="020B0604020202020204" pitchFamily="34" charset="0"/>
+              </a:defRPr>
+            </a:lvl4pPr>
+            <a:lvl5pPr marL="2057400" indent="-228600" eaLnBrk="0" hangingPunct="0">
+              <a:defRPr>
+                <a:solidFill>
+                  <a:schemeClr val="tx1"/>
+                </a:solidFill>
+                <a:latin typeface="Arial" panose="020B0604020202020204" pitchFamily="34" charset="0"/>
+              </a:defRPr>
+            </a:lvl5pPr>
+            <a:lvl6pPr marL="2514600" indent="-228600" eaLnBrk="0" fontAlgn="base" hangingPunct="0">
+              <a:spcBef>
+                <a:spcPct val="0"/>
+              </a:spcBef>
+              <a:spcAft>
+                <a:spcPct val="0"/>
+              </a:spcAft>
+              <a:defRPr>
+                <a:solidFill>
+                  <a:schemeClr val="tx1"/>
+                </a:solidFill>
+                <a:latin typeface="Arial" panose="020B0604020202020204" pitchFamily="34" charset="0"/>
+              </a:defRPr>
+            </a:lvl6pPr>
+            <a:lvl7pPr marL="2971800" indent="-228600" eaLnBrk="0" fontAlgn="base" hangingPunct="0">
+              <a:spcBef>
+                <a:spcPct val="0"/>
+              </a:spcBef>
+              <a:spcAft>
+                <a:spcPct val="0"/>
+              </a:spcAft>
+              <a:defRPr>
+                <a:solidFill>
+                  <a:schemeClr val="tx1"/>
+                </a:solidFill>
+                <a:latin typeface="Arial" panose="020B0604020202020204" pitchFamily="34" charset="0"/>
+              </a:defRPr>
+            </a:lvl7pPr>
+            <a:lvl8pPr marL="3429000" indent="-228600" eaLnBrk="0" fontAlgn="base" hangingPunct="0">
+              <a:spcBef>
+                <a:spcPct val="0"/>
+              </a:spcBef>
+              <a:spcAft>
+                <a:spcPct val="0"/>
+              </a:spcAft>
+              <a:defRPr>
+                <a:solidFill>
+                  <a:schemeClr val="tx1"/>
+                </a:solidFill>
+                <a:latin typeface="Arial" panose="020B0604020202020204" pitchFamily="34" charset="0"/>
+              </a:defRPr>
+            </a:lvl8pPr>
+            <a:lvl9pPr marL="3886200" indent="-228600" eaLnBrk="0" fontAlgn="base" hangingPunct="0">
+              <a:spcBef>
+                <a:spcPct val="0"/>
+              </a:spcBef>
+              <a:spcAft>
+                <a:spcPct val="0"/>
+              </a:spcAft>
+              <a:defRPr>
+                <a:solidFill>
+                  <a:schemeClr val="tx1"/>
+                </a:solidFill>
+                <a:latin typeface="Arial" panose="020B0604020202020204" pitchFamily="34" charset="0"/>
+              </a:defRPr>
+            </a:lvl9pPr>
+          </a:lstStyle>
+          <a:p>
+            <a:pPr eaLnBrk="1" hangingPunct="1"/>
+            <a:fld id="{3F7E73E1-F280-4386-87FD-01754258053D}" type="slidenum">
+              <a:rPr lang="en-US">
+                <a:solidFill>
+                  <a:schemeClr val="accent1"/>
+                </a:solidFill>
+              </a:rPr>
+              <a:pPr eaLnBrk="1" hangingPunct="1"/>
+              <a:t>22</a:t>
+            </a:fld>
+            <a:endParaRPr lang="en-US" dirty="0">
+              <a:solidFill>
+                <a:schemeClr val="accent1"/>
+              </a:solidFill>
+            </a:endParaRPr>
           </a:p>
         </p:txBody>
       </p:sp>
@@ -29977,7 +31082,7 @@
           <a:graphicData uri="http://schemas.openxmlformats.org/presentationml/2006/ole">
             <mc:AlternateContent xmlns:mc="http://schemas.openxmlformats.org/markup-compatibility/2006">
               <mc:Choice xmlns:v="urn:schemas-microsoft-com:vml" Requires="v">
-                <p:oleObj spid="_x0000_s4168" name="Equation" r:id="rId3" imgW="2577960" imgH="457200" progId="Equation.DSMT4">
+                <p:oleObj spid="_x0000_s4170" name="Equation" r:id="rId3" imgW="2577960" imgH="457200" progId="Equation.DSMT4">
                   <p:embed/>
                 </p:oleObj>
               </mc:Choice>
@@ -30054,6 +31159,147 @@
           </a:graphicData>
         </a:graphic>
       </p:graphicFrame>
+      <p:sp>
+        <p:nvSpPr>
+          <p:cNvPr id="29" name="Slide Number Placeholder 28">
+            <a:extLst>
+              <a:ext uri="{FF2B5EF4-FFF2-40B4-BE49-F238E27FC236}">
+                <a16:creationId xmlns:a16="http://schemas.microsoft.com/office/drawing/2014/main" id="{EC41FC2A-690D-C543-AA15-26527893D326}"/>
+              </a:ext>
+            </a:extLst>
+          </p:cNvPr>
+          <p:cNvSpPr>
+            <a:spLocks noGrp="1"/>
+          </p:cNvSpPr>
+          <p:nvPr>
+            <p:ph type="sldNum" sz="quarter" idx="12"/>
+          </p:nvPr>
+        </p:nvSpPr>
+        <p:spPr>
+          <a:xfrm>
+            <a:off x="8559864" y="6453336"/>
+            <a:ext cx="548640" cy="396240"/>
+          </a:xfrm>
+        </p:spPr>
+        <p:txBody>
+          <a:bodyPr/>
+          <a:lstStyle>
+            <a:lvl1pPr eaLnBrk="0" hangingPunct="0">
+              <a:defRPr>
+                <a:solidFill>
+                  <a:schemeClr val="tx1"/>
+                </a:solidFill>
+                <a:latin typeface="Arial" panose="020B0604020202020204" pitchFamily="34" charset="0"/>
+              </a:defRPr>
+            </a:lvl1pPr>
+            <a:lvl2pPr marL="742950" indent="-285750" eaLnBrk="0" hangingPunct="0">
+              <a:defRPr>
+                <a:solidFill>
+                  <a:schemeClr val="tx1"/>
+                </a:solidFill>
+                <a:latin typeface="Arial" panose="020B0604020202020204" pitchFamily="34" charset="0"/>
+              </a:defRPr>
+            </a:lvl2pPr>
+            <a:lvl3pPr marL="1143000" indent="-228600" eaLnBrk="0" hangingPunct="0">
+              <a:defRPr>
+                <a:solidFill>
+                  <a:schemeClr val="tx1"/>
+                </a:solidFill>
+                <a:latin typeface="Arial" panose="020B0604020202020204" pitchFamily="34" charset="0"/>
+              </a:defRPr>
+            </a:lvl3pPr>
+            <a:lvl4pPr marL="1600200" indent="-228600" eaLnBrk="0" hangingPunct="0">
+              <a:defRPr>
+                <a:solidFill>
+                  <a:schemeClr val="tx1"/>
+                </a:solidFill>
+                <a:latin typeface="Arial" panose="020B0604020202020204" pitchFamily="34" charset="0"/>
+              </a:defRPr>
+            </a:lvl4pPr>
+            <a:lvl5pPr marL="2057400" indent="-228600" eaLnBrk="0" hangingPunct="0">
+              <a:defRPr>
+                <a:solidFill>
+                  <a:schemeClr val="tx1"/>
+                </a:solidFill>
+                <a:latin typeface="Arial" panose="020B0604020202020204" pitchFamily="34" charset="0"/>
+              </a:defRPr>
+            </a:lvl5pPr>
+            <a:lvl6pPr marL="2514600" indent="-228600" eaLnBrk="0" fontAlgn="base" hangingPunct="0">
+              <a:spcBef>
+                <a:spcPct val="0"/>
+              </a:spcBef>
+              <a:spcAft>
+                <a:spcPct val="0"/>
+              </a:spcAft>
+              <a:defRPr>
+                <a:solidFill>
+                  <a:schemeClr val="tx1"/>
+                </a:solidFill>
+                <a:latin typeface="Arial" panose="020B0604020202020204" pitchFamily="34" charset="0"/>
+              </a:defRPr>
+            </a:lvl6pPr>
+            <a:lvl7pPr marL="2971800" indent="-228600" eaLnBrk="0" fontAlgn="base" hangingPunct="0">
+              <a:spcBef>
+                <a:spcPct val="0"/>
+              </a:spcBef>
+              <a:spcAft>
+                <a:spcPct val="0"/>
+              </a:spcAft>
+              <a:defRPr>
+                <a:solidFill>
+                  <a:schemeClr val="tx1"/>
+                </a:solidFill>
+                <a:latin typeface="Arial" panose="020B0604020202020204" pitchFamily="34" charset="0"/>
+              </a:defRPr>
+            </a:lvl7pPr>
+            <a:lvl8pPr marL="3429000" indent="-228600" eaLnBrk="0" fontAlgn="base" hangingPunct="0">
+              <a:spcBef>
+                <a:spcPct val="0"/>
+              </a:spcBef>
+              <a:spcAft>
+                <a:spcPct val="0"/>
+              </a:spcAft>
+              <a:defRPr>
+                <a:solidFill>
+                  <a:schemeClr val="tx1"/>
+                </a:solidFill>
+                <a:latin typeface="Arial" panose="020B0604020202020204" pitchFamily="34" charset="0"/>
+              </a:defRPr>
+            </a:lvl8pPr>
+            <a:lvl9pPr marL="3886200" indent="-228600" eaLnBrk="0" fontAlgn="base" hangingPunct="0">
+              <a:spcBef>
+                <a:spcPct val="0"/>
+              </a:spcBef>
+              <a:spcAft>
+                <a:spcPct val="0"/>
+              </a:spcAft>
+              <a:defRPr>
+                <a:solidFill>
+                  <a:schemeClr val="tx1"/>
+                </a:solidFill>
+                <a:latin typeface="Arial" panose="020B0604020202020204" pitchFamily="34" charset="0"/>
+              </a:defRPr>
+            </a:lvl9pPr>
+          </a:lstStyle>
+          <a:p>
+            <a:pPr eaLnBrk="1" hangingPunct="1"/>
+            <a:fld id="{3F7E73E1-F280-4386-87FD-01754258053D}" type="slidenum">
+              <a:rPr lang="en-US">
+                <a:solidFill>
+                  <a:schemeClr val="accent1"/>
+                </a:solidFill>
+              </a:rPr>
+              <a:pPr eaLnBrk="1" hangingPunct="1"/>
+              <a:t>23</a:t>
+            </a:fld>
+            <a:endParaRPr lang="en-US" dirty="0">
+              <a:solidFill>
+                <a:schemeClr val="accent1"/>
+              </a:solidFill>
+            </a:endParaRPr>
+          </a:p>
+        </p:txBody>
+      </p:sp>
     </p:spTree>
     <p:extLst>
       <p:ext uri="{BB962C8B-B14F-4D97-AF65-F5344CB8AC3E}">
@@ -30237,6 +31483,147 @@
               <a:rPr lang="en-US" dirty="0"/>
               <a:t>2004;24:486.</a:t>
             </a:r>
+          </a:p>
+        </p:txBody>
+      </p:sp>
+      <p:sp>
+        <p:nvSpPr>
+          <p:cNvPr id="5" name="Slide Number Placeholder 28">
+            <a:extLst>
+              <a:ext uri="{FF2B5EF4-FFF2-40B4-BE49-F238E27FC236}">
+                <a16:creationId xmlns:a16="http://schemas.microsoft.com/office/drawing/2014/main" id="{60144BC5-8025-714A-B1D8-4D9C9465C99E}"/>
+              </a:ext>
+            </a:extLst>
+          </p:cNvPr>
+          <p:cNvSpPr>
+            <a:spLocks noGrp="1"/>
+          </p:cNvSpPr>
+          <p:nvPr>
+            <p:ph type="sldNum" sz="quarter" idx="12"/>
+          </p:nvPr>
+        </p:nvSpPr>
+        <p:spPr>
+          <a:xfrm>
+            <a:off x="8559864" y="6453336"/>
+            <a:ext cx="548640" cy="396240"/>
+          </a:xfrm>
+        </p:spPr>
+        <p:txBody>
+          <a:bodyPr/>
+          <a:lstStyle>
+            <a:lvl1pPr eaLnBrk="0" hangingPunct="0">
+              <a:defRPr>
+                <a:solidFill>
+                  <a:schemeClr val="tx1"/>
+                </a:solidFill>
+                <a:latin typeface="Arial" panose="020B0604020202020204" pitchFamily="34" charset="0"/>
+              </a:defRPr>
+            </a:lvl1pPr>
+            <a:lvl2pPr marL="742950" indent="-285750" eaLnBrk="0" hangingPunct="0">
+              <a:defRPr>
+                <a:solidFill>
+                  <a:schemeClr val="tx1"/>
+                </a:solidFill>
+                <a:latin typeface="Arial" panose="020B0604020202020204" pitchFamily="34" charset="0"/>
+              </a:defRPr>
+            </a:lvl2pPr>
+            <a:lvl3pPr marL="1143000" indent="-228600" eaLnBrk="0" hangingPunct="0">
+              <a:defRPr>
+                <a:solidFill>
+                  <a:schemeClr val="tx1"/>
+                </a:solidFill>
+                <a:latin typeface="Arial" panose="020B0604020202020204" pitchFamily="34" charset="0"/>
+              </a:defRPr>
+            </a:lvl3pPr>
+            <a:lvl4pPr marL="1600200" indent="-228600" eaLnBrk="0" hangingPunct="0">
+              <a:defRPr>
+                <a:solidFill>
+                  <a:schemeClr val="tx1"/>
+                </a:solidFill>
+                <a:latin typeface="Arial" panose="020B0604020202020204" pitchFamily="34" charset="0"/>
+              </a:defRPr>
+            </a:lvl4pPr>
+            <a:lvl5pPr marL="2057400" indent="-228600" eaLnBrk="0" hangingPunct="0">
+              <a:defRPr>
+                <a:solidFill>
+                  <a:schemeClr val="tx1"/>
+                </a:solidFill>
+                <a:latin typeface="Arial" panose="020B0604020202020204" pitchFamily="34" charset="0"/>
+              </a:defRPr>
+            </a:lvl5pPr>
+            <a:lvl6pPr marL="2514600" indent="-228600" eaLnBrk="0" fontAlgn="base" hangingPunct="0">
+              <a:spcBef>
+                <a:spcPct val="0"/>
+              </a:spcBef>
+              <a:spcAft>
+                <a:spcPct val="0"/>
+              </a:spcAft>
+              <a:defRPr>
+                <a:solidFill>
+                  <a:schemeClr val="tx1"/>
+                </a:solidFill>
+                <a:latin typeface="Arial" panose="020B0604020202020204" pitchFamily="34" charset="0"/>
+              </a:defRPr>
+            </a:lvl6pPr>
+            <a:lvl7pPr marL="2971800" indent="-228600" eaLnBrk="0" fontAlgn="base" hangingPunct="0">
+              <a:spcBef>
+                <a:spcPct val="0"/>
+              </a:spcBef>
+              <a:spcAft>
+                <a:spcPct val="0"/>
+              </a:spcAft>
+              <a:defRPr>
+                <a:solidFill>
+                  <a:schemeClr val="tx1"/>
+                </a:solidFill>
+                <a:latin typeface="Arial" panose="020B0604020202020204" pitchFamily="34" charset="0"/>
+              </a:defRPr>
+            </a:lvl7pPr>
+            <a:lvl8pPr marL="3429000" indent="-228600" eaLnBrk="0" fontAlgn="base" hangingPunct="0">
+              <a:spcBef>
+                <a:spcPct val="0"/>
+              </a:spcBef>
+              <a:spcAft>
+                <a:spcPct val="0"/>
+              </a:spcAft>
+              <a:defRPr>
+                <a:solidFill>
+                  <a:schemeClr val="tx1"/>
+                </a:solidFill>
+                <a:latin typeface="Arial" panose="020B0604020202020204" pitchFamily="34" charset="0"/>
+              </a:defRPr>
+            </a:lvl8pPr>
+            <a:lvl9pPr marL="3886200" indent="-228600" eaLnBrk="0" fontAlgn="base" hangingPunct="0">
+              <a:spcBef>
+                <a:spcPct val="0"/>
+              </a:spcBef>
+              <a:spcAft>
+                <a:spcPct val="0"/>
+              </a:spcAft>
+              <a:defRPr>
+                <a:solidFill>
+                  <a:schemeClr val="tx1"/>
+                </a:solidFill>
+                <a:latin typeface="Arial" panose="020B0604020202020204" pitchFamily="34" charset="0"/>
+              </a:defRPr>
+            </a:lvl9pPr>
+          </a:lstStyle>
+          <a:p>
+            <a:pPr eaLnBrk="1" hangingPunct="1"/>
+            <a:fld id="{3F7E73E1-F280-4386-87FD-01754258053D}" type="slidenum">
+              <a:rPr lang="en-US">
+                <a:solidFill>
+                  <a:schemeClr val="accent1"/>
+                </a:solidFill>
+              </a:rPr>
+              <a:pPr eaLnBrk="1" hangingPunct="1"/>
+              <a:t>24</a:t>
+            </a:fld>
+            <a:endParaRPr lang="en-US" dirty="0">
+              <a:solidFill>
+                <a:schemeClr val="accent1"/>
+              </a:solidFill>
+            </a:endParaRPr>
           </a:p>
         </p:txBody>
       </p:sp>
@@ -30374,6 +31761,147 @@
               <a:t>altenatives</a:t>
             </a:r>
             <a:endParaRPr lang="en-US" dirty="0"/>
+          </a:p>
+        </p:txBody>
+      </p:sp>
+      <p:sp>
+        <p:nvSpPr>
+          <p:cNvPr id="4" name="Slide Number Placeholder 28">
+            <a:extLst>
+              <a:ext uri="{FF2B5EF4-FFF2-40B4-BE49-F238E27FC236}">
+                <a16:creationId xmlns:a16="http://schemas.microsoft.com/office/drawing/2014/main" id="{1BA58E2E-A700-4241-B973-E142DB57C93C}"/>
+              </a:ext>
+            </a:extLst>
+          </p:cNvPr>
+          <p:cNvSpPr>
+            <a:spLocks noGrp="1"/>
+          </p:cNvSpPr>
+          <p:nvPr>
+            <p:ph type="sldNum" sz="quarter" idx="12"/>
+          </p:nvPr>
+        </p:nvSpPr>
+        <p:spPr>
+          <a:xfrm>
+            <a:off x="8559864" y="6453336"/>
+            <a:ext cx="548640" cy="396240"/>
+          </a:xfrm>
+        </p:spPr>
+        <p:txBody>
+          <a:bodyPr/>
+          <a:lstStyle>
+            <a:lvl1pPr eaLnBrk="0" hangingPunct="0">
+              <a:defRPr>
+                <a:solidFill>
+                  <a:schemeClr val="tx1"/>
+                </a:solidFill>
+                <a:latin typeface="Arial" panose="020B0604020202020204" pitchFamily="34" charset="0"/>
+              </a:defRPr>
+            </a:lvl1pPr>
+            <a:lvl2pPr marL="742950" indent="-285750" eaLnBrk="0" hangingPunct="0">
+              <a:defRPr>
+                <a:solidFill>
+                  <a:schemeClr val="tx1"/>
+                </a:solidFill>
+                <a:latin typeface="Arial" panose="020B0604020202020204" pitchFamily="34" charset="0"/>
+              </a:defRPr>
+            </a:lvl2pPr>
+            <a:lvl3pPr marL="1143000" indent="-228600" eaLnBrk="0" hangingPunct="0">
+              <a:defRPr>
+                <a:solidFill>
+                  <a:schemeClr val="tx1"/>
+                </a:solidFill>
+                <a:latin typeface="Arial" panose="020B0604020202020204" pitchFamily="34" charset="0"/>
+              </a:defRPr>
+            </a:lvl3pPr>
+            <a:lvl4pPr marL="1600200" indent="-228600" eaLnBrk="0" hangingPunct="0">
+              <a:defRPr>
+                <a:solidFill>
+                  <a:schemeClr val="tx1"/>
+                </a:solidFill>
+                <a:latin typeface="Arial" panose="020B0604020202020204" pitchFamily="34" charset="0"/>
+              </a:defRPr>
+            </a:lvl4pPr>
+            <a:lvl5pPr marL="2057400" indent="-228600" eaLnBrk="0" hangingPunct="0">
+              <a:defRPr>
+                <a:solidFill>
+                  <a:schemeClr val="tx1"/>
+                </a:solidFill>
+                <a:latin typeface="Arial" panose="020B0604020202020204" pitchFamily="34" charset="0"/>
+              </a:defRPr>
+            </a:lvl5pPr>
+            <a:lvl6pPr marL="2514600" indent="-228600" eaLnBrk="0" fontAlgn="base" hangingPunct="0">
+              <a:spcBef>
+                <a:spcPct val="0"/>
+              </a:spcBef>
+              <a:spcAft>
+                <a:spcPct val="0"/>
+              </a:spcAft>
+              <a:defRPr>
+                <a:solidFill>
+                  <a:schemeClr val="tx1"/>
+                </a:solidFill>
+                <a:latin typeface="Arial" panose="020B0604020202020204" pitchFamily="34" charset="0"/>
+              </a:defRPr>
+            </a:lvl6pPr>
+            <a:lvl7pPr marL="2971800" indent="-228600" eaLnBrk="0" fontAlgn="base" hangingPunct="0">
+              <a:spcBef>
+                <a:spcPct val="0"/>
+              </a:spcBef>
+              <a:spcAft>
+                <a:spcPct val="0"/>
+              </a:spcAft>
+              <a:defRPr>
+                <a:solidFill>
+                  <a:schemeClr val="tx1"/>
+                </a:solidFill>
+                <a:latin typeface="Arial" panose="020B0604020202020204" pitchFamily="34" charset="0"/>
+              </a:defRPr>
+            </a:lvl7pPr>
+            <a:lvl8pPr marL="3429000" indent="-228600" eaLnBrk="0" fontAlgn="base" hangingPunct="0">
+              <a:spcBef>
+                <a:spcPct val="0"/>
+              </a:spcBef>
+              <a:spcAft>
+                <a:spcPct val="0"/>
+              </a:spcAft>
+              <a:defRPr>
+                <a:solidFill>
+                  <a:schemeClr val="tx1"/>
+                </a:solidFill>
+                <a:latin typeface="Arial" panose="020B0604020202020204" pitchFamily="34" charset="0"/>
+              </a:defRPr>
+            </a:lvl8pPr>
+            <a:lvl9pPr marL="3886200" indent="-228600" eaLnBrk="0" fontAlgn="base" hangingPunct="0">
+              <a:spcBef>
+                <a:spcPct val="0"/>
+              </a:spcBef>
+              <a:spcAft>
+                <a:spcPct val="0"/>
+              </a:spcAft>
+              <a:defRPr>
+                <a:solidFill>
+                  <a:schemeClr val="tx1"/>
+                </a:solidFill>
+                <a:latin typeface="Arial" panose="020B0604020202020204" pitchFamily="34" charset="0"/>
+              </a:defRPr>
+            </a:lvl9pPr>
+          </a:lstStyle>
+          <a:p>
+            <a:pPr eaLnBrk="1" hangingPunct="1"/>
+            <a:fld id="{3F7E73E1-F280-4386-87FD-01754258053D}" type="slidenum">
+              <a:rPr lang="en-US">
+                <a:solidFill>
+                  <a:schemeClr val="accent1"/>
+                </a:solidFill>
+              </a:rPr>
+              <a:pPr eaLnBrk="1" hangingPunct="1"/>
+              <a:t>25</a:t>
+            </a:fld>
+            <a:endParaRPr lang="en-US" dirty="0">
+              <a:solidFill>
+                <a:schemeClr val="accent1"/>
+              </a:solidFill>
+            </a:endParaRPr>
           </a:p>
         </p:txBody>
       </p:sp>
@@ -30509,6 +32037,147 @@
               <a:rPr lang="en-US" dirty="0"/>
               <a:t> 2015;33:1255.</a:t>
             </a:r>
+          </a:p>
+        </p:txBody>
+      </p:sp>
+      <p:sp>
+        <p:nvSpPr>
+          <p:cNvPr id="6" name="Slide Number Placeholder 28">
+            <a:extLst>
+              <a:ext uri="{FF2B5EF4-FFF2-40B4-BE49-F238E27FC236}">
+                <a16:creationId xmlns:a16="http://schemas.microsoft.com/office/drawing/2014/main" id="{40517A00-4FEF-4F4F-8E63-FF75647842E6}"/>
+              </a:ext>
+            </a:extLst>
+          </p:cNvPr>
+          <p:cNvSpPr>
+            <a:spLocks noGrp="1"/>
+          </p:cNvSpPr>
+          <p:nvPr>
+            <p:ph type="sldNum" sz="quarter" idx="12"/>
+          </p:nvPr>
+        </p:nvSpPr>
+        <p:spPr>
+          <a:xfrm>
+            <a:off x="8559864" y="6453336"/>
+            <a:ext cx="548640" cy="396240"/>
+          </a:xfrm>
+        </p:spPr>
+        <p:txBody>
+          <a:bodyPr/>
+          <a:lstStyle>
+            <a:lvl1pPr eaLnBrk="0" hangingPunct="0">
+              <a:defRPr>
+                <a:solidFill>
+                  <a:schemeClr val="tx1"/>
+                </a:solidFill>
+                <a:latin typeface="Arial" panose="020B0604020202020204" pitchFamily="34" charset="0"/>
+              </a:defRPr>
+            </a:lvl1pPr>
+            <a:lvl2pPr marL="742950" indent="-285750" eaLnBrk="0" hangingPunct="0">
+              <a:defRPr>
+                <a:solidFill>
+                  <a:schemeClr val="tx1"/>
+                </a:solidFill>
+                <a:latin typeface="Arial" panose="020B0604020202020204" pitchFamily="34" charset="0"/>
+              </a:defRPr>
+            </a:lvl2pPr>
+            <a:lvl3pPr marL="1143000" indent="-228600" eaLnBrk="0" hangingPunct="0">
+              <a:defRPr>
+                <a:solidFill>
+                  <a:schemeClr val="tx1"/>
+                </a:solidFill>
+                <a:latin typeface="Arial" panose="020B0604020202020204" pitchFamily="34" charset="0"/>
+              </a:defRPr>
+            </a:lvl3pPr>
+            <a:lvl4pPr marL="1600200" indent="-228600" eaLnBrk="0" hangingPunct="0">
+              <a:defRPr>
+                <a:solidFill>
+                  <a:schemeClr val="tx1"/>
+                </a:solidFill>
+                <a:latin typeface="Arial" panose="020B0604020202020204" pitchFamily="34" charset="0"/>
+              </a:defRPr>
+            </a:lvl4pPr>
+            <a:lvl5pPr marL="2057400" indent="-228600" eaLnBrk="0" hangingPunct="0">
+              <a:defRPr>
+                <a:solidFill>
+                  <a:schemeClr val="tx1"/>
+                </a:solidFill>
+                <a:latin typeface="Arial" panose="020B0604020202020204" pitchFamily="34" charset="0"/>
+              </a:defRPr>
+            </a:lvl5pPr>
+            <a:lvl6pPr marL="2514600" indent="-228600" eaLnBrk="0" fontAlgn="base" hangingPunct="0">
+              <a:spcBef>
+                <a:spcPct val="0"/>
+              </a:spcBef>
+              <a:spcAft>
+                <a:spcPct val="0"/>
+              </a:spcAft>
+              <a:defRPr>
+                <a:solidFill>
+                  <a:schemeClr val="tx1"/>
+                </a:solidFill>
+                <a:latin typeface="Arial" panose="020B0604020202020204" pitchFamily="34" charset="0"/>
+              </a:defRPr>
+            </a:lvl6pPr>
+            <a:lvl7pPr marL="2971800" indent="-228600" eaLnBrk="0" fontAlgn="base" hangingPunct="0">
+              <a:spcBef>
+                <a:spcPct val="0"/>
+              </a:spcBef>
+              <a:spcAft>
+                <a:spcPct val="0"/>
+              </a:spcAft>
+              <a:defRPr>
+                <a:solidFill>
+                  <a:schemeClr val="tx1"/>
+                </a:solidFill>
+                <a:latin typeface="Arial" panose="020B0604020202020204" pitchFamily="34" charset="0"/>
+              </a:defRPr>
+            </a:lvl7pPr>
+            <a:lvl8pPr marL="3429000" indent="-228600" eaLnBrk="0" fontAlgn="base" hangingPunct="0">
+              <a:spcBef>
+                <a:spcPct val="0"/>
+              </a:spcBef>
+              <a:spcAft>
+                <a:spcPct val="0"/>
+              </a:spcAft>
+              <a:defRPr>
+                <a:solidFill>
+                  <a:schemeClr val="tx1"/>
+                </a:solidFill>
+                <a:latin typeface="Arial" panose="020B0604020202020204" pitchFamily="34" charset="0"/>
+              </a:defRPr>
+            </a:lvl8pPr>
+            <a:lvl9pPr marL="3886200" indent="-228600" eaLnBrk="0" fontAlgn="base" hangingPunct="0">
+              <a:spcBef>
+                <a:spcPct val="0"/>
+              </a:spcBef>
+              <a:spcAft>
+                <a:spcPct val="0"/>
+              </a:spcAft>
+              <a:defRPr>
+                <a:solidFill>
+                  <a:schemeClr val="tx1"/>
+                </a:solidFill>
+                <a:latin typeface="Arial" panose="020B0604020202020204" pitchFamily="34" charset="0"/>
+              </a:defRPr>
+            </a:lvl9pPr>
+          </a:lstStyle>
+          <a:p>
+            <a:pPr eaLnBrk="1" hangingPunct="1"/>
+            <a:fld id="{3F7E73E1-F280-4386-87FD-01754258053D}" type="slidenum">
+              <a:rPr lang="en-US">
+                <a:solidFill>
+                  <a:schemeClr val="accent1"/>
+                </a:solidFill>
+              </a:rPr>
+              <a:pPr eaLnBrk="1" hangingPunct="1"/>
+              <a:t>26</a:t>
+            </a:fld>
+            <a:endParaRPr lang="en-US" dirty="0">
+              <a:solidFill>
+                <a:schemeClr val="accent1"/>
+              </a:solidFill>
+            </a:endParaRPr>
           </a:p>
         </p:txBody>
       </p:sp>
@@ -35973,6 +37642,148 @@
     <p:extLst>
       <p:ext uri="{BB962C8B-B14F-4D97-AF65-F5344CB8AC3E}">
         <p14:creationId xmlns:p14="http://schemas.microsoft.com/office/powerpoint/2010/main" val="1236097405"/>
+      </p:ext>
+    </p:extLst>
+  </p:cSld>
+  <p:clrMapOvr>
+    <a:masterClrMapping/>
+  </p:clrMapOvr>
+</p:sld>
+</file>
+
+<file path=ppt/slides/slide36.xml><?xml version="1.0" encoding="utf-8"?>
+<p:sld xmlns:a="http://schemas.openxmlformats.org/drawingml/2006/main" xmlns:r="http://schemas.openxmlformats.org/officeDocument/2006/relationships" xmlns:p="http://schemas.openxmlformats.org/presentationml/2006/main">
+  <p:cSld>
+    <p:spTree>
+      <p:nvGrpSpPr>
+        <p:cNvPr id="1" name="Shape 2030"/>
+        <p:cNvGrpSpPr/>
+        <p:nvPr/>
+      </p:nvGrpSpPr>
+      <p:grpSpPr>
+        <a:xfrm>
+          <a:off x="0" y="0"/>
+          <a:ext cx="0" cy="0"/>
+          <a:chOff x="0" y="0"/>
+          <a:chExt cx="0" cy="0"/>
+        </a:xfrm>
+      </p:grpSpPr>
+      <p:sp>
+        <p:nvSpPr>
+          <p:cNvPr id="2031" name="Google Shape;2031;p128"/>
+          <p:cNvSpPr txBox="1">
+            <a:spLocks noGrp="1"/>
+          </p:cNvSpPr>
+          <p:nvPr>
+            <p:ph type="ftr" idx="11"/>
+          </p:nvPr>
+        </p:nvSpPr>
+        <p:spPr>
+          <a:xfrm>
+            <a:off x="649288" y="6481911"/>
+            <a:ext cx="4786808" cy="374587"/>
+          </a:xfrm>
+          <a:prstGeom prst="rect">
+            <a:avLst/>
+          </a:prstGeom>
+          <a:noFill/>
+          <a:ln>
+            <a:noFill/>
+          </a:ln>
+        </p:spPr>
+        <p:txBody>
+          <a:bodyPr spcFirstLastPara="1" wrap="square" lIns="91425" tIns="45700" rIns="91425" bIns="45700" anchor="ctr" anchorCtr="0">
+            <a:noAutofit/>
+          </a:bodyPr>
+          <a:lstStyle/>
+          <a:p>
+            <a:pPr marL="0" marR="0" lvl="0" indent="0" algn="l" rtl="0">
+              <a:spcBef>
+                <a:spcPts val="0"/>
+              </a:spcBef>
+              <a:spcAft>
+                <a:spcPts val="0"/>
+              </a:spcAft>
+              <a:buNone/>
+            </a:pPr>
+            <a:r>
+              <a:rPr lang="nl-NL" sz="1200">
+                <a:solidFill>
+                  <a:schemeClr val="lt1"/>
+                </a:solidFill>
+                <a:latin typeface="Verdana"/>
+                <a:ea typeface="Verdana"/>
+                <a:cs typeface="Verdana"/>
+                <a:sym typeface="Verdana"/>
+              </a:rPr>
+              <a:t>Decision Analysis in R for Technologies in Health</a:t>
+            </a:r>
+            <a:endParaRPr sz="1200">
+              <a:solidFill>
+                <a:schemeClr val="lt1"/>
+              </a:solidFill>
+              <a:latin typeface="Verdana"/>
+              <a:ea typeface="Verdana"/>
+              <a:cs typeface="Verdana"/>
+              <a:sym typeface="Verdana"/>
+            </a:endParaRPr>
+          </a:p>
+        </p:txBody>
+      </p:sp>
+      <p:sp>
+        <p:nvSpPr>
+          <p:cNvPr id="2032" name="Google Shape;2032;p128"/>
+          <p:cNvSpPr>
+            <a:spLocks noGrp="1"/>
+          </p:cNvSpPr>
+          <p:nvPr>
+            <p:ph type="sldNum" idx="12"/>
+          </p:nvPr>
+        </p:nvSpPr>
+        <p:spPr>
+          <a:xfrm>
+            <a:off x="8559864" y="6453336"/>
+            <a:ext cx="548640" cy="396240"/>
+          </a:xfrm>
+          <a:prstGeom prst="bracketPair">
+            <a:avLst/>
+          </a:prstGeom>
+          <a:noFill/>
+          <a:ln>
+            <a:noFill/>
+          </a:ln>
+        </p:spPr>
+        <p:txBody>
+          <a:bodyPr spcFirstLastPara="1" wrap="square" lIns="0" tIns="0" rIns="0" bIns="0" anchor="ctr" anchorCtr="0">
+            <a:noAutofit/>
+          </a:bodyPr>
+          <a:lstStyle/>
+          <a:p>
+            <a:pPr marL="0" lvl="0" indent="0" algn="ctr" rtl="0">
+              <a:spcBef>
+                <a:spcPts val="0"/>
+              </a:spcBef>
+              <a:spcAft>
+                <a:spcPts val="0"/>
+              </a:spcAft>
+              <a:buClr>
+                <a:srgbClr val="000000"/>
+              </a:buClr>
+              <a:buFont typeface="Arial"/>
+              <a:buNone/>
+            </a:pPr>
+            <a:fld id="{00000000-1234-1234-1234-123412341234}" type="slidenum">
+              <a:rPr lang="nl-NL"/>
+              <a:t>36</a:t>
+            </a:fld>
+            <a:endParaRPr/>
+          </a:p>
+        </p:txBody>
+      </p:sp>
+    </p:spTree>
+    <p:extLst>
+      <p:ext uri="{BB962C8B-B14F-4D97-AF65-F5344CB8AC3E}">
+        <p14:creationId xmlns:p14="http://schemas.microsoft.com/office/powerpoint/2010/main" val="2232263209"/>
       </p:ext>
     </p:extLst>
   </p:cSld>

--- a/Markov models/Slides/MarkovModelSlides.pptx
+++ b/Markov models/Slides/MarkovModelSlides.pptx
@@ -5,7 +5,7 @@
     <p:sldMasterId id="2147483690" r:id="rId1"/>
   </p:sldMasterIdLst>
   <p:notesMasterIdLst>
-    <p:notesMasterId r:id="rId38"/>
+    <p:notesMasterId r:id="rId39"/>
   </p:notesMasterIdLst>
   <p:sldIdLst>
     <p:sldId id="256" r:id="rId2"/>
@@ -22,28 +22,29 @@
     <p:sldId id="272" r:id="rId13"/>
     <p:sldId id="273" r:id="rId14"/>
     <p:sldId id="326" r:id="rId15"/>
-    <p:sldId id="285" r:id="rId16"/>
-    <p:sldId id="286" r:id="rId17"/>
-    <p:sldId id="303" r:id="rId18"/>
-    <p:sldId id="318" r:id="rId19"/>
-    <p:sldId id="319" r:id="rId20"/>
-    <p:sldId id="320" r:id="rId21"/>
-    <p:sldId id="321" r:id="rId22"/>
-    <p:sldId id="288" r:id="rId23"/>
-    <p:sldId id="287" r:id="rId24"/>
-    <p:sldId id="323" r:id="rId25"/>
-    <p:sldId id="324" r:id="rId26"/>
-    <p:sldId id="325" r:id="rId27"/>
-    <p:sldId id="274" r:id="rId28"/>
-    <p:sldId id="275" r:id="rId29"/>
-    <p:sldId id="276" r:id="rId30"/>
-    <p:sldId id="280" r:id="rId31"/>
-    <p:sldId id="281" r:id="rId32"/>
-    <p:sldId id="282" r:id="rId33"/>
-    <p:sldId id="283" r:id="rId34"/>
-    <p:sldId id="284" r:id="rId35"/>
-    <p:sldId id="258" r:id="rId36"/>
-    <p:sldId id="346" r:id="rId37"/>
+    <p:sldId id="347" r:id="rId16"/>
+    <p:sldId id="285" r:id="rId17"/>
+    <p:sldId id="286" r:id="rId18"/>
+    <p:sldId id="303" r:id="rId19"/>
+    <p:sldId id="318" r:id="rId20"/>
+    <p:sldId id="319" r:id="rId21"/>
+    <p:sldId id="320" r:id="rId22"/>
+    <p:sldId id="321" r:id="rId23"/>
+    <p:sldId id="288" r:id="rId24"/>
+    <p:sldId id="287" r:id="rId25"/>
+    <p:sldId id="323" r:id="rId26"/>
+    <p:sldId id="324" r:id="rId27"/>
+    <p:sldId id="325" r:id="rId28"/>
+    <p:sldId id="274" r:id="rId29"/>
+    <p:sldId id="275" r:id="rId30"/>
+    <p:sldId id="276" r:id="rId31"/>
+    <p:sldId id="280" r:id="rId32"/>
+    <p:sldId id="281" r:id="rId33"/>
+    <p:sldId id="282" r:id="rId34"/>
+    <p:sldId id="283" r:id="rId35"/>
+    <p:sldId id="284" r:id="rId36"/>
+    <p:sldId id="258" r:id="rId37"/>
+    <p:sldId id="346" r:id="rId38"/>
   </p:sldIdLst>
   <p:sldSz cx="9144000" cy="6858000" type="screen4x3"/>
   <p:notesSz cx="6858000" cy="9144000"/>
@@ -232,7 +233,7 @@
           <a:p>
             <a:fld id="{80022054-F6B9-B04E-9F80-BE6C2BED9348}" type="datetimeFigureOut">
               <a:rPr lang="en-US" smtClean="0"/>
-              <a:t>1/28/20</a:t>
+              <a:t>1/29/20</a:t>
             </a:fld>
             <a:endParaRPr lang="en-US"/>
           </a:p>
@@ -3754,7 +3755,7 @@
           <a:p>
             <a:fld id="{DD3575FE-2CC2-2845-A91B-203C440E7198}" type="datetimeFigureOut">
               <a:rPr lang="en-US" smtClean="0"/>
-              <a:t>1/28/20</a:t>
+              <a:t>1/29/20</a:t>
             </a:fld>
             <a:endParaRPr lang="en-US"/>
           </a:p>
@@ -4087,7 +4088,7 @@
           <a:p>
             <a:fld id="{DD3575FE-2CC2-2845-A91B-203C440E7198}" type="datetimeFigureOut">
               <a:rPr lang="en-US" smtClean="0"/>
-              <a:t>1/28/20</a:t>
+              <a:t>1/29/20</a:t>
             </a:fld>
             <a:endParaRPr lang="en-US"/>
           </a:p>
@@ -4271,7 +4272,7 @@
           <a:p>
             <a:fld id="{DD3575FE-2CC2-2845-A91B-203C440E7198}" type="datetimeFigureOut">
               <a:rPr lang="en-US" smtClean="0"/>
-              <a:t>1/28/20</a:t>
+              <a:t>1/29/20</a:t>
             </a:fld>
             <a:endParaRPr lang="en-US"/>
           </a:p>
@@ -4461,7 +4462,7 @@
           <a:p>
             <a:fld id="{DD3575FE-2CC2-2845-A91B-203C440E7198}" type="datetimeFigureOut">
               <a:rPr lang="en-US" smtClean="0"/>
-              <a:t>1/28/20</a:t>
+              <a:t>1/29/20</a:t>
             </a:fld>
             <a:endParaRPr lang="en-US"/>
           </a:p>
@@ -4613,7 +4614,7 @@
           <a:p>
             <a:fld id="{DD3575FE-2CC2-2845-A91B-203C440E7198}" type="datetimeFigureOut">
               <a:rPr lang="en-US" smtClean="0"/>
-              <a:t>1/28/20</a:t>
+              <a:t>1/29/20</a:t>
             </a:fld>
             <a:endParaRPr lang="en-US"/>
           </a:p>
@@ -5838,7 +5839,7 @@
           <a:p>
             <a:fld id="{DD3575FE-2CC2-2845-A91B-203C440E7198}" type="datetimeFigureOut">
               <a:rPr lang="en-US" smtClean="0"/>
-              <a:t>1/28/20</a:t>
+              <a:t>1/29/20</a:t>
             </a:fld>
             <a:endParaRPr lang="en-US"/>
           </a:p>
@@ -5876,7 +5877,7 @@
           <a:noFill/>
           <a:extLst>
             <a:ext uri="{909E8E84-426E-40dd-AFC4-6F175D3DCCD1}">
-              <a14:hiddenFill xmlns:a14="http://schemas.microsoft.com/office/drawing/2010/main" xmlns="">
+              <a14:hiddenFill xmlns="" xmlns:a14="http://schemas.microsoft.com/office/drawing/2010/main">
                 <a:solidFill>
                   <a:srgbClr val="FFFFFF"/>
                 </a:solidFill>
@@ -5917,7 +5918,7 @@
           <a:noFill/>
           <a:extLst>
             <a:ext uri="{909E8E84-426E-40dd-AFC4-6F175D3DCCD1}">
-              <a14:hiddenFill xmlns:a14="http://schemas.microsoft.com/office/drawing/2010/main" xmlns="">
+              <a14:hiddenFill xmlns="" xmlns:a14="http://schemas.microsoft.com/office/drawing/2010/main">
                 <a:solidFill>
                   <a:srgbClr val="FFFFFF"/>
                 </a:solidFill>
@@ -7526,7 +7527,7 @@
           <a:noFill/>
           <a:extLst>
             <a:ext uri="{909E8E84-426E-40dd-AFC4-6F175D3DCCD1}">
-              <a14:hiddenFill xmlns:a14="http://schemas.microsoft.com/office/drawing/2010/main" xmlns="">
+              <a14:hiddenFill xmlns="" xmlns:a14="http://schemas.microsoft.com/office/drawing/2010/main">
                 <a:solidFill>
                   <a:srgbClr val="FFFFFF"/>
                 </a:solidFill>
@@ -7565,7 +7566,7 @@
           <a:noFill/>
           <a:extLst>
             <a:ext uri="{909E8E84-426E-40dd-AFC4-6F175D3DCCD1}">
-              <a14:hiddenFill xmlns:a14="http://schemas.microsoft.com/office/drawing/2010/main" xmlns="">
+              <a14:hiddenFill xmlns="" xmlns:a14="http://schemas.microsoft.com/office/drawing/2010/main">
                 <a:solidFill>
                   <a:srgbClr val="FFFFFF"/>
                 </a:solidFill>
@@ -7660,7 +7661,7 @@
           <a:noFill/>
           <a:extLst>
             <a:ext uri="{909E8E84-426E-40dd-AFC4-6F175D3DCCD1}">
-              <a14:hiddenFill xmlns:a14="http://schemas.microsoft.com/office/drawing/2010/main" xmlns="">
+              <a14:hiddenFill xmlns="" xmlns:a14="http://schemas.microsoft.com/office/drawing/2010/main">
                 <a:solidFill>
                   <a:srgbClr val="FFFFFF"/>
                 </a:solidFill>
@@ -7701,7 +7702,7 @@
           <a:noFill/>
           <a:extLst>
             <a:ext uri="{909E8E84-426E-40dd-AFC4-6F175D3DCCD1}">
-              <a14:hiddenFill xmlns:a14="http://schemas.microsoft.com/office/drawing/2010/main" xmlns="">
+              <a14:hiddenFill xmlns="" xmlns:a14="http://schemas.microsoft.com/office/drawing/2010/main">
                 <a:solidFill>
                   <a:srgbClr val="FFFFFF"/>
                 </a:solidFill>
@@ -7746,14 +7747,14 @@
           <a:effectLst/>
           <a:extLst>
             <a:ext uri="{909E8E84-426E-40dd-AFC4-6F175D3DCCD1}">
-              <a14:hiddenFill xmlns:a14="http://schemas.microsoft.com/office/drawing/2010/main" xmlns="">
+              <a14:hiddenFill xmlns="" xmlns:a14="http://schemas.microsoft.com/office/drawing/2010/main">
                 <a:solidFill>
                   <a:schemeClr val="accent1"/>
                 </a:solidFill>
               </a14:hiddenFill>
             </a:ext>
             <a:ext uri="{91240B29-F687-4f45-9708-019B960494DF}">
-              <a14:hiddenLine xmlns:a14="http://schemas.microsoft.com/office/drawing/2010/main" xmlns="" w="9525">
+              <a14:hiddenLine xmlns="" xmlns:a14="http://schemas.microsoft.com/office/drawing/2010/main" w="9525">
                 <a:solidFill>
                   <a:schemeClr val="tx1"/>
                 </a:solidFill>
@@ -7763,7 +7764,7 @@
               </a14:hiddenLine>
             </a:ext>
             <a:ext uri="{AF507438-7753-43e0-B8FC-AC1667EBCBE1}">
-              <a14:hiddenEffects xmlns:a14="http://schemas.microsoft.com/office/drawing/2010/main" xmlns="">
+              <a14:hiddenEffects xmlns="" xmlns:a14="http://schemas.microsoft.com/office/drawing/2010/main">
                 <a:effectLst>
                   <a:outerShdw dist="35921" dir="2700000" algn="ctr" rotWithShape="0">
                     <a:schemeClr val="bg2"/>
@@ -7810,14 +7811,14 @@
           <a:effectLst/>
           <a:extLst>
             <a:ext uri="{909E8E84-426E-40dd-AFC4-6F175D3DCCD1}">
-              <a14:hiddenFill xmlns:a14="http://schemas.microsoft.com/office/drawing/2010/main" xmlns="">
+              <a14:hiddenFill xmlns="" xmlns:a14="http://schemas.microsoft.com/office/drawing/2010/main">
                 <a:solidFill>
                   <a:schemeClr val="accent1"/>
                 </a:solidFill>
               </a14:hiddenFill>
             </a:ext>
             <a:ext uri="{91240B29-F687-4f45-9708-019B960494DF}">
-              <a14:hiddenLine xmlns:a14="http://schemas.microsoft.com/office/drawing/2010/main" xmlns="" w="9525">
+              <a14:hiddenLine xmlns="" xmlns:a14="http://schemas.microsoft.com/office/drawing/2010/main" w="9525">
                 <a:solidFill>
                   <a:schemeClr val="tx1"/>
                 </a:solidFill>
@@ -7827,7 +7828,7 @@
               </a14:hiddenLine>
             </a:ext>
             <a:ext uri="{AF507438-7753-43e0-B8FC-AC1667EBCBE1}">
-              <a14:hiddenEffects xmlns:a14="http://schemas.microsoft.com/office/drawing/2010/main" xmlns="">
+              <a14:hiddenEffects xmlns="" xmlns:a14="http://schemas.microsoft.com/office/drawing/2010/main">
                 <a:effectLst>
                   <a:outerShdw dist="35921" dir="2700000" algn="ctr" rotWithShape="0">
                     <a:schemeClr val="bg2"/>
@@ -8247,7 +8248,7 @@
           <a:noFill/>
           <a:extLst>
             <a:ext uri="{909E8E84-426E-40dd-AFC4-6F175D3DCCD1}">
-              <a14:hiddenFill xmlns:a14="http://schemas.microsoft.com/office/drawing/2010/main" xmlns="">
+              <a14:hiddenFill xmlns="" xmlns:a14="http://schemas.microsoft.com/office/drawing/2010/main">
                 <a:solidFill>
                   <a:srgbClr val="FFFFFF"/>
                 </a:solidFill>
@@ -8286,7 +8287,7 @@
           <a:noFill/>
           <a:extLst>
             <a:ext uri="{909E8E84-426E-40dd-AFC4-6F175D3DCCD1}">
-              <a14:hiddenFill xmlns:a14="http://schemas.microsoft.com/office/drawing/2010/main" xmlns="">
+              <a14:hiddenFill xmlns="" xmlns:a14="http://schemas.microsoft.com/office/drawing/2010/main">
                 <a:solidFill>
                   <a:srgbClr val="FFFFFF"/>
                 </a:solidFill>
@@ -8508,7 +8509,7 @@
           <a:noFill/>
           <a:extLst>
             <a:ext uri="{909E8E84-426E-40dd-AFC4-6F175D3DCCD1}">
-              <a14:hiddenFill xmlns:a14="http://schemas.microsoft.com/office/drawing/2010/main" xmlns="">
+              <a14:hiddenFill xmlns="" xmlns:a14="http://schemas.microsoft.com/office/drawing/2010/main">
                 <a:solidFill>
                   <a:srgbClr val="FFFFFF"/>
                 </a:solidFill>
@@ -8555,7 +8556,7 @@
           <a:noFill/>
           <a:extLst>
             <a:ext uri="{909E8E84-426E-40dd-AFC4-6F175D3DCCD1}">
-              <a14:hiddenFill xmlns:a14="http://schemas.microsoft.com/office/drawing/2010/main" xmlns="">
+              <a14:hiddenFill xmlns="" xmlns:a14="http://schemas.microsoft.com/office/drawing/2010/main">
                 <a:solidFill>
                   <a:srgbClr val="FFFFFF"/>
                 </a:solidFill>
@@ -8606,14 +8607,14 @@
           <a:effectLst/>
           <a:extLst>
             <a:ext uri="{909E8E84-426E-40dd-AFC4-6F175D3DCCD1}">
-              <a14:hiddenFill xmlns:a14="http://schemas.microsoft.com/office/drawing/2010/main" xmlns="">
+              <a14:hiddenFill xmlns="" xmlns:a14="http://schemas.microsoft.com/office/drawing/2010/main">
                 <a:solidFill>
                   <a:schemeClr val="accent1"/>
                 </a:solidFill>
               </a14:hiddenFill>
             </a:ext>
             <a:ext uri="{91240B29-F687-4f45-9708-019B960494DF}">
-              <a14:hiddenLine xmlns:a14="http://schemas.microsoft.com/office/drawing/2010/main" xmlns="" w="9525">
+              <a14:hiddenLine xmlns="" xmlns:a14="http://schemas.microsoft.com/office/drawing/2010/main" w="9525">
                 <a:solidFill>
                   <a:schemeClr val="tx1"/>
                 </a:solidFill>
@@ -8623,7 +8624,7 @@
               </a14:hiddenLine>
             </a:ext>
             <a:ext uri="{AF507438-7753-43e0-B8FC-AC1667EBCBE1}">
-              <a14:hiddenEffects xmlns:a14="http://schemas.microsoft.com/office/drawing/2010/main" xmlns="">
+              <a14:hiddenEffects xmlns="" xmlns:a14="http://schemas.microsoft.com/office/drawing/2010/main">
                 <a:effectLst>
                   <a:outerShdw dist="35921" dir="2700000" algn="ctr" rotWithShape="0">
                     <a:schemeClr val="bg2"/>
@@ -8676,14 +8677,14 @@
           <a:effectLst/>
           <a:extLst>
             <a:ext uri="{909E8E84-426E-40dd-AFC4-6F175D3DCCD1}">
-              <a14:hiddenFill xmlns:a14="http://schemas.microsoft.com/office/drawing/2010/main" xmlns="">
+              <a14:hiddenFill xmlns="" xmlns:a14="http://schemas.microsoft.com/office/drawing/2010/main">
                 <a:solidFill>
                   <a:schemeClr val="accent1"/>
                 </a:solidFill>
               </a14:hiddenFill>
             </a:ext>
             <a:ext uri="{91240B29-F687-4f45-9708-019B960494DF}">
-              <a14:hiddenLine xmlns:a14="http://schemas.microsoft.com/office/drawing/2010/main" xmlns="" w="9525">
+              <a14:hiddenLine xmlns="" xmlns:a14="http://schemas.microsoft.com/office/drawing/2010/main" w="9525">
                 <a:solidFill>
                   <a:schemeClr val="tx1"/>
                 </a:solidFill>
@@ -8693,7 +8694,7 @@
               </a14:hiddenLine>
             </a:ext>
             <a:ext uri="{AF507438-7753-43e0-B8FC-AC1667EBCBE1}">
-              <a14:hiddenEffects xmlns:a14="http://schemas.microsoft.com/office/drawing/2010/main" xmlns="">
+              <a14:hiddenEffects xmlns="" xmlns:a14="http://schemas.microsoft.com/office/drawing/2010/main">
                 <a:effectLst>
                   <a:outerShdw dist="35921" dir="2700000" algn="ctr" rotWithShape="0">
                     <a:schemeClr val="bg2"/>
@@ -8869,7 +8870,7 @@
           <a:p>
             <a:fld id="{DD3575FE-2CC2-2845-A91B-203C440E7198}" type="datetimeFigureOut">
               <a:rPr lang="en-US" smtClean="0"/>
-              <a:t>1/28/20</a:t>
+              <a:t>1/29/20</a:t>
             </a:fld>
             <a:endParaRPr lang="en-US"/>
           </a:p>
@@ -9126,7 +9127,7 @@
           <a:p>
             <a:fld id="{DD3575FE-2CC2-2845-A91B-203C440E7198}" type="datetimeFigureOut">
               <a:rPr lang="en-US" smtClean="0"/>
-              <a:t>1/28/20</a:t>
+              <a:t>1/29/20</a:t>
             </a:fld>
             <a:endParaRPr lang="en-US"/>
           </a:p>
@@ -9430,7 +9431,7 @@
           <a:p>
             <a:fld id="{DD3575FE-2CC2-2845-A91B-203C440E7198}" type="datetimeFigureOut">
               <a:rPr lang="en-US" smtClean="0"/>
-              <a:t>1/28/20</a:t>
+              <a:t>1/29/20</a:t>
             </a:fld>
             <a:endParaRPr lang="en-US"/>
           </a:p>
@@ -9879,7 +9880,7 @@
           <a:p>
             <a:fld id="{DD3575FE-2CC2-2845-A91B-203C440E7198}" type="datetimeFigureOut">
               <a:rPr lang="en-US" smtClean="0"/>
-              <a:t>1/28/20</a:t>
+              <a:t>1/29/20</a:t>
             </a:fld>
             <a:endParaRPr lang="en-US"/>
           </a:p>
@@ -10013,7 +10014,7 @@
           <a:p>
             <a:fld id="{DD3575FE-2CC2-2845-A91B-203C440E7198}" type="datetimeFigureOut">
               <a:rPr lang="en-US" smtClean="0"/>
-              <a:t>1/28/20</a:t>
+              <a:t>1/29/20</a:t>
             </a:fld>
             <a:endParaRPr lang="en-US"/>
           </a:p>
@@ -10119,7 +10120,7 @@
           <a:p>
             <a:fld id="{DD3575FE-2CC2-2845-A91B-203C440E7198}" type="datetimeFigureOut">
               <a:rPr lang="en-US" smtClean="0"/>
-              <a:t>1/28/20</a:t>
+              <a:t>1/29/20</a:t>
             </a:fld>
             <a:endParaRPr lang="en-US"/>
           </a:p>
@@ -10468,7 +10469,7 @@
           <a:p>
             <a:fld id="{DD3575FE-2CC2-2845-A91B-203C440E7198}" type="datetimeFigureOut">
               <a:rPr lang="en-US" smtClean="0"/>
-              <a:t>1/28/20</a:t>
+              <a:t>1/29/20</a:t>
             </a:fld>
             <a:endParaRPr lang="en-US"/>
           </a:p>
@@ -10904,7 +10905,7 @@
             <a:pPr algn="ctr"/>
             <a:r>
               <a:rPr lang="en-US" sz="5000" dirty="0"/>
-              <a:t>Markov Modeling in R</a:t>
+              <a:t>Cohort state-transition Modeling in R</a:t>
             </a:r>
           </a:p>
         </p:txBody>
@@ -23633,7 +23634,13 @@
       </p:grpSpPr>
       <p:sp>
         <p:nvSpPr>
-          <p:cNvPr id="2" name="Title 1"/>
+          <p:cNvPr id="2" name="Title 1">
+            <a:extLst>
+              <a:ext uri="{FF2B5EF4-FFF2-40B4-BE49-F238E27FC236}">
+                <a16:creationId xmlns:a16="http://schemas.microsoft.com/office/drawing/2014/main" id="{BEEDBEAB-9E55-7C40-93B8-B72726FF1741}"/>
+              </a:ext>
+            </a:extLst>
+          </p:cNvPr>
           <p:cNvSpPr>
             <a:spLocks noGrp="1"/>
           </p:cNvSpPr>
@@ -23648,14 +23655,20 @@
           <a:p>
             <a:r>
               <a:rPr lang="en-US" dirty="0"/>
-              <a:t>Age-Dependent Probabilities</a:t>
+              <a:t>Time-dependency</a:t>
             </a:r>
           </a:p>
         </p:txBody>
       </p:sp>
       <p:sp>
         <p:nvSpPr>
-          <p:cNvPr id="3" name="Content Placeholder 2"/>
+          <p:cNvPr id="3" name="Content Placeholder 2">
+            <a:extLst>
+              <a:ext uri="{FF2B5EF4-FFF2-40B4-BE49-F238E27FC236}">
+                <a16:creationId xmlns:a16="http://schemas.microsoft.com/office/drawing/2014/main" id="{1E7477C6-5987-F24E-B21A-5F1BD6165A46}"/>
+              </a:ext>
+            </a:extLst>
+          </p:cNvPr>
           <p:cNvSpPr>
             <a:spLocks noGrp="1"/>
           </p:cNvSpPr>
@@ -23665,203 +23678,53 @@
         </p:nvSpPr>
         <p:spPr/>
         <p:txBody>
-          <a:bodyPr>
-            <a:normAutofit/>
-          </a:bodyPr>
+          <a:bodyPr/>
           <a:lstStyle/>
           <a:p>
             <a:r>
-              <a:rPr lang="en-US" sz="2400" dirty="0"/>
-              <a:t>Markov models are typically run as cohorts with a single start age (may represent a narrow age range)</a:t>
-            </a:r>
-          </a:p>
-          <a:p>
-            <a:r>
-              <a:rPr lang="en-US" sz="2400" dirty="0"/>
-              <a:t>Transition probabilities often depend on age</a:t>
+              <a:rPr lang="en-US" dirty="0"/>
+              <a:t>Since start of the model </a:t>
             </a:r>
           </a:p>
           <a:p>
             <a:pPr lvl="1"/>
             <a:r>
-              <a:rPr lang="en-US" sz="2400" dirty="0"/>
-              <a:t>Background mortality</a:t>
+              <a:rPr lang="en-US" dirty="0"/>
+              <a:t>The age of the cohort is increasing over time </a:t>
+            </a:r>
+          </a:p>
+          <a:p>
+            <a:pPr marL="411480" lvl="1" indent="0">
+              <a:buNone/>
+            </a:pPr>
+            <a:endParaRPr lang="en-US" dirty="0"/>
+          </a:p>
+          <a:p>
+            <a:r>
+              <a:rPr lang="en-US" dirty="0"/>
+              <a:t>Depending on state residency </a:t>
             </a:r>
           </a:p>
           <a:p>
             <a:pPr lvl="1"/>
             <a:r>
-              <a:rPr lang="en-US" sz="2400" dirty="0"/>
-              <a:t>Risk of developing disease or experiencing an event</a:t>
-            </a:r>
-          </a:p>
-          <a:p>
-            <a:r>
-              <a:rPr lang="en-US" sz="2400" dirty="0"/>
-              <a:t>In other words, matrix A is not the same every cycle</a:t>
-            </a:r>
-          </a:p>
-          <a:p>
-            <a:r>
-              <a:rPr lang="en-US" sz="2400" dirty="0"/>
-              <a:t>Replace matrix A with matrices A</a:t>
-            </a:r>
-            <a:r>
-              <a:rPr lang="en-US" sz="2400" baseline="-25000" dirty="0"/>
-              <a:t>t</a:t>
-            </a:r>
-            <a:r>
-              <a:rPr lang="en-US" sz="2400" dirty="0"/>
-              <a:t>, where t is a proxy for age</a:t>
-            </a:r>
-          </a:p>
-        </p:txBody>
-      </p:sp>
-      <p:sp>
-        <p:nvSpPr>
-          <p:cNvPr id="4" name="Slide Number Placeholder 28">
-            <a:extLst>
-              <a:ext uri="{FF2B5EF4-FFF2-40B4-BE49-F238E27FC236}">
-                <a16:creationId xmlns:a16="http://schemas.microsoft.com/office/drawing/2014/main" id="{76AAEDF7-DC6A-774F-B72F-D7FEFFFCD4BC}"/>
-              </a:ext>
-            </a:extLst>
-          </p:cNvPr>
-          <p:cNvSpPr>
-            <a:spLocks noGrp="1"/>
-          </p:cNvSpPr>
-          <p:nvPr>
-            <p:ph type="sldNum" sz="quarter" idx="12"/>
-          </p:nvPr>
-        </p:nvSpPr>
-        <p:spPr>
-          <a:xfrm>
-            <a:off x="8559864" y="6485420"/>
-            <a:ext cx="548640" cy="396240"/>
-          </a:xfrm>
-        </p:spPr>
-        <p:txBody>
-          <a:bodyPr/>
-          <a:lstStyle>
-            <a:lvl1pPr eaLnBrk="0" hangingPunct="0">
-              <a:defRPr>
-                <a:solidFill>
-                  <a:schemeClr val="tx1"/>
-                </a:solidFill>
-                <a:latin typeface="Arial" panose="020B0604020202020204" pitchFamily="34" charset="0"/>
-              </a:defRPr>
-            </a:lvl1pPr>
-            <a:lvl2pPr marL="742950" indent="-285750" eaLnBrk="0" hangingPunct="0">
-              <a:defRPr>
-                <a:solidFill>
-                  <a:schemeClr val="tx1"/>
-                </a:solidFill>
-                <a:latin typeface="Arial" panose="020B0604020202020204" pitchFamily="34" charset="0"/>
-              </a:defRPr>
-            </a:lvl2pPr>
-            <a:lvl3pPr marL="1143000" indent="-228600" eaLnBrk="0" hangingPunct="0">
-              <a:defRPr>
-                <a:solidFill>
-                  <a:schemeClr val="tx1"/>
-                </a:solidFill>
-                <a:latin typeface="Arial" panose="020B0604020202020204" pitchFamily="34" charset="0"/>
-              </a:defRPr>
-            </a:lvl3pPr>
-            <a:lvl4pPr marL="1600200" indent="-228600" eaLnBrk="0" hangingPunct="0">
-              <a:defRPr>
-                <a:solidFill>
-                  <a:schemeClr val="tx1"/>
-                </a:solidFill>
-                <a:latin typeface="Arial" panose="020B0604020202020204" pitchFamily="34" charset="0"/>
-              </a:defRPr>
-            </a:lvl4pPr>
-            <a:lvl5pPr marL="2057400" indent="-228600" eaLnBrk="0" hangingPunct="0">
-              <a:defRPr>
-                <a:solidFill>
-                  <a:schemeClr val="tx1"/>
-                </a:solidFill>
-                <a:latin typeface="Arial" panose="020B0604020202020204" pitchFamily="34" charset="0"/>
-              </a:defRPr>
-            </a:lvl5pPr>
-            <a:lvl6pPr marL="2514600" indent="-228600" eaLnBrk="0" fontAlgn="base" hangingPunct="0">
-              <a:spcBef>
-                <a:spcPct val="0"/>
-              </a:spcBef>
-              <a:spcAft>
-                <a:spcPct val="0"/>
-              </a:spcAft>
-              <a:defRPr>
-                <a:solidFill>
-                  <a:schemeClr val="tx1"/>
-                </a:solidFill>
-                <a:latin typeface="Arial" panose="020B0604020202020204" pitchFamily="34" charset="0"/>
-              </a:defRPr>
-            </a:lvl6pPr>
-            <a:lvl7pPr marL="2971800" indent="-228600" eaLnBrk="0" fontAlgn="base" hangingPunct="0">
-              <a:spcBef>
-                <a:spcPct val="0"/>
-              </a:spcBef>
-              <a:spcAft>
-                <a:spcPct val="0"/>
-              </a:spcAft>
-              <a:defRPr>
-                <a:solidFill>
-                  <a:schemeClr val="tx1"/>
-                </a:solidFill>
-                <a:latin typeface="Arial" panose="020B0604020202020204" pitchFamily="34" charset="0"/>
-              </a:defRPr>
-            </a:lvl7pPr>
-            <a:lvl8pPr marL="3429000" indent="-228600" eaLnBrk="0" fontAlgn="base" hangingPunct="0">
-              <a:spcBef>
-                <a:spcPct val="0"/>
-              </a:spcBef>
-              <a:spcAft>
-                <a:spcPct val="0"/>
-              </a:spcAft>
-              <a:defRPr>
-                <a:solidFill>
-                  <a:schemeClr val="tx1"/>
-                </a:solidFill>
-                <a:latin typeface="Arial" panose="020B0604020202020204" pitchFamily="34" charset="0"/>
-              </a:defRPr>
-            </a:lvl8pPr>
-            <a:lvl9pPr marL="3886200" indent="-228600" eaLnBrk="0" fontAlgn="base" hangingPunct="0">
-              <a:spcBef>
-                <a:spcPct val="0"/>
-              </a:spcBef>
-              <a:spcAft>
-                <a:spcPct val="0"/>
-              </a:spcAft>
-              <a:defRPr>
-                <a:solidFill>
-                  <a:schemeClr val="tx1"/>
-                </a:solidFill>
-                <a:latin typeface="Arial" panose="020B0604020202020204" pitchFamily="34" charset="0"/>
-              </a:defRPr>
-            </a:lvl9pPr>
-          </a:lstStyle>
-          <a:p>
-            <a:pPr eaLnBrk="1" hangingPunct="1"/>
-            <a:fld id="{3F7E73E1-F280-4386-87FD-01754258053D}" type="slidenum">
-              <a:rPr lang="en-US">
-                <a:solidFill>
-                  <a:schemeClr val="accent1"/>
-                </a:solidFill>
-              </a:rPr>
-              <a:pPr eaLnBrk="1" hangingPunct="1"/>
-              <a:t>15</a:t>
-            </a:fld>
-            <a:endParaRPr lang="en-US" dirty="0">
-              <a:solidFill>
-                <a:schemeClr val="accent1"/>
-              </a:solidFill>
-            </a:endParaRPr>
+              <a:rPr lang="en-US" dirty="0" err="1"/>
+              <a:t>TheLength</a:t>
+            </a:r>
+            <a:r>
+              <a:rPr lang="en-US" dirty="0"/>
+              <a:t> of being sick </a:t>
+            </a:r>
+          </a:p>
+          <a:p>
+            <a:endParaRPr lang="en-US" dirty="0"/>
           </a:p>
         </p:txBody>
       </p:sp>
     </p:spTree>
     <p:extLst>
       <p:ext uri="{BB962C8B-B14F-4D97-AF65-F5344CB8AC3E}">
-        <p14:creationId xmlns:p14="http://schemas.microsoft.com/office/powerpoint/2010/main" val="1597613956"/>
+        <p14:creationId xmlns:p14="http://schemas.microsoft.com/office/powerpoint/2010/main" val="371257505"/>
       </p:ext>
     </p:extLst>
   </p:cSld>
@@ -23905,6 +23768,263 @@
           <a:p>
             <a:r>
               <a:rPr lang="en-US" dirty="0"/>
+              <a:t>Time-dependency since model start</a:t>
+            </a:r>
+          </a:p>
+        </p:txBody>
+      </p:sp>
+      <p:sp>
+        <p:nvSpPr>
+          <p:cNvPr id="3" name="Content Placeholder 2"/>
+          <p:cNvSpPr>
+            <a:spLocks noGrp="1"/>
+          </p:cNvSpPr>
+          <p:nvPr>
+            <p:ph idx="1"/>
+          </p:nvPr>
+        </p:nvSpPr>
+        <p:spPr/>
+        <p:txBody>
+          <a:bodyPr>
+            <a:normAutofit/>
+          </a:bodyPr>
+          <a:lstStyle/>
+          <a:p>
+            <a:r>
+              <a:rPr lang="en-US" sz="2400" dirty="0"/>
+              <a:t>Markov models are typically run as cohorts with a single start age (may represent a narrow age range)</a:t>
+            </a:r>
+          </a:p>
+          <a:p>
+            <a:r>
+              <a:rPr lang="en-US" sz="2400" dirty="0"/>
+              <a:t>Transition probabilities often depend on age</a:t>
+            </a:r>
+          </a:p>
+          <a:p>
+            <a:pPr lvl="1"/>
+            <a:r>
+              <a:rPr lang="en-US" sz="2400" dirty="0"/>
+              <a:t>Background mortality</a:t>
+            </a:r>
+          </a:p>
+          <a:p>
+            <a:pPr lvl="1"/>
+            <a:r>
+              <a:rPr lang="en-US" sz="2400" dirty="0"/>
+              <a:t>Risk of developing disease or experiencing an event</a:t>
+            </a:r>
+          </a:p>
+          <a:p>
+            <a:r>
+              <a:rPr lang="en-US" sz="2400" dirty="0"/>
+              <a:t>In other words, matrix A is not the same every cycle</a:t>
+            </a:r>
+          </a:p>
+          <a:p>
+            <a:r>
+              <a:rPr lang="en-US" sz="2400" dirty="0"/>
+              <a:t>Replace matrix A with matrices A</a:t>
+            </a:r>
+            <a:r>
+              <a:rPr lang="en-US" sz="2400" baseline="-25000" dirty="0"/>
+              <a:t>t</a:t>
+            </a:r>
+            <a:r>
+              <a:rPr lang="en-US" sz="2400" dirty="0"/>
+              <a:t>, where t is a proxy for age</a:t>
+            </a:r>
+          </a:p>
+        </p:txBody>
+      </p:sp>
+      <p:sp>
+        <p:nvSpPr>
+          <p:cNvPr id="4" name="Slide Number Placeholder 28">
+            <a:extLst>
+              <a:ext uri="{FF2B5EF4-FFF2-40B4-BE49-F238E27FC236}">
+                <a16:creationId xmlns:a16="http://schemas.microsoft.com/office/drawing/2014/main" id="{76AAEDF7-DC6A-774F-B72F-D7FEFFFCD4BC}"/>
+              </a:ext>
+            </a:extLst>
+          </p:cNvPr>
+          <p:cNvSpPr>
+            <a:spLocks noGrp="1"/>
+          </p:cNvSpPr>
+          <p:nvPr>
+            <p:ph type="sldNum" sz="quarter" idx="12"/>
+          </p:nvPr>
+        </p:nvSpPr>
+        <p:spPr>
+          <a:xfrm>
+            <a:off x="8559864" y="6485420"/>
+            <a:ext cx="548640" cy="396240"/>
+          </a:xfrm>
+        </p:spPr>
+        <p:txBody>
+          <a:bodyPr/>
+          <a:lstStyle>
+            <a:lvl1pPr eaLnBrk="0" hangingPunct="0">
+              <a:defRPr>
+                <a:solidFill>
+                  <a:schemeClr val="tx1"/>
+                </a:solidFill>
+                <a:latin typeface="Arial" panose="020B0604020202020204" pitchFamily="34" charset="0"/>
+              </a:defRPr>
+            </a:lvl1pPr>
+            <a:lvl2pPr marL="742950" indent="-285750" eaLnBrk="0" hangingPunct="0">
+              <a:defRPr>
+                <a:solidFill>
+                  <a:schemeClr val="tx1"/>
+                </a:solidFill>
+                <a:latin typeface="Arial" panose="020B0604020202020204" pitchFamily="34" charset="0"/>
+              </a:defRPr>
+            </a:lvl2pPr>
+            <a:lvl3pPr marL="1143000" indent="-228600" eaLnBrk="0" hangingPunct="0">
+              <a:defRPr>
+                <a:solidFill>
+                  <a:schemeClr val="tx1"/>
+                </a:solidFill>
+                <a:latin typeface="Arial" panose="020B0604020202020204" pitchFamily="34" charset="0"/>
+              </a:defRPr>
+            </a:lvl3pPr>
+            <a:lvl4pPr marL="1600200" indent="-228600" eaLnBrk="0" hangingPunct="0">
+              <a:defRPr>
+                <a:solidFill>
+                  <a:schemeClr val="tx1"/>
+                </a:solidFill>
+                <a:latin typeface="Arial" panose="020B0604020202020204" pitchFamily="34" charset="0"/>
+              </a:defRPr>
+            </a:lvl4pPr>
+            <a:lvl5pPr marL="2057400" indent="-228600" eaLnBrk="0" hangingPunct="0">
+              <a:defRPr>
+                <a:solidFill>
+                  <a:schemeClr val="tx1"/>
+                </a:solidFill>
+                <a:latin typeface="Arial" panose="020B0604020202020204" pitchFamily="34" charset="0"/>
+              </a:defRPr>
+            </a:lvl5pPr>
+            <a:lvl6pPr marL="2514600" indent="-228600" eaLnBrk="0" fontAlgn="base" hangingPunct="0">
+              <a:spcBef>
+                <a:spcPct val="0"/>
+              </a:spcBef>
+              <a:spcAft>
+                <a:spcPct val="0"/>
+              </a:spcAft>
+              <a:defRPr>
+                <a:solidFill>
+                  <a:schemeClr val="tx1"/>
+                </a:solidFill>
+                <a:latin typeface="Arial" panose="020B0604020202020204" pitchFamily="34" charset="0"/>
+              </a:defRPr>
+            </a:lvl6pPr>
+            <a:lvl7pPr marL="2971800" indent="-228600" eaLnBrk="0" fontAlgn="base" hangingPunct="0">
+              <a:spcBef>
+                <a:spcPct val="0"/>
+              </a:spcBef>
+              <a:spcAft>
+                <a:spcPct val="0"/>
+              </a:spcAft>
+              <a:defRPr>
+                <a:solidFill>
+                  <a:schemeClr val="tx1"/>
+                </a:solidFill>
+                <a:latin typeface="Arial" panose="020B0604020202020204" pitchFamily="34" charset="0"/>
+              </a:defRPr>
+            </a:lvl7pPr>
+            <a:lvl8pPr marL="3429000" indent="-228600" eaLnBrk="0" fontAlgn="base" hangingPunct="0">
+              <a:spcBef>
+                <a:spcPct val="0"/>
+              </a:spcBef>
+              <a:spcAft>
+                <a:spcPct val="0"/>
+              </a:spcAft>
+              <a:defRPr>
+                <a:solidFill>
+                  <a:schemeClr val="tx1"/>
+                </a:solidFill>
+                <a:latin typeface="Arial" panose="020B0604020202020204" pitchFamily="34" charset="0"/>
+              </a:defRPr>
+            </a:lvl8pPr>
+            <a:lvl9pPr marL="3886200" indent="-228600" eaLnBrk="0" fontAlgn="base" hangingPunct="0">
+              <a:spcBef>
+                <a:spcPct val="0"/>
+              </a:spcBef>
+              <a:spcAft>
+                <a:spcPct val="0"/>
+              </a:spcAft>
+              <a:defRPr>
+                <a:solidFill>
+                  <a:schemeClr val="tx1"/>
+                </a:solidFill>
+                <a:latin typeface="Arial" panose="020B0604020202020204" pitchFamily="34" charset="0"/>
+              </a:defRPr>
+            </a:lvl9pPr>
+          </a:lstStyle>
+          <a:p>
+            <a:pPr eaLnBrk="1" hangingPunct="1"/>
+            <a:fld id="{3F7E73E1-F280-4386-87FD-01754258053D}" type="slidenum">
+              <a:rPr lang="en-US">
+                <a:solidFill>
+                  <a:schemeClr val="accent1"/>
+                </a:solidFill>
+              </a:rPr>
+              <a:pPr eaLnBrk="1" hangingPunct="1"/>
+              <a:t>16</a:t>
+            </a:fld>
+            <a:endParaRPr lang="en-US" dirty="0">
+              <a:solidFill>
+                <a:schemeClr val="accent1"/>
+              </a:solidFill>
+            </a:endParaRPr>
+          </a:p>
+        </p:txBody>
+      </p:sp>
+    </p:spTree>
+    <p:extLst>
+      <p:ext uri="{BB962C8B-B14F-4D97-AF65-F5344CB8AC3E}">
+        <p14:creationId xmlns:p14="http://schemas.microsoft.com/office/powerpoint/2010/main" val="1597613956"/>
+      </p:ext>
+    </p:extLst>
+  </p:cSld>
+  <p:clrMapOvr>
+    <a:masterClrMapping/>
+  </p:clrMapOvr>
+</p:sld>
+</file>
+
+<file path=ppt/slides/slide17.xml><?xml version="1.0" encoding="utf-8"?>
+<p:sld xmlns:a="http://schemas.openxmlformats.org/drawingml/2006/main" xmlns:r="http://schemas.openxmlformats.org/officeDocument/2006/relationships" xmlns:p="http://schemas.openxmlformats.org/presentationml/2006/main">
+  <p:cSld>
+    <p:spTree>
+      <p:nvGrpSpPr>
+        <p:cNvPr id="1" name=""/>
+        <p:cNvGrpSpPr/>
+        <p:nvPr/>
+      </p:nvGrpSpPr>
+      <p:grpSpPr>
+        <a:xfrm>
+          <a:off x="0" y="0"/>
+          <a:ext cx="0" cy="0"/>
+          <a:chOff x="0" y="0"/>
+          <a:chExt cx="0" cy="0"/>
+        </a:xfrm>
+      </p:grpSpPr>
+      <p:sp>
+        <p:nvSpPr>
+          <p:cNvPr id="2" name="Title 1"/>
+          <p:cNvSpPr>
+            <a:spLocks noGrp="1"/>
+          </p:cNvSpPr>
+          <p:nvPr>
+            <p:ph type="title"/>
+          </p:nvPr>
+        </p:nvSpPr>
+        <p:spPr/>
+        <p:txBody>
+          <a:bodyPr/>
+          <a:lstStyle/>
+          <a:p>
+            <a:r>
+              <a:rPr lang="en-US" dirty="0"/>
               <a:t>Time-Dependent Probabilities</a:t>
             </a:r>
           </a:p>
@@ -24119,7 +24239,7 @@
                 </a:solidFill>
               </a:rPr>
               <a:pPr eaLnBrk="1" hangingPunct="1"/>
-              <a:t>16</a:t>
+              <a:t>17</a:t>
             </a:fld>
             <a:endParaRPr lang="en-US" dirty="0">
               <a:solidFill>
@@ -24142,7 +24262,7 @@
 </p:sld>
 </file>
 
-<file path=ppt/slides/slide17.xml><?xml version="1.0" encoding="utf-8"?>
+<file path=ppt/slides/slide18.xml><?xml version="1.0" encoding="utf-8"?>
 <p:sld xmlns:a="http://schemas.openxmlformats.org/drawingml/2006/main" xmlns:r="http://schemas.openxmlformats.org/officeDocument/2006/relationships" xmlns:p="http://schemas.openxmlformats.org/presentationml/2006/main">
   <p:cSld>
     <p:spTree>
@@ -24257,7 +24377,7 @@
             </a:pPr>
             <a:fld id="{00000000-1234-1234-1234-123412341234}" type="slidenum">
               <a:rPr lang="nl-NL"/>
-              <a:t>17</a:t>
+              <a:t>18</a:t>
             </a:fld>
             <a:endParaRPr dirty="0"/>
           </a:p>
@@ -24988,7 +25108,7 @@
 </p:sld>
 </file>
 
-<file path=ppt/slides/slide18.xml><?xml version="1.0" encoding="utf-8"?>
+<file path=ppt/slides/slide19.xml><?xml version="1.0" encoding="utf-8"?>
 <p:sld xmlns:a="http://schemas.openxmlformats.org/drawingml/2006/main" xmlns:r="http://schemas.openxmlformats.org/officeDocument/2006/relationships" xmlns:p="http://schemas.openxmlformats.org/presentationml/2006/main">
   <p:cSld>
     <p:spTree>
@@ -25614,7 +25734,7 @@
         <p:spPr bwMode="auto">
           <a:xfrm>
             <a:off x="2741613" y="839788"/>
-            <a:ext cx="1477962" cy="523875"/>
+            <a:ext cx="1812547" cy="523220"/>
           </a:xfrm>
           <a:prstGeom prst="rect">
             <a:avLst/>
@@ -25637,13 +25757,17 @@
               <a:defRPr/>
             </a:pPr>
             <a:r>
-              <a:rPr lang="en-US" sz="2800">
+              <a:rPr lang="en-US" sz="2800" dirty="0"/>
+              <a:t>p</a:t>
+            </a:r>
+            <a:r>
+              <a:rPr lang="en-US" sz="2800" dirty="0">
                 <a:latin typeface="+mn-lt"/>
               </a:rPr>
-              <a:t>pRecur</a:t>
-            </a:r>
-            <a:r>
-              <a:rPr lang="en-US" sz="2800" baseline="-25000">
+              <a:t>_Recur</a:t>
+            </a:r>
+            <a:r>
+              <a:rPr lang="en-US" sz="2800" baseline="-25000" dirty="0">
                 <a:latin typeface="+mn-lt"/>
               </a:rPr>
               <a:t>1</a:t>
@@ -25701,7 +25825,7 @@
         <p:spPr bwMode="auto">
           <a:xfrm>
             <a:off x="2743200" y="1890713"/>
-            <a:ext cx="1477963" cy="523875"/>
+            <a:ext cx="1812547" cy="523220"/>
           </a:xfrm>
           <a:prstGeom prst="rect">
             <a:avLst/>
@@ -25724,13 +25848,17 @@
               <a:defRPr/>
             </a:pPr>
             <a:r>
-              <a:rPr lang="en-US" sz="2800">
+              <a:rPr lang="en-US" sz="2800" dirty="0"/>
+              <a:t>p</a:t>
+            </a:r>
+            <a:r>
+              <a:rPr lang="en-US" sz="2800" dirty="0">
                 <a:latin typeface="+mn-lt"/>
               </a:rPr>
-              <a:t>pRecur</a:t>
-            </a:r>
-            <a:r>
-              <a:rPr lang="en-US" sz="2800" baseline="-25000">
+              <a:t>_Recur</a:t>
+            </a:r>
+            <a:r>
+              <a:rPr lang="en-US" sz="2800" baseline="-25000" dirty="0">
                 <a:latin typeface="+mn-lt"/>
               </a:rPr>
               <a:t>2</a:t>
@@ -25788,7 +25916,7 @@
         <p:spPr bwMode="auto">
           <a:xfrm>
             <a:off x="2741613" y="2943225"/>
-            <a:ext cx="1477962" cy="523875"/>
+            <a:ext cx="1812547" cy="523220"/>
           </a:xfrm>
           <a:prstGeom prst="rect">
             <a:avLst/>
@@ -25811,13 +25939,17 @@
               <a:defRPr/>
             </a:pPr>
             <a:r>
-              <a:rPr lang="en-US" sz="2800">
+              <a:rPr lang="en-US" sz="2800" dirty="0"/>
+              <a:t>p</a:t>
+            </a:r>
+            <a:r>
+              <a:rPr lang="en-US" sz="2800" dirty="0">
                 <a:latin typeface="+mn-lt"/>
               </a:rPr>
-              <a:t>pRecur</a:t>
-            </a:r>
-            <a:r>
-              <a:rPr lang="en-US" sz="2800" baseline="-25000">
+              <a:t>_Recur</a:t>
+            </a:r>
+            <a:r>
+              <a:rPr lang="en-US" sz="2800" baseline="-25000" dirty="0">
                 <a:latin typeface="+mn-lt"/>
               </a:rPr>
               <a:t>3</a:t>
@@ -25875,7 +26007,7 @@
         <p:spPr bwMode="auto">
           <a:xfrm>
             <a:off x="2741613" y="3994150"/>
-            <a:ext cx="1477962" cy="523875"/>
+            <a:ext cx="1812547" cy="523220"/>
           </a:xfrm>
           <a:prstGeom prst="rect">
             <a:avLst/>
@@ -25898,13 +26030,17 @@
               <a:defRPr/>
             </a:pPr>
             <a:r>
-              <a:rPr lang="en-US" sz="2800">
+              <a:rPr lang="en-US" sz="2800" dirty="0"/>
+              <a:t>p</a:t>
+            </a:r>
+            <a:r>
+              <a:rPr lang="en-US" sz="2800" dirty="0">
                 <a:latin typeface="+mn-lt"/>
               </a:rPr>
-              <a:t>pRecur</a:t>
-            </a:r>
-            <a:r>
-              <a:rPr lang="en-US" sz="2800" baseline="-25000">
+              <a:t>_Recur</a:t>
+            </a:r>
+            <a:r>
+              <a:rPr lang="en-US" sz="2800" baseline="-25000" dirty="0">
                 <a:latin typeface="+mn-lt"/>
               </a:rPr>
               <a:t>4</a:t>
@@ -25962,7 +26098,7 @@
         <p:spPr bwMode="auto">
           <a:xfrm>
             <a:off x="2741613" y="5319713"/>
-            <a:ext cx="1477962" cy="523875"/>
+            <a:ext cx="1810945" cy="523220"/>
           </a:xfrm>
           <a:prstGeom prst="rect">
             <a:avLst/>
@@ -25985,17 +26121,24 @@
               <a:defRPr/>
             </a:pPr>
             <a:r>
-              <a:rPr lang="en-US" sz="2800">
+              <a:rPr lang="en-US" sz="2800" dirty="0" err="1"/>
+              <a:t>p</a:t>
+            </a:r>
+            <a:r>
+              <a:rPr lang="en-US" sz="2800" dirty="0" err="1">
                 <a:latin typeface="+mn-lt"/>
               </a:rPr>
-              <a:t>pRecur</a:t>
-            </a:r>
-            <a:r>
-              <a:rPr lang="en-US" sz="2800" baseline="-25000">
+              <a:t>_Recur</a:t>
+            </a:r>
+            <a:r>
+              <a:rPr lang="en-US" sz="2800" baseline="-25000" dirty="0" err="1">
                 <a:latin typeface="+mn-lt"/>
               </a:rPr>
               <a:t>n</a:t>
             </a:r>
+            <a:endParaRPr lang="en-US" sz="2800" baseline="-25000" dirty="0">
+              <a:latin typeface="+mn-lt"/>
+            </a:endParaRPr>
           </a:p>
         </p:txBody>
       </p:sp>
@@ -26292,7 +26435,7 @@
                 </a:solidFill>
               </a:rPr>
               <a:pPr eaLnBrk="1" hangingPunct="1"/>
-              <a:t>18</a:t>
+              <a:t>19</a:t>
             </a:fld>
             <a:endParaRPr lang="en-US" dirty="0">
               <a:solidFill>
@@ -26357,262 +26500,6 @@
 </p:sld>
 </file>
 
-<file path=ppt/slides/slide19.xml><?xml version="1.0" encoding="utf-8"?>
-<p:sld xmlns:a="http://schemas.openxmlformats.org/drawingml/2006/main" xmlns:r="http://schemas.openxmlformats.org/officeDocument/2006/relationships" xmlns:p="http://schemas.openxmlformats.org/presentationml/2006/main">
-  <p:cSld>
-    <p:spTree>
-      <p:nvGrpSpPr>
-        <p:cNvPr id="1" name=""/>
-        <p:cNvGrpSpPr/>
-        <p:nvPr/>
-      </p:nvGrpSpPr>
-      <p:grpSpPr>
-        <a:xfrm>
-          <a:off x="0" y="0"/>
-          <a:ext cx="0" cy="0"/>
-          <a:chOff x="0" y="0"/>
-          <a:chExt cx="0" cy="0"/>
-        </a:xfrm>
-      </p:grpSpPr>
-      <p:sp>
-        <p:nvSpPr>
-          <p:cNvPr id="2" name="Title 1">
-            <a:extLst>
-              <a:ext uri="{FF2B5EF4-FFF2-40B4-BE49-F238E27FC236}">
-                <a16:creationId xmlns:a16="http://schemas.microsoft.com/office/drawing/2014/main" id="{4122AEC3-06C6-DE42-B170-85BF77700498}"/>
-              </a:ext>
-            </a:extLst>
-          </p:cNvPr>
-          <p:cNvSpPr>
-            <a:spLocks noGrp="1"/>
-          </p:cNvSpPr>
-          <p:nvPr>
-            <p:ph type="title"/>
-          </p:nvPr>
-        </p:nvSpPr>
-        <p:spPr/>
-        <p:txBody>
-          <a:bodyPr/>
-          <a:lstStyle/>
-          <a:p>
-            <a:r>
-              <a:rPr lang="en-US" dirty="0"/>
-              <a:t>Other Types of Dependence</a:t>
-            </a:r>
-          </a:p>
-        </p:txBody>
-      </p:sp>
-      <p:sp>
-        <p:nvSpPr>
-          <p:cNvPr id="3" name="Content Placeholder 2">
-            <a:extLst>
-              <a:ext uri="{FF2B5EF4-FFF2-40B4-BE49-F238E27FC236}">
-                <a16:creationId xmlns:a16="http://schemas.microsoft.com/office/drawing/2014/main" id="{FA17248C-F892-234E-B575-28F547CA6889}"/>
-              </a:ext>
-            </a:extLst>
-          </p:cNvPr>
-          <p:cNvSpPr>
-            <a:spLocks noGrp="1"/>
-          </p:cNvSpPr>
-          <p:nvPr>
-            <p:ph idx="1"/>
-          </p:nvPr>
-        </p:nvSpPr>
-        <p:spPr/>
-        <p:txBody>
-          <a:bodyPr>
-            <a:normAutofit/>
-          </a:bodyPr>
-          <a:lstStyle/>
-          <a:p>
-            <a:r>
-              <a:rPr lang="en-US" sz="2400" dirty="0"/>
-              <a:t>“Memoryless” property of Markov models is a BIG assumption</a:t>
-            </a:r>
-          </a:p>
-          <a:p>
-            <a:pPr lvl="1"/>
-            <a:r>
-              <a:rPr lang="en-US" sz="2400" dirty="0"/>
-              <a:t>Transition probabilities only depend on the current state and not on past states</a:t>
-            </a:r>
-          </a:p>
-          <a:p>
-            <a:r>
-              <a:rPr lang="en-US" sz="2400" dirty="0"/>
-              <a:t>Many transition probabilities depend on history</a:t>
-            </a:r>
-          </a:p>
-          <a:p>
-            <a:pPr lvl="1"/>
-            <a:r>
-              <a:rPr lang="en-US" sz="2200" dirty="0"/>
-              <a:t>Risk of myocardial infarction (MI) greater for persons with prior MI </a:t>
-            </a:r>
-          </a:p>
-          <a:p>
-            <a:pPr lvl="1"/>
-            <a:r>
-              <a:rPr lang="en-US" sz="2200" dirty="0"/>
-              <a:t>Effectiveness of a drug used as first-line therapy may be better than if used as second-line therapy</a:t>
-            </a:r>
-          </a:p>
-        </p:txBody>
-      </p:sp>
-      <p:sp>
-        <p:nvSpPr>
-          <p:cNvPr id="4" name="Slide Number Placeholder 28">
-            <a:extLst>
-              <a:ext uri="{FF2B5EF4-FFF2-40B4-BE49-F238E27FC236}">
-                <a16:creationId xmlns:a16="http://schemas.microsoft.com/office/drawing/2014/main" id="{8452026E-0BA1-934D-9AE2-A839BA2E2F0A}"/>
-              </a:ext>
-            </a:extLst>
-          </p:cNvPr>
-          <p:cNvSpPr>
-            <a:spLocks noGrp="1"/>
-          </p:cNvSpPr>
-          <p:nvPr>
-            <p:ph type="sldNum" sz="quarter" idx="12"/>
-          </p:nvPr>
-        </p:nvSpPr>
-        <p:spPr>
-          <a:xfrm>
-            <a:off x="8559864" y="6453336"/>
-            <a:ext cx="548640" cy="396240"/>
-          </a:xfrm>
-        </p:spPr>
-        <p:txBody>
-          <a:bodyPr/>
-          <a:lstStyle>
-            <a:lvl1pPr eaLnBrk="0" hangingPunct="0">
-              <a:defRPr>
-                <a:solidFill>
-                  <a:schemeClr val="tx1"/>
-                </a:solidFill>
-                <a:latin typeface="Arial" panose="020B0604020202020204" pitchFamily="34" charset="0"/>
-              </a:defRPr>
-            </a:lvl1pPr>
-            <a:lvl2pPr marL="742950" indent="-285750" eaLnBrk="0" hangingPunct="0">
-              <a:defRPr>
-                <a:solidFill>
-                  <a:schemeClr val="tx1"/>
-                </a:solidFill>
-                <a:latin typeface="Arial" panose="020B0604020202020204" pitchFamily="34" charset="0"/>
-              </a:defRPr>
-            </a:lvl2pPr>
-            <a:lvl3pPr marL="1143000" indent="-228600" eaLnBrk="0" hangingPunct="0">
-              <a:defRPr>
-                <a:solidFill>
-                  <a:schemeClr val="tx1"/>
-                </a:solidFill>
-                <a:latin typeface="Arial" panose="020B0604020202020204" pitchFamily="34" charset="0"/>
-              </a:defRPr>
-            </a:lvl3pPr>
-            <a:lvl4pPr marL="1600200" indent="-228600" eaLnBrk="0" hangingPunct="0">
-              <a:defRPr>
-                <a:solidFill>
-                  <a:schemeClr val="tx1"/>
-                </a:solidFill>
-                <a:latin typeface="Arial" panose="020B0604020202020204" pitchFamily="34" charset="0"/>
-              </a:defRPr>
-            </a:lvl4pPr>
-            <a:lvl5pPr marL="2057400" indent="-228600" eaLnBrk="0" hangingPunct="0">
-              <a:defRPr>
-                <a:solidFill>
-                  <a:schemeClr val="tx1"/>
-                </a:solidFill>
-                <a:latin typeface="Arial" panose="020B0604020202020204" pitchFamily="34" charset="0"/>
-              </a:defRPr>
-            </a:lvl5pPr>
-            <a:lvl6pPr marL="2514600" indent="-228600" eaLnBrk="0" fontAlgn="base" hangingPunct="0">
-              <a:spcBef>
-                <a:spcPct val="0"/>
-              </a:spcBef>
-              <a:spcAft>
-                <a:spcPct val="0"/>
-              </a:spcAft>
-              <a:defRPr>
-                <a:solidFill>
-                  <a:schemeClr val="tx1"/>
-                </a:solidFill>
-                <a:latin typeface="Arial" panose="020B0604020202020204" pitchFamily="34" charset="0"/>
-              </a:defRPr>
-            </a:lvl6pPr>
-            <a:lvl7pPr marL="2971800" indent="-228600" eaLnBrk="0" fontAlgn="base" hangingPunct="0">
-              <a:spcBef>
-                <a:spcPct val="0"/>
-              </a:spcBef>
-              <a:spcAft>
-                <a:spcPct val="0"/>
-              </a:spcAft>
-              <a:defRPr>
-                <a:solidFill>
-                  <a:schemeClr val="tx1"/>
-                </a:solidFill>
-                <a:latin typeface="Arial" panose="020B0604020202020204" pitchFamily="34" charset="0"/>
-              </a:defRPr>
-            </a:lvl7pPr>
-            <a:lvl8pPr marL="3429000" indent="-228600" eaLnBrk="0" fontAlgn="base" hangingPunct="0">
-              <a:spcBef>
-                <a:spcPct val="0"/>
-              </a:spcBef>
-              <a:spcAft>
-                <a:spcPct val="0"/>
-              </a:spcAft>
-              <a:defRPr>
-                <a:solidFill>
-                  <a:schemeClr val="tx1"/>
-                </a:solidFill>
-                <a:latin typeface="Arial" panose="020B0604020202020204" pitchFamily="34" charset="0"/>
-              </a:defRPr>
-            </a:lvl8pPr>
-            <a:lvl9pPr marL="3886200" indent="-228600" eaLnBrk="0" fontAlgn="base" hangingPunct="0">
-              <a:spcBef>
-                <a:spcPct val="0"/>
-              </a:spcBef>
-              <a:spcAft>
-                <a:spcPct val="0"/>
-              </a:spcAft>
-              <a:defRPr>
-                <a:solidFill>
-                  <a:schemeClr val="tx1"/>
-                </a:solidFill>
-                <a:latin typeface="Arial" panose="020B0604020202020204" pitchFamily="34" charset="0"/>
-              </a:defRPr>
-            </a:lvl9pPr>
-          </a:lstStyle>
-          <a:p>
-            <a:pPr eaLnBrk="1" hangingPunct="1"/>
-            <a:fld id="{3F7E73E1-F280-4386-87FD-01754258053D}" type="slidenum">
-              <a:rPr lang="en-US">
-                <a:solidFill>
-                  <a:schemeClr val="accent1"/>
-                </a:solidFill>
-              </a:rPr>
-              <a:pPr eaLnBrk="1" hangingPunct="1"/>
-              <a:t>19</a:t>
-            </a:fld>
-            <a:endParaRPr lang="en-US" dirty="0">
-              <a:solidFill>
-                <a:schemeClr val="accent1"/>
-              </a:solidFill>
-            </a:endParaRPr>
-          </a:p>
-        </p:txBody>
-      </p:sp>
-    </p:spTree>
-    <p:extLst>
-      <p:ext uri="{BB962C8B-B14F-4D97-AF65-F5344CB8AC3E}">
-        <p14:creationId xmlns:p14="http://schemas.microsoft.com/office/powerpoint/2010/main" val="3759288452"/>
-      </p:ext>
-    </p:extLst>
-  </p:cSld>
-  <p:clrMapOvr>
-    <a:masterClrMapping/>
-  </p:clrMapOvr>
-</p:sld>
-</file>
-
 <file path=ppt/slides/slide2.xml><?xml version="1.0" encoding="utf-8"?>
 <p:sld xmlns:a="http://schemas.openxmlformats.org/drawingml/2006/main" xmlns:r="http://schemas.openxmlformats.org/officeDocument/2006/relationships" xmlns:p="http://schemas.openxmlformats.org/presentationml/2006/main">
   <p:cSld>
@@ -26666,7 +26553,19 @@
             </a:pPr>
             <a:r>
               <a:rPr lang="nl-NL" dirty="0"/>
-              <a:t>State-Transition Cohort Models</a:t>
+              <a:t>Cohort State-</a:t>
+            </a:r>
+            <a:r>
+              <a:rPr lang="nl-NL" dirty="0" err="1"/>
+              <a:t>Transition</a:t>
+            </a:r>
+            <a:r>
+              <a:rPr lang="nl-NL" dirty="0"/>
+              <a:t> </a:t>
+            </a:r>
+            <a:r>
+              <a:rPr lang="nl-NL" dirty="0" err="1"/>
+              <a:t>Models</a:t>
             </a:r>
             <a:endParaRPr dirty="0"/>
           </a:p>
@@ -26972,6 +26871,262 @@
           <p:cNvPr id="2" name="Title 1">
             <a:extLst>
               <a:ext uri="{FF2B5EF4-FFF2-40B4-BE49-F238E27FC236}">
+                <a16:creationId xmlns:a16="http://schemas.microsoft.com/office/drawing/2014/main" id="{4122AEC3-06C6-DE42-B170-85BF77700498}"/>
+              </a:ext>
+            </a:extLst>
+          </p:cNvPr>
+          <p:cNvSpPr>
+            <a:spLocks noGrp="1"/>
+          </p:cNvSpPr>
+          <p:nvPr>
+            <p:ph type="title"/>
+          </p:nvPr>
+        </p:nvSpPr>
+        <p:spPr/>
+        <p:txBody>
+          <a:bodyPr/>
+          <a:lstStyle/>
+          <a:p>
+            <a:r>
+              <a:rPr lang="en-US" dirty="0"/>
+              <a:t>Other Types of Dependence</a:t>
+            </a:r>
+          </a:p>
+        </p:txBody>
+      </p:sp>
+      <p:sp>
+        <p:nvSpPr>
+          <p:cNvPr id="3" name="Content Placeholder 2">
+            <a:extLst>
+              <a:ext uri="{FF2B5EF4-FFF2-40B4-BE49-F238E27FC236}">
+                <a16:creationId xmlns:a16="http://schemas.microsoft.com/office/drawing/2014/main" id="{FA17248C-F892-234E-B575-28F547CA6889}"/>
+              </a:ext>
+            </a:extLst>
+          </p:cNvPr>
+          <p:cNvSpPr>
+            <a:spLocks noGrp="1"/>
+          </p:cNvSpPr>
+          <p:nvPr>
+            <p:ph idx="1"/>
+          </p:nvPr>
+        </p:nvSpPr>
+        <p:spPr/>
+        <p:txBody>
+          <a:bodyPr>
+            <a:normAutofit/>
+          </a:bodyPr>
+          <a:lstStyle/>
+          <a:p>
+            <a:r>
+              <a:rPr lang="en-US" sz="2400" dirty="0"/>
+              <a:t>“Memoryless” property of Markov models is a BIG assumption</a:t>
+            </a:r>
+          </a:p>
+          <a:p>
+            <a:pPr lvl="1"/>
+            <a:r>
+              <a:rPr lang="en-US" sz="2400" dirty="0"/>
+              <a:t>Transition probabilities only depend on the current state and not on past states</a:t>
+            </a:r>
+          </a:p>
+          <a:p>
+            <a:r>
+              <a:rPr lang="en-US" sz="2400" dirty="0"/>
+              <a:t>Many transition probabilities depend on history</a:t>
+            </a:r>
+          </a:p>
+          <a:p>
+            <a:pPr lvl="1"/>
+            <a:r>
+              <a:rPr lang="en-US" sz="2200" dirty="0"/>
+              <a:t>Risk of myocardial infarction (MI) greater for persons with prior MI </a:t>
+            </a:r>
+          </a:p>
+          <a:p>
+            <a:pPr lvl="1"/>
+            <a:r>
+              <a:rPr lang="en-US" sz="2200" dirty="0"/>
+              <a:t>Effectiveness of a drug used as first-line therapy may be better than if used as second-line therapy</a:t>
+            </a:r>
+          </a:p>
+        </p:txBody>
+      </p:sp>
+      <p:sp>
+        <p:nvSpPr>
+          <p:cNvPr id="4" name="Slide Number Placeholder 28">
+            <a:extLst>
+              <a:ext uri="{FF2B5EF4-FFF2-40B4-BE49-F238E27FC236}">
+                <a16:creationId xmlns:a16="http://schemas.microsoft.com/office/drawing/2014/main" id="{8452026E-0BA1-934D-9AE2-A839BA2E2F0A}"/>
+              </a:ext>
+            </a:extLst>
+          </p:cNvPr>
+          <p:cNvSpPr>
+            <a:spLocks noGrp="1"/>
+          </p:cNvSpPr>
+          <p:nvPr>
+            <p:ph type="sldNum" sz="quarter" idx="12"/>
+          </p:nvPr>
+        </p:nvSpPr>
+        <p:spPr>
+          <a:xfrm>
+            <a:off x="8559864" y="6453336"/>
+            <a:ext cx="548640" cy="396240"/>
+          </a:xfrm>
+        </p:spPr>
+        <p:txBody>
+          <a:bodyPr/>
+          <a:lstStyle>
+            <a:lvl1pPr eaLnBrk="0" hangingPunct="0">
+              <a:defRPr>
+                <a:solidFill>
+                  <a:schemeClr val="tx1"/>
+                </a:solidFill>
+                <a:latin typeface="Arial" panose="020B0604020202020204" pitchFamily="34" charset="0"/>
+              </a:defRPr>
+            </a:lvl1pPr>
+            <a:lvl2pPr marL="742950" indent="-285750" eaLnBrk="0" hangingPunct="0">
+              <a:defRPr>
+                <a:solidFill>
+                  <a:schemeClr val="tx1"/>
+                </a:solidFill>
+                <a:latin typeface="Arial" panose="020B0604020202020204" pitchFamily="34" charset="0"/>
+              </a:defRPr>
+            </a:lvl2pPr>
+            <a:lvl3pPr marL="1143000" indent="-228600" eaLnBrk="0" hangingPunct="0">
+              <a:defRPr>
+                <a:solidFill>
+                  <a:schemeClr val="tx1"/>
+                </a:solidFill>
+                <a:latin typeface="Arial" panose="020B0604020202020204" pitchFamily="34" charset="0"/>
+              </a:defRPr>
+            </a:lvl3pPr>
+            <a:lvl4pPr marL="1600200" indent="-228600" eaLnBrk="0" hangingPunct="0">
+              <a:defRPr>
+                <a:solidFill>
+                  <a:schemeClr val="tx1"/>
+                </a:solidFill>
+                <a:latin typeface="Arial" panose="020B0604020202020204" pitchFamily="34" charset="0"/>
+              </a:defRPr>
+            </a:lvl4pPr>
+            <a:lvl5pPr marL="2057400" indent="-228600" eaLnBrk="0" hangingPunct="0">
+              <a:defRPr>
+                <a:solidFill>
+                  <a:schemeClr val="tx1"/>
+                </a:solidFill>
+                <a:latin typeface="Arial" panose="020B0604020202020204" pitchFamily="34" charset="0"/>
+              </a:defRPr>
+            </a:lvl5pPr>
+            <a:lvl6pPr marL="2514600" indent="-228600" eaLnBrk="0" fontAlgn="base" hangingPunct="0">
+              <a:spcBef>
+                <a:spcPct val="0"/>
+              </a:spcBef>
+              <a:spcAft>
+                <a:spcPct val="0"/>
+              </a:spcAft>
+              <a:defRPr>
+                <a:solidFill>
+                  <a:schemeClr val="tx1"/>
+                </a:solidFill>
+                <a:latin typeface="Arial" panose="020B0604020202020204" pitchFamily="34" charset="0"/>
+              </a:defRPr>
+            </a:lvl6pPr>
+            <a:lvl7pPr marL="2971800" indent="-228600" eaLnBrk="0" fontAlgn="base" hangingPunct="0">
+              <a:spcBef>
+                <a:spcPct val="0"/>
+              </a:spcBef>
+              <a:spcAft>
+                <a:spcPct val="0"/>
+              </a:spcAft>
+              <a:defRPr>
+                <a:solidFill>
+                  <a:schemeClr val="tx1"/>
+                </a:solidFill>
+                <a:latin typeface="Arial" panose="020B0604020202020204" pitchFamily="34" charset="0"/>
+              </a:defRPr>
+            </a:lvl7pPr>
+            <a:lvl8pPr marL="3429000" indent="-228600" eaLnBrk="0" fontAlgn="base" hangingPunct="0">
+              <a:spcBef>
+                <a:spcPct val="0"/>
+              </a:spcBef>
+              <a:spcAft>
+                <a:spcPct val="0"/>
+              </a:spcAft>
+              <a:defRPr>
+                <a:solidFill>
+                  <a:schemeClr val="tx1"/>
+                </a:solidFill>
+                <a:latin typeface="Arial" panose="020B0604020202020204" pitchFamily="34" charset="0"/>
+              </a:defRPr>
+            </a:lvl8pPr>
+            <a:lvl9pPr marL="3886200" indent="-228600" eaLnBrk="0" fontAlgn="base" hangingPunct="0">
+              <a:spcBef>
+                <a:spcPct val="0"/>
+              </a:spcBef>
+              <a:spcAft>
+                <a:spcPct val="0"/>
+              </a:spcAft>
+              <a:defRPr>
+                <a:solidFill>
+                  <a:schemeClr val="tx1"/>
+                </a:solidFill>
+                <a:latin typeface="Arial" panose="020B0604020202020204" pitchFamily="34" charset="0"/>
+              </a:defRPr>
+            </a:lvl9pPr>
+          </a:lstStyle>
+          <a:p>
+            <a:pPr eaLnBrk="1" hangingPunct="1"/>
+            <a:fld id="{3F7E73E1-F280-4386-87FD-01754258053D}" type="slidenum">
+              <a:rPr lang="en-US">
+                <a:solidFill>
+                  <a:schemeClr val="accent1"/>
+                </a:solidFill>
+              </a:rPr>
+              <a:pPr eaLnBrk="1" hangingPunct="1"/>
+              <a:t>20</a:t>
+            </a:fld>
+            <a:endParaRPr lang="en-US" dirty="0">
+              <a:solidFill>
+                <a:schemeClr val="accent1"/>
+              </a:solidFill>
+            </a:endParaRPr>
+          </a:p>
+        </p:txBody>
+      </p:sp>
+    </p:spTree>
+    <p:extLst>
+      <p:ext uri="{BB962C8B-B14F-4D97-AF65-F5344CB8AC3E}">
+        <p14:creationId xmlns:p14="http://schemas.microsoft.com/office/powerpoint/2010/main" val="3759288452"/>
+      </p:ext>
+    </p:extLst>
+  </p:cSld>
+  <p:clrMapOvr>
+    <a:masterClrMapping/>
+  </p:clrMapOvr>
+</p:sld>
+</file>
+
+<file path=ppt/slides/slide21.xml><?xml version="1.0" encoding="utf-8"?>
+<p:sld xmlns:a="http://schemas.openxmlformats.org/drawingml/2006/main" xmlns:r="http://schemas.openxmlformats.org/officeDocument/2006/relationships" xmlns:p="http://schemas.openxmlformats.org/presentationml/2006/main">
+  <p:cSld>
+    <p:spTree>
+      <p:nvGrpSpPr>
+        <p:cNvPr id="1" name=""/>
+        <p:cNvGrpSpPr/>
+        <p:nvPr/>
+      </p:nvGrpSpPr>
+      <p:grpSpPr>
+        <a:xfrm>
+          <a:off x="0" y="0"/>
+          <a:ext cx="0" cy="0"/>
+          <a:chOff x="0" y="0"/>
+          <a:chExt cx="0" cy="0"/>
+        </a:xfrm>
+      </p:grpSpPr>
+      <p:sp>
+        <p:nvSpPr>
+          <p:cNvPr id="2" name="Title 1">
+            <a:extLst>
+              <a:ext uri="{FF2B5EF4-FFF2-40B4-BE49-F238E27FC236}">
                 <a16:creationId xmlns:a16="http://schemas.microsoft.com/office/drawing/2014/main" id="{194DCA39-1E19-0848-8B28-3E7D84B3BB94}"/>
               </a:ext>
             </a:extLst>
@@ -27346,7 +27501,7 @@
                 </a:solidFill>
               </a:rPr>
               <a:pPr eaLnBrk="1" hangingPunct="1"/>
-              <a:t>20</a:t>
+              <a:t>21</a:t>
             </a:fld>
             <a:endParaRPr lang="en-US" dirty="0">
               <a:solidFill>
@@ -27696,7 +27851,7 @@
 </p:sld>
 </file>
 
-<file path=ppt/slides/slide21.xml><?xml version="1.0" encoding="utf-8"?>
+<file path=ppt/slides/slide22.xml><?xml version="1.0" encoding="utf-8"?>
 <p:sld xmlns:a="http://schemas.openxmlformats.org/drawingml/2006/main" xmlns:r="http://schemas.openxmlformats.org/officeDocument/2006/relationships" xmlns:p="http://schemas.openxmlformats.org/presentationml/2006/main">
   <p:cSld>
     <p:spTree>
@@ -27944,7 +28099,7 @@
                 </a:solidFill>
               </a:rPr>
               <a:pPr eaLnBrk="1" hangingPunct="1"/>
-              <a:t>21</a:t>
+              <a:t>22</a:t>
             </a:fld>
             <a:endParaRPr lang="en-US" dirty="0">
               <a:solidFill>
@@ -27967,7 +28122,7 @@
 </p:sld>
 </file>
 
-<file path=ppt/slides/slide22.xml><?xml version="1.0" encoding="utf-8"?>
+<file path=ppt/slides/slide23.xml><?xml version="1.0" encoding="utf-8"?>
 <p:sld xmlns:a="http://schemas.openxmlformats.org/drawingml/2006/main" xmlns:r="http://schemas.openxmlformats.org/officeDocument/2006/relationships" xmlns:p="http://schemas.openxmlformats.org/presentationml/2006/main">
   <p:cSld>
     <p:spTree>
@@ -28210,7 +28365,7 @@
                 </a:solidFill>
               </a:rPr>
               <a:pPr eaLnBrk="1" hangingPunct="1"/>
-              <a:t>22</a:t>
+              <a:t>23</a:t>
             </a:fld>
             <a:endParaRPr lang="en-US" dirty="0">
               <a:solidFill>
@@ -28233,7 +28388,7 @@
 </p:sld>
 </file>
 
-<file path=ppt/slides/slide23.xml><?xml version="1.0" encoding="utf-8"?>
+<file path=ppt/slides/slide24.xml><?xml version="1.0" encoding="utf-8"?>
 <p:sld xmlns:a="http://schemas.openxmlformats.org/drawingml/2006/main" xmlns:r="http://schemas.openxmlformats.org/officeDocument/2006/relationships" xmlns:p="http://schemas.openxmlformats.org/presentationml/2006/main">
   <p:cSld>
     <p:spTree>
@@ -28272,14 +28427,14 @@
           </a:ln>
           <a:extLst>
             <a:ext uri="{909E8E84-426E-40dd-AFC4-6F175D3DCCD1}">
-              <a14:hiddenFill xmlns="" xmlns:a14="http://schemas.microsoft.com/office/drawing/2010/main">
+              <a14:hiddenFill xmlns:a14="http://schemas.microsoft.com/office/drawing/2010/main" xmlns="">
                 <a:solidFill>
                   <a:srgbClr val="FFFFFF"/>
                 </a:solidFill>
               </a14:hiddenFill>
             </a:ext>
             <a:ext uri="{91240B29-F687-4f45-9708-019B960494DF}">
-              <a14:hiddenLine xmlns="" xmlns:a14="http://schemas.microsoft.com/office/drawing/2010/main" w="9525">
+              <a14:hiddenLine xmlns:a14="http://schemas.microsoft.com/office/drawing/2010/main" xmlns="" w="9525">
                 <a:solidFill>
                   <a:srgbClr val="000000"/>
                 </a:solidFill>
@@ -28432,7 +28587,7 @@
           </a:ln>
           <a:extLst>
             <a:ext uri="{909E8E84-426E-40dd-AFC4-6F175D3DCCD1}">
-              <a14:hiddenFill xmlns="" xmlns:a14="http://schemas.microsoft.com/office/drawing/2010/main">
+              <a14:hiddenFill xmlns:a14="http://schemas.microsoft.com/office/drawing/2010/main" xmlns="">
                 <a:solidFill>
                   <a:srgbClr val="FFFFFF"/>
                 </a:solidFill>
@@ -28579,7 +28734,7 @@
           </a:ln>
           <a:extLst>
             <a:ext uri="{909E8E84-426E-40dd-AFC4-6F175D3DCCD1}">
-              <a14:hiddenFill xmlns="" xmlns:a14="http://schemas.microsoft.com/office/drawing/2010/main">
+              <a14:hiddenFill xmlns:a14="http://schemas.microsoft.com/office/drawing/2010/main" xmlns="">
                 <a:solidFill>
                   <a:srgbClr val="FFFFFF"/>
                 </a:solidFill>
@@ -28726,7 +28881,7 @@
           </a:ln>
           <a:extLst>
             <a:ext uri="{909E8E84-426E-40dd-AFC4-6F175D3DCCD1}">
-              <a14:hiddenFill xmlns="" xmlns:a14="http://schemas.microsoft.com/office/drawing/2010/main">
+              <a14:hiddenFill xmlns:a14="http://schemas.microsoft.com/office/drawing/2010/main" xmlns="">
                 <a:solidFill>
                   <a:srgbClr val="FFFFFF"/>
                 </a:solidFill>
@@ -28873,7 +29028,7 @@
           </a:ln>
           <a:extLst>
             <a:ext uri="{909E8E84-426E-40dd-AFC4-6F175D3DCCD1}">
-              <a14:hiddenFill xmlns="" xmlns:a14="http://schemas.microsoft.com/office/drawing/2010/main">
+              <a14:hiddenFill xmlns:a14="http://schemas.microsoft.com/office/drawing/2010/main" xmlns="">
                 <a:solidFill>
                   <a:srgbClr val="FFFFFF"/>
                 </a:solidFill>
@@ -29020,7 +29175,7 @@
           </a:ln>
           <a:extLst>
             <a:ext uri="{909E8E84-426E-40dd-AFC4-6F175D3DCCD1}">
-              <a14:hiddenFill xmlns="" xmlns:a14="http://schemas.microsoft.com/office/drawing/2010/main">
+              <a14:hiddenFill xmlns:a14="http://schemas.microsoft.com/office/drawing/2010/main" xmlns="">
                 <a:solidFill>
                   <a:srgbClr val="FFFFFF"/>
                 </a:solidFill>
@@ -29167,7 +29322,7 @@
           </a:ln>
           <a:extLst>
             <a:ext uri="{909E8E84-426E-40dd-AFC4-6F175D3DCCD1}">
-              <a14:hiddenFill xmlns="" xmlns:a14="http://schemas.microsoft.com/office/drawing/2010/main">
+              <a14:hiddenFill xmlns:a14="http://schemas.microsoft.com/office/drawing/2010/main" xmlns="">
                 <a:solidFill>
                   <a:srgbClr val="FFFFFF"/>
                 </a:solidFill>
@@ -29314,7 +29469,7 @@
           </a:ln>
           <a:extLst>
             <a:ext uri="{909E8E84-426E-40dd-AFC4-6F175D3DCCD1}">
-              <a14:hiddenFill xmlns="" xmlns:a14="http://schemas.microsoft.com/office/drawing/2010/main">
+              <a14:hiddenFill xmlns:a14="http://schemas.microsoft.com/office/drawing/2010/main" xmlns="">
                 <a:solidFill>
                   <a:srgbClr val="FFFFFF"/>
                 </a:solidFill>
@@ -29461,7 +29616,7 @@
           </a:ln>
           <a:extLst>
             <a:ext uri="{909E8E84-426E-40dd-AFC4-6F175D3DCCD1}">
-              <a14:hiddenFill xmlns="" xmlns:a14="http://schemas.microsoft.com/office/drawing/2010/main">
+              <a14:hiddenFill xmlns:a14="http://schemas.microsoft.com/office/drawing/2010/main" xmlns="">
                 <a:solidFill>
                   <a:srgbClr val="FFFFFF"/>
                 </a:solidFill>
@@ -29608,7 +29763,7 @@
           </a:ln>
           <a:extLst>
             <a:ext uri="{909E8E84-426E-40dd-AFC4-6F175D3DCCD1}">
-              <a14:hiddenFill xmlns="" xmlns:a14="http://schemas.microsoft.com/office/drawing/2010/main">
+              <a14:hiddenFill xmlns:a14="http://schemas.microsoft.com/office/drawing/2010/main" xmlns="">
                 <a:solidFill>
                   <a:srgbClr val="FFFFFF"/>
                 </a:solidFill>
@@ -29762,7 +29917,7 @@
           </a:ln>
           <a:extLst>
             <a:ext uri="{909E8E84-426E-40dd-AFC4-6F175D3DCCD1}">
-              <a14:hiddenFill xmlns="" xmlns:a14="http://schemas.microsoft.com/office/drawing/2010/main">
+              <a14:hiddenFill xmlns:a14="http://schemas.microsoft.com/office/drawing/2010/main" xmlns="">
                 <a:noFill/>
               </a14:hiddenFill>
             </a:ext>
@@ -29819,7 +29974,7 @@
             </a:ln>
             <a:extLst>
               <a:ext uri="{909E8E84-426E-40dd-AFC4-6F175D3DCCD1}">
-                <a14:hiddenFill xmlns="" xmlns:a14="http://schemas.microsoft.com/office/drawing/2010/main">
+                <a14:hiddenFill xmlns:a14="http://schemas.microsoft.com/office/drawing/2010/main" xmlns="">
                   <a:solidFill>
                     <a:srgbClr val="FFFFFF"/>
                   </a:solidFill>
@@ -29963,7 +30118,7 @@
             </a:ln>
             <a:extLst>
               <a:ext uri="{909E8E84-426E-40dd-AFC4-6F175D3DCCD1}">
-                <a14:hiddenFill xmlns="" xmlns:a14="http://schemas.microsoft.com/office/drawing/2010/main">
+                <a14:hiddenFill xmlns:a14="http://schemas.microsoft.com/office/drawing/2010/main" xmlns="">
                   <a:noFill/>
                 </a14:hiddenFill>
               </a:ext>
@@ -30004,7 +30159,7 @@
             </a:ln>
             <a:extLst>
               <a:ext uri="{909E8E84-426E-40dd-AFC4-6F175D3DCCD1}">
-                <a14:hiddenFill xmlns="" xmlns:a14="http://schemas.microsoft.com/office/drawing/2010/main">
+                <a14:hiddenFill xmlns:a14="http://schemas.microsoft.com/office/drawing/2010/main" xmlns="">
                   <a:noFill/>
                 </a14:hiddenFill>
               </a:ext>
@@ -30045,7 +30200,7 @@
             </a:ln>
             <a:extLst>
               <a:ext uri="{909E8E84-426E-40dd-AFC4-6F175D3DCCD1}">
-                <a14:hiddenFill xmlns="" xmlns:a14="http://schemas.microsoft.com/office/drawing/2010/main">
+                <a14:hiddenFill xmlns:a14="http://schemas.microsoft.com/office/drawing/2010/main" xmlns="">
                   <a:noFill/>
                 </a14:hiddenFill>
               </a:ext>
@@ -30086,7 +30241,7 @@
             </a:ln>
             <a:extLst>
               <a:ext uri="{909E8E84-426E-40dd-AFC4-6F175D3DCCD1}">
-                <a14:hiddenFill xmlns="" xmlns:a14="http://schemas.microsoft.com/office/drawing/2010/main">
+                <a14:hiddenFill xmlns:a14="http://schemas.microsoft.com/office/drawing/2010/main" xmlns="">
                   <a:noFill/>
                 </a14:hiddenFill>
               </a:ext>
@@ -30127,7 +30282,7 @@
             </a:ln>
             <a:extLst>
               <a:ext uri="{909E8E84-426E-40dd-AFC4-6F175D3DCCD1}">
-                <a14:hiddenFill xmlns="" xmlns:a14="http://schemas.microsoft.com/office/drawing/2010/main">
+                <a14:hiddenFill xmlns:a14="http://schemas.microsoft.com/office/drawing/2010/main" xmlns="">
                   <a:noFill/>
                 </a14:hiddenFill>
               </a:ext>
@@ -30496,7 +30651,7 @@
             </a:ln>
             <a:extLst>
               <a:ext uri="{909E8E84-426E-40dd-AFC4-6F175D3DCCD1}">
-                <a14:hiddenFill xmlns="" xmlns:a14="http://schemas.microsoft.com/office/drawing/2010/main">
+                <a14:hiddenFill xmlns:a14="http://schemas.microsoft.com/office/drawing/2010/main" xmlns="">
                   <a:solidFill>
                     <a:srgbClr val="FFFFFF"/>
                   </a:solidFill>
@@ -30535,14 +30690,14 @@
           </a:ln>
           <a:extLst>
             <a:ext uri="{909E8E84-426E-40dd-AFC4-6F175D3DCCD1}">
-              <a14:hiddenFill xmlns="" xmlns:a14="http://schemas.microsoft.com/office/drawing/2010/main">
+              <a14:hiddenFill xmlns:a14="http://schemas.microsoft.com/office/drawing/2010/main" xmlns="">
                 <a:solidFill>
                   <a:srgbClr val="FFFFFF"/>
                 </a:solidFill>
               </a14:hiddenFill>
             </a:ext>
             <a:ext uri="{91240B29-F687-4f45-9708-019B960494DF}">
-              <a14:hiddenLine xmlns="" xmlns:a14="http://schemas.microsoft.com/office/drawing/2010/main" w="9525">
+              <a14:hiddenLine xmlns:a14="http://schemas.microsoft.com/office/drawing/2010/main" xmlns="" w="9525">
                 <a:solidFill>
                   <a:srgbClr val="000000"/>
                 </a:solidFill>
@@ -30697,7 +30852,7 @@
           </a:ln>
           <a:extLst>
             <a:ext uri="{909E8E84-426E-40dd-AFC4-6F175D3DCCD1}">
-              <a14:hiddenFill xmlns="" xmlns:a14="http://schemas.microsoft.com/office/drawing/2010/main">
+              <a14:hiddenFill xmlns:a14="http://schemas.microsoft.com/office/drawing/2010/main" xmlns="">
                 <a:noFill/>
               </a14:hiddenFill>
             </a:ext>
@@ -30733,14 +30888,14 @@
           </a:ln>
           <a:extLst>
             <a:ext uri="{909E8E84-426E-40dd-AFC4-6F175D3DCCD1}">
-              <a14:hiddenFill xmlns="" xmlns:a14="http://schemas.microsoft.com/office/drawing/2010/main">
+              <a14:hiddenFill xmlns:a14="http://schemas.microsoft.com/office/drawing/2010/main" xmlns="">
                 <a:solidFill>
                   <a:srgbClr val="FFFFFF"/>
                 </a:solidFill>
               </a14:hiddenFill>
             </a:ext>
             <a:ext uri="{91240B29-F687-4f45-9708-019B960494DF}">
-              <a14:hiddenLine xmlns="" xmlns:a14="http://schemas.microsoft.com/office/drawing/2010/main" w="9525">
+              <a14:hiddenLine xmlns:a14="http://schemas.microsoft.com/office/drawing/2010/main" xmlns="" w="9525">
                 <a:solidFill>
                   <a:srgbClr val="000000"/>
                 </a:solidFill>
@@ -30895,7 +31050,7 @@
           </a:ln>
           <a:extLst>
             <a:ext uri="{909E8E84-426E-40dd-AFC4-6F175D3DCCD1}">
-              <a14:hiddenFill xmlns="" xmlns:a14="http://schemas.microsoft.com/office/drawing/2010/main">
+              <a14:hiddenFill xmlns:a14="http://schemas.microsoft.com/office/drawing/2010/main" xmlns="">
                 <a:noFill/>
               </a14:hiddenFill>
             </a:ext>
@@ -30931,14 +31086,14 @@
           </a:ln>
           <a:extLst>
             <a:ext uri="{909E8E84-426E-40dd-AFC4-6F175D3DCCD1}">
-              <a14:hiddenFill xmlns="" xmlns:a14="http://schemas.microsoft.com/office/drawing/2010/main">
+              <a14:hiddenFill xmlns:a14="http://schemas.microsoft.com/office/drawing/2010/main" xmlns="">
                 <a:solidFill>
                   <a:srgbClr val="FFFFFF"/>
                 </a:solidFill>
               </a14:hiddenFill>
             </a:ext>
             <a:ext uri="{91240B29-F687-4f45-9708-019B960494DF}">
-              <a14:hiddenLine xmlns="" xmlns:a14="http://schemas.microsoft.com/office/drawing/2010/main" w="9525">
+              <a14:hiddenLine xmlns:a14="http://schemas.microsoft.com/office/drawing/2010/main" xmlns="" w="9525">
                 <a:solidFill>
                   <a:srgbClr val="000000"/>
                 </a:solidFill>
@@ -31082,7 +31237,7 @@
           <a:graphicData uri="http://schemas.openxmlformats.org/presentationml/2006/ole">
             <mc:AlternateContent xmlns:mc="http://schemas.openxmlformats.org/markup-compatibility/2006">
               <mc:Choice xmlns:v="urn:schemas-microsoft-com:vml" Requires="v">
-                <p:oleObj spid="_x0000_s4170" name="Equation" r:id="rId3" imgW="2577960" imgH="457200" progId="Equation.DSMT4">
+                <p:oleObj spid="_x0000_s4179" name="Equation" r:id="rId3" imgW="2577960" imgH="457200" progId="Equation.DSMT4">
                   <p:embed/>
                 </p:oleObj>
               </mc:Choice>
@@ -31125,14 +31280,14 @@
                       <a:effectLst/>
                       <a:extLst>
                         <a:ext uri="{909E8E84-426E-40dd-AFC4-6F175D3DCCD1}">
-                          <a14:hiddenFill xmlns="" xmlns:a14="http://schemas.microsoft.com/office/drawing/2010/main">
+                          <a14:hiddenFill xmlns:a14="http://schemas.microsoft.com/office/drawing/2010/main" xmlns="">
                             <a:solidFill>
                               <a:srgbClr val="FFFFFF"/>
                             </a:solidFill>
                           </a14:hiddenFill>
                         </a:ext>
                         <a:ext uri="{91240B29-F687-4f45-9708-019B960494DF}">
-                          <a14:hiddenLine xmlns="" xmlns:a14="http://schemas.microsoft.com/office/drawing/2010/main" w="9525">
+                          <a14:hiddenLine xmlns:a14="http://schemas.microsoft.com/office/drawing/2010/main" xmlns="" w="9525">
                             <a:solidFill>
                               <a:srgbClr val="000000"/>
                             </a:solidFill>
@@ -31142,7 +31297,7 @@
                           </a14:hiddenLine>
                         </a:ext>
                         <a:ext uri="{AF507438-7753-43e0-B8FC-AC1667EBCBE1}">
-                          <a14:hiddenEffects xmlns="" xmlns:a14="http://schemas.microsoft.com/office/drawing/2010/main">
+                          <a14:hiddenEffects xmlns:a14="http://schemas.microsoft.com/office/drawing/2010/main" xmlns="">
                             <a:effectLst>
                               <a:outerShdw dist="35921" dir="2700000" algn="ctr" rotWithShape="0">
                                 <a:srgbClr val="808080"/>
@@ -31290,7 +31445,7 @@
                 </a:solidFill>
               </a:rPr>
               <a:pPr eaLnBrk="1" hangingPunct="1"/>
-              <a:t>23</a:t>
+              <a:t>24</a:t>
             </a:fld>
             <a:endParaRPr lang="en-US" dirty="0">
               <a:solidFill>
@@ -31313,7 +31468,7 @@
 </p:sld>
 </file>
 
-<file path=ppt/slides/slide24.xml><?xml version="1.0" encoding="utf-8"?>
+<file path=ppt/slides/slide25.xml><?xml version="1.0" encoding="utf-8"?>
 <p:sld xmlns:a="http://schemas.openxmlformats.org/drawingml/2006/main" xmlns:r="http://schemas.openxmlformats.org/officeDocument/2006/relationships" xmlns:p="http://schemas.openxmlformats.org/presentationml/2006/main">
   <p:cSld>
     <p:spTree>
@@ -31617,7 +31772,7 @@
                 </a:solidFill>
               </a:rPr>
               <a:pPr eaLnBrk="1" hangingPunct="1"/>
-              <a:t>24</a:t>
+              <a:t>25</a:t>
             </a:fld>
             <a:endParaRPr lang="en-US" dirty="0">
               <a:solidFill>
@@ -31640,7 +31795,7 @@
 </p:sld>
 </file>
 
-<file path=ppt/slides/slide25.xml><?xml version="1.0" encoding="utf-8"?>
+<file path=ppt/slides/slide26.xml><?xml version="1.0" encoding="utf-8"?>
 <p:sld xmlns:a="http://schemas.openxmlformats.org/drawingml/2006/main" xmlns:r="http://schemas.openxmlformats.org/officeDocument/2006/relationships" xmlns:p="http://schemas.openxmlformats.org/presentationml/2006/main">
   <p:cSld>
     <p:spTree>
@@ -31895,7 +32050,7 @@
                 </a:solidFill>
               </a:rPr>
               <a:pPr eaLnBrk="1" hangingPunct="1"/>
-              <a:t>25</a:t>
+              <a:t>26</a:t>
             </a:fld>
             <a:endParaRPr lang="en-US" dirty="0">
               <a:solidFill>
@@ -31918,7 +32073,7 @@
 </p:sld>
 </file>
 
-<file path=ppt/slides/slide26.xml><?xml version="1.0" encoding="utf-8"?>
+<file path=ppt/slides/slide27.xml><?xml version="1.0" encoding="utf-8"?>
 <p:sld xmlns:a="http://schemas.openxmlformats.org/drawingml/2006/main" xmlns:r="http://schemas.openxmlformats.org/officeDocument/2006/relationships" xmlns:p="http://schemas.openxmlformats.org/presentationml/2006/main">
   <p:cSld>
     <p:spTree>
@@ -32171,7 +32326,7 @@
                 </a:solidFill>
               </a:rPr>
               <a:pPr eaLnBrk="1" hangingPunct="1"/>
-              <a:t>26</a:t>
+              <a:t>27</a:t>
             </a:fld>
             <a:endParaRPr lang="en-US" dirty="0">
               <a:solidFill>
@@ -32194,7 +32349,7 @@
 </p:sld>
 </file>
 
-<file path=ppt/slides/slide27.xml><?xml version="1.0" encoding="utf-8"?>
+<file path=ppt/slides/slide28.xml><?xml version="1.0" encoding="utf-8"?>
 <p:sld xmlns:a="http://schemas.openxmlformats.org/drawingml/2006/main" xmlns:r="http://schemas.openxmlformats.org/officeDocument/2006/relationships" xmlns:p="http://schemas.openxmlformats.org/presentationml/2006/main">
   <p:cSld>
     <p:spTree>
@@ -32281,7 +32436,7 @@
             </a:pPr>
             <a:fld id="{00000000-1234-1234-1234-123412341234}" type="slidenum">
               <a:rPr lang="nl-NL"/>
-              <a:t>27</a:t>
+              <a:t>28</a:t>
             </a:fld>
             <a:endParaRPr/>
           </a:p>
@@ -32300,7 +32455,7 @@
 </p:sld>
 </file>
 
-<file path=ppt/slides/slide28.xml><?xml version="1.0" encoding="utf-8"?>
+<file path=ppt/slides/slide29.xml><?xml version="1.0" encoding="utf-8"?>
 <p:sld xmlns:a="http://schemas.openxmlformats.org/drawingml/2006/main" xmlns:r="http://schemas.openxmlformats.org/officeDocument/2006/relationships" xmlns:p="http://schemas.openxmlformats.org/presentationml/2006/main">
   <p:cSld>
     <p:spTree>
@@ -32387,7 +32542,7 @@
             </a:pPr>
             <a:fld id="{00000000-1234-1234-1234-123412341234}" type="slidenum">
               <a:rPr lang="nl-NL"/>
-              <a:t>28</a:t>
+              <a:t>29</a:t>
             </a:fld>
             <a:endParaRPr/>
           </a:p>
@@ -33002,7 +33157,358 @@
 </p:sld>
 </file>
 
-<file path=ppt/slides/slide29.xml><?xml version="1.0" encoding="utf-8"?>
+<file path=ppt/slides/slide3.xml><?xml version="1.0" encoding="utf-8"?>
+<p:sld xmlns:a="http://schemas.openxmlformats.org/drawingml/2006/main" xmlns:r="http://schemas.openxmlformats.org/officeDocument/2006/relationships" xmlns:p="http://schemas.openxmlformats.org/presentationml/2006/main">
+  <p:cSld>
+    <p:spTree>
+      <p:nvGrpSpPr>
+        <p:cNvPr id="1" name="Shape 567"/>
+        <p:cNvGrpSpPr/>
+        <p:nvPr/>
+      </p:nvGrpSpPr>
+      <p:grpSpPr>
+        <a:xfrm>
+          <a:off x="0" y="0"/>
+          <a:ext cx="0" cy="0"/>
+          <a:chOff x="0" y="0"/>
+          <a:chExt cx="0" cy="0"/>
+        </a:xfrm>
+      </p:grpSpPr>
+      <p:sp>
+        <p:nvSpPr>
+          <p:cNvPr id="568" name="Shape 568"/>
+          <p:cNvSpPr txBox="1">
+            <a:spLocks noGrp="1"/>
+          </p:cNvSpPr>
+          <p:nvPr>
+            <p:ph type="title"/>
+          </p:nvPr>
+        </p:nvSpPr>
+        <p:spPr>
+          <a:xfrm>
+            <a:off x="840432" y="274638"/>
+            <a:ext cx="7620000" cy="1143000"/>
+          </a:xfrm>
+          <a:prstGeom prst="rect">
+            <a:avLst/>
+          </a:prstGeom>
+        </p:spPr>
+        <p:txBody>
+          <a:bodyPr spcFirstLastPara="1" wrap="square" lIns="91425" tIns="91425" rIns="91425" bIns="91425" anchor="ctr" anchorCtr="0">
+            <a:noAutofit/>
+          </a:bodyPr>
+          <a:lstStyle/>
+          <a:p>
+            <a:pPr marL="0" lvl="0" indent="0" rtl="0">
+              <a:spcBef>
+                <a:spcPts val="0"/>
+              </a:spcBef>
+              <a:spcAft>
+                <a:spcPts val="0"/>
+              </a:spcAft>
+              <a:buNone/>
+            </a:pPr>
+            <a:r>
+              <a:rPr lang="nl-NL" dirty="0"/>
+              <a:t>Building a cohort State-</a:t>
+            </a:r>
+            <a:r>
+              <a:rPr lang="nl-NL" dirty="0" err="1"/>
+              <a:t>Transition</a:t>
+            </a:r>
+            <a:r>
+              <a:rPr lang="nl-NL" dirty="0"/>
+              <a:t> Model	</a:t>
+            </a:r>
+            <a:endParaRPr dirty="0"/>
+          </a:p>
+        </p:txBody>
+      </p:sp>
+      <p:sp>
+        <p:nvSpPr>
+          <p:cNvPr id="569" name="Shape 569"/>
+          <p:cNvSpPr txBox="1">
+            <a:spLocks noGrp="1"/>
+          </p:cNvSpPr>
+          <p:nvPr>
+            <p:ph idx="1"/>
+          </p:nvPr>
+        </p:nvSpPr>
+        <p:spPr>
+          <a:xfrm>
+            <a:off x="840432" y="1600200"/>
+            <a:ext cx="7620000" cy="4800600"/>
+          </a:xfrm>
+          <a:prstGeom prst="rect">
+            <a:avLst/>
+          </a:prstGeom>
+        </p:spPr>
+        <p:txBody>
+          <a:bodyPr spcFirstLastPara="1" wrap="square" lIns="91425" tIns="91425" rIns="91425" bIns="91425" anchor="t" anchorCtr="0">
+            <a:noAutofit/>
+          </a:bodyPr>
+          <a:lstStyle/>
+          <a:p>
+            <a:pPr marL="457200" lvl="0" indent="-368300" rtl="0">
+              <a:spcBef>
+                <a:spcPts val="800"/>
+              </a:spcBef>
+              <a:spcAft>
+                <a:spcPts val="0"/>
+              </a:spcAft>
+              <a:buSzPts val="2200"/>
+              <a:buChar char="•"/>
+            </a:pPr>
+            <a:r>
+              <a:rPr lang="nl-NL" sz="2400" dirty="0" err="1"/>
+              <a:t>Determine</a:t>
+            </a:r>
+            <a:r>
+              <a:rPr lang="nl-NL" sz="2400" dirty="0"/>
+              <a:t> health </a:t>
+            </a:r>
+            <a:r>
+              <a:rPr lang="nl-NL" sz="2400" dirty="0" err="1"/>
+              <a:t>states</a:t>
+            </a:r>
+            <a:endParaRPr sz="2400" dirty="0"/>
+          </a:p>
+          <a:p>
+            <a:pPr marL="457200" lvl="0" indent="-368300" rtl="0">
+              <a:spcBef>
+                <a:spcPts val="1000"/>
+              </a:spcBef>
+              <a:spcAft>
+                <a:spcPts val="0"/>
+              </a:spcAft>
+              <a:buSzPts val="2200"/>
+              <a:buChar char="•"/>
+            </a:pPr>
+            <a:r>
+              <a:rPr lang="nl-NL" sz="2400" dirty="0" err="1"/>
+              <a:t>Determine</a:t>
+            </a:r>
+            <a:r>
+              <a:rPr lang="nl-NL" sz="2400" dirty="0"/>
+              <a:t> </a:t>
+            </a:r>
+            <a:r>
+              <a:rPr lang="nl-NL" sz="2400" dirty="0" err="1"/>
+              <a:t>transitions</a:t>
+            </a:r>
+            <a:endParaRPr sz="2400" dirty="0"/>
+          </a:p>
+          <a:p>
+            <a:pPr marL="457200" lvl="0" indent="-368300" rtl="0">
+              <a:spcBef>
+                <a:spcPts val="1000"/>
+              </a:spcBef>
+              <a:spcAft>
+                <a:spcPts val="0"/>
+              </a:spcAft>
+              <a:buSzPts val="2200"/>
+              <a:buChar char="•"/>
+            </a:pPr>
+            <a:r>
+              <a:rPr lang="nl-NL" sz="2400" dirty="0" err="1"/>
+              <a:t>Choose</a:t>
+            </a:r>
+            <a:r>
+              <a:rPr lang="nl-NL" sz="2400" dirty="0"/>
+              <a:t> </a:t>
+            </a:r>
+            <a:r>
+              <a:rPr lang="nl-NL" sz="2400" dirty="0" err="1"/>
+              <a:t>cycle</a:t>
+            </a:r>
+            <a:r>
+              <a:rPr lang="nl-NL" sz="2400" dirty="0"/>
+              <a:t> </a:t>
+            </a:r>
+            <a:r>
+              <a:rPr lang="nl-NL" sz="2400" dirty="0" err="1"/>
+              <a:t>length</a:t>
+            </a:r>
+            <a:endParaRPr sz="2400" dirty="0"/>
+          </a:p>
+          <a:p>
+            <a:pPr marL="457200" lvl="0" indent="-368300" rtl="0">
+              <a:spcBef>
+                <a:spcPts val="1000"/>
+              </a:spcBef>
+              <a:spcAft>
+                <a:spcPts val="0"/>
+              </a:spcAft>
+              <a:buSzPts val="2200"/>
+              <a:buChar char="•"/>
+            </a:pPr>
+            <a:r>
+              <a:rPr lang="nl-NL" sz="2400" dirty="0" err="1"/>
+              <a:t>Estimate</a:t>
+            </a:r>
+            <a:r>
+              <a:rPr lang="nl-NL" sz="2400" dirty="0"/>
+              <a:t> </a:t>
+            </a:r>
+            <a:r>
+              <a:rPr lang="nl-NL" sz="2400" dirty="0" err="1"/>
+              <a:t>transition</a:t>
+            </a:r>
+            <a:r>
+              <a:rPr lang="nl-NL" sz="2400" dirty="0"/>
+              <a:t> </a:t>
+            </a:r>
+            <a:r>
+              <a:rPr lang="nl-NL" sz="2400" dirty="0" err="1"/>
+              <a:t>probabilities</a:t>
+            </a:r>
+            <a:endParaRPr sz="2400" dirty="0"/>
+          </a:p>
+          <a:p>
+            <a:pPr marL="457200" lvl="0" indent="-368300" rtl="0">
+              <a:spcBef>
+                <a:spcPts val="1000"/>
+              </a:spcBef>
+              <a:spcAft>
+                <a:spcPts val="0"/>
+              </a:spcAft>
+              <a:buSzPts val="2200"/>
+              <a:buChar char="•"/>
+            </a:pPr>
+            <a:r>
+              <a:rPr lang="nl-NL" sz="2400" dirty="0" err="1"/>
+              <a:t>Estimate</a:t>
+            </a:r>
+            <a:r>
+              <a:rPr lang="nl-NL" sz="2400" dirty="0"/>
+              <a:t> state </a:t>
+            </a:r>
+            <a:r>
+              <a:rPr lang="nl-NL" sz="2400" dirty="0" err="1"/>
+              <a:t>utilities</a:t>
+            </a:r>
+            <a:r>
+              <a:rPr lang="nl-NL" sz="2400" dirty="0"/>
+              <a:t> </a:t>
+            </a:r>
+            <a:r>
+              <a:rPr lang="nl-NL" sz="2400" dirty="0" err="1"/>
+              <a:t>and</a:t>
+            </a:r>
+            <a:r>
+              <a:rPr lang="nl-NL" sz="2400" dirty="0"/>
+              <a:t> </a:t>
+            </a:r>
+            <a:r>
+              <a:rPr lang="nl-NL" sz="2400" dirty="0" err="1"/>
+              <a:t>costs</a:t>
+            </a:r>
+            <a:r>
+              <a:rPr lang="nl-NL" sz="2400" dirty="0"/>
+              <a:t> per </a:t>
+            </a:r>
+            <a:r>
+              <a:rPr lang="nl-NL" sz="2400" dirty="0" err="1"/>
+              <a:t>cycle</a:t>
+            </a:r>
+            <a:endParaRPr sz="2400" dirty="0"/>
+          </a:p>
+          <a:p>
+            <a:pPr marL="457200" lvl="0" indent="-368300" rtl="0">
+              <a:spcBef>
+                <a:spcPts val="1000"/>
+              </a:spcBef>
+              <a:spcAft>
+                <a:spcPts val="0"/>
+              </a:spcAft>
+              <a:buSzPts val="2200"/>
+              <a:buChar char="•"/>
+            </a:pPr>
+            <a:r>
+              <a:rPr lang="nl-NL" sz="2400" dirty="0" err="1"/>
+              <a:t>Calculate</a:t>
+            </a:r>
+            <a:endParaRPr sz="2400" dirty="0"/>
+          </a:p>
+          <a:p>
+            <a:pPr marL="457200" lvl="0" indent="-368300" rtl="0">
+              <a:spcBef>
+                <a:spcPts val="1000"/>
+              </a:spcBef>
+              <a:spcAft>
+                <a:spcPts val="1000"/>
+              </a:spcAft>
+              <a:buSzPts val="2200"/>
+              <a:buChar char="•"/>
+            </a:pPr>
+            <a:r>
+              <a:rPr lang="nl-NL" sz="2400" dirty="0" err="1"/>
+              <a:t>Sensitivity</a:t>
+            </a:r>
+            <a:r>
+              <a:rPr lang="nl-NL" sz="2400" dirty="0"/>
+              <a:t> analyses</a:t>
+            </a:r>
+            <a:endParaRPr sz="2400" dirty="0"/>
+          </a:p>
+        </p:txBody>
+      </p:sp>
+      <p:sp>
+        <p:nvSpPr>
+          <p:cNvPr id="570" name="Shape 570"/>
+          <p:cNvSpPr txBox="1">
+            <a:spLocks noGrp="1"/>
+          </p:cNvSpPr>
+          <p:nvPr>
+            <p:ph type="sldNum" sz="quarter" idx="12"/>
+          </p:nvPr>
+        </p:nvSpPr>
+        <p:spPr>
+          <a:prstGeom prst="rect">
+            <a:avLst/>
+          </a:prstGeom>
+        </p:spPr>
+        <p:txBody>
+          <a:bodyPr spcFirstLastPara="1" wrap="square" lIns="0" tIns="0" rIns="0" bIns="0" anchor="ctr" anchorCtr="0">
+            <a:noAutofit/>
+          </a:bodyPr>
+          <a:lstStyle/>
+          <a:p>
+            <a:pPr marL="0" lvl="0" indent="0">
+              <a:spcBef>
+                <a:spcPts val="0"/>
+              </a:spcBef>
+              <a:spcAft>
+                <a:spcPts val="0"/>
+              </a:spcAft>
+              <a:buClr>
+                <a:srgbClr val="000000"/>
+              </a:buClr>
+              <a:buFont typeface="Arial"/>
+              <a:buNone/>
+            </a:pPr>
+            <a:fld id="{00000000-1234-1234-1234-123412341234}" type="slidenum">
+              <a:rPr lang="nl-NL"/>
+              <a:t>3</a:t>
+            </a:fld>
+            <a:endParaRPr/>
+          </a:p>
+        </p:txBody>
+      </p:sp>
+    </p:spTree>
+    <p:extLst>
+      <p:ext uri="{BB962C8B-B14F-4D97-AF65-F5344CB8AC3E}">
+        <p14:creationId xmlns:p14="http://schemas.microsoft.com/office/powerpoint/2010/main" val="1266459052"/>
+      </p:ext>
+    </p:extLst>
+  </p:cSld>
+  <p:clrMapOvr>
+    <a:masterClrMapping/>
+  </p:clrMapOvr>
+</p:sld>
+</file>
+
+<file path=ppt/slides/slide30.xml><?xml version="1.0" encoding="utf-8"?>
 <p:sld xmlns:a="http://schemas.openxmlformats.org/drawingml/2006/main" xmlns:r="http://schemas.openxmlformats.org/officeDocument/2006/relationships" xmlns:p="http://schemas.openxmlformats.org/presentationml/2006/main">
   <p:cSld>
     <p:spTree>
@@ -33746,7 +34252,7 @@
             </a:pPr>
             <a:fld id="{00000000-1234-1234-1234-123412341234}" type="slidenum">
               <a:rPr lang="nl-NL"/>
-              <a:t>29</a:t>
+              <a:t>30</a:t>
             </a:fld>
             <a:endParaRPr/>
           </a:p>
@@ -33765,354 +34271,7 @@
 </p:sld>
 </file>
 
-<file path=ppt/slides/slide3.xml><?xml version="1.0" encoding="utf-8"?>
-<p:sld xmlns:a="http://schemas.openxmlformats.org/drawingml/2006/main" xmlns:r="http://schemas.openxmlformats.org/officeDocument/2006/relationships" xmlns:p="http://schemas.openxmlformats.org/presentationml/2006/main">
-  <p:cSld>
-    <p:spTree>
-      <p:nvGrpSpPr>
-        <p:cNvPr id="1" name="Shape 567"/>
-        <p:cNvGrpSpPr/>
-        <p:nvPr/>
-      </p:nvGrpSpPr>
-      <p:grpSpPr>
-        <a:xfrm>
-          <a:off x="0" y="0"/>
-          <a:ext cx="0" cy="0"/>
-          <a:chOff x="0" y="0"/>
-          <a:chExt cx="0" cy="0"/>
-        </a:xfrm>
-      </p:grpSpPr>
-      <p:sp>
-        <p:nvSpPr>
-          <p:cNvPr id="568" name="Shape 568"/>
-          <p:cNvSpPr txBox="1">
-            <a:spLocks noGrp="1"/>
-          </p:cNvSpPr>
-          <p:nvPr>
-            <p:ph type="title"/>
-          </p:nvPr>
-        </p:nvSpPr>
-        <p:spPr>
-          <a:prstGeom prst="rect">
-            <a:avLst/>
-          </a:prstGeom>
-        </p:spPr>
-        <p:txBody>
-          <a:bodyPr spcFirstLastPara="1" wrap="square" lIns="91425" tIns="91425" rIns="91425" bIns="91425" anchor="ctr" anchorCtr="0">
-            <a:noAutofit/>
-          </a:bodyPr>
-          <a:lstStyle/>
-          <a:p>
-            <a:pPr marL="0" lvl="0" indent="0" rtl="0">
-              <a:spcBef>
-                <a:spcPts val="0"/>
-              </a:spcBef>
-              <a:spcAft>
-                <a:spcPts val="0"/>
-              </a:spcAft>
-              <a:buNone/>
-            </a:pPr>
-            <a:r>
-              <a:rPr lang="nl-NL" dirty="0"/>
-              <a:t>Building a State-</a:t>
-            </a:r>
-            <a:r>
-              <a:rPr lang="nl-NL" dirty="0" err="1"/>
-              <a:t>Transition</a:t>
-            </a:r>
-            <a:r>
-              <a:rPr lang="nl-NL" dirty="0"/>
-              <a:t> Cohort Model	</a:t>
-            </a:r>
-            <a:endParaRPr dirty="0"/>
-          </a:p>
-        </p:txBody>
-      </p:sp>
-      <p:sp>
-        <p:nvSpPr>
-          <p:cNvPr id="569" name="Shape 569"/>
-          <p:cNvSpPr txBox="1">
-            <a:spLocks noGrp="1"/>
-          </p:cNvSpPr>
-          <p:nvPr>
-            <p:ph idx="1"/>
-          </p:nvPr>
-        </p:nvSpPr>
-        <p:spPr>
-          <a:xfrm>
-            <a:off x="840432" y="1600200"/>
-            <a:ext cx="7620000" cy="4800600"/>
-          </a:xfrm>
-          <a:prstGeom prst="rect">
-            <a:avLst/>
-          </a:prstGeom>
-        </p:spPr>
-        <p:txBody>
-          <a:bodyPr spcFirstLastPara="1" wrap="square" lIns="91425" tIns="91425" rIns="91425" bIns="91425" anchor="t" anchorCtr="0">
-            <a:noAutofit/>
-          </a:bodyPr>
-          <a:lstStyle/>
-          <a:p>
-            <a:pPr marL="457200" lvl="0" indent="-368300" rtl="0">
-              <a:spcBef>
-                <a:spcPts val="800"/>
-              </a:spcBef>
-              <a:spcAft>
-                <a:spcPts val="0"/>
-              </a:spcAft>
-              <a:buSzPts val="2200"/>
-              <a:buChar char="•"/>
-            </a:pPr>
-            <a:r>
-              <a:rPr lang="nl-NL" sz="2400" dirty="0" err="1"/>
-              <a:t>Determine</a:t>
-            </a:r>
-            <a:r>
-              <a:rPr lang="nl-NL" sz="2400" dirty="0"/>
-              <a:t> health </a:t>
-            </a:r>
-            <a:r>
-              <a:rPr lang="nl-NL" sz="2400" dirty="0" err="1"/>
-              <a:t>states</a:t>
-            </a:r>
-            <a:endParaRPr sz="2400" dirty="0"/>
-          </a:p>
-          <a:p>
-            <a:pPr marL="457200" lvl="0" indent="-368300" rtl="0">
-              <a:spcBef>
-                <a:spcPts val="1000"/>
-              </a:spcBef>
-              <a:spcAft>
-                <a:spcPts val="0"/>
-              </a:spcAft>
-              <a:buSzPts val="2200"/>
-              <a:buChar char="•"/>
-            </a:pPr>
-            <a:r>
-              <a:rPr lang="nl-NL" sz="2400" dirty="0" err="1"/>
-              <a:t>Determine</a:t>
-            </a:r>
-            <a:r>
-              <a:rPr lang="nl-NL" sz="2400" dirty="0"/>
-              <a:t> </a:t>
-            </a:r>
-            <a:r>
-              <a:rPr lang="nl-NL" sz="2400" dirty="0" err="1"/>
-              <a:t>transitions</a:t>
-            </a:r>
-            <a:endParaRPr sz="2400" dirty="0"/>
-          </a:p>
-          <a:p>
-            <a:pPr marL="457200" lvl="0" indent="-368300" rtl="0">
-              <a:spcBef>
-                <a:spcPts val="1000"/>
-              </a:spcBef>
-              <a:spcAft>
-                <a:spcPts val="0"/>
-              </a:spcAft>
-              <a:buSzPts val="2200"/>
-              <a:buChar char="•"/>
-            </a:pPr>
-            <a:r>
-              <a:rPr lang="nl-NL" sz="2400" dirty="0" err="1"/>
-              <a:t>Choose</a:t>
-            </a:r>
-            <a:r>
-              <a:rPr lang="nl-NL" sz="2400" dirty="0"/>
-              <a:t> </a:t>
-            </a:r>
-            <a:r>
-              <a:rPr lang="nl-NL" sz="2400" dirty="0" err="1"/>
-              <a:t>cycle</a:t>
-            </a:r>
-            <a:r>
-              <a:rPr lang="nl-NL" sz="2400" dirty="0"/>
-              <a:t> </a:t>
-            </a:r>
-            <a:r>
-              <a:rPr lang="nl-NL" sz="2400" dirty="0" err="1"/>
-              <a:t>length</a:t>
-            </a:r>
-            <a:endParaRPr sz="2400" dirty="0"/>
-          </a:p>
-          <a:p>
-            <a:pPr marL="457200" lvl="0" indent="-368300" rtl="0">
-              <a:spcBef>
-                <a:spcPts val="1000"/>
-              </a:spcBef>
-              <a:spcAft>
-                <a:spcPts val="0"/>
-              </a:spcAft>
-              <a:buSzPts val="2200"/>
-              <a:buChar char="•"/>
-            </a:pPr>
-            <a:r>
-              <a:rPr lang="nl-NL" sz="2400" dirty="0" err="1"/>
-              <a:t>Estimate</a:t>
-            </a:r>
-            <a:r>
-              <a:rPr lang="nl-NL" sz="2400" dirty="0"/>
-              <a:t> </a:t>
-            </a:r>
-            <a:r>
-              <a:rPr lang="nl-NL" sz="2400" dirty="0" err="1"/>
-              <a:t>transition</a:t>
-            </a:r>
-            <a:r>
-              <a:rPr lang="nl-NL" sz="2400" dirty="0"/>
-              <a:t> </a:t>
-            </a:r>
-            <a:r>
-              <a:rPr lang="nl-NL" sz="2400" dirty="0" err="1"/>
-              <a:t>probabilities</a:t>
-            </a:r>
-            <a:endParaRPr sz="2400" dirty="0"/>
-          </a:p>
-          <a:p>
-            <a:pPr marL="457200" lvl="0" indent="-368300" rtl="0">
-              <a:spcBef>
-                <a:spcPts val="1000"/>
-              </a:spcBef>
-              <a:spcAft>
-                <a:spcPts val="0"/>
-              </a:spcAft>
-              <a:buSzPts val="2200"/>
-              <a:buChar char="•"/>
-            </a:pPr>
-            <a:r>
-              <a:rPr lang="nl-NL" sz="2400" dirty="0" err="1"/>
-              <a:t>Estimate</a:t>
-            </a:r>
-            <a:r>
-              <a:rPr lang="nl-NL" sz="2400" dirty="0"/>
-              <a:t> state </a:t>
-            </a:r>
-            <a:r>
-              <a:rPr lang="nl-NL" sz="2400" dirty="0" err="1"/>
-              <a:t>utilities</a:t>
-            </a:r>
-            <a:r>
-              <a:rPr lang="nl-NL" sz="2400" dirty="0"/>
-              <a:t> </a:t>
-            </a:r>
-            <a:r>
-              <a:rPr lang="nl-NL" sz="2400" dirty="0" err="1"/>
-              <a:t>and</a:t>
-            </a:r>
-            <a:r>
-              <a:rPr lang="nl-NL" sz="2400" dirty="0"/>
-              <a:t> </a:t>
-            </a:r>
-            <a:r>
-              <a:rPr lang="nl-NL" sz="2400" dirty="0" err="1"/>
-              <a:t>costs</a:t>
-            </a:r>
-            <a:r>
-              <a:rPr lang="nl-NL" sz="2400" dirty="0"/>
-              <a:t> per </a:t>
-            </a:r>
-            <a:r>
-              <a:rPr lang="nl-NL" sz="2400" dirty="0" err="1"/>
-              <a:t>cycle</a:t>
-            </a:r>
-            <a:endParaRPr sz="2400" dirty="0"/>
-          </a:p>
-          <a:p>
-            <a:pPr marL="457200" lvl="0" indent="-368300" rtl="0">
-              <a:spcBef>
-                <a:spcPts val="1000"/>
-              </a:spcBef>
-              <a:spcAft>
-                <a:spcPts val="0"/>
-              </a:spcAft>
-              <a:buSzPts val="2200"/>
-              <a:buChar char="•"/>
-            </a:pPr>
-            <a:r>
-              <a:rPr lang="nl-NL" sz="2400" dirty="0" err="1"/>
-              <a:t>Calculate</a:t>
-            </a:r>
-            <a:endParaRPr sz="2400" dirty="0"/>
-          </a:p>
-          <a:p>
-            <a:pPr marL="457200" lvl="0" indent="-368300" rtl="0">
-              <a:spcBef>
-                <a:spcPts val="1000"/>
-              </a:spcBef>
-              <a:spcAft>
-                <a:spcPts val="1000"/>
-              </a:spcAft>
-              <a:buSzPts val="2200"/>
-              <a:buChar char="•"/>
-            </a:pPr>
-            <a:r>
-              <a:rPr lang="nl-NL" sz="2400" dirty="0" err="1"/>
-              <a:t>Sensitivity</a:t>
-            </a:r>
-            <a:r>
-              <a:rPr lang="nl-NL" sz="2400" dirty="0"/>
-              <a:t> analyses</a:t>
-            </a:r>
-            <a:endParaRPr sz="2400" dirty="0"/>
-          </a:p>
-        </p:txBody>
-      </p:sp>
-      <p:sp>
-        <p:nvSpPr>
-          <p:cNvPr id="570" name="Shape 570"/>
-          <p:cNvSpPr txBox="1">
-            <a:spLocks noGrp="1"/>
-          </p:cNvSpPr>
-          <p:nvPr>
-            <p:ph type="sldNum" sz="quarter" idx="12"/>
-          </p:nvPr>
-        </p:nvSpPr>
-        <p:spPr>
-          <a:prstGeom prst="rect">
-            <a:avLst/>
-          </a:prstGeom>
-        </p:spPr>
-        <p:txBody>
-          <a:bodyPr spcFirstLastPara="1" wrap="square" lIns="0" tIns="0" rIns="0" bIns="0" anchor="ctr" anchorCtr="0">
-            <a:noAutofit/>
-          </a:bodyPr>
-          <a:lstStyle/>
-          <a:p>
-            <a:pPr marL="0" lvl="0" indent="0">
-              <a:spcBef>
-                <a:spcPts val="0"/>
-              </a:spcBef>
-              <a:spcAft>
-                <a:spcPts val="0"/>
-              </a:spcAft>
-              <a:buClr>
-                <a:srgbClr val="000000"/>
-              </a:buClr>
-              <a:buFont typeface="Arial"/>
-              <a:buNone/>
-            </a:pPr>
-            <a:fld id="{00000000-1234-1234-1234-123412341234}" type="slidenum">
-              <a:rPr lang="nl-NL"/>
-              <a:t>3</a:t>
-            </a:fld>
-            <a:endParaRPr/>
-          </a:p>
-        </p:txBody>
-      </p:sp>
-    </p:spTree>
-    <p:extLst>
-      <p:ext uri="{BB962C8B-B14F-4D97-AF65-F5344CB8AC3E}">
-        <p14:creationId xmlns:p14="http://schemas.microsoft.com/office/powerpoint/2010/main" val="1266459052"/>
-      </p:ext>
-    </p:extLst>
-  </p:cSld>
-  <p:clrMapOvr>
-    <a:masterClrMapping/>
-  </p:clrMapOvr>
-</p:sld>
-</file>
-
-<file path=ppt/slides/slide30.xml><?xml version="1.0" encoding="utf-8"?>
+<file path=ppt/slides/slide31.xml><?xml version="1.0" encoding="utf-8"?>
 <p:sld xmlns:a="http://schemas.openxmlformats.org/drawingml/2006/main" xmlns:r="http://schemas.openxmlformats.org/officeDocument/2006/relationships" xmlns:p="http://schemas.openxmlformats.org/presentationml/2006/main">
   <p:cSld>
     <p:spTree>
@@ -34413,7 +34572,7 @@
             </a:pPr>
             <a:fld id="{00000000-1234-1234-1234-123412341234}" type="slidenum">
               <a:rPr lang="nl-NL"/>
-              <a:t>30</a:t>
+              <a:t>31</a:t>
             </a:fld>
             <a:endParaRPr/>
           </a:p>
@@ -35344,7 +35503,7 @@
 </p:sld>
 </file>
 
-<file path=ppt/slides/slide31.xml><?xml version="1.0" encoding="utf-8"?>
+<file path=ppt/slides/slide32.xml><?xml version="1.0" encoding="utf-8"?>
 <p:sld xmlns:a="http://schemas.openxmlformats.org/drawingml/2006/main" xmlns:r="http://schemas.openxmlformats.org/officeDocument/2006/relationships" xmlns:p="http://schemas.openxmlformats.org/presentationml/2006/main">
   <p:cSld>
     <p:spTree>
@@ -35778,7 +35937,7 @@
             </a:pPr>
             <a:fld id="{00000000-1234-1234-1234-123412341234}" type="slidenum">
               <a:rPr lang="nl-NL"/>
-              <a:t>31</a:t>
+              <a:t>32</a:t>
             </a:fld>
             <a:endParaRPr/>
           </a:p>
@@ -36368,7 +36527,7 @@
 </p:sld>
 </file>
 
-<file path=ppt/slides/slide32.xml><?xml version="1.0" encoding="utf-8"?>
+<file path=ppt/slides/slide33.xml><?xml version="1.0" encoding="utf-8"?>
 <p:sld xmlns:a="http://schemas.openxmlformats.org/drawingml/2006/main" xmlns:r="http://schemas.openxmlformats.org/officeDocument/2006/relationships" xmlns:p="http://schemas.openxmlformats.org/presentationml/2006/main">
   <p:cSld>
     <p:spTree>
@@ -36597,7 +36756,7 @@
             </a:pPr>
             <a:fld id="{00000000-1234-1234-1234-123412341234}" type="slidenum">
               <a:rPr lang="nl-NL"/>
-              <a:t>32</a:t>
+              <a:t>33</a:t>
             </a:fld>
             <a:endParaRPr/>
           </a:p>
@@ -36980,7 +37139,7 @@
 </p:sld>
 </file>
 
-<file path=ppt/slides/slide33.xml><?xml version="1.0" encoding="utf-8"?>
+<file path=ppt/slides/slide34.xml><?xml version="1.0" encoding="utf-8"?>
 <p:sld xmlns:a="http://schemas.openxmlformats.org/drawingml/2006/main" xmlns:r="http://schemas.openxmlformats.org/officeDocument/2006/relationships" xmlns:p="http://schemas.openxmlformats.org/presentationml/2006/main">
   <p:cSld>
     <p:spTree>
@@ -37209,7 +37368,7 @@
             </a:pPr>
             <a:fld id="{00000000-1234-1234-1234-123412341234}" type="slidenum">
               <a:rPr lang="nl-NL"/>
-              <a:t>33</a:t>
+              <a:t>34</a:t>
             </a:fld>
             <a:endParaRPr/>
           </a:p>
@@ -37483,7 +37642,7 @@
 </p:sld>
 </file>
 
-<file path=ppt/slides/slide34.xml><?xml version="1.0" encoding="utf-8"?>
+<file path=ppt/slides/slide35.xml><?xml version="1.0" encoding="utf-8"?>
 <p:sld xmlns:a="http://schemas.openxmlformats.org/drawingml/2006/main" xmlns:r="http://schemas.openxmlformats.org/officeDocument/2006/relationships" xmlns:p="http://schemas.openxmlformats.org/presentationml/2006/main">
   <p:cSld>
     <p:spTree>
@@ -37579,7 +37738,7 @@
             </a:pPr>
             <a:fld id="{00000000-1234-1234-1234-123412341234}" type="slidenum">
               <a:rPr lang="nl-NL"/>
-              <a:t>34</a:t>
+              <a:t>35</a:t>
             </a:fld>
             <a:endParaRPr/>
           </a:p>
@@ -37598,7 +37757,7 @@
 </p:sld>
 </file>
 
-<file path=ppt/slides/slide35.xml><?xml version="1.0" encoding="utf-8"?>
+<file path=ppt/slides/slide36.xml><?xml version="1.0" encoding="utf-8"?>
 <p:sld xmlns:a="http://schemas.openxmlformats.org/drawingml/2006/main" xmlns:r="http://schemas.openxmlformats.org/officeDocument/2006/relationships" xmlns:p="http://schemas.openxmlformats.org/presentationml/2006/main">
   <p:cSld>
     <p:spTree>
@@ -37632,7 +37791,7 @@
           <a:p>
             <a:fld id="{6F6CFCF5-3E37-0F40-BEC2-1413134B0080}" type="slidenum">
               <a:rPr lang="en-US" smtClean="0"/>
-              <a:t>35</a:t>
+              <a:t>36</a:t>
             </a:fld>
             <a:endParaRPr lang="en-US"/>
           </a:p>
@@ -37651,7 +37810,7 @@
 </p:sld>
 </file>
 
-<file path=ppt/slides/slide36.xml><?xml version="1.0" encoding="utf-8"?>
+<file path=ppt/slides/slide37.xml><?xml version="1.0" encoding="utf-8"?>
 <p:sld xmlns:a="http://schemas.openxmlformats.org/drawingml/2006/main" xmlns:r="http://schemas.openxmlformats.org/officeDocument/2006/relationships" xmlns:p="http://schemas.openxmlformats.org/presentationml/2006/main">
   <p:cSld>
     <p:spTree>
@@ -37774,7 +37933,7 @@
             </a:pPr>
             <a:fld id="{00000000-1234-1234-1234-123412341234}" type="slidenum">
               <a:rPr lang="nl-NL"/>
-              <a:t>36</a:t>
+              <a:t>37</a:t>
             </a:fld>
             <a:endParaRPr/>
           </a:p>

--- a/Markov models/Slides/MarkovModelSlides.pptx
+++ b/Markov models/Slides/MarkovModelSlides.pptx
@@ -5,7 +5,7 @@
     <p:sldMasterId id="2147483690" r:id="rId1"/>
   </p:sldMasterIdLst>
   <p:notesMasterIdLst>
-    <p:notesMasterId r:id="rId39"/>
+    <p:notesMasterId r:id="rId32"/>
   </p:notesMasterIdLst>
   <p:sldIdLst>
     <p:sldId id="256" r:id="rId2"/>
@@ -22,29 +22,22 @@
     <p:sldId id="272" r:id="rId13"/>
     <p:sldId id="273" r:id="rId14"/>
     <p:sldId id="326" r:id="rId15"/>
-    <p:sldId id="347" r:id="rId16"/>
-    <p:sldId id="285" r:id="rId17"/>
-    <p:sldId id="286" r:id="rId18"/>
-    <p:sldId id="303" r:id="rId19"/>
-    <p:sldId id="318" r:id="rId20"/>
-    <p:sldId id="319" r:id="rId21"/>
-    <p:sldId id="320" r:id="rId22"/>
-    <p:sldId id="321" r:id="rId23"/>
-    <p:sldId id="288" r:id="rId24"/>
-    <p:sldId id="287" r:id="rId25"/>
-    <p:sldId id="323" r:id="rId26"/>
-    <p:sldId id="324" r:id="rId27"/>
-    <p:sldId id="325" r:id="rId28"/>
-    <p:sldId id="274" r:id="rId29"/>
-    <p:sldId id="275" r:id="rId30"/>
-    <p:sldId id="276" r:id="rId31"/>
-    <p:sldId id="280" r:id="rId32"/>
-    <p:sldId id="281" r:id="rId33"/>
-    <p:sldId id="282" r:id="rId34"/>
-    <p:sldId id="283" r:id="rId35"/>
-    <p:sldId id="284" r:id="rId36"/>
-    <p:sldId id="258" r:id="rId37"/>
-    <p:sldId id="346" r:id="rId38"/>
+    <p:sldId id="321" r:id="rId16"/>
+    <p:sldId id="288" r:id="rId17"/>
+    <p:sldId id="287" r:id="rId18"/>
+    <p:sldId id="323" r:id="rId19"/>
+    <p:sldId id="324" r:id="rId20"/>
+    <p:sldId id="325" r:id="rId21"/>
+    <p:sldId id="274" r:id="rId22"/>
+    <p:sldId id="275" r:id="rId23"/>
+    <p:sldId id="276" r:id="rId24"/>
+    <p:sldId id="280" r:id="rId25"/>
+    <p:sldId id="281" r:id="rId26"/>
+    <p:sldId id="282" r:id="rId27"/>
+    <p:sldId id="283" r:id="rId28"/>
+    <p:sldId id="284" r:id="rId29"/>
+    <p:sldId id="258" r:id="rId30"/>
+    <p:sldId id="346" r:id="rId31"/>
   </p:sldIdLst>
   <p:sldSz cx="9144000" cy="6858000" type="screen4x3"/>
   <p:notesSz cx="6858000" cy="9144000"/>
@@ -1021,115 +1014,6 @@
   <p:cSld>
     <p:spTree>
       <p:nvGrpSpPr>
-        <p:cNvPr id="1" name="Shape 598"/>
-        <p:cNvGrpSpPr/>
-        <p:nvPr/>
-      </p:nvGrpSpPr>
-      <p:grpSpPr>
-        <a:xfrm>
-          <a:off x="0" y="0"/>
-          <a:ext cx="0" cy="0"/>
-          <a:chOff x="0" y="0"/>
-          <a:chExt cx="0" cy="0"/>
-        </a:xfrm>
-      </p:grpSpPr>
-      <p:sp>
-        <p:nvSpPr>
-          <p:cNvPr id="599" name="Shape 599"/>
-          <p:cNvSpPr txBox="1">
-            <a:spLocks noGrp="1"/>
-          </p:cNvSpPr>
-          <p:nvPr>
-            <p:ph type="body" idx="1"/>
-          </p:nvPr>
-        </p:nvSpPr>
-        <p:spPr>
-          <a:xfrm>
-            <a:off x="685800" y="4343401"/>
-            <a:ext cx="5486400" cy="4114800"/>
-          </a:xfrm>
-          <a:prstGeom prst="rect">
-            <a:avLst/>
-          </a:prstGeom>
-        </p:spPr>
-        <p:txBody>
-          <a:bodyPr spcFirstLastPara="1" wrap="square" lIns="91425" tIns="91425" rIns="91425" bIns="91425" anchor="t" anchorCtr="0">
-            <a:noAutofit/>
-          </a:bodyPr>
-          <a:lstStyle/>
-          <a:p>
-            <a:pPr marL="0" lvl="0" indent="0" rtl="0">
-              <a:spcBef>
-                <a:spcPts val="0"/>
-              </a:spcBef>
-              <a:spcAft>
-                <a:spcPts val="0"/>
-              </a:spcAft>
-              <a:buNone/>
-            </a:pPr>
-            <a:endParaRPr/>
-          </a:p>
-        </p:txBody>
-      </p:sp>
-      <p:sp>
-        <p:nvSpPr>
-          <p:cNvPr id="600" name="Shape 600"/>
-          <p:cNvSpPr>
-            <a:spLocks noGrp="1" noRot="1" noChangeAspect="1"/>
-          </p:cNvSpPr>
-          <p:nvPr>
-            <p:ph type="sldImg" idx="2"/>
-          </p:nvPr>
-        </p:nvSpPr>
-        <p:spPr>
-          <a:xfrm>
-            <a:off x="1144588" y="684213"/>
-            <a:ext cx="4570412" cy="3429000"/>
-          </a:xfrm>
-          <a:custGeom>
-            <a:avLst/>
-            <a:gdLst/>
-            <a:ahLst/>
-            <a:cxnLst/>
-            <a:rect l="0" t="0" r="0" b="0"/>
-            <a:pathLst>
-              <a:path w="120000" h="120000" extrusionOk="0">
-                <a:moveTo>
-                  <a:pt x="0" y="0"/>
-                </a:moveTo>
-                <a:lnTo>
-                  <a:pt x="120000" y="0"/>
-                </a:lnTo>
-                <a:lnTo>
-                  <a:pt x="120000" y="120000"/>
-                </a:lnTo>
-                <a:lnTo>
-                  <a:pt x="0" y="120000"/>
-                </a:lnTo>
-                <a:close/>
-              </a:path>
-            </a:pathLst>
-          </a:custGeom>
-        </p:spPr>
-      </p:sp>
-    </p:spTree>
-    <p:extLst>
-      <p:ext uri="{BB962C8B-B14F-4D97-AF65-F5344CB8AC3E}">
-        <p14:creationId xmlns:p14="http://schemas.microsoft.com/office/powerpoint/2010/main" val="1834791176"/>
-      </p:ext>
-    </p:extLst>
-  </p:cSld>
-  <p:clrMapOvr>
-    <a:masterClrMapping/>
-  </p:clrMapOvr>
-</p:notes>
-</file>
-
-<file path=ppt/notesSlides/notesSlide15.xml><?xml version="1.0" encoding="utf-8"?>
-<p:notes xmlns:a="http://schemas.openxmlformats.org/drawingml/2006/main" xmlns:r="http://schemas.openxmlformats.org/officeDocument/2006/relationships" xmlns:p="http://schemas.openxmlformats.org/presentationml/2006/main" showMasterSp="0" showMasterPhAnim="0">
-  <p:cSld>
-    <p:spTree>
-      <p:nvGrpSpPr>
         <p:cNvPr id="1" name="Shape 843"/>
         <p:cNvGrpSpPr/>
         <p:nvPr/>
@@ -1238,7 +1122,7 @@
 </p:notes>
 </file>
 
-<file path=ppt/notesSlides/notesSlide16.xml><?xml version="1.0" encoding="utf-8"?>
+<file path=ppt/notesSlides/notesSlide15.xml><?xml version="1.0" encoding="utf-8"?>
 <p:notes xmlns:a="http://schemas.openxmlformats.org/drawingml/2006/main" xmlns:r="http://schemas.openxmlformats.org/officeDocument/2006/relationships" xmlns:p="http://schemas.openxmlformats.org/presentationml/2006/main" showMasterSp="0" showMasterPhAnim="0">
   <p:cSld>
     <p:spTree>
@@ -1387,7 +1271,7 @@
 </p:notes>
 </file>
 
-<file path=ppt/notesSlides/notesSlide17.xml><?xml version="1.0" encoding="utf-8"?>
+<file path=ppt/notesSlides/notesSlide16.xml><?xml version="1.0" encoding="utf-8"?>
 <p:notes xmlns:a="http://schemas.openxmlformats.org/drawingml/2006/main" xmlns:r="http://schemas.openxmlformats.org/officeDocument/2006/relationships" xmlns:p="http://schemas.openxmlformats.org/presentationml/2006/main" showMasterSp="0" showMasterPhAnim="0">
   <p:cSld>
     <p:spTree>
@@ -1500,7 +1384,7 @@
 </p:notes>
 </file>
 
-<file path=ppt/notesSlides/notesSlide18.xml><?xml version="1.0" encoding="utf-8"?>
+<file path=ppt/notesSlides/notesSlide17.xml><?xml version="1.0" encoding="utf-8"?>
 <p:notes xmlns:a="http://schemas.openxmlformats.org/drawingml/2006/main" xmlns:r="http://schemas.openxmlformats.org/officeDocument/2006/relationships" xmlns:p="http://schemas.openxmlformats.org/presentationml/2006/main" showMasterSp="0" showMasterPhAnim="0">
   <p:cSld>
     <p:spTree>
@@ -1633,7 +1517,7 @@
 </p:notes>
 </file>
 
-<file path=ppt/notesSlides/notesSlide19.xml><?xml version="1.0" encoding="utf-8"?>
+<file path=ppt/notesSlides/notesSlide18.xml><?xml version="1.0" encoding="utf-8"?>
 <p:notes xmlns:a="http://schemas.openxmlformats.org/drawingml/2006/main" xmlns:r="http://schemas.openxmlformats.org/officeDocument/2006/relationships" xmlns:p="http://schemas.openxmlformats.org/presentationml/2006/main" showMasterSp="0" showMasterPhAnim="0">
   <p:cSld>
     <p:spTree>
@@ -1737,6 +1621,161 @@
     <p:extLst>
       <p:ext uri="{BB962C8B-B14F-4D97-AF65-F5344CB8AC3E}">
         <p14:creationId xmlns:p14="http://schemas.microsoft.com/office/powerpoint/2010/main" val="1675053359"/>
+      </p:ext>
+    </p:extLst>
+  </p:cSld>
+  <p:clrMapOvr>
+    <a:masterClrMapping/>
+  </p:clrMapOvr>
+</p:notes>
+</file>
+
+<file path=ppt/notesSlides/notesSlide19.xml><?xml version="1.0" encoding="utf-8"?>
+<p:notes xmlns:a="http://schemas.openxmlformats.org/drawingml/2006/main" xmlns:r="http://schemas.openxmlformats.org/officeDocument/2006/relationships" xmlns:p="http://schemas.openxmlformats.org/presentationml/2006/main" showMasterSp="0" showMasterPhAnim="0">
+  <p:cSld>
+    <p:spTree>
+      <p:nvGrpSpPr>
+        <p:cNvPr id="1" name="Shape 908"/>
+        <p:cNvGrpSpPr/>
+        <p:nvPr/>
+      </p:nvGrpSpPr>
+      <p:grpSpPr>
+        <a:xfrm>
+          <a:off x="0" y="0"/>
+          <a:ext cx="0" cy="0"/>
+          <a:chOff x="0" y="0"/>
+          <a:chExt cx="0" cy="0"/>
+        </a:xfrm>
+      </p:grpSpPr>
+      <p:sp>
+        <p:nvSpPr>
+          <p:cNvPr id="909" name="Shape 909"/>
+          <p:cNvSpPr>
+            <a:spLocks noGrp="1" noRot="1" noChangeAspect="1"/>
+          </p:cNvSpPr>
+          <p:nvPr>
+            <p:ph type="sldImg" idx="2"/>
+          </p:nvPr>
+        </p:nvSpPr>
+        <p:spPr>
+          <a:xfrm>
+            <a:off x="1143000" y="685800"/>
+            <a:ext cx="4572000" cy="3429000"/>
+          </a:xfrm>
+          <a:custGeom>
+            <a:avLst/>
+            <a:gdLst/>
+            <a:ahLst/>
+            <a:cxnLst/>
+            <a:rect l="0" t="0" r="0" b="0"/>
+            <a:pathLst>
+              <a:path w="120000" h="120000" extrusionOk="0">
+                <a:moveTo>
+                  <a:pt x="0" y="0"/>
+                </a:moveTo>
+                <a:lnTo>
+                  <a:pt x="120000" y="0"/>
+                </a:lnTo>
+                <a:lnTo>
+                  <a:pt x="120000" y="120000"/>
+                </a:lnTo>
+                <a:lnTo>
+                  <a:pt x="0" y="120000"/>
+                </a:lnTo>
+                <a:close/>
+              </a:path>
+            </a:pathLst>
+          </a:custGeom>
+        </p:spPr>
+      </p:sp>
+      <p:sp>
+        <p:nvSpPr>
+          <p:cNvPr id="910" name="Shape 910"/>
+          <p:cNvSpPr txBox="1">
+            <a:spLocks noGrp="1"/>
+          </p:cNvSpPr>
+          <p:nvPr>
+            <p:ph type="body" idx="1"/>
+          </p:nvPr>
+        </p:nvSpPr>
+        <p:spPr>
+          <a:xfrm>
+            <a:off x="685800" y="4343400"/>
+            <a:ext cx="5486400" cy="4114800"/>
+          </a:xfrm>
+          <a:prstGeom prst="rect">
+            <a:avLst/>
+          </a:prstGeom>
+          <a:noFill/>
+          <a:ln>
+            <a:noFill/>
+          </a:ln>
+        </p:spPr>
+        <p:txBody>
+          <a:bodyPr spcFirstLastPara="1" wrap="square" lIns="91425" tIns="91425" rIns="91425" bIns="91425" anchor="ctr" anchorCtr="0">
+            <a:noAutofit/>
+          </a:bodyPr>
+          <a:lstStyle/>
+          <a:p>
+            <a:pPr marL="0" lvl="0" indent="0">
+              <a:spcBef>
+                <a:spcPts val="0"/>
+              </a:spcBef>
+              <a:spcAft>
+                <a:spcPts val="0"/>
+              </a:spcAft>
+              <a:buClr>
+                <a:schemeClr val="dk1"/>
+              </a:buClr>
+              <a:buSzPts val="1100"/>
+              <a:buFont typeface="Arial"/>
+              <a:buNone/>
+            </a:pPr>
+            <a:r>
+              <a:rPr lang="nl-NL">
+                <a:solidFill>
+                  <a:schemeClr val="dk1"/>
+                </a:solidFill>
+              </a:rPr>
+              <a:t>M(tx3) e(3x1) = t * 1</a:t>
+            </a:r>
+            <a:endParaRPr>
+              <a:solidFill>
+                <a:schemeClr val="dk1"/>
+              </a:solidFill>
+            </a:endParaRPr>
+          </a:p>
+          <a:p>
+            <a:pPr marL="0" lvl="0" indent="0" rtl="0">
+              <a:spcBef>
+                <a:spcPts val="0"/>
+              </a:spcBef>
+              <a:spcAft>
+                <a:spcPts val="0"/>
+              </a:spcAft>
+              <a:buClr>
+                <a:schemeClr val="dk1"/>
+              </a:buClr>
+              <a:buSzPts val="1100"/>
+              <a:buFont typeface="Arial"/>
+              <a:buNone/>
+            </a:pPr>
+            <a:r>
+              <a:rPr lang="nl-NL">
+                <a:solidFill>
+                  <a:schemeClr val="dk1"/>
+                </a:solidFill>
+              </a:rPr>
+              <a:t>(n x m) (m x p) = (n x p)</a:t>
+            </a:r>
+            <a:endParaRPr/>
+          </a:p>
+        </p:txBody>
+      </p:sp>
+    </p:spTree>
+    <p:extLst>
+      <p:ext uri="{BB962C8B-B14F-4D97-AF65-F5344CB8AC3E}">
+        <p14:creationId xmlns:p14="http://schemas.microsoft.com/office/powerpoint/2010/main" val="1856802380"/>
       </p:ext>
     </p:extLst>
   </p:cSld>
@@ -1864,161 +1903,6 @@
   <p:cSld>
     <p:spTree>
       <p:nvGrpSpPr>
-        <p:cNvPr id="1" name="Shape 908"/>
-        <p:cNvGrpSpPr/>
-        <p:nvPr/>
-      </p:nvGrpSpPr>
-      <p:grpSpPr>
-        <a:xfrm>
-          <a:off x="0" y="0"/>
-          <a:ext cx="0" cy="0"/>
-          <a:chOff x="0" y="0"/>
-          <a:chExt cx="0" cy="0"/>
-        </a:xfrm>
-      </p:grpSpPr>
-      <p:sp>
-        <p:nvSpPr>
-          <p:cNvPr id="909" name="Shape 909"/>
-          <p:cNvSpPr>
-            <a:spLocks noGrp="1" noRot="1" noChangeAspect="1"/>
-          </p:cNvSpPr>
-          <p:nvPr>
-            <p:ph type="sldImg" idx="2"/>
-          </p:nvPr>
-        </p:nvSpPr>
-        <p:spPr>
-          <a:xfrm>
-            <a:off x="1143000" y="685800"/>
-            <a:ext cx="4572000" cy="3429000"/>
-          </a:xfrm>
-          <a:custGeom>
-            <a:avLst/>
-            <a:gdLst/>
-            <a:ahLst/>
-            <a:cxnLst/>
-            <a:rect l="0" t="0" r="0" b="0"/>
-            <a:pathLst>
-              <a:path w="120000" h="120000" extrusionOk="0">
-                <a:moveTo>
-                  <a:pt x="0" y="0"/>
-                </a:moveTo>
-                <a:lnTo>
-                  <a:pt x="120000" y="0"/>
-                </a:lnTo>
-                <a:lnTo>
-                  <a:pt x="120000" y="120000"/>
-                </a:lnTo>
-                <a:lnTo>
-                  <a:pt x="0" y="120000"/>
-                </a:lnTo>
-                <a:close/>
-              </a:path>
-            </a:pathLst>
-          </a:custGeom>
-        </p:spPr>
-      </p:sp>
-      <p:sp>
-        <p:nvSpPr>
-          <p:cNvPr id="910" name="Shape 910"/>
-          <p:cNvSpPr txBox="1">
-            <a:spLocks noGrp="1"/>
-          </p:cNvSpPr>
-          <p:nvPr>
-            <p:ph type="body" idx="1"/>
-          </p:nvPr>
-        </p:nvSpPr>
-        <p:spPr>
-          <a:xfrm>
-            <a:off x="685800" y="4343400"/>
-            <a:ext cx="5486400" cy="4114800"/>
-          </a:xfrm>
-          <a:prstGeom prst="rect">
-            <a:avLst/>
-          </a:prstGeom>
-          <a:noFill/>
-          <a:ln>
-            <a:noFill/>
-          </a:ln>
-        </p:spPr>
-        <p:txBody>
-          <a:bodyPr spcFirstLastPara="1" wrap="square" lIns="91425" tIns="91425" rIns="91425" bIns="91425" anchor="ctr" anchorCtr="0">
-            <a:noAutofit/>
-          </a:bodyPr>
-          <a:lstStyle/>
-          <a:p>
-            <a:pPr marL="0" lvl="0" indent="0">
-              <a:spcBef>
-                <a:spcPts val="0"/>
-              </a:spcBef>
-              <a:spcAft>
-                <a:spcPts val="0"/>
-              </a:spcAft>
-              <a:buClr>
-                <a:schemeClr val="dk1"/>
-              </a:buClr>
-              <a:buSzPts val="1100"/>
-              <a:buFont typeface="Arial"/>
-              <a:buNone/>
-            </a:pPr>
-            <a:r>
-              <a:rPr lang="nl-NL">
-                <a:solidFill>
-                  <a:schemeClr val="dk1"/>
-                </a:solidFill>
-              </a:rPr>
-              <a:t>M(tx3) e(3x1) = t * 1</a:t>
-            </a:r>
-            <a:endParaRPr>
-              <a:solidFill>
-                <a:schemeClr val="dk1"/>
-              </a:solidFill>
-            </a:endParaRPr>
-          </a:p>
-          <a:p>
-            <a:pPr marL="0" lvl="0" indent="0" rtl="0">
-              <a:spcBef>
-                <a:spcPts val="0"/>
-              </a:spcBef>
-              <a:spcAft>
-                <a:spcPts val="0"/>
-              </a:spcAft>
-              <a:buClr>
-                <a:schemeClr val="dk1"/>
-              </a:buClr>
-              <a:buSzPts val="1100"/>
-              <a:buFont typeface="Arial"/>
-              <a:buNone/>
-            </a:pPr>
-            <a:r>
-              <a:rPr lang="nl-NL">
-                <a:solidFill>
-                  <a:schemeClr val="dk1"/>
-                </a:solidFill>
-              </a:rPr>
-              <a:t>(n x m) (m x p) = (n x p)</a:t>
-            </a:r>
-            <a:endParaRPr/>
-          </a:p>
-        </p:txBody>
-      </p:sp>
-    </p:spTree>
-    <p:extLst>
-      <p:ext uri="{BB962C8B-B14F-4D97-AF65-F5344CB8AC3E}">
-        <p14:creationId xmlns:p14="http://schemas.microsoft.com/office/powerpoint/2010/main" val="1856802380"/>
-      </p:ext>
-    </p:extLst>
-  </p:cSld>
-  <p:clrMapOvr>
-    <a:masterClrMapping/>
-  </p:clrMapOvr>
-</p:notes>
-</file>
-
-<file path=ppt/notesSlides/notesSlide21.xml><?xml version="1.0" encoding="utf-8"?>
-<p:notes xmlns:a="http://schemas.openxmlformats.org/drawingml/2006/main" xmlns:r="http://schemas.openxmlformats.org/officeDocument/2006/relationships" xmlns:p="http://schemas.openxmlformats.org/presentationml/2006/main" showMasterSp="0" showMasterPhAnim="0">
-  <p:cSld>
-    <p:spTree>
-      <p:nvGrpSpPr>
         <p:cNvPr id="1" name="Shape 918"/>
         <p:cNvGrpSpPr/>
         <p:nvPr/>
@@ -2169,7 +2053,7 @@
 </p:notes>
 </file>
 
-<file path=ppt/notesSlides/notesSlide22.xml><?xml version="1.0" encoding="utf-8"?>
+<file path=ppt/notesSlides/notesSlide21.xml><?xml version="1.0" encoding="utf-8"?>
 <p:notes xmlns:a="http://schemas.openxmlformats.org/drawingml/2006/main" xmlns:r="http://schemas.openxmlformats.org/officeDocument/2006/relationships" xmlns:p="http://schemas.openxmlformats.org/presentationml/2006/main" showMasterSp="0" showMasterPhAnim="0">
   <p:cSld>
     <p:spTree>
@@ -2318,7 +2202,7 @@
 </p:notes>
 </file>
 
-<file path=ppt/notesSlides/notesSlide23.xml><?xml version="1.0" encoding="utf-8"?>
+<file path=ppt/notesSlides/notesSlide22.xml><?xml version="1.0" encoding="utf-8"?>
 <p:notes xmlns:a="http://schemas.openxmlformats.org/drawingml/2006/main" xmlns:r="http://schemas.openxmlformats.org/officeDocument/2006/relationships" xmlns:p="http://schemas.openxmlformats.org/presentationml/2006/main" showMasterSp="0" showMasterPhAnim="0">
   <p:cSld>
     <p:spTree>
@@ -23616,4243 +23500,7 @@
 </file>
 
 <file path=ppt/slides/slide15.xml><?xml version="1.0" encoding="utf-8"?>
-<p:sld xmlns:a="http://schemas.openxmlformats.org/drawingml/2006/main" xmlns:r="http://schemas.openxmlformats.org/officeDocument/2006/relationships" xmlns:p="http://schemas.openxmlformats.org/presentationml/2006/main">
-  <p:cSld>
-    <p:spTree>
-      <p:nvGrpSpPr>
-        <p:cNvPr id="1" name=""/>
-        <p:cNvGrpSpPr/>
-        <p:nvPr/>
-      </p:nvGrpSpPr>
-      <p:grpSpPr>
-        <a:xfrm>
-          <a:off x="0" y="0"/>
-          <a:ext cx="0" cy="0"/>
-          <a:chOff x="0" y="0"/>
-          <a:chExt cx="0" cy="0"/>
-        </a:xfrm>
-      </p:grpSpPr>
-      <p:sp>
-        <p:nvSpPr>
-          <p:cNvPr id="2" name="Title 1">
-            <a:extLst>
-              <a:ext uri="{FF2B5EF4-FFF2-40B4-BE49-F238E27FC236}">
-                <a16:creationId xmlns:a16="http://schemas.microsoft.com/office/drawing/2014/main" id="{BEEDBEAB-9E55-7C40-93B8-B72726FF1741}"/>
-              </a:ext>
-            </a:extLst>
-          </p:cNvPr>
-          <p:cNvSpPr>
-            <a:spLocks noGrp="1"/>
-          </p:cNvSpPr>
-          <p:nvPr>
-            <p:ph type="title"/>
-          </p:nvPr>
-        </p:nvSpPr>
-        <p:spPr/>
-        <p:txBody>
-          <a:bodyPr/>
-          <a:lstStyle/>
-          <a:p>
-            <a:r>
-              <a:rPr lang="en-US" dirty="0"/>
-              <a:t>Time-dependency</a:t>
-            </a:r>
-          </a:p>
-        </p:txBody>
-      </p:sp>
-      <p:sp>
-        <p:nvSpPr>
-          <p:cNvPr id="3" name="Content Placeholder 2">
-            <a:extLst>
-              <a:ext uri="{FF2B5EF4-FFF2-40B4-BE49-F238E27FC236}">
-                <a16:creationId xmlns:a16="http://schemas.microsoft.com/office/drawing/2014/main" id="{1E7477C6-5987-F24E-B21A-5F1BD6165A46}"/>
-              </a:ext>
-            </a:extLst>
-          </p:cNvPr>
-          <p:cNvSpPr>
-            <a:spLocks noGrp="1"/>
-          </p:cNvSpPr>
-          <p:nvPr>
-            <p:ph idx="1"/>
-          </p:nvPr>
-        </p:nvSpPr>
-        <p:spPr/>
-        <p:txBody>
-          <a:bodyPr/>
-          <a:lstStyle/>
-          <a:p>
-            <a:r>
-              <a:rPr lang="en-US" dirty="0"/>
-              <a:t>Since start of the model </a:t>
-            </a:r>
-          </a:p>
-          <a:p>
-            <a:pPr lvl="1"/>
-            <a:r>
-              <a:rPr lang="en-US" dirty="0"/>
-              <a:t>The age of the cohort is increasing over time </a:t>
-            </a:r>
-          </a:p>
-          <a:p>
-            <a:pPr marL="411480" lvl="1" indent="0">
-              <a:buNone/>
-            </a:pPr>
-            <a:endParaRPr lang="en-US" dirty="0"/>
-          </a:p>
-          <a:p>
-            <a:r>
-              <a:rPr lang="en-US" dirty="0"/>
-              <a:t>Depending on state residency </a:t>
-            </a:r>
-          </a:p>
-          <a:p>
-            <a:pPr lvl="1"/>
-            <a:r>
-              <a:rPr lang="en-US" dirty="0" err="1"/>
-              <a:t>TheLength</a:t>
-            </a:r>
-            <a:r>
-              <a:rPr lang="en-US" dirty="0"/>
-              <a:t> of being sick </a:t>
-            </a:r>
-          </a:p>
-          <a:p>
-            <a:endParaRPr lang="en-US" dirty="0"/>
-          </a:p>
-        </p:txBody>
-      </p:sp>
-    </p:spTree>
-    <p:extLst>
-      <p:ext uri="{BB962C8B-B14F-4D97-AF65-F5344CB8AC3E}">
-        <p14:creationId xmlns:p14="http://schemas.microsoft.com/office/powerpoint/2010/main" val="371257505"/>
-      </p:ext>
-    </p:extLst>
-  </p:cSld>
-  <p:clrMapOvr>
-    <a:masterClrMapping/>
-  </p:clrMapOvr>
-</p:sld>
-</file>
-
-<file path=ppt/slides/slide16.xml><?xml version="1.0" encoding="utf-8"?>
-<p:sld xmlns:a="http://schemas.openxmlformats.org/drawingml/2006/main" xmlns:r="http://schemas.openxmlformats.org/officeDocument/2006/relationships" xmlns:p="http://schemas.openxmlformats.org/presentationml/2006/main">
-  <p:cSld>
-    <p:spTree>
-      <p:nvGrpSpPr>
-        <p:cNvPr id="1" name=""/>
-        <p:cNvGrpSpPr/>
-        <p:nvPr/>
-      </p:nvGrpSpPr>
-      <p:grpSpPr>
-        <a:xfrm>
-          <a:off x="0" y="0"/>
-          <a:ext cx="0" cy="0"/>
-          <a:chOff x="0" y="0"/>
-          <a:chExt cx="0" cy="0"/>
-        </a:xfrm>
-      </p:grpSpPr>
-      <p:sp>
-        <p:nvSpPr>
-          <p:cNvPr id="2" name="Title 1"/>
-          <p:cNvSpPr>
-            <a:spLocks noGrp="1"/>
-          </p:cNvSpPr>
-          <p:nvPr>
-            <p:ph type="title"/>
-          </p:nvPr>
-        </p:nvSpPr>
-        <p:spPr/>
-        <p:txBody>
-          <a:bodyPr/>
-          <a:lstStyle/>
-          <a:p>
-            <a:r>
-              <a:rPr lang="en-US" dirty="0"/>
-              <a:t>Time-dependency since model start</a:t>
-            </a:r>
-          </a:p>
-        </p:txBody>
-      </p:sp>
-      <p:sp>
-        <p:nvSpPr>
-          <p:cNvPr id="3" name="Content Placeholder 2"/>
-          <p:cNvSpPr>
-            <a:spLocks noGrp="1"/>
-          </p:cNvSpPr>
-          <p:nvPr>
-            <p:ph idx="1"/>
-          </p:nvPr>
-        </p:nvSpPr>
-        <p:spPr/>
-        <p:txBody>
-          <a:bodyPr>
-            <a:normAutofit/>
-          </a:bodyPr>
-          <a:lstStyle/>
-          <a:p>
-            <a:r>
-              <a:rPr lang="en-US" sz="2400" dirty="0"/>
-              <a:t>Markov models are typically run as cohorts with a single start age (may represent a narrow age range)</a:t>
-            </a:r>
-          </a:p>
-          <a:p>
-            <a:r>
-              <a:rPr lang="en-US" sz="2400" dirty="0"/>
-              <a:t>Transition probabilities often depend on age</a:t>
-            </a:r>
-          </a:p>
-          <a:p>
-            <a:pPr lvl="1"/>
-            <a:r>
-              <a:rPr lang="en-US" sz="2400" dirty="0"/>
-              <a:t>Background mortality</a:t>
-            </a:r>
-          </a:p>
-          <a:p>
-            <a:pPr lvl="1"/>
-            <a:r>
-              <a:rPr lang="en-US" sz="2400" dirty="0"/>
-              <a:t>Risk of developing disease or experiencing an event</a:t>
-            </a:r>
-          </a:p>
-          <a:p>
-            <a:r>
-              <a:rPr lang="en-US" sz="2400" dirty="0"/>
-              <a:t>In other words, matrix A is not the same every cycle</a:t>
-            </a:r>
-          </a:p>
-          <a:p>
-            <a:r>
-              <a:rPr lang="en-US" sz="2400" dirty="0"/>
-              <a:t>Replace matrix A with matrices A</a:t>
-            </a:r>
-            <a:r>
-              <a:rPr lang="en-US" sz="2400" baseline="-25000" dirty="0"/>
-              <a:t>t</a:t>
-            </a:r>
-            <a:r>
-              <a:rPr lang="en-US" sz="2400" dirty="0"/>
-              <a:t>, where t is a proxy for age</a:t>
-            </a:r>
-          </a:p>
-        </p:txBody>
-      </p:sp>
-      <p:sp>
-        <p:nvSpPr>
-          <p:cNvPr id="4" name="Slide Number Placeholder 28">
-            <a:extLst>
-              <a:ext uri="{FF2B5EF4-FFF2-40B4-BE49-F238E27FC236}">
-                <a16:creationId xmlns:a16="http://schemas.microsoft.com/office/drawing/2014/main" id="{76AAEDF7-DC6A-774F-B72F-D7FEFFFCD4BC}"/>
-              </a:ext>
-            </a:extLst>
-          </p:cNvPr>
-          <p:cNvSpPr>
-            <a:spLocks noGrp="1"/>
-          </p:cNvSpPr>
-          <p:nvPr>
-            <p:ph type="sldNum" sz="quarter" idx="12"/>
-          </p:nvPr>
-        </p:nvSpPr>
-        <p:spPr>
-          <a:xfrm>
-            <a:off x="8559864" y="6485420"/>
-            <a:ext cx="548640" cy="396240"/>
-          </a:xfrm>
-        </p:spPr>
-        <p:txBody>
-          <a:bodyPr/>
-          <a:lstStyle>
-            <a:lvl1pPr eaLnBrk="0" hangingPunct="0">
-              <a:defRPr>
-                <a:solidFill>
-                  <a:schemeClr val="tx1"/>
-                </a:solidFill>
-                <a:latin typeface="Arial" panose="020B0604020202020204" pitchFamily="34" charset="0"/>
-              </a:defRPr>
-            </a:lvl1pPr>
-            <a:lvl2pPr marL="742950" indent="-285750" eaLnBrk="0" hangingPunct="0">
-              <a:defRPr>
-                <a:solidFill>
-                  <a:schemeClr val="tx1"/>
-                </a:solidFill>
-                <a:latin typeface="Arial" panose="020B0604020202020204" pitchFamily="34" charset="0"/>
-              </a:defRPr>
-            </a:lvl2pPr>
-            <a:lvl3pPr marL="1143000" indent="-228600" eaLnBrk="0" hangingPunct="0">
-              <a:defRPr>
-                <a:solidFill>
-                  <a:schemeClr val="tx1"/>
-                </a:solidFill>
-                <a:latin typeface="Arial" panose="020B0604020202020204" pitchFamily="34" charset="0"/>
-              </a:defRPr>
-            </a:lvl3pPr>
-            <a:lvl4pPr marL="1600200" indent="-228600" eaLnBrk="0" hangingPunct="0">
-              <a:defRPr>
-                <a:solidFill>
-                  <a:schemeClr val="tx1"/>
-                </a:solidFill>
-                <a:latin typeface="Arial" panose="020B0604020202020204" pitchFamily="34" charset="0"/>
-              </a:defRPr>
-            </a:lvl4pPr>
-            <a:lvl5pPr marL="2057400" indent="-228600" eaLnBrk="0" hangingPunct="0">
-              <a:defRPr>
-                <a:solidFill>
-                  <a:schemeClr val="tx1"/>
-                </a:solidFill>
-                <a:latin typeface="Arial" panose="020B0604020202020204" pitchFamily="34" charset="0"/>
-              </a:defRPr>
-            </a:lvl5pPr>
-            <a:lvl6pPr marL="2514600" indent="-228600" eaLnBrk="0" fontAlgn="base" hangingPunct="0">
-              <a:spcBef>
-                <a:spcPct val="0"/>
-              </a:spcBef>
-              <a:spcAft>
-                <a:spcPct val="0"/>
-              </a:spcAft>
-              <a:defRPr>
-                <a:solidFill>
-                  <a:schemeClr val="tx1"/>
-                </a:solidFill>
-                <a:latin typeface="Arial" panose="020B0604020202020204" pitchFamily="34" charset="0"/>
-              </a:defRPr>
-            </a:lvl6pPr>
-            <a:lvl7pPr marL="2971800" indent="-228600" eaLnBrk="0" fontAlgn="base" hangingPunct="0">
-              <a:spcBef>
-                <a:spcPct val="0"/>
-              </a:spcBef>
-              <a:spcAft>
-                <a:spcPct val="0"/>
-              </a:spcAft>
-              <a:defRPr>
-                <a:solidFill>
-                  <a:schemeClr val="tx1"/>
-                </a:solidFill>
-                <a:latin typeface="Arial" panose="020B0604020202020204" pitchFamily="34" charset="0"/>
-              </a:defRPr>
-            </a:lvl7pPr>
-            <a:lvl8pPr marL="3429000" indent="-228600" eaLnBrk="0" fontAlgn="base" hangingPunct="0">
-              <a:spcBef>
-                <a:spcPct val="0"/>
-              </a:spcBef>
-              <a:spcAft>
-                <a:spcPct val="0"/>
-              </a:spcAft>
-              <a:defRPr>
-                <a:solidFill>
-                  <a:schemeClr val="tx1"/>
-                </a:solidFill>
-                <a:latin typeface="Arial" panose="020B0604020202020204" pitchFamily="34" charset="0"/>
-              </a:defRPr>
-            </a:lvl8pPr>
-            <a:lvl9pPr marL="3886200" indent="-228600" eaLnBrk="0" fontAlgn="base" hangingPunct="0">
-              <a:spcBef>
-                <a:spcPct val="0"/>
-              </a:spcBef>
-              <a:spcAft>
-                <a:spcPct val="0"/>
-              </a:spcAft>
-              <a:defRPr>
-                <a:solidFill>
-                  <a:schemeClr val="tx1"/>
-                </a:solidFill>
-                <a:latin typeface="Arial" panose="020B0604020202020204" pitchFamily="34" charset="0"/>
-              </a:defRPr>
-            </a:lvl9pPr>
-          </a:lstStyle>
-          <a:p>
-            <a:pPr eaLnBrk="1" hangingPunct="1"/>
-            <a:fld id="{3F7E73E1-F280-4386-87FD-01754258053D}" type="slidenum">
-              <a:rPr lang="en-US">
-                <a:solidFill>
-                  <a:schemeClr val="accent1"/>
-                </a:solidFill>
-              </a:rPr>
-              <a:pPr eaLnBrk="1" hangingPunct="1"/>
-              <a:t>16</a:t>
-            </a:fld>
-            <a:endParaRPr lang="en-US" dirty="0">
-              <a:solidFill>
-                <a:schemeClr val="accent1"/>
-              </a:solidFill>
-            </a:endParaRPr>
-          </a:p>
-        </p:txBody>
-      </p:sp>
-    </p:spTree>
-    <p:extLst>
-      <p:ext uri="{BB962C8B-B14F-4D97-AF65-F5344CB8AC3E}">
-        <p14:creationId xmlns:p14="http://schemas.microsoft.com/office/powerpoint/2010/main" val="1597613956"/>
-      </p:ext>
-    </p:extLst>
-  </p:cSld>
-  <p:clrMapOvr>
-    <a:masterClrMapping/>
-  </p:clrMapOvr>
-</p:sld>
-</file>
-
-<file path=ppt/slides/slide17.xml><?xml version="1.0" encoding="utf-8"?>
-<p:sld xmlns:a="http://schemas.openxmlformats.org/drawingml/2006/main" xmlns:r="http://schemas.openxmlformats.org/officeDocument/2006/relationships" xmlns:p="http://schemas.openxmlformats.org/presentationml/2006/main">
-  <p:cSld>
-    <p:spTree>
-      <p:nvGrpSpPr>
-        <p:cNvPr id="1" name=""/>
-        <p:cNvGrpSpPr/>
-        <p:nvPr/>
-      </p:nvGrpSpPr>
-      <p:grpSpPr>
-        <a:xfrm>
-          <a:off x="0" y="0"/>
-          <a:ext cx="0" cy="0"/>
-          <a:chOff x="0" y="0"/>
-          <a:chExt cx="0" cy="0"/>
-        </a:xfrm>
-      </p:grpSpPr>
-      <p:sp>
-        <p:nvSpPr>
-          <p:cNvPr id="2" name="Title 1"/>
-          <p:cNvSpPr>
-            <a:spLocks noGrp="1"/>
-          </p:cNvSpPr>
-          <p:nvPr>
-            <p:ph type="title"/>
-          </p:nvPr>
-        </p:nvSpPr>
-        <p:spPr/>
-        <p:txBody>
-          <a:bodyPr/>
-          <a:lstStyle/>
-          <a:p>
-            <a:r>
-              <a:rPr lang="en-US" dirty="0"/>
-              <a:t>Time-Dependent Probabilities</a:t>
-            </a:r>
-          </a:p>
-        </p:txBody>
-      </p:sp>
-      <p:sp>
-        <p:nvSpPr>
-          <p:cNvPr id="3" name="Content Placeholder 2"/>
-          <p:cNvSpPr>
-            <a:spLocks noGrp="1"/>
-          </p:cNvSpPr>
-          <p:nvPr>
-            <p:ph idx="1"/>
-          </p:nvPr>
-        </p:nvSpPr>
-        <p:spPr/>
-        <p:txBody>
-          <a:bodyPr/>
-          <a:lstStyle/>
-          <a:p>
-            <a:r>
-              <a:rPr lang="en-US" dirty="0"/>
-              <a:t>Some transition probabilities depend on time since an event, not age</a:t>
-            </a:r>
-          </a:p>
-          <a:p>
-            <a:pPr lvl="1"/>
-            <a:r>
-              <a:rPr lang="en-US" dirty="0"/>
-              <a:t>E.g., The risk of developing recurrence among newly diagnosed cancer patients declines with time</a:t>
-            </a:r>
-          </a:p>
-          <a:p>
-            <a:r>
-              <a:rPr lang="en-US" dirty="0"/>
-              <a:t>The matrix A can be replaced with A</a:t>
-            </a:r>
-            <a:r>
-              <a:rPr lang="en-US" baseline="-25000" dirty="0"/>
-              <a:t>t</a:t>
-            </a:r>
-            <a:r>
-              <a:rPr lang="en-US" dirty="0"/>
-              <a:t> as long as the time-dependent risk pertains to the starting cohort</a:t>
-            </a:r>
-          </a:p>
-          <a:p>
-            <a:pPr lvl="1"/>
-            <a:r>
-              <a:rPr lang="en-US" dirty="0"/>
-              <a:t>E.g., Cohort of newly diagnosed cancer patients</a:t>
-            </a:r>
-          </a:p>
-          <a:p>
-            <a:r>
-              <a:rPr lang="en-US" dirty="0"/>
-              <a:t>Replacing A with A</a:t>
-            </a:r>
-            <a:r>
-              <a:rPr lang="en-US" baseline="-25000" dirty="0"/>
-              <a:t>t</a:t>
-            </a:r>
-            <a:r>
-              <a:rPr lang="en-US" dirty="0"/>
-              <a:t> does not work otherwise</a:t>
-            </a:r>
-          </a:p>
-          <a:p>
-            <a:pPr lvl="1"/>
-            <a:r>
-              <a:rPr lang="en-US" dirty="0"/>
-              <a:t>E.g., Cohort of healthy patients at risk for cancer, but once cancer is diagnosed the risk of recurrence depends on time since diagnosis</a:t>
-            </a:r>
-          </a:p>
-          <a:p>
-            <a:pPr lvl="1"/>
-            <a:r>
-              <a:rPr lang="en-US" dirty="0"/>
-              <a:t>Requires “tunnel” states</a:t>
-            </a:r>
-          </a:p>
-        </p:txBody>
-      </p:sp>
-      <p:sp>
-        <p:nvSpPr>
-          <p:cNvPr id="4" name="Slide Number Placeholder 28">
-            <a:extLst>
-              <a:ext uri="{FF2B5EF4-FFF2-40B4-BE49-F238E27FC236}">
-                <a16:creationId xmlns:a16="http://schemas.microsoft.com/office/drawing/2014/main" id="{8B97FA58-4FD4-E74A-9205-9548154ECCF6}"/>
-              </a:ext>
-            </a:extLst>
-          </p:cNvPr>
-          <p:cNvSpPr>
-            <a:spLocks noGrp="1"/>
-          </p:cNvSpPr>
-          <p:nvPr>
-            <p:ph type="sldNum" sz="quarter" idx="12"/>
-          </p:nvPr>
-        </p:nvSpPr>
-        <p:spPr>
-          <a:xfrm>
-            <a:off x="8559864" y="6453336"/>
-            <a:ext cx="548640" cy="396240"/>
-          </a:xfrm>
-        </p:spPr>
-        <p:txBody>
-          <a:bodyPr/>
-          <a:lstStyle>
-            <a:lvl1pPr eaLnBrk="0" hangingPunct="0">
-              <a:defRPr>
-                <a:solidFill>
-                  <a:schemeClr val="tx1"/>
-                </a:solidFill>
-                <a:latin typeface="Arial" panose="020B0604020202020204" pitchFamily="34" charset="0"/>
-              </a:defRPr>
-            </a:lvl1pPr>
-            <a:lvl2pPr marL="742950" indent="-285750" eaLnBrk="0" hangingPunct="0">
-              <a:defRPr>
-                <a:solidFill>
-                  <a:schemeClr val="tx1"/>
-                </a:solidFill>
-                <a:latin typeface="Arial" panose="020B0604020202020204" pitchFamily="34" charset="0"/>
-              </a:defRPr>
-            </a:lvl2pPr>
-            <a:lvl3pPr marL="1143000" indent="-228600" eaLnBrk="0" hangingPunct="0">
-              <a:defRPr>
-                <a:solidFill>
-                  <a:schemeClr val="tx1"/>
-                </a:solidFill>
-                <a:latin typeface="Arial" panose="020B0604020202020204" pitchFamily="34" charset="0"/>
-              </a:defRPr>
-            </a:lvl3pPr>
-            <a:lvl4pPr marL="1600200" indent="-228600" eaLnBrk="0" hangingPunct="0">
-              <a:defRPr>
-                <a:solidFill>
-                  <a:schemeClr val="tx1"/>
-                </a:solidFill>
-                <a:latin typeface="Arial" panose="020B0604020202020204" pitchFamily="34" charset="0"/>
-              </a:defRPr>
-            </a:lvl4pPr>
-            <a:lvl5pPr marL="2057400" indent="-228600" eaLnBrk="0" hangingPunct="0">
-              <a:defRPr>
-                <a:solidFill>
-                  <a:schemeClr val="tx1"/>
-                </a:solidFill>
-                <a:latin typeface="Arial" panose="020B0604020202020204" pitchFamily="34" charset="0"/>
-              </a:defRPr>
-            </a:lvl5pPr>
-            <a:lvl6pPr marL="2514600" indent="-228600" eaLnBrk="0" fontAlgn="base" hangingPunct="0">
-              <a:spcBef>
-                <a:spcPct val="0"/>
-              </a:spcBef>
-              <a:spcAft>
-                <a:spcPct val="0"/>
-              </a:spcAft>
-              <a:defRPr>
-                <a:solidFill>
-                  <a:schemeClr val="tx1"/>
-                </a:solidFill>
-                <a:latin typeface="Arial" panose="020B0604020202020204" pitchFamily="34" charset="0"/>
-              </a:defRPr>
-            </a:lvl6pPr>
-            <a:lvl7pPr marL="2971800" indent="-228600" eaLnBrk="0" fontAlgn="base" hangingPunct="0">
-              <a:spcBef>
-                <a:spcPct val="0"/>
-              </a:spcBef>
-              <a:spcAft>
-                <a:spcPct val="0"/>
-              </a:spcAft>
-              <a:defRPr>
-                <a:solidFill>
-                  <a:schemeClr val="tx1"/>
-                </a:solidFill>
-                <a:latin typeface="Arial" panose="020B0604020202020204" pitchFamily="34" charset="0"/>
-              </a:defRPr>
-            </a:lvl7pPr>
-            <a:lvl8pPr marL="3429000" indent="-228600" eaLnBrk="0" fontAlgn="base" hangingPunct="0">
-              <a:spcBef>
-                <a:spcPct val="0"/>
-              </a:spcBef>
-              <a:spcAft>
-                <a:spcPct val="0"/>
-              </a:spcAft>
-              <a:defRPr>
-                <a:solidFill>
-                  <a:schemeClr val="tx1"/>
-                </a:solidFill>
-                <a:latin typeface="Arial" panose="020B0604020202020204" pitchFamily="34" charset="0"/>
-              </a:defRPr>
-            </a:lvl8pPr>
-            <a:lvl9pPr marL="3886200" indent="-228600" eaLnBrk="0" fontAlgn="base" hangingPunct="0">
-              <a:spcBef>
-                <a:spcPct val="0"/>
-              </a:spcBef>
-              <a:spcAft>
-                <a:spcPct val="0"/>
-              </a:spcAft>
-              <a:defRPr>
-                <a:solidFill>
-                  <a:schemeClr val="tx1"/>
-                </a:solidFill>
-                <a:latin typeface="Arial" panose="020B0604020202020204" pitchFamily="34" charset="0"/>
-              </a:defRPr>
-            </a:lvl9pPr>
-          </a:lstStyle>
-          <a:p>
-            <a:pPr eaLnBrk="1" hangingPunct="1"/>
-            <a:fld id="{3F7E73E1-F280-4386-87FD-01754258053D}" type="slidenum">
-              <a:rPr lang="en-US">
-                <a:solidFill>
-                  <a:schemeClr val="accent1"/>
-                </a:solidFill>
-              </a:rPr>
-              <a:pPr eaLnBrk="1" hangingPunct="1"/>
-              <a:t>17</a:t>
-            </a:fld>
-            <a:endParaRPr lang="en-US" dirty="0">
-              <a:solidFill>
-                <a:schemeClr val="accent1"/>
-              </a:solidFill>
-            </a:endParaRPr>
-          </a:p>
-        </p:txBody>
-      </p:sp>
-    </p:spTree>
-    <p:extLst>
-      <p:ext uri="{BB962C8B-B14F-4D97-AF65-F5344CB8AC3E}">
-        <p14:creationId xmlns:p14="http://schemas.microsoft.com/office/powerpoint/2010/main" val="3848441583"/>
-      </p:ext>
-    </p:extLst>
-  </p:cSld>
-  <p:clrMapOvr>
-    <a:masterClrMapping/>
-  </p:clrMapOvr>
-</p:sld>
-</file>
-
-<file path=ppt/slides/slide18.xml><?xml version="1.0" encoding="utf-8"?>
-<p:sld xmlns:a="http://schemas.openxmlformats.org/drawingml/2006/main" xmlns:r="http://schemas.openxmlformats.org/officeDocument/2006/relationships" xmlns:p="http://schemas.openxmlformats.org/presentationml/2006/main">
-  <p:cSld>
-    <p:spTree>
-      <p:nvGrpSpPr>
-        <p:cNvPr id="1" name="Shape 601"/>
-        <p:cNvGrpSpPr/>
-        <p:nvPr/>
-      </p:nvGrpSpPr>
-      <p:grpSpPr>
-        <a:xfrm>
-          <a:off x="0" y="0"/>
-          <a:ext cx="0" cy="0"/>
-          <a:chOff x="0" y="0"/>
-          <a:chExt cx="0" cy="0"/>
-        </a:xfrm>
-      </p:grpSpPr>
-      <p:sp>
-        <p:nvSpPr>
-          <p:cNvPr id="602" name="Shape 602"/>
-          <p:cNvSpPr txBox="1">
-            <a:spLocks noGrp="1"/>
-          </p:cNvSpPr>
-          <p:nvPr>
-            <p:ph type="title"/>
-          </p:nvPr>
-        </p:nvSpPr>
-        <p:spPr>
-          <a:xfrm>
-            <a:off x="840432" y="274638"/>
-            <a:ext cx="7963100" cy="1143000"/>
-          </a:xfrm>
-          <a:prstGeom prst="rect">
-            <a:avLst/>
-          </a:prstGeom>
-          <a:noFill/>
-          <a:ln>
-            <a:noFill/>
-          </a:ln>
-        </p:spPr>
-        <p:txBody>
-          <a:bodyPr spcFirstLastPara="1" wrap="square" lIns="91425" tIns="45700" rIns="91425" bIns="45700" anchor="ctr" anchorCtr="0">
-            <a:noAutofit/>
-          </a:bodyPr>
-          <a:lstStyle/>
-          <a:p>
-            <a:pPr marL="0" marR="0" lvl="0" indent="0" rtl="0">
-              <a:spcBef>
-                <a:spcPts val="0"/>
-              </a:spcBef>
-              <a:spcAft>
-                <a:spcPts val="0"/>
-              </a:spcAft>
-              <a:buNone/>
-            </a:pPr>
-            <a:r>
-              <a:rPr lang="nl-NL" dirty="0">
-                <a:solidFill>
-                  <a:srgbClr val="000000"/>
-                </a:solidFill>
-              </a:rPr>
-              <a:t>State Time</a:t>
-            </a:r>
-            <a:endParaRPr sz="4000" i="0" u="none" strike="noStrike" cap="none" dirty="0">
-              <a:solidFill>
-                <a:srgbClr val="000000"/>
-              </a:solidFill>
-            </a:endParaRPr>
-          </a:p>
-        </p:txBody>
-      </p:sp>
-      <p:sp>
-        <p:nvSpPr>
-          <p:cNvPr id="640" name="Shape 640"/>
-          <p:cNvSpPr txBox="1">
-            <a:spLocks noGrp="1"/>
-          </p:cNvSpPr>
-          <p:nvPr>
-            <p:ph type="sldNum" sz="quarter" idx="12"/>
-          </p:nvPr>
-        </p:nvSpPr>
-        <p:spPr>
-          <a:xfrm>
-            <a:off x="8595360" y="6447551"/>
-            <a:ext cx="548640" cy="396240"/>
-          </a:xfrm>
-          <a:prstGeom prst="rect">
-            <a:avLst/>
-          </a:prstGeom>
-          <a:noFill/>
-          <a:ln>
-            <a:noFill/>
-          </a:ln>
-        </p:spPr>
-        <p:txBody>
-          <a:bodyPr spcFirstLastPara="1" wrap="square" lIns="91425" tIns="45700" rIns="91425" bIns="45700" anchor="t" anchorCtr="0">
-            <a:noAutofit/>
-          </a:bodyPr>
-          <a:lstStyle/>
-          <a:p>
-            <a:pPr marL="0" lvl="0" indent="0" rtl="0">
-              <a:spcBef>
-                <a:spcPts val="0"/>
-              </a:spcBef>
-              <a:spcAft>
-                <a:spcPts val="0"/>
-              </a:spcAft>
-              <a:buClr>
-                <a:srgbClr val="000000"/>
-              </a:buClr>
-              <a:buFont typeface="Arial"/>
-              <a:buNone/>
-            </a:pPr>
-            <a:fld id="{00000000-1234-1234-1234-123412341234}" type="slidenum">
-              <a:rPr lang="nl-NL"/>
-              <a:t>18</a:t>
-            </a:fld>
-            <a:endParaRPr dirty="0"/>
-          </a:p>
-        </p:txBody>
-      </p:sp>
-      <p:sp>
-        <p:nvSpPr>
-          <p:cNvPr id="47" name="Shape 646"/>
-          <p:cNvSpPr/>
-          <p:nvPr/>
-        </p:nvSpPr>
-        <p:spPr>
-          <a:xfrm>
-            <a:off x="1345543" y="2270696"/>
-            <a:ext cx="1200600" cy="840600"/>
-          </a:xfrm>
-          <a:prstGeom prst="ellipse">
-            <a:avLst/>
-          </a:prstGeom>
-          <a:solidFill>
-            <a:srgbClr val="E6EEEE"/>
-          </a:solidFill>
-          <a:ln w="25400" cap="flat" cmpd="sng">
-            <a:solidFill>
-              <a:srgbClr val="667E7E"/>
-            </a:solidFill>
-            <a:prstDash val="solid"/>
-            <a:round/>
-            <a:headEnd type="none" w="sm" len="sm"/>
-            <a:tailEnd type="none" w="sm" len="sm"/>
-          </a:ln>
-        </p:spPr>
-        <p:txBody>
-          <a:bodyPr spcFirstLastPara="1" wrap="square" lIns="91425" tIns="45700" rIns="91425" bIns="45700" anchor="ctr" anchorCtr="0">
-            <a:noAutofit/>
-          </a:bodyPr>
-          <a:lstStyle/>
-          <a:p>
-            <a:pPr marL="0" marR="0" lvl="0" indent="0" algn="ctr" rtl="0">
-              <a:spcBef>
-                <a:spcPts val="0"/>
-              </a:spcBef>
-              <a:spcAft>
-                <a:spcPts val="0"/>
-              </a:spcAft>
-              <a:buNone/>
-            </a:pPr>
-            <a:r>
-              <a:rPr lang="nl-NL" sz="1600" b="1" dirty="0" err="1">
-                <a:solidFill>
-                  <a:srgbClr val="3F3F3F"/>
-                </a:solidFill>
-                <a:latin typeface="Calibri"/>
-                <a:ea typeface="Calibri"/>
-                <a:cs typeface="Calibri"/>
-                <a:sym typeface="Calibri"/>
-              </a:rPr>
-              <a:t>Healthy</a:t>
-            </a:r>
-            <a:endParaRPr sz="1600" b="1" dirty="0">
-              <a:solidFill>
-                <a:srgbClr val="3F3F3F"/>
-              </a:solidFill>
-              <a:latin typeface="Calibri"/>
-              <a:ea typeface="Calibri"/>
-              <a:cs typeface="Calibri"/>
-              <a:sym typeface="Calibri"/>
-            </a:endParaRPr>
-          </a:p>
-        </p:txBody>
-      </p:sp>
-      <p:sp>
-        <p:nvSpPr>
-          <p:cNvPr id="48" name="Shape 647"/>
-          <p:cNvSpPr/>
-          <p:nvPr/>
-        </p:nvSpPr>
-        <p:spPr>
-          <a:xfrm>
-            <a:off x="3123543" y="2270696"/>
-            <a:ext cx="1200600" cy="840600"/>
-          </a:xfrm>
-          <a:prstGeom prst="ellipse">
-            <a:avLst/>
-          </a:prstGeom>
-          <a:solidFill>
-            <a:srgbClr val="E6EEEE"/>
-          </a:solidFill>
-          <a:ln w="25400" cap="flat" cmpd="sng">
-            <a:solidFill>
-              <a:srgbClr val="667E7E"/>
-            </a:solidFill>
-            <a:prstDash val="solid"/>
-            <a:round/>
-            <a:headEnd type="none" w="sm" len="sm"/>
-            <a:tailEnd type="none" w="sm" len="sm"/>
-          </a:ln>
-        </p:spPr>
-        <p:txBody>
-          <a:bodyPr spcFirstLastPara="1" wrap="square" lIns="91425" tIns="45700" rIns="91425" bIns="45700" anchor="ctr" anchorCtr="0">
-            <a:noAutofit/>
-          </a:bodyPr>
-          <a:lstStyle/>
-          <a:p>
-            <a:pPr marL="0" marR="0" lvl="0" indent="0" algn="ctr" rtl="0">
-              <a:spcBef>
-                <a:spcPts val="0"/>
-              </a:spcBef>
-              <a:spcAft>
-                <a:spcPts val="0"/>
-              </a:spcAft>
-              <a:buNone/>
-            </a:pPr>
-            <a:r>
-              <a:rPr lang="nl-NL" sz="1600" b="1" dirty="0">
-                <a:solidFill>
-                  <a:srgbClr val="3F3F3F"/>
-                </a:solidFill>
-                <a:latin typeface="Calibri"/>
-                <a:ea typeface="Calibri"/>
-                <a:cs typeface="Calibri"/>
-                <a:sym typeface="Calibri"/>
-              </a:rPr>
-              <a:t>Cancer</a:t>
-            </a:r>
-            <a:endParaRPr sz="1600" b="1" dirty="0">
-              <a:solidFill>
-                <a:srgbClr val="3F3F3F"/>
-              </a:solidFill>
-              <a:latin typeface="Calibri"/>
-              <a:ea typeface="Calibri"/>
-              <a:cs typeface="Calibri"/>
-              <a:sym typeface="Calibri"/>
-            </a:endParaRPr>
-          </a:p>
-        </p:txBody>
-      </p:sp>
-      <p:sp>
-        <p:nvSpPr>
-          <p:cNvPr id="49" name="Shape 648"/>
-          <p:cNvSpPr/>
-          <p:nvPr/>
-        </p:nvSpPr>
-        <p:spPr>
-          <a:xfrm>
-            <a:off x="5026233" y="2266078"/>
-            <a:ext cx="1200600" cy="840600"/>
-          </a:xfrm>
-          <a:prstGeom prst="ellipse">
-            <a:avLst/>
-          </a:prstGeom>
-          <a:solidFill>
-            <a:srgbClr val="E6EEEE"/>
-          </a:solidFill>
-          <a:ln w="25400" cap="flat" cmpd="sng">
-            <a:solidFill>
-              <a:srgbClr val="667E7E"/>
-            </a:solidFill>
-            <a:prstDash val="solid"/>
-            <a:round/>
-            <a:headEnd type="none" w="sm" len="sm"/>
-            <a:tailEnd type="none" w="sm" len="sm"/>
-          </a:ln>
-        </p:spPr>
-        <p:txBody>
-          <a:bodyPr spcFirstLastPara="1" wrap="square" lIns="91425" tIns="45700" rIns="91425" bIns="45700" anchor="ctr" anchorCtr="0">
-            <a:noAutofit/>
-          </a:bodyPr>
-          <a:lstStyle/>
-          <a:p>
-            <a:pPr marL="0" marR="0" lvl="0" indent="0" algn="ctr" rtl="0">
-              <a:spcBef>
-                <a:spcPts val="0"/>
-              </a:spcBef>
-              <a:spcAft>
-                <a:spcPts val="0"/>
-              </a:spcAft>
-              <a:buNone/>
-            </a:pPr>
-            <a:r>
-              <a:rPr lang="nl-NL" sz="1600" b="1" dirty="0" err="1">
-                <a:solidFill>
-                  <a:srgbClr val="3F3F3F"/>
-                </a:solidFill>
-                <a:latin typeface="Calibri"/>
-                <a:ea typeface="Calibri"/>
-                <a:cs typeface="Calibri"/>
-                <a:sym typeface="Calibri"/>
-              </a:rPr>
-              <a:t>Recur</a:t>
-            </a:r>
-            <a:endParaRPr sz="1600" b="1" dirty="0">
-              <a:solidFill>
-                <a:srgbClr val="3F3F3F"/>
-              </a:solidFill>
-              <a:latin typeface="Calibri"/>
-              <a:ea typeface="Calibri"/>
-              <a:cs typeface="Calibri"/>
-              <a:sym typeface="Calibri"/>
-            </a:endParaRPr>
-          </a:p>
-        </p:txBody>
-      </p:sp>
-      <p:cxnSp>
-        <p:nvCxnSpPr>
-          <p:cNvPr id="50" name="Shape 649"/>
-          <p:cNvCxnSpPr/>
-          <p:nvPr/>
-        </p:nvCxnSpPr>
-        <p:spPr>
-          <a:xfrm rot="16200000" flipH="1">
-            <a:off x="2834593" y="1381946"/>
-            <a:ext cx="600" cy="1778100"/>
-          </a:xfrm>
-          <a:prstGeom prst="curvedConnector3">
-            <a:avLst>
-              <a:gd name="adj1" fmla="val -26835667"/>
-            </a:avLst>
-          </a:prstGeom>
-          <a:noFill/>
-          <a:ln w="25400" cap="flat" cmpd="sng">
-            <a:solidFill>
-              <a:srgbClr val="3F3F3F"/>
-            </a:solidFill>
-            <a:prstDash val="solid"/>
-            <a:round/>
-            <a:headEnd type="none" w="sm" len="sm"/>
-            <a:tailEnd type="triangle" w="lg" len="lg"/>
-          </a:ln>
-        </p:spPr>
-      </p:cxnSp>
-      <p:cxnSp>
-        <p:nvCxnSpPr>
-          <p:cNvPr id="51" name="Shape 650"/>
-          <p:cNvCxnSpPr/>
-          <p:nvPr/>
-        </p:nvCxnSpPr>
-        <p:spPr>
-          <a:xfrm rot="16200000">
-            <a:off x="4672893" y="1317146"/>
-            <a:ext cx="4500" cy="1902600"/>
-          </a:xfrm>
-          <a:prstGeom prst="curvedConnector3">
-            <a:avLst>
-              <a:gd name="adj1" fmla="val 3136645"/>
-            </a:avLst>
-          </a:prstGeom>
-          <a:noFill/>
-          <a:ln w="25400" cap="flat" cmpd="sng">
-            <a:solidFill>
-              <a:srgbClr val="3F3F3F"/>
-            </a:solidFill>
-            <a:prstDash val="solid"/>
-            <a:round/>
-            <a:headEnd type="none" w="sm" len="sm"/>
-            <a:tailEnd type="triangle" w="lg" len="lg"/>
-          </a:ln>
-        </p:spPr>
-      </p:cxnSp>
-      <p:cxnSp>
-        <p:nvCxnSpPr>
-          <p:cNvPr id="53" name="Shape 652"/>
-          <p:cNvCxnSpPr/>
-          <p:nvPr/>
-        </p:nvCxnSpPr>
-        <p:spPr>
-          <a:xfrm rot="10800000" flipH="1">
-            <a:off x="1345543" y="2393800"/>
-            <a:ext cx="175824" cy="297197"/>
-          </a:xfrm>
-          <a:prstGeom prst="curvedConnector4">
-            <a:avLst>
-              <a:gd name="adj1" fmla="val -130016"/>
-              <a:gd name="adj2" fmla="val 218340"/>
-            </a:avLst>
-          </a:prstGeom>
-          <a:noFill/>
-          <a:ln w="25400" cap="flat" cmpd="sng">
-            <a:solidFill>
-              <a:srgbClr val="3F3F3F"/>
-            </a:solidFill>
-            <a:prstDash val="solid"/>
-            <a:round/>
-            <a:headEnd type="none" w="sm" len="sm"/>
-            <a:tailEnd type="triangle" w="lg" len="lg"/>
-          </a:ln>
-        </p:spPr>
-      </p:cxnSp>
-      <p:cxnSp>
-        <p:nvCxnSpPr>
-          <p:cNvPr id="54" name="Shape 653"/>
-          <p:cNvCxnSpPr/>
-          <p:nvPr/>
-        </p:nvCxnSpPr>
-        <p:spPr>
-          <a:xfrm rot="10800000" flipH="1" flipV="1">
-            <a:off x="3123543" y="2690995"/>
-            <a:ext cx="175824" cy="297197"/>
-          </a:xfrm>
-          <a:prstGeom prst="curvedConnector4">
-            <a:avLst>
-              <a:gd name="adj1" fmla="val -130016"/>
-              <a:gd name="adj2" fmla="val 218340"/>
-            </a:avLst>
-          </a:prstGeom>
-          <a:noFill/>
-          <a:ln w="25400" cap="flat" cmpd="sng">
-            <a:solidFill>
-              <a:srgbClr val="3F3F3F"/>
-            </a:solidFill>
-            <a:prstDash val="solid"/>
-            <a:round/>
-            <a:headEnd type="none" w="sm" len="sm"/>
-            <a:tailEnd type="triangle" w="lg" len="lg"/>
-          </a:ln>
-        </p:spPr>
-      </p:cxnSp>
-      <p:cxnSp>
-        <p:nvCxnSpPr>
-          <p:cNvPr id="55" name="Shape 654"/>
-          <p:cNvCxnSpPr/>
-          <p:nvPr/>
-        </p:nvCxnSpPr>
-        <p:spPr>
-          <a:xfrm rot="10800000" flipH="1" flipV="1">
-            <a:off x="5026233" y="2686377"/>
-            <a:ext cx="175824" cy="297197"/>
-          </a:xfrm>
-          <a:prstGeom prst="curvedConnector4">
-            <a:avLst>
-              <a:gd name="adj1" fmla="val -130016"/>
-              <a:gd name="adj2" fmla="val 218340"/>
-            </a:avLst>
-          </a:prstGeom>
-          <a:noFill/>
-          <a:ln w="25400" cap="flat" cmpd="sng">
-            <a:solidFill>
-              <a:srgbClr val="3F3F3F"/>
-            </a:solidFill>
-            <a:prstDash val="solid"/>
-            <a:round/>
-            <a:headEnd type="none" w="sm" len="sm"/>
-            <a:tailEnd type="triangle" w="lg" len="lg"/>
-          </a:ln>
-        </p:spPr>
-      </p:cxnSp>
-      <p:sp>
-        <p:nvSpPr>
-          <p:cNvPr id="63" name="Shape 648">
-            <a:extLst>
-              <a:ext uri="{FF2B5EF4-FFF2-40B4-BE49-F238E27FC236}">
-                <a16:creationId xmlns:a16="http://schemas.microsoft.com/office/drawing/2014/main" id="{717BA8C9-D866-EB40-BA08-4982E37CCE9B}"/>
-              </a:ext>
-            </a:extLst>
-          </p:cNvPr>
-          <p:cNvSpPr/>
-          <p:nvPr/>
-        </p:nvSpPr>
-        <p:spPr>
-          <a:xfrm>
-            <a:off x="6905933" y="2266078"/>
-            <a:ext cx="1200600" cy="840600"/>
-          </a:xfrm>
-          <a:prstGeom prst="ellipse">
-            <a:avLst/>
-          </a:prstGeom>
-          <a:solidFill>
-            <a:srgbClr val="E6EEEE"/>
-          </a:solidFill>
-          <a:ln w="25400" cap="flat" cmpd="sng">
-            <a:solidFill>
-              <a:srgbClr val="667E7E"/>
-            </a:solidFill>
-            <a:prstDash val="solid"/>
-            <a:round/>
-            <a:headEnd type="none" w="sm" len="sm"/>
-            <a:tailEnd type="none" w="sm" len="sm"/>
-          </a:ln>
-        </p:spPr>
-        <p:txBody>
-          <a:bodyPr spcFirstLastPara="1" wrap="square" lIns="91425" tIns="45700" rIns="91425" bIns="45700" anchor="ctr" anchorCtr="0">
-            <a:noAutofit/>
-          </a:bodyPr>
-          <a:lstStyle/>
-          <a:p>
-            <a:pPr marL="0" marR="0" lvl="0" indent="0" algn="ctr" rtl="0">
-              <a:spcBef>
-                <a:spcPts val="0"/>
-              </a:spcBef>
-              <a:spcAft>
-                <a:spcPts val="0"/>
-              </a:spcAft>
-              <a:buNone/>
-            </a:pPr>
-            <a:r>
-              <a:rPr lang="nl-NL" sz="1600" b="1" dirty="0">
-                <a:solidFill>
-                  <a:srgbClr val="3F3F3F"/>
-                </a:solidFill>
-                <a:latin typeface="Calibri"/>
-                <a:ea typeface="Calibri"/>
-                <a:cs typeface="Calibri"/>
-                <a:sym typeface="Calibri"/>
-              </a:rPr>
-              <a:t>Dead</a:t>
-            </a:r>
-            <a:endParaRPr sz="1600" b="1" dirty="0">
-              <a:solidFill>
-                <a:srgbClr val="3F3F3F"/>
-              </a:solidFill>
-              <a:latin typeface="Calibri"/>
-              <a:ea typeface="Calibri"/>
-              <a:cs typeface="Calibri"/>
-              <a:sym typeface="Calibri"/>
-            </a:endParaRPr>
-          </a:p>
-        </p:txBody>
-      </p:sp>
-      <p:sp>
-        <p:nvSpPr>
-          <p:cNvPr id="6" name="Right Brace 5">
-            <a:extLst>
-              <a:ext uri="{FF2B5EF4-FFF2-40B4-BE49-F238E27FC236}">
-                <a16:creationId xmlns:a16="http://schemas.microsoft.com/office/drawing/2014/main" id="{A9A6508D-CC88-914F-88E1-E9ACFD1730C3}"/>
-              </a:ext>
-            </a:extLst>
-          </p:cNvPr>
-          <p:cNvSpPr/>
-          <p:nvPr/>
-        </p:nvSpPr>
-        <p:spPr>
-          <a:xfrm>
-            <a:off x="6377502" y="2025570"/>
-            <a:ext cx="325012" cy="1412111"/>
-          </a:xfrm>
-          <a:prstGeom prst="rightBrace">
-            <a:avLst/>
-          </a:prstGeom>
-        </p:spPr>
-        <p:style>
-          <a:lnRef idx="1">
-            <a:schemeClr val="accent1"/>
-          </a:lnRef>
-          <a:fillRef idx="0">
-            <a:schemeClr val="accent1"/>
-          </a:fillRef>
-          <a:effectRef idx="0">
-            <a:schemeClr val="accent1"/>
-          </a:effectRef>
-          <a:fontRef idx="minor">
-            <a:schemeClr val="tx1"/>
-          </a:fontRef>
-        </p:style>
-        <p:txBody>
-          <a:bodyPr rtlCol="0" anchor="ctr"/>
-          <a:lstStyle/>
-          <a:p>
-            <a:pPr algn="ctr"/>
-            <a:endParaRPr lang="en-US"/>
-          </a:p>
-        </p:txBody>
-      </p:sp>
-      <p:sp>
-        <p:nvSpPr>
-          <p:cNvPr id="7" name="TextBox 6">
-            <a:extLst>
-              <a:ext uri="{FF2B5EF4-FFF2-40B4-BE49-F238E27FC236}">
-                <a16:creationId xmlns:a16="http://schemas.microsoft.com/office/drawing/2014/main" id="{F8554EC1-D5B9-0A4F-8723-C7833CA25D76}"/>
-              </a:ext>
-            </a:extLst>
-          </p:cNvPr>
-          <p:cNvSpPr txBox="1"/>
-          <p:nvPr/>
-        </p:nvSpPr>
-        <p:spPr>
-          <a:xfrm>
-            <a:off x="1808339" y="1691514"/>
-            <a:ext cx="1835759" cy="369332"/>
-          </a:xfrm>
-          <a:prstGeom prst="rect">
-            <a:avLst/>
-          </a:prstGeom>
-          <a:noFill/>
-        </p:spPr>
-        <p:txBody>
-          <a:bodyPr wrap="none" rtlCol="0">
-            <a:spAutoFit/>
-          </a:bodyPr>
-          <a:lstStyle/>
-          <a:p>
-            <a:r>
-              <a:rPr lang="en-US" dirty="0"/>
-              <a:t>f(model time)</a:t>
-            </a:r>
-          </a:p>
-        </p:txBody>
-      </p:sp>
-      <p:sp>
-        <p:nvSpPr>
-          <p:cNvPr id="64" name="TextBox 63">
-            <a:extLst>
-              <a:ext uri="{FF2B5EF4-FFF2-40B4-BE49-F238E27FC236}">
-                <a16:creationId xmlns:a16="http://schemas.microsoft.com/office/drawing/2014/main" id="{98F6581F-8BDF-7D4C-9D09-90FD5179B082}"/>
-              </a:ext>
-            </a:extLst>
-          </p:cNvPr>
-          <p:cNvSpPr txBox="1"/>
-          <p:nvPr/>
-        </p:nvSpPr>
-        <p:spPr>
-          <a:xfrm>
-            <a:off x="3894910" y="1691514"/>
-            <a:ext cx="1653017" cy="369332"/>
-          </a:xfrm>
-          <a:prstGeom prst="rect">
-            <a:avLst/>
-          </a:prstGeom>
-          <a:noFill/>
-        </p:spPr>
-        <p:txBody>
-          <a:bodyPr wrap="none" rtlCol="0">
-            <a:spAutoFit/>
-          </a:bodyPr>
-          <a:lstStyle/>
-          <a:p>
-            <a:r>
-              <a:rPr lang="en-US" dirty="0"/>
-              <a:t>f(state time)</a:t>
-            </a:r>
-          </a:p>
-        </p:txBody>
-      </p:sp>
-      <p:sp>
-        <p:nvSpPr>
-          <p:cNvPr id="8" name="TextBox 7">
-            <a:extLst>
-              <a:ext uri="{FF2B5EF4-FFF2-40B4-BE49-F238E27FC236}">
-                <a16:creationId xmlns:a16="http://schemas.microsoft.com/office/drawing/2014/main" id="{69F2D24B-FA25-4547-92AD-497B42119E1B}"/>
-              </a:ext>
-            </a:extLst>
-          </p:cNvPr>
-          <p:cNvSpPr txBox="1"/>
-          <p:nvPr/>
-        </p:nvSpPr>
-        <p:spPr>
-          <a:xfrm>
-            <a:off x="2684745" y="3976527"/>
-            <a:ext cx="2078197" cy="461665"/>
-          </a:xfrm>
-          <a:prstGeom prst="rect">
-            <a:avLst/>
-          </a:prstGeom>
-          <a:noFill/>
-        </p:spPr>
-        <p:txBody>
-          <a:bodyPr wrap="none" rtlCol="0">
-            <a:spAutoFit/>
-          </a:bodyPr>
-          <a:lstStyle/>
-          <a:p>
-            <a:pPr algn="ctr"/>
-            <a:r>
-              <a:rPr lang="en-US" sz="2400" dirty="0"/>
-              <a:t>Tunnel state</a:t>
-            </a:r>
-          </a:p>
-        </p:txBody>
-      </p:sp>
-      <p:cxnSp>
-        <p:nvCxnSpPr>
-          <p:cNvPr id="10" name="Straight Arrow Connector 9">
-            <a:extLst>
-              <a:ext uri="{FF2B5EF4-FFF2-40B4-BE49-F238E27FC236}">
-                <a16:creationId xmlns:a16="http://schemas.microsoft.com/office/drawing/2014/main" id="{F17790A9-3CC1-7D46-A683-CB8930C8756E}"/>
-              </a:ext>
-            </a:extLst>
-          </p:cNvPr>
-          <p:cNvCxnSpPr>
-            <a:cxnSpLocks/>
-          </p:cNvCxnSpPr>
-          <p:nvPr/>
-        </p:nvCxnSpPr>
-        <p:spPr>
-          <a:xfrm flipV="1">
-            <a:off x="3726022" y="3220300"/>
-            <a:ext cx="0" cy="659369"/>
-          </a:xfrm>
-          <a:prstGeom prst="straightConnector1">
-            <a:avLst/>
-          </a:prstGeom>
-          <a:ln w="25400">
-            <a:solidFill>
-              <a:schemeClr val="tx1"/>
-            </a:solidFill>
-            <a:tailEnd type="triangle"/>
-          </a:ln>
-        </p:spPr>
-        <p:style>
-          <a:lnRef idx="1">
-            <a:schemeClr val="accent1"/>
-          </a:lnRef>
-          <a:fillRef idx="0">
-            <a:schemeClr val="accent1"/>
-          </a:fillRef>
-          <a:effectRef idx="0">
-            <a:schemeClr val="accent1"/>
-          </a:effectRef>
-          <a:fontRef idx="minor">
-            <a:schemeClr val="tx1"/>
-          </a:fontRef>
-        </p:style>
-      </p:cxnSp>
-    </p:spTree>
-    <p:extLst>
-      <p:ext uri="{BB962C8B-B14F-4D97-AF65-F5344CB8AC3E}">
-        <p14:creationId xmlns:p14="http://schemas.microsoft.com/office/powerpoint/2010/main" val="2527439089"/>
-      </p:ext>
-    </p:extLst>
-  </p:cSld>
-  <p:clrMapOvr>
-    <a:masterClrMapping/>
-  </p:clrMapOvr>
-  <p:timing>
-    <p:tnLst>
-      <p:par>
-        <p:cTn id="1" dur="indefinite" restart="never" nodeType="tmRoot">
-          <p:childTnLst>
-            <p:seq concurrent="1" nextAc="seek">
-              <p:cTn id="2" dur="indefinite" nodeType="mainSeq">
-                <p:childTnLst>
-                  <p:par>
-                    <p:cTn id="3" fill="hold">
-                      <p:stCondLst>
-                        <p:cond delay="indefinite"/>
-                      </p:stCondLst>
-                      <p:childTnLst>
-                        <p:par>
-                          <p:cTn id="4" fill="hold">
-                            <p:stCondLst>
-                              <p:cond delay="0"/>
-                            </p:stCondLst>
-                            <p:childTnLst>
-                              <p:par>
-                                <p:cTn id="5" presetID="1" presetClass="entr" presetSubtype="0" fill="hold" grpId="0" nodeType="clickEffect">
-                                  <p:stCondLst>
-                                    <p:cond delay="0"/>
-                                  </p:stCondLst>
-                                  <p:childTnLst>
-                                    <p:set>
-                                      <p:cBhvr>
-                                        <p:cTn id="6" dur="1" fill="hold">
-                                          <p:stCondLst>
-                                            <p:cond delay="0"/>
-                                          </p:stCondLst>
-                                        </p:cTn>
-                                        <p:tgtEl>
-                                          <p:spTgt spid="8"/>
-                                        </p:tgtEl>
-                                        <p:attrNameLst>
-                                          <p:attrName>style.visibility</p:attrName>
-                                        </p:attrNameLst>
-                                      </p:cBhvr>
-                                      <p:to>
-                                        <p:strVal val="visible"/>
-                                      </p:to>
-                                    </p:set>
-                                  </p:childTnLst>
-                                </p:cTn>
-                              </p:par>
-                              <p:par>
-                                <p:cTn id="7" presetID="1" presetClass="entr" presetSubtype="0" fill="hold" nodeType="withEffect">
-                                  <p:stCondLst>
-                                    <p:cond delay="0"/>
-                                  </p:stCondLst>
-                                  <p:childTnLst>
-                                    <p:set>
-                                      <p:cBhvr>
-                                        <p:cTn id="8" dur="1" fill="hold">
-                                          <p:stCondLst>
-                                            <p:cond delay="0"/>
-                                          </p:stCondLst>
-                                        </p:cTn>
-                                        <p:tgtEl>
-                                          <p:spTgt spid="10"/>
-                                        </p:tgtEl>
-                                        <p:attrNameLst>
-                                          <p:attrName>style.visibility</p:attrName>
-                                        </p:attrNameLst>
-                                      </p:cBhvr>
-                                      <p:to>
-                                        <p:strVal val="visible"/>
-                                      </p:to>
-                                    </p:set>
-                                  </p:childTnLst>
-                                </p:cTn>
-                              </p:par>
-                            </p:childTnLst>
-                          </p:cTn>
-                        </p:par>
-                      </p:childTnLst>
-                    </p:cTn>
-                  </p:par>
-                </p:childTnLst>
-              </p:cTn>
-              <p:prevCondLst>
-                <p:cond evt="onPrev" delay="0">
-                  <p:tgtEl>
-                    <p:sldTgt/>
-                  </p:tgtEl>
-                </p:cond>
-              </p:prevCondLst>
-              <p:nextCondLst>
-                <p:cond evt="onNext" delay="0">
-                  <p:tgtEl>
-                    <p:sldTgt/>
-                  </p:tgtEl>
-                </p:cond>
-              </p:nextCondLst>
-            </p:seq>
-          </p:childTnLst>
-        </p:cTn>
-      </p:par>
-    </p:tnLst>
-    <p:bldLst>
-      <p:bldP spid="8" grpId="0"/>
-    </p:bldLst>
-  </p:timing>
-</p:sld>
-</file>
-
-<file path=ppt/slides/slide19.xml><?xml version="1.0" encoding="utf-8"?>
-<p:sld xmlns:a="http://schemas.openxmlformats.org/drawingml/2006/main" xmlns:r="http://schemas.openxmlformats.org/officeDocument/2006/relationships" xmlns:p="http://schemas.openxmlformats.org/presentationml/2006/main">
-  <p:cSld>
-    <p:spTree>
-      <p:nvGrpSpPr>
-        <p:cNvPr id="1" name=""/>
-        <p:cNvGrpSpPr/>
-        <p:nvPr/>
-      </p:nvGrpSpPr>
-      <p:grpSpPr>
-        <a:xfrm>
-          <a:off x="0" y="0"/>
-          <a:ext cx="0" cy="0"/>
-          <a:chOff x="0" y="0"/>
-          <a:chExt cx="0" cy="0"/>
-        </a:xfrm>
-      </p:grpSpPr>
-      <p:sp>
-        <p:nvSpPr>
-          <p:cNvPr id="57346" name="Oval 2"/>
-          <p:cNvSpPr>
-            <a:spLocks noChangeArrowheads="1"/>
-          </p:cNvSpPr>
-          <p:nvPr/>
-        </p:nvSpPr>
-        <p:spPr bwMode="auto">
-          <a:xfrm>
-            <a:off x="1095375" y="990600"/>
-            <a:ext cx="1371600" cy="685800"/>
-          </a:xfrm>
-          <a:prstGeom prst="ellipse">
-            <a:avLst/>
-          </a:prstGeom>
-          <a:solidFill>
-            <a:schemeClr val="accent2">
-              <a:lumMod val="75000"/>
-              <a:alpha val="15000"/>
-            </a:schemeClr>
-          </a:solidFill>
-          <a:ln w="9525">
-            <a:solidFill>
-              <a:schemeClr val="tx1"/>
-            </a:solidFill>
-            <a:round/>
-            <a:headEnd/>
-            <a:tailEnd/>
-          </a:ln>
-        </p:spPr>
-        <p:txBody>
-          <a:bodyPr wrap="none" anchor="ctr"/>
-          <a:lstStyle/>
-          <a:p>
-            <a:pPr algn="ctr">
-              <a:defRPr/>
-            </a:pPr>
-            <a:r>
-              <a:rPr lang="en-US" sz="2000" dirty="0">
-                <a:latin typeface="+mn-lt"/>
-              </a:rPr>
-              <a:t>Cancer 1</a:t>
-            </a:r>
-          </a:p>
-        </p:txBody>
-      </p:sp>
-      <p:sp>
-        <p:nvSpPr>
-          <p:cNvPr id="57347" name="Oval 3"/>
-          <p:cNvSpPr>
-            <a:spLocks noChangeArrowheads="1"/>
-          </p:cNvSpPr>
-          <p:nvPr/>
-        </p:nvSpPr>
-        <p:spPr bwMode="auto">
-          <a:xfrm>
-            <a:off x="1095375" y="2041525"/>
-            <a:ext cx="1371600" cy="685800"/>
-          </a:xfrm>
-          <a:prstGeom prst="ellipse">
-            <a:avLst/>
-          </a:prstGeom>
-          <a:solidFill>
-            <a:schemeClr val="accent2">
-              <a:lumMod val="75000"/>
-              <a:alpha val="15000"/>
-            </a:schemeClr>
-          </a:solidFill>
-          <a:ln w="9525">
-            <a:solidFill>
-              <a:schemeClr val="tx1"/>
-            </a:solidFill>
-            <a:round/>
-            <a:headEnd/>
-            <a:tailEnd/>
-          </a:ln>
-        </p:spPr>
-        <p:txBody>
-          <a:bodyPr wrap="none" anchor="ctr"/>
-          <a:lstStyle/>
-          <a:p>
-            <a:pPr algn="ctr">
-              <a:defRPr/>
-            </a:pPr>
-            <a:r>
-              <a:rPr lang="en-US" sz="2000" dirty="0">
-                <a:latin typeface="+mn-lt"/>
-              </a:rPr>
-              <a:t>Cancer 2</a:t>
-            </a:r>
-          </a:p>
-        </p:txBody>
-      </p:sp>
-      <p:sp>
-        <p:nvSpPr>
-          <p:cNvPr id="57348" name="Oval 4"/>
-          <p:cNvSpPr>
-            <a:spLocks noChangeArrowheads="1"/>
-          </p:cNvSpPr>
-          <p:nvPr/>
-        </p:nvSpPr>
-        <p:spPr bwMode="auto">
-          <a:xfrm>
-            <a:off x="1095375" y="3092450"/>
-            <a:ext cx="1371600" cy="685800"/>
-          </a:xfrm>
-          <a:prstGeom prst="ellipse">
-            <a:avLst/>
-          </a:prstGeom>
-          <a:solidFill>
-            <a:schemeClr val="accent2">
-              <a:lumMod val="75000"/>
-              <a:alpha val="15000"/>
-            </a:schemeClr>
-          </a:solidFill>
-          <a:ln w="9525">
-            <a:solidFill>
-              <a:schemeClr val="tx1"/>
-            </a:solidFill>
-            <a:round/>
-            <a:headEnd/>
-            <a:tailEnd/>
-          </a:ln>
-        </p:spPr>
-        <p:txBody>
-          <a:bodyPr wrap="none" anchor="ctr"/>
-          <a:lstStyle/>
-          <a:p>
-            <a:pPr algn="ctr">
-              <a:defRPr/>
-            </a:pPr>
-            <a:r>
-              <a:rPr lang="en-US" sz="2000" dirty="0">
-                <a:latin typeface="+mn-lt"/>
-              </a:rPr>
-              <a:t>Cancer 3</a:t>
-            </a:r>
-          </a:p>
-        </p:txBody>
-      </p:sp>
-      <p:sp>
-        <p:nvSpPr>
-          <p:cNvPr id="57349" name="Oval 5"/>
-          <p:cNvSpPr>
-            <a:spLocks noChangeArrowheads="1"/>
-          </p:cNvSpPr>
-          <p:nvPr/>
-        </p:nvSpPr>
-        <p:spPr bwMode="auto">
-          <a:xfrm>
-            <a:off x="1095375" y="4143375"/>
-            <a:ext cx="1371600" cy="685800"/>
-          </a:xfrm>
-          <a:prstGeom prst="ellipse">
-            <a:avLst/>
-          </a:prstGeom>
-          <a:solidFill>
-            <a:schemeClr val="accent2">
-              <a:lumMod val="75000"/>
-              <a:alpha val="15000"/>
-            </a:schemeClr>
-          </a:solidFill>
-          <a:ln w="9525">
-            <a:solidFill>
-              <a:schemeClr val="tx1"/>
-            </a:solidFill>
-            <a:round/>
-            <a:headEnd/>
-            <a:tailEnd/>
-          </a:ln>
-        </p:spPr>
-        <p:txBody>
-          <a:bodyPr wrap="none" anchor="ctr"/>
-          <a:lstStyle/>
-          <a:p>
-            <a:pPr algn="ctr">
-              <a:defRPr/>
-            </a:pPr>
-            <a:r>
-              <a:rPr lang="en-US" sz="2000" dirty="0">
-                <a:latin typeface="+mn-lt"/>
-              </a:rPr>
-              <a:t>Cancer 4</a:t>
-            </a:r>
-          </a:p>
-        </p:txBody>
-      </p:sp>
-      <p:sp>
-        <p:nvSpPr>
-          <p:cNvPr id="57350" name="Oval 6"/>
-          <p:cNvSpPr>
-            <a:spLocks noChangeArrowheads="1"/>
-          </p:cNvSpPr>
-          <p:nvPr/>
-        </p:nvSpPr>
-        <p:spPr bwMode="auto">
-          <a:xfrm>
-            <a:off x="1095375" y="5470525"/>
-            <a:ext cx="1371600" cy="685800"/>
-          </a:xfrm>
-          <a:prstGeom prst="ellipse">
-            <a:avLst/>
-          </a:prstGeom>
-          <a:solidFill>
-            <a:schemeClr val="accent2">
-              <a:lumMod val="75000"/>
-              <a:alpha val="15000"/>
-            </a:schemeClr>
-          </a:solidFill>
-          <a:ln w="9525">
-            <a:solidFill>
-              <a:schemeClr val="tx1"/>
-            </a:solidFill>
-            <a:round/>
-            <a:headEnd/>
-            <a:tailEnd/>
-          </a:ln>
-        </p:spPr>
-        <p:txBody>
-          <a:bodyPr wrap="none" anchor="ctr"/>
-          <a:lstStyle/>
-          <a:p>
-            <a:pPr algn="ctr">
-              <a:defRPr/>
-            </a:pPr>
-            <a:r>
-              <a:rPr lang="en-US" sz="2000" dirty="0">
-                <a:latin typeface="+mn-lt"/>
-              </a:rPr>
-              <a:t>Cancer </a:t>
-            </a:r>
-            <a:r>
-              <a:rPr lang="en-US" sz="2000" i="1" dirty="0">
-                <a:latin typeface="+mn-lt"/>
-              </a:rPr>
-              <a:t>n</a:t>
-            </a:r>
-          </a:p>
-        </p:txBody>
-      </p:sp>
-      <p:sp>
-        <p:nvSpPr>
-          <p:cNvPr id="57351" name="Line 7"/>
-          <p:cNvSpPr>
-            <a:spLocks noChangeShapeType="1"/>
-          </p:cNvSpPr>
-          <p:nvPr/>
-        </p:nvSpPr>
-        <p:spPr bwMode="auto">
-          <a:xfrm>
-            <a:off x="1781175" y="1677988"/>
-            <a:ext cx="0" cy="365125"/>
-          </a:xfrm>
-          <a:prstGeom prst="line">
-            <a:avLst/>
-          </a:prstGeom>
-          <a:noFill/>
-          <a:ln w="9525">
-            <a:solidFill>
-              <a:schemeClr val="tx1"/>
-            </a:solidFill>
-            <a:round/>
-            <a:headEnd/>
-            <a:tailEnd type="triangle" w="med" len="med"/>
-          </a:ln>
-        </p:spPr>
-        <p:txBody>
-          <a:bodyPr/>
-          <a:lstStyle/>
-          <a:p>
-            <a:pPr>
-              <a:defRPr/>
-            </a:pPr>
-            <a:endParaRPr lang="en-US">
-              <a:latin typeface="+mn-lt"/>
-            </a:endParaRPr>
-          </a:p>
-        </p:txBody>
-      </p:sp>
-      <p:sp>
-        <p:nvSpPr>
-          <p:cNvPr id="57352" name="Line 8"/>
-          <p:cNvSpPr>
-            <a:spLocks noChangeShapeType="1"/>
-          </p:cNvSpPr>
-          <p:nvPr/>
-        </p:nvSpPr>
-        <p:spPr bwMode="auto">
-          <a:xfrm>
-            <a:off x="1781175" y="2728913"/>
-            <a:ext cx="0" cy="365125"/>
-          </a:xfrm>
-          <a:prstGeom prst="line">
-            <a:avLst/>
-          </a:prstGeom>
-          <a:noFill/>
-          <a:ln w="9525">
-            <a:solidFill>
-              <a:schemeClr val="tx1"/>
-            </a:solidFill>
-            <a:round/>
-            <a:headEnd/>
-            <a:tailEnd type="triangle" w="med" len="med"/>
-          </a:ln>
-        </p:spPr>
-        <p:txBody>
-          <a:bodyPr/>
-          <a:lstStyle/>
-          <a:p>
-            <a:pPr>
-              <a:defRPr/>
-            </a:pPr>
-            <a:endParaRPr lang="en-US">
-              <a:latin typeface="+mn-lt"/>
-            </a:endParaRPr>
-          </a:p>
-        </p:txBody>
-      </p:sp>
-      <p:sp>
-        <p:nvSpPr>
-          <p:cNvPr id="57353" name="Line 9"/>
-          <p:cNvSpPr>
-            <a:spLocks noChangeShapeType="1"/>
-          </p:cNvSpPr>
-          <p:nvPr/>
-        </p:nvSpPr>
-        <p:spPr bwMode="auto">
-          <a:xfrm>
-            <a:off x="1781175" y="3779838"/>
-            <a:ext cx="0" cy="365125"/>
-          </a:xfrm>
-          <a:prstGeom prst="line">
-            <a:avLst/>
-          </a:prstGeom>
-          <a:noFill/>
-          <a:ln w="9525">
-            <a:solidFill>
-              <a:schemeClr val="tx1"/>
-            </a:solidFill>
-            <a:round/>
-            <a:headEnd/>
-            <a:tailEnd type="triangle" w="med" len="med"/>
-          </a:ln>
-        </p:spPr>
-        <p:txBody>
-          <a:bodyPr/>
-          <a:lstStyle/>
-          <a:p>
-            <a:pPr>
-              <a:defRPr/>
-            </a:pPr>
-            <a:endParaRPr lang="en-US">
-              <a:latin typeface="+mn-lt"/>
-            </a:endParaRPr>
-          </a:p>
-        </p:txBody>
-      </p:sp>
-      <p:sp>
-        <p:nvSpPr>
-          <p:cNvPr id="57354" name="Line 10"/>
-          <p:cNvSpPr>
-            <a:spLocks noChangeShapeType="1"/>
-          </p:cNvSpPr>
-          <p:nvPr/>
-        </p:nvSpPr>
-        <p:spPr bwMode="auto">
-          <a:xfrm flipH="1">
-            <a:off x="1781175" y="4830763"/>
-            <a:ext cx="0" cy="639762"/>
-          </a:xfrm>
-          <a:prstGeom prst="line">
-            <a:avLst/>
-          </a:prstGeom>
-          <a:noFill/>
-          <a:ln w="9525">
-            <a:solidFill>
-              <a:schemeClr val="tx1"/>
-            </a:solidFill>
-            <a:prstDash val="dash"/>
-            <a:round/>
-            <a:headEnd/>
-            <a:tailEnd type="triangle" w="med" len="med"/>
-          </a:ln>
-        </p:spPr>
-        <p:txBody>
-          <a:bodyPr/>
-          <a:lstStyle/>
-          <a:p>
-            <a:pPr>
-              <a:defRPr/>
-            </a:pPr>
-            <a:endParaRPr lang="en-US">
-              <a:latin typeface="+mn-lt"/>
-            </a:endParaRPr>
-          </a:p>
-        </p:txBody>
-      </p:sp>
-      <p:sp>
-        <p:nvSpPr>
-          <p:cNvPr id="57355" name="Freeform 11"/>
-          <p:cNvSpPr>
-            <a:spLocks/>
-          </p:cNvSpPr>
-          <p:nvPr/>
-        </p:nvSpPr>
-        <p:spPr bwMode="auto">
-          <a:xfrm rot="253913">
-            <a:off x="685800" y="5486400"/>
-            <a:ext cx="546100" cy="558800"/>
-          </a:xfrm>
-          <a:custGeom>
-            <a:avLst/>
-            <a:gdLst>
-              <a:gd name="T0" fmla="*/ 546100 w 344"/>
-              <a:gd name="T1" fmla="*/ 88900 h 352"/>
-              <a:gd name="T2" fmla="*/ 393700 w 344"/>
-              <a:gd name="T3" fmla="*/ 12700 h 352"/>
-              <a:gd name="T4" fmla="*/ 241300 w 344"/>
-              <a:gd name="T5" fmla="*/ 12700 h 352"/>
-              <a:gd name="T6" fmla="*/ 88900 w 344"/>
-              <a:gd name="T7" fmla="*/ 88900 h 352"/>
-              <a:gd name="T8" fmla="*/ 12700 w 344"/>
-              <a:gd name="T9" fmla="*/ 241300 h 352"/>
-              <a:gd name="T10" fmla="*/ 12700 w 344"/>
-              <a:gd name="T11" fmla="*/ 393700 h 352"/>
-              <a:gd name="T12" fmla="*/ 88900 w 344"/>
-              <a:gd name="T13" fmla="*/ 469900 h 352"/>
-              <a:gd name="T14" fmla="*/ 241300 w 344"/>
-              <a:gd name="T15" fmla="*/ 546100 h 352"/>
-              <a:gd name="T16" fmla="*/ 393700 w 344"/>
-              <a:gd name="T17" fmla="*/ 546100 h 352"/>
-              <a:gd name="T18" fmla="*/ 546100 w 344"/>
-              <a:gd name="T19" fmla="*/ 469900 h 352"/>
-              <a:gd name="T20" fmla="*/ 0 60000 65536"/>
-              <a:gd name="T21" fmla="*/ 0 60000 65536"/>
-              <a:gd name="T22" fmla="*/ 0 60000 65536"/>
-              <a:gd name="T23" fmla="*/ 0 60000 65536"/>
-              <a:gd name="T24" fmla="*/ 0 60000 65536"/>
-              <a:gd name="T25" fmla="*/ 0 60000 65536"/>
-              <a:gd name="T26" fmla="*/ 0 60000 65536"/>
-              <a:gd name="T27" fmla="*/ 0 60000 65536"/>
-              <a:gd name="T28" fmla="*/ 0 60000 65536"/>
-              <a:gd name="T29" fmla="*/ 0 60000 65536"/>
-              <a:gd name="T30" fmla="*/ 0 w 344"/>
-              <a:gd name="T31" fmla="*/ 0 h 352"/>
-              <a:gd name="T32" fmla="*/ 344 w 344"/>
-              <a:gd name="T33" fmla="*/ 352 h 352"/>
-            </a:gdLst>
-            <a:ahLst/>
-            <a:cxnLst>
-              <a:cxn ang="T20">
-                <a:pos x="T0" y="T1"/>
-              </a:cxn>
-              <a:cxn ang="T21">
-                <a:pos x="T2" y="T3"/>
-              </a:cxn>
-              <a:cxn ang="T22">
-                <a:pos x="T4" y="T5"/>
-              </a:cxn>
-              <a:cxn ang="T23">
-                <a:pos x="T6" y="T7"/>
-              </a:cxn>
-              <a:cxn ang="T24">
-                <a:pos x="T8" y="T9"/>
-              </a:cxn>
-              <a:cxn ang="T25">
-                <a:pos x="T10" y="T11"/>
-              </a:cxn>
-              <a:cxn ang="T26">
-                <a:pos x="T12" y="T13"/>
-              </a:cxn>
-              <a:cxn ang="T27">
-                <a:pos x="T14" y="T15"/>
-              </a:cxn>
-              <a:cxn ang="T28">
-                <a:pos x="T16" y="T17"/>
-              </a:cxn>
-              <a:cxn ang="T29">
-                <a:pos x="T18" y="T19"/>
-              </a:cxn>
-            </a:cxnLst>
-            <a:rect l="T30" t="T31" r="T32" b="T33"/>
-            <a:pathLst>
-              <a:path w="344" h="352">
-                <a:moveTo>
-                  <a:pt x="344" y="56"/>
-                </a:moveTo>
-                <a:cubicBezTo>
-                  <a:pt x="312" y="36"/>
-                  <a:pt x="280" y="16"/>
-                  <a:pt x="248" y="8"/>
-                </a:cubicBezTo>
-                <a:cubicBezTo>
-                  <a:pt x="216" y="0"/>
-                  <a:pt x="184" y="0"/>
-                  <a:pt x="152" y="8"/>
-                </a:cubicBezTo>
-                <a:cubicBezTo>
-                  <a:pt x="120" y="16"/>
-                  <a:pt x="80" y="32"/>
-                  <a:pt x="56" y="56"/>
-                </a:cubicBezTo>
-                <a:cubicBezTo>
-                  <a:pt x="32" y="80"/>
-                  <a:pt x="16" y="120"/>
-                  <a:pt x="8" y="152"/>
-                </a:cubicBezTo>
-                <a:cubicBezTo>
-                  <a:pt x="0" y="184"/>
-                  <a:pt x="0" y="224"/>
-                  <a:pt x="8" y="248"/>
-                </a:cubicBezTo>
-                <a:cubicBezTo>
-                  <a:pt x="16" y="272"/>
-                  <a:pt x="32" y="280"/>
-                  <a:pt x="56" y="296"/>
-                </a:cubicBezTo>
-                <a:cubicBezTo>
-                  <a:pt x="80" y="312"/>
-                  <a:pt x="120" y="336"/>
-                  <a:pt x="152" y="344"/>
-                </a:cubicBezTo>
-                <a:cubicBezTo>
-                  <a:pt x="184" y="352"/>
-                  <a:pt x="216" y="352"/>
-                  <a:pt x="248" y="344"/>
-                </a:cubicBezTo>
-                <a:cubicBezTo>
-                  <a:pt x="280" y="336"/>
-                  <a:pt x="312" y="316"/>
-                  <a:pt x="344" y="296"/>
-                </a:cubicBezTo>
-              </a:path>
-            </a:pathLst>
-          </a:custGeom>
-          <a:noFill/>
-          <a:ln w="9525">
-            <a:solidFill>
-              <a:schemeClr val="tx1"/>
-            </a:solidFill>
-            <a:round/>
-            <a:headEnd/>
-            <a:tailEnd type="triangle" w="med" len="med"/>
-          </a:ln>
-        </p:spPr>
-        <p:txBody>
-          <a:bodyPr/>
-          <a:lstStyle/>
-          <a:p>
-            <a:pPr>
-              <a:defRPr/>
-            </a:pPr>
-            <a:endParaRPr lang="en-US">
-              <a:latin typeface="+mn-lt"/>
-            </a:endParaRPr>
-          </a:p>
-        </p:txBody>
-      </p:sp>
-      <p:sp>
-        <p:nvSpPr>
-          <p:cNvPr id="57356" name="Line 12"/>
-          <p:cNvSpPr>
-            <a:spLocks noChangeShapeType="1"/>
-          </p:cNvSpPr>
-          <p:nvPr/>
-        </p:nvSpPr>
-        <p:spPr bwMode="auto">
-          <a:xfrm>
-            <a:off x="2466975" y="1323975"/>
-            <a:ext cx="2101850" cy="0"/>
-          </a:xfrm>
-          <a:prstGeom prst="line">
-            <a:avLst/>
-          </a:prstGeom>
-          <a:noFill/>
-          <a:ln w="9525">
-            <a:solidFill>
-              <a:schemeClr val="tx1"/>
-            </a:solidFill>
-            <a:round/>
-            <a:headEnd/>
-            <a:tailEnd type="triangle" w="med" len="med"/>
-          </a:ln>
-        </p:spPr>
-        <p:txBody>
-          <a:bodyPr/>
-          <a:lstStyle/>
-          <a:p>
-            <a:pPr>
-              <a:defRPr/>
-            </a:pPr>
-            <a:endParaRPr lang="en-US">
-              <a:latin typeface="+mn-lt"/>
-            </a:endParaRPr>
-          </a:p>
-        </p:txBody>
-      </p:sp>
-      <p:sp>
-        <p:nvSpPr>
-          <p:cNvPr id="57357" name="Text Box 13"/>
-          <p:cNvSpPr txBox="1">
-            <a:spLocks noChangeArrowheads="1"/>
-          </p:cNvSpPr>
-          <p:nvPr/>
-        </p:nvSpPr>
-        <p:spPr bwMode="auto">
-          <a:xfrm>
-            <a:off x="2741613" y="839788"/>
-            <a:ext cx="1812547" cy="523220"/>
-          </a:xfrm>
-          <a:prstGeom prst="rect">
-            <a:avLst/>
-          </a:prstGeom>
-          <a:noFill/>
-          <a:ln w="9525">
-            <a:noFill/>
-            <a:miter lim="800000"/>
-            <a:headEnd/>
-            <a:tailEnd/>
-          </a:ln>
-        </p:spPr>
-        <p:txBody>
-          <a:bodyPr wrap="none">
-            <a:spAutoFit/>
-          </a:bodyPr>
-          <a:lstStyle/>
-          <a:p>
-            <a:pPr>
-              <a:defRPr/>
-            </a:pPr>
-            <a:r>
-              <a:rPr lang="en-US" sz="2800" dirty="0"/>
-              <a:t>p</a:t>
-            </a:r>
-            <a:r>
-              <a:rPr lang="en-US" sz="2800" dirty="0">
-                <a:latin typeface="+mn-lt"/>
-              </a:rPr>
-              <a:t>_Recur</a:t>
-            </a:r>
-            <a:r>
-              <a:rPr lang="en-US" sz="2800" baseline="-25000" dirty="0">
-                <a:latin typeface="+mn-lt"/>
-              </a:rPr>
-              <a:t>1</a:t>
-            </a:r>
-          </a:p>
-        </p:txBody>
-      </p:sp>
-      <p:sp>
-        <p:nvSpPr>
-          <p:cNvPr id="57358" name="Line 14"/>
-          <p:cNvSpPr>
-            <a:spLocks noChangeShapeType="1"/>
-          </p:cNvSpPr>
-          <p:nvPr/>
-        </p:nvSpPr>
-        <p:spPr bwMode="auto">
-          <a:xfrm>
-            <a:off x="2466975" y="2376488"/>
-            <a:ext cx="2101850" cy="0"/>
-          </a:xfrm>
-          <a:prstGeom prst="line">
-            <a:avLst/>
-          </a:prstGeom>
-          <a:noFill/>
-          <a:ln w="9525">
-            <a:solidFill>
-              <a:schemeClr val="tx1"/>
-            </a:solidFill>
-            <a:round/>
-            <a:headEnd/>
-            <a:tailEnd type="triangle" w="med" len="med"/>
-          </a:ln>
-        </p:spPr>
-        <p:txBody>
-          <a:bodyPr/>
-          <a:lstStyle/>
-          <a:p>
-            <a:pPr>
-              <a:defRPr/>
-            </a:pPr>
-            <a:endParaRPr lang="en-US">
-              <a:latin typeface="+mn-lt"/>
-            </a:endParaRPr>
-          </a:p>
-        </p:txBody>
-      </p:sp>
-      <p:sp>
-        <p:nvSpPr>
-          <p:cNvPr id="57359" name="Text Box 15"/>
-          <p:cNvSpPr txBox="1">
-            <a:spLocks noChangeArrowheads="1"/>
-          </p:cNvSpPr>
-          <p:nvPr/>
-        </p:nvSpPr>
-        <p:spPr bwMode="auto">
-          <a:xfrm>
-            <a:off x="2743200" y="1890713"/>
-            <a:ext cx="1812547" cy="523220"/>
-          </a:xfrm>
-          <a:prstGeom prst="rect">
-            <a:avLst/>
-          </a:prstGeom>
-          <a:noFill/>
-          <a:ln w="9525">
-            <a:noFill/>
-            <a:miter lim="800000"/>
-            <a:headEnd/>
-            <a:tailEnd/>
-          </a:ln>
-        </p:spPr>
-        <p:txBody>
-          <a:bodyPr wrap="none">
-            <a:spAutoFit/>
-          </a:bodyPr>
-          <a:lstStyle/>
-          <a:p>
-            <a:pPr>
-              <a:defRPr/>
-            </a:pPr>
-            <a:r>
-              <a:rPr lang="en-US" sz="2800" dirty="0"/>
-              <a:t>p</a:t>
-            </a:r>
-            <a:r>
-              <a:rPr lang="en-US" sz="2800" dirty="0">
-                <a:latin typeface="+mn-lt"/>
-              </a:rPr>
-              <a:t>_Recur</a:t>
-            </a:r>
-            <a:r>
-              <a:rPr lang="en-US" sz="2800" baseline="-25000" dirty="0">
-                <a:latin typeface="+mn-lt"/>
-              </a:rPr>
-              <a:t>2</a:t>
-            </a:r>
-          </a:p>
-        </p:txBody>
-      </p:sp>
-      <p:sp>
-        <p:nvSpPr>
-          <p:cNvPr id="57360" name="Line 16"/>
-          <p:cNvSpPr>
-            <a:spLocks noChangeShapeType="1"/>
-          </p:cNvSpPr>
-          <p:nvPr/>
-        </p:nvSpPr>
-        <p:spPr bwMode="auto">
-          <a:xfrm>
-            <a:off x="2466975" y="3429000"/>
-            <a:ext cx="2101850" cy="0"/>
-          </a:xfrm>
-          <a:prstGeom prst="line">
-            <a:avLst/>
-          </a:prstGeom>
-          <a:noFill/>
-          <a:ln w="9525">
-            <a:solidFill>
-              <a:schemeClr val="tx1"/>
-            </a:solidFill>
-            <a:round/>
-            <a:headEnd/>
-            <a:tailEnd type="triangle" w="med" len="med"/>
-          </a:ln>
-        </p:spPr>
-        <p:txBody>
-          <a:bodyPr/>
-          <a:lstStyle/>
-          <a:p>
-            <a:pPr>
-              <a:defRPr/>
-            </a:pPr>
-            <a:endParaRPr lang="en-US">
-              <a:latin typeface="+mn-lt"/>
-            </a:endParaRPr>
-          </a:p>
-        </p:txBody>
-      </p:sp>
-      <p:sp>
-        <p:nvSpPr>
-          <p:cNvPr id="57361" name="Text Box 17"/>
-          <p:cNvSpPr txBox="1">
-            <a:spLocks noChangeArrowheads="1"/>
-          </p:cNvSpPr>
-          <p:nvPr/>
-        </p:nvSpPr>
-        <p:spPr bwMode="auto">
-          <a:xfrm>
-            <a:off x="2741613" y="2943225"/>
-            <a:ext cx="1812547" cy="523220"/>
-          </a:xfrm>
-          <a:prstGeom prst="rect">
-            <a:avLst/>
-          </a:prstGeom>
-          <a:noFill/>
-          <a:ln w="9525">
-            <a:noFill/>
-            <a:miter lim="800000"/>
-            <a:headEnd/>
-            <a:tailEnd/>
-          </a:ln>
-        </p:spPr>
-        <p:txBody>
-          <a:bodyPr wrap="none">
-            <a:spAutoFit/>
-          </a:bodyPr>
-          <a:lstStyle/>
-          <a:p>
-            <a:pPr>
-              <a:defRPr/>
-            </a:pPr>
-            <a:r>
-              <a:rPr lang="en-US" sz="2800" dirty="0"/>
-              <a:t>p</a:t>
-            </a:r>
-            <a:r>
-              <a:rPr lang="en-US" sz="2800" dirty="0">
-                <a:latin typeface="+mn-lt"/>
-              </a:rPr>
-              <a:t>_Recur</a:t>
-            </a:r>
-            <a:r>
-              <a:rPr lang="en-US" sz="2800" baseline="-25000" dirty="0">
-                <a:latin typeface="+mn-lt"/>
-              </a:rPr>
-              <a:t>3</a:t>
-            </a:r>
-          </a:p>
-        </p:txBody>
-      </p:sp>
-      <p:sp>
-        <p:nvSpPr>
-          <p:cNvPr id="57362" name="Line 18"/>
-          <p:cNvSpPr>
-            <a:spLocks noChangeShapeType="1"/>
-          </p:cNvSpPr>
-          <p:nvPr/>
-        </p:nvSpPr>
-        <p:spPr bwMode="auto">
-          <a:xfrm>
-            <a:off x="2466975" y="4478338"/>
-            <a:ext cx="2101850" cy="0"/>
-          </a:xfrm>
-          <a:prstGeom prst="line">
-            <a:avLst/>
-          </a:prstGeom>
-          <a:noFill/>
-          <a:ln w="9525">
-            <a:solidFill>
-              <a:schemeClr val="tx1"/>
-            </a:solidFill>
-            <a:round/>
-            <a:headEnd/>
-            <a:tailEnd type="triangle" w="med" len="med"/>
-          </a:ln>
-        </p:spPr>
-        <p:txBody>
-          <a:bodyPr/>
-          <a:lstStyle/>
-          <a:p>
-            <a:pPr>
-              <a:defRPr/>
-            </a:pPr>
-            <a:endParaRPr lang="en-US">
-              <a:latin typeface="+mn-lt"/>
-            </a:endParaRPr>
-          </a:p>
-        </p:txBody>
-      </p:sp>
-      <p:sp>
-        <p:nvSpPr>
-          <p:cNvPr id="57363" name="Text Box 19"/>
-          <p:cNvSpPr txBox="1">
-            <a:spLocks noChangeArrowheads="1"/>
-          </p:cNvSpPr>
-          <p:nvPr/>
-        </p:nvSpPr>
-        <p:spPr bwMode="auto">
-          <a:xfrm>
-            <a:off x="2741613" y="3994150"/>
-            <a:ext cx="1812547" cy="523220"/>
-          </a:xfrm>
-          <a:prstGeom prst="rect">
-            <a:avLst/>
-          </a:prstGeom>
-          <a:noFill/>
-          <a:ln w="9525">
-            <a:noFill/>
-            <a:miter lim="800000"/>
-            <a:headEnd/>
-            <a:tailEnd/>
-          </a:ln>
-        </p:spPr>
-        <p:txBody>
-          <a:bodyPr wrap="none">
-            <a:spAutoFit/>
-          </a:bodyPr>
-          <a:lstStyle/>
-          <a:p>
-            <a:pPr>
-              <a:defRPr/>
-            </a:pPr>
-            <a:r>
-              <a:rPr lang="en-US" sz="2800" dirty="0"/>
-              <a:t>p</a:t>
-            </a:r>
-            <a:r>
-              <a:rPr lang="en-US" sz="2800" dirty="0">
-                <a:latin typeface="+mn-lt"/>
-              </a:rPr>
-              <a:t>_Recur</a:t>
-            </a:r>
-            <a:r>
-              <a:rPr lang="en-US" sz="2800" baseline="-25000" dirty="0">
-                <a:latin typeface="+mn-lt"/>
-              </a:rPr>
-              <a:t>4</a:t>
-            </a:r>
-          </a:p>
-        </p:txBody>
-      </p:sp>
-      <p:sp>
-        <p:nvSpPr>
-          <p:cNvPr id="57364" name="Line 20"/>
-          <p:cNvSpPr>
-            <a:spLocks noChangeShapeType="1"/>
-          </p:cNvSpPr>
-          <p:nvPr/>
-        </p:nvSpPr>
-        <p:spPr bwMode="auto">
-          <a:xfrm>
-            <a:off x="2466975" y="5803900"/>
-            <a:ext cx="2101850" cy="0"/>
-          </a:xfrm>
-          <a:prstGeom prst="line">
-            <a:avLst/>
-          </a:prstGeom>
-          <a:noFill/>
-          <a:ln w="9525">
-            <a:solidFill>
-              <a:schemeClr val="tx1"/>
-            </a:solidFill>
-            <a:round/>
-            <a:headEnd/>
-            <a:tailEnd type="triangle" w="med" len="med"/>
-          </a:ln>
-        </p:spPr>
-        <p:txBody>
-          <a:bodyPr/>
-          <a:lstStyle/>
-          <a:p>
-            <a:pPr>
-              <a:defRPr/>
-            </a:pPr>
-            <a:endParaRPr lang="en-US">
-              <a:latin typeface="+mn-lt"/>
-            </a:endParaRPr>
-          </a:p>
-        </p:txBody>
-      </p:sp>
-      <p:sp>
-        <p:nvSpPr>
-          <p:cNvPr id="57365" name="Text Box 21"/>
-          <p:cNvSpPr txBox="1">
-            <a:spLocks noChangeArrowheads="1"/>
-          </p:cNvSpPr>
-          <p:nvPr/>
-        </p:nvSpPr>
-        <p:spPr bwMode="auto">
-          <a:xfrm>
-            <a:off x="2741613" y="5319713"/>
-            <a:ext cx="1810945" cy="523220"/>
-          </a:xfrm>
-          <a:prstGeom prst="rect">
-            <a:avLst/>
-          </a:prstGeom>
-          <a:noFill/>
-          <a:ln w="9525">
-            <a:noFill/>
-            <a:miter lim="800000"/>
-            <a:headEnd/>
-            <a:tailEnd/>
-          </a:ln>
-        </p:spPr>
-        <p:txBody>
-          <a:bodyPr wrap="none">
-            <a:spAutoFit/>
-          </a:bodyPr>
-          <a:lstStyle/>
-          <a:p>
-            <a:pPr>
-              <a:defRPr/>
-            </a:pPr>
-            <a:r>
-              <a:rPr lang="en-US" sz="2800" dirty="0" err="1"/>
-              <a:t>p</a:t>
-            </a:r>
-            <a:r>
-              <a:rPr lang="en-US" sz="2800" dirty="0" err="1">
-                <a:latin typeface="+mn-lt"/>
-              </a:rPr>
-              <a:t>_Recur</a:t>
-            </a:r>
-            <a:r>
-              <a:rPr lang="en-US" sz="2800" baseline="-25000" dirty="0" err="1">
-                <a:latin typeface="+mn-lt"/>
-              </a:rPr>
-              <a:t>n</a:t>
-            </a:r>
-            <a:endParaRPr lang="en-US" sz="2800" baseline="-25000" dirty="0">
-              <a:latin typeface="+mn-lt"/>
-            </a:endParaRPr>
-          </a:p>
-        </p:txBody>
-      </p:sp>
-      <p:sp>
-        <p:nvSpPr>
-          <p:cNvPr id="57366" name="AutoShape 22"/>
-          <p:cNvSpPr>
-            <a:spLocks/>
-          </p:cNvSpPr>
-          <p:nvPr/>
-        </p:nvSpPr>
-        <p:spPr bwMode="auto">
-          <a:xfrm>
-            <a:off x="4724400" y="1066800"/>
-            <a:ext cx="914400" cy="4876800"/>
-          </a:xfrm>
-          <a:prstGeom prst="rightBrace">
-            <a:avLst>
-              <a:gd name="adj1" fmla="val 44444"/>
-              <a:gd name="adj2" fmla="val 50000"/>
-            </a:avLst>
-          </a:prstGeom>
-          <a:noFill/>
-          <a:ln w="9525">
-            <a:solidFill>
-              <a:schemeClr val="tx1"/>
-            </a:solidFill>
-            <a:round/>
-            <a:headEnd/>
-            <a:tailEnd/>
-          </a:ln>
-        </p:spPr>
-        <p:txBody>
-          <a:bodyPr wrap="none" anchor="ctr"/>
-          <a:lstStyle/>
-          <a:p>
-            <a:pPr>
-              <a:defRPr/>
-            </a:pPr>
-            <a:endParaRPr lang="en-US">
-              <a:latin typeface="+mn-lt"/>
-            </a:endParaRPr>
-          </a:p>
-        </p:txBody>
-      </p:sp>
-      <p:sp>
-        <p:nvSpPr>
-          <p:cNvPr id="57367" name="Oval 23"/>
-          <p:cNvSpPr>
-            <a:spLocks noChangeArrowheads="1"/>
-          </p:cNvSpPr>
-          <p:nvPr/>
-        </p:nvSpPr>
-        <p:spPr bwMode="auto">
-          <a:xfrm>
-            <a:off x="5940425" y="3162300"/>
-            <a:ext cx="1371600" cy="685800"/>
-          </a:xfrm>
-          <a:prstGeom prst="ellipse">
-            <a:avLst/>
-          </a:prstGeom>
-          <a:solidFill>
-            <a:schemeClr val="accent2">
-              <a:lumMod val="75000"/>
-              <a:alpha val="15000"/>
-            </a:schemeClr>
-          </a:solidFill>
-          <a:ln w="9525">
-            <a:solidFill>
-              <a:schemeClr val="tx1"/>
-            </a:solidFill>
-            <a:round/>
-            <a:headEnd/>
-            <a:tailEnd/>
-          </a:ln>
-        </p:spPr>
-        <p:txBody>
-          <a:bodyPr wrap="none" anchor="ctr"/>
-          <a:lstStyle/>
-          <a:p>
-            <a:pPr algn="ctr">
-              <a:defRPr/>
-            </a:pPr>
-            <a:r>
-              <a:rPr lang="en-US" sz="2400">
-                <a:latin typeface="+mn-lt"/>
-              </a:rPr>
-              <a:t>Recur</a:t>
-            </a:r>
-          </a:p>
-        </p:txBody>
-      </p:sp>
-      <p:sp>
-        <p:nvSpPr>
-          <p:cNvPr id="57371" name="Text Box 27"/>
-          <p:cNvSpPr txBox="1">
-            <a:spLocks noChangeArrowheads="1"/>
-          </p:cNvSpPr>
-          <p:nvPr/>
-        </p:nvSpPr>
-        <p:spPr bwMode="auto">
-          <a:xfrm>
-            <a:off x="5533299" y="5581650"/>
-            <a:ext cx="3245644" cy="830997"/>
-          </a:xfrm>
-          <a:prstGeom prst="rect">
-            <a:avLst/>
-          </a:prstGeom>
-          <a:noFill/>
-          <a:ln w="9525">
-            <a:noFill/>
-            <a:miter lim="800000"/>
-            <a:headEnd/>
-            <a:tailEnd/>
-          </a:ln>
-        </p:spPr>
-        <p:txBody>
-          <a:bodyPr wrap="square">
-            <a:spAutoFit/>
-          </a:bodyPr>
-          <a:lstStyle/>
-          <a:p>
-            <a:pPr>
-              <a:defRPr/>
-            </a:pPr>
-            <a:r>
-              <a:rPr lang="en-US" sz="2400" dirty="0">
-                <a:latin typeface="+mn-lt"/>
-              </a:rPr>
-              <a:t>Transitions to Dead also allowed.</a:t>
-            </a:r>
-          </a:p>
-        </p:txBody>
-      </p:sp>
-      <p:sp>
-        <p:nvSpPr>
-          <p:cNvPr id="57372" name="Text Box 28"/>
-          <p:cNvSpPr txBox="1">
-            <a:spLocks noChangeArrowheads="1"/>
-          </p:cNvSpPr>
-          <p:nvPr/>
-        </p:nvSpPr>
-        <p:spPr bwMode="auto">
-          <a:xfrm>
-            <a:off x="5562600" y="381000"/>
-            <a:ext cx="2997200" cy="646113"/>
-          </a:xfrm>
-          <a:prstGeom prst="rect">
-            <a:avLst/>
-          </a:prstGeom>
-          <a:noFill/>
-          <a:ln w="9525">
-            <a:noFill/>
-            <a:miter lim="800000"/>
-            <a:headEnd/>
-            <a:tailEnd/>
-          </a:ln>
-        </p:spPr>
-        <p:txBody>
-          <a:bodyPr wrap="none">
-            <a:spAutoFit/>
-          </a:bodyPr>
-          <a:lstStyle/>
-          <a:p>
-            <a:pPr>
-              <a:defRPr/>
-            </a:pPr>
-            <a:r>
-              <a:rPr lang="en-US" sz="3600" i="1" u="sng">
-                <a:latin typeface="+mn-lt"/>
-              </a:rPr>
-              <a:t>Tunnel States</a:t>
-            </a:r>
-          </a:p>
-        </p:txBody>
-      </p:sp>
-      <p:sp>
-        <p:nvSpPr>
-          <p:cNvPr id="29" name="Slide Number Placeholder 28"/>
-          <p:cNvSpPr>
-            <a:spLocks noGrp="1"/>
-          </p:cNvSpPr>
-          <p:nvPr>
-            <p:ph type="sldNum" sz="quarter" idx="12"/>
-          </p:nvPr>
-        </p:nvSpPr>
-        <p:spPr/>
-        <p:txBody>
-          <a:bodyPr/>
-          <a:lstStyle>
-            <a:lvl1pPr eaLnBrk="0" hangingPunct="0">
-              <a:defRPr>
-                <a:solidFill>
-                  <a:schemeClr val="tx1"/>
-                </a:solidFill>
-                <a:latin typeface="Arial" panose="020B0604020202020204" pitchFamily="34" charset="0"/>
-              </a:defRPr>
-            </a:lvl1pPr>
-            <a:lvl2pPr marL="742950" indent="-285750" eaLnBrk="0" hangingPunct="0">
-              <a:defRPr>
-                <a:solidFill>
-                  <a:schemeClr val="tx1"/>
-                </a:solidFill>
-                <a:latin typeface="Arial" panose="020B0604020202020204" pitchFamily="34" charset="0"/>
-              </a:defRPr>
-            </a:lvl2pPr>
-            <a:lvl3pPr marL="1143000" indent="-228600" eaLnBrk="0" hangingPunct="0">
-              <a:defRPr>
-                <a:solidFill>
-                  <a:schemeClr val="tx1"/>
-                </a:solidFill>
-                <a:latin typeface="Arial" panose="020B0604020202020204" pitchFamily="34" charset="0"/>
-              </a:defRPr>
-            </a:lvl3pPr>
-            <a:lvl4pPr marL="1600200" indent="-228600" eaLnBrk="0" hangingPunct="0">
-              <a:defRPr>
-                <a:solidFill>
-                  <a:schemeClr val="tx1"/>
-                </a:solidFill>
-                <a:latin typeface="Arial" panose="020B0604020202020204" pitchFamily="34" charset="0"/>
-              </a:defRPr>
-            </a:lvl4pPr>
-            <a:lvl5pPr marL="2057400" indent="-228600" eaLnBrk="0" hangingPunct="0">
-              <a:defRPr>
-                <a:solidFill>
-                  <a:schemeClr val="tx1"/>
-                </a:solidFill>
-                <a:latin typeface="Arial" panose="020B0604020202020204" pitchFamily="34" charset="0"/>
-              </a:defRPr>
-            </a:lvl5pPr>
-            <a:lvl6pPr marL="2514600" indent="-228600" eaLnBrk="0" fontAlgn="base" hangingPunct="0">
-              <a:spcBef>
-                <a:spcPct val="0"/>
-              </a:spcBef>
-              <a:spcAft>
-                <a:spcPct val="0"/>
-              </a:spcAft>
-              <a:defRPr>
-                <a:solidFill>
-                  <a:schemeClr val="tx1"/>
-                </a:solidFill>
-                <a:latin typeface="Arial" panose="020B0604020202020204" pitchFamily="34" charset="0"/>
-              </a:defRPr>
-            </a:lvl6pPr>
-            <a:lvl7pPr marL="2971800" indent="-228600" eaLnBrk="0" fontAlgn="base" hangingPunct="0">
-              <a:spcBef>
-                <a:spcPct val="0"/>
-              </a:spcBef>
-              <a:spcAft>
-                <a:spcPct val="0"/>
-              </a:spcAft>
-              <a:defRPr>
-                <a:solidFill>
-                  <a:schemeClr val="tx1"/>
-                </a:solidFill>
-                <a:latin typeface="Arial" panose="020B0604020202020204" pitchFamily="34" charset="0"/>
-              </a:defRPr>
-            </a:lvl7pPr>
-            <a:lvl8pPr marL="3429000" indent="-228600" eaLnBrk="0" fontAlgn="base" hangingPunct="0">
-              <a:spcBef>
-                <a:spcPct val="0"/>
-              </a:spcBef>
-              <a:spcAft>
-                <a:spcPct val="0"/>
-              </a:spcAft>
-              <a:defRPr>
-                <a:solidFill>
-                  <a:schemeClr val="tx1"/>
-                </a:solidFill>
-                <a:latin typeface="Arial" panose="020B0604020202020204" pitchFamily="34" charset="0"/>
-              </a:defRPr>
-            </a:lvl8pPr>
-            <a:lvl9pPr marL="3886200" indent="-228600" eaLnBrk="0" fontAlgn="base" hangingPunct="0">
-              <a:spcBef>
-                <a:spcPct val="0"/>
-              </a:spcBef>
-              <a:spcAft>
-                <a:spcPct val="0"/>
-              </a:spcAft>
-              <a:defRPr>
-                <a:solidFill>
-                  <a:schemeClr val="tx1"/>
-                </a:solidFill>
-                <a:latin typeface="Arial" panose="020B0604020202020204" pitchFamily="34" charset="0"/>
-              </a:defRPr>
-            </a:lvl9pPr>
-          </a:lstStyle>
-          <a:p>
-            <a:pPr eaLnBrk="1" hangingPunct="1"/>
-            <a:fld id="{3F7E73E1-F280-4386-87FD-01754258053D}" type="slidenum">
-              <a:rPr lang="en-US">
-                <a:solidFill>
-                  <a:schemeClr val="accent1"/>
-                </a:solidFill>
-              </a:rPr>
-              <a:pPr eaLnBrk="1" hangingPunct="1"/>
-              <a:t>19</a:t>
-            </a:fld>
-            <a:endParaRPr lang="en-US" dirty="0">
-              <a:solidFill>
-                <a:schemeClr val="accent1"/>
-              </a:solidFill>
-            </a:endParaRPr>
-          </a:p>
-        </p:txBody>
-      </p:sp>
-      <p:cxnSp>
-        <p:nvCxnSpPr>
-          <p:cNvPr id="3" name="Straight Arrow Connector 2">
-            <a:extLst>
-              <a:ext uri="{FF2B5EF4-FFF2-40B4-BE49-F238E27FC236}">
-                <a16:creationId xmlns:a16="http://schemas.microsoft.com/office/drawing/2014/main" id="{62253F7C-73B3-AA4E-8A29-41AC09233B0B}"/>
-              </a:ext>
-            </a:extLst>
-          </p:cNvPr>
-          <p:cNvCxnSpPr/>
-          <p:nvPr/>
-        </p:nvCxnSpPr>
-        <p:spPr>
-          <a:xfrm>
-            <a:off x="914400" y="381000"/>
-            <a:ext cx="337374" cy="646113"/>
-          </a:xfrm>
-          <a:prstGeom prst="straightConnector1">
-            <a:avLst/>
-          </a:prstGeom>
-          <a:ln w="25400">
-            <a:solidFill>
-              <a:schemeClr val="tx1"/>
-            </a:solidFill>
-            <a:tailEnd type="triangle"/>
-          </a:ln>
-        </p:spPr>
-        <p:style>
-          <a:lnRef idx="1">
-            <a:schemeClr val="accent1"/>
-          </a:lnRef>
-          <a:fillRef idx="0">
-            <a:schemeClr val="accent1"/>
-          </a:fillRef>
-          <a:effectRef idx="0">
-            <a:schemeClr val="accent1"/>
-          </a:effectRef>
-          <a:fontRef idx="minor">
-            <a:schemeClr val="tx1"/>
-          </a:fontRef>
-        </p:style>
-      </p:cxnSp>
-    </p:spTree>
-    <p:extLst>
-      <p:ext uri="{BB962C8B-B14F-4D97-AF65-F5344CB8AC3E}">
-        <p14:creationId xmlns:p14="http://schemas.microsoft.com/office/powerpoint/2010/main" val="4270356958"/>
-      </p:ext>
-    </p:extLst>
-  </p:cSld>
-  <p:clrMapOvr>
-    <a:masterClrMapping/>
-  </p:clrMapOvr>
-</p:sld>
-</file>
-
-<file path=ppt/slides/slide2.xml><?xml version="1.0" encoding="utf-8"?>
-<p:sld xmlns:a="http://schemas.openxmlformats.org/drawingml/2006/main" xmlns:r="http://schemas.openxmlformats.org/officeDocument/2006/relationships" xmlns:p="http://schemas.openxmlformats.org/presentationml/2006/main">
-  <p:cSld>
-    <p:spTree>
-      <p:nvGrpSpPr>
-        <p:cNvPr id="1" name="Shape 560"/>
-        <p:cNvGrpSpPr/>
-        <p:nvPr/>
-      </p:nvGrpSpPr>
-      <p:grpSpPr>
-        <a:xfrm>
-          <a:off x="0" y="0"/>
-          <a:ext cx="0" cy="0"/>
-          <a:chOff x="0" y="0"/>
-          <a:chExt cx="0" cy="0"/>
-        </a:xfrm>
-      </p:grpSpPr>
-      <p:sp>
-        <p:nvSpPr>
-          <p:cNvPr id="561" name="Shape 561"/>
-          <p:cNvSpPr txBox="1">
-            <a:spLocks noGrp="1"/>
-          </p:cNvSpPr>
-          <p:nvPr>
-            <p:ph type="title"/>
-          </p:nvPr>
-        </p:nvSpPr>
-        <p:spPr>
-          <a:xfrm>
-            <a:off x="840431" y="274638"/>
-            <a:ext cx="7875551" cy="1143000"/>
-          </a:xfrm>
-          <a:prstGeom prst="rect">
-            <a:avLst/>
-          </a:prstGeom>
-        </p:spPr>
-        <p:txBody>
-          <a:bodyPr spcFirstLastPara="1" wrap="square" lIns="91425" tIns="91425" rIns="91425" bIns="91425" anchor="ctr" anchorCtr="0">
-            <a:noAutofit/>
-          </a:bodyPr>
-          <a:lstStyle/>
-          <a:p>
-            <a:pPr marL="0" lvl="0" indent="0" rtl="0">
-              <a:spcBef>
-                <a:spcPts val="0"/>
-              </a:spcBef>
-              <a:spcAft>
-                <a:spcPts val="0"/>
-              </a:spcAft>
-              <a:buNone/>
-            </a:pPr>
-            <a:r>
-              <a:rPr lang="nl-NL" dirty="0"/>
-              <a:t>Cohort State-</a:t>
-            </a:r>
-            <a:r>
-              <a:rPr lang="nl-NL" dirty="0" err="1"/>
-              <a:t>Transition</a:t>
-            </a:r>
-            <a:r>
-              <a:rPr lang="nl-NL" dirty="0"/>
-              <a:t> </a:t>
-            </a:r>
-            <a:r>
-              <a:rPr lang="nl-NL" dirty="0" err="1"/>
-              <a:t>Models</a:t>
-            </a:r>
-            <a:endParaRPr dirty="0"/>
-          </a:p>
-        </p:txBody>
-      </p:sp>
-      <p:sp>
-        <p:nvSpPr>
-          <p:cNvPr id="562" name="Shape 562"/>
-          <p:cNvSpPr txBox="1">
-            <a:spLocks noGrp="1"/>
-          </p:cNvSpPr>
-          <p:nvPr>
-            <p:ph idx="1"/>
-          </p:nvPr>
-        </p:nvSpPr>
-        <p:spPr>
-          <a:xfrm>
-            <a:off x="840425" y="1643974"/>
-            <a:ext cx="8015700" cy="4640726"/>
-          </a:xfrm>
-          <a:prstGeom prst="rect">
-            <a:avLst/>
-          </a:prstGeom>
-        </p:spPr>
-        <p:txBody>
-          <a:bodyPr spcFirstLastPara="1" wrap="square" lIns="91425" tIns="91425" rIns="91425" bIns="91425" anchor="t" anchorCtr="0">
-            <a:noAutofit/>
-          </a:bodyPr>
-          <a:lstStyle/>
-          <a:p>
-            <a:pPr marL="457200" lvl="0" indent="-381000" rtl="0">
-              <a:spcBef>
-                <a:spcPts val="800"/>
-              </a:spcBef>
-              <a:spcAft>
-                <a:spcPts val="0"/>
-              </a:spcAft>
-              <a:buSzPts val="2400"/>
-              <a:buChar char="•"/>
-            </a:pPr>
-            <a:r>
-              <a:rPr lang="nl-NL" sz="2400" dirty="0" err="1"/>
-              <a:t>Models</a:t>
-            </a:r>
-            <a:r>
-              <a:rPr lang="nl-NL" sz="2400" dirty="0"/>
-              <a:t> </a:t>
-            </a:r>
-            <a:r>
-              <a:rPr lang="nl-NL" sz="2400" dirty="0" err="1"/>
-              <a:t>where</a:t>
-            </a:r>
-            <a:r>
-              <a:rPr lang="nl-NL" sz="2400" dirty="0"/>
-              <a:t> </a:t>
-            </a:r>
-            <a:r>
-              <a:rPr lang="nl-NL" sz="2400" dirty="0" err="1"/>
-              <a:t>proportions</a:t>
-            </a:r>
-            <a:r>
-              <a:rPr lang="nl-NL" sz="2400" dirty="0"/>
-              <a:t> of a cohort </a:t>
-            </a:r>
-            <a:r>
-              <a:rPr lang="nl-NL" sz="2400" dirty="0" err="1"/>
-              <a:t>occupy</a:t>
-            </a:r>
-            <a:r>
-              <a:rPr lang="nl-NL" sz="2400" dirty="0"/>
-              <a:t> </a:t>
-            </a:r>
-            <a:r>
-              <a:rPr lang="nl-NL" sz="2400" dirty="0" err="1"/>
-              <a:t>states</a:t>
-            </a:r>
-            <a:r>
-              <a:rPr lang="nl-NL" sz="2400" dirty="0"/>
-              <a:t> at </a:t>
-            </a:r>
-            <a:r>
-              <a:rPr lang="nl-NL" sz="2400" dirty="0" err="1"/>
-              <a:t>each</a:t>
-            </a:r>
-            <a:r>
-              <a:rPr lang="nl-NL" sz="2400" dirty="0"/>
-              <a:t> point in time (e.g., </a:t>
-            </a:r>
-            <a:r>
-              <a:rPr lang="nl-NL" sz="2400" dirty="0" err="1"/>
-              <a:t>healthy</a:t>
-            </a:r>
-            <a:r>
-              <a:rPr lang="nl-NL" sz="2400" dirty="0"/>
-              <a:t>, sick, </a:t>
-            </a:r>
-            <a:r>
-              <a:rPr lang="nl-NL" sz="2400" dirty="0" err="1"/>
-              <a:t>stable</a:t>
-            </a:r>
-            <a:r>
-              <a:rPr lang="nl-NL" sz="2400" dirty="0"/>
-              <a:t>, </a:t>
-            </a:r>
-            <a:r>
-              <a:rPr lang="nl-NL" sz="2400" dirty="0" err="1"/>
-              <a:t>progressed</a:t>
-            </a:r>
-            <a:r>
-              <a:rPr lang="nl-NL" sz="2400" dirty="0"/>
-              <a:t>, dead).</a:t>
-            </a:r>
-            <a:endParaRPr sz="2400" dirty="0"/>
-          </a:p>
-          <a:p>
-            <a:pPr marL="457200" lvl="0" indent="-381000" rtl="0">
-              <a:spcBef>
-                <a:spcPts val="1000"/>
-              </a:spcBef>
-              <a:spcAft>
-                <a:spcPts val="0"/>
-              </a:spcAft>
-              <a:buSzPts val="2400"/>
-              <a:buChar char="•"/>
-            </a:pPr>
-            <a:r>
-              <a:rPr lang="nl-NL" sz="2400" dirty="0"/>
-              <a:t>Transitions allowed between states with some probability.</a:t>
-            </a:r>
-            <a:endParaRPr sz="2400" dirty="0"/>
-          </a:p>
-          <a:p>
-            <a:pPr marL="457200" lvl="0" indent="-381000" rtl="0">
-              <a:spcBef>
-                <a:spcPts val="1000"/>
-              </a:spcBef>
-              <a:spcAft>
-                <a:spcPts val="0"/>
-              </a:spcAft>
-              <a:buSzPts val="2400"/>
-              <a:buChar char="•"/>
-            </a:pPr>
-            <a:r>
-              <a:rPr lang="nl-NL" sz="2400" dirty="0" err="1"/>
-              <a:t>Transitions</a:t>
-            </a:r>
-            <a:r>
-              <a:rPr lang="nl-NL" sz="2400" dirty="0"/>
-              <a:t> </a:t>
-            </a:r>
-            <a:r>
-              <a:rPr lang="nl-NL" sz="2400" dirty="0" err="1"/>
-              <a:t>occur</a:t>
-            </a:r>
-            <a:r>
-              <a:rPr lang="nl-NL" sz="2400" dirty="0"/>
-              <a:t> in </a:t>
-            </a:r>
-            <a:r>
-              <a:rPr lang="nl-NL" sz="2400" dirty="0" err="1"/>
-              <a:t>cycles</a:t>
-            </a:r>
-            <a:r>
-              <a:rPr lang="nl-NL" sz="2400" dirty="0"/>
-              <a:t> (</a:t>
-            </a:r>
-            <a:r>
-              <a:rPr lang="nl-NL" sz="2400" dirty="0" err="1"/>
-              <a:t>months</a:t>
-            </a:r>
-            <a:r>
-              <a:rPr lang="nl-NL" sz="2400" dirty="0"/>
-              <a:t>, </a:t>
-            </a:r>
-            <a:r>
-              <a:rPr lang="nl-NL" sz="2400" dirty="0" err="1"/>
-              <a:t>years</a:t>
-            </a:r>
-            <a:r>
-              <a:rPr lang="nl-NL" sz="2400" dirty="0"/>
-              <a:t> </a:t>
-            </a:r>
-            <a:r>
-              <a:rPr lang="nl-NL" sz="2400" dirty="0" err="1"/>
-              <a:t>etc</a:t>
-            </a:r>
-            <a:r>
-              <a:rPr lang="nl-NL" sz="2400" dirty="0"/>
-              <a:t>).</a:t>
-            </a:r>
-            <a:endParaRPr sz="2400" dirty="0"/>
-          </a:p>
-          <a:p>
-            <a:pPr marL="457200" lvl="0" indent="-381000" rtl="0">
-              <a:spcBef>
-                <a:spcPts val="1000"/>
-              </a:spcBef>
-              <a:spcAft>
-                <a:spcPts val="0"/>
-              </a:spcAft>
-              <a:buSzPts val="2400"/>
-              <a:buChar char="•"/>
-            </a:pPr>
-            <a:r>
-              <a:rPr lang="nl-NL" sz="2400" dirty="0"/>
-              <a:t>Each state associated with a value associated with a model outcome ($, utility).</a:t>
-            </a:r>
-            <a:endParaRPr sz="2400" dirty="0"/>
-          </a:p>
-          <a:p>
-            <a:pPr marL="457200" lvl="0" indent="-381000" rtl="0">
-              <a:spcBef>
-                <a:spcPts val="1000"/>
-              </a:spcBef>
-              <a:spcAft>
-                <a:spcPts val="1000"/>
-              </a:spcAft>
-              <a:buSzPts val="2400"/>
-              <a:buChar char="•"/>
-            </a:pPr>
-            <a:r>
-              <a:rPr lang="nl-NL" sz="2400" dirty="0"/>
-              <a:t>Markov assumption: no “memory” within states.</a:t>
-            </a:r>
-            <a:endParaRPr sz="2400" dirty="0"/>
-          </a:p>
-        </p:txBody>
-      </p:sp>
-      <p:sp>
-        <p:nvSpPr>
-          <p:cNvPr id="563" name="Shape 563"/>
-          <p:cNvSpPr txBox="1">
-            <a:spLocks noGrp="1"/>
-          </p:cNvSpPr>
-          <p:nvPr>
-            <p:ph type="sldNum" sz="quarter" idx="12"/>
-          </p:nvPr>
-        </p:nvSpPr>
-        <p:spPr>
-          <a:prstGeom prst="rect">
-            <a:avLst/>
-          </a:prstGeom>
-        </p:spPr>
-        <p:txBody>
-          <a:bodyPr spcFirstLastPara="1" wrap="square" lIns="0" tIns="0" rIns="0" bIns="0" anchor="ctr" anchorCtr="0">
-            <a:noAutofit/>
-          </a:bodyPr>
-          <a:lstStyle/>
-          <a:p>
-            <a:pPr marL="0" lvl="0" indent="0">
-              <a:spcBef>
-                <a:spcPts val="0"/>
-              </a:spcBef>
-              <a:spcAft>
-                <a:spcPts val="0"/>
-              </a:spcAft>
-              <a:buClr>
-                <a:srgbClr val="000000"/>
-              </a:buClr>
-              <a:buFont typeface="Arial"/>
-              <a:buNone/>
-            </a:pPr>
-            <a:fld id="{00000000-1234-1234-1234-123412341234}" type="slidenum">
-              <a:rPr lang="nl-NL"/>
-              <a:t>2</a:t>
-            </a:fld>
-            <a:endParaRPr/>
-          </a:p>
-        </p:txBody>
-      </p:sp>
-    </p:spTree>
-    <p:extLst>
-      <p:ext uri="{BB962C8B-B14F-4D97-AF65-F5344CB8AC3E}">
-        <p14:creationId xmlns:p14="http://schemas.microsoft.com/office/powerpoint/2010/main" val="961895113"/>
-      </p:ext>
-    </p:extLst>
-  </p:cSld>
-  <p:clrMapOvr>
-    <a:masterClrMapping/>
-  </p:clrMapOvr>
-</p:sld>
-</file>
-
-<file path=ppt/slides/slide20.xml><?xml version="1.0" encoding="utf-8"?>
-<p:sld xmlns:a="http://schemas.openxmlformats.org/drawingml/2006/main" xmlns:r="http://schemas.openxmlformats.org/officeDocument/2006/relationships" xmlns:p="http://schemas.openxmlformats.org/presentationml/2006/main">
-  <p:cSld>
-    <p:spTree>
-      <p:nvGrpSpPr>
-        <p:cNvPr id="1" name=""/>
-        <p:cNvGrpSpPr/>
-        <p:nvPr/>
-      </p:nvGrpSpPr>
-      <p:grpSpPr>
-        <a:xfrm>
-          <a:off x="0" y="0"/>
-          <a:ext cx="0" cy="0"/>
-          <a:chOff x="0" y="0"/>
-          <a:chExt cx="0" cy="0"/>
-        </a:xfrm>
-      </p:grpSpPr>
-      <p:sp>
-        <p:nvSpPr>
-          <p:cNvPr id="2" name="Title 1">
-            <a:extLst>
-              <a:ext uri="{FF2B5EF4-FFF2-40B4-BE49-F238E27FC236}">
-                <a16:creationId xmlns:a16="http://schemas.microsoft.com/office/drawing/2014/main" id="{4122AEC3-06C6-DE42-B170-85BF77700498}"/>
-              </a:ext>
-            </a:extLst>
-          </p:cNvPr>
-          <p:cNvSpPr>
-            <a:spLocks noGrp="1"/>
-          </p:cNvSpPr>
-          <p:nvPr>
-            <p:ph type="title"/>
-          </p:nvPr>
-        </p:nvSpPr>
-        <p:spPr/>
-        <p:txBody>
-          <a:bodyPr/>
-          <a:lstStyle/>
-          <a:p>
-            <a:r>
-              <a:rPr lang="en-US" dirty="0"/>
-              <a:t>Other Types of Dependence</a:t>
-            </a:r>
-          </a:p>
-        </p:txBody>
-      </p:sp>
-      <p:sp>
-        <p:nvSpPr>
-          <p:cNvPr id="3" name="Content Placeholder 2">
-            <a:extLst>
-              <a:ext uri="{FF2B5EF4-FFF2-40B4-BE49-F238E27FC236}">
-                <a16:creationId xmlns:a16="http://schemas.microsoft.com/office/drawing/2014/main" id="{FA17248C-F892-234E-B575-28F547CA6889}"/>
-              </a:ext>
-            </a:extLst>
-          </p:cNvPr>
-          <p:cNvSpPr>
-            <a:spLocks noGrp="1"/>
-          </p:cNvSpPr>
-          <p:nvPr>
-            <p:ph idx="1"/>
-          </p:nvPr>
-        </p:nvSpPr>
-        <p:spPr/>
-        <p:txBody>
-          <a:bodyPr>
-            <a:normAutofit/>
-          </a:bodyPr>
-          <a:lstStyle/>
-          <a:p>
-            <a:r>
-              <a:rPr lang="en-US" sz="2400" dirty="0"/>
-              <a:t>“Memoryless” property of Markov models is a BIG assumption</a:t>
-            </a:r>
-          </a:p>
-          <a:p>
-            <a:pPr lvl="1"/>
-            <a:r>
-              <a:rPr lang="en-US" sz="2400" dirty="0"/>
-              <a:t>Transition probabilities only depend on the current state and not on past states</a:t>
-            </a:r>
-          </a:p>
-          <a:p>
-            <a:r>
-              <a:rPr lang="en-US" sz="2400" dirty="0"/>
-              <a:t>Many transition probabilities depend on history</a:t>
-            </a:r>
-          </a:p>
-          <a:p>
-            <a:pPr lvl="1"/>
-            <a:r>
-              <a:rPr lang="en-US" sz="2200" dirty="0"/>
-              <a:t>Risk of myocardial infarction (MI) greater for persons with prior MI </a:t>
-            </a:r>
-          </a:p>
-          <a:p>
-            <a:pPr lvl="1"/>
-            <a:r>
-              <a:rPr lang="en-US" sz="2200" dirty="0"/>
-              <a:t>Effectiveness of a drug used as first-line therapy may be better than if used as second-line therapy</a:t>
-            </a:r>
-          </a:p>
-        </p:txBody>
-      </p:sp>
-      <p:sp>
-        <p:nvSpPr>
-          <p:cNvPr id="4" name="Slide Number Placeholder 28">
-            <a:extLst>
-              <a:ext uri="{FF2B5EF4-FFF2-40B4-BE49-F238E27FC236}">
-                <a16:creationId xmlns:a16="http://schemas.microsoft.com/office/drawing/2014/main" id="{8452026E-0BA1-934D-9AE2-A839BA2E2F0A}"/>
-              </a:ext>
-            </a:extLst>
-          </p:cNvPr>
-          <p:cNvSpPr>
-            <a:spLocks noGrp="1"/>
-          </p:cNvSpPr>
-          <p:nvPr>
-            <p:ph type="sldNum" sz="quarter" idx="12"/>
-          </p:nvPr>
-        </p:nvSpPr>
-        <p:spPr>
-          <a:xfrm>
-            <a:off x="8559864" y="6453336"/>
-            <a:ext cx="548640" cy="396240"/>
-          </a:xfrm>
-        </p:spPr>
-        <p:txBody>
-          <a:bodyPr/>
-          <a:lstStyle>
-            <a:lvl1pPr eaLnBrk="0" hangingPunct="0">
-              <a:defRPr>
-                <a:solidFill>
-                  <a:schemeClr val="tx1"/>
-                </a:solidFill>
-                <a:latin typeface="Arial" panose="020B0604020202020204" pitchFamily="34" charset="0"/>
-              </a:defRPr>
-            </a:lvl1pPr>
-            <a:lvl2pPr marL="742950" indent="-285750" eaLnBrk="0" hangingPunct="0">
-              <a:defRPr>
-                <a:solidFill>
-                  <a:schemeClr val="tx1"/>
-                </a:solidFill>
-                <a:latin typeface="Arial" panose="020B0604020202020204" pitchFamily="34" charset="0"/>
-              </a:defRPr>
-            </a:lvl2pPr>
-            <a:lvl3pPr marL="1143000" indent="-228600" eaLnBrk="0" hangingPunct="0">
-              <a:defRPr>
-                <a:solidFill>
-                  <a:schemeClr val="tx1"/>
-                </a:solidFill>
-                <a:latin typeface="Arial" panose="020B0604020202020204" pitchFamily="34" charset="0"/>
-              </a:defRPr>
-            </a:lvl3pPr>
-            <a:lvl4pPr marL="1600200" indent="-228600" eaLnBrk="0" hangingPunct="0">
-              <a:defRPr>
-                <a:solidFill>
-                  <a:schemeClr val="tx1"/>
-                </a:solidFill>
-                <a:latin typeface="Arial" panose="020B0604020202020204" pitchFamily="34" charset="0"/>
-              </a:defRPr>
-            </a:lvl4pPr>
-            <a:lvl5pPr marL="2057400" indent="-228600" eaLnBrk="0" hangingPunct="0">
-              <a:defRPr>
-                <a:solidFill>
-                  <a:schemeClr val="tx1"/>
-                </a:solidFill>
-                <a:latin typeface="Arial" panose="020B0604020202020204" pitchFamily="34" charset="0"/>
-              </a:defRPr>
-            </a:lvl5pPr>
-            <a:lvl6pPr marL="2514600" indent="-228600" eaLnBrk="0" fontAlgn="base" hangingPunct="0">
-              <a:spcBef>
-                <a:spcPct val="0"/>
-              </a:spcBef>
-              <a:spcAft>
-                <a:spcPct val="0"/>
-              </a:spcAft>
-              <a:defRPr>
-                <a:solidFill>
-                  <a:schemeClr val="tx1"/>
-                </a:solidFill>
-                <a:latin typeface="Arial" panose="020B0604020202020204" pitchFamily="34" charset="0"/>
-              </a:defRPr>
-            </a:lvl6pPr>
-            <a:lvl7pPr marL="2971800" indent="-228600" eaLnBrk="0" fontAlgn="base" hangingPunct="0">
-              <a:spcBef>
-                <a:spcPct val="0"/>
-              </a:spcBef>
-              <a:spcAft>
-                <a:spcPct val="0"/>
-              </a:spcAft>
-              <a:defRPr>
-                <a:solidFill>
-                  <a:schemeClr val="tx1"/>
-                </a:solidFill>
-                <a:latin typeface="Arial" panose="020B0604020202020204" pitchFamily="34" charset="0"/>
-              </a:defRPr>
-            </a:lvl7pPr>
-            <a:lvl8pPr marL="3429000" indent="-228600" eaLnBrk="0" fontAlgn="base" hangingPunct="0">
-              <a:spcBef>
-                <a:spcPct val="0"/>
-              </a:spcBef>
-              <a:spcAft>
-                <a:spcPct val="0"/>
-              </a:spcAft>
-              <a:defRPr>
-                <a:solidFill>
-                  <a:schemeClr val="tx1"/>
-                </a:solidFill>
-                <a:latin typeface="Arial" panose="020B0604020202020204" pitchFamily="34" charset="0"/>
-              </a:defRPr>
-            </a:lvl8pPr>
-            <a:lvl9pPr marL="3886200" indent="-228600" eaLnBrk="0" fontAlgn="base" hangingPunct="0">
-              <a:spcBef>
-                <a:spcPct val="0"/>
-              </a:spcBef>
-              <a:spcAft>
-                <a:spcPct val="0"/>
-              </a:spcAft>
-              <a:defRPr>
-                <a:solidFill>
-                  <a:schemeClr val="tx1"/>
-                </a:solidFill>
-                <a:latin typeface="Arial" panose="020B0604020202020204" pitchFamily="34" charset="0"/>
-              </a:defRPr>
-            </a:lvl9pPr>
-          </a:lstStyle>
-          <a:p>
-            <a:pPr eaLnBrk="1" hangingPunct="1"/>
-            <a:fld id="{3F7E73E1-F280-4386-87FD-01754258053D}" type="slidenum">
-              <a:rPr lang="en-US">
-                <a:solidFill>
-                  <a:schemeClr val="accent1"/>
-                </a:solidFill>
-              </a:rPr>
-              <a:pPr eaLnBrk="1" hangingPunct="1"/>
-              <a:t>20</a:t>
-            </a:fld>
-            <a:endParaRPr lang="en-US" dirty="0">
-              <a:solidFill>
-                <a:schemeClr val="accent1"/>
-              </a:solidFill>
-            </a:endParaRPr>
-          </a:p>
-        </p:txBody>
-      </p:sp>
-    </p:spTree>
-    <p:extLst>
-      <p:ext uri="{BB962C8B-B14F-4D97-AF65-F5344CB8AC3E}">
-        <p14:creationId xmlns:p14="http://schemas.microsoft.com/office/powerpoint/2010/main" val="3759288452"/>
-      </p:ext>
-    </p:extLst>
-  </p:cSld>
-  <p:clrMapOvr>
-    <a:masterClrMapping/>
-  </p:clrMapOvr>
-</p:sld>
-</file>
-
-<file path=ppt/slides/slide21.xml><?xml version="1.0" encoding="utf-8"?>
-<p:sld xmlns:a="http://schemas.openxmlformats.org/drawingml/2006/main" xmlns:r="http://schemas.openxmlformats.org/officeDocument/2006/relationships" xmlns:p="http://schemas.openxmlformats.org/presentationml/2006/main">
-  <p:cSld>
-    <p:spTree>
-      <p:nvGrpSpPr>
-        <p:cNvPr id="1" name=""/>
-        <p:cNvGrpSpPr/>
-        <p:nvPr/>
-      </p:nvGrpSpPr>
-      <p:grpSpPr>
-        <a:xfrm>
-          <a:off x="0" y="0"/>
-          <a:ext cx="0" cy="0"/>
-          <a:chOff x="0" y="0"/>
-          <a:chExt cx="0" cy="0"/>
-        </a:xfrm>
-      </p:grpSpPr>
-      <p:sp>
-        <p:nvSpPr>
-          <p:cNvPr id="2" name="Title 1">
-            <a:extLst>
-              <a:ext uri="{FF2B5EF4-FFF2-40B4-BE49-F238E27FC236}">
-                <a16:creationId xmlns:a16="http://schemas.microsoft.com/office/drawing/2014/main" id="{194DCA39-1E19-0848-8B28-3E7D84B3BB94}"/>
-              </a:ext>
-            </a:extLst>
-          </p:cNvPr>
-          <p:cNvSpPr>
-            <a:spLocks noGrp="1"/>
-          </p:cNvSpPr>
-          <p:nvPr>
-            <p:ph type="title"/>
-          </p:nvPr>
-        </p:nvSpPr>
-        <p:spPr/>
-        <p:txBody>
-          <a:bodyPr/>
-          <a:lstStyle/>
-          <a:p>
-            <a:r>
-              <a:rPr lang="en-US" sz="3200" dirty="0"/>
-              <a:t>When history matters, create more states…</a:t>
-            </a:r>
-          </a:p>
-        </p:txBody>
-      </p:sp>
-      <p:sp>
-        <p:nvSpPr>
-          <p:cNvPr id="4" name="Content Placeholder 3">
-            <a:extLst>
-              <a:ext uri="{FF2B5EF4-FFF2-40B4-BE49-F238E27FC236}">
-                <a16:creationId xmlns:a16="http://schemas.microsoft.com/office/drawing/2014/main" id="{2461F1E7-6A22-0C4C-9D4E-F9CB8628A038}"/>
-              </a:ext>
-            </a:extLst>
-          </p:cNvPr>
-          <p:cNvSpPr>
-            <a:spLocks noGrp="1"/>
-          </p:cNvSpPr>
-          <p:nvPr>
-            <p:ph idx="1"/>
-          </p:nvPr>
-        </p:nvSpPr>
-        <p:spPr/>
-        <p:txBody>
-          <a:bodyPr>
-            <a:normAutofit lnSpcReduction="10000"/>
-          </a:bodyPr>
-          <a:lstStyle/>
-          <a:p>
-            <a:r>
-              <a:rPr lang="en-US" sz="2400" dirty="0"/>
-              <a:t>Well, Sick, Dead</a:t>
-            </a:r>
-          </a:p>
-          <a:p>
-            <a:r>
-              <a:rPr lang="en-US" sz="2400" dirty="0"/>
-              <a:t>Persons can recover from Sick (return to Well)</a:t>
-            </a:r>
-          </a:p>
-          <a:p>
-            <a:r>
-              <a:rPr lang="en-US" sz="2400" dirty="0"/>
-              <a:t>Once one illness occurs the risk of having a second illness or dying of second illness increases</a:t>
-            </a:r>
-          </a:p>
-          <a:p>
-            <a:r>
-              <a:rPr lang="en-US" sz="2400" dirty="0"/>
-              <a:t>Well (S</a:t>
-            </a:r>
-            <a:r>
-              <a:rPr lang="en-US" sz="2400" baseline="-25000" dirty="0"/>
-              <a:t>0</a:t>
-            </a:r>
-            <a:r>
-              <a:rPr lang="en-US" sz="2400" dirty="0"/>
-              <a:t>), Well (S</a:t>
-            </a:r>
-            <a:r>
-              <a:rPr lang="en-US" sz="2400" baseline="-25000" dirty="0"/>
-              <a:t>1</a:t>
-            </a:r>
-            <a:r>
-              <a:rPr lang="en-US" sz="2400" dirty="0"/>
-              <a:t>), Sick (S</a:t>
-            </a:r>
-            <a:r>
-              <a:rPr lang="en-US" sz="2400" baseline="-25000" dirty="0"/>
-              <a:t>0</a:t>
-            </a:r>
-            <a:r>
-              <a:rPr lang="en-US" sz="2400" dirty="0"/>
-              <a:t>), Sick (S</a:t>
-            </a:r>
-            <a:r>
-              <a:rPr lang="en-US" sz="2400" baseline="-25000" dirty="0"/>
-              <a:t>1</a:t>
-            </a:r>
-            <a:r>
-              <a:rPr lang="en-US" sz="2400" dirty="0"/>
-              <a:t>), Dead</a:t>
-            </a:r>
-          </a:p>
-          <a:p>
-            <a:r>
-              <a:rPr lang="en-US" sz="2400" dirty="0"/>
-              <a:t>Treatment reduces the risk of getting sick but has a long-term side effect that increases risk of dying</a:t>
-            </a:r>
-          </a:p>
-          <a:p>
-            <a:r>
-              <a:rPr lang="en-US" sz="2400" dirty="0"/>
-              <a:t>Well (S</a:t>
-            </a:r>
-            <a:r>
-              <a:rPr lang="en-US" sz="2400" baseline="-25000" dirty="0"/>
-              <a:t>0</a:t>
-            </a:r>
-            <a:r>
-              <a:rPr lang="en-US" sz="2400" dirty="0"/>
-              <a:t>,E</a:t>
-            </a:r>
-            <a:r>
-              <a:rPr lang="en-US" sz="2400" baseline="-25000" dirty="0"/>
-              <a:t>0</a:t>
-            </a:r>
-            <a:r>
-              <a:rPr lang="en-US" sz="2400" dirty="0"/>
-              <a:t>), Well (S</a:t>
-            </a:r>
-            <a:r>
-              <a:rPr lang="en-US" sz="2400" baseline="-25000" dirty="0"/>
-              <a:t>0</a:t>
-            </a:r>
-            <a:r>
-              <a:rPr lang="en-US" sz="2400" dirty="0"/>
-              <a:t>, E</a:t>
-            </a:r>
-            <a:r>
-              <a:rPr lang="en-US" sz="2400" baseline="-25000" dirty="0"/>
-              <a:t>1</a:t>
-            </a:r>
-            <a:r>
-              <a:rPr lang="en-US" sz="2400" dirty="0"/>
-              <a:t>), Well (S</a:t>
-            </a:r>
-            <a:r>
-              <a:rPr lang="en-US" sz="2400" baseline="-25000" dirty="0"/>
-              <a:t>1</a:t>
-            </a:r>
-            <a:r>
-              <a:rPr lang="en-US" sz="2400" dirty="0"/>
-              <a:t>, E</a:t>
-            </a:r>
-            <a:r>
-              <a:rPr lang="en-US" sz="2400" baseline="-25000" dirty="0"/>
-              <a:t>0</a:t>
-            </a:r>
-            <a:r>
-              <a:rPr lang="en-US" sz="2400" dirty="0"/>
-              <a:t>), Well (S</a:t>
-            </a:r>
-            <a:r>
-              <a:rPr lang="en-US" sz="2400" baseline="-25000" dirty="0"/>
-              <a:t>1</a:t>
-            </a:r>
-            <a:r>
-              <a:rPr lang="en-US" sz="2400" dirty="0"/>
-              <a:t>, E</a:t>
-            </a:r>
-            <a:r>
-              <a:rPr lang="en-US" sz="2400" baseline="-25000" dirty="0"/>
-              <a:t>1</a:t>
-            </a:r>
-            <a:r>
-              <a:rPr lang="en-US" sz="2400" dirty="0"/>
-              <a:t>), Sick (S</a:t>
-            </a:r>
-            <a:r>
-              <a:rPr lang="en-US" sz="2400" baseline="-25000" dirty="0"/>
-              <a:t>0</a:t>
-            </a:r>
-            <a:r>
-              <a:rPr lang="en-US" sz="2400" dirty="0"/>
-              <a:t>, E</a:t>
-            </a:r>
-            <a:r>
-              <a:rPr lang="en-US" sz="2400" baseline="-25000" dirty="0"/>
-              <a:t>0</a:t>
-            </a:r>
-            <a:r>
-              <a:rPr lang="en-US" sz="2400" dirty="0"/>
-              <a:t>), Sick (S</a:t>
-            </a:r>
-            <a:r>
-              <a:rPr lang="en-US" sz="2400" baseline="-25000" dirty="0"/>
-              <a:t>0</a:t>
-            </a:r>
-            <a:r>
-              <a:rPr lang="en-US" sz="2400" dirty="0"/>
-              <a:t>, E</a:t>
-            </a:r>
-            <a:r>
-              <a:rPr lang="en-US" sz="2400" baseline="-25000" dirty="0"/>
-              <a:t>1</a:t>
-            </a:r>
-            <a:r>
-              <a:rPr lang="en-US" sz="2400" dirty="0"/>
-              <a:t>), Sick (S</a:t>
-            </a:r>
-            <a:r>
-              <a:rPr lang="en-US" sz="2400" baseline="-25000" dirty="0"/>
-              <a:t>1</a:t>
-            </a:r>
-            <a:r>
-              <a:rPr lang="en-US" sz="2400" dirty="0"/>
-              <a:t>, E</a:t>
-            </a:r>
-            <a:r>
-              <a:rPr lang="en-US" sz="2400" baseline="-25000" dirty="0"/>
-              <a:t>0</a:t>
-            </a:r>
-            <a:r>
-              <a:rPr lang="en-US" sz="2400" dirty="0"/>
-              <a:t>) Sick (S</a:t>
-            </a:r>
-            <a:r>
-              <a:rPr lang="en-US" sz="2400" baseline="-25000" dirty="0"/>
-              <a:t>1</a:t>
-            </a:r>
-            <a:r>
-              <a:rPr lang="en-US" sz="2400" dirty="0"/>
-              <a:t>, E</a:t>
-            </a:r>
-            <a:r>
-              <a:rPr lang="en-US" sz="2400" baseline="-25000" dirty="0"/>
-              <a:t>1</a:t>
-            </a:r>
-            <a:r>
-              <a:rPr lang="en-US" sz="2400" dirty="0"/>
-              <a:t>), Dead</a:t>
-            </a:r>
-          </a:p>
-        </p:txBody>
-      </p:sp>
-      <p:sp>
-        <p:nvSpPr>
-          <p:cNvPr id="5" name="Slide Number Placeholder 28">
-            <a:extLst>
-              <a:ext uri="{FF2B5EF4-FFF2-40B4-BE49-F238E27FC236}">
-                <a16:creationId xmlns:a16="http://schemas.microsoft.com/office/drawing/2014/main" id="{5DF03D01-79BC-7346-9D8F-05C0B1B84D5C}"/>
-              </a:ext>
-            </a:extLst>
-          </p:cNvPr>
-          <p:cNvSpPr>
-            <a:spLocks noGrp="1"/>
-          </p:cNvSpPr>
-          <p:nvPr>
-            <p:ph type="sldNum" sz="quarter" idx="12"/>
-          </p:nvPr>
-        </p:nvSpPr>
-        <p:spPr>
-          <a:xfrm>
-            <a:off x="8559864" y="6453336"/>
-            <a:ext cx="548640" cy="396240"/>
-          </a:xfrm>
-        </p:spPr>
-        <p:txBody>
-          <a:bodyPr/>
-          <a:lstStyle>
-            <a:lvl1pPr eaLnBrk="0" hangingPunct="0">
-              <a:defRPr>
-                <a:solidFill>
-                  <a:schemeClr val="tx1"/>
-                </a:solidFill>
-                <a:latin typeface="Arial" panose="020B0604020202020204" pitchFamily="34" charset="0"/>
-              </a:defRPr>
-            </a:lvl1pPr>
-            <a:lvl2pPr marL="742950" indent="-285750" eaLnBrk="0" hangingPunct="0">
-              <a:defRPr>
-                <a:solidFill>
-                  <a:schemeClr val="tx1"/>
-                </a:solidFill>
-                <a:latin typeface="Arial" panose="020B0604020202020204" pitchFamily="34" charset="0"/>
-              </a:defRPr>
-            </a:lvl2pPr>
-            <a:lvl3pPr marL="1143000" indent="-228600" eaLnBrk="0" hangingPunct="0">
-              <a:defRPr>
-                <a:solidFill>
-                  <a:schemeClr val="tx1"/>
-                </a:solidFill>
-                <a:latin typeface="Arial" panose="020B0604020202020204" pitchFamily="34" charset="0"/>
-              </a:defRPr>
-            </a:lvl3pPr>
-            <a:lvl4pPr marL="1600200" indent="-228600" eaLnBrk="0" hangingPunct="0">
-              <a:defRPr>
-                <a:solidFill>
-                  <a:schemeClr val="tx1"/>
-                </a:solidFill>
-                <a:latin typeface="Arial" panose="020B0604020202020204" pitchFamily="34" charset="0"/>
-              </a:defRPr>
-            </a:lvl4pPr>
-            <a:lvl5pPr marL="2057400" indent="-228600" eaLnBrk="0" hangingPunct="0">
-              <a:defRPr>
-                <a:solidFill>
-                  <a:schemeClr val="tx1"/>
-                </a:solidFill>
-                <a:latin typeface="Arial" panose="020B0604020202020204" pitchFamily="34" charset="0"/>
-              </a:defRPr>
-            </a:lvl5pPr>
-            <a:lvl6pPr marL="2514600" indent="-228600" eaLnBrk="0" fontAlgn="base" hangingPunct="0">
-              <a:spcBef>
-                <a:spcPct val="0"/>
-              </a:spcBef>
-              <a:spcAft>
-                <a:spcPct val="0"/>
-              </a:spcAft>
-              <a:defRPr>
-                <a:solidFill>
-                  <a:schemeClr val="tx1"/>
-                </a:solidFill>
-                <a:latin typeface="Arial" panose="020B0604020202020204" pitchFamily="34" charset="0"/>
-              </a:defRPr>
-            </a:lvl6pPr>
-            <a:lvl7pPr marL="2971800" indent="-228600" eaLnBrk="0" fontAlgn="base" hangingPunct="0">
-              <a:spcBef>
-                <a:spcPct val="0"/>
-              </a:spcBef>
-              <a:spcAft>
-                <a:spcPct val="0"/>
-              </a:spcAft>
-              <a:defRPr>
-                <a:solidFill>
-                  <a:schemeClr val="tx1"/>
-                </a:solidFill>
-                <a:latin typeface="Arial" panose="020B0604020202020204" pitchFamily="34" charset="0"/>
-              </a:defRPr>
-            </a:lvl7pPr>
-            <a:lvl8pPr marL="3429000" indent="-228600" eaLnBrk="0" fontAlgn="base" hangingPunct="0">
-              <a:spcBef>
-                <a:spcPct val="0"/>
-              </a:spcBef>
-              <a:spcAft>
-                <a:spcPct val="0"/>
-              </a:spcAft>
-              <a:defRPr>
-                <a:solidFill>
-                  <a:schemeClr val="tx1"/>
-                </a:solidFill>
-                <a:latin typeface="Arial" panose="020B0604020202020204" pitchFamily="34" charset="0"/>
-              </a:defRPr>
-            </a:lvl8pPr>
-            <a:lvl9pPr marL="3886200" indent="-228600" eaLnBrk="0" fontAlgn="base" hangingPunct="0">
-              <a:spcBef>
-                <a:spcPct val="0"/>
-              </a:spcBef>
-              <a:spcAft>
-                <a:spcPct val="0"/>
-              </a:spcAft>
-              <a:defRPr>
-                <a:solidFill>
-                  <a:schemeClr val="tx1"/>
-                </a:solidFill>
-                <a:latin typeface="Arial" panose="020B0604020202020204" pitchFamily="34" charset="0"/>
-              </a:defRPr>
-            </a:lvl9pPr>
-          </a:lstStyle>
-          <a:p>
-            <a:pPr eaLnBrk="1" hangingPunct="1"/>
-            <a:fld id="{3F7E73E1-F280-4386-87FD-01754258053D}" type="slidenum">
-              <a:rPr lang="en-US">
-                <a:solidFill>
-                  <a:schemeClr val="accent1"/>
-                </a:solidFill>
-              </a:rPr>
-              <a:pPr eaLnBrk="1" hangingPunct="1"/>
-              <a:t>21</a:t>
-            </a:fld>
-            <a:endParaRPr lang="en-US" dirty="0">
-              <a:solidFill>
-                <a:schemeClr val="accent1"/>
-              </a:solidFill>
-            </a:endParaRPr>
-          </a:p>
-        </p:txBody>
-      </p:sp>
-    </p:spTree>
-    <p:extLst>
-      <p:ext uri="{BB962C8B-B14F-4D97-AF65-F5344CB8AC3E}">
-        <p14:creationId xmlns:p14="http://schemas.microsoft.com/office/powerpoint/2010/main" val="2487055944"/>
-      </p:ext>
-    </p:extLst>
-  </p:cSld>
-  <p:clrMapOvr>
-    <a:masterClrMapping/>
-  </p:clrMapOvr>
-  <p:timing>
-    <p:tnLst>
-      <p:par>
-        <p:cTn id="1" dur="indefinite" restart="never" nodeType="tmRoot">
-          <p:childTnLst>
-            <p:seq concurrent="1" nextAc="seek">
-              <p:cTn id="2" dur="indefinite" nodeType="mainSeq">
-                <p:childTnLst>
-                  <p:par>
-                    <p:cTn id="3" fill="hold">
-                      <p:stCondLst>
-                        <p:cond delay="indefinite"/>
-                      </p:stCondLst>
-                      <p:childTnLst>
-                        <p:par>
-                          <p:cTn id="4" fill="hold">
-                            <p:stCondLst>
-                              <p:cond delay="0"/>
-                            </p:stCondLst>
-                            <p:childTnLst>
-                              <p:par>
-                                <p:cTn id="5" presetID="1" presetClass="entr" presetSubtype="0" fill="hold" grpId="0" nodeType="clickEffect">
-                                  <p:stCondLst>
-                                    <p:cond delay="0"/>
-                                  </p:stCondLst>
-                                  <p:childTnLst>
-                                    <p:set>
-                                      <p:cBhvr>
-                                        <p:cTn id="6" dur="1" fill="hold">
-                                          <p:stCondLst>
-                                            <p:cond delay="0"/>
-                                          </p:stCondLst>
-                                        </p:cTn>
-                                        <p:tgtEl>
-                                          <p:spTgt spid="4">
-                                            <p:txEl>
-                                              <p:pRg st="0" end="0"/>
-                                            </p:txEl>
-                                          </p:spTgt>
-                                        </p:tgtEl>
-                                        <p:attrNameLst>
-                                          <p:attrName>style.visibility</p:attrName>
-                                        </p:attrNameLst>
-                                      </p:cBhvr>
-                                      <p:to>
-                                        <p:strVal val="visible"/>
-                                      </p:to>
-                                    </p:set>
-                                  </p:childTnLst>
-                                </p:cTn>
-                              </p:par>
-                            </p:childTnLst>
-                          </p:cTn>
-                        </p:par>
-                      </p:childTnLst>
-                    </p:cTn>
-                  </p:par>
-                  <p:par>
-                    <p:cTn id="7" fill="hold">
-                      <p:stCondLst>
-                        <p:cond delay="indefinite"/>
-                      </p:stCondLst>
-                      <p:childTnLst>
-                        <p:par>
-                          <p:cTn id="8" fill="hold">
-                            <p:stCondLst>
-                              <p:cond delay="0"/>
-                            </p:stCondLst>
-                            <p:childTnLst>
-                              <p:par>
-                                <p:cTn id="9" presetID="1" presetClass="entr" presetSubtype="0" fill="hold" grpId="0" nodeType="clickEffect">
-                                  <p:stCondLst>
-                                    <p:cond delay="0"/>
-                                  </p:stCondLst>
-                                  <p:childTnLst>
-                                    <p:set>
-                                      <p:cBhvr>
-                                        <p:cTn id="10" dur="1" fill="hold">
-                                          <p:stCondLst>
-                                            <p:cond delay="0"/>
-                                          </p:stCondLst>
-                                        </p:cTn>
-                                        <p:tgtEl>
-                                          <p:spTgt spid="4">
-                                            <p:txEl>
-                                              <p:pRg st="1" end="1"/>
-                                            </p:txEl>
-                                          </p:spTgt>
-                                        </p:tgtEl>
-                                        <p:attrNameLst>
-                                          <p:attrName>style.visibility</p:attrName>
-                                        </p:attrNameLst>
-                                      </p:cBhvr>
-                                      <p:to>
-                                        <p:strVal val="visible"/>
-                                      </p:to>
-                                    </p:set>
-                                  </p:childTnLst>
-                                </p:cTn>
-                              </p:par>
-                            </p:childTnLst>
-                          </p:cTn>
-                        </p:par>
-                      </p:childTnLst>
-                    </p:cTn>
-                  </p:par>
-                  <p:par>
-                    <p:cTn id="11" fill="hold">
-                      <p:stCondLst>
-                        <p:cond delay="indefinite"/>
-                      </p:stCondLst>
-                      <p:childTnLst>
-                        <p:par>
-                          <p:cTn id="12" fill="hold">
-                            <p:stCondLst>
-                              <p:cond delay="0"/>
-                            </p:stCondLst>
-                            <p:childTnLst>
-                              <p:par>
-                                <p:cTn id="13" presetID="1" presetClass="entr" presetSubtype="0" fill="hold" grpId="0" nodeType="clickEffect">
-                                  <p:stCondLst>
-                                    <p:cond delay="0"/>
-                                  </p:stCondLst>
-                                  <p:childTnLst>
-                                    <p:set>
-                                      <p:cBhvr>
-                                        <p:cTn id="14" dur="1" fill="hold">
-                                          <p:stCondLst>
-                                            <p:cond delay="0"/>
-                                          </p:stCondLst>
-                                        </p:cTn>
-                                        <p:tgtEl>
-                                          <p:spTgt spid="4">
-                                            <p:txEl>
-                                              <p:pRg st="2" end="2"/>
-                                            </p:txEl>
-                                          </p:spTgt>
-                                        </p:tgtEl>
-                                        <p:attrNameLst>
-                                          <p:attrName>style.visibility</p:attrName>
-                                        </p:attrNameLst>
-                                      </p:cBhvr>
-                                      <p:to>
-                                        <p:strVal val="visible"/>
-                                      </p:to>
-                                    </p:set>
-                                  </p:childTnLst>
-                                </p:cTn>
-                              </p:par>
-                            </p:childTnLst>
-                          </p:cTn>
-                        </p:par>
-                      </p:childTnLst>
-                    </p:cTn>
-                  </p:par>
-                  <p:par>
-                    <p:cTn id="15" fill="hold">
-                      <p:stCondLst>
-                        <p:cond delay="indefinite"/>
-                      </p:stCondLst>
-                      <p:childTnLst>
-                        <p:par>
-                          <p:cTn id="16" fill="hold">
-                            <p:stCondLst>
-                              <p:cond delay="0"/>
-                            </p:stCondLst>
-                            <p:childTnLst>
-                              <p:par>
-                                <p:cTn id="17" presetID="1" presetClass="entr" presetSubtype="0" fill="hold" grpId="0" nodeType="clickEffect">
-                                  <p:stCondLst>
-                                    <p:cond delay="0"/>
-                                  </p:stCondLst>
-                                  <p:childTnLst>
-                                    <p:set>
-                                      <p:cBhvr>
-                                        <p:cTn id="18" dur="1" fill="hold">
-                                          <p:stCondLst>
-                                            <p:cond delay="0"/>
-                                          </p:stCondLst>
-                                        </p:cTn>
-                                        <p:tgtEl>
-                                          <p:spTgt spid="4">
-                                            <p:txEl>
-                                              <p:pRg st="3" end="3"/>
-                                            </p:txEl>
-                                          </p:spTgt>
-                                        </p:tgtEl>
-                                        <p:attrNameLst>
-                                          <p:attrName>style.visibility</p:attrName>
-                                        </p:attrNameLst>
-                                      </p:cBhvr>
-                                      <p:to>
-                                        <p:strVal val="visible"/>
-                                      </p:to>
-                                    </p:set>
-                                  </p:childTnLst>
-                                </p:cTn>
-                              </p:par>
-                            </p:childTnLst>
-                          </p:cTn>
-                        </p:par>
-                      </p:childTnLst>
-                    </p:cTn>
-                  </p:par>
-                  <p:par>
-                    <p:cTn id="19" fill="hold">
-                      <p:stCondLst>
-                        <p:cond delay="indefinite"/>
-                      </p:stCondLst>
-                      <p:childTnLst>
-                        <p:par>
-                          <p:cTn id="20" fill="hold">
-                            <p:stCondLst>
-                              <p:cond delay="0"/>
-                            </p:stCondLst>
-                            <p:childTnLst>
-                              <p:par>
-                                <p:cTn id="21" presetID="1" presetClass="entr" presetSubtype="0" fill="hold" grpId="0" nodeType="clickEffect">
-                                  <p:stCondLst>
-                                    <p:cond delay="0"/>
-                                  </p:stCondLst>
-                                  <p:childTnLst>
-                                    <p:set>
-                                      <p:cBhvr>
-                                        <p:cTn id="22" dur="1" fill="hold">
-                                          <p:stCondLst>
-                                            <p:cond delay="0"/>
-                                          </p:stCondLst>
-                                        </p:cTn>
-                                        <p:tgtEl>
-                                          <p:spTgt spid="4">
-                                            <p:txEl>
-                                              <p:pRg st="4" end="4"/>
-                                            </p:txEl>
-                                          </p:spTgt>
-                                        </p:tgtEl>
-                                        <p:attrNameLst>
-                                          <p:attrName>style.visibility</p:attrName>
-                                        </p:attrNameLst>
-                                      </p:cBhvr>
-                                      <p:to>
-                                        <p:strVal val="visible"/>
-                                      </p:to>
-                                    </p:set>
-                                  </p:childTnLst>
-                                </p:cTn>
-                              </p:par>
-                            </p:childTnLst>
-                          </p:cTn>
-                        </p:par>
-                      </p:childTnLst>
-                    </p:cTn>
-                  </p:par>
-                  <p:par>
-                    <p:cTn id="23" fill="hold">
-                      <p:stCondLst>
-                        <p:cond delay="indefinite"/>
-                      </p:stCondLst>
-                      <p:childTnLst>
-                        <p:par>
-                          <p:cTn id="24" fill="hold">
-                            <p:stCondLst>
-                              <p:cond delay="0"/>
-                            </p:stCondLst>
-                            <p:childTnLst>
-                              <p:par>
-                                <p:cTn id="25" presetID="1" presetClass="entr" presetSubtype="0" fill="hold" grpId="0" nodeType="clickEffect">
-                                  <p:stCondLst>
-                                    <p:cond delay="0"/>
-                                  </p:stCondLst>
-                                  <p:childTnLst>
-                                    <p:set>
-                                      <p:cBhvr>
-                                        <p:cTn id="26" dur="1" fill="hold">
-                                          <p:stCondLst>
-                                            <p:cond delay="0"/>
-                                          </p:stCondLst>
-                                        </p:cTn>
-                                        <p:tgtEl>
-                                          <p:spTgt spid="4">
-                                            <p:txEl>
-                                              <p:pRg st="5" end="5"/>
-                                            </p:txEl>
-                                          </p:spTgt>
-                                        </p:tgtEl>
-                                        <p:attrNameLst>
-                                          <p:attrName>style.visibility</p:attrName>
-                                        </p:attrNameLst>
-                                      </p:cBhvr>
-                                      <p:to>
-                                        <p:strVal val="visible"/>
-                                      </p:to>
-                                    </p:set>
-                                  </p:childTnLst>
-                                </p:cTn>
-                              </p:par>
-                            </p:childTnLst>
-                          </p:cTn>
-                        </p:par>
-                      </p:childTnLst>
-                    </p:cTn>
-                  </p:par>
-                </p:childTnLst>
-              </p:cTn>
-              <p:prevCondLst>
-                <p:cond evt="onPrev" delay="0">
-                  <p:tgtEl>
-                    <p:sldTgt/>
-                  </p:tgtEl>
-                </p:cond>
-              </p:prevCondLst>
-              <p:nextCondLst>
-                <p:cond evt="onNext" delay="0">
-                  <p:tgtEl>
-                    <p:sldTgt/>
-                  </p:tgtEl>
-                </p:cond>
-              </p:nextCondLst>
-            </p:seq>
-          </p:childTnLst>
-        </p:cTn>
-      </p:par>
-    </p:tnLst>
-    <p:bldLst>
-      <p:bldP spid="4" grpId="0" build="p"/>
-    </p:bldLst>
-  </p:timing>
-</p:sld>
-</file>
-
-<file path=ppt/slides/slide22.xml><?xml version="1.0" encoding="utf-8"?>
-<p:sld xmlns:a="http://schemas.openxmlformats.org/drawingml/2006/main" xmlns:r="http://schemas.openxmlformats.org/officeDocument/2006/relationships" xmlns:p="http://schemas.openxmlformats.org/presentationml/2006/main">
+<p:sld xmlns:a="http://schemas.openxmlformats.org/drawingml/2006/main" xmlns:r="http://schemas.openxmlformats.org/officeDocument/2006/relationships" xmlns:p="http://schemas.openxmlformats.org/presentationml/2006/main" show="0">
   <p:cSld>
     <p:spTree>
       <p:nvGrpSpPr>
@@ -28099,7 +23747,7 @@
                 </a:solidFill>
               </a:rPr>
               <a:pPr eaLnBrk="1" hangingPunct="1"/>
-              <a:t>22</a:t>
+              <a:t>15</a:t>
             </a:fld>
             <a:endParaRPr lang="en-US" dirty="0">
               <a:solidFill>
@@ -28122,8 +23770,8 @@
 </p:sld>
 </file>
 
-<file path=ppt/slides/slide23.xml><?xml version="1.0" encoding="utf-8"?>
-<p:sld xmlns:a="http://schemas.openxmlformats.org/drawingml/2006/main" xmlns:r="http://schemas.openxmlformats.org/officeDocument/2006/relationships" xmlns:p="http://schemas.openxmlformats.org/presentationml/2006/main">
+<file path=ppt/slides/slide16.xml><?xml version="1.0" encoding="utf-8"?>
+<p:sld xmlns:a="http://schemas.openxmlformats.org/drawingml/2006/main" xmlns:r="http://schemas.openxmlformats.org/officeDocument/2006/relationships" xmlns:p="http://schemas.openxmlformats.org/presentationml/2006/main" show="0">
   <p:cSld>
     <p:spTree>
       <p:nvGrpSpPr>
@@ -28365,7 +24013,7 @@
                 </a:solidFill>
               </a:rPr>
               <a:pPr eaLnBrk="1" hangingPunct="1"/>
-              <a:t>23</a:t>
+              <a:t>16</a:t>
             </a:fld>
             <a:endParaRPr lang="en-US" dirty="0">
               <a:solidFill>
@@ -28388,8 +24036,8 @@
 </p:sld>
 </file>
 
-<file path=ppt/slides/slide24.xml><?xml version="1.0" encoding="utf-8"?>
-<p:sld xmlns:a="http://schemas.openxmlformats.org/drawingml/2006/main" xmlns:r="http://schemas.openxmlformats.org/officeDocument/2006/relationships" xmlns:p="http://schemas.openxmlformats.org/presentationml/2006/main">
+<file path=ppt/slides/slide17.xml><?xml version="1.0" encoding="utf-8"?>
+<p:sld xmlns:a="http://schemas.openxmlformats.org/drawingml/2006/main" xmlns:r="http://schemas.openxmlformats.org/officeDocument/2006/relationships" xmlns:p="http://schemas.openxmlformats.org/presentationml/2006/main" show="0">
   <p:cSld>
     <p:spTree>
       <p:nvGrpSpPr>
@@ -31237,7 +26885,7 @@
           <a:graphicData uri="http://schemas.openxmlformats.org/presentationml/2006/ole">
             <mc:AlternateContent xmlns:mc="http://schemas.openxmlformats.org/markup-compatibility/2006">
               <mc:Choice xmlns:v="urn:schemas-microsoft-com:vml" Requires="v">
-                <p:oleObj spid="_x0000_s4179" name="Equation" r:id="rId3" imgW="2577960" imgH="457200" progId="Equation.DSMT4">
+                <p:oleObj spid="_x0000_s4183" name="Equation" r:id="rId3" imgW="2577960" imgH="457200" progId="Equation.DSMT4">
                   <p:embed/>
                 </p:oleObj>
               </mc:Choice>
@@ -31445,7 +27093,7 @@
                 </a:solidFill>
               </a:rPr>
               <a:pPr eaLnBrk="1" hangingPunct="1"/>
-              <a:t>24</a:t>
+              <a:t>17</a:t>
             </a:fld>
             <a:endParaRPr lang="en-US" dirty="0">
               <a:solidFill>
@@ -31468,8 +27116,8 @@
 </p:sld>
 </file>
 
-<file path=ppt/slides/slide25.xml><?xml version="1.0" encoding="utf-8"?>
-<p:sld xmlns:a="http://schemas.openxmlformats.org/drawingml/2006/main" xmlns:r="http://schemas.openxmlformats.org/officeDocument/2006/relationships" xmlns:p="http://schemas.openxmlformats.org/presentationml/2006/main">
+<file path=ppt/slides/slide18.xml><?xml version="1.0" encoding="utf-8"?>
+<p:sld xmlns:a="http://schemas.openxmlformats.org/drawingml/2006/main" xmlns:r="http://schemas.openxmlformats.org/officeDocument/2006/relationships" xmlns:p="http://schemas.openxmlformats.org/presentationml/2006/main" show="0">
   <p:cSld>
     <p:spTree>
       <p:nvGrpSpPr>
@@ -31772,7 +27420,7 @@
                 </a:solidFill>
               </a:rPr>
               <a:pPr eaLnBrk="1" hangingPunct="1"/>
-              <a:t>25</a:t>
+              <a:t>18</a:t>
             </a:fld>
             <a:endParaRPr lang="en-US" dirty="0">
               <a:solidFill>
@@ -31795,8 +27443,8 @@
 </p:sld>
 </file>
 
-<file path=ppt/slides/slide26.xml><?xml version="1.0" encoding="utf-8"?>
-<p:sld xmlns:a="http://schemas.openxmlformats.org/drawingml/2006/main" xmlns:r="http://schemas.openxmlformats.org/officeDocument/2006/relationships" xmlns:p="http://schemas.openxmlformats.org/presentationml/2006/main">
+<file path=ppt/slides/slide19.xml><?xml version="1.0" encoding="utf-8"?>
+<p:sld xmlns:a="http://schemas.openxmlformats.org/drawingml/2006/main" xmlns:r="http://schemas.openxmlformats.org/officeDocument/2006/relationships" xmlns:p="http://schemas.openxmlformats.org/presentationml/2006/main" show="0">
   <p:cSld>
     <p:spTree>
       <p:nvGrpSpPr>
@@ -32050,7 +27698,7 @@
                 </a:solidFill>
               </a:rPr>
               <a:pPr eaLnBrk="1" hangingPunct="1"/>
-              <a:t>26</a:t>
+              <a:t>19</a:t>
             </a:fld>
             <a:endParaRPr lang="en-US" dirty="0">
               <a:solidFill>
@@ -32073,8 +27721,357 @@
 </p:sld>
 </file>
 
-<file path=ppt/slides/slide27.xml><?xml version="1.0" encoding="utf-8"?>
+<file path=ppt/slides/slide2.xml><?xml version="1.0" encoding="utf-8"?>
 <p:sld xmlns:a="http://schemas.openxmlformats.org/drawingml/2006/main" xmlns:r="http://schemas.openxmlformats.org/officeDocument/2006/relationships" xmlns:p="http://schemas.openxmlformats.org/presentationml/2006/main">
+  <p:cSld>
+    <p:spTree>
+      <p:nvGrpSpPr>
+        <p:cNvPr id="1" name="Shape 560"/>
+        <p:cNvGrpSpPr/>
+        <p:nvPr/>
+      </p:nvGrpSpPr>
+      <p:grpSpPr>
+        <a:xfrm>
+          <a:off x="0" y="0"/>
+          <a:ext cx="0" cy="0"/>
+          <a:chOff x="0" y="0"/>
+          <a:chExt cx="0" cy="0"/>
+        </a:xfrm>
+      </p:grpSpPr>
+      <p:sp>
+        <p:nvSpPr>
+          <p:cNvPr id="561" name="Shape 561"/>
+          <p:cNvSpPr txBox="1">
+            <a:spLocks noGrp="1"/>
+          </p:cNvSpPr>
+          <p:nvPr>
+            <p:ph type="title"/>
+          </p:nvPr>
+        </p:nvSpPr>
+        <p:spPr>
+          <a:xfrm>
+            <a:off x="840431" y="274638"/>
+            <a:ext cx="7875551" cy="1143000"/>
+          </a:xfrm>
+          <a:prstGeom prst="rect">
+            <a:avLst/>
+          </a:prstGeom>
+        </p:spPr>
+        <p:txBody>
+          <a:bodyPr spcFirstLastPara="1" wrap="square" lIns="91425" tIns="91425" rIns="91425" bIns="91425" anchor="ctr" anchorCtr="0">
+            <a:noAutofit/>
+          </a:bodyPr>
+          <a:lstStyle/>
+          <a:p>
+            <a:pPr marL="0" lvl="0" indent="0" rtl="0">
+              <a:spcBef>
+                <a:spcPts val="0"/>
+              </a:spcBef>
+              <a:spcAft>
+                <a:spcPts val="0"/>
+              </a:spcAft>
+              <a:buNone/>
+            </a:pPr>
+            <a:r>
+              <a:rPr lang="nl-NL" dirty="0"/>
+              <a:t>Cohort State-</a:t>
+            </a:r>
+            <a:r>
+              <a:rPr lang="nl-NL" dirty="0" err="1"/>
+              <a:t>Transition</a:t>
+            </a:r>
+            <a:r>
+              <a:rPr lang="nl-NL" dirty="0"/>
+              <a:t> </a:t>
+            </a:r>
+            <a:r>
+              <a:rPr lang="nl-NL" dirty="0" err="1"/>
+              <a:t>Models</a:t>
+            </a:r>
+            <a:endParaRPr dirty="0"/>
+          </a:p>
+        </p:txBody>
+      </p:sp>
+      <p:sp>
+        <p:nvSpPr>
+          <p:cNvPr id="562" name="Shape 562"/>
+          <p:cNvSpPr txBox="1">
+            <a:spLocks noGrp="1"/>
+          </p:cNvSpPr>
+          <p:nvPr>
+            <p:ph idx="1"/>
+          </p:nvPr>
+        </p:nvSpPr>
+        <p:spPr>
+          <a:xfrm>
+            <a:off x="840425" y="1643974"/>
+            <a:ext cx="8015700" cy="4640726"/>
+          </a:xfrm>
+          <a:prstGeom prst="rect">
+            <a:avLst/>
+          </a:prstGeom>
+        </p:spPr>
+        <p:txBody>
+          <a:bodyPr spcFirstLastPara="1" wrap="square" lIns="91425" tIns="91425" rIns="91425" bIns="91425" anchor="t" anchorCtr="0">
+            <a:noAutofit/>
+          </a:bodyPr>
+          <a:lstStyle/>
+          <a:p>
+            <a:pPr marL="457200" lvl="0" indent="-381000" rtl="0">
+              <a:spcBef>
+                <a:spcPts val="800"/>
+              </a:spcBef>
+              <a:spcAft>
+                <a:spcPts val="0"/>
+              </a:spcAft>
+              <a:buSzPts val="2400"/>
+              <a:buChar char="•"/>
+            </a:pPr>
+            <a:r>
+              <a:rPr lang="nl-NL" sz="2400" dirty="0" err="1"/>
+              <a:t>Models</a:t>
+            </a:r>
+            <a:r>
+              <a:rPr lang="nl-NL" sz="2400" dirty="0"/>
+              <a:t> </a:t>
+            </a:r>
+            <a:r>
+              <a:rPr lang="nl-NL" sz="2400" dirty="0" err="1"/>
+              <a:t>where</a:t>
+            </a:r>
+            <a:r>
+              <a:rPr lang="nl-NL" sz="2400" dirty="0"/>
+              <a:t> </a:t>
+            </a:r>
+            <a:r>
+              <a:rPr lang="nl-NL" sz="2400" dirty="0" err="1"/>
+              <a:t>proportions</a:t>
+            </a:r>
+            <a:r>
+              <a:rPr lang="nl-NL" sz="2400" dirty="0"/>
+              <a:t> of a cohort </a:t>
+            </a:r>
+            <a:r>
+              <a:rPr lang="nl-NL" sz="2400" dirty="0" err="1"/>
+              <a:t>occupy</a:t>
+            </a:r>
+            <a:r>
+              <a:rPr lang="nl-NL" sz="2400" dirty="0"/>
+              <a:t> </a:t>
+            </a:r>
+            <a:r>
+              <a:rPr lang="nl-NL" sz="2400" dirty="0" err="1"/>
+              <a:t>states</a:t>
+            </a:r>
+            <a:r>
+              <a:rPr lang="nl-NL" sz="2400" dirty="0"/>
+              <a:t> at </a:t>
+            </a:r>
+            <a:r>
+              <a:rPr lang="nl-NL" sz="2400" dirty="0" err="1"/>
+              <a:t>each</a:t>
+            </a:r>
+            <a:r>
+              <a:rPr lang="nl-NL" sz="2400" dirty="0"/>
+              <a:t> point in time (e.g., </a:t>
+            </a:r>
+            <a:r>
+              <a:rPr lang="nl-NL" sz="2400" dirty="0" err="1"/>
+              <a:t>healthy</a:t>
+            </a:r>
+            <a:r>
+              <a:rPr lang="nl-NL" sz="2400" dirty="0"/>
+              <a:t>, sick, </a:t>
+            </a:r>
+            <a:r>
+              <a:rPr lang="nl-NL" sz="2400" dirty="0" err="1"/>
+              <a:t>stable</a:t>
+            </a:r>
+            <a:r>
+              <a:rPr lang="nl-NL" sz="2400" dirty="0"/>
+              <a:t>, </a:t>
+            </a:r>
+            <a:r>
+              <a:rPr lang="nl-NL" sz="2400" dirty="0" err="1"/>
+              <a:t>progressed</a:t>
+            </a:r>
+            <a:r>
+              <a:rPr lang="nl-NL" sz="2400" dirty="0"/>
+              <a:t>, dead).</a:t>
+            </a:r>
+            <a:endParaRPr sz="2400" dirty="0"/>
+          </a:p>
+          <a:p>
+            <a:pPr marL="457200" lvl="0" indent="-381000" rtl="0">
+              <a:spcBef>
+                <a:spcPts val="1000"/>
+              </a:spcBef>
+              <a:spcAft>
+                <a:spcPts val="0"/>
+              </a:spcAft>
+              <a:buSzPts val="2400"/>
+              <a:buChar char="•"/>
+            </a:pPr>
+            <a:r>
+              <a:rPr lang="nl-NL" sz="2400" dirty="0"/>
+              <a:t>Transitions allowed between states with some probability.</a:t>
+            </a:r>
+            <a:endParaRPr sz="2400" dirty="0"/>
+          </a:p>
+          <a:p>
+            <a:pPr marL="457200" lvl="0" indent="-381000" rtl="0">
+              <a:spcBef>
+                <a:spcPts val="1000"/>
+              </a:spcBef>
+              <a:spcAft>
+                <a:spcPts val="0"/>
+              </a:spcAft>
+              <a:buSzPts val="2400"/>
+              <a:buChar char="•"/>
+            </a:pPr>
+            <a:r>
+              <a:rPr lang="nl-NL" sz="2400" dirty="0" err="1"/>
+              <a:t>Transitions</a:t>
+            </a:r>
+            <a:r>
+              <a:rPr lang="nl-NL" sz="2400" dirty="0"/>
+              <a:t> </a:t>
+            </a:r>
+            <a:r>
+              <a:rPr lang="nl-NL" sz="2400" dirty="0" err="1"/>
+              <a:t>occur</a:t>
+            </a:r>
+            <a:r>
+              <a:rPr lang="nl-NL" sz="2400" dirty="0"/>
+              <a:t> in </a:t>
+            </a:r>
+            <a:r>
+              <a:rPr lang="nl-NL" sz="2400" dirty="0" err="1"/>
+              <a:t>cycles</a:t>
+            </a:r>
+            <a:r>
+              <a:rPr lang="nl-NL" sz="2400" dirty="0"/>
+              <a:t> (</a:t>
+            </a:r>
+            <a:r>
+              <a:rPr lang="nl-NL" sz="2400" dirty="0" err="1"/>
+              <a:t>months</a:t>
+            </a:r>
+            <a:r>
+              <a:rPr lang="nl-NL" sz="2400" dirty="0"/>
+              <a:t>, </a:t>
+            </a:r>
+            <a:r>
+              <a:rPr lang="nl-NL" sz="2400" dirty="0" err="1"/>
+              <a:t>years</a:t>
+            </a:r>
+            <a:r>
+              <a:rPr lang="nl-NL" sz="2400" dirty="0"/>
+              <a:t> </a:t>
+            </a:r>
+            <a:r>
+              <a:rPr lang="nl-NL" sz="2400" dirty="0" err="1"/>
+              <a:t>etc</a:t>
+            </a:r>
+            <a:r>
+              <a:rPr lang="nl-NL" sz="2400" dirty="0"/>
+              <a:t>).</a:t>
+            </a:r>
+            <a:endParaRPr sz="2400" dirty="0"/>
+          </a:p>
+          <a:p>
+            <a:pPr marL="457200" lvl="0" indent="-381000" rtl="0">
+              <a:spcBef>
+                <a:spcPts val="1000"/>
+              </a:spcBef>
+              <a:spcAft>
+                <a:spcPts val="0"/>
+              </a:spcAft>
+              <a:buSzPts val="2400"/>
+              <a:buChar char="•"/>
+            </a:pPr>
+            <a:r>
+              <a:rPr lang="nl-NL" sz="2400" dirty="0"/>
+              <a:t>Each state associated with a value associated with a model outcome ($, utility).</a:t>
+            </a:r>
+            <a:endParaRPr sz="2400" dirty="0"/>
+          </a:p>
+          <a:p>
+            <a:pPr marL="457200" lvl="0" indent="-381000" rtl="0">
+              <a:spcBef>
+                <a:spcPts val="1000"/>
+              </a:spcBef>
+              <a:spcAft>
+                <a:spcPts val="1000"/>
+              </a:spcAft>
+              <a:buSzPts val="2400"/>
+              <a:buChar char="•"/>
+            </a:pPr>
+            <a:r>
+              <a:rPr lang="nl-NL" sz="2400" dirty="0"/>
+              <a:t>Markov assumption: no “memory” within states.</a:t>
+            </a:r>
+            <a:endParaRPr sz="2400" dirty="0"/>
+          </a:p>
+        </p:txBody>
+      </p:sp>
+      <p:sp>
+        <p:nvSpPr>
+          <p:cNvPr id="563" name="Shape 563"/>
+          <p:cNvSpPr txBox="1">
+            <a:spLocks noGrp="1"/>
+          </p:cNvSpPr>
+          <p:nvPr>
+            <p:ph type="sldNum" sz="quarter" idx="12"/>
+          </p:nvPr>
+        </p:nvSpPr>
+        <p:spPr>
+          <a:prstGeom prst="rect">
+            <a:avLst/>
+          </a:prstGeom>
+        </p:spPr>
+        <p:txBody>
+          <a:bodyPr spcFirstLastPara="1" wrap="square" lIns="0" tIns="0" rIns="0" bIns="0" anchor="ctr" anchorCtr="0">
+            <a:noAutofit/>
+          </a:bodyPr>
+          <a:lstStyle/>
+          <a:p>
+            <a:pPr marL="0" lvl="0" indent="0">
+              <a:spcBef>
+                <a:spcPts val="0"/>
+              </a:spcBef>
+              <a:spcAft>
+                <a:spcPts val="0"/>
+              </a:spcAft>
+              <a:buClr>
+                <a:srgbClr val="000000"/>
+              </a:buClr>
+              <a:buFont typeface="Arial"/>
+              <a:buNone/>
+            </a:pPr>
+            <a:fld id="{00000000-1234-1234-1234-123412341234}" type="slidenum">
+              <a:rPr lang="nl-NL"/>
+              <a:t>2</a:t>
+            </a:fld>
+            <a:endParaRPr/>
+          </a:p>
+        </p:txBody>
+      </p:sp>
+    </p:spTree>
+    <p:extLst>
+      <p:ext uri="{BB962C8B-B14F-4D97-AF65-F5344CB8AC3E}">
+        <p14:creationId xmlns:p14="http://schemas.microsoft.com/office/powerpoint/2010/main" val="961895113"/>
+      </p:ext>
+    </p:extLst>
+  </p:cSld>
+  <p:clrMapOvr>
+    <a:masterClrMapping/>
+  </p:clrMapOvr>
+</p:sld>
+</file>
+
+<file path=ppt/slides/slide20.xml><?xml version="1.0" encoding="utf-8"?>
+<p:sld xmlns:a="http://schemas.openxmlformats.org/drawingml/2006/main" xmlns:r="http://schemas.openxmlformats.org/officeDocument/2006/relationships" xmlns:p="http://schemas.openxmlformats.org/presentationml/2006/main" show="0">
   <p:cSld>
     <p:spTree>
       <p:nvGrpSpPr>
@@ -32326,7 +28323,7 @@
                 </a:solidFill>
               </a:rPr>
               <a:pPr eaLnBrk="1" hangingPunct="1"/>
-              <a:t>27</a:t>
+              <a:t>20</a:t>
             </a:fld>
             <a:endParaRPr lang="en-US" dirty="0">
               <a:solidFill>
@@ -32349,7 +28346,7 @@
 </p:sld>
 </file>
 
-<file path=ppt/slides/slide28.xml><?xml version="1.0" encoding="utf-8"?>
+<file path=ppt/slides/slide21.xml><?xml version="1.0" encoding="utf-8"?>
 <p:sld xmlns:a="http://schemas.openxmlformats.org/drawingml/2006/main" xmlns:r="http://schemas.openxmlformats.org/officeDocument/2006/relationships" xmlns:p="http://schemas.openxmlformats.org/presentationml/2006/main">
   <p:cSld>
     <p:spTree>
@@ -32436,7 +28433,7 @@
             </a:pPr>
             <a:fld id="{00000000-1234-1234-1234-123412341234}" type="slidenum">
               <a:rPr lang="nl-NL"/>
-              <a:t>28</a:t>
+              <a:t>21</a:t>
             </a:fld>
             <a:endParaRPr/>
           </a:p>
@@ -32455,7 +28452,7 @@
 </p:sld>
 </file>
 
-<file path=ppt/slides/slide29.xml><?xml version="1.0" encoding="utf-8"?>
+<file path=ppt/slides/slide22.xml><?xml version="1.0" encoding="utf-8"?>
 <p:sld xmlns:a="http://schemas.openxmlformats.org/drawingml/2006/main" xmlns:r="http://schemas.openxmlformats.org/officeDocument/2006/relationships" xmlns:p="http://schemas.openxmlformats.org/presentationml/2006/main">
   <p:cSld>
     <p:spTree>
@@ -32542,7 +28539,7 @@
             </a:pPr>
             <a:fld id="{00000000-1234-1234-1234-123412341234}" type="slidenum">
               <a:rPr lang="nl-NL"/>
-              <a:t>29</a:t>
+              <a:t>22</a:t>
             </a:fld>
             <a:endParaRPr/>
           </a:p>
@@ -33157,358 +29154,7 @@
 </p:sld>
 </file>
 
-<file path=ppt/slides/slide3.xml><?xml version="1.0" encoding="utf-8"?>
-<p:sld xmlns:a="http://schemas.openxmlformats.org/drawingml/2006/main" xmlns:r="http://schemas.openxmlformats.org/officeDocument/2006/relationships" xmlns:p="http://schemas.openxmlformats.org/presentationml/2006/main">
-  <p:cSld>
-    <p:spTree>
-      <p:nvGrpSpPr>
-        <p:cNvPr id="1" name="Shape 567"/>
-        <p:cNvGrpSpPr/>
-        <p:nvPr/>
-      </p:nvGrpSpPr>
-      <p:grpSpPr>
-        <a:xfrm>
-          <a:off x="0" y="0"/>
-          <a:ext cx="0" cy="0"/>
-          <a:chOff x="0" y="0"/>
-          <a:chExt cx="0" cy="0"/>
-        </a:xfrm>
-      </p:grpSpPr>
-      <p:sp>
-        <p:nvSpPr>
-          <p:cNvPr id="568" name="Shape 568"/>
-          <p:cNvSpPr txBox="1">
-            <a:spLocks noGrp="1"/>
-          </p:cNvSpPr>
-          <p:nvPr>
-            <p:ph type="title"/>
-          </p:nvPr>
-        </p:nvSpPr>
-        <p:spPr>
-          <a:xfrm>
-            <a:off x="840432" y="274638"/>
-            <a:ext cx="7620000" cy="1143000"/>
-          </a:xfrm>
-          <a:prstGeom prst="rect">
-            <a:avLst/>
-          </a:prstGeom>
-        </p:spPr>
-        <p:txBody>
-          <a:bodyPr spcFirstLastPara="1" wrap="square" lIns="91425" tIns="91425" rIns="91425" bIns="91425" anchor="ctr" anchorCtr="0">
-            <a:noAutofit/>
-          </a:bodyPr>
-          <a:lstStyle/>
-          <a:p>
-            <a:pPr marL="0" lvl="0" indent="0" rtl="0">
-              <a:spcBef>
-                <a:spcPts val="0"/>
-              </a:spcBef>
-              <a:spcAft>
-                <a:spcPts val="0"/>
-              </a:spcAft>
-              <a:buNone/>
-            </a:pPr>
-            <a:r>
-              <a:rPr lang="nl-NL" dirty="0"/>
-              <a:t>Building a cohort State-</a:t>
-            </a:r>
-            <a:r>
-              <a:rPr lang="nl-NL" dirty="0" err="1"/>
-              <a:t>Transition</a:t>
-            </a:r>
-            <a:r>
-              <a:rPr lang="nl-NL" dirty="0"/>
-              <a:t> Model	</a:t>
-            </a:r>
-            <a:endParaRPr dirty="0"/>
-          </a:p>
-        </p:txBody>
-      </p:sp>
-      <p:sp>
-        <p:nvSpPr>
-          <p:cNvPr id="569" name="Shape 569"/>
-          <p:cNvSpPr txBox="1">
-            <a:spLocks noGrp="1"/>
-          </p:cNvSpPr>
-          <p:nvPr>
-            <p:ph idx="1"/>
-          </p:nvPr>
-        </p:nvSpPr>
-        <p:spPr>
-          <a:xfrm>
-            <a:off x="840432" y="1600200"/>
-            <a:ext cx="7620000" cy="4800600"/>
-          </a:xfrm>
-          <a:prstGeom prst="rect">
-            <a:avLst/>
-          </a:prstGeom>
-        </p:spPr>
-        <p:txBody>
-          <a:bodyPr spcFirstLastPara="1" wrap="square" lIns="91425" tIns="91425" rIns="91425" bIns="91425" anchor="t" anchorCtr="0">
-            <a:noAutofit/>
-          </a:bodyPr>
-          <a:lstStyle/>
-          <a:p>
-            <a:pPr marL="457200" lvl="0" indent="-368300" rtl="0">
-              <a:spcBef>
-                <a:spcPts val="800"/>
-              </a:spcBef>
-              <a:spcAft>
-                <a:spcPts val="0"/>
-              </a:spcAft>
-              <a:buSzPts val="2200"/>
-              <a:buChar char="•"/>
-            </a:pPr>
-            <a:r>
-              <a:rPr lang="nl-NL" sz="2400" dirty="0" err="1"/>
-              <a:t>Determine</a:t>
-            </a:r>
-            <a:r>
-              <a:rPr lang="nl-NL" sz="2400" dirty="0"/>
-              <a:t> health </a:t>
-            </a:r>
-            <a:r>
-              <a:rPr lang="nl-NL" sz="2400" dirty="0" err="1"/>
-              <a:t>states</a:t>
-            </a:r>
-            <a:endParaRPr sz="2400" dirty="0"/>
-          </a:p>
-          <a:p>
-            <a:pPr marL="457200" lvl="0" indent="-368300" rtl="0">
-              <a:spcBef>
-                <a:spcPts val="1000"/>
-              </a:spcBef>
-              <a:spcAft>
-                <a:spcPts val="0"/>
-              </a:spcAft>
-              <a:buSzPts val="2200"/>
-              <a:buChar char="•"/>
-            </a:pPr>
-            <a:r>
-              <a:rPr lang="nl-NL" sz="2400" dirty="0" err="1"/>
-              <a:t>Determine</a:t>
-            </a:r>
-            <a:r>
-              <a:rPr lang="nl-NL" sz="2400" dirty="0"/>
-              <a:t> </a:t>
-            </a:r>
-            <a:r>
-              <a:rPr lang="nl-NL" sz="2400" dirty="0" err="1"/>
-              <a:t>transitions</a:t>
-            </a:r>
-            <a:endParaRPr sz="2400" dirty="0"/>
-          </a:p>
-          <a:p>
-            <a:pPr marL="457200" lvl="0" indent="-368300" rtl="0">
-              <a:spcBef>
-                <a:spcPts val="1000"/>
-              </a:spcBef>
-              <a:spcAft>
-                <a:spcPts val="0"/>
-              </a:spcAft>
-              <a:buSzPts val="2200"/>
-              <a:buChar char="•"/>
-            </a:pPr>
-            <a:r>
-              <a:rPr lang="nl-NL" sz="2400" dirty="0" err="1"/>
-              <a:t>Choose</a:t>
-            </a:r>
-            <a:r>
-              <a:rPr lang="nl-NL" sz="2400" dirty="0"/>
-              <a:t> </a:t>
-            </a:r>
-            <a:r>
-              <a:rPr lang="nl-NL" sz="2400" dirty="0" err="1"/>
-              <a:t>cycle</a:t>
-            </a:r>
-            <a:r>
-              <a:rPr lang="nl-NL" sz="2400" dirty="0"/>
-              <a:t> </a:t>
-            </a:r>
-            <a:r>
-              <a:rPr lang="nl-NL" sz="2400" dirty="0" err="1"/>
-              <a:t>length</a:t>
-            </a:r>
-            <a:endParaRPr sz="2400" dirty="0"/>
-          </a:p>
-          <a:p>
-            <a:pPr marL="457200" lvl="0" indent="-368300" rtl="0">
-              <a:spcBef>
-                <a:spcPts val="1000"/>
-              </a:spcBef>
-              <a:spcAft>
-                <a:spcPts val="0"/>
-              </a:spcAft>
-              <a:buSzPts val="2200"/>
-              <a:buChar char="•"/>
-            </a:pPr>
-            <a:r>
-              <a:rPr lang="nl-NL" sz="2400" dirty="0" err="1"/>
-              <a:t>Estimate</a:t>
-            </a:r>
-            <a:r>
-              <a:rPr lang="nl-NL" sz="2400" dirty="0"/>
-              <a:t> </a:t>
-            </a:r>
-            <a:r>
-              <a:rPr lang="nl-NL" sz="2400" dirty="0" err="1"/>
-              <a:t>transition</a:t>
-            </a:r>
-            <a:r>
-              <a:rPr lang="nl-NL" sz="2400" dirty="0"/>
-              <a:t> </a:t>
-            </a:r>
-            <a:r>
-              <a:rPr lang="nl-NL" sz="2400" dirty="0" err="1"/>
-              <a:t>probabilities</a:t>
-            </a:r>
-            <a:endParaRPr sz="2400" dirty="0"/>
-          </a:p>
-          <a:p>
-            <a:pPr marL="457200" lvl="0" indent="-368300" rtl="0">
-              <a:spcBef>
-                <a:spcPts val="1000"/>
-              </a:spcBef>
-              <a:spcAft>
-                <a:spcPts val="0"/>
-              </a:spcAft>
-              <a:buSzPts val="2200"/>
-              <a:buChar char="•"/>
-            </a:pPr>
-            <a:r>
-              <a:rPr lang="nl-NL" sz="2400" dirty="0" err="1"/>
-              <a:t>Estimate</a:t>
-            </a:r>
-            <a:r>
-              <a:rPr lang="nl-NL" sz="2400" dirty="0"/>
-              <a:t> state </a:t>
-            </a:r>
-            <a:r>
-              <a:rPr lang="nl-NL" sz="2400" dirty="0" err="1"/>
-              <a:t>utilities</a:t>
-            </a:r>
-            <a:r>
-              <a:rPr lang="nl-NL" sz="2400" dirty="0"/>
-              <a:t> </a:t>
-            </a:r>
-            <a:r>
-              <a:rPr lang="nl-NL" sz="2400" dirty="0" err="1"/>
-              <a:t>and</a:t>
-            </a:r>
-            <a:r>
-              <a:rPr lang="nl-NL" sz="2400" dirty="0"/>
-              <a:t> </a:t>
-            </a:r>
-            <a:r>
-              <a:rPr lang="nl-NL" sz="2400" dirty="0" err="1"/>
-              <a:t>costs</a:t>
-            </a:r>
-            <a:r>
-              <a:rPr lang="nl-NL" sz="2400" dirty="0"/>
-              <a:t> per </a:t>
-            </a:r>
-            <a:r>
-              <a:rPr lang="nl-NL" sz="2400" dirty="0" err="1"/>
-              <a:t>cycle</a:t>
-            </a:r>
-            <a:endParaRPr sz="2400" dirty="0"/>
-          </a:p>
-          <a:p>
-            <a:pPr marL="457200" lvl="0" indent="-368300" rtl="0">
-              <a:spcBef>
-                <a:spcPts val="1000"/>
-              </a:spcBef>
-              <a:spcAft>
-                <a:spcPts val="0"/>
-              </a:spcAft>
-              <a:buSzPts val="2200"/>
-              <a:buChar char="•"/>
-            </a:pPr>
-            <a:r>
-              <a:rPr lang="nl-NL" sz="2400" dirty="0" err="1"/>
-              <a:t>Calculate</a:t>
-            </a:r>
-            <a:endParaRPr sz="2400" dirty="0"/>
-          </a:p>
-          <a:p>
-            <a:pPr marL="457200" lvl="0" indent="-368300" rtl="0">
-              <a:spcBef>
-                <a:spcPts val="1000"/>
-              </a:spcBef>
-              <a:spcAft>
-                <a:spcPts val="1000"/>
-              </a:spcAft>
-              <a:buSzPts val="2200"/>
-              <a:buChar char="•"/>
-            </a:pPr>
-            <a:r>
-              <a:rPr lang="nl-NL" sz="2400" dirty="0" err="1"/>
-              <a:t>Sensitivity</a:t>
-            </a:r>
-            <a:r>
-              <a:rPr lang="nl-NL" sz="2400" dirty="0"/>
-              <a:t> analyses</a:t>
-            </a:r>
-            <a:endParaRPr sz="2400" dirty="0"/>
-          </a:p>
-        </p:txBody>
-      </p:sp>
-      <p:sp>
-        <p:nvSpPr>
-          <p:cNvPr id="570" name="Shape 570"/>
-          <p:cNvSpPr txBox="1">
-            <a:spLocks noGrp="1"/>
-          </p:cNvSpPr>
-          <p:nvPr>
-            <p:ph type="sldNum" sz="quarter" idx="12"/>
-          </p:nvPr>
-        </p:nvSpPr>
-        <p:spPr>
-          <a:prstGeom prst="rect">
-            <a:avLst/>
-          </a:prstGeom>
-        </p:spPr>
-        <p:txBody>
-          <a:bodyPr spcFirstLastPara="1" wrap="square" lIns="0" tIns="0" rIns="0" bIns="0" anchor="ctr" anchorCtr="0">
-            <a:noAutofit/>
-          </a:bodyPr>
-          <a:lstStyle/>
-          <a:p>
-            <a:pPr marL="0" lvl="0" indent="0">
-              <a:spcBef>
-                <a:spcPts val="0"/>
-              </a:spcBef>
-              <a:spcAft>
-                <a:spcPts val="0"/>
-              </a:spcAft>
-              <a:buClr>
-                <a:srgbClr val="000000"/>
-              </a:buClr>
-              <a:buFont typeface="Arial"/>
-              <a:buNone/>
-            </a:pPr>
-            <a:fld id="{00000000-1234-1234-1234-123412341234}" type="slidenum">
-              <a:rPr lang="nl-NL"/>
-              <a:t>3</a:t>
-            </a:fld>
-            <a:endParaRPr/>
-          </a:p>
-        </p:txBody>
-      </p:sp>
-    </p:spTree>
-    <p:extLst>
-      <p:ext uri="{BB962C8B-B14F-4D97-AF65-F5344CB8AC3E}">
-        <p14:creationId xmlns:p14="http://schemas.microsoft.com/office/powerpoint/2010/main" val="1266459052"/>
-      </p:ext>
-    </p:extLst>
-  </p:cSld>
-  <p:clrMapOvr>
-    <a:masterClrMapping/>
-  </p:clrMapOvr>
-</p:sld>
-</file>
-
-<file path=ppt/slides/slide30.xml><?xml version="1.0" encoding="utf-8"?>
+<file path=ppt/slides/slide23.xml><?xml version="1.0" encoding="utf-8"?>
 <p:sld xmlns:a="http://schemas.openxmlformats.org/drawingml/2006/main" xmlns:r="http://schemas.openxmlformats.org/officeDocument/2006/relationships" xmlns:p="http://schemas.openxmlformats.org/presentationml/2006/main">
   <p:cSld>
     <p:spTree>
@@ -34252,7 +29898,7 @@
             </a:pPr>
             <a:fld id="{00000000-1234-1234-1234-123412341234}" type="slidenum">
               <a:rPr lang="nl-NL"/>
-              <a:t>30</a:t>
+              <a:t>23</a:t>
             </a:fld>
             <a:endParaRPr/>
           </a:p>
@@ -34271,7 +29917,7 @@
 </p:sld>
 </file>
 
-<file path=ppt/slides/slide31.xml><?xml version="1.0" encoding="utf-8"?>
+<file path=ppt/slides/slide24.xml><?xml version="1.0" encoding="utf-8"?>
 <p:sld xmlns:a="http://schemas.openxmlformats.org/drawingml/2006/main" xmlns:r="http://schemas.openxmlformats.org/officeDocument/2006/relationships" xmlns:p="http://schemas.openxmlformats.org/presentationml/2006/main">
   <p:cSld>
     <p:spTree>
@@ -34572,7 +30218,7 @@
             </a:pPr>
             <a:fld id="{00000000-1234-1234-1234-123412341234}" type="slidenum">
               <a:rPr lang="nl-NL"/>
-              <a:t>31</a:t>
+              <a:t>24</a:t>
             </a:fld>
             <a:endParaRPr/>
           </a:p>
@@ -35503,7 +31149,7 @@
 </p:sld>
 </file>
 
-<file path=ppt/slides/slide32.xml><?xml version="1.0" encoding="utf-8"?>
+<file path=ppt/slides/slide25.xml><?xml version="1.0" encoding="utf-8"?>
 <p:sld xmlns:a="http://schemas.openxmlformats.org/drawingml/2006/main" xmlns:r="http://schemas.openxmlformats.org/officeDocument/2006/relationships" xmlns:p="http://schemas.openxmlformats.org/presentationml/2006/main">
   <p:cSld>
     <p:spTree>
@@ -35937,7 +31583,7 @@
             </a:pPr>
             <a:fld id="{00000000-1234-1234-1234-123412341234}" type="slidenum">
               <a:rPr lang="nl-NL"/>
-              <a:t>32</a:t>
+              <a:t>25</a:t>
             </a:fld>
             <a:endParaRPr/>
           </a:p>
@@ -36527,7 +32173,7 @@
 </p:sld>
 </file>
 
-<file path=ppt/slides/slide33.xml><?xml version="1.0" encoding="utf-8"?>
+<file path=ppt/slides/slide26.xml><?xml version="1.0" encoding="utf-8"?>
 <p:sld xmlns:a="http://schemas.openxmlformats.org/drawingml/2006/main" xmlns:r="http://schemas.openxmlformats.org/officeDocument/2006/relationships" xmlns:p="http://schemas.openxmlformats.org/presentationml/2006/main">
   <p:cSld>
     <p:spTree>
@@ -36756,7 +32402,7 @@
             </a:pPr>
             <a:fld id="{00000000-1234-1234-1234-123412341234}" type="slidenum">
               <a:rPr lang="nl-NL"/>
-              <a:t>33</a:t>
+              <a:t>26</a:t>
             </a:fld>
             <a:endParaRPr/>
           </a:p>
@@ -37139,7 +32785,7 @@
 </p:sld>
 </file>
 
-<file path=ppt/slides/slide34.xml><?xml version="1.0" encoding="utf-8"?>
+<file path=ppt/slides/slide27.xml><?xml version="1.0" encoding="utf-8"?>
 <p:sld xmlns:a="http://schemas.openxmlformats.org/drawingml/2006/main" xmlns:r="http://schemas.openxmlformats.org/officeDocument/2006/relationships" xmlns:p="http://schemas.openxmlformats.org/presentationml/2006/main">
   <p:cSld>
     <p:spTree>
@@ -37368,7 +33014,7 @@
             </a:pPr>
             <a:fld id="{00000000-1234-1234-1234-123412341234}" type="slidenum">
               <a:rPr lang="nl-NL"/>
-              <a:t>34</a:t>
+              <a:t>27</a:t>
             </a:fld>
             <a:endParaRPr/>
           </a:p>
@@ -37642,7 +33288,7 @@
 </p:sld>
 </file>
 
-<file path=ppt/slides/slide35.xml><?xml version="1.0" encoding="utf-8"?>
+<file path=ppt/slides/slide28.xml><?xml version="1.0" encoding="utf-8"?>
 <p:sld xmlns:a="http://schemas.openxmlformats.org/drawingml/2006/main" xmlns:r="http://schemas.openxmlformats.org/officeDocument/2006/relationships" xmlns:p="http://schemas.openxmlformats.org/presentationml/2006/main">
   <p:cSld>
     <p:spTree>
@@ -37738,7 +33384,7 @@
             </a:pPr>
             <a:fld id="{00000000-1234-1234-1234-123412341234}" type="slidenum">
               <a:rPr lang="nl-NL"/>
-              <a:t>35</a:t>
+              <a:t>28</a:t>
             </a:fld>
             <a:endParaRPr/>
           </a:p>
@@ -37757,7 +33403,7 @@
 </p:sld>
 </file>
 
-<file path=ppt/slides/slide36.xml><?xml version="1.0" encoding="utf-8"?>
+<file path=ppt/slides/slide29.xml><?xml version="1.0" encoding="utf-8"?>
 <p:sld xmlns:a="http://schemas.openxmlformats.org/drawingml/2006/main" xmlns:r="http://schemas.openxmlformats.org/officeDocument/2006/relationships" xmlns:p="http://schemas.openxmlformats.org/presentationml/2006/main">
   <p:cSld>
     <p:spTree>
@@ -37791,7 +33437,7 @@
           <a:p>
             <a:fld id="{6F6CFCF5-3E37-0F40-BEC2-1413134B0080}" type="slidenum">
               <a:rPr lang="en-US" smtClean="0"/>
-              <a:t>36</a:t>
+              <a:t>29</a:t>
             </a:fld>
             <a:endParaRPr lang="en-US"/>
           </a:p>
@@ -37810,7 +33456,358 @@
 </p:sld>
 </file>
 
-<file path=ppt/slides/slide37.xml><?xml version="1.0" encoding="utf-8"?>
+<file path=ppt/slides/slide3.xml><?xml version="1.0" encoding="utf-8"?>
+<p:sld xmlns:a="http://schemas.openxmlformats.org/drawingml/2006/main" xmlns:r="http://schemas.openxmlformats.org/officeDocument/2006/relationships" xmlns:p="http://schemas.openxmlformats.org/presentationml/2006/main">
+  <p:cSld>
+    <p:spTree>
+      <p:nvGrpSpPr>
+        <p:cNvPr id="1" name="Shape 567"/>
+        <p:cNvGrpSpPr/>
+        <p:nvPr/>
+      </p:nvGrpSpPr>
+      <p:grpSpPr>
+        <a:xfrm>
+          <a:off x="0" y="0"/>
+          <a:ext cx="0" cy="0"/>
+          <a:chOff x="0" y="0"/>
+          <a:chExt cx="0" cy="0"/>
+        </a:xfrm>
+      </p:grpSpPr>
+      <p:sp>
+        <p:nvSpPr>
+          <p:cNvPr id="568" name="Shape 568"/>
+          <p:cNvSpPr txBox="1">
+            <a:spLocks noGrp="1"/>
+          </p:cNvSpPr>
+          <p:nvPr>
+            <p:ph type="title"/>
+          </p:nvPr>
+        </p:nvSpPr>
+        <p:spPr>
+          <a:xfrm>
+            <a:off x="840432" y="274638"/>
+            <a:ext cx="7620000" cy="1143000"/>
+          </a:xfrm>
+          <a:prstGeom prst="rect">
+            <a:avLst/>
+          </a:prstGeom>
+        </p:spPr>
+        <p:txBody>
+          <a:bodyPr spcFirstLastPara="1" wrap="square" lIns="91425" tIns="91425" rIns="91425" bIns="91425" anchor="ctr" anchorCtr="0">
+            <a:noAutofit/>
+          </a:bodyPr>
+          <a:lstStyle/>
+          <a:p>
+            <a:pPr marL="0" lvl="0" indent="0" rtl="0">
+              <a:spcBef>
+                <a:spcPts val="0"/>
+              </a:spcBef>
+              <a:spcAft>
+                <a:spcPts val="0"/>
+              </a:spcAft>
+              <a:buNone/>
+            </a:pPr>
+            <a:r>
+              <a:rPr lang="nl-NL" dirty="0"/>
+              <a:t>Building a cohort State-</a:t>
+            </a:r>
+            <a:r>
+              <a:rPr lang="nl-NL" dirty="0" err="1"/>
+              <a:t>Transition</a:t>
+            </a:r>
+            <a:r>
+              <a:rPr lang="nl-NL" dirty="0"/>
+              <a:t> Model	</a:t>
+            </a:r>
+            <a:endParaRPr dirty="0"/>
+          </a:p>
+        </p:txBody>
+      </p:sp>
+      <p:sp>
+        <p:nvSpPr>
+          <p:cNvPr id="569" name="Shape 569"/>
+          <p:cNvSpPr txBox="1">
+            <a:spLocks noGrp="1"/>
+          </p:cNvSpPr>
+          <p:nvPr>
+            <p:ph idx="1"/>
+          </p:nvPr>
+        </p:nvSpPr>
+        <p:spPr>
+          <a:xfrm>
+            <a:off x="840432" y="1600200"/>
+            <a:ext cx="7620000" cy="4800600"/>
+          </a:xfrm>
+          <a:prstGeom prst="rect">
+            <a:avLst/>
+          </a:prstGeom>
+        </p:spPr>
+        <p:txBody>
+          <a:bodyPr spcFirstLastPara="1" wrap="square" lIns="91425" tIns="91425" rIns="91425" bIns="91425" anchor="t" anchorCtr="0">
+            <a:noAutofit/>
+          </a:bodyPr>
+          <a:lstStyle/>
+          <a:p>
+            <a:pPr marL="457200" lvl="0" indent="-368300" rtl="0">
+              <a:spcBef>
+                <a:spcPts val="800"/>
+              </a:spcBef>
+              <a:spcAft>
+                <a:spcPts val="0"/>
+              </a:spcAft>
+              <a:buSzPts val="2200"/>
+              <a:buChar char="•"/>
+            </a:pPr>
+            <a:r>
+              <a:rPr lang="nl-NL" sz="2400" dirty="0" err="1"/>
+              <a:t>Determine</a:t>
+            </a:r>
+            <a:r>
+              <a:rPr lang="nl-NL" sz="2400" dirty="0"/>
+              <a:t> health </a:t>
+            </a:r>
+            <a:r>
+              <a:rPr lang="nl-NL" sz="2400" dirty="0" err="1"/>
+              <a:t>states</a:t>
+            </a:r>
+            <a:endParaRPr sz="2400" dirty="0"/>
+          </a:p>
+          <a:p>
+            <a:pPr marL="457200" lvl="0" indent="-368300" rtl="0">
+              <a:spcBef>
+                <a:spcPts val="1000"/>
+              </a:spcBef>
+              <a:spcAft>
+                <a:spcPts val="0"/>
+              </a:spcAft>
+              <a:buSzPts val="2200"/>
+              <a:buChar char="•"/>
+            </a:pPr>
+            <a:r>
+              <a:rPr lang="nl-NL" sz="2400" dirty="0" err="1"/>
+              <a:t>Determine</a:t>
+            </a:r>
+            <a:r>
+              <a:rPr lang="nl-NL" sz="2400" dirty="0"/>
+              <a:t> </a:t>
+            </a:r>
+            <a:r>
+              <a:rPr lang="nl-NL" sz="2400" dirty="0" err="1"/>
+              <a:t>transitions</a:t>
+            </a:r>
+            <a:endParaRPr sz="2400" dirty="0"/>
+          </a:p>
+          <a:p>
+            <a:pPr marL="457200" lvl="0" indent="-368300" rtl="0">
+              <a:spcBef>
+                <a:spcPts val="1000"/>
+              </a:spcBef>
+              <a:spcAft>
+                <a:spcPts val="0"/>
+              </a:spcAft>
+              <a:buSzPts val="2200"/>
+              <a:buChar char="•"/>
+            </a:pPr>
+            <a:r>
+              <a:rPr lang="nl-NL" sz="2400" dirty="0" err="1"/>
+              <a:t>Choose</a:t>
+            </a:r>
+            <a:r>
+              <a:rPr lang="nl-NL" sz="2400" dirty="0"/>
+              <a:t> </a:t>
+            </a:r>
+            <a:r>
+              <a:rPr lang="nl-NL" sz="2400" dirty="0" err="1"/>
+              <a:t>cycle</a:t>
+            </a:r>
+            <a:r>
+              <a:rPr lang="nl-NL" sz="2400" dirty="0"/>
+              <a:t> </a:t>
+            </a:r>
+            <a:r>
+              <a:rPr lang="nl-NL" sz="2400" dirty="0" err="1"/>
+              <a:t>length</a:t>
+            </a:r>
+            <a:endParaRPr sz="2400" dirty="0"/>
+          </a:p>
+          <a:p>
+            <a:pPr marL="457200" lvl="0" indent="-368300" rtl="0">
+              <a:spcBef>
+                <a:spcPts val="1000"/>
+              </a:spcBef>
+              <a:spcAft>
+                <a:spcPts val="0"/>
+              </a:spcAft>
+              <a:buSzPts val="2200"/>
+              <a:buChar char="•"/>
+            </a:pPr>
+            <a:r>
+              <a:rPr lang="nl-NL" sz="2400" dirty="0" err="1"/>
+              <a:t>Estimate</a:t>
+            </a:r>
+            <a:r>
+              <a:rPr lang="nl-NL" sz="2400" dirty="0"/>
+              <a:t> </a:t>
+            </a:r>
+            <a:r>
+              <a:rPr lang="nl-NL" sz="2400" dirty="0" err="1"/>
+              <a:t>transition</a:t>
+            </a:r>
+            <a:r>
+              <a:rPr lang="nl-NL" sz="2400" dirty="0"/>
+              <a:t> </a:t>
+            </a:r>
+            <a:r>
+              <a:rPr lang="nl-NL" sz="2400" dirty="0" err="1"/>
+              <a:t>probabilities</a:t>
+            </a:r>
+            <a:endParaRPr sz="2400" dirty="0"/>
+          </a:p>
+          <a:p>
+            <a:pPr marL="457200" lvl="0" indent="-368300" rtl="0">
+              <a:spcBef>
+                <a:spcPts val="1000"/>
+              </a:spcBef>
+              <a:spcAft>
+                <a:spcPts val="0"/>
+              </a:spcAft>
+              <a:buSzPts val="2200"/>
+              <a:buChar char="•"/>
+            </a:pPr>
+            <a:r>
+              <a:rPr lang="nl-NL" sz="2400" dirty="0" err="1"/>
+              <a:t>Estimate</a:t>
+            </a:r>
+            <a:r>
+              <a:rPr lang="nl-NL" sz="2400" dirty="0"/>
+              <a:t> state </a:t>
+            </a:r>
+            <a:r>
+              <a:rPr lang="nl-NL" sz="2400" dirty="0" err="1"/>
+              <a:t>utilities</a:t>
+            </a:r>
+            <a:r>
+              <a:rPr lang="nl-NL" sz="2400" dirty="0"/>
+              <a:t> </a:t>
+            </a:r>
+            <a:r>
+              <a:rPr lang="nl-NL" sz="2400" dirty="0" err="1"/>
+              <a:t>and</a:t>
+            </a:r>
+            <a:r>
+              <a:rPr lang="nl-NL" sz="2400" dirty="0"/>
+              <a:t> </a:t>
+            </a:r>
+            <a:r>
+              <a:rPr lang="nl-NL" sz="2400" dirty="0" err="1"/>
+              <a:t>costs</a:t>
+            </a:r>
+            <a:r>
+              <a:rPr lang="nl-NL" sz="2400" dirty="0"/>
+              <a:t> per </a:t>
+            </a:r>
+            <a:r>
+              <a:rPr lang="nl-NL" sz="2400" dirty="0" err="1"/>
+              <a:t>cycle</a:t>
+            </a:r>
+            <a:endParaRPr sz="2400" dirty="0"/>
+          </a:p>
+          <a:p>
+            <a:pPr marL="457200" lvl="0" indent="-368300" rtl="0">
+              <a:spcBef>
+                <a:spcPts val="1000"/>
+              </a:spcBef>
+              <a:spcAft>
+                <a:spcPts val="0"/>
+              </a:spcAft>
+              <a:buSzPts val="2200"/>
+              <a:buChar char="•"/>
+            </a:pPr>
+            <a:r>
+              <a:rPr lang="nl-NL" sz="2400" dirty="0" err="1"/>
+              <a:t>Calculate</a:t>
+            </a:r>
+            <a:endParaRPr sz="2400" dirty="0"/>
+          </a:p>
+          <a:p>
+            <a:pPr marL="457200" lvl="0" indent="-368300" rtl="0">
+              <a:spcBef>
+                <a:spcPts val="1000"/>
+              </a:spcBef>
+              <a:spcAft>
+                <a:spcPts val="1000"/>
+              </a:spcAft>
+              <a:buSzPts val="2200"/>
+              <a:buChar char="•"/>
+            </a:pPr>
+            <a:r>
+              <a:rPr lang="nl-NL" sz="2400" dirty="0" err="1"/>
+              <a:t>Sensitivity</a:t>
+            </a:r>
+            <a:r>
+              <a:rPr lang="nl-NL" sz="2400" dirty="0"/>
+              <a:t> analyses</a:t>
+            </a:r>
+            <a:endParaRPr sz="2400" dirty="0"/>
+          </a:p>
+        </p:txBody>
+      </p:sp>
+      <p:sp>
+        <p:nvSpPr>
+          <p:cNvPr id="570" name="Shape 570"/>
+          <p:cNvSpPr txBox="1">
+            <a:spLocks noGrp="1"/>
+          </p:cNvSpPr>
+          <p:nvPr>
+            <p:ph type="sldNum" sz="quarter" idx="12"/>
+          </p:nvPr>
+        </p:nvSpPr>
+        <p:spPr>
+          <a:prstGeom prst="rect">
+            <a:avLst/>
+          </a:prstGeom>
+        </p:spPr>
+        <p:txBody>
+          <a:bodyPr spcFirstLastPara="1" wrap="square" lIns="0" tIns="0" rIns="0" bIns="0" anchor="ctr" anchorCtr="0">
+            <a:noAutofit/>
+          </a:bodyPr>
+          <a:lstStyle/>
+          <a:p>
+            <a:pPr marL="0" lvl="0" indent="0">
+              <a:spcBef>
+                <a:spcPts val="0"/>
+              </a:spcBef>
+              <a:spcAft>
+                <a:spcPts val="0"/>
+              </a:spcAft>
+              <a:buClr>
+                <a:srgbClr val="000000"/>
+              </a:buClr>
+              <a:buFont typeface="Arial"/>
+              <a:buNone/>
+            </a:pPr>
+            <a:fld id="{00000000-1234-1234-1234-123412341234}" type="slidenum">
+              <a:rPr lang="nl-NL"/>
+              <a:t>3</a:t>
+            </a:fld>
+            <a:endParaRPr/>
+          </a:p>
+        </p:txBody>
+      </p:sp>
+    </p:spTree>
+    <p:extLst>
+      <p:ext uri="{BB962C8B-B14F-4D97-AF65-F5344CB8AC3E}">
+        <p14:creationId xmlns:p14="http://schemas.microsoft.com/office/powerpoint/2010/main" val="1266459052"/>
+      </p:ext>
+    </p:extLst>
+  </p:cSld>
+  <p:clrMapOvr>
+    <a:masterClrMapping/>
+  </p:clrMapOvr>
+</p:sld>
+</file>
+
+<file path=ppt/slides/slide30.xml><?xml version="1.0" encoding="utf-8"?>
 <p:sld xmlns:a="http://schemas.openxmlformats.org/drawingml/2006/main" xmlns:r="http://schemas.openxmlformats.org/officeDocument/2006/relationships" xmlns:p="http://schemas.openxmlformats.org/presentationml/2006/main">
   <p:cSld>
     <p:spTree>
@@ -37933,7 +33930,7 @@
             </a:pPr>
             <a:fld id="{00000000-1234-1234-1234-123412341234}" type="slidenum">
               <a:rPr lang="nl-NL"/>
-              <a:t>37</a:t>
+              <a:t>30</a:t>
             </a:fld>
             <a:endParaRPr/>
           </a:p>

--- a/Markov models/Slides/MarkovModelSlides.pptx
+++ b/Markov models/Slides/MarkovModelSlides.pptx
@@ -226,7 +226,7 @@
           <a:p>
             <a:fld id="{80022054-F6B9-B04E-9F80-BE6C2BED9348}" type="datetimeFigureOut">
               <a:rPr lang="en-US" smtClean="0"/>
-              <a:t>1/29/20</a:t>
+              <a:t>2/3/2020</a:t>
             </a:fld>
             <a:endParaRPr lang="en-US"/>
           </a:p>
@@ -3639,7 +3639,7 @@
           <a:p>
             <a:fld id="{DD3575FE-2CC2-2845-A91B-203C440E7198}" type="datetimeFigureOut">
               <a:rPr lang="en-US" smtClean="0"/>
-              <a:t>1/29/20</a:t>
+              <a:t>2/3/2020</a:t>
             </a:fld>
             <a:endParaRPr lang="en-US"/>
           </a:p>
@@ -3972,7 +3972,7 @@
           <a:p>
             <a:fld id="{DD3575FE-2CC2-2845-A91B-203C440E7198}" type="datetimeFigureOut">
               <a:rPr lang="en-US" smtClean="0"/>
-              <a:t>1/29/20</a:t>
+              <a:t>2/3/2020</a:t>
             </a:fld>
             <a:endParaRPr lang="en-US"/>
           </a:p>
@@ -4156,7 +4156,7 @@
           <a:p>
             <a:fld id="{DD3575FE-2CC2-2845-A91B-203C440E7198}" type="datetimeFigureOut">
               <a:rPr lang="en-US" smtClean="0"/>
-              <a:t>1/29/20</a:t>
+              <a:t>2/3/2020</a:t>
             </a:fld>
             <a:endParaRPr lang="en-US"/>
           </a:p>
@@ -4346,7 +4346,7 @@
           <a:p>
             <a:fld id="{DD3575FE-2CC2-2845-A91B-203C440E7198}" type="datetimeFigureOut">
               <a:rPr lang="en-US" smtClean="0"/>
-              <a:t>1/29/20</a:t>
+              <a:t>2/3/2020</a:t>
             </a:fld>
             <a:endParaRPr lang="en-US"/>
           </a:p>
@@ -4498,7 +4498,7 @@
           <a:p>
             <a:fld id="{DD3575FE-2CC2-2845-A91B-203C440E7198}" type="datetimeFigureOut">
               <a:rPr lang="en-US" smtClean="0"/>
-              <a:t>1/29/20</a:t>
+              <a:t>2/3/2020</a:t>
             </a:fld>
             <a:endParaRPr lang="en-US"/>
           </a:p>
@@ -5723,7 +5723,7 @@
           <a:p>
             <a:fld id="{DD3575FE-2CC2-2845-A91B-203C440E7198}" type="datetimeFigureOut">
               <a:rPr lang="en-US" smtClean="0"/>
-              <a:t>1/29/20</a:t>
+              <a:t>2/3/2020</a:t>
             </a:fld>
             <a:endParaRPr lang="en-US"/>
           </a:p>
@@ -5761,7 +5761,7 @@
           <a:noFill/>
           <a:extLst>
             <a:ext uri="{909E8E84-426E-40dd-AFC4-6F175D3DCCD1}">
-              <a14:hiddenFill xmlns="" xmlns:a14="http://schemas.microsoft.com/office/drawing/2010/main">
+              <a14:hiddenFill xmlns:a14="http://schemas.microsoft.com/office/drawing/2010/main" xmlns="">
                 <a:solidFill>
                   <a:srgbClr val="FFFFFF"/>
                 </a:solidFill>
@@ -5802,7 +5802,7 @@
           <a:noFill/>
           <a:extLst>
             <a:ext uri="{909E8E84-426E-40dd-AFC4-6F175D3DCCD1}">
-              <a14:hiddenFill xmlns="" xmlns:a14="http://schemas.microsoft.com/office/drawing/2010/main">
+              <a14:hiddenFill xmlns:a14="http://schemas.microsoft.com/office/drawing/2010/main" xmlns="">
                 <a:solidFill>
                   <a:srgbClr val="FFFFFF"/>
                 </a:solidFill>
@@ -7411,7 +7411,7 @@
           <a:noFill/>
           <a:extLst>
             <a:ext uri="{909E8E84-426E-40dd-AFC4-6F175D3DCCD1}">
-              <a14:hiddenFill xmlns="" xmlns:a14="http://schemas.microsoft.com/office/drawing/2010/main">
+              <a14:hiddenFill xmlns:a14="http://schemas.microsoft.com/office/drawing/2010/main" xmlns="">
                 <a:solidFill>
                   <a:srgbClr val="FFFFFF"/>
                 </a:solidFill>
@@ -7450,7 +7450,7 @@
           <a:noFill/>
           <a:extLst>
             <a:ext uri="{909E8E84-426E-40dd-AFC4-6F175D3DCCD1}">
-              <a14:hiddenFill xmlns="" xmlns:a14="http://schemas.microsoft.com/office/drawing/2010/main">
+              <a14:hiddenFill xmlns:a14="http://schemas.microsoft.com/office/drawing/2010/main" xmlns="">
                 <a:solidFill>
                   <a:srgbClr val="FFFFFF"/>
                 </a:solidFill>
@@ -7545,7 +7545,7 @@
           <a:noFill/>
           <a:extLst>
             <a:ext uri="{909E8E84-426E-40dd-AFC4-6F175D3DCCD1}">
-              <a14:hiddenFill xmlns="" xmlns:a14="http://schemas.microsoft.com/office/drawing/2010/main">
+              <a14:hiddenFill xmlns:a14="http://schemas.microsoft.com/office/drawing/2010/main" xmlns="">
                 <a:solidFill>
                   <a:srgbClr val="FFFFFF"/>
                 </a:solidFill>
@@ -7586,7 +7586,7 @@
           <a:noFill/>
           <a:extLst>
             <a:ext uri="{909E8E84-426E-40dd-AFC4-6F175D3DCCD1}">
-              <a14:hiddenFill xmlns="" xmlns:a14="http://schemas.microsoft.com/office/drawing/2010/main">
+              <a14:hiddenFill xmlns:a14="http://schemas.microsoft.com/office/drawing/2010/main" xmlns="">
                 <a:solidFill>
                   <a:srgbClr val="FFFFFF"/>
                 </a:solidFill>
@@ -7631,14 +7631,14 @@
           <a:effectLst/>
           <a:extLst>
             <a:ext uri="{909E8E84-426E-40dd-AFC4-6F175D3DCCD1}">
-              <a14:hiddenFill xmlns="" xmlns:a14="http://schemas.microsoft.com/office/drawing/2010/main">
+              <a14:hiddenFill xmlns:a14="http://schemas.microsoft.com/office/drawing/2010/main" xmlns="">
                 <a:solidFill>
                   <a:schemeClr val="accent1"/>
                 </a:solidFill>
               </a14:hiddenFill>
             </a:ext>
             <a:ext uri="{91240B29-F687-4f45-9708-019B960494DF}">
-              <a14:hiddenLine xmlns="" xmlns:a14="http://schemas.microsoft.com/office/drawing/2010/main" w="9525">
+              <a14:hiddenLine xmlns:a14="http://schemas.microsoft.com/office/drawing/2010/main" xmlns="" w="9525">
                 <a:solidFill>
                   <a:schemeClr val="tx1"/>
                 </a:solidFill>
@@ -7648,7 +7648,7 @@
               </a14:hiddenLine>
             </a:ext>
             <a:ext uri="{AF507438-7753-43e0-B8FC-AC1667EBCBE1}">
-              <a14:hiddenEffects xmlns="" xmlns:a14="http://schemas.microsoft.com/office/drawing/2010/main">
+              <a14:hiddenEffects xmlns:a14="http://schemas.microsoft.com/office/drawing/2010/main" xmlns="">
                 <a:effectLst>
                   <a:outerShdw dist="35921" dir="2700000" algn="ctr" rotWithShape="0">
                     <a:schemeClr val="bg2"/>
@@ -7695,14 +7695,14 @@
           <a:effectLst/>
           <a:extLst>
             <a:ext uri="{909E8E84-426E-40dd-AFC4-6F175D3DCCD1}">
-              <a14:hiddenFill xmlns="" xmlns:a14="http://schemas.microsoft.com/office/drawing/2010/main">
+              <a14:hiddenFill xmlns:a14="http://schemas.microsoft.com/office/drawing/2010/main" xmlns="">
                 <a:solidFill>
                   <a:schemeClr val="accent1"/>
                 </a:solidFill>
               </a14:hiddenFill>
             </a:ext>
             <a:ext uri="{91240B29-F687-4f45-9708-019B960494DF}">
-              <a14:hiddenLine xmlns="" xmlns:a14="http://schemas.microsoft.com/office/drawing/2010/main" w="9525">
+              <a14:hiddenLine xmlns:a14="http://schemas.microsoft.com/office/drawing/2010/main" xmlns="" w="9525">
                 <a:solidFill>
                   <a:schemeClr val="tx1"/>
                 </a:solidFill>
@@ -7712,7 +7712,7 @@
               </a14:hiddenLine>
             </a:ext>
             <a:ext uri="{AF507438-7753-43e0-B8FC-AC1667EBCBE1}">
-              <a14:hiddenEffects xmlns="" xmlns:a14="http://schemas.microsoft.com/office/drawing/2010/main">
+              <a14:hiddenEffects xmlns:a14="http://schemas.microsoft.com/office/drawing/2010/main" xmlns="">
                 <a:effectLst>
                   <a:outerShdw dist="35921" dir="2700000" algn="ctr" rotWithShape="0">
                     <a:schemeClr val="bg2"/>
@@ -8132,7 +8132,7 @@
           <a:noFill/>
           <a:extLst>
             <a:ext uri="{909E8E84-426E-40dd-AFC4-6F175D3DCCD1}">
-              <a14:hiddenFill xmlns="" xmlns:a14="http://schemas.microsoft.com/office/drawing/2010/main">
+              <a14:hiddenFill xmlns:a14="http://schemas.microsoft.com/office/drawing/2010/main" xmlns="">
                 <a:solidFill>
                   <a:srgbClr val="FFFFFF"/>
                 </a:solidFill>
@@ -8171,7 +8171,7 @@
           <a:noFill/>
           <a:extLst>
             <a:ext uri="{909E8E84-426E-40dd-AFC4-6F175D3DCCD1}">
-              <a14:hiddenFill xmlns="" xmlns:a14="http://schemas.microsoft.com/office/drawing/2010/main">
+              <a14:hiddenFill xmlns:a14="http://schemas.microsoft.com/office/drawing/2010/main" xmlns="">
                 <a:solidFill>
                   <a:srgbClr val="FFFFFF"/>
                 </a:solidFill>
@@ -8393,7 +8393,7 @@
           <a:noFill/>
           <a:extLst>
             <a:ext uri="{909E8E84-426E-40dd-AFC4-6F175D3DCCD1}">
-              <a14:hiddenFill xmlns="" xmlns:a14="http://schemas.microsoft.com/office/drawing/2010/main">
+              <a14:hiddenFill xmlns:a14="http://schemas.microsoft.com/office/drawing/2010/main" xmlns="">
                 <a:solidFill>
                   <a:srgbClr val="FFFFFF"/>
                 </a:solidFill>
@@ -8440,7 +8440,7 @@
           <a:noFill/>
           <a:extLst>
             <a:ext uri="{909E8E84-426E-40dd-AFC4-6F175D3DCCD1}">
-              <a14:hiddenFill xmlns="" xmlns:a14="http://schemas.microsoft.com/office/drawing/2010/main">
+              <a14:hiddenFill xmlns:a14="http://schemas.microsoft.com/office/drawing/2010/main" xmlns="">
                 <a:solidFill>
                   <a:srgbClr val="FFFFFF"/>
                 </a:solidFill>
@@ -8491,14 +8491,14 @@
           <a:effectLst/>
           <a:extLst>
             <a:ext uri="{909E8E84-426E-40dd-AFC4-6F175D3DCCD1}">
-              <a14:hiddenFill xmlns="" xmlns:a14="http://schemas.microsoft.com/office/drawing/2010/main">
+              <a14:hiddenFill xmlns:a14="http://schemas.microsoft.com/office/drawing/2010/main" xmlns="">
                 <a:solidFill>
                   <a:schemeClr val="accent1"/>
                 </a:solidFill>
               </a14:hiddenFill>
             </a:ext>
             <a:ext uri="{91240B29-F687-4f45-9708-019B960494DF}">
-              <a14:hiddenLine xmlns="" xmlns:a14="http://schemas.microsoft.com/office/drawing/2010/main" w="9525">
+              <a14:hiddenLine xmlns:a14="http://schemas.microsoft.com/office/drawing/2010/main" xmlns="" w="9525">
                 <a:solidFill>
                   <a:schemeClr val="tx1"/>
                 </a:solidFill>
@@ -8508,7 +8508,7 @@
               </a14:hiddenLine>
             </a:ext>
             <a:ext uri="{AF507438-7753-43e0-B8FC-AC1667EBCBE1}">
-              <a14:hiddenEffects xmlns="" xmlns:a14="http://schemas.microsoft.com/office/drawing/2010/main">
+              <a14:hiddenEffects xmlns:a14="http://schemas.microsoft.com/office/drawing/2010/main" xmlns="">
                 <a:effectLst>
                   <a:outerShdw dist="35921" dir="2700000" algn="ctr" rotWithShape="0">
                     <a:schemeClr val="bg2"/>
@@ -8561,14 +8561,14 @@
           <a:effectLst/>
           <a:extLst>
             <a:ext uri="{909E8E84-426E-40dd-AFC4-6F175D3DCCD1}">
-              <a14:hiddenFill xmlns="" xmlns:a14="http://schemas.microsoft.com/office/drawing/2010/main">
+              <a14:hiddenFill xmlns:a14="http://schemas.microsoft.com/office/drawing/2010/main" xmlns="">
                 <a:solidFill>
                   <a:schemeClr val="accent1"/>
                 </a:solidFill>
               </a14:hiddenFill>
             </a:ext>
             <a:ext uri="{91240B29-F687-4f45-9708-019B960494DF}">
-              <a14:hiddenLine xmlns="" xmlns:a14="http://schemas.microsoft.com/office/drawing/2010/main" w="9525">
+              <a14:hiddenLine xmlns:a14="http://schemas.microsoft.com/office/drawing/2010/main" xmlns="" w="9525">
                 <a:solidFill>
                   <a:schemeClr val="tx1"/>
                 </a:solidFill>
@@ -8578,7 +8578,7 @@
               </a14:hiddenLine>
             </a:ext>
             <a:ext uri="{AF507438-7753-43e0-B8FC-AC1667EBCBE1}">
-              <a14:hiddenEffects xmlns="" xmlns:a14="http://schemas.microsoft.com/office/drawing/2010/main">
+              <a14:hiddenEffects xmlns:a14="http://schemas.microsoft.com/office/drawing/2010/main" xmlns="">
                 <a:effectLst>
                   <a:outerShdw dist="35921" dir="2700000" algn="ctr" rotWithShape="0">
                     <a:schemeClr val="bg2"/>
@@ -8754,7 +8754,7 @@
           <a:p>
             <a:fld id="{DD3575FE-2CC2-2845-A91B-203C440E7198}" type="datetimeFigureOut">
               <a:rPr lang="en-US" smtClean="0"/>
-              <a:t>1/29/20</a:t>
+              <a:t>2/3/2020</a:t>
             </a:fld>
             <a:endParaRPr lang="en-US"/>
           </a:p>
@@ -9011,7 +9011,7 @@
           <a:p>
             <a:fld id="{DD3575FE-2CC2-2845-A91B-203C440E7198}" type="datetimeFigureOut">
               <a:rPr lang="en-US" smtClean="0"/>
-              <a:t>1/29/20</a:t>
+              <a:t>2/3/2020</a:t>
             </a:fld>
             <a:endParaRPr lang="en-US"/>
           </a:p>
@@ -9315,7 +9315,7 @@
           <a:p>
             <a:fld id="{DD3575FE-2CC2-2845-A91B-203C440E7198}" type="datetimeFigureOut">
               <a:rPr lang="en-US" smtClean="0"/>
-              <a:t>1/29/20</a:t>
+              <a:t>2/3/2020</a:t>
             </a:fld>
             <a:endParaRPr lang="en-US"/>
           </a:p>
@@ -9764,7 +9764,7 @@
           <a:p>
             <a:fld id="{DD3575FE-2CC2-2845-A91B-203C440E7198}" type="datetimeFigureOut">
               <a:rPr lang="en-US" smtClean="0"/>
-              <a:t>1/29/20</a:t>
+              <a:t>2/3/2020</a:t>
             </a:fld>
             <a:endParaRPr lang="en-US"/>
           </a:p>
@@ -9898,7 +9898,7 @@
           <a:p>
             <a:fld id="{DD3575FE-2CC2-2845-A91B-203C440E7198}" type="datetimeFigureOut">
               <a:rPr lang="en-US" smtClean="0"/>
-              <a:t>1/29/20</a:t>
+              <a:t>2/3/2020</a:t>
             </a:fld>
             <a:endParaRPr lang="en-US"/>
           </a:p>
@@ -10004,7 +10004,7 @@
           <a:p>
             <a:fld id="{DD3575FE-2CC2-2845-A91B-203C440E7198}" type="datetimeFigureOut">
               <a:rPr lang="en-US" smtClean="0"/>
-              <a:t>1/29/20</a:t>
+              <a:t>2/3/2020</a:t>
             </a:fld>
             <a:endParaRPr lang="en-US"/>
           </a:p>
@@ -10353,7 +10353,7 @@
           <a:p>
             <a:fld id="{DD3575FE-2CC2-2845-A91B-203C440E7198}" type="datetimeFigureOut">
               <a:rPr lang="en-US" smtClean="0"/>
-              <a:t>1/29/20</a:t>
+              <a:t>2/3/2020</a:t>
             </a:fld>
             <a:endParaRPr lang="en-US"/>
           </a:p>
@@ -24075,14 +24075,14 @@
           </a:ln>
           <a:extLst>
             <a:ext uri="{909E8E84-426E-40dd-AFC4-6F175D3DCCD1}">
-              <a14:hiddenFill xmlns:a14="http://schemas.microsoft.com/office/drawing/2010/main" xmlns="">
+              <a14:hiddenFill xmlns="" xmlns:a14="http://schemas.microsoft.com/office/drawing/2010/main">
                 <a:solidFill>
                   <a:srgbClr val="FFFFFF"/>
                 </a:solidFill>
               </a14:hiddenFill>
             </a:ext>
             <a:ext uri="{91240B29-F687-4f45-9708-019B960494DF}">
-              <a14:hiddenLine xmlns:a14="http://schemas.microsoft.com/office/drawing/2010/main" xmlns="" w="9525">
+              <a14:hiddenLine xmlns="" xmlns:a14="http://schemas.microsoft.com/office/drawing/2010/main" w="9525">
                 <a:solidFill>
                   <a:srgbClr val="000000"/>
                 </a:solidFill>
@@ -24235,7 +24235,7 @@
           </a:ln>
           <a:extLst>
             <a:ext uri="{909E8E84-426E-40dd-AFC4-6F175D3DCCD1}">
-              <a14:hiddenFill xmlns:a14="http://schemas.microsoft.com/office/drawing/2010/main" xmlns="">
+              <a14:hiddenFill xmlns="" xmlns:a14="http://schemas.microsoft.com/office/drawing/2010/main">
                 <a:solidFill>
                   <a:srgbClr val="FFFFFF"/>
                 </a:solidFill>
@@ -24382,7 +24382,7 @@
           </a:ln>
           <a:extLst>
             <a:ext uri="{909E8E84-426E-40dd-AFC4-6F175D3DCCD1}">
-              <a14:hiddenFill xmlns:a14="http://schemas.microsoft.com/office/drawing/2010/main" xmlns="">
+              <a14:hiddenFill xmlns="" xmlns:a14="http://schemas.microsoft.com/office/drawing/2010/main">
                 <a:solidFill>
                   <a:srgbClr val="FFFFFF"/>
                 </a:solidFill>
@@ -24529,7 +24529,7 @@
           </a:ln>
           <a:extLst>
             <a:ext uri="{909E8E84-426E-40dd-AFC4-6F175D3DCCD1}">
-              <a14:hiddenFill xmlns:a14="http://schemas.microsoft.com/office/drawing/2010/main" xmlns="">
+              <a14:hiddenFill xmlns="" xmlns:a14="http://schemas.microsoft.com/office/drawing/2010/main">
                 <a:solidFill>
                   <a:srgbClr val="FFFFFF"/>
                 </a:solidFill>
@@ -24676,7 +24676,7 @@
           </a:ln>
           <a:extLst>
             <a:ext uri="{909E8E84-426E-40dd-AFC4-6F175D3DCCD1}">
-              <a14:hiddenFill xmlns:a14="http://schemas.microsoft.com/office/drawing/2010/main" xmlns="">
+              <a14:hiddenFill xmlns="" xmlns:a14="http://schemas.microsoft.com/office/drawing/2010/main">
                 <a:solidFill>
                   <a:srgbClr val="FFFFFF"/>
                 </a:solidFill>
@@ -24823,7 +24823,7 @@
           </a:ln>
           <a:extLst>
             <a:ext uri="{909E8E84-426E-40dd-AFC4-6F175D3DCCD1}">
-              <a14:hiddenFill xmlns:a14="http://schemas.microsoft.com/office/drawing/2010/main" xmlns="">
+              <a14:hiddenFill xmlns="" xmlns:a14="http://schemas.microsoft.com/office/drawing/2010/main">
                 <a:solidFill>
                   <a:srgbClr val="FFFFFF"/>
                 </a:solidFill>
@@ -24970,7 +24970,7 @@
           </a:ln>
           <a:extLst>
             <a:ext uri="{909E8E84-426E-40dd-AFC4-6F175D3DCCD1}">
-              <a14:hiddenFill xmlns:a14="http://schemas.microsoft.com/office/drawing/2010/main" xmlns="">
+              <a14:hiddenFill xmlns="" xmlns:a14="http://schemas.microsoft.com/office/drawing/2010/main">
                 <a:solidFill>
                   <a:srgbClr val="FFFFFF"/>
                 </a:solidFill>
@@ -25117,7 +25117,7 @@
           </a:ln>
           <a:extLst>
             <a:ext uri="{909E8E84-426E-40dd-AFC4-6F175D3DCCD1}">
-              <a14:hiddenFill xmlns:a14="http://schemas.microsoft.com/office/drawing/2010/main" xmlns="">
+              <a14:hiddenFill xmlns="" xmlns:a14="http://schemas.microsoft.com/office/drawing/2010/main">
                 <a:solidFill>
                   <a:srgbClr val="FFFFFF"/>
                 </a:solidFill>
@@ -25264,7 +25264,7 @@
           </a:ln>
           <a:extLst>
             <a:ext uri="{909E8E84-426E-40dd-AFC4-6F175D3DCCD1}">
-              <a14:hiddenFill xmlns:a14="http://schemas.microsoft.com/office/drawing/2010/main" xmlns="">
+              <a14:hiddenFill xmlns="" xmlns:a14="http://schemas.microsoft.com/office/drawing/2010/main">
                 <a:solidFill>
                   <a:srgbClr val="FFFFFF"/>
                 </a:solidFill>
@@ -25411,7 +25411,7 @@
           </a:ln>
           <a:extLst>
             <a:ext uri="{909E8E84-426E-40dd-AFC4-6F175D3DCCD1}">
-              <a14:hiddenFill xmlns:a14="http://schemas.microsoft.com/office/drawing/2010/main" xmlns="">
+              <a14:hiddenFill xmlns="" xmlns:a14="http://schemas.microsoft.com/office/drawing/2010/main">
                 <a:solidFill>
                   <a:srgbClr val="FFFFFF"/>
                 </a:solidFill>
@@ -25565,7 +25565,7 @@
           </a:ln>
           <a:extLst>
             <a:ext uri="{909E8E84-426E-40dd-AFC4-6F175D3DCCD1}">
-              <a14:hiddenFill xmlns:a14="http://schemas.microsoft.com/office/drawing/2010/main" xmlns="">
+              <a14:hiddenFill xmlns="" xmlns:a14="http://schemas.microsoft.com/office/drawing/2010/main">
                 <a:noFill/>
               </a14:hiddenFill>
             </a:ext>
@@ -25622,7 +25622,7 @@
             </a:ln>
             <a:extLst>
               <a:ext uri="{909E8E84-426E-40dd-AFC4-6F175D3DCCD1}">
-                <a14:hiddenFill xmlns:a14="http://schemas.microsoft.com/office/drawing/2010/main" xmlns="">
+                <a14:hiddenFill xmlns="" xmlns:a14="http://schemas.microsoft.com/office/drawing/2010/main">
                   <a:solidFill>
                     <a:srgbClr val="FFFFFF"/>
                   </a:solidFill>
@@ -25766,7 +25766,7 @@
             </a:ln>
             <a:extLst>
               <a:ext uri="{909E8E84-426E-40dd-AFC4-6F175D3DCCD1}">
-                <a14:hiddenFill xmlns:a14="http://schemas.microsoft.com/office/drawing/2010/main" xmlns="">
+                <a14:hiddenFill xmlns="" xmlns:a14="http://schemas.microsoft.com/office/drawing/2010/main">
                   <a:noFill/>
                 </a14:hiddenFill>
               </a:ext>
@@ -25807,7 +25807,7 @@
             </a:ln>
             <a:extLst>
               <a:ext uri="{909E8E84-426E-40dd-AFC4-6F175D3DCCD1}">
-                <a14:hiddenFill xmlns:a14="http://schemas.microsoft.com/office/drawing/2010/main" xmlns="">
+                <a14:hiddenFill xmlns="" xmlns:a14="http://schemas.microsoft.com/office/drawing/2010/main">
                   <a:noFill/>
                 </a14:hiddenFill>
               </a:ext>
@@ -25848,7 +25848,7 @@
             </a:ln>
             <a:extLst>
               <a:ext uri="{909E8E84-426E-40dd-AFC4-6F175D3DCCD1}">
-                <a14:hiddenFill xmlns:a14="http://schemas.microsoft.com/office/drawing/2010/main" xmlns="">
+                <a14:hiddenFill xmlns="" xmlns:a14="http://schemas.microsoft.com/office/drawing/2010/main">
                   <a:noFill/>
                 </a14:hiddenFill>
               </a:ext>
@@ -25889,7 +25889,7 @@
             </a:ln>
             <a:extLst>
               <a:ext uri="{909E8E84-426E-40dd-AFC4-6F175D3DCCD1}">
-                <a14:hiddenFill xmlns:a14="http://schemas.microsoft.com/office/drawing/2010/main" xmlns="">
+                <a14:hiddenFill xmlns="" xmlns:a14="http://schemas.microsoft.com/office/drawing/2010/main">
                   <a:noFill/>
                 </a14:hiddenFill>
               </a:ext>
@@ -25930,7 +25930,7 @@
             </a:ln>
             <a:extLst>
               <a:ext uri="{909E8E84-426E-40dd-AFC4-6F175D3DCCD1}">
-                <a14:hiddenFill xmlns:a14="http://schemas.microsoft.com/office/drawing/2010/main" xmlns="">
+                <a14:hiddenFill xmlns="" xmlns:a14="http://schemas.microsoft.com/office/drawing/2010/main">
                   <a:noFill/>
                 </a14:hiddenFill>
               </a:ext>
@@ -26299,7 +26299,7 @@
             </a:ln>
             <a:extLst>
               <a:ext uri="{909E8E84-426E-40dd-AFC4-6F175D3DCCD1}">
-                <a14:hiddenFill xmlns:a14="http://schemas.microsoft.com/office/drawing/2010/main" xmlns="">
+                <a14:hiddenFill xmlns="" xmlns:a14="http://schemas.microsoft.com/office/drawing/2010/main">
                   <a:solidFill>
                     <a:srgbClr val="FFFFFF"/>
                   </a:solidFill>
@@ -26338,14 +26338,14 @@
           </a:ln>
           <a:extLst>
             <a:ext uri="{909E8E84-426E-40dd-AFC4-6F175D3DCCD1}">
-              <a14:hiddenFill xmlns:a14="http://schemas.microsoft.com/office/drawing/2010/main" xmlns="">
+              <a14:hiddenFill xmlns="" xmlns:a14="http://schemas.microsoft.com/office/drawing/2010/main">
                 <a:solidFill>
                   <a:srgbClr val="FFFFFF"/>
                 </a:solidFill>
               </a14:hiddenFill>
             </a:ext>
             <a:ext uri="{91240B29-F687-4f45-9708-019B960494DF}">
-              <a14:hiddenLine xmlns:a14="http://schemas.microsoft.com/office/drawing/2010/main" xmlns="" w="9525">
+              <a14:hiddenLine xmlns="" xmlns:a14="http://schemas.microsoft.com/office/drawing/2010/main" w="9525">
                 <a:solidFill>
                   <a:srgbClr val="000000"/>
                 </a:solidFill>
@@ -26500,7 +26500,7 @@
           </a:ln>
           <a:extLst>
             <a:ext uri="{909E8E84-426E-40dd-AFC4-6F175D3DCCD1}">
-              <a14:hiddenFill xmlns:a14="http://schemas.microsoft.com/office/drawing/2010/main" xmlns="">
+              <a14:hiddenFill xmlns="" xmlns:a14="http://schemas.microsoft.com/office/drawing/2010/main">
                 <a:noFill/>
               </a14:hiddenFill>
             </a:ext>
@@ -26536,14 +26536,14 @@
           </a:ln>
           <a:extLst>
             <a:ext uri="{909E8E84-426E-40dd-AFC4-6F175D3DCCD1}">
-              <a14:hiddenFill xmlns:a14="http://schemas.microsoft.com/office/drawing/2010/main" xmlns="">
+              <a14:hiddenFill xmlns="" xmlns:a14="http://schemas.microsoft.com/office/drawing/2010/main">
                 <a:solidFill>
                   <a:srgbClr val="FFFFFF"/>
                 </a:solidFill>
               </a14:hiddenFill>
             </a:ext>
             <a:ext uri="{91240B29-F687-4f45-9708-019B960494DF}">
-              <a14:hiddenLine xmlns:a14="http://schemas.microsoft.com/office/drawing/2010/main" xmlns="" w="9525">
+              <a14:hiddenLine xmlns="" xmlns:a14="http://schemas.microsoft.com/office/drawing/2010/main" w="9525">
                 <a:solidFill>
                   <a:srgbClr val="000000"/>
                 </a:solidFill>
@@ -26698,7 +26698,7 @@
           </a:ln>
           <a:extLst>
             <a:ext uri="{909E8E84-426E-40dd-AFC4-6F175D3DCCD1}">
-              <a14:hiddenFill xmlns:a14="http://schemas.microsoft.com/office/drawing/2010/main" xmlns="">
+              <a14:hiddenFill xmlns="" xmlns:a14="http://schemas.microsoft.com/office/drawing/2010/main">
                 <a:noFill/>
               </a14:hiddenFill>
             </a:ext>
@@ -26734,14 +26734,14 @@
           </a:ln>
           <a:extLst>
             <a:ext uri="{909E8E84-426E-40dd-AFC4-6F175D3DCCD1}">
-              <a14:hiddenFill xmlns:a14="http://schemas.microsoft.com/office/drawing/2010/main" xmlns="">
+              <a14:hiddenFill xmlns="" xmlns:a14="http://schemas.microsoft.com/office/drawing/2010/main">
                 <a:solidFill>
                   <a:srgbClr val="FFFFFF"/>
                 </a:solidFill>
               </a14:hiddenFill>
             </a:ext>
             <a:ext uri="{91240B29-F687-4f45-9708-019B960494DF}">
-              <a14:hiddenLine xmlns:a14="http://schemas.microsoft.com/office/drawing/2010/main" xmlns="" w="9525">
+              <a14:hiddenLine xmlns="" xmlns:a14="http://schemas.microsoft.com/office/drawing/2010/main" w="9525">
                 <a:solidFill>
                   <a:srgbClr val="000000"/>
                 </a:solidFill>
@@ -26885,7 +26885,7 @@
           <a:graphicData uri="http://schemas.openxmlformats.org/presentationml/2006/ole">
             <mc:AlternateContent xmlns:mc="http://schemas.openxmlformats.org/markup-compatibility/2006">
               <mc:Choice xmlns:v="urn:schemas-microsoft-com:vml" Requires="v">
-                <p:oleObj spid="_x0000_s4183" name="Equation" r:id="rId3" imgW="2577960" imgH="457200" progId="Equation.DSMT4">
+                <p:oleObj spid="_x0000_s4185" name="Equation" r:id="rId3" imgW="2577960" imgH="457200" progId="Equation.DSMT4">
                   <p:embed/>
                 </p:oleObj>
               </mc:Choice>
@@ -26928,14 +26928,14 @@
                       <a:effectLst/>
                       <a:extLst>
                         <a:ext uri="{909E8E84-426E-40dd-AFC4-6F175D3DCCD1}">
-                          <a14:hiddenFill xmlns:a14="http://schemas.microsoft.com/office/drawing/2010/main" xmlns="">
+                          <a14:hiddenFill xmlns="" xmlns:a14="http://schemas.microsoft.com/office/drawing/2010/main">
                             <a:solidFill>
                               <a:srgbClr val="FFFFFF"/>
                             </a:solidFill>
                           </a14:hiddenFill>
                         </a:ext>
                         <a:ext uri="{91240B29-F687-4f45-9708-019B960494DF}">
-                          <a14:hiddenLine xmlns:a14="http://schemas.microsoft.com/office/drawing/2010/main" xmlns="" w="9525">
+                          <a14:hiddenLine xmlns="" xmlns:a14="http://schemas.microsoft.com/office/drawing/2010/main" w="9525">
                             <a:solidFill>
                               <a:srgbClr val="000000"/>
                             </a:solidFill>
@@ -26945,7 +26945,7 @@
                           </a14:hiddenLine>
                         </a:ext>
                         <a:ext uri="{AF507438-7753-43e0-B8FC-AC1667EBCBE1}">
-                          <a14:hiddenEffects xmlns:a14="http://schemas.microsoft.com/office/drawing/2010/main" xmlns="">
+                          <a14:hiddenEffects xmlns="" xmlns:a14="http://schemas.microsoft.com/office/drawing/2010/main">
                             <a:effectLst>
                               <a:outerShdw dist="35921" dir="2700000" algn="ctr" rotWithShape="0">
                                 <a:srgbClr val="808080"/>
@@ -30224,30 +30224,6 @@
           </a:p>
         </p:txBody>
       </p:sp>
-      <p:pic>
-        <p:nvPicPr>
-          <p:cNvPr id="2" name="Picture 1"/>
-          <p:cNvPicPr>
-            <a:picLocks noChangeAspect="1"/>
-          </p:cNvPicPr>
-          <p:nvPr/>
-        </p:nvPicPr>
-        <p:blipFill>
-          <a:blip r:embed="rId3"/>
-          <a:stretch>
-            <a:fillRect/>
-          </a:stretch>
-        </p:blipFill>
-        <p:spPr>
-          <a:xfrm>
-            <a:off x="5879951" y="1742782"/>
-            <a:ext cx="3032124" cy="2604966"/>
-          </a:xfrm>
-          <a:prstGeom prst="rect">
-            <a:avLst/>
-          </a:prstGeom>
-        </p:spPr>
-      </p:pic>
       <mc:AlternateContent xmlns:mc="http://schemas.openxmlformats.org/markup-compatibility/2006" xmlns:a14="http://schemas.microsoft.com/office/drawing/2010/main">
         <mc:Choice Requires="a14">
           <p:sp>
@@ -31136,6 +31112,680 @@
           </p:sp>
         </mc:Fallback>
       </mc:AlternateContent>
+      <p:grpSp>
+        <p:nvGrpSpPr>
+          <p:cNvPr id="13" name="Group 12">
+            <a:extLst>
+              <a:ext uri="{FF2B5EF4-FFF2-40B4-BE49-F238E27FC236}">
+                <a16:creationId xmlns:a16="http://schemas.microsoft.com/office/drawing/2014/main" id="{EB04EAAC-44B8-4E89-9EA9-EB781DB7B26D}"/>
+              </a:ext>
+            </a:extLst>
+          </p:cNvPr>
+          <p:cNvGrpSpPr/>
+          <p:nvPr/>
+        </p:nvGrpSpPr>
+        <p:grpSpPr>
+          <a:xfrm>
+            <a:off x="5683561" y="849765"/>
+            <a:ext cx="3229057" cy="3036435"/>
+            <a:chOff x="2335461" y="1846641"/>
+            <a:chExt cx="5015880" cy="4450219"/>
+          </a:xfrm>
+        </p:grpSpPr>
+        <p:sp>
+          <p:nvSpPr>
+            <p:cNvPr id="17" name="Shape 646">
+              <a:extLst>
+                <a:ext uri="{FF2B5EF4-FFF2-40B4-BE49-F238E27FC236}">
+                  <a16:creationId xmlns:a16="http://schemas.microsoft.com/office/drawing/2014/main" id="{454CDF1B-36A3-496B-877A-6804A6266DFD}"/>
+                </a:ext>
+              </a:extLst>
+            </p:cNvPr>
+            <p:cNvSpPr/>
+            <p:nvPr/>
+          </p:nvSpPr>
+          <p:spPr>
+            <a:xfrm>
+              <a:off x="2335461" y="2798535"/>
+              <a:ext cx="1828800" cy="1371600"/>
+            </a:xfrm>
+            <a:prstGeom prst="ellipse">
+              <a:avLst/>
+            </a:prstGeom>
+            <a:solidFill>
+              <a:srgbClr val="E6EEEE"/>
+            </a:solidFill>
+            <a:ln w="25400" cap="flat" cmpd="sng">
+              <a:solidFill>
+                <a:srgbClr val="667E7E"/>
+              </a:solidFill>
+              <a:prstDash val="solid"/>
+              <a:round/>
+              <a:headEnd type="none" w="sm" len="sm"/>
+              <a:tailEnd type="none" w="sm" len="sm"/>
+            </a:ln>
+          </p:spPr>
+          <p:txBody>
+            <a:bodyPr spcFirstLastPara="1" wrap="square" lIns="91425" tIns="45700" rIns="91425" bIns="45700" anchor="ctr" anchorCtr="0">
+              <a:noAutofit/>
+            </a:bodyPr>
+            <a:lstStyle/>
+            <a:p>
+              <a:pPr marL="0" marR="0" lvl="0" indent="0" algn="ctr" rtl="0">
+                <a:spcBef>
+                  <a:spcPts val="0"/>
+                </a:spcBef>
+                <a:spcAft>
+                  <a:spcPts val="0"/>
+                </a:spcAft>
+                <a:buNone/>
+              </a:pPr>
+              <a:r>
+                <a:rPr lang="nl-NL" sz="1050" b="1" dirty="0" err="1">
+                  <a:solidFill>
+                    <a:srgbClr val="3F3F3F"/>
+                  </a:solidFill>
+                  <a:latin typeface="Calibri"/>
+                  <a:ea typeface="Calibri"/>
+                  <a:cs typeface="Calibri"/>
+                  <a:sym typeface="Calibri"/>
+                </a:rPr>
+                <a:t>Healthy</a:t>
+              </a:r>
+              <a:r>
+                <a:rPr lang="nl-NL" sz="1050" b="1" dirty="0">
+                  <a:solidFill>
+                    <a:srgbClr val="3F3F3F"/>
+                  </a:solidFill>
+                  <a:latin typeface="Calibri"/>
+                  <a:ea typeface="Calibri"/>
+                  <a:cs typeface="Calibri"/>
+                  <a:sym typeface="Calibri"/>
+                </a:rPr>
+                <a:t> (H)</a:t>
+              </a:r>
+              <a:endParaRPr sz="1050" b="1" dirty="0">
+                <a:solidFill>
+                  <a:srgbClr val="3F3F3F"/>
+                </a:solidFill>
+                <a:latin typeface="Calibri"/>
+                <a:ea typeface="Calibri"/>
+                <a:cs typeface="Calibri"/>
+                <a:sym typeface="Calibri"/>
+              </a:endParaRPr>
+            </a:p>
+          </p:txBody>
+        </p:sp>
+        <p:sp>
+          <p:nvSpPr>
+            <p:cNvPr id="19" name="Shape 646">
+              <a:extLst>
+                <a:ext uri="{FF2B5EF4-FFF2-40B4-BE49-F238E27FC236}">
+                  <a16:creationId xmlns:a16="http://schemas.microsoft.com/office/drawing/2014/main" id="{E9483EC5-67F4-4A5B-998D-82C23948395C}"/>
+                </a:ext>
+              </a:extLst>
+            </p:cNvPr>
+            <p:cNvSpPr/>
+            <p:nvPr/>
+          </p:nvSpPr>
+          <p:spPr>
+            <a:xfrm>
+              <a:off x="5522541" y="2798535"/>
+              <a:ext cx="1828800" cy="1371600"/>
+            </a:xfrm>
+            <a:prstGeom prst="ellipse">
+              <a:avLst/>
+            </a:prstGeom>
+            <a:solidFill>
+              <a:srgbClr val="E6EEEE"/>
+            </a:solidFill>
+            <a:ln w="25400" cap="flat" cmpd="sng">
+              <a:solidFill>
+                <a:srgbClr val="667E7E"/>
+              </a:solidFill>
+              <a:prstDash val="solid"/>
+              <a:round/>
+              <a:headEnd type="none" w="sm" len="sm"/>
+              <a:tailEnd type="none" w="sm" len="sm"/>
+            </a:ln>
+          </p:spPr>
+          <p:txBody>
+            <a:bodyPr spcFirstLastPara="1" wrap="square" lIns="91425" tIns="45700" rIns="91425" bIns="45700" anchor="ctr" anchorCtr="0">
+              <a:noAutofit/>
+            </a:bodyPr>
+            <a:lstStyle/>
+            <a:p>
+              <a:pPr marL="0" marR="0" lvl="0" indent="0" algn="ctr" rtl="0">
+                <a:spcBef>
+                  <a:spcPts val="0"/>
+                </a:spcBef>
+                <a:spcAft>
+                  <a:spcPts val="0"/>
+                </a:spcAft>
+                <a:buNone/>
+              </a:pPr>
+              <a:r>
+                <a:rPr lang="nl-NL" sz="1050" b="1" dirty="0">
+                  <a:solidFill>
+                    <a:srgbClr val="3F3F3F"/>
+                  </a:solidFill>
+                  <a:latin typeface="Calibri"/>
+                  <a:ea typeface="Calibri"/>
+                  <a:cs typeface="Calibri"/>
+                  <a:sym typeface="Calibri"/>
+                </a:rPr>
+                <a:t>Sick (S)</a:t>
+              </a:r>
+              <a:endParaRPr sz="1050" b="1" dirty="0">
+                <a:solidFill>
+                  <a:srgbClr val="3F3F3F"/>
+                </a:solidFill>
+                <a:latin typeface="Calibri"/>
+                <a:ea typeface="Calibri"/>
+                <a:cs typeface="Calibri"/>
+                <a:sym typeface="Calibri"/>
+              </a:endParaRPr>
+            </a:p>
+          </p:txBody>
+        </p:sp>
+        <p:sp>
+          <p:nvSpPr>
+            <p:cNvPr id="20" name="Shape 646">
+              <a:extLst>
+                <a:ext uri="{FF2B5EF4-FFF2-40B4-BE49-F238E27FC236}">
+                  <a16:creationId xmlns:a16="http://schemas.microsoft.com/office/drawing/2014/main" id="{E8940966-C66A-4BB5-8BE1-DF7026A8E66D}"/>
+                </a:ext>
+              </a:extLst>
+            </p:cNvPr>
+            <p:cNvSpPr/>
+            <p:nvPr/>
+          </p:nvSpPr>
+          <p:spPr>
+            <a:xfrm>
+              <a:off x="3929001" y="4925260"/>
+              <a:ext cx="1828800" cy="1371600"/>
+            </a:xfrm>
+            <a:prstGeom prst="ellipse">
+              <a:avLst/>
+            </a:prstGeom>
+            <a:solidFill>
+              <a:srgbClr val="E6EEEE"/>
+            </a:solidFill>
+            <a:ln w="25400" cap="flat" cmpd="sng">
+              <a:solidFill>
+                <a:srgbClr val="667E7E"/>
+              </a:solidFill>
+              <a:prstDash val="solid"/>
+              <a:round/>
+              <a:headEnd type="none" w="sm" len="sm"/>
+              <a:tailEnd type="none" w="sm" len="sm"/>
+            </a:ln>
+          </p:spPr>
+          <p:txBody>
+            <a:bodyPr spcFirstLastPara="1" wrap="square" lIns="91425" tIns="45700" rIns="91425" bIns="45700" anchor="ctr" anchorCtr="0">
+              <a:noAutofit/>
+            </a:bodyPr>
+            <a:lstStyle/>
+            <a:p>
+              <a:pPr marL="0" marR="0" lvl="0" indent="0" algn="ctr" rtl="0">
+                <a:spcBef>
+                  <a:spcPts val="0"/>
+                </a:spcBef>
+                <a:spcAft>
+                  <a:spcPts val="0"/>
+                </a:spcAft>
+                <a:buNone/>
+              </a:pPr>
+              <a:r>
+                <a:rPr lang="nl-NL" sz="1050" b="1" dirty="0">
+                  <a:solidFill>
+                    <a:srgbClr val="3F3F3F"/>
+                  </a:solidFill>
+                  <a:latin typeface="Calibri"/>
+                  <a:ea typeface="Calibri"/>
+                  <a:cs typeface="Calibri"/>
+                  <a:sym typeface="Calibri"/>
+                </a:rPr>
+                <a:t>Dead</a:t>
+              </a:r>
+              <a:r>
+                <a:rPr lang="nl-NL" sz="1000" b="1" dirty="0">
+                  <a:solidFill>
+                    <a:srgbClr val="3F3F3F"/>
+                  </a:solidFill>
+                  <a:latin typeface="Calibri"/>
+                  <a:ea typeface="Calibri"/>
+                  <a:cs typeface="Calibri"/>
+                  <a:sym typeface="Calibri"/>
+                </a:rPr>
+                <a:t> (D)</a:t>
+              </a:r>
+              <a:endParaRPr sz="1000" b="1" dirty="0">
+                <a:solidFill>
+                  <a:srgbClr val="3F3F3F"/>
+                </a:solidFill>
+                <a:latin typeface="Calibri"/>
+                <a:ea typeface="Calibri"/>
+                <a:cs typeface="Calibri"/>
+                <a:sym typeface="Calibri"/>
+              </a:endParaRPr>
+            </a:p>
+          </p:txBody>
+        </p:sp>
+        <p:cxnSp>
+          <p:nvCxnSpPr>
+            <p:cNvPr id="21" name="Shape 651">
+              <a:extLst>
+                <a:ext uri="{FF2B5EF4-FFF2-40B4-BE49-F238E27FC236}">
+                  <a16:creationId xmlns:a16="http://schemas.microsoft.com/office/drawing/2014/main" id="{96F63303-02EA-4465-8224-FD55446055D2}"/>
+                </a:ext>
+              </a:extLst>
+            </p:cNvPr>
+            <p:cNvCxnSpPr>
+              <a:stCxn id="20" idx="0"/>
+              <a:endCxn id="23" idx="0"/>
+            </p:cNvCxnSpPr>
+            <p:nvPr/>
+          </p:nvCxnSpPr>
+          <p:spPr>
+            <a:xfrm rot="5400000" flipH="1" flipV="1">
+              <a:off x="4843401" y="1204995"/>
+              <a:ext cx="12700" cy="3187080"/>
+            </a:xfrm>
+            <a:prstGeom prst="curvedConnector3">
+              <a:avLst>
+                <a:gd name="adj1" fmla="val 4090906"/>
+              </a:avLst>
+            </a:prstGeom>
+            <a:noFill/>
+            <a:ln w="25400" cap="flat" cmpd="sng">
+              <a:solidFill>
+                <a:srgbClr val="3F3F3F"/>
+              </a:solidFill>
+              <a:prstDash val="solid"/>
+              <a:round/>
+              <a:headEnd type="none" w="sm" len="sm"/>
+              <a:tailEnd type="triangle" w="lg" len="lg"/>
+            </a:ln>
+          </p:spPr>
+        </p:cxnSp>
+        <p:cxnSp>
+          <p:nvCxnSpPr>
+            <p:cNvPr id="22" name="Shape 651">
+              <a:extLst>
+                <a:ext uri="{FF2B5EF4-FFF2-40B4-BE49-F238E27FC236}">
+                  <a16:creationId xmlns:a16="http://schemas.microsoft.com/office/drawing/2014/main" id="{8203223F-5850-4DF3-8DC9-D0F1B2F491DC}"/>
+                </a:ext>
+              </a:extLst>
+            </p:cNvPr>
+            <p:cNvCxnSpPr>
+              <a:stCxn id="20" idx="2"/>
+              <a:endCxn id="20" idx="1"/>
+            </p:cNvCxnSpPr>
+            <p:nvPr/>
+          </p:nvCxnSpPr>
+          <p:spPr>
+            <a:xfrm rot="10800000" flipH="1">
+              <a:off x="2335461" y="2999401"/>
+              <a:ext cx="267822" cy="484934"/>
+            </a:xfrm>
+            <a:prstGeom prst="curvedConnector4">
+              <a:avLst>
+                <a:gd name="adj1" fmla="val -85355"/>
+                <a:gd name="adj2" fmla="val 188562"/>
+              </a:avLst>
+            </a:prstGeom>
+            <a:noFill/>
+            <a:ln w="25400" cap="flat" cmpd="sng">
+              <a:solidFill>
+                <a:srgbClr val="3F3F3F"/>
+              </a:solidFill>
+              <a:prstDash val="solid"/>
+              <a:round/>
+              <a:headEnd type="none" w="sm" len="sm"/>
+              <a:tailEnd type="triangle" w="lg" len="lg"/>
+            </a:ln>
+          </p:spPr>
+        </p:cxnSp>
+        <p:cxnSp>
+          <p:nvCxnSpPr>
+            <p:cNvPr id="23" name="Shape 651">
+              <a:extLst>
+                <a:ext uri="{FF2B5EF4-FFF2-40B4-BE49-F238E27FC236}">
+                  <a16:creationId xmlns:a16="http://schemas.microsoft.com/office/drawing/2014/main" id="{6F337C90-2094-4C58-A1F8-231F12FC5995}"/>
+                </a:ext>
+              </a:extLst>
+            </p:cNvPr>
+            <p:cNvCxnSpPr>
+              <a:stCxn id="23" idx="6"/>
+              <a:endCxn id="23" idx="7"/>
+            </p:cNvCxnSpPr>
+            <p:nvPr/>
+          </p:nvCxnSpPr>
+          <p:spPr>
+            <a:xfrm flipH="1" flipV="1">
+              <a:off x="7083519" y="2999401"/>
+              <a:ext cx="267822" cy="484934"/>
+            </a:xfrm>
+            <a:prstGeom prst="curvedConnector4">
+              <a:avLst>
+                <a:gd name="adj1" fmla="val -85355"/>
+                <a:gd name="adj2" fmla="val 188562"/>
+              </a:avLst>
+            </a:prstGeom>
+            <a:noFill/>
+            <a:ln w="25400" cap="flat" cmpd="sng">
+              <a:solidFill>
+                <a:srgbClr val="3F3F3F"/>
+              </a:solidFill>
+              <a:prstDash val="solid"/>
+              <a:round/>
+              <a:headEnd type="none" w="sm" len="sm"/>
+              <a:tailEnd type="triangle" w="lg" len="lg"/>
+            </a:ln>
+          </p:spPr>
+        </p:cxnSp>
+        <p:cxnSp>
+          <p:nvCxnSpPr>
+            <p:cNvPr id="24" name="Shape 651">
+              <a:extLst>
+                <a:ext uri="{FF2B5EF4-FFF2-40B4-BE49-F238E27FC236}">
+                  <a16:creationId xmlns:a16="http://schemas.microsoft.com/office/drawing/2014/main" id="{73CCCBDC-DAB2-4B05-8BA7-E6D325C9138B}"/>
+                </a:ext>
+              </a:extLst>
+            </p:cNvPr>
+            <p:cNvCxnSpPr>
+              <a:stCxn id="24" idx="2"/>
+              <a:endCxn id="24" idx="3"/>
+            </p:cNvCxnSpPr>
+            <p:nvPr/>
+          </p:nvCxnSpPr>
+          <p:spPr>
+            <a:xfrm rot="10800000" flipH="1" flipV="1">
+              <a:off x="3929001" y="5611060"/>
+              <a:ext cx="267822" cy="484934"/>
+            </a:xfrm>
+            <a:prstGeom prst="curvedConnector4">
+              <a:avLst>
+                <a:gd name="adj1" fmla="val -85355"/>
+                <a:gd name="adj2" fmla="val 188562"/>
+              </a:avLst>
+            </a:prstGeom>
+            <a:noFill/>
+            <a:ln w="25400" cap="flat" cmpd="sng">
+              <a:solidFill>
+                <a:srgbClr val="3F3F3F"/>
+              </a:solidFill>
+              <a:prstDash val="solid"/>
+              <a:round/>
+              <a:headEnd type="none" w="sm" len="sm"/>
+              <a:tailEnd type="triangle" w="lg" len="lg"/>
+            </a:ln>
+          </p:spPr>
+        </p:cxnSp>
+        <p:cxnSp>
+          <p:nvCxnSpPr>
+            <p:cNvPr id="25" name="Shape 651">
+              <a:extLst>
+                <a:ext uri="{FF2B5EF4-FFF2-40B4-BE49-F238E27FC236}">
+                  <a16:creationId xmlns:a16="http://schemas.microsoft.com/office/drawing/2014/main" id="{665FE144-374A-49B3-B427-6D139453B328}"/>
+                </a:ext>
+              </a:extLst>
+            </p:cNvPr>
+            <p:cNvCxnSpPr>
+              <a:stCxn id="20" idx="4"/>
+              <a:endCxn id="24" idx="1"/>
+            </p:cNvCxnSpPr>
+            <p:nvPr/>
+          </p:nvCxnSpPr>
+          <p:spPr>
+            <a:xfrm>
+              <a:off x="3249861" y="4170135"/>
+              <a:ext cx="946962" cy="955991"/>
+            </a:xfrm>
+            <a:prstGeom prst="straightConnector1">
+              <a:avLst/>
+            </a:prstGeom>
+            <a:noFill/>
+            <a:ln w="25400" cap="flat" cmpd="sng">
+              <a:solidFill>
+                <a:srgbClr val="3F3F3F"/>
+              </a:solidFill>
+              <a:prstDash val="solid"/>
+              <a:round/>
+              <a:headEnd type="none" w="sm" len="sm"/>
+              <a:tailEnd type="triangle" w="lg" len="lg"/>
+            </a:ln>
+          </p:spPr>
+        </p:cxnSp>
+        <p:cxnSp>
+          <p:nvCxnSpPr>
+            <p:cNvPr id="26" name="Shape 651">
+              <a:extLst>
+                <a:ext uri="{FF2B5EF4-FFF2-40B4-BE49-F238E27FC236}">
+                  <a16:creationId xmlns:a16="http://schemas.microsoft.com/office/drawing/2014/main" id="{5D553D4D-00AA-43E0-A71B-BCE1025DCD6B}"/>
+                </a:ext>
+              </a:extLst>
+            </p:cNvPr>
+            <p:cNvCxnSpPr>
+              <a:stCxn id="23" idx="4"/>
+              <a:endCxn id="24" idx="7"/>
+            </p:cNvCxnSpPr>
+            <p:nvPr/>
+          </p:nvCxnSpPr>
+          <p:spPr>
+            <a:xfrm flipH="1">
+              <a:off x="5489979" y="4170135"/>
+              <a:ext cx="946962" cy="955991"/>
+            </a:xfrm>
+            <a:prstGeom prst="straightConnector1">
+              <a:avLst/>
+            </a:prstGeom>
+            <a:noFill/>
+            <a:ln w="25400" cap="flat" cmpd="sng">
+              <a:solidFill>
+                <a:srgbClr val="3F3F3F"/>
+              </a:solidFill>
+              <a:prstDash val="solid"/>
+              <a:round/>
+              <a:headEnd type="none" w="sm" len="sm"/>
+              <a:tailEnd type="triangle" w="lg" len="lg"/>
+            </a:ln>
+          </p:spPr>
+        </p:cxnSp>
+        <p:sp>
+          <p:nvSpPr>
+            <p:cNvPr id="27" name="Shape 671">
+              <a:extLst>
+                <a:ext uri="{FF2B5EF4-FFF2-40B4-BE49-F238E27FC236}">
+                  <a16:creationId xmlns:a16="http://schemas.microsoft.com/office/drawing/2014/main" id="{B5B696FD-B63F-4E6C-B2B5-9F8FA6141110}"/>
+                </a:ext>
+              </a:extLst>
+            </p:cNvPr>
+            <p:cNvSpPr txBox="1"/>
+            <p:nvPr/>
+          </p:nvSpPr>
+          <p:spPr>
+            <a:xfrm>
+              <a:off x="4425574" y="1846641"/>
+              <a:ext cx="835654" cy="306109"/>
+            </a:xfrm>
+            <a:prstGeom prst="rect">
+              <a:avLst/>
+            </a:prstGeom>
+            <a:noFill/>
+            <a:ln>
+              <a:noFill/>
+            </a:ln>
+          </p:spPr>
+          <p:txBody>
+            <a:bodyPr spcFirstLastPara="1" wrap="square" lIns="91425" tIns="45700" rIns="91425" bIns="45700" anchor="t" anchorCtr="0">
+              <a:noAutofit/>
+            </a:bodyPr>
+            <a:lstStyle/>
+            <a:p>
+              <a:pPr marL="0" marR="0" lvl="0" indent="0" algn="ctr" rtl="0">
+                <a:spcBef>
+                  <a:spcPts val="0"/>
+                </a:spcBef>
+                <a:spcAft>
+                  <a:spcPts val="0"/>
+                </a:spcAft>
+                <a:buNone/>
+              </a:pPr>
+              <a:r>
+                <a:rPr lang="nl-NL" sz="1200" dirty="0" err="1">
+                  <a:solidFill>
+                    <a:schemeClr val="dk1"/>
+                  </a:solidFill>
+                  <a:latin typeface="Calibri"/>
+                  <a:ea typeface="Calibri"/>
+                  <a:cs typeface="Calibri"/>
+                  <a:sym typeface="Calibri"/>
+                </a:rPr>
+                <a:t>p_HS</a:t>
+              </a:r>
+              <a:endParaRPr sz="1200" dirty="0">
+                <a:solidFill>
+                  <a:schemeClr val="dk1"/>
+                </a:solidFill>
+                <a:latin typeface="Calibri"/>
+                <a:ea typeface="Calibri"/>
+                <a:cs typeface="Calibri"/>
+                <a:sym typeface="Calibri"/>
+              </a:endParaRPr>
+            </a:p>
+          </p:txBody>
+        </p:sp>
+        <p:sp>
+          <p:nvSpPr>
+            <p:cNvPr id="28" name="Shape 671">
+              <a:extLst>
+                <a:ext uri="{FF2B5EF4-FFF2-40B4-BE49-F238E27FC236}">
+                  <a16:creationId xmlns:a16="http://schemas.microsoft.com/office/drawing/2014/main" id="{9A1AD756-B1F5-4C7C-A37C-E3185E80FD04}"/>
+                </a:ext>
+              </a:extLst>
+            </p:cNvPr>
+            <p:cNvSpPr txBox="1"/>
+            <p:nvPr/>
+          </p:nvSpPr>
+          <p:spPr>
+            <a:xfrm>
+              <a:off x="2925011" y="4601602"/>
+              <a:ext cx="835654" cy="306109"/>
+            </a:xfrm>
+            <a:prstGeom prst="rect">
+              <a:avLst/>
+            </a:prstGeom>
+            <a:noFill/>
+            <a:ln>
+              <a:noFill/>
+            </a:ln>
+          </p:spPr>
+          <p:txBody>
+            <a:bodyPr spcFirstLastPara="1" wrap="square" lIns="91425" tIns="45700" rIns="91425" bIns="45700" anchor="t" anchorCtr="0">
+              <a:noAutofit/>
+            </a:bodyPr>
+            <a:lstStyle/>
+            <a:p>
+              <a:pPr marL="0" marR="0" lvl="0" indent="0" algn="ctr" rtl="0">
+                <a:spcBef>
+                  <a:spcPts val="0"/>
+                </a:spcBef>
+                <a:spcAft>
+                  <a:spcPts val="0"/>
+                </a:spcAft>
+                <a:buNone/>
+              </a:pPr>
+              <a:r>
+                <a:rPr lang="nl-NL" sz="1200" dirty="0" err="1">
+                  <a:solidFill>
+                    <a:schemeClr val="dk1"/>
+                  </a:solidFill>
+                  <a:latin typeface="Calibri"/>
+                  <a:ea typeface="Calibri"/>
+                  <a:cs typeface="Calibri"/>
+                  <a:sym typeface="Calibri"/>
+                </a:rPr>
+                <a:t>p_HD</a:t>
+              </a:r>
+              <a:endParaRPr sz="1200" dirty="0">
+                <a:solidFill>
+                  <a:schemeClr val="dk1"/>
+                </a:solidFill>
+                <a:latin typeface="Calibri"/>
+                <a:ea typeface="Calibri"/>
+                <a:cs typeface="Calibri"/>
+                <a:sym typeface="Calibri"/>
+              </a:endParaRPr>
+            </a:p>
+          </p:txBody>
+        </p:sp>
+        <p:sp>
+          <p:nvSpPr>
+            <p:cNvPr id="29" name="Shape 671">
+              <a:extLst>
+                <a:ext uri="{FF2B5EF4-FFF2-40B4-BE49-F238E27FC236}">
+                  <a16:creationId xmlns:a16="http://schemas.microsoft.com/office/drawing/2014/main" id="{E0C2FD7C-8EF1-4BF6-B8F5-48D60FF2F68E}"/>
+                </a:ext>
+              </a:extLst>
+            </p:cNvPr>
+            <p:cNvSpPr txBox="1"/>
+            <p:nvPr/>
+          </p:nvSpPr>
+          <p:spPr>
+            <a:xfrm>
+              <a:off x="5807556" y="4619151"/>
+              <a:ext cx="835654" cy="306109"/>
+            </a:xfrm>
+            <a:prstGeom prst="rect">
+              <a:avLst/>
+            </a:prstGeom>
+            <a:noFill/>
+            <a:ln>
+              <a:noFill/>
+            </a:ln>
+          </p:spPr>
+          <p:txBody>
+            <a:bodyPr spcFirstLastPara="1" wrap="square" lIns="91425" tIns="45700" rIns="91425" bIns="45700" anchor="t" anchorCtr="0">
+              <a:noAutofit/>
+            </a:bodyPr>
+            <a:lstStyle/>
+            <a:p>
+              <a:pPr marL="0" marR="0" lvl="0" indent="0" algn="ctr" rtl="0">
+                <a:spcBef>
+                  <a:spcPts val="0"/>
+                </a:spcBef>
+                <a:spcAft>
+                  <a:spcPts val="0"/>
+                </a:spcAft>
+                <a:buNone/>
+              </a:pPr>
+              <a:r>
+                <a:rPr lang="nl-NL" sz="1200" dirty="0" err="1">
+                  <a:solidFill>
+                    <a:schemeClr val="dk1"/>
+                  </a:solidFill>
+                  <a:latin typeface="Calibri"/>
+                  <a:ea typeface="Calibri"/>
+                  <a:cs typeface="Calibri"/>
+                  <a:sym typeface="Calibri"/>
+                </a:rPr>
+                <a:t>p_SD</a:t>
+              </a:r>
+              <a:endParaRPr sz="1200" dirty="0">
+                <a:solidFill>
+                  <a:schemeClr val="dk1"/>
+                </a:solidFill>
+                <a:latin typeface="Calibri"/>
+                <a:ea typeface="Calibri"/>
+                <a:cs typeface="Calibri"/>
+                <a:sym typeface="Calibri"/>
+              </a:endParaRPr>
+            </a:p>
+          </p:txBody>
+        </p:sp>
+      </p:grpSp>
     </p:spTree>
     <p:extLst>
       <p:ext uri="{BB962C8B-B14F-4D97-AF65-F5344CB8AC3E}">

--- a/Markov models/Slides/MarkovModelSlides.pptx
+++ b/Markov models/Slides/MarkovModelSlides.pptx
@@ -5,7 +5,7 @@
     <p:sldMasterId id="2147483690" r:id="rId1"/>
   </p:sldMasterIdLst>
   <p:notesMasterIdLst>
-    <p:notesMasterId r:id="rId32"/>
+    <p:notesMasterId r:id="rId26"/>
   </p:notesMasterIdLst>
   <p:sldIdLst>
     <p:sldId id="256" r:id="rId2"/>
@@ -22,22 +22,16 @@
     <p:sldId id="272" r:id="rId13"/>
     <p:sldId id="273" r:id="rId14"/>
     <p:sldId id="326" r:id="rId15"/>
-    <p:sldId id="321" r:id="rId16"/>
-    <p:sldId id="288" r:id="rId17"/>
-    <p:sldId id="287" r:id="rId18"/>
-    <p:sldId id="323" r:id="rId19"/>
-    <p:sldId id="324" r:id="rId20"/>
-    <p:sldId id="325" r:id="rId21"/>
-    <p:sldId id="274" r:id="rId22"/>
-    <p:sldId id="275" r:id="rId23"/>
-    <p:sldId id="276" r:id="rId24"/>
-    <p:sldId id="280" r:id="rId25"/>
-    <p:sldId id="281" r:id="rId26"/>
-    <p:sldId id="282" r:id="rId27"/>
-    <p:sldId id="283" r:id="rId28"/>
-    <p:sldId id="284" r:id="rId29"/>
-    <p:sldId id="258" r:id="rId30"/>
-    <p:sldId id="346" r:id="rId31"/>
+    <p:sldId id="274" r:id="rId16"/>
+    <p:sldId id="275" r:id="rId17"/>
+    <p:sldId id="276" r:id="rId18"/>
+    <p:sldId id="280" r:id="rId19"/>
+    <p:sldId id="281" r:id="rId20"/>
+    <p:sldId id="282" r:id="rId21"/>
+    <p:sldId id="283" r:id="rId22"/>
+    <p:sldId id="284" r:id="rId23"/>
+    <p:sldId id="258" r:id="rId24"/>
+    <p:sldId id="346" r:id="rId25"/>
   </p:sldIdLst>
   <p:sldSz cx="9144000" cy="6858000" type="screen4x3"/>
   <p:notesSz cx="6858000" cy="9144000"/>
@@ -226,7 +220,7 @@
           <a:p>
             <a:fld id="{80022054-F6B9-B04E-9F80-BE6C2BED9348}" type="datetimeFigureOut">
               <a:rPr lang="en-US" smtClean="0"/>
-              <a:t>2/3/2020</a:t>
+              <a:t>7/20/2020</a:t>
             </a:fld>
             <a:endParaRPr lang="en-US"/>
           </a:p>
@@ -3639,7 +3633,7 @@
           <a:p>
             <a:fld id="{DD3575FE-2CC2-2845-A91B-203C440E7198}" type="datetimeFigureOut">
               <a:rPr lang="en-US" smtClean="0"/>
-              <a:t>2/3/2020</a:t>
+              <a:t>7/20/2020</a:t>
             </a:fld>
             <a:endParaRPr lang="en-US"/>
           </a:p>
@@ -3972,7 +3966,7 @@
           <a:p>
             <a:fld id="{DD3575FE-2CC2-2845-A91B-203C440E7198}" type="datetimeFigureOut">
               <a:rPr lang="en-US" smtClean="0"/>
-              <a:t>2/3/2020</a:t>
+              <a:t>7/20/2020</a:t>
             </a:fld>
             <a:endParaRPr lang="en-US"/>
           </a:p>
@@ -4156,7 +4150,7 @@
           <a:p>
             <a:fld id="{DD3575FE-2CC2-2845-A91B-203C440E7198}" type="datetimeFigureOut">
               <a:rPr lang="en-US" smtClean="0"/>
-              <a:t>2/3/2020</a:t>
+              <a:t>7/20/2020</a:t>
             </a:fld>
             <a:endParaRPr lang="en-US"/>
           </a:p>
@@ -4346,7 +4340,7 @@
           <a:p>
             <a:fld id="{DD3575FE-2CC2-2845-A91B-203C440E7198}" type="datetimeFigureOut">
               <a:rPr lang="en-US" smtClean="0"/>
-              <a:t>2/3/2020</a:t>
+              <a:t>7/20/2020</a:t>
             </a:fld>
             <a:endParaRPr lang="en-US"/>
           </a:p>
@@ -4498,7 +4492,7 @@
           <a:p>
             <a:fld id="{DD3575FE-2CC2-2845-A91B-203C440E7198}" type="datetimeFigureOut">
               <a:rPr lang="en-US" smtClean="0"/>
-              <a:t>2/3/2020</a:t>
+              <a:t>7/20/2020</a:t>
             </a:fld>
             <a:endParaRPr lang="en-US"/>
           </a:p>
@@ -5723,7 +5717,7 @@
           <a:p>
             <a:fld id="{DD3575FE-2CC2-2845-A91B-203C440E7198}" type="datetimeFigureOut">
               <a:rPr lang="en-US" smtClean="0"/>
-              <a:t>2/3/2020</a:t>
+              <a:t>7/20/2020</a:t>
             </a:fld>
             <a:endParaRPr lang="en-US"/>
           </a:p>
@@ -5761,7 +5755,7 @@
           <a:noFill/>
           <a:extLst>
             <a:ext uri="{909E8E84-426E-40dd-AFC4-6F175D3DCCD1}">
-              <a14:hiddenFill xmlns:a14="http://schemas.microsoft.com/office/drawing/2010/main" xmlns="">
+              <a14:hiddenFill xmlns="" xmlns:a14="http://schemas.microsoft.com/office/drawing/2010/main">
                 <a:solidFill>
                   <a:srgbClr val="FFFFFF"/>
                 </a:solidFill>
@@ -5802,7 +5796,7 @@
           <a:noFill/>
           <a:extLst>
             <a:ext uri="{909E8E84-426E-40dd-AFC4-6F175D3DCCD1}">
-              <a14:hiddenFill xmlns:a14="http://schemas.microsoft.com/office/drawing/2010/main" xmlns="">
+              <a14:hiddenFill xmlns="" xmlns:a14="http://schemas.microsoft.com/office/drawing/2010/main">
                 <a:solidFill>
                   <a:srgbClr val="FFFFFF"/>
                 </a:solidFill>
@@ -7411,7 +7405,7 @@
           <a:noFill/>
           <a:extLst>
             <a:ext uri="{909E8E84-426E-40dd-AFC4-6F175D3DCCD1}">
-              <a14:hiddenFill xmlns:a14="http://schemas.microsoft.com/office/drawing/2010/main" xmlns="">
+              <a14:hiddenFill xmlns="" xmlns:a14="http://schemas.microsoft.com/office/drawing/2010/main">
                 <a:solidFill>
                   <a:srgbClr val="FFFFFF"/>
                 </a:solidFill>
@@ -7450,7 +7444,7 @@
           <a:noFill/>
           <a:extLst>
             <a:ext uri="{909E8E84-426E-40dd-AFC4-6F175D3DCCD1}">
-              <a14:hiddenFill xmlns:a14="http://schemas.microsoft.com/office/drawing/2010/main" xmlns="">
+              <a14:hiddenFill xmlns="" xmlns:a14="http://schemas.microsoft.com/office/drawing/2010/main">
                 <a:solidFill>
                   <a:srgbClr val="FFFFFF"/>
                 </a:solidFill>
@@ -7545,7 +7539,7 @@
           <a:noFill/>
           <a:extLst>
             <a:ext uri="{909E8E84-426E-40dd-AFC4-6F175D3DCCD1}">
-              <a14:hiddenFill xmlns:a14="http://schemas.microsoft.com/office/drawing/2010/main" xmlns="">
+              <a14:hiddenFill xmlns="" xmlns:a14="http://schemas.microsoft.com/office/drawing/2010/main">
                 <a:solidFill>
                   <a:srgbClr val="FFFFFF"/>
                 </a:solidFill>
@@ -7586,7 +7580,7 @@
           <a:noFill/>
           <a:extLst>
             <a:ext uri="{909E8E84-426E-40dd-AFC4-6F175D3DCCD1}">
-              <a14:hiddenFill xmlns:a14="http://schemas.microsoft.com/office/drawing/2010/main" xmlns="">
+              <a14:hiddenFill xmlns="" xmlns:a14="http://schemas.microsoft.com/office/drawing/2010/main">
                 <a:solidFill>
                   <a:srgbClr val="FFFFFF"/>
                 </a:solidFill>
@@ -7631,14 +7625,14 @@
           <a:effectLst/>
           <a:extLst>
             <a:ext uri="{909E8E84-426E-40dd-AFC4-6F175D3DCCD1}">
-              <a14:hiddenFill xmlns:a14="http://schemas.microsoft.com/office/drawing/2010/main" xmlns="">
+              <a14:hiddenFill xmlns="" xmlns:a14="http://schemas.microsoft.com/office/drawing/2010/main">
                 <a:solidFill>
                   <a:schemeClr val="accent1"/>
                 </a:solidFill>
               </a14:hiddenFill>
             </a:ext>
             <a:ext uri="{91240B29-F687-4f45-9708-019B960494DF}">
-              <a14:hiddenLine xmlns:a14="http://schemas.microsoft.com/office/drawing/2010/main" xmlns="" w="9525">
+              <a14:hiddenLine xmlns="" xmlns:a14="http://schemas.microsoft.com/office/drawing/2010/main" w="9525">
                 <a:solidFill>
                   <a:schemeClr val="tx1"/>
                 </a:solidFill>
@@ -7648,7 +7642,7 @@
               </a14:hiddenLine>
             </a:ext>
             <a:ext uri="{AF507438-7753-43e0-B8FC-AC1667EBCBE1}">
-              <a14:hiddenEffects xmlns:a14="http://schemas.microsoft.com/office/drawing/2010/main" xmlns="">
+              <a14:hiddenEffects xmlns="" xmlns:a14="http://schemas.microsoft.com/office/drawing/2010/main">
                 <a:effectLst>
                   <a:outerShdw dist="35921" dir="2700000" algn="ctr" rotWithShape="0">
                     <a:schemeClr val="bg2"/>
@@ -7695,14 +7689,14 @@
           <a:effectLst/>
           <a:extLst>
             <a:ext uri="{909E8E84-426E-40dd-AFC4-6F175D3DCCD1}">
-              <a14:hiddenFill xmlns:a14="http://schemas.microsoft.com/office/drawing/2010/main" xmlns="">
+              <a14:hiddenFill xmlns="" xmlns:a14="http://schemas.microsoft.com/office/drawing/2010/main">
                 <a:solidFill>
                   <a:schemeClr val="accent1"/>
                 </a:solidFill>
               </a14:hiddenFill>
             </a:ext>
             <a:ext uri="{91240B29-F687-4f45-9708-019B960494DF}">
-              <a14:hiddenLine xmlns:a14="http://schemas.microsoft.com/office/drawing/2010/main" xmlns="" w="9525">
+              <a14:hiddenLine xmlns="" xmlns:a14="http://schemas.microsoft.com/office/drawing/2010/main" w="9525">
                 <a:solidFill>
                   <a:schemeClr val="tx1"/>
                 </a:solidFill>
@@ -7712,7 +7706,7 @@
               </a14:hiddenLine>
             </a:ext>
             <a:ext uri="{AF507438-7753-43e0-B8FC-AC1667EBCBE1}">
-              <a14:hiddenEffects xmlns:a14="http://schemas.microsoft.com/office/drawing/2010/main" xmlns="">
+              <a14:hiddenEffects xmlns="" xmlns:a14="http://schemas.microsoft.com/office/drawing/2010/main">
                 <a:effectLst>
                   <a:outerShdw dist="35921" dir="2700000" algn="ctr" rotWithShape="0">
                     <a:schemeClr val="bg2"/>
@@ -8132,7 +8126,7 @@
           <a:noFill/>
           <a:extLst>
             <a:ext uri="{909E8E84-426E-40dd-AFC4-6F175D3DCCD1}">
-              <a14:hiddenFill xmlns:a14="http://schemas.microsoft.com/office/drawing/2010/main" xmlns="">
+              <a14:hiddenFill xmlns="" xmlns:a14="http://schemas.microsoft.com/office/drawing/2010/main">
                 <a:solidFill>
                   <a:srgbClr val="FFFFFF"/>
                 </a:solidFill>
@@ -8171,7 +8165,7 @@
           <a:noFill/>
           <a:extLst>
             <a:ext uri="{909E8E84-426E-40dd-AFC4-6F175D3DCCD1}">
-              <a14:hiddenFill xmlns:a14="http://schemas.microsoft.com/office/drawing/2010/main" xmlns="">
+              <a14:hiddenFill xmlns="" xmlns:a14="http://schemas.microsoft.com/office/drawing/2010/main">
                 <a:solidFill>
                   <a:srgbClr val="FFFFFF"/>
                 </a:solidFill>
@@ -8393,7 +8387,7 @@
           <a:noFill/>
           <a:extLst>
             <a:ext uri="{909E8E84-426E-40dd-AFC4-6F175D3DCCD1}">
-              <a14:hiddenFill xmlns:a14="http://schemas.microsoft.com/office/drawing/2010/main" xmlns="">
+              <a14:hiddenFill xmlns="" xmlns:a14="http://schemas.microsoft.com/office/drawing/2010/main">
                 <a:solidFill>
                   <a:srgbClr val="FFFFFF"/>
                 </a:solidFill>
@@ -8440,7 +8434,7 @@
           <a:noFill/>
           <a:extLst>
             <a:ext uri="{909E8E84-426E-40dd-AFC4-6F175D3DCCD1}">
-              <a14:hiddenFill xmlns:a14="http://schemas.microsoft.com/office/drawing/2010/main" xmlns="">
+              <a14:hiddenFill xmlns="" xmlns:a14="http://schemas.microsoft.com/office/drawing/2010/main">
                 <a:solidFill>
                   <a:srgbClr val="FFFFFF"/>
                 </a:solidFill>
@@ -8491,14 +8485,14 @@
           <a:effectLst/>
           <a:extLst>
             <a:ext uri="{909E8E84-426E-40dd-AFC4-6F175D3DCCD1}">
-              <a14:hiddenFill xmlns:a14="http://schemas.microsoft.com/office/drawing/2010/main" xmlns="">
+              <a14:hiddenFill xmlns="" xmlns:a14="http://schemas.microsoft.com/office/drawing/2010/main">
                 <a:solidFill>
                   <a:schemeClr val="accent1"/>
                 </a:solidFill>
               </a14:hiddenFill>
             </a:ext>
             <a:ext uri="{91240B29-F687-4f45-9708-019B960494DF}">
-              <a14:hiddenLine xmlns:a14="http://schemas.microsoft.com/office/drawing/2010/main" xmlns="" w="9525">
+              <a14:hiddenLine xmlns="" xmlns:a14="http://schemas.microsoft.com/office/drawing/2010/main" w="9525">
                 <a:solidFill>
                   <a:schemeClr val="tx1"/>
                 </a:solidFill>
@@ -8508,7 +8502,7 @@
               </a14:hiddenLine>
             </a:ext>
             <a:ext uri="{AF507438-7753-43e0-B8FC-AC1667EBCBE1}">
-              <a14:hiddenEffects xmlns:a14="http://schemas.microsoft.com/office/drawing/2010/main" xmlns="">
+              <a14:hiddenEffects xmlns="" xmlns:a14="http://schemas.microsoft.com/office/drawing/2010/main">
                 <a:effectLst>
                   <a:outerShdw dist="35921" dir="2700000" algn="ctr" rotWithShape="0">
                     <a:schemeClr val="bg2"/>
@@ -8561,14 +8555,14 @@
           <a:effectLst/>
           <a:extLst>
             <a:ext uri="{909E8E84-426E-40dd-AFC4-6F175D3DCCD1}">
-              <a14:hiddenFill xmlns:a14="http://schemas.microsoft.com/office/drawing/2010/main" xmlns="">
+              <a14:hiddenFill xmlns="" xmlns:a14="http://schemas.microsoft.com/office/drawing/2010/main">
                 <a:solidFill>
                   <a:schemeClr val="accent1"/>
                 </a:solidFill>
               </a14:hiddenFill>
             </a:ext>
             <a:ext uri="{91240B29-F687-4f45-9708-019B960494DF}">
-              <a14:hiddenLine xmlns:a14="http://schemas.microsoft.com/office/drawing/2010/main" xmlns="" w="9525">
+              <a14:hiddenLine xmlns="" xmlns:a14="http://schemas.microsoft.com/office/drawing/2010/main" w="9525">
                 <a:solidFill>
                   <a:schemeClr val="tx1"/>
                 </a:solidFill>
@@ -8578,7 +8572,7 @@
               </a14:hiddenLine>
             </a:ext>
             <a:ext uri="{AF507438-7753-43e0-B8FC-AC1667EBCBE1}">
-              <a14:hiddenEffects xmlns:a14="http://schemas.microsoft.com/office/drawing/2010/main" xmlns="">
+              <a14:hiddenEffects xmlns="" xmlns:a14="http://schemas.microsoft.com/office/drawing/2010/main">
                 <a:effectLst>
                   <a:outerShdw dist="35921" dir="2700000" algn="ctr" rotWithShape="0">
                     <a:schemeClr val="bg2"/>
@@ -8754,7 +8748,7 @@
           <a:p>
             <a:fld id="{DD3575FE-2CC2-2845-A91B-203C440E7198}" type="datetimeFigureOut">
               <a:rPr lang="en-US" smtClean="0"/>
-              <a:t>2/3/2020</a:t>
+              <a:t>7/20/2020</a:t>
             </a:fld>
             <a:endParaRPr lang="en-US"/>
           </a:p>
@@ -9011,7 +9005,7 @@
           <a:p>
             <a:fld id="{DD3575FE-2CC2-2845-A91B-203C440E7198}" type="datetimeFigureOut">
               <a:rPr lang="en-US" smtClean="0"/>
-              <a:t>2/3/2020</a:t>
+              <a:t>7/20/2020</a:t>
             </a:fld>
             <a:endParaRPr lang="en-US"/>
           </a:p>
@@ -9315,7 +9309,7 @@
           <a:p>
             <a:fld id="{DD3575FE-2CC2-2845-A91B-203C440E7198}" type="datetimeFigureOut">
               <a:rPr lang="en-US" smtClean="0"/>
-              <a:t>2/3/2020</a:t>
+              <a:t>7/20/2020</a:t>
             </a:fld>
             <a:endParaRPr lang="en-US"/>
           </a:p>
@@ -9764,7 +9758,7 @@
           <a:p>
             <a:fld id="{DD3575FE-2CC2-2845-A91B-203C440E7198}" type="datetimeFigureOut">
               <a:rPr lang="en-US" smtClean="0"/>
-              <a:t>2/3/2020</a:t>
+              <a:t>7/20/2020</a:t>
             </a:fld>
             <a:endParaRPr lang="en-US"/>
           </a:p>
@@ -9898,7 +9892,7 @@
           <a:p>
             <a:fld id="{DD3575FE-2CC2-2845-A91B-203C440E7198}" type="datetimeFigureOut">
               <a:rPr lang="en-US" smtClean="0"/>
-              <a:t>2/3/2020</a:t>
+              <a:t>7/20/2020</a:t>
             </a:fld>
             <a:endParaRPr lang="en-US"/>
           </a:p>
@@ -10004,7 +9998,7 @@
           <a:p>
             <a:fld id="{DD3575FE-2CC2-2845-A91B-203C440E7198}" type="datetimeFigureOut">
               <a:rPr lang="en-US" smtClean="0"/>
-              <a:t>2/3/2020</a:t>
+              <a:t>7/20/2020</a:t>
             </a:fld>
             <a:endParaRPr lang="en-US"/>
           </a:p>
@@ -10353,7 +10347,7 @@
           <a:p>
             <a:fld id="{DD3575FE-2CC2-2845-A91B-203C440E7198}" type="datetimeFigureOut">
               <a:rPr lang="en-US" smtClean="0"/>
-              <a:t>2/3/2020</a:t>
+              <a:t>7/20/2020</a:t>
             </a:fld>
             <a:endParaRPr lang="en-US"/>
           </a:p>
@@ -10705,25 +10699,19 @@
         </p:nvSpPr>
         <p:spPr>
           <a:xfrm>
-            <a:off x="1800224" y="3400425"/>
+            <a:off x="1800224" y="3429000"/>
             <a:ext cx="7308280" cy="2107750"/>
           </a:xfrm>
         </p:spPr>
         <p:txBody>
           <a:bodyPr>
-            <a:normAutofit lnSpcReduction="10000"/>
+            <a:normAutofit/>
           </a:bodyPr>
           <a:lstStyle/>
           <a:p>
             <a:r>
-              <a:rPr lang="en-US" b="1" dirty="0"/>
-              <a:t>Using R for Decision Modeling in Health Technology Assessment</a:t>
-            </a:r>
-          </a:p>
-          <a:p>
-            <a:r>
               <a:rPr lang="en-US" dirty="0"/>
-              <a:t>CE16 </a:t>
+              <a:t>Decision Modeling in R workshop</a:t>
             </a:r>
           </a:p>
           <a:p>
@@ -10732,13 +10720,7 @@
           <a:p>
             <a:r>
               <a:rPr lang="en-US" dirty="0"/>
-              <a:t>NIHES Erasmus Medical Center Rotterdam</a:t>
-            </a:r>
-          </a:p>
-          <a:p>
-            <a:r>
-              <a:rPr lang="en-US" dirty="0"/>
-              <a:t>February, 2020</a:t>
+              <a:t>July 2020</a:t>
             </a:r>
           </a:p>
         </p:txBody>
@@ -23500,4853 +23482,6 @@
 </file>
 
 <file path=ppt/slides/slide15.xml><?xml version="1.0" encoding="utf-8"?>
-<p:sld xmlns:a="http://schemas.openxmlformats.org/drawingml/2006/main" xmlns:r="http://schemas.openxmlformats.org/officeDocument/2006/relationships" xmlns:p="http://schemas.openxmlformats.org/presentationml/2006/main" show="0">
-  <p:cSld>
-    <p:spTree>
-      <p:nvGrpSpPr>
-        <p:cNvPr id="1" name=""/>
-        <p:cNvGrpSpPr/>
-        <p:nvPr/>
-      </p:nvGrpSpPr>
-      <p:grpSpPr>
-        <a:xfrm>
-          <a:off x="0" y="0"/>
-          <a:ext cx="0" cy="0"/>
-          <a:chOff x="0" y="0"/>
-          <a:chExt cx="0" cy="0"/>
-        </a:xfrm>
-      </p:grpSpPr>
-      <p:sp>
-        <p:nvSpPr>
-          <p:cNvPr id="2" name="Title 1">
-            <a:extLst>
-              <a:ext uri="{FF2B5EF4-FFF2-40B4-BE49-F238E27FC236}">
-                <a16:creationId xmlns:a16="http://schemas.microsoft.com/office/drawing/2014/main" id="{1B98E49A-C359-5D40-A3AB-19F036290003}"/>
-              </a:ext>
-            </a:extLst>
-          </p:cNvPr>
-          <p:cNvSpPr>
-            <a:spLocks noGrp="1"/>
-          </p:cNvSpPr>
-          <p:nvPr>
-            <p:ph type="title"/>
-          </p:nvPr>
-        </p:nvSpPr>
-        <p:spPr/>
-        <p:txBody>
-          <a:bodyPr/>
-          <a:lstStyle/>
-          <a:p>
-            <a:r>
-              <a:rPr lang="en-US" dirty="0"/>
-              <a:t>Parameter Estimation</a:t>
-            </a:r>
-          </a:p>
-        </p:txBody>
-      </p:sp>
-      <p:sp>
-        <p:nvSpPr>
-          <p:cNvPr id="3" name="Content Placeholder 2">
-            <a:extLst>
-              <a:ext uri="{FF2B5EF4-FFF2-40B4-BE49-F238E27FC236}">
-                <a16:creationId xmlns:a16="http://schemas.microsoft.com/office/drawing/2014/main" id="{E0CF85FE-B920-D449-8EB1-901D11CF5DE2}"/>
-              </a:ext>
-            </a:extLst>
-          </p:cNvPr>
-          <p:cNvSpPr>
-            <a:spLocks noGrp="1"/>
-          </p:cNvSpPr>
-          <p:nvPr>
-            <p:ph idx="1"/>
-          </p:nvPr>
-        </p:nvSpPr>
-        <p:spPr/>
-        <p:txBody>
-          <a:bodyPr>
-            <a:normAutofit/>
-          </a:bodyPr>
-          <a:lstStyle/>
-          <a:p>
-            <a:r>
-              <a:rPr lang="en-US" sz="2400" dirty="0"/>
-              <a:t>Many parameters can be directly informed by primary or secondary data </a:t>
-            </a:r>
-          </a:p>
-          <a:p>
-            <a:r>
-              <a:rPr lang="en-US" sz="2400" dirty="0"/>
-              <a:t>Sometimes there is no </a:t>
-            </a:r>
-            <a:r>
-              <a:rPr lang="en-US" sz="2400" i="1" dirty="0"/>
-              <a:t>direct</a:t>
-            </a:r>
-            <a:r>
-              <a:rPr lang="en-US" sz="2400" dirty="0"/>
-              <a:t> information to inform a subset of parameters </a:t>
-            </a:r>
-          </a:p>
-          <a:p>
-            <a:r>
-              <a:rPr lang="en-US" sz="2400" dirty="0"/>
-              <a:t>However, data exist that are similar to </a:t>
-            </a:r>
-            <a:r>
-              <a:rPr lang="en-US" sz="2400" i="1" dirty="0"/>
-              <a:t>output</a:t>
-            </a:r>
-            <a:r>
-              <a:rPr lang="en-US" sz="2400" dirty="0"/>
-              <a:t> from the model</a:t>
-            </a:r>
-          </a:p>
-          <a:p>
-            <a:r>
-              <a:rPr lang="en-US" sz="2400" dirty="0"/>
-              <a:t>Estimation of these “deep” model parameters involves </a:t>
-            </a:r>
-            <a:r>
-              <a:rPr lang="en-US" sz="2400" dirty="0">
-                <a:solidFill>
-                  <a:schemeClr val="accent1"/>
-                </a:solidFill>
-              </a:rPr>
-              <a:t>calibration</a:t>
-            </a:r>
-          </a:p>
-        </p:txBody>
-      </p:sp>
-      <p:sp>
-        <p:nvSpPr>
-          <p:cNvPr id="4" name="Slide Number Placeholder 28">
-            <a:extLst>
-              <a:ext uri="{FF2B5EF4-FFF2-40B4-BE49-F238E27FC236}">
-                <a16:creationId xmlns:a16="http://schemas.microsoft.com/office/drawing/2014/main" id="{DA610EA8-6DB1-8543-87E0-F26E29B03EEE}"/>
-              </a:ext>
-            </a:extLst>
-          </p:cNvPr>
-          <p:cNvSpPr>
-            <a:spLocks noGrp="1"/>
-          </p:cNvSpPr>
-          <p:nvPr>
-            <p:ph type="sldNum" sz="quarter" idx="12"/>
-          </p:nvPr>
-        </p:nvSpPr>
-        <p:spPr>
-          <a:xfrm>
-            <a:off x="8559864" y="6453336"/>
-            <a:ext cx="548640" cy="396240"/>
-          </a:xfrm>
-        </p:spPr>
-        <p:txBody>
-          <a:bodyPr/>
-          <a:lstStyle>
-            <a:lvl1pPr eaLnBrk="0" hangingPunct="0">
-              <a:defRPr>
-                <a:solidFill>
-                  <a:schemeClr val="tx1"/>
-                </a:solidFill>
-                <a:latin typeface="Arial" panose="020B0604020202020204" pitchFamily="34" charset="0"/>
-              </a:defRPr>
-            </a:lvl1pPr>
-            <a:lvl2pPr marL="742950" indent="-285750" eaLnBrk="0" hangingPunct="0">
-              <a:defRPr>
-                <a:solidFill>
-                  <a:schemeClr val="tx1"/>
-                </a:solidFill>
-                <a:latin typeface="Arial" panose="020B0604020202020204" pitchFamily="34" charset="0"/>
-              </a:defRPr>
-            </a:lvl2pPr>
-            <a:lvl3pPr marL="1143000" indent="-228600" eaLnBrk="0" hangingPunct="0">
-              <a:defRPr>
-                <a:solidFill>
-                  <a:schemeClr val="tx1"/>
-                </a:solidFill>
-                <a:latin typeface="Arial" panose="020B0604020202020204" pitchFamily="34" charset="0"/>
-              </a:defRPr>
-            </a:lvl3pPr>
-            <a:lvl4pPr marL="1600200" indent="-228600" eaLnBrk="0" hangingPunct="0">
-              <a:defRPr>
-                <a:solidFill>
-                  <a:schemeClr val="tx1"/>
-                </a:solidFill>
-                <a:latin typeface="Arial" panose="020B0604020202020204" pitchFamily="34" charset="0"/>
-              </a:defRPr>
-            </a:lvl4pPr>
-            <a:lvl5pPr marL="2057400" indent="-228600" eaLnBrk="0" hangingPunct="0">
-              <a:defRPr>
-                <a:solidFill>
-                  <a:schemeClr val="tx1"/>
-                </a:solidFill>
-                <a:latin typeface="Arial" panose="020B0604020202020204" pitchFamily="34" charset="0"/>
-              </a:defRPr>
-            </a:lvl5pPr>
-            <a:lvl6pPr marL="2514600" indent="-228600" eaLnBrk="0" fontAlgn="base" hangingPunct="0">
-              <a:spcBef>
-                <a:spcPct val="0"/>
-              </a:spcBef>
-              <a:spcAft>
-                <a:spcPct val="0"/>
-              </a:spcAft>
-              <a:defRPr>
-                <a:solidFill>
-                  <a:schemeClr val="tx1"/>
-                </a:solidFill>
-                <a:latin typeface="Arial" panose="020B0604020202020204" pitchFamily="34" charset="0"/>
-              </a:defRPr>
-            </a:lvl6pPr>
-            <a:lvl7pPr marL="2971800" indent="-228600" eaLnBrk="0" fontAlgn="base" hangingPunct="0">
-              <a:spcBef>
-                <a:spcPct val="0"/>
-              </a:spcBef>
-              <a:spcAft>
-                <a:spcPct val="0"/>
-              </a:spcAft>
-              <a:defRPr>
-                <a:solidFill>
-                  <a:schemeClr val="tx1"/>
-                </a:solidFill>
-                <a:latin typeface="Arial" panose="020B0604020202020204" pitchFamily="34" charset="0"/>
-              </a:defRPr>
-            </a:lvl7pPr>
-            <a:lvl8pPr marL="3429000" indent="-228600" eaLnBrk="0" fontAlgn="base" hangingPunct="0">
-              <a:spcBef>
-                <a:spcPct val="0"/>
-              </a:spcBef>
-              <a:spcAft>
-                <a:spcPct val="0"/>
-              </a:spcAft>
-              <a:defRPr>
-                <a:solidFill>
-                  <a:schemeClr val="tx1"/>
-                </a:solidFill>
-                <a:latin typeface="Arial" panose="020B0604020202020204" pitchFamily="34" charset="0"/>
-              </a:defRPr>
-            </a:lvl8pPr>
-            <a:lvl9pPr marL="3886200" indent="-228600" eaLnBrk="0" fontAlgn="base" hangingPunct="0">
-              <a:spcBef>
-                <a:spcPct val="0"/>
-              </a:spcBef>
-              <a:spcAft>
-                <a:spcPct val="0"/>
-              </a:spcAft>
-              <a:defRPr>
-                <a:solidFill>
-                  <a:schemeClr val="tx1"/>
-                </a:solidFill>
-                <a:latin typeface="Arial" panose="020B0604020202020204" pitchFamily="34" charset="0"/>
-              </a:defRPr>
-            </a:lvl9pPr>
-          </a:lstStyle>
-          <a:p>
-            <a:pPr eaLnBrk="1" hangingPunct="1"/>
-            <a:fld id="{3F7E73E1-F280-4386-87FD-01754258053D}" type="slidenum">
-              <a:rPr lang="en-US">
-                <a:solidFill>
-                  <a:schemeClr val="accent1"/>
-                </a:solidFill>
-              </a:rPr>
-              <a:pPr eaLnBrk="1" hangingPunct="1"/>
-              <a:t>15</a:t>
-            </a:fld>
-            <a:endParaRPr lang="en-US" dirty="0">
-              <a:solidFill>
-                <a:schemeClr val="accent1"/>
-              </a:solidFill>
-            </a:endParaRPr>
-          </a:p>
-        </p:txBody>
-      </p:sp>
-    </p:spTree>
-    <p:extLst>
-      <p:ext uri="{BB962C8B-B14F-4D97-AF65-F5344CB8AC3E}">
-        <p14:creationId xmlns:p14="http://schemas.microsoft.com/office/powerpoint/2010/main" val="3577170219"/>
-      </p:ext>
-    </p:extLst>
-  </p:cSld>
-  <p:clrMapOvr>
-    <a:masterClrMapping/>
-  </p:clrMapOvr>
-</p:sld>
-</file>
-
-<file path=ppt/slides/slide16.xml><?xml version="1.0" encoding="utf-8"?>
-<p:sld xmlns:a="http://schemas.openxmlformats.org/drawingml/2006/main" xmlns:r="http://schemas.openxmlformats.org/officeDocument/2006/relationships" xmlns:p="http://schemas.openxmlformats.org/presentationml/2006/main" show="0">
-  <p:cSld>
-    <p:spTree>
-      <p:nvGrpSpPr>
-        <p:cNvPr id="1" name=""/>
-        <p:cNvGrpSpPr/>
-        <p:nvPr/>
-      </p:nvGrpSpPr>
-      <p:grpSpPr>
-        <a:xfrm>
-          <a:off x="0" y="0"/>
-          <a:ext cx="0" cy="0"/>
-          <a:chOff x="0" y="0"/>
-          <a:chExt cx="0" cy="0"/>
-        </a:xfrm>
-      </p:grpSpPr>
-      <p:sp>
-        <p:nvSpPr>
-          <p:cNvPr id="43010" name="Rectangle 2"/>
-          <p:cNvSpPr>
-            <a:spLocks noGrp="1" noChangeArrowheads="1"/>
-          </p:cNvSpPr>
-          <p:nvPr>
-            <p:ph type="title"/>
-          </p:nvPr>
-        </p:nvSpPr>
-        <p:spPr>
-          <a:xfrm>
-            <a:off x="685800" y="457200"/>
-            <a:ext cx="7772400" cy="762000"/>
-          </a:xfrm>
-        </p:spPr>
-        <p:txBody>
-          <a:bodyPr/>
-          <a:lstStyle/>
-          <a:p>
-            <a:pPr eaLnBrk="1" hangingPunct="1"/>
-            <a:r>
-              <a:rPr lang="en-US" sz="4000" dirty="0"/>
-              <a:t>Microsimulation</a:t>
-            </a:r>
-          </a:p>
-        </p:txBody>
-      </p:sp>
-      <p:sp>
-        <p:nvSpPr>
-          <p:cNvPr id="43011" name="Rectangle 3"/>
-          <p:cNvSpPr>
-            <a:spLocks noGrp="1" noChangeArrowheads="1"/>
-          </p:cNvSpPr>
-          <p:nvPr>
-            <p:ph type="body" idx="1"/>
-          </p:nvPr>
-        </p:nvSpPr>
-        <p:spPr>
-          <a:xfrm>
-            <a:off x="685800" y="1447800"/>
-            <a:ext cx="7772400" cy="4648200"/>
-          </a:xfrm>
-        </p:spPr>
-        <p:txBody>
-          <a:bodyPr>
-            <a:normAutofit/>
-          </a:bodyPr>
-          <a:lstStyle/>
-          <a:p>
-            <a:pPr eaLnBrk="1" hangingPunct="1"/>
-            <a:r>
-              <a:rPr lang="en-US" sz="2400" dirty="0"/>
-              <a:t>Each patient proceeds through the decision tree one at a time</a:t>
-            </a:r>
-          </a:p>
-          <a:p>
-            <a:pPr eaLnBrk="1" hangingPunct="1"/>
-            <a:r>
-              <a:rPr lang="en-US" sz="2400" dirty="0"/>
-              <a:t>At each chance node, there is a p</a:t>
-            </a:r>
-            <a:r>
-              <a:rPr lang="en-US" sz="2400" baseline="-25000" dirty="0"/>
-              <a:t>1</a:t>
-            </a:r>
-            <a:r>
-              <a:rPr lang="en-US" sz="2400" dirty="0"/>
-              <a:t> chance they will go down the first branch, a p</a:t>
-            </a:r>
-            <a:r>
-              <a:rPr lang="en-US" sz="2400" baseline="-25000" dirty="0"/>
-              <a:t>2</a:t>
-            </a:r>
-            <a:r>
-              <a:rPr lang="en-US" sz="2400" dirty="0"/>
-              <a:t> chance they will go down the second branch, etc. Each patient will end up at one of the terminal nodes</a:t>
-            </a:r>
-          </a:p>
-          <a:p>
-            <a:pPr eaLnBrk="1" hangingPunct="1"/>
-            <a:r>
-              <a:rPr lang="en-US" sz="2400" dirty="0"/>
-              <a:t>Within a Markov cycle tree, patients will transition from state to state until they enter a state with a utility of 0</a:t>
-            </a:r>
-          </a:p>
-          <a:p>
-            <a:pPr eaLnBrk="1" hangingPunct="1"/>
-            <a:r>
-              <a:rPr lang="en-US" sz="2400" dirty="0"/>
-              <a:t>Allows “memory” to be introduced</a:t>
-            </a:r>
-          </a:p>
-        </p:txBody>
-      </p:sp>
-      <p:sp>
-        <p:nvSpPr>
-          <p:cNvPr id="4" name="Slide Number Placeholder 28">
-            <a:extLst>
-              <a:ext uri="{FF2B5EF4-FFF2-40B4-BE49-F238E27FC236}">
-                <a16:creationId xmlns:a16="http://schemas.microsoft.com/office/drawing/2014/main" id="{73903A97-8494-AE4D-90F0-655FC133F2E3}"/>
-              </a:ext>
-            </a:extLst>
-          </p:cNvPr>
-          <p:cNvSpPr>
-            <a:spLocks noGrp="1"/>
-          </p:cNvSpPr>
-          <p:nvPr>
-            <p:ph type="sldNum" sz="quarter" idx="12"/>
-          </p:nvPr>
-        </p:nvSpPr>
-        <p:spPr>
-          <a:xfrm>
-            <a:off x="8559864" y="6453336"/>
-            <a:ext cx="548640" cy="396240"/>
-          </a:xfrm>
-        </p:spPr>
-        <p:txBody>
-          <a:bodyPr/>
-          <a:lstStyle>
-            <a:lvl1pPr eaLnBrk="0" hangingPunct="0">
-              <a:defRPr>
-                <a:solidFill>
-                  <a:schemeClr val="tx1"/>
-                </a:solidFill>
-                <a:latin typeface="Arial" panose="020B0604020202020204" pitchFamily="34" charset="0"/>
-              </a:defRPr>
-            </a:lvl1pPr>
-            <a:lvl2pPr marL="742950" indent="-285750" eaLnBrk="0" hangingPunct="0">
-              <a:defRPr>
-                <a:solidFill>
-                  <a:schemeClr val="tx1"/>
-                </a:solidFill>
-                <a:latin typeface="Arial" panose="020B0604020202020204" pitchFamily="34" charset="0"/>
-              </a:defRPr>
-            </a:lvl2pPr>
-            <a:lvl3pPr marL="1143000" indent="-228600" eaLnBrk="0" hangingPunct="0">
-              <a:defRPr>
-                <a:solidFill>
-                  <a:schemeClr val="tx1"/>
-                </a:solidFill>
-                <a:latin typeface="Arial" panose="020B0604020202020204" pitchFamily="34" charset="0"/>
-              </a:defRPr>
-            </a:lvl3pPr>
-            <a:lvl4pPr marL="1600200" indent="-228600" eaLnBrk="0" hangingPunct="0">
-              <a:defRPr>
-                <a:solidFill>
-                  <a:schemeClr val="tx1"/>
-                </a:solidFill>
-                <a:latin typeface="Arial" panose="020B0604020202020204" pitchFamily="34" charset="0"/>
-              </a:defRPr>
-            </a:lvl4pPr>
-            <a:lvl5pPr marL="2057400" indent="-228600" eaLnBrk="0" hangingPunct="0">
-              <a:defRPr>
-                <a:solidFill>
-                  <a:schemeClr val="tx1"/>
-                </a:solidFill>
-                <a:latin typeface="Arial" panose="020B0604020202020204" pitchFamily="34" charset="0"/>
-              </a:defRPr>
-            </a:lvl5pPr>
-            <a:lvl6pPr marL="2514600" indent="-228600" eaLnBrk="0" fontAlgn="base" hangingPunct="0">
-              <a:spcBef>
-                <a:spcPct val="0"/>
-              </a:spcBef>
-              <a:spcAft>
-                <a:spcPct val="0"/>
-              </a:spcAft>
-              <a:defRPr>
-                <a:solidFill>
-                  <a:schemeClr val="tx1"/>
-                </a:solidFill>
-                <a:latin typeface="Arial" panose="020B0604020202020204" pitchFamily="34" charset="0"/>
-              </a:defRPr>
-            </a:lvl6pPr>
-            <a:lvl7pPr marL="2971800" indent="-228600" eaLnBrk="0" fontAlgn="base" hangingPunct="0">
-              <a:spcBef>
-                <a:spcPct val="0"/>
-              </a:spcBef>
-              <a:spcAft>
-                <a:spcPct val="0"/>
-              </a:spcAft>
-              <a:defRPr>
-                <a:solidFill>
-                  <a:schemeClr val="tx1"/>
-                </a:solidFill>
-                <a:latin typeface="Arial" panose="020B0604020202020204" pitchFamily="34" charset="0"/>
-              </a:defRPr>
-            </a:lvl7pPr>
-            <a:lvl8pPr marL="3429000" indent="-228600" eaLnBrk="0" fontAlgn="base" hangingPunct="0">
-              <a:spcBef>
-                <a:spcPct val="0"/>
-              </a:spcBef>
-              <a:spcAft>
-                <a:spcPct val="0"/>
-              </a:spcAft>
-              <a:defRPr>
-                <a:solidFill>
-                  <a:schemeClr val="tx1"/>
-                </a:solidFill>
-                <a:latin typeface="Arial" panose="020B0604020202020204" pitchFamily="34" charset="0"/>
-              </a:defRPr>
-            </a:lvl8pPr>
-            <a:lvl9pPr marL="3886200" indent="-228600" eaLnBrk="0" fontAlgn="base" hangingPunct="0">
-              <a:spcBef>
-                <a:spcPct val="0"/>
-              </a:spcBef>
-              <a:spcAft>
-                <a:spcPct val="0"/>
-              </a:spcAft>
-              <a:defRPr>
-                <a:solidFill>
-                  <a:schemeClr val="tx1"/>
-                </a:solidFill>
-                <a:latin typeface="Arial" panose="020B0604020202020204" pitchFamily="34" charset="0"/>
-              </a:defRPr>
-            </a:lvl9pPr>
-          </a:lstStyle>
-          <a:p>
-            <a:pPr eaLnBrk="1" hangingPunct="1"/>
-            <a:fld id="{3F7E73E1-F280-4386-87FD-01754258053D}" type="slidenum">
-              <a:rPr lang="en-US">
-                <a:solidFill>
-                  <a:schemeClr val="accent1"/>
-                </a:solidFill>
-              </a:rPr>
-              <a:pPr eaLnBrk="1" hangingPunct="1"/>
-              <a:t>16</a:t>
-            </a:fld>
-            <a:endParaRPr lang="en-US" dirty="0">
-              <a:solidFill>
-                <a:schemeClr val="accent1"/>
-              </a:solidFill>
-            </a:endParaRPr>
-          </a:p>
-        </p:txBody>
-      </p:sp>
-    </p:spTree>
-    <p:extLst>
-      <p:ext uri="{BB962C8B-B14F-4D97-AF65-F5344CB8AC3E}">
-        <p14:creationId xmlns:p14="http://schemas.microsoft.com/office/powerpoint/2010/main" val="4172579627"/>
-      </p:ext>
-    </p:extLst>
-  </p:cSld>
-  <p:clrMapOvr>
-    <a:masterClrMapping/>
-  </p:clrMapOvr>
-</p:sld>
-</file>
-
-<file path=ppt/slides/slide17.xml><?xml version="1.0" encoding="utf-8"?>
-<p:sld xmlns:a="http://schemas.openxmlformats.org/drawingml/2006/main" xmlns:r="http://schemas.openxmlformats.org/officeDocument/2006/relationships" xmlns:p="http://schemas.openxmlformats.org/presentationml/2006/main" show="0">
-  <p:cSld>
-    <p:spTree>
-      <p:nvGrpSpPr>
-        <p:cNvPr id="1" name=""/>
-        <p:cNvGrpSpPr/>
-        <p:nvPr/>
-      </p:nvGrpSpPr>
-      <p:grpSpPr>
-        <a:xfrm>
-          <a:off x="0" y="0"/>
-          <a:ext cx="0" cy="0"/>
-          <a:chOff x="0" y="0"/>
-          <a:chExt cx="0" cy="0"/>
-        </a:xfrm>
-      </p:grpSpPr>
-      <p:sp>
-        <p:nvSpPr>
-          <p:cNvPr id="13315" name="Rectangle 2"/>
-          <p:cNvSpPr>
-            <a:spLocks noChangeArrowheads="1"/>
-          </p:cNvSpPr>
-          <p:nvPr/>
-        </p:nvSpPr>
-        <p:spPr bwMode="auto">
-          <a:xfrm>
-            <a:off x="2286000" y="381000"/>
-            <a:ext cx="6400800" cy="685800"/>
-          </a:xfrm>
-          <a:prstGeom prst="rect">
-            <a:avLst/>
-          </a:prstGeom>
-          <a:noFill/>
-          <a:ln>
-            <a:noFill/>
-          </a:ln>
-          <a:extLst>
-            <a:ext uri="{909E8E84-426E-40dd-AFC4-6F175D3DCCD1}">
-              <a14:hiddenFill xmlns="" xmlns:a14="http://schemas.microsoft.com/office/drawing/2010/main">
-                <a:solidFill>
-                  <a:srgbClr val="FFFFFF"/>
-                </a:solidFill>
-              </a14:hiddenFill>
-            </a:ext>
-            <a:ext uri="{91240B29-F687-4f45-9708-019B960494DF}">
-              <a14:hiddenLine xmlns="" xmlns:a14="http://schemas.microsoft.com/office/drawing/2010/main" w="9525">
-                <a:solidFill>
-                  <a:srgbClr val="000000"/>
-                </a:solidFill>
-                <a:miter lim="800000"/>
-                <a:headEnd/>
-                <a:tailEnd/>
-              </a14:hiddenLine>
-            </a:ext>
-          </a:extLst>
-        </p:spPr>
-        <p:txBody>
-          <a:bodyPr lIns="92075" tIns="46038" rIns="92075" bIns="46038" anchor="ctr"/>
-          <a:lstStyle>
-            <a:lvl1pPr eaLnBrk="0" hangingPunct="0">
-              <a:defRPr sz="2400">
-                <a:solidFill>
-                  <a:schemeClr val="tx1"/>
-                </a:solidFill>
-                <a:latin typeface="Times New Roman" panose="02020603050405020304" pitchFamily="18" charset="0"/>
-              </a:defRPr>
-            </a:lvl1pPr>
-            <a:lvl2pPr marL="742950" indent="-285750" eaLnBrk="0" hangingPunct="0">
-              <a:defRPr sz="2400">
-                <a:solidFill>
-                  <a:schemeClr val="tx1"/>
-                </a:solidFill>
-                <a:latin typeface="Times New Roman" panose="02020603050405020304" pitchFamily="18" charset="0"/>
-              </a:defRPr>
-            </a:lvl2pPr>
-            <a:lvl3pPr marL="1143000" indent="-228600" eaLnBrk="0" hangingPunct="0">
-              <a:defRPr sz="2400">
-                <a:solidFill>
-                  <a:schemeClr val="tx1"/>
-                </a:solidFill>
-                <a:latin typeface="Times New Roman" panose="02020603050405020304" pitchFamily="18" charset="0"/>
-              </a:defRPr>
-            </a:lvl3pPr>
-            <a:lvl4pPr marL="1600200" indent="-228600" eaLnBrk="0" hangingPunct="0">
-              <a:defRPr sz="2400">
-                <a:solidFill>
-                  <a:schemeClr val="tx1"/>
-                </a:solidFill>
-                <a:latin typeface="Times New Roman" panose="02020603050405020304" pitchFamily="18" charset="0"/>
-              </a:defRPr>
-            </a:lvl4pPr>
-            <a:lvl5pPr marL="2057400" indent="-228600" eaLnBrk="0" hangingPunct="0">
-              <a:defRPr sz="2400">
-                <a:solidFill>
-                  <a:schemeClr val="tx1"/>
-                </a:solidFill>
-                <a:latin typeface="Times New Roman" panose="02020603050405020304" pitchFamily="18" charset="0"/>
-              </a:defRPr>
-            </a:lvl5pPr>
-            <a:lvl6pPr marL="2514600" indent="-228600" eaLnBrk="0" fontAlgn="base" hangingPunct="0">
-              <a:spcBef>
-                <a:spcPct val="0"/>
-              </a:spcBef>
-              <a:spcAft>
-                <a:spcPct val="0"/>
-              </a:spcAft>
-              <a:defRPr sz="2400">
-                <a:solidFill>
-                  <a:schemeClr val="tx1"/>
-                </a:solidFill>
-                <a:latin typeface="Times New Roman" panose="02020603050405020304" pitchFamily="18" charset="0"/>
-              </a:defRPr>
-            </a:lvl6pPr>
-            <a:lvl7pPr marL="2971800" indent="-228600" eaLnBrk="0" fontAlgn="base" hangingPunct="0">
-              <a:spcBef>
-                <a:spcPct val="0"/>
-              </a:spcBef>
-              <a:spcAft>
-                <a:spcPct val="0"/>
-              </a:spcAft>
-              <a:defRPr sz="2400">
-                <a:solidFill>
-                  <a:schemeClr val="tx1"/>
-                </a:solidFill>
-                <a:latin typeface="Times New Roman" panose="02020603050405020304" pitchFamily="18" charset="0"/>
-              </a:defRPr>
-            </a:lvl7pPr>
-            <a:lvl8pPr marL="3429000" indent="-228600" eaLnBrk="0" fontAlgn="base" hangingPunct="0">
-              <a:spcBef>
-                <a:spcPct val="0"/>
-              </a:spcBef>
-              <a:spcAft>
-                <a:spcPct val="0"/>
-              </a:spcAft>
-              <a:defRPr sz="2400">
-                <a:solidFill>
-                  <a:schemeClr val="tx1"/>
-                </a:solidFill>
-                <a:latin typeface="Times New Roman" panose="02020603050405020304" pitchFamily="18" charset="0"/>
-              </a:defRPr>
-            </a:lvl8pPr>
-            <a:lvl9pPr marL="3886200" indent="-228600" eaLnBrk="0" fontAlgn="base" hangingPunct="0">
-              <a:spcBef>
-                <a:spcPct val="0"/>
-              </a:spcBef>
-              <a:spcAft>
-                <a:spcPct val="0"/>
-              </a:spcAft>
-              <a:defRPr sz="2400">
-                <a:solidFill>
-                  <a:schemeClr val="tx1"/>
-                </a:solidFill>
-                <a:latin typeface="Times New Roman" panose="02020603050405020304" pitchFamily="18" charset="0"/>
-              </a:defRPr>
-            </a:lvl9pPr>
-          </a:lstStyle>
-          <a:p>
-            <a:pPr algn="ctr" eaLnBrk="1" hangingPunct="1"/>
-            <a:r>
-              <a:rPr lang="en-US" sz="4400">
-                <a:solidFill>
-                  <a:schemeClr val="tx2"/>
-                </a:solidFill>
-                <a:latin typeface="Arial" panose="020B0604020202020204" pitchFamily="34" charset="0"/>
-                <a:cs typeface="Arial" panose="020B0604020202020204" pitchFamily="34" charset="0"/>
-              </a:rPr>
-              <a:t>Cancer Recurrence</a:t>
-            </a:r>
-          </a:p>
-        </p:txBody>
-      </p:sp>
-      <p:sp>
-        <p:nvSpPr>
-          <p:cNvPr id="13316" name="Oval 3"/>
-          <p:cNvSpPr>
-            <a:spLocks noChangeArrowheads="1"/>
-          </p:cNvSpPr>
-          <p:nvPr/>
-        </p:nvSpPr>
-        <p:spPr bwMode="auto">
-          <a:xfrm>
-            <a:off x="2362200" y="1524000"/>
-            <a:ext cx="1462088" cy="639763"/>
-          </a:xfrm>
-          <a:prstGeom prst="ellipse">
-            <a:avLst/>
-          </a:prstGeom>
-          <a:noFill/>
-          <a:ln w="25400">
-            <a:solidFill>
-              <a:schemeClr val="tx1"/>
-            </a:solidFill>
-            <a:round/>
-            <a:headEnd/>
-            <a:tailEnd/>
-          </a:ln>
-          <a:extLst>
-            <a:ext uri="{909E8E84-426E-40dd-AFC4-6F175D3DCCD1}">
-              <a14:hiddenFill xmlns="" xmlns:a14="http://schemas.microsoft.com/office/drawing/2010/main">
-                <a:solidFill>
-                  <a:srgbClr val="FFFFFF"/>
-                </a:solidFill>
-              </a14:hiddenFill>
-            </a:ext>
-          </a:extLst>
-        </p:spPr>
-        <p:txBody>
-          <a:bodyPr wrap="none" lIns="82550" tIns="41275" rIns="82550" bIns="41275" anchor="ctr"/>
-          <a:lstStyle>
-            <a:lvl1pPr defTabSz="739775" eaLnBrk="0" hangingPunct="0">
-              <a:defRPr sz="2400">
-                <a:solidFill>
-                  <a:schemeClr val="tx1"/>
-                </a:solidFill>
-                <a:latin typeface="Times New Roman" panose="02020603050405020304" pitchFamily="18" charset="0"/>
-              </a:defRPr>
-            </a:lvl1pPr>
-            <a:lvl2pPr marL="742950" indent="-285750" defTabSz="739775" eaLnBrk="0" hangingPunct="0">
-              <a:defRPr sz="2400">
-                <a:solidFill>
-                  <a:schemeClr val="tx1"/>
-                </a:solidFill>
-                <a:latin typeface="Times New Roman" panose="02020603050405020304" pitchFamily="18" charset="0"/>
-              </a:defRPr>
-            </a:lvl2pPr>
-            <a:lvl3pPr marL="1143000" indent="-228600" defTabSz="739775" eaLnBrk="0" hangingPunct="0">
-              <a:defRPr sz="2400">
-                <a:solidFill>
-                  <a:schemeClr val="tx1"/>
-                </a:solidFill>
-                <a:latin typeface="Times New Roman" panose="02020603050405020304" pitchFamily="18" charset="0"/>
-              </a:defRPr>
-            </a:lvl3pPr>
-            <a:lvl4pPr marL="1600200" indent="-228600" defTabSz="739775" eaLnBrk="0" hangingPunct="0">
-              <a:defRPr sz="2400">
-                <a:solidFill>
-                  <a:schemeClr val="tx1"/>
-                </a:solidFill>
-                <a:latin typeface="Times New Roman" panose="02020603050405020304" pitchFamily="18" charset="0"/>
-              </a:defRPr>
-            </a:lvl4pPr>
-            <a:lvl5pPr marL="2057400" indent="-228600" defTabSz="739775" eaLnBrk="0" hangingPunct="0">
-              <a:defRPr sz="2400">
-                <a:solidFill>
-                  <a:schemeClr val="tx1"/>
-                </a:solidFill>
-                <a:latin typeface="Times New Roman" panose="02020603050405020304" pitchFamily="18" charset="0"/>
-              </a:defRPr>
-            </a:lvl5pPr>
-            <a:lvl6pPr marL="2514600" indent="-228600" defTabSz="739775" eaLnBrk="0" fontAlgn="base" hangingPunct="0">
-              <a:spcBef>
-                <a:spcPct val="0"/>
-              </a:spcBef>
-              <a:spcAft>
-                <a:spcPct val="0"/>
-              </a:spcAft>
-              <a:defRPr sz="2400">
-                <a:solidFill>
-                  <a:schemeClr val="tx1"/>
-                </a:solidFill>
-                <a:latin typeface="Times New Roman" panose="02020603050405020304" pitchFamily="18" charset="0"/>
-              </a:defRPr>
-            </a:lvl6pPr>
-            <a:lvl7pPr marL="2971800" indent="-228600" defTabSz="739775" eaLnBrk="0" fontAlgn="base" hangingPunct="0">
-              <a:spcBef>
-                <a:spcPct val="0"/>
-              </a:spcBef>
-              <a:spcAft>
-                <a:spcPct val="0"/>
-              </a:spcAft>
-              <a:defRPr sz="2400">
-                <a:solidFill>
-                  <a:schemeClr val="tx1"/>
-                </a:solidFill>
-                <a:latin typeface="Times New Roman" panose="02020603050405020304" pitchFamily="18" charset="0"/>
-              </a:defRPr>
-            </a:lvl7pPr>
-            <a:lvl8pPr marL="3429000" indent="-228600" defTabSz="739775" eaLnBrk="0" fontAlgn="base" hangingPunct="0">
-              <a:spcBef>
-                <a:spcPct val="0"/>
-              </a:spcBef>
-              <a:spcAft>
-                <a:spcPct val="0"/>
-              </a:spcAft>
-              <a:defRPr sz="2400">
-                <a:solidFill>
-                  <a:schemeClr val="tx1"/>
-                </a:solidFill>
-                <a:latin typeface="Times New Roman" panose="02020603050405020304" pitchFamily="18" charset="0"/>
-              </a:defRPr>
-            </a:lvl8pPr>
-            <a:lvl9pPr marL="3886200" indent="-228600" defTabSz="739775" eaLnBrk="0" fontAlgn="base" hangingPunct="0">
-              <a:spcBef>
-                <a:spcPct val="0"/>
-              </a:spcBef>
-              <a:spcAft>
-                <a:spcPct val="0"/>
-              </a:spcAft>
-              <a:defRPr sz="2400">
-                <a:solidFill>
-                  <a:schemeClr val="tx1"/>
-                </a:solidFill>
-                <a:latin typeface="Times New Roman" panose="02020603050405020304" pitchFamily="18" charset="0"/>
-              </a:defRPr>
-            </a:lvl9pPr>
-          </a:lstStyle>
-          <a:p>
-            <a:pPr algn="ctr"/>
-            <a:r>
-              <a:rPr lang="en-US" sz="3200">
-                <a:latin typeface="Arial" panose="020B0604020202020204" pitchFamily="34" charset="0"/>
-                <a:cs typeface="Arial" panose="020B0604020202020204" pitchFamily="34" charset="0"/>
-              </a:rPr>
-              <a:t>Well</a:t>
-            </a:r>
-          </a:p>
-        </p:txBody>
-      </p:sp>
-      <p:sp>
-        <p:nvSpPr>
-          <p:cNvPr id="13317" name="Oval 4"/>
-          <p:cNvSpPr>
-            <a:spLocks noChangeArrowheads="1"/>
-          </p:cNvSpPr>
-          <p:nvPr/>
-        </p:nvSpPr>
-        <p:spPr bwMode="auto">
-          <a:xfrm>
-            <a:off x="6684963" y="1500188"/>
-            <a:ext cx="1462087" cy="639762"/>
-          </a:xfrm>
-          <a:prstGeom prst="ellipse">
-            <a:avLst/>
-          </a:prstGeom>
-          <a:noFill/>
-          <a:ln w="25400">
-            <a:solidFill>
-              <a:schemeClr val="tx1"/>
-            </a:solidFill>
-            <a:round/>
-            <a:headEnd/>
-            <a:tailEnd/>
-          </a:ln>
-          <a:extLst>
-            <a:ext uri="{909E8E84-426E-40dd-AFC4-6F175D3DCCD1}">
-              <a14:hiddenFill xmlns="" xmlns:a14="http://schemas.microsoft.com/office/drawing/2010/main">
-                <a:solidFill>
-                  <a:srgbClr val="FFFFFF"/>
-                </a:solidFill>
-              </a14:hiddenFill>
-            </a:ext>
-          </a:extLst>
-        </p:spPr>
-        <p:txBody>
-          <a:bodyPr wrap="none" lIns="82550" tIns="41275" rIns="82550" bIns="41275" anchor="ctr"/>
-          <a:lstStyle>
-            <a:lvl1pPr defTabSz="739775" eaLnBrk="0" hangingPunct="0">
-              <a:defRPr sz="2400">
-                <a:solidFill>
-                  <a:schemeClr val="tx1"/>
-                </a:solidFill>
-                <a:latin typeface="Times New Roman" panose="02020603050405020304" pitchFamily="18" charset="0"/>
-              </a:defRPr>
-            </a:lvl1pPr>
-            <a:lvl2pPr marL="742950" indent="-285750" defTabSz="739775" eaLnBrk="0" hangingPunct="0">
-              <a:defRPr sz="2400">
-                <a:solidFill>
-                  <a:schemeClr val="tx1"/>
-                </a:solidFill>
-                <a:latin typeface="Times New Roman" panose="02020603050405020304" pitchFamily="18" charset="0"/>
-              </a:defRPr>
-            </a:lvl2pPr>
-            <a:lvl3pPr marL="1143000" indent="-228600" defTabSz="739775" eaLnBrk="0" hangingPunct="0">
-              <a:defRPr sz="2400">
-                <a:solidFill>
-                  <a:schemeClr val="tx1"/>
-                </a:solidFill>
-                <a:latin typeface="Times New Roman" panose="02020603050405020304" pitchFamily="18" charset="0"/>
-              </a:defRPr>
-            </a:lvl3pPr>
-            <a:lvl4pPr marL="1600200" indent="-228600" defTabSz="739775" eaLnBrk="0" hangingPunct="0">
-              <a:defRPr sz="2400">
-                <a:solidFill>
-                  <a:schemeClr val="tx1"/>
-                </a:solidFill>
-                <a:latin typeface="Times New Roman" panose="02020603050405020304" pitchFamily="18" charset="0"/>
-              </a:defRPr>
-            </a:lvl4pPr>
-            <a:lvl5pPr marL="2057400" indent="-228600" defTabSz="739775" eaLnBrk="0" hangingPunct="0">
-              <a:defRPr sz="2400">
-                <a:solidFill>
-                  <a:schemeClr val="tx1"/>
-                </a:solidFill>
-                <a:latin typeface="Times New Roman" panose="02020603050405020304" pitchFamily="18" charset="0"/>
-              </a:defRPr>
-            </a:lvl5pPr>
-            <a:lvl6pPr marL="2514600" indent="-228600" defTabSz="739775" eaLnBrk="0" fontAlgn="base" hangingPunct="0">
-              <a:spcBef>
-                <a:spcPct val="0"/>
-              </a:spcBef>
-              <a:spcAft>
-                <a:spcPct val="0"/>
-              </a:spcAft>
-              <a:defRPr sz="2400">
-                <a:solidFill>
-                  <a:schemeClr val="tx1"/>
-                </a:solidFill>
-                <a:latin typeface="Times New Roman" panose="02020603050405020304" pitchFamily="18" charset="0"/>
-              </a:defRPr>
-            </a:lvl6pPr>
-            <a:lvl7pPr marL="2971800" indent="-228600" defTabSz="739775" eaLnBrk="0" fontAlgn="base" hangingPunct="0">
-              <a:spcBef>
-                <a:spcPct val="0"/>
-              </a:spcBef>
-              <a:spcAft>
-                <a:spcPct val="0"/>
-              </a:spcAft>
-              <a:defRPr sz="2400">
-                <a:solidFill>
-                  <a:schemeClr val="tx1"/>
-                </a:solidFill>
-                <a:latin typeface="Times New Roman" panose="02020603050405020304" pitchFamily="18" charset="0"/>
-              </a:defRPr>
-            </a:lvl7pPr>
-            <a:lvl8pPr marL="3429000" indent="-228600" defTabSz="739775" eaLnBrk="0" fontAlgn="base" hangingPunct="0">
-              <a:spcBef>
-                <a:spcPct val="0"/>
-              </a:spcBef>
-              <a:spcAft>
-                <a:spcPct val="0"/>
-              </a:spcAft>
-              <a:defRPr sz="2400">
-                <a:solidFill>
-                  <a:schemeClr val="tx1"/>
-                </a:solidFill>
-                <a:latin typeface="Times New Roman" panose="02020603050405020304" pitchFamily="18" charset="0"/>
-              </a:defRPr>
-            </a:lvl8pPr>
-            <a:lvl9pPr marL="3886200" indent="-228600" defTabSz="739775" eaLnBrk="0" fontAlgn="base" hangingPunct="0">
-              <a:spcBef>
-                <a:spcPct val="0"/>
-              </a:spcBef>
-              <a:spcAft>
-                <a:spcPct val="0"/>
-              </a:spcAft>
-              <a:defRPr sz="2400">
-                <a:solidFill>
-                  <a:schemeClr val="tx1"/>
-                </a:solidFill>
-                <a:latin typeface="Times New Roman" panose="02020603050405020304" pitchFamily="18" charset="0"/>
-              </a:defRPr>
-            </a:lvl9pPr>
-          </a:lstStyle>
-          <a:p>
-            <a:pPr algn="ctr"/>
-            <a:r>
-              <a:rPr lang="en-US" sz="3200">
-                <a:latin typeface="Arial" panose="020B0604020202020204" pitchFamily="34" charset="0"/>
-                <a:cs typeface="Arial" panose="020B0604020202020204" pitchFamily="34" charset="0"/>
-              </a:rPr>
-              <a:t>Dead</a:t>
-            </a:r>
-          </a:p>
-        </p:txBody>
-      </p:sp>
-      <p:sp>
-        <p:nvSpPr>
-          <p:cNvPr id="13318" name="Oval 5"/>
-          <p:cNvSpPr>
-            <a:spLocks noChangeArrowheads="1"/>
-          </p:cNvSpPr>
-          <p:nvPr/>
-        </p:nvSpPr>
-        <p:spPr bwMode="auto">
-          <a:xfrm>
-            <a:off x="4548188" y="1500188"/>
-            <a:ext cx="1462087" cy="639762"/>
-          </a:xfrm>
-          <a:prstGeom prst="ellipse">
-            <a:avLst/>
-          </a:prstGeom>
-          <a:noFill/>
-          <a:ln w="25400">
-            <a:solidFill>
-              <a:schemeClr val="tx1"/>
-            </a:solidFill>
-            <a:round/>
-            <a:headEnd/>
-            <a:tailEnd/>
-          </a:ln>
-          <a:extLst>
-            <a:ext uri="{909E8E84-426E-40dd-AFC4-6F175D3DCCD1}">
-              <a14:hiddenFill xmlns="" xmlns:a14="http://schemas.microsoft.com/office/drawing/2010/main">
-                <a:solidFill>
-                  <a:srgbClr val="FFFFFF"/>
-                </a:solidFill>
-              </a14:hiddenFill>
-            </a:ext>
-          </a:extLst>
-        </p:spPr>
-        <p:txBody>
-          <a:bodyPr wrap="none" lIns="82550" tIns="41275" rIns="82550" bIns="41275" anchor="ctr"/>
-          <a:lstStyle>
-            <a:lvl1pPr defTabSz="739775" eaLnBrk="0" hangingPunct="0">
-              <a:defRPr sz="2400">
-                <a:solidFill>
-                  <a:schemeClr val="tx1"/>
-                </a:solidFill>
-                <a:latin typeface="Times New Roman" panose="02020603050405020304" pitchFamily="18" charset="0"/>
-              </a:defRPr>
-            </a:lvl1pPr>
-            <a:lvl2pPr marL="742950" indent="-285750" defTabSz="739775" eaLnBrk="0" hangingPunct="0">
-              <a:defRPr sz="2400">
-                <a:solidFill>
-                  <a:schemeClr val="tx1"/>
-                </a:solidFill>
-                <a:latin typeface="Times New Roman" panose="02020603050405020304" pitchFamily="18" charset="0"/>
-              </a:defRPr>
-            </a:lvl2pPr>
-            <a:lvl3pPr marL="1143000" indent="-228600" defTabSz="739775" eaLnBrk="0" hangingPunct="0">
-              <a:defRPr sz="2400">
-                <a:solidFill>
-                  <a:schemeClr val="tx1"/>
-                </a:solidFill>
-                <a:latin typeface="Times New Roman" panose="02020603050405020304" pitchFamily="18" charset="0"/>
-              </a:defRPr>
-            </a:lvl3pPr>
-            <a:lvl4pPr marL="1600200" indent="-228600" defTabSz="739775" eaLnBrk="0" hangingPunct="0">
-              <a:defRPr sz="2400">
-                <a:solidFill>
-                  <a:schemeClr val="tx1"/>
-                </a:solidFill>
-                <a:latin typeface="Times New Roman" panose="02020603050405020304" pitchFamily="18" charset="0"/>
-              </a:defRPr>
-            </a:lvl4pPr>
-            <a:lvl5pPr marL="2057400" indent="-228600" defTabSz="739775" eaLnBrk="0" hangingPunct="0">
-              <a:defRPr sz="2400">
-                <a:solidFill>
-                  <a:schemeClr val="tx1"/>
-                </a:solidFill>
-                <a:latin typeface="Times New Roman" panose="02020603050405020304" pitchFamily="18" charset="0"/>
-              </a:defRPr>
-            </a:lvl5pPr>
-            <a:lvl6pPr marL="2514600" indent="-228600" defTabSz="739775" eaLnBrk="0" fontAlgn="base" hangingPunct="0">
-              <a:spcBef>
-                <a:spcPct val="0"/>
-              </a:spcBef>
-              <a:spcAft>
-                <a:spcPct val="0"/>
-              </a:spcAft>
-              <a:defRPr sz="2400">
-                <a:solidFill>
-                  <a:schemeClr val="tx1"/>
-                </a:solidFill>
-                <a:latin typeface="Times New Roman" panose="02020603050405020304" pitchFamily="18" charset="0"/>
-              </a:defRPr>
-            </a:lvl6pPr>
-            <a:lvl7pPr marL="2971800" indent="-228600" defTabSz="739775" eaLnBrk="0" fontAlgn="base" hangingPunct="0">
-              <a:spcBef>
-                <a:spcPct val="0"/>
-              </a:spcBef>
-              <a:spcAft>
-                <a:spcPct val="0"/>
-              </a:spcAft>
-              <a:defRPr sz="2400">
-                <a:solidFill>
-                  <a:schemeClr val="tx1"/>
-                </a:solidFill>
-                <a:latin typeface="Times New Roman" panose="02020603050405020304" pitchFamily="18" charset="0"/>
-              </a:defRPr>
-            </a:lvl7pPr>
-            <a:lvl8pPr marL="3429000" indent="-228600" defTabSz="739775" eaLnBrk="0" fontAlgn="base" hangingPunct="0">
-              <a:spcBef>
-                <a:spcPct val="0"/>
-              </a:spcBef>
-              <a:spcAft>
-                <a:spcPct val="0"/>
-              </a:spcAft>
-              <a:defRPr sz="2400">
-                <a:solidFill>
-                  <a:schemeClr val="tx1"/>
-                </a:solidFill>
-                <a:latin typeface="Times New Roman" panose="02020603050405020304" pitchFamily="18" charset="0"/>
-              </a:defRPr>
-            </a:lvl8pPr>
-            <a:lvl9pPr marL="3886200" indent="-228600" defTabSz="739775" eaLnBrk="0" fontAlgn="base" hangingPunct="0">
-              <a:spcBef>
-                <a:spcPct val="0"/>
-              </a:spcBef>
-              <a:spcAft>
-                <a:spcPct val="0"/>
-              </a:spcAft>
-              <a:defRPr sz="2400">
-                <a:solidFill>
-                  <a:schemeClr val="tx1"/>
-                </a:solidFill>
-                <a:latin typeface="Times New Roman" panose="02020603050405020304" pitchFamily="18" charset="0"/>
-              </a:defRPr>
-            </a:lvl9pPr>
-          </a:lstStyle>
-          <a:p>
-            <a:pPr algn="ctr"/>
-            <a:r>
-              <a:rPr lang="en-US" sz="3200">
-                <a:latin typeface="Arial" panose="020B0604020202020204" pitchFamily="34" charset="0"/>
-                <a:cs typeface="Arial" panose="020B0604020202020204" pitchFamily="34" charset="0"/>
-              </a:rPr>
-              <a:t>Recur</a:t>
-            </a:r>
-          </a:p>
-        </p:txBody>
-      </p:sp>
-      <p:sp>
-        <p:nvSpPr>
-          <p:cNvPr id="13319" name="Oval 6"/>
-          <p:cNvSpPr>
-            <a:spLocks noChangeArrowheads="1"/>
-          </p:cNvSpPr>
-          <p:nvPr/>
-        </p:nvSpPr>
-        <p:spPr bwMode="auto">
-          <a:xfrm>
-            <a:off x="2338388" y="2643188"/>
-            <a:ext cx="1462087" cy="639762"/>
-          </a:xfrm>
-          <a:prstGeom prst="ellipse">
-            <a:avLst/>
-          </a:prstGeom>
-          <a:noFill/>
-          <a:ln w="25400">
-            <a:solidFill>
-              <a:schemeClr val="tx1"/>
-            </a:solidFill>
-            <a:round/>
-            <a:headEnd/>
-            <a:tailEnd/>
-          </a:ln>
-          <a:extLst>
-            <a:ext uri="{909E8E84-426E-40dd-AFC4-6F175D3DCCD1}">
-              <a14:hiddenFill xmlns="" xmlns:a14="http://schemas.microsoft.com/office/drawing/2010/main">
-                <a:solidFill>
-                  <a:srgbClr val="FFFFFF"/>
-                </a:solidFill>
-              </a14:hiddenFill>
-            </a:ext>
-          </a:extLst>
-        </p:spPr>
-        <p:txBody>
-          <a:bodyPr wrap="none" lIns="82550" tIns="41275" rIns="82550" bIns="41275" anchor="ctr"/>
-          <a:lstStyle>
-            <a:lvl1pPr defTabSz="739775" eaLnBrk="0" hangingPunct="0">
-              <a:defRPr sz="2400">
-                <a:solidFill>
-                  <a:schemeClr val="tx1"/>
-                </a:solidFill>
-                <a:latin typeface="Times New Roman" panose="02020603050405020304" pitchFamily="18" charset="0"/>
-              </a:defRPr>
-            </a:lvl1pPr>
-            <a:lvl2pPr marL="742950" indent="-285750" defTabSz="739775" eaLnBrk="0" hangingPunct="0">
-              <a:defRPr sz="2400">
-                <a:solidFill>
-                  <a:schemeClr val="tx1"/>
-                </a:solidFill>
-                <a:latin typeface="Times New Roman" panose="02020603050405020304" pitchFamily="18" charset="0"/>
-              </a:defRPr>
-            </a:lvl2pPr>
-            <a:lvl3pPr marL="1143000" indent="-228600" defTabSz="739775" eaLnBrk="0" hangingPunct="0">
-              <a:defRPr sz="2400">
-                <a:solidFill>
-                  <a:schemeClr val="tx1"/>
-                </a:solidFill>
-                <a:latin typeface="Times New Roman" panose="02020603050405020304" pitchFamily="18" charset="0"/>
-              </a:defRPr>
-            </a:lvl3pPr>
-            <a:lvl4pPr marL="1600200" indent="-228600" defTabSz="739775" eaLnBrk="0" hangingPunct="0">
-              <a:defRPr sz="2400">
-                <a:solidFill>
-                  <a:schemeClr val="tx1"/>
-                </a:solidFill>
-                <a:latin typeface="Times New Roman" panose="02020603050405020304" pitchFamily="18" charset="0"/>
-              </a:defRPr>
-            </a:lvl4pPr>
-            <a:lvl5pPr marL="2057400" indent="-228600" defTabSz="739775" eaLnBrk="0" hangingPunct="0">
-              <a:defRPr sz="2400">
-                <a:solidFill>
-                  <a:schemeClr val="tx1"/>
-                </a:solidFill>
-                <a:latin typeface="Times New Roman" panose="02020603050405020304" pitchFamily="18" charset="0"/>
-              </a:defRPr>
-            </a:lvl5pPr>
-            <a:lvl6pPr marL="2514600" indent="-228600" defTabSz="739775" eaLnBrk="0" fontAlgn="base" hangingPunct="0">
-              <a:spcBef>
-                <a:spcPct val="0"/>
-              </a:spcBef>
-              <a:spcAft>
-                <a:spcPct val="0"/>
-              </a:spcAft>
-              <a:defRPr sz="2400">
-                <a:solidFill>
-                  <a:schemeClr val="tx1"/>
-                </a:solidFill>
-                <a:latin typeface="Times New Roman" panose="02020603050405020304" pitchFamily="18" charset="0"/>
-              </a:defRPr>
-            </a:lvl6pPr>
-            <a:lvl7pPr marL="2971800" indent="-228600" defTabSz="739775" eaLnBrk="0" fontAlgn="base" hangingPunct="0">
-              <a:spcBef>
-                <a:spcPct val="0"/>
-              </a:spcBef>
-              <a:spcAft>
-                <a:spcPct val="0"/>
-              </a:spcAft>
-              <a:defRPr sz="2400">
-                <a:solidFill>
-                  <a:schemeClr val="tx1"/>
-                </a:solidFill>
-                <a:latin typeface="Times New Roman" panose="02020603050405020304" pitchFamily="18" charset="0"/>
-              </a:defRPr>
-            </a:lvl7pPr>
-            <a:lvl8pPr marL="3429000" indent="-228600" defTabSz="739775" eaLnBrk="0" fontAlgn="base" hangingPunct="0">
-              <a:spcBef>
-                <a:spcPct val="0"/>
-              </a:spcBef>
-              <a:spcAft>
-                <a:spcPct val="0"/>
-              </a:spcAft>
-              <a:defRPr sz="2400">
-                <a:solidFill>
-                  <a:schemeClr val="tx1"/>
-                </a:solidFill>
-                <a:latin typeface="Times New Roman" panose="02020603050405020304" pitchFamily="18" charset="0"/>
-              </a:defRPr>
-            </a:lvl8pPr>
-            <a:lvl9pPr marL="3886200" indent="-228600" defTabSz="739775" eaLnBrk="0" fontAlgn="base" hangingPunct="0">
-              <a:spcBef>
-                <a:spcPct val="0"/>
-              </a:spcBef>
-              <a:spcAft>
-                <a:spcPct val="0"/>
-              </a:spcAft>
-              <a:defRPr sz="2400">
-                <a:solidFill>
-                  <a:schemeClr val="tx1"/>
-                </a:solidFill>
-                <a:latin typeface="Times New Roman" panose="02020603050405020304" pitchFamily="18" charset="0"/>
-              </a:defRPr>
-            </a:lvl9pPr>
-          </a:lstStyle>
-          <a:p>
-            <a:pPr algn="ctr"/>
-            <a:r>
-              <a:rPr lang="en-US" sz="3200">
-                <a:latin typeface="Arial" panose="020B0604020202020204" pitchFamily="34" charset="0"/>
-                <a:cs typeface="Arial" panose="020B0604020202020204" pitchFamily="34" charset="0"/>
-              </a:rPr>
-              <a:t>Well</a:t>
-            </a:r>
-          </a:p>
-        </p:txBody>
-      </p:sp>
-      <p:sp>
-        <p:nvSpPr>
-          <p:cNvPr id="13320" name="Oval 7"/>
-          <p:cNvSpPr>
-            <a:spLocks noChangeArrowheads="1"/>
-          </p:cNvSpPr>
-          <p:nvPr/>
-        </p:nvSpPr>
-        <p:spPr bwMode="auto">
-          <a:xfrm>
-            <a:off x="6684963" y="2643188"/>
-            <a:ext cx="1462087" cy="639762"/>
-          </a:xfrm>
-          <a:prstGeom prst="ellipse">
-            <a:avLst/>
-          </a:prstGeom>
-          <a:noFill/>
-          <a:ln w="25400">
-            <a:solidFill>
-              <a:schemeClr val="tx1"/>
-            </a:solidFill>
-            <a:round/>
-            <a:headEnd/>
-            <a:tailEnd/>
-          </a:ln>
-          <a:extLst>
-            <a:ext uri="{909E8E84-426E-40dd-AFC4-6F175D3DCCD1}">
-              <a14:hiddenFill xmlns="" xmlns:a14="http://schemas.microsoft.com/office/drawing/2010/main">
-                <a:solidFill>
-                  <a:srgbClr val="FFFFFF"/>
-                </a:solidFill>
-              </a14:hiddenFill>
-            </a:ext>
-          </a:extLst>
-        </p:spPr>
-        <p:txBody>
-          <a:bodyPr wrap="none" lIns="82550" tIns="41275" rIns="82550" bIns="41275" anchor="ctr"/>
-          <a:lstStyle>
-            <a:lvl1pPr defTabSz="739775" eaLnBrk="0" hangingPunct="0">
-              <a:defRPr sz="2400">
-                <a:solidFill>
-                  <a:schemeClr val="tx1"/>
-                </a:solidFill>
-                <a:latin typeface="Times New Roman" panose="02020603050405020304" pitchFamily="18" charset="0"/>
-              </a:defRPr>
-            </a:lvl1pPr>
-            <a:lvl2pPr marL="742950" indent="-285750" defTabSz="739775" eaLnBrk="0" hangingPunct="0">
-              <a:defRPr sz="2400">
-                <a:solidFill>
-                  <a:schemeClr val="tx1"/>
-                </a:solidFill>
-                <a:latin typeface="Times New Roman" panose="02020603050405020304" pitchFamily="18" charset="0"/>
-              </a:defRPr>
-            </a:lvl2pPr>
-            <a:lvl3pPr marL="1143000" indent="-228600" defTabSz="739775" eaLnBrk="0" hangingPunct="0">
-              <a:defRPr sz="2400">
-                <a:solidFill>
-                  <a:schemeClr val="tx1"/>
-                </a:solidFill>
-                <a:latin typeface="Times New Roman" panose="02020603050405020304" pitchFamily="18" charset="0"/>
-              </a:defRPr>
-            </a:lvl3pPr>
-            <a:lvl4pPr marL="1600200" indent="-228600" defTabSz="739775" eaLnBrk="0" hangingPunct="0">
-              <a:defRPr sz="2400">
-                <a:solidFill>
-                  <a:schemeClr val="tx1"/>
-                </a:solidFill>
-                <a:latin typeface="Times New Roman" panose="02020603050405020304" pitchFamily="18" charset="0"/>
-              </a:defRPr>
-            </a:lvl4pPr>
-            <a:lvl5pPr marL="2057400" indent="-228600" defTabSz="739775" eaLnBrk="0" hangingPunct="0">
-              <a:defRPr sz="2400">
-                <a:solidFill>
-                  <a:schemeClr val="tx1"/>
-                </a:solidFill>
-                <a:latin typeface="Times New Roman" panose="02020603050405020304" pitchFamily="18" charset="0"/>
-              </a:defRPr>
-            </a:lvl5pPr>
-            <a:lvl6pPr marL="2514600" indent="-228600" defTabSz="739775" eaLnBrk="0" fontAlgn="base" hangingPunct="0">
-              <a:spcBef>
-                <a:spcPct val="0"/>
-              </a:spcBef>
-              <a:spcAft>
-                <a:spcPct val="0"/>
-              </a:spcAft>
-              <a:defRPr sz="2400">
-                <a:solidFill>
-                  <a:schemeClr val="tx1"/>
-                </a:solidFill>
-                <a:latin typeface="Times New Roman" panose="02020603050405020304" pitchFamily="18" charset="0"/>
-              </a:defRPr>
-            </a:lvl6pPr>
-            <a:lvl7pPr marL="2971800" indent="-228600" defTabSz="739775" eaLnBrk="0" fontAlgn="base" hangingPunct="0">
-              <a:spcBef>
-                <a:spcPct val="0"/>
-              </a:spcBef>
-              <a:spcAft>
-                <a:spcPct val="0"/>
-              </a:spcAft>
-              <a:defRPr sz="2400">
-                <a:solidFill>
-                  <a:schemeClr val="tx1"/>
-                </a:solidFill>
-                <a:latin typeface="Times New Roman" panose="02020603050405020304" pitchFamily="18" charset="0"/>
-              </a:defRPr>
-            </a:lvl7pPr>
-            <a:lvl8pPr marL="3429000" indent="-228600" defTabSz="739775" eaLnBrk="0" fontAlgn="base" hangingPunct="0">
-              <a:spcBef>
-                <a:spcPct val="0"/>
-              </a:spcBef>
-              <a:spcAft>
-                <a:spcPct val="0"/>
-              </a:spcAft>
-              <a:defRPr sz="2400">
-                <a:solidFill>
-                  <a:schemeClr val="tx1"/>
-                </a:solidFill>
-                <a:latin typeface="Times New Roman" panose="02020603050405020304" pitchFamily="18" charset="0"/>
-              </a:defRPr>
-            </a:lvl8pPr>
-            <a:lvl9pPr marL="3886200" indent="-228600" defTabSz="739775" eaLnBrk="0" fontAlgn="base" hangingPunct="0">
-              <a:spcBef>
-                <a:spcPct val="0"/>
-              </a:spcBef>
-              <a:spcAft>
-                <a:spcPct val="0"/>
-              </a:spcAft>
-              <a:defRPr sz="2400">
-                <a:solidFill>
-                  <a:schemeClr val="tx1"/>
-                </a:solidFill>
-                <a:latin typeface="Times New Roman" panose="02020603050405020304" pitchFamily="18" charset="0"/>
-              </a:defRPr>
-            </a:lvl9pPr>
-          </a:lstStyle>
-          <a:p>
-            <a:pPr algn="ctr"/>
-            <a:r>
-              <a:rPr lang="en-US" sz="3200">
-                <a:latin typeface="Arial" panose="020B0604020202020204" pitchFamily="34" charset="0"/>
-                <a:cs typeface="Arial" panose="020B0604020202020204" pitchFamily="34" charset="0"/>
-              </a:rPr>
-              <a:t>Dead</a:t>
-            </a:r>
-          </a:p>
-        </p:txBody>
-      </p:sp>
-      <p:sp>
-        <p:nvSpPr>
-          <p:cNvPr id="13321" name="Oval 8"/>
-          <p:cNvSpPr>
-            <a:spLocks noChangeArrowheads="1"/>
-          </p:cNvSpPr>
-          <p:nvPr/>
-        </p:nvSpPr>
-        <p:spPr bwMode="auto">
-          <a:xfrm>
-            <a:off x="4471988" y="2643188"/>
-            <a:ext cx="1462087" cy="639762"/>
-          </a:xfrm>
-          <a:prstGeom prst="ellipse">
-            <a:avLst/>
-          </a:prstGeom>
-          <a:noFill/>
-          <a:ln w="25400">
-            <a:solidFill>
-              <a:schemeClr val="tx1"/>
-            </a:solidFill>
-            <a:round/>
-            <a:headEnd/>
-            <a:tailEnd/>
-          </a:ln>
-          <a:extLst>
-            <a:ext uri="{909E8E84-426E-40dd-AFC4-6F175D3DCCD1}">
-              <a14:hiddenFill xmlns="" xmlns:a14="http://schemas.microsoft.com/office/drawing/2010/main">
-                <a:solidFill>
-                  <a:srgbClr val="FFFFFF"/>
-                </a:solidFill>
-              </a14:hiddenFill>
-            </a:ext>
-          </a:extLst>
-        </p:spPr>
-        <p:txBody>
-          <a:bodyPr wrap="none" lIns="82550" tIns="41275" rIns="82550" bIns="41275" anchor="ctr"/>
-          <a:lstStyle>
-            <a:lvl1pPr defTabSz="739775" eaLnBrk="0" hangingPunct="0">
-              <a:defRPr sz="2400">
-                <a:solidFill>
-                  <a:schemeClr val="tx1"/>
-                </a:solidFill>
-                <a:latin typeface="Times New Roman" panose="02020603050405020304" pitchFamily="18" charset="0"/>
-              </a:defRPr>
-            </a:lvl1pPr>
-            <a:lvl2pPr marL="742950" indent="-285750" defTabSz="739775" eaLnBrk="0" hangingPunct="0">
-              <a:defRPr sz="2400">
-                <a:solidFill>
-                  <a:schemeClr val="tx1"/>
-                </a:solidFill>
-                <a:latin typeface="Times New Roman" panose="02020603050405020304" pitchFamily="18" charset="0"/>
-              </a:defRPr>
-            </a:lvl2pPr>
-            <a:lvl3pPr marL="1143000" indent="-228600" defTabSz="739775" eaLnBrk="0" hangingPunct="0">
-              <a:defRPr sz="2400">
-                <a:solidFill>
-                  <a:schemeClr val="tx1"/>
-                </a:solidFill>
-                <a:latin typeface="Times New Roman" panose="02020603050405020304" pitchFamily="18" charset="0"/>
-              </a:defRPr>
-            </a:lvl3pPr>
-            <a:lvl4pPr marL="1600200" indent="-228600" defTabSz="739775" eaLnBrk="0" hangingPunct="0">
-              <a:defRPr sz="2400">
-                <a:solidFill>
-                  <a:schemeClr val="tx1"/>
-                </a:solidFill>
-                <a:latin typeface="Times New Roman" panose="02020603050405020304" pitchFamily="18" charset="0"/>
-              </a:defRPr>
-            </a:lvl4pPr>
-            <a:lvl5pPr marL="2057400" indent="-228600" defTabSz="739775" eaLnBrk="0" hangingPunct="0">
-              <a:defRPr sz="2400">
-                <a:solidFill>
-                  <a:schemeClr val="tx1"/>
-                </a:solidFill>
-                <a:latin typeface="Times New Roman" panose="02020603050405020304" pitchFamily="18" charset="0"/>
-              </a:defRPr>
-            </a:lvl5pPr>
-            <a:lvl6pPr marL="2514600" indent="-228600" defTabSz="739775" eaLnBrk="0" fontAlgn="base" hangingPunct="0">
-              <a:spcBef>
-                <a:spcPct val="0"/>
-              </a:spcBef>
-              <a:spcAft>
-                <a:spcPct val="0"/>
-              </a:spcAft>
-              <a:defRPr sz="2400">
-                <a:solidFill>
-                  <a:schemeClr val="tx1"/>
-                </a:solidFill>
-                <a:latin typeface="Times New Roman" panose="02020603050405020304" pitchFamily="18" charset="0"/>
-              </a:defRPr>
-            </a:lvl6pPr>
-            <a:lvl7pPr marL="2971800" indent="-228600" defTabSz="739775" eaLnBrk="0" fontAlgn="base" hangingPunct="0">
-              <a:spcBef>
-                <a:spcPct val="0"/>
-              </a:spcBef>
-              <a:spcAft>
-                <a:spcPct val="0"/>
-              </a:spcAft>
-              <a:defRPr sz="2400">
-                <a:solidFill>
-                  <a:schemeClr val="tx1"/>
-                </a:solidFill>
-                <a:latin typeface="Times New Roman" panose="02020603050405020304" pitchFamily="18" charset="0"/>
-              </a:defRPr>
-            </a:lvl7pPr>
-            <a:lvl8pPr marL="3429000" indent="-228600" defTabSz="739775" eaLnBrk="0" fontAlgn="base" hangingPunct="0">
-              <a:spcBef>
-                <a:spcPct val="0"/>
-              </a:spcBef>
-              <a:spcAft>
-                <a:spcPct val="0"/>
-              </a:spcAft>
-              <a:defRPr sz="2400">
-                <a:solidFill>
-                  <a:schemeClr val="tx1"/>
-                </a:solidFill>
-                <a:latin typeface="Times New Roman" panose="02020603050405020304" pitchFamily="18" charset="0"/>
-              </a:defRPr>
-            </a:lvl8pPr>
-            <a:lvl9pPr marL="3886200" indent="-228600" defTabSz="739775" eaLnBrk="0" fontAlgn="base" hangingPunct="0">
-              <a:spcBef>
-                <a:spcPct val="0"/>
-              </a:spcBef>
-              <a:spcAft>
-                <a:spcPct val="0"/>
-              </a:spcAft>
-              <a:defRPr sz="2400">
-                <a:solidFill>
-                  <a:schemeClr val="tx1"/>
-                </a:solidFill>
-                <a:latin typeface="Times New Roman" panose="02020603050405020304" pitchFamily="18" charset="0"/>
-              </a:defRPr>
-            </a:lvl9pPr>
-          </a:lstStyle>
-          <a:p>
-            <a:pPr algn="ctr"/>
-            <a:r>
-              <a:rPr lang="en-US" sz="3200">
-                <a:latin typeface="Arial" panose="020B0604020202020204" pitchFamily="34" charset="0"/>
-                <a:cs typeface="Arial" panose="020B0604020202020204" pitchFamily="34" charset="0"/>
-              </a:rPr>
-              <a:t>Recur</a:t>
-            </a:r>
-          </a:p>
-        </p:txBody>
-      </p:sp>
-      <p:sp>
-        <p:nvSpPr>
-          <p:cNvPr id="13322" name="Oval 9"/>
-          <p:cNvSpPr>
-            <a:spLocks noChangeArrowheads="1"/>
-          </p:cNvSpPr>
-          <p:nvPr/>
-        </p:nvSpPr>
-        <p:spPr bwMode="auto">
-          <a:xfrm>
-            <a:off x="2338388" y="3862388"/>
-            <a:ext cx="1462087" cy="639762"/>
-          </a:xfrm>
-          <a:prstGeom prst="ellipse">
-            <a:avLst/>
-          </a:prstGeom>
-          <a:noFill/>
-          <a:ln w="25400">
-            <a:solidFill>
-              <a:schemeClr val="tx1"/>
-            </a:solidFill>
-            <a:round/>
-            <a:headEnd/>
-            <a:tailEnd/>
-          </a:ln>
-          <a:extLst>
-            <a:ext uri="{909E8E84-426E-40dd-AFC4-6F175D3DCCD1}">
-              <a14:hiddenFill xmlns="" xmlns:a14="http://schemas.microsoft.com/office/drawing/2010/main">
-                <a:solidFill>
-                  <a:srgbClr val="FFFFFF"/>
-                </a:solidFill>
-              </a14:hiddenFill>
-            </a:ext>
-          </a:extLst>
-        </p:spPr>
-        <p:txBody>
-          <a:bodyPr wrap="none" lIns="82550" tIns="41275" rIns="82550" bIns="41275" anchor="ctr"/>
-          <a:lstStyle>
-            <a:lvl1pPr defTabSz="739775" eaLnBrk="0" hangingPunct="0">
-              <a:defRPr sz="2400">
-                <a:solidFill>
-                  <a:schemeClr val="tx1"/>
-                </a:solidFill>
-                <a:latin typeface="Times New Roman" panose="02020603050405020304" pitchFamily="18" charset="0"/>
-              </a:defRPr>
-            </a:lvl1pPr>
-            <a:lvl2pPr marL="742950" indent="-285750" defTabSz="739775" eaLnBrk="0" hangingPunct="0">
-              <a:defRPr sz="2400">
-                <a:solidFill>
-                  <a:schemeClr val="tx1"/>
-                </a:solidFill>
-                <a:latin typeface="Times New Roman" panose="02020603050405020304" pitchFamily="18" charset="0"/>
-              </a:defRPr>
-            </a:lvl2pPr>
-            <a:lvl3pPr marL="1143000" indent="-228600" defTabSz="739775" eaLnBrk="0" hangingPunct="0">
-              <a:defRPr sz="2400">
-                <a:solidFill>
-                  <a:schemeClr val="tx1"/>
-                </a:solidFill>
-                <a:latin typeface="Times New Roman" panose="02020603050405020304" pitchFamily="18" charset="0"/>
-              </a:defRPr>
-            </a:lvl3pPr>
-            <a:lvl4pPr marL="1600200" indent="-228600" defTabSz="739775" eaLnBrk="0" hangingPunct="0">
-              <a:defRPr sz="2400">
-                <a:solidFill>
-                  <a:schemeClr val="tx1"/>
-                </a:solidFill>
-                <a:latin typeface="Times New Roman" panose="02020603050405020304" pitchFamily="18" charset="0"/>
-              </a:defRPr>
-            </a:lvl4pPr>
-            <a:lvl5pPr marL="2057400" indent="-228600" defTabSz="739775" eaLnBrk="0" hangingPunct="0">
-              <a:defRPr sz="2400">
-                <a:solidFill>
-                  <a:schemeClr val="tx1"/>
-                </a:solidFill>
-                <a:latin typeface="Times New Roman" panose="02020603050405020304" pitchFamily="18" charset="0"/>
-              </a:defRPr>
-            </a:lvl5pPr>
-            <a:lvl6pPr marL="2514600" indent="-228600" defTabSz="739775" eaLnBrk="0" fontAlgn="base" hangingPunct="0">
-              <a:spcBef>
-                <a:spcPct val="0"/>
-              </a:spcBef>
-              <a:spcAft>
-                <a:spcPct val="0"/>
-              </a:spcAft>
-              <a:defRPr sz="2400">
-                <a:solidFill>
-                  <a:schemeClr val="tx1"/>
-                </a:solidFill>
-                <a:latin typeface="Times New Roman" panose="02020603050405020304" pitchFamily="18" charset="0"/>
-              </a:defRPr>
-            </a:lvl6pPr>
-            <a:lvl7pPr marL="2971800" indent="-228600" defTabSz="739775" eaLnBrk="0" fontAlgn="base" hangingPunct="0">
-              <a:spcBef>
-                <a:spcPct val="0"/>
-              </a:spcBef>
-              <a:spcAft>
-                <a:spcPct val="0"/>
-              </a:spcAft>
-              <a:defRPr sz="2400">
-                <a:solidFill>
-                  <a:schemeClr val="tx1"/>
-                </a:solidFill>
-                <a:latin typeface="Times New Roman" panose="02020603050405020304" pitchFamily="18" charset="0"/>
-              </a:defRPr>
-            </a:lvl7pPr>
-            <a:lvl8pPr marL="3429000" indent="-228600" defTabSz="739775" eaLnBrk="0" fontAlgn="base" hangingPunct="0">
-              <a:spcBef>
-                <a:spcPct val="0"/>
-              </a:spcBef>
-              <a:spcAft>
-                <a:spcPct val="0"/>
-              </a:spcAft>
-              <a:defRPr sz="2400">
-                <a:solidFill>
-                  <a:schemeClr val="tx1"/>
-                </a:solidFill>
-                <a:latin typeface="Times New Roman" panose="02020603050405020304" pitchFamily="18" charset="0"/>
-              </a:defRPr>
-            </a:lvl8pPr>
-            <a:lvl9pPr marL="3886200" indent="-228600" defTabSz="739775" eaLnBrk="0" fontAlgn="base" hangingPunct="0">
-              <a:spcBef>
-                <a:spcPct val="0"/>
-              </a:spcBef>
-              <a:spcAft>
-                <a:spcPct val="0"/>
-              </a:spcAft>
-              <a:defRPr sz="2400">
-                <a:solidFill>
-                  <a:schemeClr val="tx1"/>
-                </a:solidFill>
-                <a:latin typeface="Times New Roman" panose="02020603050405020304" pitchFamily="18" charset="0"/>
-              </a:defRPr>
-            </a:lvl9pPr>
-          </a:lstStyle>
-          <a:p>
-            <a:pPr algn="ctr"/>
-            <a:r>
-              <a:rPr lang="en-US" sz="3200">
-                <a:latin typeface="Arial" panose="020B0604020202020204" pitchFamily="34" charset="0"/>
-                <a:cs typeface="Arial" panose="020B0604020202020204" pitchFamily="34" charset="0"/>
-              </a:rPr>
-              <a:t>Well</a:t>
-            </a:r>
-          </a:p>
-        </p:txBody>
-      </p:sp>
-      <p:sp>
-        <p:nvSpPr>
-          <p:cNvPr id="13323" name="Oval 10"/>
-          <p:cNvSpPr>
-            <a:spLocks noChangeArrowheads="1"/>
-          </p:cNvSpPr>
-          <p:nvPr/>
-        </p:nvSpPr>
-        <p:spPr bwMode="auto">
-          <a:xfrm>
-            <a:off x="6684963" y="3786188"/>
-            <a:ext cx="1462087" cy="639762"/>
-          </a:xfrm>
-          <a:prstGeom prst="ellipse">
-            <a:avLst/>
-          </a:prstGeom>
-          <a:noFill/>
-          <a:ln w="25400">
-            <a:solidFill>
-              <a:schemeClr val="tx1"/>
-            </a:solidFill>
-            <a:round/>
-            <a:headEnd/>
-            <a:tailEnd/>
-          </a:ln>
-          <a:extLst>
-            <a:ext uri="{909E8E84-426E-40dd-AFC4-6F175D3DCCD1}">
-              <a14:hiddenFill xmlns="" xmlns:a14="http://schemas.microsoft.com/office/drawing/2010/main">
-                <a:solidFill>
-                  <a:srgbClr val="FFFFFF"/>
-                </a:solidFill>
-              </a14:hiddenFill>
-            </a:ext>
-          </a:extLst>
-        </p:spPr>
-        <p:txBody>
-          <a:bodyPr wrap="none" lIns="82550" tIns="41275" rIns="82550" bIns="41275" anchor="ctr"/>
-          <a:lstStyle>
-            <a:lvl1pPr defTabSz="739775" eaLnBrk="0" hangingPunct="0">
-              <a:defRPr sz="2400">
-                <a:solidFill>
-                  <a:schemeClr val="tx1"/>
-                </a:solidFill>
-                <a:latin typeface="Times New Roman" panose="02020603050405020304" pitchFamily="18" charset="0"/>
-              </a:defRPr>
-            </a:lvl1pPr>
-            <a:lvl2pPr marL="742950" indent="-285750" defTabSz="739775" eaLnBrk="0" hangingPunct="0">
-              <a:defRPr sz="2400">
-                <a:solidFill>
-                  <a:schemeClr val="tx1"/>
-                </a:solidFill>
-                <a:latin typeface="Times New Roman" panose="02020603050405020304" pitchFamily="18" charset="0"/>
-              </a:defRPr>
-            </a:lvl2pPr>
-            <a:lvl3pPr marL="1143000" indent="-228600" defTabSz="739775" eaLnBrk="0" hangingPunct="0">
-              <a:defRPr sz="2400">
-                <a:solidFill>
-                  <a:schemeClr val="tx1"/>
-                </a:solidFill>
-                <a:latin typeface="Times New Roman" panose="02020603050405020304" pitchFamily="18" charset="0"/>
-              </a:defRPr>
-            </a:lvl3pPr>
-            <a:lvl4pPr marL="1600200" indent="-228600" defTabSz="739775" eaLnBrk="0" hangingPunct="0">
-              <a:defRPr sz="2400">
-                <a:solidFill>
-                  <a:schemeClr val="tx1"/>
-                </a:solidFill>
-                <a:latin typeface="Times New Roman" panose="02020603050405020304" pitchFamily="18" charset="0"/>
-              </a:defRPr>
-            </a:lvl4pPr>
-            <a:lvl5pPr marL="2057400" indent="-228600" defTabSz="739775" eaLnBrk="0" hangingPunct="0">
-              <a:defRPr sz="2400">
-                <a:solidFill>
-                  <a:schemeClr val="tx1"/>
-                </a:solidFill>
-                <a:latin typeface="Times New Roman" panose="02020603050405020304" pitchFamily="18" charset="0"/>
-              </a:defRPr>
-            </a:lvl5pPr>
-            <a:lvl6pPr marL="2514600" indent="-228600" defTabSz="739775" eaLnBrk="0" fontAlgn="base" hangingPunct="0">
-              <a:spcBef>
-                <a:spcPct val="0"/>
-              </a:spcBef>
-              <a:spcAft>
-                <a:spcPct val="0"/>
-              </a:spcAft>
-              <a:defRPr sz="2400">
-                <a:solidFill>
-                  <a:schemeClr val="tx1"/>
-                </a:solidFill>
-                <a:latin typeface="Times New Roman" panose="02020603050405020304" pitchFamily="18" charset="0"/>
-              </a:defRPr>
-            </a:lvl6pPr>
-            <a:lvl7pPr marL="2971800" indent="-228600" defTabSz="739775" eaLnBrk="0" fontAlgn="base" hangingPunct="0">
-              <a:spcBef>
-                <a:spcPct val="0"/>
-              </a:spcBef>
-              <a:spcAft>
-                <a:spcPct val="0"/>
-              </a:spcAft>
-              <a:defRPr sz="2400">
-                <a:solidFill>
-                  <a:schemeClr val="tx1"/>
-                </a:solidFill>
-                <a:latin typeface="Times New Roman" panose="02020603050405020304" pitchFamily="18" charset="0"/>
-              </a:defRPr>
-            </a:lvl7pPr>
-            <a:lvl8pPr marL="3429000" indent="-228600" defTabSz="739775" eaLnBrk="0" fontAlgn="base" hangingPunct="0">
-              <a:spcBef>
-                <a:spcPct val="0"/>
-              </a:spcBef>
-              <a:spcAft>
-                <a:spcPct val="0"/>
-              </a:spcAft>
-              <a:defRPr sz="2400">
-                <a:solidFill>
-                  <a:schemeClr val="tx1"/>
-                </a:solidFill>
-                <a:latin typeface="Times New Roman" panose="02020603050405020304" pitchFamily="18" charset="0"/>
-              </a:defRPr>
-            </a:lvl8pPr>
-            <a:lvl9pPr marL="3886200" indent="-228600" defTabSz="739775" eaLnBrk="0" fontAlgn="base" hangingPunct="0">
-              <a:spcBef>
-                <a:spcPct val="0"/>
-              </a:spcBef>
-              <a:spcAft>
-                <a:spcPct val="0"/>
-              </a:spcAft>
-              <a:defRPr sz="2400">
-                <a:solidFill>
-                  <a:schemeClr val="tx1"/>
-                </a:solidFill>
-                <a:latin typeface="Times New Roman" panose="02020603050405020304" pitchFamily="18" charset="0"/>
-              </a:defRPr>
-            </a:lvl9pPr>
-          </a:lstStyle>
-          <a:p>
-            <a:pPr algn="ctr"/>
-            <a:r>
-              <a:rPr lang="en-US" sz="3200">
-                <a:latin typeface="Arial" panose="020B0604020202020204" pitchFamily="34" charset="0"/>
-                <a:cs typeface="Arial" panose="020B0604020202020204" pitchFamily="34" charset="0"/>
-              </a:rPr>
-              <a:t>Dead</a:t>
-            </a:r>
-          </a:p>
-        </p:txBody>
-      </p:sp>
-      <p:sp>
-        <p:nvSpPr>
-          <p:cNvPr id="13324" name="Oval 11"/>
-          <p:cNvSpPr>
-            <a:spLocks noChangeArrowheads="1"/>
-          </p:cNvSpPr>
-          <p:nvPr/>
-        </p:nvSpPr>
-        <p:spPr bwMode="auto">
-          <a:xfrm>
-            <a:off x="4548188" y="3786188"/>
-            <a:ext cx="1462087" cy="639762"/>
-          </a:xfrm>
-          <a:prstGeom prst="ellipse">
-            <a:avLst/>
-          </a:prstGeom>
-          <a:noFill/>
-          <a:ln w="25400">
-            <a:solidFill>
-              <a:schemeClr val="tx1"/>
-            </a:solidFill>
-            <a:round/>
-            <a:headEnd/>
-            <a:tailEnd/>
-          </a:ln>
-          <a:extLst>
-            <a:ext uri="{909E8E84-426E-40dd-AFC4-6F175D3DCCD1}">
-              <a14:hiddenFill xmlns="" xmlns:a14="http://schemas.microsoft.com/office/drawing/2010/main">
-                <a:solidFill>
-                  <a:srgbClr val="FFFFFF"/>
-                </a:solidFill>
-              </a14:hiddenFill>
-            </a:ext>
-          </a:extLst>
-        </p:spPr>
-        <p:txBody>
-          <a:bodyPr wrap="none" lIns="82550" tIns="41275" rIns="82550" bIns="41275" anchor="ctr"/>
-          <a:lstStyle>
-            <a:lvl1pPr defTabSz="739775" eaLnBrk="0" hangingPunct="0">
-              <a:defRPr sz="2400">
-                <a:solidFill>
-                  <a:schemeClr val="tx1"/>
-                </a:solidFill>
-                <a:latin typeface="Times New Roman" panose="02020603050405020304" pitchFamily="18" charset="0"/>
-              </a:defRPr>
-            </a:lvl1pPr>
-            <a:lvl2pPr marL="742950" indent="-285750" defTabSz="739775" eaLnBrk="0" hangingPunct="0">
-              <a:defRPr sz="2400">
-                <a:solidFill>
-                  <a:schemeClr val="tx1"/>
-                </a:solidFill>
-                <a:latin typeface="Times New Roman" panose="02020603050405020304" pitchFamily="18" charset="0"/>
-              </a:defRPr>
-            </a:lvl2pPr>
-            <a:lvl3pPr marL="1143000" indent="-228600" defTabSz="739775" eaLnBrk="0" hangingPunct="0">
-              <a:defRPr sz="2400">
-                <a:solidFill>
-                  <a:schemeClr val="tx1"/>
-                </a:solidFill>
-                <a:latin typeface="Times New Roman" panose="02020603050405020304" pitchFamily="18" charset="0"/>
-              </a:defRPr>
-            </a:lvl3pPr>
-            <a:lvl4pPr marL="1600200" indent="-228600" defTabSz="739775" eaLnBrk="0" hangingPunct="0">
-              <a:defRPr sz="2400">
-                <a:solidFill>
-                  <a:schemeClr val="tx1"/>
-                </a:solidFill>
-                <a:latin typeface="Times New Roman" panose="02020603050405020304" pitchFamily="18" charset="0"/>
-              </a:defRPr>
-            </a:lvl4pPr>
-            <a:lvl5pPr marL="2057400" indent="-228600" defTabSz="739775" eaLnBrk="0" hangingPunct="0">
-              <a:defRPr sz="2400">
-                <a:solidFill>
-                  <a:schemeClr val="tx1"/>
-                </a:solidFill>
-                <a:latin typeface="Times New Roman" panose="02020603050405020304" pitchFamily="18" charset="0"/>
-              </a:defRPr>
-            </a:lvl5pPr>
-            <a:lvl6pPr marL="2514600" indent="-228600" defTabSz="739775" eaLnBrk="0" fontAlgn="base" hangingPunct="0">
-              <a:spcBef>
-                <a:spcPct val="0"/>
-              </a:spcBef>
-              <a:spcAft>
-                <a:spcPct val="0"/>
-              </a:spcAft>
-              <a:defRPr sz="2400">
-                <a:solidFill>
-                  <a:schemeClr val="tx1"/>
-                </a:solidFill>
-                <a:latin typeface="Times New Roman" panose="02020603050405020304" pitchFamily="18" charset="0"/>
-              </a:defRPr>
-            </a:lvl6pPr>
-            <a:lvl7pPr marL="2971800" indent="-228600" defTabSz="739775" eaLnBrk="0" fontAlgn="base" hangingPunct="0">
-              <a:spcBef>
-                <a:spcPct val="0"/>
-              </a:spcBef>
-              <a:spcAft>
-                <a:spcPct val="0"/>
-              </a:spcAft>
-              <a:defRPr sz="2400">
-                <a:solidFill>
-                  <a:schemeClr val="tx1"/>
-                </a:solidFill>
-                <a:latin typeface="Times New Roman" panose="02020603050405020304" pitchFamily="18" charset="0"/>
-              </a:defRPr>
-            </a:lvl7pPr>
-            <a:lvl8pPr marL="3429000" indent="-228600" defTabSz="739775" eaLnBrk="0" fontAlgn="base" hangingPunct="0">
-              <a:spcBef>
-                <a:spcPct val="0"/>
-              </a:spcBef>
-              <a:spcAft>
-                <a:spcPct val="0"/>
-              </a:spcAft>
-              <a:defRPr sz="2400">
-                <a:solidFill>
-                  <a:schemeClr val="tx1"/>
-                </a:solidFill>
-                <a:latin typeface="Times New Roman" panose="02020603050405020304" pitchFamily="18" charset="0"/>
-              </a:defRPr>
-            </a:lvl8pPr>
-            <a:lvl9pPr marL="3886200" indent="-228600" defTabSz="739775" eaLnBrk="0" fontAlgn="base" hangingPunct="0">
-              <a:spcBef>
-                <a:spcPct val="0"/>
-              </a:spcBef>
-              <a:spcAft>
-                <a:spcPct val="0"/>
-              </a:spcAft>
-              <a:defRPr sz="2400">
-                <a:solidFill>
-                  <a:schemeClr val="tx1"/>
-                </a:solidFill>
-                <a:latin typeface="Times New Roman" panose="02020603050405020304" pitchFamily="18" charset="0"/>
-              </a:defRPr>
-            </a:lvl9pPr>
-          </a:lstStyle>
-          <a:p>
-            <a:pPr algn="ctr"/>
-            <a:r>
-              <a:rPr lang="en-US" altLang="ug-CN" sz="3200">
-                <a:latin typeface="Arial" panose="020B0604020202020204" pitchFamily="34" charset="0"/>
-                <a:cs typeface="Arial" panose="020B0604020202020204" pitchFamily="34" charset="0"/>
-              </a:rPr>
-              <a:t>R</a:t>
-            </a:r>
-            <a:r>
-              <a:rPr lang="en-US" sz="3200">
-                <a:latin typeface="Arial" panose="020B0604020202020204" pitchFamily="34" charset="0"/>
-                <a:cs typeface="Arial" panose="020B0604020202020204" pitchFamily="34" charset="0"/>
-              </a:rPr>
-              <a:t>ecur</a:t>
-            </a:r>
-          </a:p>
-        </p:txBody>
-      </p:sp>
-      <p:sp>
-        <p:nvSpPr>
-          <p:cNvPr id="13325" name="Line 12"/>
-          <p:cNvSpPr>
-            <a:spLocks noChangeShapeType="1"/>
-          </p:cNvSpPr>
-          <p:nvPr/>
-        </p:nvSpPr>
-        <p:spPr bwMode="auto">
-          <a:xfrm>
-            <a:off x="1219200" y="1447800"/>
-            <a:ext cx="990600" cy="228600"/>
-          </a:xfrm>
-          <a:prstGeom prst="line">
-            <a:avLst/>
-          </a:prstGeom>
-          <a:noFill/>
-          <a:ln w="19050">
-            <a:solidFill>
-              <a:schemeClr val="tx1"/>
-            </a:solidFill>
-            <a:round/>
-            <a:headEnd type="none" w="sm" len="sm"/>
-            <a:tailEnd type="stealth" w="med" len="lg"/>
-          </a:ln>
-          <a:extLst>
-            <a:ext uri="{909E8E84-426E-40dd-AFC4-6F175D3DCCD1}">
-              <a14:hiddenFill xmlns="" xmlns:a14="http://schemas.microsoft.com/office/drawing/2010/main">
-                <a:noFill/>
-              </a14:hiddenFill>
-            </a:ext>
-          </a:extLst>
-        </p:spPr>
-        <p:txBody>
-          <a:bodyPr wrap="none" anchor="ctr"/>
-          <a:lstStyle/>
-          <a:p>
-            <a:endParaRPr lang="en-US"/>
-          </a:p>
-        </p:txBody>
-      </p:sp>
-      <p:grpSp>
-        <p:nvGrpSpPr>
-          <p:cNvPr id="13326" name="Group 13"/>
-          <p:cNvGrpSpPr>
-            <a:grpSpLocks/>
-          </p:cNvGrpSpPr>
-          <p:nvPr/>
-        </p:nvGrpSpPr>
-        <p:grpSpPr bwMode="auto">
-          <a:xfrm>
-            <a:off x="685800" y="914400"/>
-            <a:ext cx="466725" cy="927100"/>
-            <a:chOff x="621" y="2496"/>
-            <a:chExt cx="294" cy="584"/>
-          </a:xfrm>
-        </p:grpSpPr>
-        <p:sp>
-          <p:nvSpPr>
-            <p:cNvPr id="13332" name="Oval 14"/>
-            <p:cNvSpPr>
-              <a:spLocks noChangeArrowheads="1"/>
-            </p:cNvSpPr>
-            <p:nvPr/>
-          </p:nvSpPr>
-          <p:spPr bwMode="auto">
-            <a:xfrm>
-              <a:off x="672" y="2496"/>
-              <a:ext cx="202" cy="202"/>
-            </a:xfrm>
-            <a:prstGeom prst="ellipse">
-              <a:avLst/>
-            </a:prstGeom>
-            <a:noFill/>
-            <a:ln w="19050">
-              <a:solidFill>
-                <a:schemeClr val="tx1"/>
-              </a:solidFill>
-              <a:round/>
-              <a:headEnd/>
-              <a:tailEnd/>
-            </a:ln>
-            <a:extLst>
-              <a:ext uri="{909E8E84-426E-40dd-AFC4-6F175D3DCCD1}">
-                <a14:hiddenFill xmlns="" xmlns:a14="http://schemas.microsoft.com/office/drawing/2010/main">
-                  <a:solidFill>
-                    <a:srgbClr val="FFFFFF"/>
-                  </a:solidFill>
-                </a14:hiddenFill>
-              </a:ext>
-            </a:extLst>
-          </p:spPr>
-          <p:txBody>
-            <a:bodyPr wrap="none" anchor="ctr"/>
-            <a:lstStyle>
-              <a:lvl1pPr eaLnBrk="0" hangingPunct="0">
-                <a:defRPr sz="2400">
-                  <a:solidFill>
-                    <a:schemeClr val="tx1"/>
-                  </a:solidFill>
-                  <a:latin typeface="Times New Roman" panose="02020603050405020304" pitchFamily="18" charset="0"/>
-                </a:defRPr>
-              </a:lvl1pPr>
-              <a:lvl2pPr marL="742950" indent="-285750" eaLnBrk="0" hangingPunct="0">
-                <a:defRPr sz="2400">
-                  <a:solidFill>
-                    <a:schemeClr val="tx1"/>
-                  </a:solidFill>
-                  <a:latin typeface="Times New Roman" panose="02020603050405020304" pitchFamily="18" charset="0"/>
-                </a:defRPr>
-              </a:lvl2pPr>
-              <a:lvl3pPr marL="1143000" indent="-228600" eaLnBrk="0" hangingPunct="0">
-                <a:defRPr sz="2400">
-                  <a:solidFill>
-                    <a:schemeClr val="tx1"/>
-                  </a:solidFill>
-                  <a:latin typeface="Times New Roman" panose="02020603050405020304" pitchFamily="18" charset="0"/>
-                </a:defRPr>
-              </a:lvl3pPr>
-              <a:lvl4pPr marL="1600200" indent="-228600" eaLnBrk="0" hangingPunct="0">
-                <a:defRPr sz="2400">
-                  <a:solidFill>
-                    <a:schemeClr val="tx1"/>
-                  </a:solidFill>
-                  <a:latin typeface="Times New Roman" panose="02020603050405020304" pitchFamily="18" charset="0"/>
-                </a:defRPr>
-              </a:lvl4pPr>
-              <a:lvl5pPr marL="2057400" indent="-228600" eaLnBrk="0" hangingPunct="0">
-                <a:defRPr sz="2400">
-                  <a:solidFill>
-                    <a:schemeClr val="tx1"/>
-                  </a:solidFill>
-                  <a:latin typeface="Times New Roman" panose="02020603050405020304" pitchFamily="18" charset="0"/>
-                </a:defRPr>
-              </a:lvl5pPr>
-              <a:lvl6pPr marL="2514600" indent="-228600" eaLnBrk="0" fontAlgn="base" hangingPunct="0">
-                <a:spcBef>
-                  <a:spcPct val="0"/>
-                </a:spcBef>
-                <a:spcAft>
-                  <a:spcPct val="0"/>
-                </a:spcAft>
-                <a:defRPr sz="2400">
-                  <a:solidFill>
-                    <a:schemeClr val="tx1"/>
-                  </a:solidFill>
-                  <a:latin typeface="Times New Roman" panose="02020603050405020304" pitchFamily="18" charset="0"/>
-                </a:defRPr>
-              </a:lvl6pPr>
-              <a:lvl7pPr marL="2971800" indent="-228600" eaLnBrk="0" fontAlgn="base" hangingPunct="0">
-                <a:spcBef>
-                  <a:spcPct val="0"/>
-                </a:spcBef>
-                <a:spcAft>
-                  <a:spcPct val="0"/>
-                </a:spcAft>
-                <a:defRPr sz="2400">
-                  <a:solidFill>
-                    <a:schemeClr val="tx1"/>
-                  </a:solidFill>
-                  <a:latin typeface="Times New Roman" panose="02020603050405020304" pitchFamily="18" charset="0"/>
-                </a:defRPr>
-              </a:lvl7pPr>
-              <a:lvl8pPr marL="3429000" indent="-228600" eaLnBrk="0" fontAlgn="base" hangingPunct="0">
-                <a:spcBef>
-                  <a:spcPct val="0"/>
-                </a:spcBef>
-                <a:spcAft>
-                  <a:spcPct val="0"/>
-                </a:spcAft>
-                <a:defRPr sz="2400">
-                  <a:solidFill>
-                    <a:schemeClr val="tx1"/>
-                  </a:solidFill>
-                  <a:latin typeface="Times New Roman" panose="02020603050405020304" pitchFamily="18" charset="0"/>
-                </a:defRPr>
-              </a:lvl8pPr>
-              <a:lvl9pPr marL="3886200" indent="-228600" eaLnBrk="0" fontAlgn="base" hangingPunct="0">
-                <a:spcBef>
-                  <a:spcPct val="0"/>
-                </a:spcBef>
-                <a:spcAft>
-                  <a:spcPct val="0"/>
-                </a:spcAft>
-                <a:defRPr sz="2400">
-                  <a:solidFill>
-                    <a:schemeClr val="tx1"/>
-                  </a:solidFill>
-                  <a:latin typeface="Times New Roman" panose="02020603050405020304" pitchFamily="18" charset="0"/>
-                </a:defRPr>
-              </a:lvl9pPr>
-            </a:lstStyle>
-            <a:p>
-              <a:pPr eaLnBrk="1" hangingPunct="1"/>
-              <a:endParaRPr lang="en-US">
-                <a:latin typeface="Arial" panose="020B0604020202020204" pitchFamily="34" charset="0"/>
-                <a:cs typeface="Arial" panose="020B0604020202020204" pitchFamily="34" charset="0"/>
-              </a:endParaRPr>
-            </a:p>
-          </p:txBody>
-        </p:sp>
-        <p:sp>
-          <p:nvSpPr>
-            <p:cNvPr id="13333" name="Line 15"/>
-            <p:cNvSpPr>
-              <a:spLocks noChangeShapeType="1"/>
-            </p:cNvSpPr>
-            <p:nvPr/>
-          </p:nvSpPr>
-          <p:spPr bwMode="auto">
-            <a:xfrm>
-              <a:off x="771" y="2700"/>
-              <a:ext cx="0" cy="240"/>
-            </a:xfrm>
-            <a:prstGeom prst="line">
-              <a:avLst/>
-            </a:prstGeom>
-            <a:noFill/>
-            <a:ln w="19050">
-              <a:solidFill>
-                <a:schemeClr val="tx1"/>
-              </a:solidFill>
-              <a:round/>
-              <a:headEnd/>
-              <a:tailEnd/>
-            </a:ln>
-            <a:extLst>
-              <a:ext uri="{909E8E84-426E-40dd-AFC4-6F175D3DCCD1}">
-                <a14:hiddenFill xmlns="" xmlns:a14="http://schemas.microsoft.com/office/drawing/2010/main">
-                  <a:noFill/>
-                </a14:hiddenFill>
-              </a:ext>
-            </a:extLst>
-          </p:spPr>
-          <p:txBody>
-            <a:bodyPr/>
-            <a:lstStyle/>
-            <a:p>
-              <a:endParaRPr lang="en-US"/>
-            </a:p>
-          </p:txBody>
-        </p:sp>
-        <p:sp>
-          <p:nvSpPr>
-            <p:cNvPr id="13334" name="Line 16"/>
-            <p:cNvSpPr>
-              <a:spLocks noChangeShapeType="1"/>
-            </p:cNvSpPr>
-            <p:nvPr/>
-          </p:nvSpPr>
-          <p:spPr bwMode="auto">
-            <a:xfrm flipH="1">
-              <a:off x="627" y="2936"/>
-              <a:ext cx="144" cy="144"/>
-            </a:xfrm>
-            <a:prstGeom prst="line">
-              <a:avLst/>
-            </a:prstGeom>
-            <a:noFill/>
-            <a:ln w="19050">
-              <a:solidFill>
-                <a:schemeClr val="tx1"/>
-              </a:solidFill>
-              <a:round/>
-              <a:headEnd/>
-              <a:tailEnd/>
-            </a:ln>
-            <a:extLst>
-              <a:ext uri="{909E8E84-426E-40dd-AFC4-6F175D3DCCD1}">
-                <a14:hiddenFill xmlns="" xmlns:a14="http://schemas.microsoft.com/office/drawing/2010/main">
-                  <a:noFill/>
-                </a14:hiddenFill>
-              </a:ext>
-            </a:extLst>
-          </p:spPr>
-          <p:txBody>
-            <a:bodyPr/>
-            <a:lstStyle/>
-            <a:p>
-              <a:endParaRPr lang="en-US"/>
-            </a:p>
-          </p:txBody>
-        </p:sp>
-        <p:sp>
-          <p:nvSpPr>
-            <p:cNvPr id="13335" name="Line 17"/>
-            <p:cNvSpPr>
-              <a:spLocks noChangeShapeType="1"/>
-            </p:cNvSpPr>
-            <p:nvPr/>
-          </p:nvSpPr>
-          <p:spPr bwMode="auto">
-            <a:xfrm flipH="1" flipV="1">
-              <a:off x="621" y="2706"/>
-              <a:ext cx="144" cy="96"/>
-            </a:xfrm>
-            <a:prstGeom prst="line">
-              <a:avLst/>
-            </a:prstGeom>
-            <a:noFill/>
-            <a:ln w="19050">
-              <a:solidFill>
-                <a:schemeClr val="tx1"/>
-              </a:solidFill>
-              <a:round/>
-              <a:headEnd/>
-              <a:tailEnd/>
-            </a:ln>
-            <a:extLst>
-              <a:ext uri="{909E8E84-426E-40dd-AFC4-6F175D3DCCD1}">
-                <a14:hiddenFill xmlns="" xmlns:a14="http://schemas.microsoft.com/office/drawing/2010/main">
-                  <a:noFill/>
-                </a14:hiddenFill>
-              </a:ext>
-            </a:extLst>
-          </p:spPr>
-          <p:txBody>
-            <a:bodyPr/>
-            <a:lstStyle/>
-            <a:p>
-              <a:endParaRPr lang="en-US"/>
-            </a:p>
-          </p:txBody>
-        </p:sp>
-        <p:sp>
-          <p:nvSpPr>
-            <p:cNvPr id="13336" name="Line 18"/>
-            <p:cNvSpPr>
-              <a:spLocks noChangeShapeType="1"/>
-            </p:cNvSpPr>
-            <p:nvPr/>
-          </p:nvSpPr>
-          <p:spPr bwMode="auto">
-            <a:xfrm flipV="1">
-              <a:off x="771" y="2706"/>
-              <a:ext cx="144" cy="96"/>
-            </a:xfrm>
-            <a:prstGeom prst="line">
-              <a:avLst/>
-            </a:prstGeom>
-            <a:noFill/>
-            <a:ln w="19050">
-              <a:solidFill>
-                <a:schemeClr val="tx1"/>
-              </a:solidFill>
-              <a:round/>
-              <a:headEnd/>
-              <a:tailEnd/>
-            </a:ln>
-            <a:extLst>
-              <a:ext uri="{909E8E84-426E-40dd-AFC4-6F175D3DCCD1}">
-                <a14:hiddenFill xmlns="" xmlns:a14="http://schemas.microsoft.com/office/drawing/2010/main">
-                  <a:noFill/>
-                </a14:hiddenFill>
-              </a:ext>
-            </a:extLst>
-          </p:spPr>
-          <p:txBody>
-            <a:bodyPr/>
-            <a:lstStyle/>
-            <a:p>
-              <a:endParaRPr lang="en-US"/>
-            </a:p>
-          </p:txBody>
-        </p:sp>
-        <p:sp>
-          <p:nvSpPr>
-            <p:cNvPr id="13337" name="Line 19"/>
-            <p:cNvSpPr>
-              <a:spLocks noChangeShapeType="1"/>
-            </p:cNvSpPr>
-            <p:nvPr/>
-          </p:nvSpPr>
-          <p:spPr bwMode="auto">
-            <a:xfrm>
-              <a:off x="771" y="2936"/>
-              <a:ext cx="144" cy="144"/>
-            </a:xfrm>
-            <a:prstGeom prst="line">
-              <a:avLst/>
-            </a:prstGeom>
-            <a:noFill/>
-            <a:ln w="19050">
-              <a:solidFill>
-                <a:schemeClr val="tx1"/>
-              </a:solidFill>
-              <a:round/>
-              <a:headEnd/>
-              <a:tailEnd/>
-            </a:ln>
-            <a:extLst>
-              <a:ext uri="{909E8E84-426E-40dd-AFC4-6F175D3DCCD1}">
-                <a14:hiddenFill xmlns="" xmlns:a14="http://schemas.microsoft.com/office/drawing/2010/main">
-                  <a:noFill/>
-                </a14:hiddenFill>
-              </a:ext>
-            </a:extLst>
-          </p:spPr>
-          <p:txBody>
-            <a:bodyPr/>
-            <a:lstStyle/>
-            <a:p>
-              <a:endParaRPr lang="en-US"/>
-            </a:p>
-          </p:txBody>
-        </p:sp>
-        <p:sp>
-          <p:nvSpPr>
-            <p:cNvPr id="13338" name="Oval 20"/>
-            <p:cNvSpPr>
-              <a:spLocks noChangeArrowheads="1"/>
-            </p:cNvSpPr>
-            <p:nvPr/>
-          </p:nvSpPr>
-          <p:spPr bwMode="auto">
-            <a:xfrm>
-              <a:off x="720" y="2544"/>
-              <a:ext cx="29" cy="17"/>
-            </a:xfrm>
-            <a:prstGeom prst="ellipse">
-              <a:avLst/>
-            </a:prstGeom>
-            <a:solidFill>
-              <a:schemeClr val="tx1"/>
-            </a:solidFill>
-            <a:ln w="9525">
-              <a:solidFill>
-                <a:schemeClr val="tx1"/>
-              </a:solidFill>
-              <a:round/>
-              <a:headEnd/>
-              <a:tailEnd/>
-            </a:ln>
-          </p:spPr>
-          <p:txBody>
-            <a:bodyPr wrap="none" anchor="ctr"/>
-            <a:lstStyle>
-              <a:lvl1pPr eaLnBrk="0" hangingPunct="0">
-                <a:defRPr sz="2400">
-                  <a:solidFill>
-                    <a:schemeClr val="tx1"/>
-                  </a:solidFill>
-                  <a:latin typeface="Times New Roman" panose="02020603050405020304" pitchFamily="18" charset="0"/>
-                </a:defRPr>
-              </a:lvl1pPr>
-              <a:lvl2pPr marL="742950" indent="-285750" eaLnBrk="0" hangingPunct="0">
-                <a:defRPr sz="2400">
-                  <a:solidFill>
-                    <a:schemeClr val="tx1"/>
-                  </a:solidFill>
-                  <a:latin typeface="Times New Roman" panose="02020603050405020304" pitchFamily="18" charset="0"/>
-                </a:defRPr>
-              </a:lvl2pPr>
-              <a:lvl3pPr marL="1143000" indent="-228600" eaLnBrk="0" hangingPunct="0">
-                <a:defRPr sz="2400">
-                  <a:solidFill>
-                    <a:schemeClr val="tx1"/>
-                  </a:solidFill>
-                  <a:latin typeface="Times New Roman" panose="02020603050405020304" pitchFamily="18" charset="0"/>
-                </a:defRPr>
-              </a:lvl3pPr>
-              <a:lvl4pPr marL="1600200" indent="-228600" eaLnBrk="0" hangingPunct="0">
-                <a:defRPr sz="2400">
-                  <a:solidFill>
-                    <a:schemeClr val="tx1"/>
-                  </a:solidFill>
-                  <a:latin typeface="Times New Roman" panose="02020603050405020304" pitchFamily="18" charset="0"/>
-                </a:defRPr>
-              </a:lvl4pPr>
-              <a:lvl5pPr marL="2057400" indent="-228600" eaLnBrk="0" hangingPunct="0">
-                <a:defRPr sz="2400">
-                  <a:solidFill>
-                    <a:schemeClr val="tx1"/>
-                  </a:solidFill>
-                  <a:latin typeface="Times New Roman" panose="02020603050405020304" pitchFamily="18" charset="0"/>
-                </a:defRPr>
-              </a:lvl5pPr>
-              <a:lvl6pPr marL="2514600" indent="-228600" eaLnBrk="0" fontAlgn="base" hangingPunct="0">
-                <a:spcBef>
-                  <a:spcPct val="0"/>
-                </a:spcBef>
-                <a:spcAft>
-                  <a:spcPct val="0"/>
-                </a:spcAft>
-                <a:defRPr sz="2400">
-                  <a:solidFill>
-                    <a:schemeClr val="tx1"/>
-                  </a:solidFill>
-                  <a:latin typeface="Times New Roman" panose="02020603050405020304" pitchFamily="18" charset="0"/>
-                </a:defRPr>
-              </a:lvl6pPr>
-              <a:lvl7pPr marL="2971800" indent="-228600" eaLnBrk="0" fontAlgn="base" hangingPunct="0">
-                <a:spcBef>
-                  <a:spcPct val="0"/>
-                </a:spcBef>
-                <a:spcAft>
-                  <a:spcPct val="0"/>
-                </a:spcAft>
-                <a:defRPr sz="2400">
-                  <a:solidFill>
-                    <a:schemeClr val="tx1"/>
-                  </a:solidFill>
-                  <a:latin typeface="Times New Roman" panose="02020603050405020304" pitchFamily="18" charset="0"/>
-                </a:defRPr>
-              </a:lvl7pPr>
-              <a:lvl8pPr marL="3429000" indent="-228600" eaLnBrk="0" fontAlgn="base" hangingPunct="0">
-                <a:spcBef>
-                  <a:spcPct val="0"/>
-                </a:spcBef>
-                <a:spcAft>
-                  <a:spcPct val="0"/>
-                </a:spcAft>
-                <a:defRPr sz="2400">
-                  <a:solidFill>
-                    <a:schemeClr val="tx1"/>
-                  </a:solidFill>
-                  <a:latin typeface="Times New Roman" panose="02020603050405020304" pitchFamily="18" charset="0"/>
-                </a:defRPr>
-              </a:lvl8pPr>
-              <a:lvl9pPr marL="3886200" indent="-228600" eaLnBrk="0" fontAlgn="base" hangingPunct="0">
-                <a:spcBef>
-                  <a:spcPct val="0"/>
-                </a:spcBef>
-                <a:spcAft>
-                  <a:spcPct val="0"/>
-                </a:spcAft>
-                <a:defRPr sz="2400">
-                  <a:solidFill>
-                    <a:schemeClr val="tx1"/>
-                  </a:solidFill>
-                  <a:latin typeface="Times New Roman" panose="02020603050405020304" pitchFamily="18" charset="0"/>
-                </a:defRPr>
-              </a:lvl9pPr>
-            </a:lstStyle>
-            <a:p>
-              <a:pPr eaLnBrk="1" hangingPunct="1"/>
-              <a:endParaRPr lang="en-US">
-                <a:latin typeface="Arial" panose="020B0604020202020204" pitchFamily="34" charset="0"/>
-                <a:cs typeface="Arial" panose="020B0604020202020204" pitchFamily="34" charset="0"/>
-              </a:endParaRPr>
-            </a:p>
-          </p:txBody>
-        </p:sp>
-        <p:sp>
-          <p:nvSpPr>
-            <p:cNvPr id="13339" name="Oval 21"/>
-            <p:cNvSpPr>
-              <a:spLocks noChangeArrowheads="1"/>
-            </p:cNvSpPr>
-            <p:nvPr/>
-          </p:nvSpPr>
-          <p:spPr bwMode="auto">
-            <a:xfrm>
-              <a:off x="794" y="2544"/>
-              <a:ext cx="29" cy="17"/>
-            </a:xfrm>
-            <a:prstGeom prst="ellipse">
-              <a:avLst/>
-            </a:prstGeom>
-            <a:solidFill>
-              <a:schemeClr val="tx1"/>
-            </a:solidFill>
-            <a:ln w="9525">
-              <a:solidFill>
-                <a:schemeClr val="tx1"/>
-              </a:solidFill>
-              <a:round/>
-              <a:headEnd/>
-              <a:tailEnd/>
-            </a:ln>
-          </p:spPr>
-          <p:txBody>
-            <a:bodyPr wrap="none" anchor="ctr"/>
-            <a:lstStyle>
-              <a:lvl1pPr eaLnBrk="0" hangingPunct="0">
-                <a:defRPr sz="2400">
-                  <a:solidFill>
-                    <a:schemeClr val="tx1"/>
-                  </a:solidFill>
-                  <a:latin typeface="Times New Roman" panose="02020603050405020304" pitchFamily="18" charset="0"/>
-                </a:defRPr>
-              </a:lvl1pPr>
-              <a:lvl2pPr marL="742950" indent="-285750" eaLnBrk="0" hangingPunct="0">
-                <a:defRPr sz="2400">
-                  <a:solidFill>
-                    <a:schemeClr val="tx1"/>
-                  </a:solidFill>
-                  <a:latin typeface="Times New Roman" panose="02020603050405020304" pitchFamily="18" charset="0"/>
-                </a:defRPr>
-              </a:lvl2pPr>
-              <a:lvl3pPr marL="1143000" indent="-228600" eaLnBrk="0" hangingPunct="0">
-                <a:defRPr sz="2400">
-                  <a:solidFill>
-                    <a:schemeClr val="tx1"/>
-                  </a:solidFill>
-                  <a:latin typeface="Times New Roman" panose="02020603050405020304" pitchFamily="18" charset="0"/>
-                </a:defRPr>
-              </a:lvl3pPr>
-              <a:lvl4pPr marL="1600200" indent="-228600" eaLnBrk="0" hangingPunct="0">
-                <a:defRPr sz="2400">
-                  <a:solidFill>
-                    <a:schemeClr val="tx1"/>
-                  </a:solidFill>
-                  <a:latin typeface="Times New Roman" panose="02020603050405020304" pitchFamily="18" charset="0"/>
-                </a:defRPr>
-              </a:lvl4pPr>
-              <a:lvl5pPr marL="2057400" indent="-228600" eaLnBrk="0" hangingPunct="0">
-                <a:defRPr sz="2400">
-                  <a:solidFill>
-                    <a:schemeClr val="tx1"/>
-                  </a:solidFill>
-                  <a:latin typeface="Times New Roman" panose="02020603050405020304" pitchFamily="18" charset="0"/>
-                </a:defRPr>
-              </a:lvl5pPr>
-              <a:lvl6pPr marL="2514600" indent="-228600" eaLnBrk="0" fontAlgn="base" hangingPunct="0">
-                <a:spcBef>
-                  <a:spcPct val="0"/>
-                </a:spcBef>
-                <a:spcAft>
-                  <a:spcPct val="0"/>
-                </a:spcAft>
-                <a:defRPr sz="2400">
-                  <a:solidFill>
-                    <a:schemeClr val="tx1"/>
-                  </a:solidFill>
-                  <a:latin typeface="Times New Roman" panose="02020603050405020304" pitchFamily="18" charset="0"/>
-                </a:defRPr>
-              </a:lvl6pPr>
-              <a:lvl7pPr marL="2971800" indent="-228600" eaLnBrk="0" fontAlgn="base" hangingPunct="0">
-                <a:spcBef>
-                  <a:spcPct val="0"/>
-                </a:spcBef>
-                <a:spcAft>
-                  <a:spcPct val="0"/>
-                </a:spcAft>
-                <a:defRPr sz="2400">
-                  <a:solidFill>
-                    <a:schemeClr val="tx1"/>
-                  </a:solidFill>
-                  <a:latin typeface="Times New Roman" panose="02020603050405020304" pitchFamily="18" charset="0"/>
-                </a:defRPr>
-              </a:lvl7pPr>
-              <a:lvl8pPr marL="3429000" indent="-228600" eaLnBrk="0" fontAlgn="base" hangingPunct="0">
-                <a:spcBef>
-                  <a:spcPct val="0"/>
-                </a:spcBef>
-                <a:spcAft>
-                  <a:spcPct val="0"/>
-                </a:spcAft>
-                <a:defRPr sz="2400">
-                  <a:solidFill>
-                    <a:schemeClr val="tx1"/>
-                  </a:solidFill>
-                  <a:latin typeface="Times New Roman" panose="02020603050405020304" pitchFamily="18" charset="0"/>
-                </a:defRPr>
-              </a:lvl8pPr>
-              <a:lvl9pPr marL="3886200" indent="-228600" eaLnBrk="0" fontAlgn="base" hangingPunct="0">
-                <a:spcBef>
-                  <a:spcPct val="0"/>
-                </a:spcBef>
-                <a:spcAft>
-                  <a:spcPct val="0"/>
-                </a:spcAft>
-                <a:defRPr sz="2400">
-                  <a:solidFill>
-                    <a:schemeClr val="tx1"/>
-                  </a:solidFill>
-                  <a:latin typeface="Times New Roman" panose="02020603050405020304" pitchFamily="18" charset="0"/>
-                </a:defRPr>
-              </a:lvl9pPr>
-            </a:lstStyle>
-            <a:p>
-              <a:pPr eaLnBrk="1" hangingPunct="1"/>
-              <a:endParaRPr lang="en-US">
-                <a:latin typeface="Arial" panose="020B0604020202020204" pitchFamily="34" charset="0"/>
-                <a:cs typeface="Arial" panose="020B0604020202020204" pitchFamily="34" charset="0"/>
-              </a:endParaRPr>
-            </a:p>
-          </p:txBody>
-        </p:sp>
-        <p:sp>
-          <p:nvSpPr>
-            <p:cNvPr id="13340" name="Arc 22"/>
-            <p:cNvSpPr>
-              <a:spLocks/>
-            </p:cNvSpPr>
-            <p:nvPr/>
-          </p:nvSpPr>
-          <p:spPr bwMode="auto">
-            <a:xfrm rot="8100000">
-              <a:off x="725" y="2573"/>
-              <a:ext cx="86" cy="86"/>
-            </a:xfrm>
-            <a:custGeom>
-              <a:avLst/>
-              <a:gdLst>
-                <a:gd name="T0" fmla="*/ 0 w 21600"/>
-                <a:gd name="T1" fmla="*/ 0 h 21600"/>
-                <a:gd name="T2" fmla="*/ 0 w 21600"/>
-                <a:gd name="T3" fmla="*/ 0 h 21600"/>
-                <a:gd name="T4" fmla="*/ 0 w 21600"/>
-                <a:gd name="T5" fmla="*/ 0 h 21600"/>
-                <a:gd name="T6" fmla="*/ 0 60000 65536"/>
-                <a:gd name="T7" fmla="*/ 0 60000 65536"/>
-                <a:gd name="T8" fmla="*/ 0 60000 65536"/>
-                <a:gd name="T9" fmla="*/ 0 w 21600"/>
-                <a:gd name="T10" fmla="*/ 0 h 21600"/>
-                <a:gd name="T11" fmla="*/ 21600 w 21600"/>
-                <a:gd name="T12" fmla="*/ 21600 h 21600"/>
-              </a:gdLst>
-              <a:ahLst/>
-              <a:cxnLst>
-                <a:cxn ang="T6">
-                  <a:pos x="T0" y="T1"/>
-                </a:cxn>
-                <a:cxn ang="T7">
-                  <a:pos x="T2" y="T3"/>
-                </a:cxn>
-                <a:cxn ang="T8">
-                  <a:pos x="T4" y="T5"/>
-                </a:cxn>
-              </a:cxnLst>
-              <a:rect l="T9" t="T10" r="T11" b="T12"/>
-              <a:pathLst>
-                <a:path w="21600" h="21600" fill="none" extrusionOk="0">
-                  <a:moveTo>
-                    <a:pt x="-1" y="0"/>
-                  </a:moveTo>
-                  <a:cubicBezTo>
-                    <a:pt x="11929" y="0"/>
-                    <a:pt x="21600" y="9670"/>
-                    <a:pt x="21600" y="21600"/>
-                  </a:cubicBezTo>
-                </a:path>
-                <a:path w="21600" h="21600" stroke="0" extrusionOk="0">
-                  <a:moveTo>
-                    <a:pt x="-1" y="0"/>
-                  </a:moveTo>
-                  <a:cubicBezTo>
-                    <a:pt x="11929" y="0"/>
-                    <a:pt x="21600" y="9670"/>
-                    <a:pt x="21600" y="21600"/>
-                  </a:cubicBezTo>
-                  <a:lnTo>
-                    <a:pt x="0" y="21600"/>
-                  </a:lnTo>
-                  <a:close/>
-                </a:path>
-              </a:pathLst>
-            </a:custGeom>
-            <a:noFill/>
-            <a:ln w="19050">
-              <a:solidFill>
-                <a:schemeClr val="tx1"/>
-              </a:solidFill>
-              <a:round/>
-              <a:headEnd/>
-              <a:tailEnd/>
-            </a:ln>
-            <a:extLst>
-              <a:ext uri="{909E8E84-426E-40dd-AFC4-6F175D3DCCD1}">
-                <a14:hiddenFill xmlns="" xmlns:a14="http://schemas.microsoft.com/office/drawing/2010/main">
-                  <a:solidFill>
-                    <a:srgbClr val="FFFFFF"/>
-                  </a:solidFill>
-                </a14:hiddenFill>
-              </a:ext>
-            </a:extLst>
-          </p:spPr>
-          <p:txBody>
-            <a:bodyPr wrap="none" anchor="ctr"/>
-            <a:lstStyle/>
-            <a:p>
-              <a:endParaRPr lang="en-US"/>
-            </a:p>
-          </p:txBody>
-        </p:sp>
-      </p:grpSp>
-      <p:sp>
-        <p:nvSpPr>
-          <p:cNvPr id="13327" name="Text Box 23"/>
-          <p:cNvSpPr txBox="1">
-            <a:spLocks noChangeArrowheads="1"/>
-          </p:cNvSpPr>
-          <p:nvPr/>
-        </p:nvSpPr>
-        <p:spPr bwMode="auto">
-          <a:xfrm>
-            <a:off x="1355725" y="803275"/>
-            <a:ext cx="1563688" cy="461963"/>
-          </a:xfrm>
-          <a:prstGeom prst="rect">
-            <a:avLst/>
-          </a:prstGeom>
-          <a:noFill/>
-          <a:ln>
-            <a:noFill/>
-          </a:ln>
-          <a:extLst>
-            <a:ext uri="{909E8E84-426E-40dd-AFC4-6F175D3DCCD1}">
-              <a14:hiddenFill xmlns="" xmlns:a14="http://schemas.microsoft.com/office/drawing/2010/main">
-                <a:solidFill>
-                  <a:srgbClr val="FFFFFF"/>
-                </a:solidFill>
-              </a14:hiddenFill>
-            </a:ext>
-            <a:ext uri="{91240B29-F687-4f45-9708-019B960494DF}">
-              <a14:hiddenLine xmlns="" xmlns:a14="http://schemas.microsoft.com/office/drawing/2010/main" w="9525">
-                <a:solidFill>
-                  <a:srgbClr val="000000"/>
-                </a:solidFill>
-                <a:miter lim="800000"/>
-                <a:headEnd/>
-                <a:tailEnd/>
-              </a14:hiddenLine>
-            </a:ext>
-          </a:extLst>
-        </p:spPr>
-        <p:txBody>
-          <a:bodyPr wrap="none">
-            <a:spAutoFit/>
-          </a:bodyPr>
-          <a:lstStyle>
-            <a:lvl1pPr eaLnBrk="0" hangingPunct="0">
-              <a:defRPr sz="2400">
-                <a:solidFill>
-                  <a:schemeClr val="tx1"/>
-                </a:solidFill>
-                <a:latin typeface="Times New Roman" panose="02020603050405020304" pitchFamily="18" charset="0"/>
-              </a:defRPr>
-            </a:lvl1pPr>
-            <a:lvl2pPr marL="742950" indent="-285750" eaLnBrk="0" hangingPunct="0">
-              <a:defRPr sz="2400">
-                <a:solidFill>
-                  <a:schemeClr val="tx1"/>
-                </a:solidFill>
-                <a:latin typeface="Times New Roman" panose="02020603050405020304" pitchFamily="18" charset="0"/>
-              </a:defRPr>
-            </a:lvl2pPr>
-            <a:lvl3pPr marL="1143000" indent="-228600" eaLnBrk="0" hangingPunct="0">
-              <a:defRPr sz="2400">
-                <a:solidFill>
-                  <a:schemeClr val="tx1"/>
-                </a:solidFill>
-                <a:latin typeface="Times New Roman" panose="02020603050405020304" pitchFamily="18" charset="0"/>
-              </a:defRPr>
-            </a:lvl3pPr>
-            <a:lvl4pPr marL="1600200" indent="-228600" eaLnBrk="0" hangingPunct="0">
-              <a:defRPr sz="2400">
-                <a:solidFill>
-                  <a:schemeClr val="tx1"/>
-                </a:solidFill>
-                <a:latin typeface="Times New Roman" panose="02020603050405020304" pitchFamily="18" charset="0"/>
-              </a:defRPr>
-            </a:lvl4pPr>
-            <a:lvl5pPr marL="2057400" indent="-228600" eaLnBrk="0" hangingPunct="0">
-              <a:defRPr sz="2400">
-                <a:solidFill>
-                  <a:schemeClr val="tx1"/>
-                </a:solidFill>
-                <a:latin typeface="Times New Roman" panose="02020603050405020304" pitchFamily="18" charset="0"/>
-              </a:defRPr>
-            </a:lvl5pPr>
-            <a:lvl6pPr marL="2514600" indent="-228600" eaLnBrk="0" fontAlgn="base" hangingPunct="0">
-              <a:spcBef>
-                <a:spcPct val="0"/>
-              </a:spcBef>
-              <a:spcAft>
-                <a:spcPct val="0"/>
-              </a:spcAft>
-              <a:defRPr sz="2400">
-                <a:solidFill>
-                  <a:schemeClr val="tx1"/>
-                </a:solidFill>
-                <a:latin typeface="Times New Roman" panose="02020603050405020304" pitchFamily="18" charset="0"/>
-              </a:defRPr>
-            </a:lvl6pPr>
-            <a:lvl7pPr marL="2971800" indent="-228600" eaLnBrk="0" fontAlgn="base" hangingPunct="0">
-              <a:spcBef>
-                <a:spcPct val="0"/>
-              </a:spcBef>
-              <a:spcAft>
-                <a:spcPct val="0"/>
-              </a:spcAft>
-              <a:defRPr sz="2400">
-                <a:solidFill>
-                  <a:schemeClr val="tx1"/>
-                </a:solidFill>
-                <a:latin typeface="Times New Roman" panose="02020603050405020304" pitchFamily="18" charset="0"/>
-              </a:defRPr>
-            </a:lvl7pPr>
-            <a:lvl8pPr marL="3429000" indent="-228600" eaLnBrk="0" fontAlgn="base" hangingPunct="0">
-              <a:spcBef>
-                <a:spcPct val="0"/>
-              </a:spcBef>
-              <a:spcAft>
-                <a:spcPct val="0"/>
-              </a:spcAft>
-              <a:defRPr sz="2400">
-                <a:solidFill>
-                  <a:schemeClr val="tx1"/>
-                </a:solidFill>
-                <a:latin typeface="Times New Roman" panose="02020603050405020304" pitchFamily="18" charset="0"/>
-              </a:defRPr>
-            </a:lvl8pPr>
-            <a:lvl9pPr marL="3886200" indent="-228600" eaLnBrk="0" fontAlgn="base" hangingPunct="0">
-              <a:spcBef>
-                <a:spcPct val="0"/>
-              </a:spcBef>
-              <a:spcAft>
-                <a:spcPct val="0"/>
-              </a:spcAft>
-              <a:defRPr sz="2400">
-                <a:solidFill>
-                  <a:schemeClr val="tx1"/>
-                </a:solidFill>
-                <a:latin typeface="Times New Roman" panose="02020603050405020304" pitchFamily="18" charset="0"/>
-              </a:defRPr>
-            </a:lvl9pPr>
-          </a:lstStyle>
-          <a:p>
-            <a:pPr eaLnBrk="1" hangingPunct="1"/>
-            <a:r>
-              <a:rPr lang="en-US" dirty="0">
-                <a:solidFill>
-                  <a:schemeClr val="accent1"/>
-                </a:solidFill>
-                <a:latin typeface="Arial" panose="020B0604020202020204" pitchFamily="34" charset="0"/>
-                <a:cs typeface="Arial" panose="020B0604020202020204" pitchFamily="34" charset="0"/>
-              </a:rPr>
-              <a:t>(Recur=0)</a:t>
-            </a:r>
-          </a:p>
-        </p:txBody>
-      </p:sp>
-      <p:sp>
-        <p:nvSpPr>
-          <p:cNvPr id="13328" name="Line 24"/>
-          <p:cNvSpPr>
-            <a:spLocks noChangeShapeType="1"/>
-          </p:cNvSpPr>
-          <p:nvPr/>
-        </p:nvSpPr>
-        <p:spPr bwMode="auto">
-          <a:xfrm>
-            <a:off x="3657600" y="2133600"/>
-            <a:ext cx="914400" cy="685800"/>
-          </a:xfrm>
-          <a:prstGeom prst="line">
-            <a:avLst/>
-          </a:prstGeom>
-          <a:noFill/>
-          <a:ln w="19050">
-            <a:solidFill>
-              <a:schemeClr val="tx1"/>
-            </a:solidFill>
-            <a:round/>
-            <a:headEnd/>
-            <a:tailEnd type="triangle" w="med" len="med"/>
-          </a:ln>
-          <a:extLst>
-            <a:ext uri="{909E8E84-426E-40dd-AFC4-6F175D3DCCD1}">
-              <a14:hiddenFill xmlns="" xmlns:a14="http://schemas.microsoft.com/office/drawing/2010/main">
-                <a:noFill/>
-              </a14:hiddenFill>
-            </a:ext>
-          </a:extLst>
-        </p:spPr>
-        <p:txBody>
-          <a:bodyPr/>
-          <a:lstStyle/>
-          <a:p>
-            <a:endParaRPr lang="en-US"/>
-          </a:p>
-        </p:txBody>
-      </p:sp>
-      <p:sp>
-        <p:nvSpPr>
-          <p:cNvPr id="13329" name="Text Box 25"/>
-          <p:cNvSpPr txBox="1">
-            <a:spLocks noChangeArrowheads="1"/>
-          </p:cNvSpPr>
-          <p:nvPr/>
-        </p:nvSpPr>
-        <p:spPr bwMode="auto">
-          <a:xfrm>
-            <a:off x="4114800" y="2133600"/>
-            <a:ext cx="2360613" cy="461963"/>
-          </a:xfrm>
-          <a:prstGeom prst="rect">
-            <a:avLst/>
-          </a:prstGeom>
-          <a:noFill/>
-          <a:ln>
-            <a:noFill/>
-          </a:ln>
-          <a:extLst>
-            <a:ext uri="{909E8E84-426E-40dd-AFC4-6F175D3DCCD1}">
-              <a14:hiddenFill xmlns="" xmlns:a14="http://schemas.microsoft.com/office/drawing/2010/main">
-                <a:solidFill>
-                  <a:srgbClr val="FFFFFF"/>
-                </a:solidFill>
-              </a14:hiddenFill>
-            </a:ext>
-            <a:ext uri="{91240B29-F687-4f45-9708-019B960494DF}">
-              <a14:hiddenLine xmlns="" xmlns:a14="http://schemas.microsoft.com/office/drawing/2010/main" w="9525">
-                <a:solidFill>
-                  <a:srgbClr val="000000"/>
-                </a:solidFill>
-                <a:miter lim="800000"/>
-                <a:headEnd/>
-                <a:tailEnd/>
-              </a14:hiddenLine>
-            </a:ext>
-          </a:extLst>
-        </p:spPr>
-        <p:txBody>
-          <a:bodyPr wrap="none">
-            <a:spAutoFit/>
-          </a:bodyPr>
-          <a:lstStyle>
-            <a:lvl1pPr eaLnBrk="0" hangingPunct="0">
-              <a:defRPr sz="2400">
-                <a:solidFill>
-                  <a:schemeClr val="tx1"/>
-                </a:solidFill>
-                <a:latin typeface="Times New Roman" panose="02020603050405020304" pitchFamily="18" charset="0"/>
-              </a:defRPr>
-            </a:lvl1pPr>
-            <a:lvl2pPr marL="742950" indent="-285750" eaLnBrk="0" hangingPunct="0">
-              <a:defRPr sz="2400">
-                <a:solidFill>
-                  <a:schemeClr val="tx1"/>
-                </a:solidFill>
-                <a:latin typeface="Times New Roman" panose="02020603050405020304" pitchFamily="18" charset="0"/>
-              </a:defRPr>
-            </a:lvl2pPr>
-            <a:lvl3pPr marL="1143000" indent="-228600" eaLnBrk="0" hangingPunct="0">
-              <a:defRPr sz="2400">
-                <a:solidFill>
-                  <a:schemeClr val="tx1"/>
-                </a:solidFill>
-                <a:latin typeface="Times New Roman" panose="02020603050405020304" pitchFamily="18" charset="0"/>
-              </a:defRPr>
-            </a:lvl3pPr>
-            <a:lvl4pPr marL="1600200" indent="-228600" eaLnBrk="0" hangingPunct="0">
-              <a:defRPr sz="2400">
-                <a:solidFill>
-                  <a:schemeClr val="tx1"/>
-                </a:solidFill>
-                <a:latin typeface="Times New Roman" panose="02020603050405020304" pitchFamily="18" charset="0"/>
-              </a:defRPr>
-            </a:lvl4pPr>
-            <a:lvl5pPr marL="2057400" indent="-228600" eaLnBrk="0" hangingPunct="0">
-              <a:defRPr sz="2400">
-                <a:solidFill>
-                  <a:schemeClr val="tx1"/>
-                </a:solidFill>
-                <a:latin typeface="Times New Roman" panose="02020603050405020304" pitchFamily="18" charset="0"/>
-              </a:defRPr>
-            </a:lvl5pPr>
-            <a:lvl6pPr marL="2514600" indent="-228600" eaLnBrk="0" fontAlgn="base" hangingPunct="0">
-              <a:spcBef>
-                <a:spcPct val="0"/>
-              </a:spcBef>
-              <a:spcAft>
-                <a:spcPct val="0"/>
-              </a:spcAft>
-              <a:defRPr sz="2400">
-                <a:solidFill>
-                  <a:schemeClr val="tx1"/>
-                </a:solidFill>
-                <a:latin typeface="Times New Roman" panose="02020603050405020304" pitchFamily="18" charset="0"/>
-              </a:defRPr>
-            </a:lvl6pPr>
-            <a:lvl7pPr marL="2971800" indent="-228600" eaLnBrk="0" fontAlgn="base" hangingPunct="0">
-              <a:spcBef>
-                <a:spcPct val="0"/>
-              </a:spcBef>
-              <a:spcAft>
-                <a:spcPct val="0"/>
-              </a:spcAft>
-              <a:defRPr sz="2400">
-                <a:solidFill>
-                  <a:schemeClr val="tx1"/>
-                </a:solidFill>
-                <a:latin typeface="Times New Roman" panose="02020603050405020304" pitchFamily="18" charset="0"/>
-              </a:defRPr>
-            </a:lvl7pPr>
-            <a:lvl8pPr marL="3429000" indent="-228600" eaLnBrk="0" fontAlgn="base" hangingPunct="0">
-              <a:spcBef>
-                <a:spcPct val="0"/>
-              </a:spcBef>
-              <a:spcAft>
-                <a:spcPct val="0"/>
-              </a:spcAft>
-              <a:defRPr sz="2400">
-                <a:solidFill>
-                  <a:schemeClr val="tx1"/>
-                </a:solidFill>
-                <a:latin typeface="Times New Roman" panose="02020603050405020304" pitchFamily="18" charset="0"/>
-              </a:defRPr>
-            </a:lvl8pPr>
-            <a:lvl9pPr marL="3886200" indent="-228600" eaLnBrk="0" fontAlgn="base" hangingPunct="0">
-              <a:spcBef>
-                <a:spcPct val="0"/>
-              </a:spcBef>
-              <a:spcAft>
-                <a:spcPct val="0"/>
-              </a:spcAft>
-              <a:defRPr sz="2400">
-                <a:solidFill>
-                  <a:schemeClr val="tx1"/>
-                </a:solidFill>
-                <a:latin typeface="Times New Roman" panose="02020603050405020304" pitchFamily="18" charset="0"/>
-              </a:defRPr>
-            </a:lvl9pPr>
-          </a:lstStyle>
-          <a:p>
-            <a:pPr eaLnBrk="1" hangingPunct="1"/>
-            <a:r>
-              <a:rPr lang="en-US">
-                <a:solidFill>
-                  <a:schemeClr val="accent1"/>
-                </a:solidFill>
-                <a:latin typeface="Arial" panose="020B0604020202020204" pitchFamily="34" charset="0"/>
-                <a:cs typeface="Arial" panose="020B0604020202020204" pitchFamily="34" charset="0"/>
-              </a:rPr>
-              <a:t>Recur=Recur+1</a:t>
-            </a:r>
-          </a:p>
-        </p:txBody>
-      </p:sp>
-      <p:sp>
-        <p:nvSpPr>
-          <p:cNvPr id="13330" name="Line 26"/>
-          <p:cNvSpPr>
-            <a:spLocks noChangeShapeType="1"/>
-          </p:cNvSpPr>
-          <p:nvPr/>
-        </p:nvSpPr>
-        <p:spPr bwMode="auto">
-          <a:xfrm flipH="1">
-            <a:off x="3581400" y="3124200"/>
-            <a:ext cx="990600" cy="838200"/>
-          </a:xfrm>
-          <a:prstGeom prst="line">
-            <a:avLst/>
-          </a:prstGeom>
-          <a:noFill/>
-          <a:ln w="19050">
-            <a:solidFill>
-              <a:schemeClr val="tx1"/>
-            </a:solidFill>
-            <a:round/>
-            <a:headEnd/>
-            <a:tailEnd type="triangle" w="med" len="med"/>
-          </a:ln>
-          <a:extLst>
-            <a:ext uri="{909E8E84-426E-40dd-AFC4-6F175D3DCCD1}">
-              <a14:hiddenFill xmlns="" xmlns:a14="http://schemas.microsoft.com/office/drawing/2010/main">
-                <a:noFill/>
-              </a14:hiddenFill>
-            </a:ext>
-          </a:extLst>
-        </p:spPr>
-        <p:txBody>
-          <a:bodyPr/>
-          <a:lstStyle/>
-          <a:p>
-            <a:endParaRPr lang="en-US"/>
-          </a:p>
-        </p:txBody>
-      </p:sp>
-      <p:sp>
-        <p:nvSpPr>
-          <p:cNvPr id="13331" name="Text Box 27"/>
-          <p:cNvSpPr txBox="1">
-            <a:spLocks noChangeArrowheads="1"/>
-          </p:cNvSpPr>
-          <p:nvPr/>
-        </p:nvSpPr>
-        <p:spPr bwMode="auto">
-          <a:xfrm>
-            <a:off x="2286000" y="3429000"/>
-            <a:ext cx="1563688" cy="461963"/>
-          </a:xfrm>
-          <a:prstGeom prst="rect">
-            <a:avLst/>
-          </a:prstGeom>
-          <a:noFill/>
-          <a:ln>
-            <a:noFill/>
-          </a:ln>
-          <a:extLst>
-            <a:ext uri="{909E8E84-426E-40dd-AFC4-6F175D3DCCD1}">
-              <a14:hiddenFill xmlns="" xmlns:a14="http://schemas.microsoft.com/office/drawing/2010/main">
-                <a:solidFill>
-                  <a:srgbClr val="FFFFFF"/>
-                </a:solidFill>
-              </a14:hiddenFill>
-            </a:ext>
-            <a:ext uri="{91240B29-F687-4f45-9708-019B960494DF}">
-              <a14:hiddenLine xmlns="" xmlns:a14="http://schemas.microsoft.com/office/drawing/2010/main" w="9525">
-                <a:solidFill>
-                  <a:srgbClr val="000000"/>
-                </a:solidFill>
-                <a:miter lim="800000"/>
-                <a:headEnd/>
-                <a:tailEnd/>
-              </a14:hiddenLine>
-            </a:ext>
-          </a:extLst>
-        </p:spPr>
-        <p:txBody>
-          <a:bodyPr wrap="none">
-            <a:spAutoFit/>
-          </a:bodyPr>
-          <a:lstStyle>
-            <a:lvl1pPr eaLnBrk="0" hangingPunct="0">
-              <a:defRPr sz="2400">
-                <a:solidFill>
-                  <a:schemeClr val="tx1"/>
-                </a:solidFill>
-                <a:latin typeface="Times New Roman" panose="02020603050405020304" pitchFamily="18" charset="0"/>
-              </a:defRPr>
-            </a:lvl1pPr>
-            <a:lvl2pPr marL="742950" indent="-285750" eaLnBrk="0" hangingPunct="0">
-              <a:defRPr sz="2400">
-                <a:solidFill>
-                  <a:schemeClr val="tx1"/>
-                </a:solidFill>
-                <a:latin typeface="Times New Roman" panose="02020603050405020304" pitchFamily="18" charset="0"/>
-              </a:defRPr>
-            </a:lvl2pPr>
-            <a:lvl3pPr marL="1143000" indent="-228600" eaLnBrk="0" hangingPunct="0">
-              <a:defRPr sz="2400">
-                <a:solidFill>
-                  <a:schemeClr val="tx1"/>
-                </a:solidFill>
-                <a:latin typeface="Times New Roman" panose="02020603050405020304" pitchFamily="18" charset="0"/>
-              </a:defRPr>
-            </a:lvl3pPr>
-            <a:lvl4pPr marL="1600200" indent="-228600" eaLnBrk="0" hangingPunct="0">
-              <a:defRPr sz="2400">
-                <a:solidFill>
-                  <a:schemeClr val="tx1"/>
-                </a:solidFill>
-                <a:latin typeface="Times New Roman" panose="02020603050405020304" pitchFamily="18" charset="0"/>
-              </a:defRPr>
-            </a:lvl4pPr>
-            <a:lvl5pPr marL="2057400" indent="-228600" eaLnBrk="0" hangingPunct="0">
-              <a:defRPr sz="2400">
-                <a:solidFill>
-                  <a:schemeClr val="tx1"/>
-                </a:solidFill>
-                <a:latin typeface="Times New Roman" panose="02020603050405020304" pitchFamily="18" charset="0"/>
-              </a:defRPr>
-            </a:lvl5pPr>
-            <a:lvl6pPr marL="2514600" indent="-228600" eaLnBrk="0" fontAlgn="base" hangingPunct="0">
-              <a:spcBef>
-                <a:spcPct val="0"/>
-              </a:spcBef>
-              <a:spcAft>
-                <a:spcPct val="0"/>
-              </a:spcAft>
-              <a:defRPr sz="2400">
-                <a:solidFill>
-                  <a:schemeClr val="tx1"/>
-                </a:solidFill>
-                <a:latin typeface="Times New Roman" panose="02020603050405020304" pitchFamily="18" charset="0"/>
-              </a:defRPr>
-            </a:lvl6pPr>
-            <a:lvl7pPr marL="2971800" indent="-228600" eaLnBrk="0" fontAlgn="base" hangingPunct="0">
-              <a:spcBef>
-                <a:spcPct val="0"/>
-              </a:spcBef>
-              <a:spcAft>
-                <a:spcPct val="0"/>
-              </a:spcAft>
-              <a:defRPr sz="2400">
-                <a:solidFill>
-                  <a:schemeClr val="tx1"/>
-                </a:solidFill>
-                <a:latin typeface="Times New Roman" panose="02020603050405020304" pitchFamily="18" charset="0"/>
-              </a:defRPr>
-            </a:lvl7pPr>
-            <a:lvl8pPr marL="3429000" indent="-228600" eaLnBrk="0" fontAlgn="base" hangingPunct="0">
-              <a:spcBef>
-                <a:spcPct val="0"/>
-              </a:spcBef>
-              <a:spcAft>
-                <a:spcPct val="0"/>
-              </a:spcAft>
-              <a:defRPr sz="2400">
-                <a:solidFill>
-                  <a:schemeClr val="tx1"/>
-                </a:solidFill>
-                <a:latin typeface="Times New Roman" panose="02020603050405020304" pitchFamily="18" charset="0"/>
-              </a:defRPr>
-            </a:lvl8pPr>
-            <a:lvl9pPr marL="3886200" indent="-228600" eaLnBrk="0" fontAlgn="base" hangingPunct="0">
-              <a:spcBef>
-                <a:spcPct val="0"/>
-              </a:spcBef>
-              <a:spcAft>
-                <a:spcPct val="0"/>
-              </a:spcAft>
-              <a:defRPr sz="2400">
-                <a:solidFill>
-                  <a:schemeClr val="tx1"/>
-                </a:solidFill>
-                <a:latin typeface="Times New Roman" panose="02020603050405020304" pitchFamily="18" charset="0"/>
-              </a:defRPr>
-            </a:lvl9pPr>
-          </a:lstStyle>
-          <a:p>
-            <a:pPr eaLnBrk="1" hangingPunct="1"/>
-            <a:r>
-              <a:rPr lang="en-US">
-                <a:solidFill>
-                  <a:schemeClr val="accent1"/>
-                </a:solidFill>
-                <a:latin typeface="Arial" panose="020B0604020202020204" pitchFamily="34" charset="0"/>
-                <a:cs typeface="Arial" panose="020B0604020202020204" pitchFamily="34" charset="0"/>
-              </a:rPr>
-              <a:t>(Recur=1)</a:t>
-            </a:r>
-          </a:p>
-        </p:txBody>
-      </p:sp>
-      <p:graphicFrame>
-        <p:nvGraphicFramePr>
-          <p:cNvPr id="13314" name="Object 28"/>
-          <p:cNvGraphicFramePr>
-            <a:graphicFrameLocks noChangeAspect="1"/>
-          </p:cNvGraphicFramePr>
-          <p:nvPr/>
-        </p:nvGraphicFramePr>
-        <p:xfrm>
-          <a:off x="1371600" y="5181600"/>
-          <a:ext cx="6491288" cy="1066800"/>
-        </p:xfrm>
-        <a:graphic>
-          <a:graphicData uri="http://schemas.openxmlformats.org/presentationml/2006/ole">
-            <mc:AlternateContent xmlns:mc="http://schemas.openxmlformats.org/markup-compatibility/2006">
-              <mc:Choice xmlns:v="urn:schemas-microsoft-com:vml" Requires="v">
-                <p:oleObj spid="_x0000_s4185" name="Equation" r:id="rId3" imgW="2577960" imgH="457200" progId="Equation.DSMT4">
-                  <p:embed/>
-                </p:oleObj>
-              </mc:Choice>
-              <mc:Fallback>
-                <p:oleObj name="Equation" r:id="rId3" imgW="2577960" imgH="457200" progId="Equation.DSMT4">
-                  <p:embed/>
-                  <p:pic>
-                    <p:nvPicPr>
-                      <p:cNvPr id="13314" name="Object 28"/>
-                      <p:cNvPicPr>
-                        <a:picLocks noChangeAspect="1" noChangeArrowheads="1"/>
-                      </p:cNvPicPr>
-                      <p:nvPr/>
-                    </p:nvPicPr>
-                    <p:blipFill>
-                      <a:blip r:embed="rId4">
-                        <a:extLst>
-                          <a:ext uri="{28A0092B-C50C-407E-A947-70E740481C1C}">
-                            <a14:useLocalDpi xmlns:a14="http://schemas.microsoft.com/office/drawing/2010/main" val="0"/>
-                          </a:ext>
-                        </a:extLst>
-                      </a:blip>
-                      <a:srcRect/>
-                      <a:stretch>
-                        <a:fillRect/>
-                      </a:stretch>
-                    </p:blipFill>
-                    <p:spPr bwMode="auto">
-                      <a:xfrm>
-                        <a:off x="1371600" y="5181600"/>
-                        <a:ext cx="6491288" cy="1066800"/>
-                      </a:xfrm>
-                      <a:prstGeom prst="rect">
-                        <a:avLst/>
-                      </a:prstGeom>
-                      <a:noFill/>
-                      <a:ln>
-                        <a:noFill/>
-                      </a:ln>
-                      <a:effectLst/>
-                      <a:extLst>
-                        <a:ext uri="{909E8E84-426E-40dd-AFC4-6F175D3DCCD1}">
-                          <a14:hiddenFill xmlns="" xmlns:a14="http://schemas.microsoft.com/office/drawing/2010/main">
-                            <a:solidFill>
-                              <a:srgbClr val="FFFFFF"/>
-                            </a:solidFill>
-                          </a14:hiddenFill>
-                        </a:ext>
-                        <a:ext uri="{91240B29-F687-4f45-9708-019B960494DF}">
-                          <a14:hiddenLine xmlns="" xmlns:a14="http://schemas.microsoft.com/office/drawing/2010/main" w="9525">
-                            <a:solidFill>
-                              <a:srgbClr val="000000"/>
-                            </a:solidFill>
-                            <a:miter lim="800000"/>
-                            <a:headEnd/>
-                            <a:tailEnd/>
-                          </a14:hiddenLine>
-                        </a:ext>
-                        <a:ext uri="{AF507438-7753-43e0-B8FC-AC1667EBCBE1}">
-                          <a14:hiddenEffects xmlns="" xmlns:a14="http://schemas.microsoft.com/office/drawing/2010/main">
-                            <a:effectLst>
-                              <a:outerShdw dist="35921" dir="2700000" algn="ctr" rotWithShape="0">
-                                <a:srgbClr val="808080"/>
-                              </a:outerShdw>
-                            </a:effectLst>
-                          </a14:hiddenEffects>
-                        </a:ext>
-                      </a:extLst>
-                    </p:spPr>
-                  </p:pic>
-                </p:oleObj>
-              </mc:Fallback>
-            </mc:AlternateContent>
-          </a:graphicData>
-        </a:graphic>
-      </p:graphicFrame>
-      <p:sp>
-        <p:nvSpPr>
-          <p:cNvPr id="29" name="Slide Number Placeholder 28">
-            <a:extLst>
-              <a:ext uri="{FF2B5EF4-FFF2-40B4-BE49-F238E27FC236}">
-                <a16:creationId xmlns:a16="http://schemas.microsoft.com/office/drawing/2014/main" id="{EC41FC2A-690D-C543-AA15-26527893D326}"/>
-              </a:ext>
-            </a:extLst>
-          </p:cNvPr>
-          <p:cNvSpPr>
-            <a:spLocks noGrp="1"/>
-          </p:cNvSpPr>
-          <p:nvPr>
-            <p:ph type="sldNum" sz="quarter" idx="12"/>
-          </p:nvPr>
-        </p:nvSpPr>
-        <p:spPr>
-          <a:xfrm>
-            <a:off x="8559864" y="6453336"/>
-            <a:ext cx="548640" cy="396240"/>
-          </a:xfrm>
-        </p:spPr>
-        <p:txBody>
-          <a:bodyPr/>
-          <a:lstStyle>
-            <a:lvl1pPr eaLnBrk="0" hangingPunct="0">
-              <a:defRPr>
-                <a:solidFill>
-                  <a:schemeClr val="tx1"/>
-                </a:solidFill>
-                <a:latin typeface="Arial" panose="020B0604020202020204" pitchFamily="34" charset="0"/>
-              </a:defRPr>
-            </a:lvl1pPr>
-            <a:lvl2pPr marL="742950" indent="-285750" eaLnBrk="0" hangingPunct="0">
-              <a:defRPr>
-                <a:solidFill>
-                  <a:schemeClr val="tx1"/>
-                </a:solidFill>
-                <a:latin typeface="Arial" panose="020B0604020202020204" pitchFamily="34" charset="0"/>
-              </a:defRPr>
-            </a:lvl2pPr>
-            <a:lvl3pPr marL="1143000" indent="-228600" eaLnBrk="0" hangingPunct="0">
-              <a:defRPr>
-                <a:solidFill>
-                  <a:schemeClr val="tx1"/>
-                </a:solidFill>
-                <a:latin typeface="Arial" panose="020B0604020202020204" pitchFamily="34" charset="0"/>
-              </a:defRPr>
-            </a:lvl3pPr>
-            <a:lvl4pPr marL="1600200" indent="-228600" eaLnBrk="0" hangingPunct="0">
-              <a:defRPr>
-                <a:solidFill>
-                  <a:schemeClr val="tx1"/>
-                </a:solidFill>
-                <a:latin typeface="Arial" panose="020B0604020202020204" pitchFamily="34" charset="0"/>
-              </a:defRPr>
-            </a:lvl4pPr>
-            <a:lvl5pPr marL="2057400" indent="-228600" eaLnBrk="0" hangingPunct="0">
-              <a:defRPr>
-                <a:solidFill>
-                  <a:schemeClr val="tx1"/>
-                </a:solidFill>
-                <a:latin typeface="Arial" panose="020B0604020202020204" pitchFamily="34" charset="0"/>
-              </a:defRPr>
-            </a:lvl5pPr>
-            <a:lvl6pPr marL="2514600" indent="-228600" eaLnBrk="0" fontAlgn="base" hangingPunct="0">
-              <a:spcBef>
-                <a:spcPct val="0"/>
-              </a:spcBef>
-              <a:spcAft>
-                <a:spcPct val="0"/>
-              </a:spcAft>
-              <a:defRPr>
-                <a:solidFill>
-                  <a:schemeClr val="tx1"/>
-                </a:solidFill>
-                <a:latin typeface="Arial" panose="020B0604020202020204" pitchFamily="34" charset="0"/>
-              </a:defRPr>
-            </a:lvl6pPr>
-            <a:lvl7pPr marL="2971800" indent="-228600" eaLnBrk="0" fontAlgn="base" hangingPunct="0">
-              <a:spcBef>
-                <a:spcPct val="0"/>
-              </a:spcBef>
-              <a:spcAft>
-                <a:spcPct val="0"/>
-              </a:spcAft>
-              <a:defRPr>
-                <a:solidFill>
-                  <a:schemeClr val="tx1"/>
-                </a:solidFill>
-                <a:latin typeface="Arial" panose="020B0604020202020204" pitchFamily="34" charset="0"/>
-              </a:defRPr>
-            </a:lvl7pPr>
-            <a:lvl8pPr marL="3429000" indent="-228600" eaLnBrk="0" fontAlgn="base" hangingPunct="0">
-              <a:spcBef>
-                <a:spcPct val="0"/>
-              </a:spcBef>
-              <a:spcAft>
-                <a:spcPct val="0"/>
-              </a:spcAft>
-              <a:defRPr>
-                <a:solidFill>
-                  <a:schemeClr val="tx1"/>
-                </a:solidFill>
-                <a:latin typeface="Arial" panose="020B0604020202020204" pitchFamily="34" charset="0"/>
-              </a:defRPr>
-            </a:lvl8pPr>
-            <a:lvl9pPr marL="3886200" indent="-228600" eaLnBrk="0" fontAlgn="base" hangingPunct="0">
-              <a:spcBef>
-                <a:spcPct val="0"/>
-              </a:spcBef>
-              <a:spcAft>
-                <a:spcPct val="0"/>
-              </a:spcAft>
-              <a:defRPr>
-                <a:solidFill>
-                  <a:schemeClr val="tx1"/>
-                </a:solidFill>
-                <a:latin typeface="Arial" panose="020B0604020202020204" pitchFamily="34" charset="0"/>
-              </a:defRPr>
-            </a:lvl9pPr>
-          </a:lstStyle>
-          <a:p>
-            <a:pPr eaLnBrk="1" hangingPunct="1"/>
-            <a:fld id="{3F7E73E1-F280-4386-87FD-01754258053D}" type="slidenum">
-              <a:rPr lang="en-US">
-                <a:solidFill>
-                  <a:schemeClr val="accent1"/>
-                </a:solidFill>
-              </a:rPr>
-              <a:pPr eaLnBrk="1" hangingPunct="1"/>
-              <a:t>17</a:t>
-            </a:fld>
-            <a:endParaRPr lang="en-US" dirty="0">
-              <a:solidFill>
-                <a:schemeClr val="accent1"/>
-              </a:solidFill>
-            </a:endParaRPr>
-          </a:p>
-        </p:txBody>
-      </p:sp>
-    </p:spTree>
-    <p:extLst>
-      <p:ext uri="{BB962C8B-B14F-4D97-AF65-F5344CB8AC3E}">
-        <p14:creationId xmlns:p14="http://schemas.microsoft.com/office/powerpoint/2010/main" val="3555877474"/>
-      </p:ext>
-    </p:extLst>
-  </p:cSld>
-  <p:clrMapOvr>
-    <a:masterClrMapping/>
-  </p:clrMapOvr>
-</p:sld>
-</file>
-
-<file path=ppt/slides/slide18.xml><?xml version="1.0" encoding="utf-8"?>
-<p:sld xmlns:a="http://schemas.openxmlformats.org/drawingml/2006/main" xmlns:r="http://schemas.openxmlformats.org/officeDocument/2006/relationships" xmlns:p="http://schemas.openxmlformats.org/presentationml/2006/main" show="0">
-  <p:cSld>
-    <p:spTree>
-      <p:nvGrpSpPr>
-        <p:cNvPr id="1" name=""/>
-        <p:cNvGrpSpPr/>
-        <p:nvPr/>
-      </p:nvGrpSpPr>
-      <p:grpSpPr>
-        <a:xfrm>
-          <a:off x="0" y="0"/>
-          <a:ext cx="0" cy="0"/>
-          <a:chOff x="0" y="0"/>
-          <a:chExt cx="0" cy="0"/>
-        </a:xfrm>
-      </p:grpSpPr>
-      <p:sp>
-        <p:nvSpPr>
-          <p:cNvPr id="2" name="Title 1">
-            <a:extLst>
-              <a:ext uri="{FF2B5EF4-FFF2-40B4-BE49-F238E27FC236}">
-                <a16:creationId xmlns:a16="http://schemas.microsoft.com/office/drawing/2014/main" id="{72132254-8299-0347-8173-F5E30218ED3E}"/>
-              </a:ext>
-            </a:extLst>
-          </p:cNvPr>
-          <p:cNvSpPr>
-            <a:spLocks noGrp="1"/>
-          </p:cNvSpPr>
-          <p:nvPr>
-            <p:ph type="title"/>
-          </p:nvPr>
-        </p:nvSpPr>
-        <p:spPr/>
-        <p:txBody>
-          <a:bodyPr/>
-          <a:lstStyle/>
-          <a:p>
-            <a:r>
-              <a:rPr lang="en-US" dirty="0"/>
-              <a:t>Populations vs. Cohorts</a:t>
-            </a:r>
-          </a:p>
-        </p:txBody>
-      </p:sp>
-      <p:sp>
-        <p:nvSpPr>
-          <p:cNvPr id="3" name="Content Placeholder 2">
-            <a:extLst>
-              <a:ext uri="{FF2B5EF4-FFF2-40B4-BE49-F238E27FC236}">
-                <a16:creationId xmlns:a16="http://schemas.microsoft.com/office/drawing/2014/main" id="{AE668936-4F34-A54F-B4AE-4C5823EC1BD1}"/>
-              </a:ext>
-            </a:extLst>
-          </p:cNvPr>
-          <p:cNvSpPr>
-            <a:spLocks noGrp="1"/>
-          </p:cNvSpPr>
-          <p:nvPr>
-            <p:ph idx="1"/>
-          </p:nvPr>
-        </p:nvSpPr>
-        <p:spPr/>
-        <p:txBody>
-          <a:bodyPr/>
-          <a:lstStyle/>
-          <a:p>
-            <a:r>
-              <a:rPr lang="en-US" dirty="0"/>
-              <a:t>Depends on the perspective of the decision maker</a:t>
-            </a:r>
-          </a:p>
-          <a:p>
-            <a:r>
-              <a:rPr lang="en-US" dirty="0"/>
-              <a:t>What is the cost-effectiveness for the population of interest if intervention is implemented today?</a:t>
-            </a:r>
-          </a:p>
-          <a:p>
-            <a:r>
-              <a:rPr lang="en-US" dirty="0"/>
-              <a:t>Example: Cervical cancer screening</a:t>
-            </a:r>
-          </a:p>
-          <a:p>
-            <a:r>
-              <a:rPr lang="en-US" dirty="0"/>
-              <a:t>Option 1: Compare screening with no screening for cohort of 15-year-old girls</a:t>
-            </a:r>
-          </a:p>
-          <a:p>
-            <a:pPr lvl="1"/>
-            <a:r>
-              <a:rPr lang="en-US" dirty="0"/>
-              <a:t>Run a cohort of 15-year-old girls under both strategies</a:t>
-            </a:r>
-          </a:p>
-          <a:p>
-            <a:r>
-              <a:rPr lang="en-US" dirty="0"/>
-              <a:t>Option 2: Compare screening with no screening for population of women ages 15-69</a:t>
-            </a:r>
-          </a:p>
-          <a:p>
-            <a:pPr lvl="1"/>
-            <a:r>
-              <a:rPr lang="en-US" dirty="0"/>
-              <a:t>Run several cohorts: 15-19, 20-24, etc.</a:t>
-            </a:r>
-          </a:p>
-          <a:p>
-            <a:pPr lvl="1"/>
-            <a:r>
-              <a:rPr lang="en-US" dirty="0"/>
-              <a:t>Costs and effectiveness are a weighted average of the multiple cohort runs</a:t>
-            </a:r>
-          </a:p>
-        </p:txBody>
-      </p:sp>
-      <p:sp>
-        <p:nvSpPr>
-          <p:cNvPr id="4" name="TextBox 3">
-            <a:extLst>
-              <a:ext uri="{FF2B5EF4-FFF2-40B4-BE49-F238E27FC236}">
-                <a16:creationId xmlns:a16="http://schemas.microsoft.com/office/drawing/2014/main" id="{942BEAC5-2B16-114A-8792-DB13B71D3837}"/>
-              </a:ext>
-            </a:extLst>
-          </p:cNvPr>
-          <p:cNvSpPr txBox="1"/>
-          <p:nvPr/>
-        </p:nvSpPr>
-        <p:spPr>
-          <a:xfrm>
-            <a:off x="1076446" y="6400800"/>
-            <a:ext cx="6468437" cy="369332"/>
-          </a:xfrm>
-          <a:prstGeom prst="rect">
-            <a:avLst/>
-          </a:prstGeom>
-          <a:noFill/>
-        </p:spPr>
-        <p:txBody>
-          <a:bodyPr wrap="none" rtlCol="0">
-            <a:spAutoFit/>
-          </a:bodyPr>
-          <a:lstStyle/>
-          <a:p>
-            <a:r>
-              <a:rPr lang="en-US" dirty="0" err="1"/>
-              <a:t>Dewilde</a:t>
-            </a:r>
-            <a:r>
-              <a:rPr lang="en-US" dirty="0"/>
-              <a:t> &amp; Anderson. </a:t>
-            </a:r>
-            <a:r>
-              <a:rPr lang="en-US" i="1" dirty="0"/>
-              <a:t>Med </a:t>
-            </a:r>
-            <a:r>
-              <a:rPr lang="en-US" i="1" dirty="0" err="1"/>
-              <a:t>Decis</a:t>
-            </a:r>
-            <a:r>
-              <a:rPr lang="en-US" i="1" dirty="0"/>
-              <a:t> Making </a:t>
-            </a:r>
-            <a:r>
-              <a:rPr lang="en-US" dirty="0"/>
-              <a:t>2004;24:486.</a:t>
-            </a:r>
-          </a:p>
-        </p:txBody>
-      </p:sp>
-      <p:sp>
-        <p:nvSpPr>
-          <p:cNvPr id="5" name="Slide Number Placeholder 28">
-            <a:extLst>
-              <a:ext uri="{FF2B5EF4-FFF2-40B4-BE49-F238E27FC236}">
-                <a16:creationId xmlns:a16="http://schemas.microsoft.com/office/drawing/2014/main" id="{60144BC5-8025-714A-B1D8-4D9C9465C99E}"/>
-              </a:ext>
-            </a:extLst>
-          </p:cNvPr>
-          <p:cNvSpPr>
-            <a:spLocks noGrp="1"/>
-          </p:cNvSpPr>
-          <p:nvPr>
-            <p:ph type="sldNum" sz="quarter" idx="12"/>
-          </p:nvPr>
-        </p:nvSpPr>
-        <p:spPr>
-          <a:xfrm>
-            <a:off x="8559864" y="6453336"/>
-            <a:ext cx="548640" cy="396240"/>
-          </a:xfrm>
-        </p:spPr>
-        <p:txBody>
-          <a:bodyPr/>
-          <a:lstStyle>
-            <a:lvl1pPr eaLnBrk="0" hangingPunct="0">
-              <a:defRPr>
-                <a:solidFill>
-                  <a:schemeClr val="tx1"/>
-                </a:solidFill>
-                <a:latin typeface="Arial" panose="020B0604020202020204" pitchFamily="34" charset="0"/>
-              </a:defRPr>
-            </a:lvl1pPr>
-            <a:lvl2pPr marL="742950" indent="-285750" eaLnBrk="0" hangingPunct="0">
-              <a:defRPr>
-                <a:solidFill>
-                  <a:schemeClr val="tx1"/>
-                </a:solidFill>
-                <a:latin typeface="Arial" panose="020B0604020202020204" pitchFamily="34" charset="0"/>
-              </a:defRPr>
-            </a:lvl2pPr>
-            <a:lvl3pPr marL="1143000" indent="-228600" eaLnBrk="0" hangingPunct="0">
-              <a:defRPr>
-                <a:solidFill>
-                  <a:schemeClr val="tx1"/>
-                </a:solidFill>
-                <a:latin typeface="Arial" panose="020B0604020202020204" pitchFamily="34" charset="0"/>
-              </a:defRPr>
-            </a:lvl3pPr>
-            <a:lvl4pPr marL="1600200" indent="-228600" eaLnBrk="0" hangingPunct="0">
-              <a:defRPr>
-                <a:solidFill>
-                  <a:schemeClr val="tx1"/>
-                </a:solidFill>
-                <a:latin typeface="Arial" panose="020B0604020202020204" pitchFamily="34" charset="0"/>
-              </a:defRPr>
-            </a:lvl4pPr>
-            <a:lvl5pPr marL="2057400" indent="-228600" eaLnBrk="0" hangingPunct="0">
-              <a:defRPr>
-                <a:solidFill>
-                  <a:schemeClr val="tx1"/>
-                </a:solidFill>
-                <a:latin typeface="Arial" panose="020B0604020202020204" pitchFamily="34" charset="0"/>
-              </a:defRPr>
-            </a:lvl5pPr>
-            <a:lvl6pPr marL="2514600" indent="-228600" eaLnBrk="0" fontAlgn="base" hangingPunct="0">
-              <a:spcBef>
-                <a:spcPct val="0"/>
-              </a:spcBef>
-              <a:spcAft>
-                <a:spcPct val="0"/>
-              </a:spcAft>
-              <a:defRPr>
-                <a:solidFill>
-                  <a:schemeClr val="tx1"/>
-                </a:solidFill>
-                <a:latin typeface="Arial" panose="020B0604020202020204" pitchFamily="34" charset="0"/>
-              </a:defRPr>
-            </a:lvl6pPr>
-            <a:lvl7pPr marL="2971800" indent="-228600" eaLnBrk="0" fontAlgn="base" hangingPunct="0">
-              <a:spcBef>
-                <a:spcPct val="0"/>
-              </a:spcBef>
-              <a:spcAft>
-                <a:spcPct val="0"/>
-              </a:spcAft>
-              <a:defRPr>
-                <a:solidFill>
-                  <a:schemeClr val="tx1"/>
-                </a:solidFill>
-                <a:latin typeface="Arial" panose="020B0604020202020204" pitchFamily="34" charset="0"/>
-              </a:defRPr>
-            </a:lvl7pPr>
-            <a:lvl8pPr marL="3429000" indent="-228600" eaLnBrk="0" fontAlgn="base" hangingPunct="0">
-              <a:spcBef>
-                <a:spcPct val="0"/>
-              </a:spcBef>
-              <a:spcAft>
-                <a:spcPct val="0"/>
-              </a:spcAft>
-              <a:defRPr>
-                <a:solidFill>
-                  <a:schemeClr val="tx1"/>
-                </a:solidFill>
-                <a:latin typeface="Arial" panose="020B0604020202020204" pitchFamily="34" charset="0"/>
-              </a:defRPr>
-            </a:lvl8pPr>
-            <a:lvl9pPr marL="3886200" indent="-228600" eaLnBrk="0" fontAlgn="base" hangingPunct="0">
-              <a:spcBef>
-                <a:spcPct val="0"/>
-              </a:spcBef>
-              <a:spcAft>
-                <a:spcPct val="0"/>
-              </a:spcAft>
-              <a:defRPr>
-                <a:solidFill>
-                  <a:schemeClr val="tx1"/>
-                </a:solidFill>
-                <a:latin typeface="Arial" panose="020B0604020202020204" pitchFamily="34" charset="0"/>
-              </a:defRPr>
-            </a:lvl9pPr>
-          </a:lstStyle>
-          <a:p>
-            <a:pPr eaLnBrk="1" hangingPunct="1"/>
-            <a:fld id="{3F7E73E1-F280-4386-87FD-01754258053D}" type="slidenum">
-              <a:rPr lang="en-US">
-                <a:solidFill>
-                  <a:schemeClr val="accent1"/>
-                </a:solidFill>
-              </a:rPr>
-              <a:pPr eaLnBrk="1" hangingPunct="1"/>
-              <a:t>18</a:t>
-            </a:fld>
-            <a:endParaRPr lang="en-US" dirty="0">
-              <a:solidFill>
-                <a:schemeClr val="accent1"/>
-              </a:solidFill>
-            </a:endParaRPr>
-          </a:p>
-        </p:txBody>
-      </p:sp>
-    </p:spTree>
-    <p:extLst>
-      <p:ext uri="{BB962C8B-B14F-4D97-AF65-F5344CB8AC3E}">
-        <p14:creationId xmlns:p14="http://schemas.microsoft.com/office/powerpoint/2010/main" val="3713681588"/>
-      </p:ext>
-    </p:extLst>
-  </p:cSld>
-  <p:clrMapOvr>
-    <a:masterClrMapping/>
-  </p:clrMapOvr>
-</p:sld>
-</file>
-
-<file path=ppt/slides/slide19.xml><?xml version="1.0" encoding="utf-8"?>
-<p:sld xmlns:a="http://schemas.openxmlformats.org/drawingml/2006/main" xmlns:r="http://schemas.openxmlformats.org/officeDocument/2006/relationships" xmlns:p="http://schemas.openxmlformats.org/presentationml/2006/main" show="0">
-  <p:cSld>
-    <p:spTree>
-      <p:nvGrpSpPr>
-        <p:cNvPr id="1" name=""/>
-        <p:cNvGrpSpPr/>
-        <p:nvPr/>
-      </p:nvGrpSpPr>
-      <p:grpSpPr>
-        <a:xfrm>
-          <a:off x="0" y="0"/>
-          <a:ext cx="0" cy="0"/>
-          <a:chOff x="0" y="0"/>
-          <a:chExt cx="0" cy="0"/>
-        </a:xfrm>
-      </p:grpSpPr>
-      <p:sp>
-        <p:nvSpPr>
-          <p:cNvPr id="2" name="Title 1">
-            <a:extLst>
-              <a:ext uri="{FF2B5EF4-FFF2-40B4-BE49-F238E27FC236}">
-                <a16:creationId xmlns:a16="http://schemas.microsoft.com/office/drawing/2014/main" id="{F437CFA0-2772-F841-A425-75A33B7E87E8}"/>
-              </a:ext>
-            </a:extLst>
-          </p:cNvPr>
-          <p:cNvSpPr>
-            <a:spLocks noGrp="1"/>
-          </p:cNvSpPr>
-          <p:nvPr>
-            <p:ph type="title"/>
-          </p:nvPr>
-        </p:nvSpPr>
-        <p:spPr/>
-        <p:txBody>
-          <a:bodyPr/>
-          <a:lstStyle/>
-          <a:p>
-            <a:r>
-              <a:rPr lang="en-US" dirty="0"/>
-              <a:t>Population Models</a:t>
-            </a:r>
-          </a:p>
-        </p:txBody>
-      </p:sp>
-      <p:sp>
-        <p:nvSpPr>
-          <p:cNvPr id="3" name="Content Placeholder 2">
-            <a:extLst>
-              <a:ext uri="{FF2B5EF4-FFF2-40B4-BE49-F238E27FC236}">
-                <a16:creationId xmlns:a16="http://schemas.microsoft.com/office/drawing/2014/main" id="{A4AFC809-5993-DE41-9225-877D8DE33A61}"/>
-              </a:ext>
-            </a:extLst>
-          </p:cNvPr>
-          <p:cNvSpPr>
-            <a:spLocks noGrp="1"/>
-          </p:cNvSpPr>
-          <p:nvPr>
-            <p:ph idx="1"/>
-          </p:nvPr>
-        </p:nvSpPr>
-        <p:spPr/>
-        <p:txBody>
-          <a:bodyPr/>
-          <a:lstStyle/>
-          <a:p>
-            <a:r>
-              <a:rPr lang="en-US" dirty="0"/>
-              <a:t>Models both the incident and prevalent cases over time (calendar time explicitly modeled)</a:t>
-            </a:r>
-          </a:p>
-          <a:p>
-            <a:r>
-              <a:rPr lang="en-US" dirty="0"/>
-              <a:t>Intervention duration</a:t>
-            </a:r>
-          </a:p>
-          <a:p>
-            <a:pPr lvl="1"/>
-            <a:r>
-              <a:rPr lang="en-US" dirty="0"/>
-              <a:t>Length of time over which the intervention is applied per person or cohort</a:t>
-            </a:r>
-          </a:p>
-          <a:p>
-            <a:r>
-              <a:rPr lang="en-US" dirty="0"/>
-              <a:t>Implementation period</a:t>
-            </a:r>
-          </a:p>
-          <a:p>
-            <a:pPr lvl="1"/>
-            <a:r>
-              <a:rPr lang="en-US" dirty="0"/>
-              <a:t>Period over which the intervention is applied</a:t>
-            </a:r>
-          </a:p>
-          <a:p>
-            <a:r>
-              <a:rPr lang="en-US" dirty="0"/>
-              <a:t>Analytic Horizon</a:t>
-            </a:r>
-          </a:p>
-          <a:p>
-            <a:pPr lvl="1"/>
-            <a:r>
-              <a:rPr lang="en-US" dirty="0"/>
-              <a:t>Period over which costs and effects are assessed</a:t>
-            </a:r>
-          </a:p>
-          <a:p>
-            <a:pPr lvl="1"/>
-            <a:r>
-              <a:rPr lang="en-US" dirty="0"/>
-              <a:t>Should be long enough to capture all meaningful differences in costs and effects between </a:t>
-            </a:r>
-            <a:r>
-              <a:rPr lang="en-US" dirty="0" err="1"/>
-              <a:t>altenatives</a:t>
-            </a:r>
-            <a:endParaRPr lang="en-US" dirty="0"/>
-          </a:p>
-        </p:txBody>
-      </p:sp>
-      <p:sp>
-        <p:nvSpPr>
-          <p:cNvPr id="4" name="Slide Number Placeholder 28">
-            <a:extLst>
-              <a:ext uri="{FF2B5EF4-FFF2-40B4-BE49-F238E27FC236}">
-                <a16:creationId xmlns:a16="http://schemas.microsoft.com/office/drawing/2014/main" id="{1BA58E2E-A700-4241-B973-E142DB57C93C}"/>
-              </a:ext>
-            </a:extLst>
-          </p:cNvPr>
-          <p:cNvSpPr>
-            <a:spLocks noGrp="1"/>
-          </p:cNvSpPr>
-          <p:nvPr>
-            <p:ph type="sldNum" sz="quarter" idx="12"/>
-          </p:nvPr>
-        </p:nvSpPr>
-        <p:spPr>
-          <a:xfrm>
-            <a:off x="8559864" y="6453336"/>
-            <a:ext cx="548640" cy="396240"/>
-          </a:xfrm>
-        </p:spPr>
-        <p:txBody>
-          <a:bodyPr/>
-          <a:lstStyle>
-            <a:lvl1pPr eaLnBrk="0" hangingPunct="0">
-              <a:defRPr>
-                <a:solidFill>
-                  <a:schemeClr val="tx1"/>
-                </a:solidFill>
-                <a:latin typeface="Arial" panose="020B0604020202020204" pitchFamily="34" charset="0"/>
-              </a:defRPr>
-            </a:lvl1pPr>
-            <a:lvl2pPr marL="742950" indent="-285750" eaLnBrk="0" hangingPunct="0">
-              <a:defRPr>
-                <a:solidFill>
-                  <a:schemeClr val="tx1"/>
-                </a:solidFill>
-                <a:latin typeface="Arial" panose="020B0604020202020204" pitchFamily="34" charset="0"/>
-              </a:defRPr>
-            </a:lvl2pPr>
-            <a:lvl3pPr marL="1143000" indent="-228600" eaLnBrk="0" hangingPunct="0">
-              <a:defRPr>
-                <a:solidFill>
-                  <a:schemeClr val="tx1"/>
-                </a:solidFill>
-                <a:latin typeface="Arial" panose="020B0604020202020204" pitchFamily="34" charset="0"/>
-              </a:defRPr>
-            </a:lvl3pPr>
-            <a:lvl4pPr marL="1600200" indent="-228600" eaLnBrk="0" hangingPunct="0">
-              <a:defRPr>
-                <a:solidFill>
-                  <a:schemeClr val="tx1"/>
-                </a:solidFill>
-                <a:latin typeface="Arial" panose="020B0604020202020204" pitchFamily="34" charset="0"/>
-              </a:defRPr>
-            </a:lvl4pPr>
-            <a:lvl5pPr marL="2057400" indent="-228600" eaLnBrk="0" hangingPunct="0">
-              <a:defRPr>
-                <a:solidFill>
-                  <a:schemeClr val="tx1"/>
-                </a:solidFill>
-                <a:latin typeface="Arial" panose="020B0604020202020204" pitchFamily="34" charset="0"/>
-              </a:defRPr>
-            </a:lvl5pPr>
-            <a:lvl6pPr marL="2514600" indent="-228600" eaLnBrk="0" fontAlgn="base" hangingPunct="0">
-              <a:spcBef>
-                <a:spcPct val="0"/>
-              </a:spcBef>
-              <a:spcAft>
-                <a:spcPct val="0"/>
-              </a:spcAft>
-              <a:defRPr>
-                <a:solidFill>
-                  <a:schemeClr val="tx1"/>
-                </a:solidFill>
-                <a:latin typeface="Arial" panose="020B0604020202020204" pitchFamily="34" charset="0"/>
-              </a:defRPr>
-            </a:lvl6pPr>
-            <a:lvl7pPr marL="2971800" indent="-228600" eaLnBrk="0" fontAlgn="base" hangingPunct="0">
-              <a:spcBef>
-                <a:spcPct val="0"/>
-              </a:spcBef>
-              <a:spcAft>
-                <a:spcPct val="0"/>
-              </a:spcAft>
-              <a:defRPr>
-                <a:solidFill>
-                  <a:schemeClr val="tx1"/>
-                </a:solidFill>
-                <a:latin typeface="Arial" panose="020B0604020202020204" pitchFamily="34" charset="0"/>
-              </a:defRPr>
-            </a:lvl7pPr>
-            <a:lvl8pPr marL="3429000" indent="-228600" eaLnBrk="0" fontAlgn="base" hangingPunct="0">
-              <a:spcBef>
-                <a:spcPct val="0"/>
-              </a:spcBef>
-              <a:spcAft>
-                <a:spcPct val="0"/>
-              </a:spcAft>
-              <a:defRPr>
-                <a:solidFill>
-                  <a:schemeClr val="tx1"/>
-                </a:solidFill>
-                <a:latin typeface="Arial" panose="020B0604020202020204" pitchFamily="34" charset="0"/>
-              </a:defRPr>
-            </a:lvl8pPr>
-            <a:lvl9pPr marL="3886200" indent="-228600" eaLnBrk="0" fontAlgn="base" hangingPunct="0">
-              <a:spcBef>
-                <a:spcPct val="0"/>
-              </a:spcBef>
-              <a:spcAft>
-                <a:spcPct val="0"/>
-              </a:spcAft>
-              <a:defRPr>
-                <a:solidFill>
-                  <a:schemeClr val="tx1"/>
-                </a:solidFill>
-                <a:latin typeface="Arial" panose="020B0604020202020204" pitchFamily="34" charset="0"/>
-              </a:defRPr>
-            </a:lvl9pPr>
-          </a:lstStyle>
-          <a:p>
-            <a:pPr eaLnBrk="1" hangingPunct="1"/>
-            <a:fld id="{3F7E73E1-F280-4386-87FD-01754258053D}" type="slidenum">
-              <a:rPr lang="en-US">
-                <a:solidFill>
-                  <a:schemeClr val="accent1"/>
-                </a:solidFill>
-              </a:rPr>
-              <a:pPr eaLnBrk="1" hangingPunct="1"/>
-              <a:t>19</a:t>
-            </a:fld>
-            <a:endParaRPr lang="en-US" dirty="0">
-              <a:solidFill>
-                <a:schemeClr val="accent1"/>
-              </a:solidFill>
-            </a:endParaRPr>
-          </a:p>
-        </p:txBody>
-      </p:sp>
-    </p:spTree>
-    <p:extLst>
-      <p:ext uri="{BB962C8B-B14F-4D97-AF65-F5344CB8AC3E}">
-        <p14:creationId xmlns:p14="http://schemas.microsoft.com/office/powerpoint/2010/main" val="1000260669"/>
-      </p:ext>
-    </p:extLst>
-  </p:cSld>
-  <p:clrMapOvr>
-    <a:masterClrMapping/>
-  </p:clrMapOvr>
-</p:sld>
-</file>
-
-<file path=ppt/slides/slide2.xml><?xml version="1.0" encoding="utf-8"?>
-<p:sld xmlns:a="http://schemas.openxmlformats.org/drawingml/2006/main" xmlns:r="http://schemas.openxmlformats.org/officeDocument/2006/relationships" xmlns:p="http://schemas.openxmlformats.org/presentationml/2006/main">
-  <p:cSld>
-    <p:spTree>
-      <p:nvGrpSpPr>
-        <p:cNvPr id="1" name="Shape 560"/>
-        <p:cNvGrpSpPr/>
-        <p:nvPr/>
-      </p:nvGrpSpPr>
-      <p:grpSpPr>
-        <a:xfrm>
-          <a:off x="0" y="0"/>
-          <a:ext cx="0" cy="0"/>
-          <a:chOff x="0" y="0"/>
-          <a:chExt cx="0" cy="0"/>
-        </a:xfrm>
-      </p:grpSpPr>
-      <p:sp>
-        <p:nvSpPr>
-          <p:cNvPr id="561" name="Shape 561"/>
-          <p:cNvSpPr txBox="1">
-            <a:spLocks noGrp="1"/>
-          </p:cNvSpPr>
-          <p:nvPr>
-            <p:ph type="title"/>
-          </p:nvPr>
-        </p:nvSpPr>
-        <p:spPr>
-          <a:xfrm>
-            <a:off x="840431" y="274638"/>
-            <a:ext cx="7875551" cy="1143000"/>
-          </a:xfrm>
-          <a:prstGeom prst="rect">
-            <a:avLst/>
-          </a:prstGeom>
-        </p:spPr>
-        <p:txBody>
-          <a:bodyPr spcFirstLastPara="1" wrap="square" lIns="91425" tIns="91425" rIns="91425" bIns="91425" anchor="ctr" anchorCtr="0">
-            <a:noAutofit/>
-          </a:bodyPr>
-          <a:lstStyle/>
-          <a:p>
-            <a:pPr marL="0" lvl="0" indent="0" rtl="0">
-              <a:spcBef>
-                <a:spcPts val="0"/>
-              </a:spcBef>
-              <a:spcAft>
-                <a:spcPts val="0"/>
-              </a:spcAft>
-              <a:buNone/>
-            </a:pPr>
-            <a:r>
-              <a:rPr lang="nl-NL" dirty="0"/>
-              <a:t>Cohort State-</a:t>
-            </a:r>
-            <a:r>
-              <a:rPr lang="nl-NL" dirty="0" err="1"/>
-              <a:t>Transition</a:t>
-            </a:r>
-            <a:r>
-              <a:rPr lang="nl-NL" dirty="0"/>
-              <a:t> </a:t>
-            </a:r>
-            <a:r>
-              <a:rPr lang="nl-NL" dirty="0" err="1"/>
-              <a:t>Models</a:t>
-            </a:r>
-            <a:endParaRPr dirty="0"/>
-          </a:p>
-        </p:txBody>
-      </p:sp>
-      <p:sp>
-        <p:nvSpPr>
-          <p:cNvPr id="562" name="Shape 562"/>
-          <p:cNvSpPr txBox="1">
-            <a:spLocks noGrp="1"/>
-          </p:cNvSpPr>
-          <p:nvPr>
-            <p:ph idx="1"/>
-          </p:nvPr>
-        </p:nvSpPr>
-        <p:spPr>
-          <a:xfrm>
-            <a:off x="840425" y="1643974"/>
-            <a:ext cx="8015700" cy="4640726"/>
-          </a:xfrm>
-          <a:prstGeom prst="rect">
-            <a:avLst/>
-          </a:prstGeom>
-        </p:spPr>
-        <p:txBody>
-          <a:bodyPr spcFirstLastPara="1" wrap="square" lIns="91425" tIns="91425" rIns="91425" bIns="91425" anchor="t" anchorCtr="0">
-            <a:noAutofit/>
-          </a:bodyPr>
-          <a:lstStyle/>
-          <a:p>
-            <a:pPr marL="457200" lvl="0" indent="-381000" rtl="0">
-              <a:spcBef>
-                <a:spcPts val="800"/>
-              </a:spcBef>
-              <a:spcAft>
-                <a:spcPts val="0"/>
-              </a:spcAft>
-              <a:buSzPts val="2400"/>
-              <a:buChar char="•"/>
-            </a:pPr>
-            <a:r>
-              <a:rPr lang="nl-NL" sz="2400" dirty="0" err="1"/>
-              <a:t>Models</a:t>
-            </a:r>
-            <a:r>
-              <a:rPr lang="nl-NL" sz="2400" dirty="0"/>
-              <a:t> </a:t>
-            </a:r>
-            <a:r>
-              <a:rPr lang="nl-NL" sz="2400" dirty="0" err="1"/>
-              <a:t>where</a:t>
-            </a:r>
-            <a:r>
-              <a:rPr lang="nl-NL" sz="2400" dirty="0"/>
-              <a:t> </a:t>
-            </a:r>
-            <a:r>
-              <a:rPr lang="nl-NL" sz="2400" dirty="0" err="1"/>
-              <a:t>proportions</a:t>
-            </a:r>
-            <a:r>
-              <a:rPr lang="nl-NL" sz="2400" dirty="0"/>
-              <a:t> of a cohort </a:t>
-            </a:r>
-            <a:r>
-              <a:rPr lang="nl-NL" sz="2400" dirty="0" err="1"/>
-              <a:t>occupy</a:t>
-            </a:r>
-            <a:r>
-              <a:rPr lang="nl-NL" sz="2400" dirty="0"/>
-              <a:t> </a:t>
-            </a:r>
-            <a:r>
-              <a:rPr lang="nl-NL" sz="2400" dirty="0" err="1"/>
-              <a:t>states</a:t>
-            </a:r>
-            <a:r>
-              <a:rPr lang="nl-NL" sz="2400" dirty="0"/>
-              <a:t> at </a:t>
-            </a:r>
-            <a:r>
-              <a:rPr lang="nl-NL" sz="2400" dirty="0" err="1"/>
-              <a:t>each</a:t>
-            </a:r>
-            <a:r>
-              <a:rPr lang="nl-NL" sz="2400" dirty="0"/>
-              <a:t> point in time (e.g., </a:t>
-            </a:r>
-            <a:r>
-              <a:rPr lang="nl-NL" sz="2400" dirty="0" err="1"/>
-              <a:t>healthy</a:t>
-            </a:r>
-            <a:r>
-              <a:rPr lang="nl-NL" sz="2400" dirty="0"/>
-              <a:t>, sick, </a:t>
-            </a:r>
-            <a:r>
-              <a:rPr lang="nl-NL" sz="2400" dirty="0" err="1"/>
-              <a:t>stable</a:t>
-            </a:r>
-            <a:r>
-              <a:rPr lang="nl-NL" sz="2400" dirty="0"/>
-              <a:t>, </a:t>
-            </a:r>
-            <a:r>
-              <a:rPr lang="nl-NL" sz="2400" dirty="0" err="1"/>
-              <a:t>progressed</a:t>
-            </a:r>
-            <a:r>
-              <a:rPr lang="nl-NL" sz="2400" dirty="0"/>
-              <a:t>, dead).</a:t>
-            </a:r>
-            <a:endParaRPr sz="2400" dirty="0"/>
-          </a:p>
-          <a:p>
-            <a:pPr marL="457200" lvl="0" indent="-381000" rtl="0">
-              <a:spcBef>
-                <a:spcPts val="1000"/>
-              </a:spcBef>
-              <a:spcAft>
-                <a:spcPts val="0"/>
-              </a:spcAft>
-              <a:buSzPts val="2400"/>
-              <a:buChar char="•"/>
-            </a:pPr>
-            <a:r>
-              <a:rPr lang="nl-NL" sz="2400" dirty="0"/>
-              <a:t>Transitions allowed between states with some probability.</a:t>
-            </a:r>
-            <a:endParaRPr sz="2400" dirty="0"/>
-          </a:p>
-          <a:p>
-            <a:pPr marL="457200" lvl="0" indent="-381000" rtl="0">
-              <a:spcBef>
-                <a:spcPts val="1000"/>
-              </a:spcBef>
-              <a:spcAft>
-                <a:spcPts val="0"/>
-              </a:spcAft>
-              <a:buSzPts val="2400"/>
-              <a:buChar char="•"/>
-            </a:pPr>
-            <a:r>
-              <a:rPr lang="nl-NL" sz="2400" dirty="0" err="1"/>
-              <a:t>Transitions</a:t>
-            </a:r>
-            <a:r>
-              <a:rPr lang="nl-NL" sz="2400" dirty="0"/>
-              <a:t> </a:t>
-            </a:r>
-            <a:r>
-              <a:rPr lang="nl-NL" sz="2400" dirty="0" err="1"/>
-              <a:t>occur</a:t>
-            </a:r>
-            <a:r>
-              <a:rPr lang="nl-NL" sz="2400" dirty="0"/>
-              <a:t> in </a:t>
-            </a:r>
-            <a:r>
-              <a:rPr lang="nl-NL" sz="2400" dirty="0" err="1"/>
-              <a:t>cycles</a:t>
-            </a:r>
-            <a:r>
-              <a:rPr lang="nl-NL" sz="2400" dirty="0"/>
-              <a:t> (</a:t>
-            </a:r>
-            <a:r>
-              <a:rPr lang="nl-NL" sz="2400" dirty="0" err="1"/>
-              <a:t>months</a:t>
-            </a:r>
-            <a:r>
-              <a:rPr lang="nl-NL" sz="2400" dirty="0"/>
-              <a:t>, </a:t>
-            </a:r>
-            <a:r>
-              <a:rPr lang="nl-NL" sz="2400" dirty="0" err="1"/>
-              <a:t>years</a:t>
-            </a:r>
-            <a:r>
-              <a:rPr lang="nl-NL" sz="2400" dirty="0"/>
-              <a:t> </a:t>
-            </a:r>
-            <a:r>
-              <a:rPr lang="nl-NL" sz="2400" dirty="0" err="1"/>
-              <a:t>etc</a:t>
-            </a:r>
-            <a:r>
-              <a:rPr lang="nl-NL" sz="2400" dirty="0"/>
-              <a:t>).</a:t>
-            </a:r>
-            <a:endParaRPr sz="2400" dirty="0"/>
-          </a:p>
-          <a:p>
-            <a:pPr marL="457200" lvl="0" indent="-381000" rtl="0">
-              <a:spcBef>
-                <a:spcPts val="1000"/>
-              </a:spcBef>
-              <a:spcAft>
-                <a:spcPts val="0"/>
-              </a:spcAft>
-              <a:buSzPts val="2400"/>
-              <a:buChar char="•"/>
-            </a:pPr>
-            <a:r>
-              <a:rPr lang="nl-NL" sz="2400" dirty="0"/>
-              <a:t>Each state associated with a value associated with a model outcome ($, utility).</a:t>
-            </a:r>
-            <a:endParaRPr sz="2400" dirty="0"/>
-          </a:p>
-          <a:p>
-            <a:pPr marL="457200" lvl="0" indent="-381000" rtl="0">
-              <a:spcBef>
-                <a:spcPts val="1000"/>
-              </a:spcBef>
-              <a:spcAft>
-                <a:spcPts val="1000"/>
-              </a:spcAft>
-              <a:buSzPts val="2400"/>
-              <a:buChar char="•"/>
-            </a:pPr>
-            <a:r>
-              <a:rPr lang="nl-NL" sz="2400" dirty="0"/>
-              <a:t>Markov assumption: no “memory” within states.</a:t>
-            </a:r>
-            <a:endParaRPr sz="2400" dirty="0"/>
-          </a:p>
-        </p:txBody>
-      </p:sp>
-      <p:sp>
-        <p:nvSpPr>
-          <p:cNvPr id="563" name="Shape 563"/>
-          <p:cNvSpPr txBox="1">
-            <a:spLocks noGrp="1"/>
-          </p:cNvSpPr>
-          <p:nvPr>
-            <p:ph type="sldNum" sz="quarter" idx="12"/>
-          </p:nvPr>
-        </p:nvSpPr>
-        <p:spPr>
-          <a:prstGeom prst="rect">
-            <a:avLst/>
-          </a:prstGeom>
-        </p:spPr>
-        <p:txBody>
-          <a:bodyPr spcFirstLastPara="1" wrap="square" lIns="0" tIns="0" rIns="0" bIns="0" anchor="ctr" anchorCtr="0">
-            <a:noAutofit/>
-          </a:bodyPr>
-          <a:lstStyle/>
-          <a:p>
-            <a:pPr marL="0" lvl="0" indent="0">
-              <a:spcBef>
-                <a:spcPts val="0"/>
-              </a:spcBef>
-              <a:spcAft>
-                <a:spcPts val="0"/>
-              </a:spcAft>
-              <a:buClr>
-                <a:srgbClr val="000000"/>
-              </a:buClr>
-              <a:buFont typeface="Arial"/>
-              <a:buNone/>
-            </a:pPr>
-            <a:fld id="{00000000-1234-1234-1234-123412341234}" type="slidenum">
-              <a:rPr lang="nl-NL"/>
-              <a:t>2</a:t>
-            </a:fld>
-            <a:endParaRPr/>
-          </a:p>
-        </p:txBody>
-      </p:sp>
-    </p:spTree>
-    <p:extLst>
-      <p:ext uri="{BB962C8B-B14F-4D97-AF65-F5344CB8AC3E}">
-        <p14:creationId xmlns:p14="http://schemas.microsoft.com/office/powerpoint/2010/main" val="961895113"/>
-      </p:ext>
-    </p:extLst>
-  </p:cSld>
-  <p:clrMapOvr>
-    <a:masterClrMapping/>
-  </p:clrMapOvr>
-</p:sld>
-</file>
-
-<file path=ppt/slides/slide20.xml><?xml version="1.0" encoding="utf-8"?>
-<p:sld xmlns:a="http://schemas.openxmlformats.org/drawingml/2006/main" xmlns:r="http://schemas.openxmlformats.org/officeDocument/2006/relationships" xmlns:p="http://schemas.openxmlformats.org/presentationml/2006/main" show="0">
-  <p:cSld>
-    <p:spTree>
-      <p:nvGrpSpPr>
-        <p:cNvPr id="1" name=""/>
-        <p:cNvGrpSpPr/>
-        <p:nvPr/>
-      </p:nvGrpSpPr>
-      <p:grpSpPr>
-        <a:xfrm>
-          <a:off x="0" y="0"/>
-          <a:ext cx="0" cy="0"/>
-          <a:chOff x="0" y="0"/>
-          <a:chExt cx="0" cy="0"/>
-        </a:xfrm>
-      </p:grpSpPr>
-      <p:sp>
-        <p:nvSpPr>
-          <p:cNvPr id="2" name="Title 1">
-            <a:extLst>
-              <a:ext uri="{FF2B5EF4-FFF2-40B4-BE49-F238E27FC236}">
-                <a16:creationId xmlns:a16="http://schemas.microsoft.com/office/drawing/2014/main" id="{FB88A59C-BA13-5A49-9F4F-5C5E793DABC2}"/>
-              </a:ext>
-            </a:extLst>
-          </p:cNvPr>
-          <p:cNvSpPr>
-            <a:spLocks noGrp="1"/>
-          </p:cNvSpPr>
-          <p:nvPr>
-            <p:ph type="title"/>
-          </p:nvPr>
-        </p:nvSpPr>
-        <p:spPr/>
-        <p:txBody>
-          <a:bodyPr/>
-          <a:lstStyle/>
-          <a:p>
-            <a:r>
-              <a:rPr lang="en-US" dirty="0"/>
-              <a:t>Population Evaluations</a:t>
-            </a:r>
-          </a:p>
-        </p:txBody>
-      </p:sp>
-      <p:pic>
-        <p:nvPicPr>
-          <p:cNvPr id="4" name="Picture 3">
-            <a:extLst>
-              <a:ext uri="{FF2B5EF4-FFF2-40B4-BE49-F238E27FC236}">
-                <a16:creationId xmlns:a16="http://schemas.microsoft.com/office/drawing/2014/main" id="{2D1A665F-A594-F943-B278-935F471A8756}"/>
-              </a:ext>
-            </a:extLst>
-          </p:cNvPr>
-          <p:cNvPicPr>
-            <a:picLocks noChangeAspect="1"/>
-          </p:cNvPicPr>
-          <p:nvPr/>
-        </p:nvPicPr>
-        <p:blipFill>
-          <a:blip r:embed="rId2"/>
-          <a:stretch>
-            <a:fillRect/>
-          </a:stretch>
-        </p:blipFill>
-        <p:spPr>
-          <a:xfrm>
-            <a:off x="791584" y="1417637"/>
-            <a:ext cx="7989073" cy="4702539"/>
-          </a:xfrm>
-          <a:prstGeom prst="rect">
-            <a:avLst/>
-          </a:prstGeom>
-        </p:spPr>
-      </p:pic>
-      <p:sp>
-        <p:nvSpPr>
-          <p:cNvPr id="5" name="TextBox 4">
-            <a:extLst>
-              <a:ext uri="{FF2B5EF4-FFF2-40B4-BE49-F238E27FC236}">
-                <a16:creationId xmlns:a16="http://schemas.microsoft.com/office/drawing/2014/main" id="{C68B8917-AB5F-9E4F-86A1-8359015364A1}"/>
-              </a:ext>
-            </a:extLst>
-          </p:cNvPr>
-          <p:cNvSpPr txBox="1"/>
-          <p:nvPr/>
-        </p:nvSpPr>
-        <p:spPr>
-          <a:xfrm>
-            <a:off x="1377387" y="6412375"/>
-            <a:ext cx="6691255" cy="369332"/>
-          </a:xfrm>
-          <a:prstGeom prst="rect">
-            <a:avLst/>
-          </a:prstGeom>
-          <a:noFill/>
-        </p:spPr>
-        <p:txBody>
-          <a:bodyPr wrap="none" rtlCol="0">
-            <a:spAutoFit/>
-          </a:bodyPr>
-          <a:lstStyle/>
-          <a:p>
-            <a:r>
-              <a:rPr lang="en-US" dirty="0" err="1"/>
-              <a:t>O’Mahony</a:t>
-            </a:r>
-            <a:r>
-              <a:rPr lang="en-US" dirty="0"/>
-              <a:t> JF et al. </a:t>
-            </a:r>
-            <a:r>
-              <a:rPr lang="en-US" i="1" dirty="0" err="1"/>
-              <a:t>PharmacoEconomics</a:t>
-            </a:r>
-            <a:r>
-              <a:rPr lang="en-US" dirty="0"/>
-              <a:t> 2015;33:1255.</a:t>
-            </a:r>
-          </a:p>
-        </p:txBody>
-      </p:sp>
-      <p:sp>
-        <p:nvSpPr>
-          <p:cNvPr id="6" name="Slide Number Placeholder 28">
-            <a:extLst>
-              <a:ext uri="{FF2B5EF4-FFF2-40B4-BE49-F238E27FC236}">
-                <a16:creationId xmlns:a16="http://schemas.microsoft.com/office/drawing/2014/main" id="{40517A00-4FEF-4F4F-8E63-FF75647842E6}"/>
-              </a:ext>
-            </a:extLst>
-          </p:cNvPr>
-          <p:cNvSpPr>
-            <a:spLocks noGrp="1"/>
-          </p:cNvSpPr>
-          <p:nvPr>
-            <p:ph type="sldNum" sz="quarter" idx="12"/>
-          </p:nvPr>
-        </p:nvSpPr>
-        <p:spPr>
-          <a:xfrm>
-            <a:off x="8559864" y="6453336"/>
-            <a:ext cx="548640" cy="396240"/>
-          </a:xfrm>
-        </p:spPr>
-        <p:txBody>
-          <a:bodyPr/>
-          <a:lstStyle>
-            <a:lvl1pPr eaLnBrk="0" hangingPunct="0">
-              <a:defRPr>
-                <a:solidFill>
-                  <a:schemeClr val="tx1"/>
-                </a:solidFill>
-                <a:latin typeface="Arial" panose="020B0604020202020204" pitchFamily="34" charset="0"/>
-              </a:defRPr>
-            </a:lvl1pPr>
-            <a:lvl2pPr marL="742950" indent="-285750" eaLnBrk="0" hangingPunct="0">
-              <a:defRPr>
-                <a:solidFill>
-                  <a:schemeClr val="tx1"/>
-                </a:solidFill>
-                <a:latin typeface="Arial" panose="020B0604020202020204" pitchFamily="34" charset="0"/>
-              </a:defRPr>
-            </a:lvl2pPr>
-            <a:lvl3pPr marL="1143000" indent="-228600" eaLnBrk="0" hangingPunct="0">
-              <a:defRPr>
-                <a:solidFill>
-                  <a:schemeClr val="tx1"/>
-                </a:solidFill>
-                <a:latin typeface="Arial" panose="020B0604020202020204" pitchFamily="34" charset="0"/>
-              </a:defRPr>
-            </a:lvl3pPr>
-            <a:lvl4pPr marL="1600200" indent="-228600" eaLnBrk="0" hangingPunct="0">
-              <a:defRPr>
-                <a:solidFill>
-                  <a:schemeClr val="tx1"/>
-                </a:solidFill>
-                <a:latin typeface="Arial" panose="020B0604020202020204" pitchFamily="34" charset="0"/>
-              </a:defRPr>
-            </a:lvl4pPr>
-            <a:lvl5pPr marL="2057400" indent="-228600" eaLnBrk="0" hangingPunct="0">
-              <a:defRPr>
-                <a:solidFill>
-                  <a:schemeClr val="tx1"/>
-                </a:solidFill>
-                <a:latin typeface="Arial" panose="020B0604020202020204" pitchFamily="34" charset="0"/>
-              </a:defRPr>
-            </a:lvl5pPr>
-            <a:lvl6pPr marL="2514600" indent="-228600" eaLnBrk="0" fontAlgn="base" hangingPunct="0">
-              <a:spcBef>
-                <a:spcPct val="0"/>
-              </a:spcBef>
-              <a:spcAft>
-                <a:spcPct val="0"/>
-              </a:spcAft>
-              <a:defRPr>
-                <a:solidFill>
-                  <a:schemeClr val="tx1"/>
-                </a:solidFill>
-                <a:latin typeface="Arial" panose="020B0604020202020204" pitchFamily="34" charset="0"/>
-              </a:defRPr>
-            </a:lvl6pPr>
-            <a:lvl7pPr marL="2971800" indent="-228600" eaLnBrk="0" fontAlgn="base" hangingPunct="0">
-              <a:spcBef>
-                <a:spcPct val="0"/>
-              </a:spcBef>
-              <a:spcAft>
-                <a:spcPct val="0"/>
-              </a:spcAft>
-              <a:defRPr>
-                <a:solidFill>
-                  <a:schemeClr val="tx1"/>
-                </a:solidFill>
-                <a:latin typeface="Arial" panose="020B0604020202020204" pitchFamily="34" charset="0"/>
-              </a:defRPr>
-            </a:lvl7pPr>
-            <a:lvl8pPr marL="3429000" indent="-228600" eaLnBrk="0" fontAlgn="base" hangingPunct="0">
-              <a:spcBef>
-                <a:spcPct val="0"/>
-              </a:spcBef>
-              <a:spcAft>
-                <a:spcPct val="0"/>
-              </a:spcAft>
-              <a:defRPr>
-                <a:solidFill>
-                  <a:schemeClr val="tx1"/>
-                </a:solidFill>
-                <a:latin typeface="Arial" panose="020B0604020202020204" pitchFamily="34" charset="0"/>
-              </a:defRPr>
-            </a:lvl8pPr>
-            <a:lvl9pPr marL="3886200" indent="-228600" eaLnBrk="0" fontAlgn="base" hangingPunct="0">
-              <a:spcBef>
-                <a:spcPct val="0"/>
-              </a:spcBef>
-              <a:spcAft>
-                <a:spcPct val="0"/>
-              </a:spcAft>
-              <a:defRPr>
-                <a:solidFill>
-                  <a:schemeClr val="tx1"/>
-                </a:solidFill>
-                <a:latin typeface="Arial" panose="020B0604020202020204" pitchFamily="34" charset="0"/>
-              </a:defRPr>
-            </a:lvl9pPr>
-          </a:lstStyle>
-          <a:p>
-            <a:pPr eaLnBrk="1" hangingPunct="1"/>
-            <a:fld id="{3F7E73E1-F280-4386-87FD-01754258053D}" type="slidenum">
-              <a:rPr lang="en-US">
-                <a:solidFill>
-                  <a:schemeClr val="accent1"/>
-                </a:solidFill>
-              </a:rPr>
-              <a:pPr eaLnBrk="1" hangingPunct="1"/>
-              <a:t>20</a:t>
-            </a:fld>
-            <a:endParaRPr lang="en-US" dirty="0">
-              <a:solidFill>
-                <a:schemeClr val="accent1"/>
-              </a:solidFill>
-            </a:endParaRPr>
-          </a:p>
-        </p:txBody>
-      </p:sp>
-    </p:spTree>
-    <p:extLst>
-      <p:ext uri="{BB962C8B-B14F-4D97-AF65-F5344CB8AC3E}">
-        <p14:creationId xmlns:p14="http://schemas.microsoft.com/office/powerpoint/2010/main" val="3572775063"/>
-      </p:ext>
-    </p:extLst>
-  </p:cSld>
-  <p:clrMapOvr>
-    <a:masterClrMapping/>
-  </p:clrMapOvr>
-</p:sld>
-</file>
-
-<file path=ppt/slides/slide21.xml><?xml version="1.0" encoding="utf-8"?>
 <p:sld xmlns:a="http://schemas.openxmlformats.org/drawingml/2006/main" xmlns:r="http://schemas.openxmlformats.org/officeDocument/2006/relationships" xmlns:p="http://schemas.openxmlformats.org/presentationml/2006/main">
   <p:cSld>
     <p:spTree>
@@ -28433,7 +23568,7 @@
             </a:pPr>
             <a:fld id="{00000000-1234-1234-1234-123412341234}" type="slidenum">
               <a:rPr lang="nl-NL"/>
-              <a:t>21</a:t>
+              <a:t>15</a:t>
             </a:fld>
             <a:endParaRPr/>
           </a:p>
@@ -28452,7 +23587,7 @@
 </p:sld>
 </file>
 
-<file path=ppt/slides/slide22.xml><?xml version="1.0" encoding="utf-8"?>
+<file path=ppt/slides/slide16.xml><?xml version="1.0" encoding="utf-8"?>
 <p:sld xmlns:a="http://schemas.openxmlformats.org/drawingml/2006/main" xmlns:r="http://schemas.openxmlformats.org/officeDocument/2006/relationships" xmlns:p="http://schemas.openxmlformats.org/presentationml/2006/main">
   <p:cSld>
     <p:spTree>
@@ -28539,7 +23674,7 @@
             </a:pPr>
             <a:fld id="{00000000-1234-1234-1234-123412341234}" type="slidenum">
               <a:rPr lang="nl-NL"/>
-              <a:t>22</a:t>
+              <a:t>16</a:t>
             </a:fld>
             <a:endParaRPr/>
           </a:p>
@@ -29154,7 +24289,7 @@
 </p:sld>
 </file>
 
-<file path=ppt/slides/slide23.xml><?xml version="1.0" encoding="utf-8"?>
+<file path=ppt/slides/slide17.xml><?xml version="1.0" encoding="utf-8"?>
 <p:sld xmlns:a="http://schemas.openxmlformats.org/drawingml/2006/main" xmlns:r="http://schemas.openxmlformats.org/officeDocument/2006/relationships" xmlns:p="http://schemas.openxmlformats.org/presentationml/2006/main">
   <p:cSld>
     <p:spTree>
@@ -29898,7 +25033,7 @@
             </a:pPr>
             <a:fld id="{00000000-1234-1234-1234-123412341234}" type="slidenum">
               <a:rPr lang="nl-NL"/>
-              <a:t>23</a:t>
+              <a:t>17</a:t>
             </a:fld>
             <a:endParaRPr/>
           </a:p>
@@ -29917,7 +25052,7 @@
 </p:sld>
 </file>
 
-<file path=ppt/slides/slide24.xml><?xml version="1.0" encoding="utf-8"?>
+<file path=ppt/slides/slide18.xml><?xml version="1.0" encoding="utf-8"?>
 <p:sld xmlns:a="http://schemas.openxmlformats.org/drawingml/2006/main" xmlns:r="http://schemas.openxmlformats.org/officeDocument/2006/relationships" xmlns:p="http://schemas.openxmlformats.org/presentationml/2006/main">
   <p:cSld>
     <p:spTree>
@@ -30218,7 +25353,7 @@
             </a:pPr>
             <a:fld id="{00000000-1234-1234-1234-123412341234}" type="slidenum">
               <a:rPr lang="nl-NL"/>
-              <a:t>24</a:t>
+              <a:t>18</a:t>
             </a:fld>
             <a:endParaRPr/>
           </a:p>
@@ -31799,7 +26934,7 @@
 </p:sld>
 </file>
 
-<file path=ppt/slides/slide25.xml><?xml version="1.0" encoding="utf-8"?>
+<file path=ppt/slides/slide19.xml><?xml version="1.0" encoding="utf-8"?>
 <p:sld xmlns:a="http://schemas.openxmlformats.org/drawingml/2006/main" xmlns:r="http://schemas.openxmlformats.org/officeDocument/2006/relationships" xmlns:p="http://schemas.openxmlformats.org/presentationml/2006/main">
   <p:cSld>
     <p:spTree>
@@ -32233,7 +27368,7 @@
             </a:pPr>
             <a:fld id="{00000000-1234-1234-1234-123412341234}" type="slidenum">
               <a:rPr lang="nl-NL"/>
-              <a:t>25</a:t>
+              <a:t>19</a:t>
             </a:fld>
             <a:endParaRPr/>
           </a:p>
@@ -32823,7 +27958,356 @@
 </p:sld>
 </file>
 
-<file path=ppt/slides/slide26.xml><?xml version="1.0" encoding="utf-8"?>
+<file path=ppt/slides/slide2.xml><?xml version="1.0" encoding="utf-8"?>
+<p:sld xmlns:a="http://schemas.openxmlformats.org/drawingml/2006/main" xmlns:r="http://schemas.openxmlformats.org/officeDocument/2006/relationships" xmlns:p="http://schemas.openxmlformats.org/presentationml/2006/main">
+  <p:cSld>
+    <p:spTree>
+      <p:nvGrpSpPr>
+        <p:cNvPr id="1" name="Shape 560"/>
+        <p:cNvGrpSpPr/>
+        <p:nvPr/>
+      </p:nvGrpSpPr>
+      <p:grpSpPr>
+        <a:xfrm>
+          <a:off x="0" y="0"/>
+          <a:ext cx="0" cy="0"/>
+          <a:chOff x="0" y="0"/>
+          <a:chExt cx="0" cy="0"/>
+        </a:xfrm>
+      </p:grpSpPr>
+      <p:sp>
+        <p:nvSpPr>
+          <p:cNvPr id="561" name="Shape 561"/>
+          <p:cNvSpPr txBox="1">
+            <a:spLocks noGrp="1"/>
+          </p:cNvSpPr>
+          <p:nvPr>
+            <p:ph type="title"/>
+          </p:nvPr>
+        </p:nvSpPr>
+        <p:spPr>
+          <a:xfrm>
+            <a:off x="840431" y="274638"/>
+            <a:ext cx="7875551" cy="1143000"/>
+          </a:xfrm>
+          <a:prstGeom prst="rect">
+            <a:avLst/>
+          </a:prstGeom>
+        </p:spPr>
+        <p:txBody>
+          <a:bodyPr spcFirstLastPara="1" wrap="square" lIns="91425" tIns="91425" rIns="91425" bIns="91425" anchor="ctr" anchorCtr="0">
+            <a:noAutofit/>
+          </a:bodyPr>
+          <a:lstStyle/>
+          <a:p>
+            <a:pPr marL="0" lvl="0" indent="0" rtl="0">
+              <a:spcBef>
+                <a:spcPts val="0"/>
+              </a:spcBef>
+              <a:spcAft>
+                <a:spcPts val="0"/>
+              </a:spcAft>
+              <a:buNone/>
+            </a:pPr>
+            <a:r>
+              <a:rPr lang="nl-NL" dirty="0"/>
+              <a:t>Cohort State-</a:t>
+            </a:r>
+            <a:r>
+              <a:rPr lang="nl-NL" dirty="0" err="1"/>
+              <a:t>Transition</a:t>
+            </a:r>
+            <a:r>
+              <a:rPr lang="nl-NL" dirty="0"/>
+              <a:t> </a:t>
+            </a:r>
+            <a:r>
+              <a:rPr lang="nl-NL" dirty="0" err="1"/>
+              <a:t>Models</a:t>
+            </a:r>
+            <a:endParaRPr dirty="0"/>
+          </a:p>
+        </p:txBody>
+      </p:sp>
+      <p:sp>
+        <p:nvSpPr>
+          <p:cNvPr id="562" name="Shape 562"/>
+          <p:cNvSpPr txBox="1">
+            <a:spLocks noGrp="1"/>
+          </p:cNvSpPr>
+          <p:nvPr>
+            <p:ph idx="1"/>
+          </p:nvPr>
+        </p:nvSpPr>
+        <p:spPr>
+          <a:xfrm>
+            <a:off x="840425" y="1643974"/>
+            <a:ext cx="8015700" cy="4640726"/>
+          </a:xfrm>
+          <a:prstGeom prst="rect">
+            <a:avLst/>
+          </a:prstGeom>
+        </p:spPr>
+        <p:txBody>
+          <a:bodyPr spcFirstLastPara="1" wrap="square" lIns="91425" tIns="91425" rIns="91425" bIns="91425" anchor="t" anchorCtr="0">
+            <a:noAutofit/>
+          </a:bodyPr>
+          <a:lstStyle/>
+          <a:p>
+            <a:pPr marL="457200" lvl="0" indent="-381000" rtl="0">
+              <a:spcBef>
+                <a:spcPts val="800"/>
+              </a:spcBef>
+              <a:spcAft>
+                <a:spcPts val="0"/>
+              </a:spcAft>
+              <a:buSzPts val="2400"/>
+              <a:buChar char="•"/>
+            </a:pPr>
+            <a:r>
+              <a:rPr lang="nl-NL" sz="2400" dirty="0" err="1"/>
+              <a:t>Models</a:t>
+            </a:r>
+            <a:r>
+              <a:rPr lang="nl-NL" sz="2400" dirty="0"/>
+              <a:t> </a:t>
+            </a:r>
+            <a:r>
+              <a:rPr lang="nl-NL" sz="2400" dirty="0" err="1"/>
+              <a:t>where</a:t>
+            </a:r>
+            <a:r>
+              <a:rPr lang="nl-NL" sz="2400" dirty="0"/>
+              <a:t> </a:t>
+            </a:r>
+            <a:r>
+              <a:rPr lang="nl-NL" sz="2400" dirty="0" err="1"/>
+              <a:t>proportions</a:t>
+            </a:r>
+            <a:r>
+              <a:rPr lang="nl-NL" sz="2400" dirty="0"/>
+              <a:t> of a cohort </a:t>
+            </a:r>
+            <a:r>
+              <a:rPr lang="nl-NL" sz="2400" dirty="0" err="1"/>
+              <a:t>occupy</a:t>
+            </a:r>
+            <a:r>
+              <a:rPr lang="nl-NL" sz="2400" dirty="0"/>
+              <a:t> </a:t>
+            </a:r>
+            <a:r>
+              <a:rPr lang="nl-NL" sz="2400" dirty="0" err="1"/>
+              <a:t>states</a:t>
+            </a:r>
+            <a:r>
+              <a:rPr lang="nl-NL" sz="2400" dirty="0"/>
+              <a:t> at </a:t>
+            </a:r>
+            <a:r>
+              <a:rPr lang="nl-NL" sz="2400" dirty="0" err="1"/>
+              <a:t>each</a:t>
+            </a:r>
+            <a:r>
+              <a:rPr lang="nl-NL" sz="2400" dirty="0"/>
+              <a:t> point in time (e.g., </a:t>
+            </a:r>
+            <a:r>
+              <a:rPr lang="nl-NL" sz="2400" dirty="0" err="1"/>
+              <a:t>healthy</a:t>
+            </a:r>
+            <a:r>
+              <a:rPr lang="nl-NL" sz="2400" dirty="0"/>
+              <a:t>, sick, </a:t>
+            </a:r>
+            <a:r>
+              <a:rPr lang="nl-NL" sz="2400" dirty="0" err="1"/>
+              <a:t>stable</a:t>
+            </a:r>
+            <a:r>
+              <a:rPr lang="nl-NL" sz="2400" dirty="0"/>
+              <a:t>, </a:t>
+            </a:r>
+            <a:r>
+              <a:rPr lang="nl-NL" sz="2400" dirty="0" err="1"/>
+              <a:t>progressed</a:t>
+            </a:r>
+            <a:r>
+              <a:rPr lang="nl-NL" sz="2400" dirty="0"/>
+              <a:t>, dead).</a:t>
+            </a:r>
+            <a:endParaRPr sz="2400" dirty="0"/>
+          </a:p>
+          <a:p>
+            <a:pPr marL="457200" lvl="0" indent="-381000" rtl="0">
+              <a:spcBef>
+                <a:spcPts val="1000"/>
+              </a:spcBef>
+              <a:spcAft>
+                <a:spcPts val="0"/>
+              </a:spcAft>
+              <a:buSzPts val="2400"/>
+              <a:buChar char="•"/>
+            </a:pPr>
+            <a:r>
+              <a:rPr lang="nl-NL" sz="2400" dirty="0"/>
+              <a:t>Transitions allowed between states with some probability.</a:t>
+            </a:r>
+            <a:endParaRPr sz="2400" dirty="0"/>
+          </a:p>
+          <a:p>
+            <a:pPr marL="457200" lvl="0" indent="-381000" rtl="0">
+              <a:spcBef>
+                <a:spcPts val="1000"/>
+              </a:spcBef>
+              <a:spcAft>
+                <a:spcPts val="0"/>
+              </a:spcAft>
+              <a:buSzPts val="2400"/>
+              <a:buChar char="•"/>
+            </a:pPr>
+            <a:r>
+              <a:rPr lang="nl-NL" sz="2400" dirty="0" err="1"/>
+              <a:t>Transitions</a:t>
+            </a:r>
+            <a:r>
+              <a:rPr lang="nl-NL" sz="2400" dirty="0"/>
+              <a:t> </a:t>
+            </a:r>
+            <a:r>
+              <a:rPr lang="nl-NL" sz="2400" dirty="0" err="1"/>
+              <a:t>occur</a:t>
+            </a:r>
+            <a:r>
+              <a:rPr lang="nl-NL" sz="2400" dirty="0"/>
+              <a:t> in </a:t>
+            </a:r>
+            <a:r>
+              <a:rPr lang="nl-NL" sz="2400" dirty="0" err="1"/>
+              <a:t>cycles</a:t>
+            </a:r>
+            <a:r>
+              <a:rPr lang="nl-NL" sz="2400" dirty="0"/>
+              <a:t> (</a:t>
+            </a:r>
+            <a:r>
+              <a:rPr lang="nl-NL" sz="2400" dirty="0" err="1"/>
+              <a:t>months</a:t>
+            </a:r>
+            <a:r>
+              <a:rPr lang="nl-NL" sz="2400" dirty="0"/>
+              <a:t>, </a:t>
+            </a:r>
+            <a:r>
+              <a:rPr lang="nl-NL" sz="2400" dirty="0" err="1"/>
+              <a:t>years</a:t>
+            </a:r>
+            <a:r>
+              <a:rPr lang="nl-NL" sz="2400" dirty="0"/>
+              <a:t> </a:t>
+            </a:r>
+            <a:r>
+              <a:rPr lang="nl-NL" sz="2400" dirty="0" err="1"/>
+              <a:t>etc</a:t>
+            </a:r>
+            <a:r>
+              <a:rPr lang="nl-NL" sz="2400" dirty="0"/>
+              <a:t>).</a:t>
+            </a:r>
+            <a:endParaRPr sz="2400" dirty="0"/>
+          </a:p>
+          <a:p>
+            <a:pPr marL="457200" lvl="0" indent="-381000" rtl="0">
+              <a:spcBef>
+                <a:spcPts val="1000"/>
+              </a:spcBef>
+              <a:spcAft>
+                <a:spcPts val="0"/>
+              </a:spcAft>
+              <a:buSzPts val="2400"/>
+              <a:buChar char="•"/>
+            </a:pPr>
+            <a:r>
+              <a:rPr lang="nl-NL" sz="2400" dirty="0"/>
+              <a:t>Each state associated with a value associated with a model outcome ($, utility).</a:t>
+            </a:r>
+            <a:endParaRPr sz="2400" dirty="0"/>
+          </a:p>
+          <a:p>
+            <a:pPr marL="457200" lvl="0" indent="-381000" rtl="0">
+              <a:spcBef>
+                <a:spcPts val="1000"/>
+              </a:spcBef>
+              <a:spcAft>
+                <a:spcPts val="1000"/>
+              </a:spcAft>
+              <a:buSzPts val="2400"/>
+              <a:buChar char="•"/>
+            </a:pPr>
+            <a:r>
+              <a:rPr lang="nl-NL" sz="2400" dirty="0"/>
+              <a:t>Markov assumption: no “memory” within states.</a:t>
+            </a:r>
+            <a:endParaRPr sz="2400" dirty="0"/>
+          </a:p>
+        </p:txBody>
+      </p:sp>
+      <p:sp>
+        <p:nvSpPr>
+          <p:cNvPr id="563" name="Shape 563"/>
+          <p:cNvSpPr txBox="1">
+            <a:spLocks noGrp="1"/>
+          </p:cNvSpPr>
+          <p:nvPr>
+            <p:ph type="sldNum" sz="quarter" idx="12"/>
+          </p:nvPr>
+        </p:nvSpPr>
+        <p:spPr>
+          <a:prstGeom prst="rect">
+            <a:avLst/>
+          </a:prstGeom>
+        </p:spPr>
+        <p:txBody>
+          <a:bodyPr spcFirstLastPara="1" wrap="square" lIns="0" tIns="0" rIns="0" bIns="0" anchor="ctr" anchorCtr="0">
+            <a:noAutofit/>
+          </a:bodyPr>
+          <a:lstStyle/>
+          <a:p>
+            <a:pPr marL="0" lvl="0" indent="0">
+              <a:spcBef>
+                <a:spcPts val="0"/>
+              </a:spcBef>
+              <a:spcAft>
+                <a:spcPts val="0"/>
+              </a:spcAft>
+              <a:buClr>
+                <a:srgbClr val="000000"/>
+              </a:buClr>
+              <a:buFont typeface="Arial"/>
+              <a:buNone/>
+            </a:pPr>
+            <a:fld id="{00000000-1234-1234-1234-123412341234}" type="slidenum">
+              <a:rPr lang="nl-NL"/>
+              <a:t>2</a:t>
+            </a:fld>
+            <a:endParaRPr/>
+          </a:p>
+        </p:txBody>
+      </p:sp>
+    </p:spTree>
+    <p:extLst>
+      <p:ext uri="{BB962C8B-B14F-4D97-AF65-F5344CB8AC3E}">
+        <p14:creationId xmlns:p14="http://schemas.microsoft.com/office/powerpoint/2010/main" val="961895113"/>
+      </p:ext>
+    </p:extLst>
+  </p:cSld>
+  <p:clrMapOvr>
+    <a:masterClrMapping/>
+  </p:clrMapOvr>
+</p:sld>
+</file>
+
+<file path=ppt/slides/slide20.xml><?xml version="1.0" encoding="utf-8"?>
 <p:sld xmlns:a="http://schemas.openxmlformats.org/drawingml/2006/main" xmlns:r="http://schemas.openxmlformats.org/officeDocument/2006/relationships" xmlns:p="http://schemas.openxmlformats.org/presentationml/2006/main">
   <p:cSld>
     <p:spTree>
@@ -33052,7 +28536,7 @@
             </a:pPr>
             <a:fld id="{00000000-1234-1234-1234-123412341234}" type="slidenum">
               <a:rPr lang="nl-NL"/>
-              <a:t>26</a:t>
+              <a:t>20</a:t>
             </a:fld>
             <a:endParaRPr/>
           </a:p>
@@ -33435,7 +28919,7 @@
 </p:sld>
 </file>
 
-<file path=ppt/slides/slide27.xml><?xml version="1.0" encoding="utf-8"?>
+<file path=ppt/slides/slide21.xml><?xml version="1.0" encoding="utf-8"?>
 <p:sld xmlns:a="http://schemas.openxmlformats.org/drawingml/2006/main" xmlns:r="http://schemas.openxmlformats.org/officeDocument/2006/relationships" xmlns:p="http://schemas.openxmlformats.org/presentationml/2006/main">
   <p:cSld>
     <p:spTree>
@@ -33664,7 +29148,7 @@
             </a:pPr>
             <a:fld id="{00000000-1234-1234-1234-123412341234}" type="slidenum">
               <a:rPr lang="nl-NL"/>
-              <a:t>27</a:t>
+              <a:t>21</a:t>
             </a:fld>
             <a:endParaRPr/>
           </a:p>
@@ -33938,7 +29422,7 @@
 </p:sld>
 </file>
 
-<file path=ppt/slides/slide28.xml><?xml version="1.0" encoding="utf-8"?>
+<file path=ppt/slides/slide22.xml><?xml version="1.0" encoding="utf-8"?>
 <p:sld xmlns:a="http://schemas.openxmlformats.org/drawingml/2006/main" xmlns:r="http://schemas.openxmlformats.org/officeDocument/2006/relationships" xmlns:p="http://schemas.openxmlformats.org/presentationml/2006/main">
   <p:cSld>
     <p:spTree>
@@ -34034,7 +29518,7 @@
             </a:pPr>
             <a:fld id="{00000000-1234-1234-1234-123412341234}" type="slidenum">
               <a:rPr lang="nl-NL"/>
-              <a:t>28</a:t>
+              <a:t>22</a:t>
             </a:fld>
             <a:endParaRPr/>
           </a:p>
@@ -34053,7 +29537,7 @@
 </p:sld>
 </file>
 
-<file path=ppt/slides/slide29.xml><?xml version="1.0" encoding="utf-8"?>
+<file path=ppt/slides/slide23.xml><?xml version="1.0" encoding="utf-8"?>
 <p:sld xmlns:a="http://schemas.openxmlformats.org/drawingml/2006/main" xmlns:r="http://schemas.openxmlformats.org/officeDocument/2006/relationships" xmlns:p="http://schemas.openxmlformats.org/presentationml/2006/main">
   <p:cSld>
     <p:spTree>
@@ -34087,7 +29571,7 @@
           <a:p>
             <a:fld id="{6F6CFCF5-3E37-0F40-BEC2-1413134B0080}" type="slidenum">
               <a:rPr lang="en-US" smtClean="0"/>
-              <a:t>29</a:t>
+              <a:t>23</a:t>
             </a:fld>
             <a:endParaRPr lang="en-US"/>
           </a:p>
@@ -34097,6 +29581,148 @@
     <p:extLst>
       <p:ext uri="{BB962C8B-B14F-4D97-AF65-F5344CB8AC3E}">
         <p14:creationId xmlns:p14="http://schemas.microsoft.com/office/powerpoint/2010/main" val="1236097405"/>
+      </p:ext>
+    </p:extLst>
+  </p:cSld>
+  <p:clrMapOvr>
+    <a:masterClrMapping/>
+  </p:clrMapOvr>
+</p:sld>
+</file>
+
+<file path=ppt/slides/slide24.xml><?xml version="1.0" encoding="utf-8"?>
+<p:sld xmlns:a="http://schemas.openxmlformats.org/drawingml/2006/main" xmlns:r="http://schemas.openxmlformats.org/officeDocument/2006/relationships" xmlns:p="http://schemas.openxmlformats.org/presentationml/2006/main">
+  <p:cSld>
+    <p:spTree>
+      <p:nvGrpSpPr>
+        <p:cNvPr id="1" name="Shape 2030"/>
+        <p:cNvGrpSpPr/>
+        <p:nvPr/>
+      </p:nvGrpSpPr>
+      <p:grpSpPr>
+        <a:xfrm>
+          <a:off x="0" y="0"/>
+          <a:ext cx="0" cy="0"/>
+          <a:chOff x="0" y="0"/>
+          <a:chExt cx="0" cy="0"/>
+        </a:xfrm>
+      </p:grpSpPr>
+      <p:sp>
+        <p:nvSpPr>
+          <p:cNvPr id="2031" name="Google Shape;2031;p128"/>
+          <p:cNvSpPr txBox="1">
+            <a:spLocks noGrp="1"/>
+          </p:cNvSpPr>
+          <p:nvPr>
+            <p:ph type="ftr" idx="11"/>
+          </p:nvPr>
+        </p:nvSpPr>
+        <p:spPr>
+          <a:xfrm>
+            <a:off x="649288" y="6481911"/>
+            <a:ext cx="4786808" cy="374587"/>
+          </a:xfrm>
+          <a:prstGeom prst="rect">
+            <a:avLst/>
+          </a:prstGeom>
+          <a:noFill/>
+          <a:ln>
+            <a:noFill/>
+          </a:ln>
+        </p:spPr>
+        <p:txBody>
+          <a:bodyPr spcFirstLastPara="1" wrap="square" lIns="91425" tIns="45700" rIns="91425" bIns="45700" anchor="ctr" anchorCtr="0">
+            <a:noAutofit/>
+          </a:bodyPr>
+          <a:lstStyle/>
+          <a:p>
+            <a:pPr marL="0" marR="0" lvl="0" indent="0" algn="l" rtl="0">
+              <a:spcBef>
+                <a:spcPts val="0"/>
+              </a:spcBef>
+              <a:spcAft>
+                <a:spcPts val="0"/>
+              </a:spcAft>
+              <a:buNone/>
+            </a:pPr>
+            <a:r>
+              <a:rPr lang="nl-NL" sz="1200">
+                <a:solidFill>
+                  <a:schemeClr val="lt1"/>
+                </a:solidFill>
+                <a:latin typeface="Verdana"/>
+                <a:ea typeface="Verdana"/>
+                <a:cs typeface="Verdana"/>
+                <a:sym typeface="Verdana"/>
+              </a:rPr>
+              <a:t>Decision Analysis in R for Technologies in Health</a:t>
+            </a:r>
+            <a:endParaRPr sz="1200">
+              <a:solidFill>
+                <a:schemeClr val="lt1"/>
+              </a:solidFill>
+              <a:latin typeface="Verdana"/>
+              <a:ea typeface="Verdana"/>
+              <a:cs typeface="Verdana"/>
+              <a:sym typeface="Verdana"/>
+            </a:endParaRPr>
+          </a:p>
+        </p:txBody>
+      </p:sp>
+      <p:sp>
+        <p:nvSpPr>
+          <p:cNvPr id="2032" name="Google Shape;2032;p128"/>
+          <p:cNvSpPr>
+            <a:spLocks noGrp="1"/>
+          </p:cNvSpPr>
+          <p:nvPr>
+            <p:ph type="sldNum" idx="12"/>
+          </p:nvPr>
+        </p:nvSpPr>
+        <p:spPr>
+          <a:xfrm>
+            <a:off x="8559864" y="6453336"/>
+            <a:ext cx="548640" cy="396240"/>
+          </a:xfrm>
+          <a:prstGeom prst="bracketPair">
+            <a:avLst/>
+          </a:prstGeom>
+          <a:noFill/>
+          <a:ln>
+            <a:noFill/>
+          </a:ln>
+        </p:spPr>
+        <p:txBody>
+          <a:bodyPr spcFirstLastPara="1" wrap="square" lIns="0" tIns="0" rIns="0" bIns="0" anchor="ctr" anchorCtr="0">
+            <a:noAutofit/>
+          </a:bodyPr>
+          <a:lstStyle/>
+          <a:p>
+            <a:pPr marL="0" lvl="0" indent="0" algn="ctr" rtl="0">
+              <a:spcBef>
+                <a:spcPts val="0"/>
+              </a:spcBef>
+              <a:spcAft>
+                <a:spcPts val="0"/>
+              </a:spcAft>
+              <a:buClr>
+                <a:srgbClr val="000000"/>
+              </a:buClr>
+              <a:buFont typeface="Arial"/>
+              <a:buNone/>
+            </a:pPr>
+            <a:fld id="{00000000-1234-1234-1234-123412341234}" type="slidenum">
+              <a:rPr lang="nl-NL"/>
+              <a:t>24</a:t>
+            </a:fld>
+            <a:endParaRPr/>
+          </a:p>
+        </p:txBody>
+      </p:sp>
+    </p:spTree>
+    <p:extLst>
+      <p:ext uri="{BB962C8B-B14F-4D97-AF65-F5344CB8AC3E}">
+        <p14:creationId xmlns:p14="http://schemas.microsoft.com/office/powerpoint/2010/main" val="2232263209"/>
       </p:ext>
     </p:extLst>
   </p:cSld>
@@ -34448,148 +30074,6 @@
     <p:extLst>
       <p:ext uri="{BB962C8B-B14F-4D97-AF65-F5344CB8AC3E}">
         <p14:creationId xmlns:p14="http://schemas.microsoft.com/office/powerpoint/2010/main" val="1266459052"/>
-      </p:ext>
-    </p:extLst>
-  </p:cSld>
-  <p:clrMapOvr>
-    <a:masterClrMapping/>
-  </p:clrMapOvr>
-</p:sld>
-</file>
-
-<file path=ppt/slides/slide30.xml><?xml version="1.0" encoding="utf-8"?>
-<p:sld xmlns:a="http://schemas.openxmlformats.org/drawingml/2006/main" xmlns:r="http://schemas.openxmlformats.org/officeDocument/2006/relationships" xmlns:p="http://schemas.openxmlformats.org/presentationml/2006/main">
-  <p:cSld>
-    <p:spTree>
-      <p:nvGrpSpPr>
-        <p:cNvPr id="1" name="Shape 2030"/>
-        <p:cNvGrpSpPr/>
-        <p:nvPr/>
-      </p:nvGrpSpPr>
-      <p:grpSpPr>
-        <a:xfrm>
-          <a:off x="0" y="0"/>
-          <a:ext cx="0" cy="0"/>
-          <a:chOff x="0" y="0"/>
-          <a:chExt cx="0" cy="0"/>
-        </a:xfrm>
-      </p:grpSpPr>
-      <p:sp>
-        <p:nvSpPr>
-          <p:cNvPr id="2031" name="Google Shape;2031;p128"/>
-          <p:cNvSpPr txBox="1">
-            <a:spLocks noGrp="1"/>
-          </p:cNvSpPr>
-          <p:nvPr>
-            <p:ph type="ftr" idx="11"/>
-          </p:nvPr>
-        </p:nvSpPr>
-        <p:spPr>
-          <a:xfrm>
-            <a:off x="649288" y="6481911"/>
-            <a:ext cx="4786808" cy="374587"/>
-          </a:xfrm>
-          <a:prstGeom prst="rect">
-            <a:avLst/>
-          </a:prstGeom>
-          <a:noFill/>
-          <a:ln>
-            <a:noFill/>
-          </a:ln>
-        </p:spPr>
-        <p:txBody>
-          <a:bodyPr spcFirstLastPara="1" wrap="square" lIns="91425" tIns="45700" rIns="91425" bIns="45700" anchor="ctr" anchorCtr="0">
-            <a:noAutofit/>
-          </a:bodyPr>
-          <a:lstStyle/>
-          <a:p>
-            <a:pPr marL="0" marR="0" lvl="0" indent="0" algn="l" rtl="0">
-              <a:spcBef>
-                <a:spcPts val="0"/>
-              </a:spcBef>
-              <a:spcAft>
-                <a:spcPts val="0"/>
-              </a:spcAft>
-              <a:buNone/>
-            </a:pPr>
-            <a:r>
-              <a:rPr lang="nl-NL" sz="1200">
-                <a:solidFill>
-                  <a:schemeClr val="lt1"/>
-                </a:solidFill>
-                <a:latin typeface="Verdana"/>
-                <a:ea typeface="Verdana"/>
-                <a:cs typeface="Verdana"/>
-                <a:sym typeface="Verdana"/>
-              </a:rPr>
-              <a:t>Decision Analysis in R for Technologies in Health</a:t>
-            </a:r>
-            <a:endParaRPr sz="1200">
-              <a:solidFill>
-                <a:schemeClr val="lt1"/>
-              </a:solidFill>
-              <a:latin typeface="Verdana"/>
-              <a:ea typeface="Verdana"/>
-              <a:cs typeface="Verdana"/>
-              <a:sym typeface="Verdana"/>
-            </a:endParaRPr>
-          </a:p>
-        </p:txBody>
-      </p:sp>
-      <p:sp>
-        <p:nvSpPr>
-          <p:cNvPr id="2032" name="Google Shape;2032;p128"/>
-          <p:cNvSpPr>
-            <a:spLocks noGrp="1"/>
-          </p:cNvSpPr>
-          <p:nvPr>
-            <p:ph type="sldNum" idx="12"/>
-          </p:nvPr>
-        </p:nvSpPr>
-        <p:spPr>
-          <a:xfrm>
-            <a:off x="8559864" y="6453336"/>
-            <a:ext cx="548640" cy="396240"/>
-          </a:xfrm>
-          <a:prstGeom prst="bracketPair">
-            <a:avLst/>
-          </a:prstGeom>
-          <a:noFill/>
-          <a:ln>
-            <a:noFill/>
-          </a:ln>
-        </p:spPr>
-        <p:txBody>
-          <a:bodyPr spcFirstLastPara="1" wrap="square" lIns="0" tIns="0" rIns="0" bIns="0" anchor="ctr" anchorCtr="0">
-            <a:noAutofit/>
-          </a:bodyPr>
-          <a:lstStyle/>
-          <a:p>
-            <a:pPr marL="0" lvl="0" indent="0" algn="ctr" rtl="0">
-              <a:spcBef>
-                <a:spcPts val="0"/>
-              </a:spcBef>
-              <a:spcAft>
-                <a:spcPts val="0"/>
-              </a:spcAft>
-              <a:buClr>
-                <a:srgbClr val="000000"/>
-              </a:buClr>
-              <a:buFont typeface="Arial"/>
-              <a:buNone/>
-            </a:pPr>
-            <a:fld id="{00000000-1234-1234-1234-123412341234}" type="slidenum">
-              <a:rPr lang="nl-NL"/>
-              <a:t>30</a:t>
-            </a:fld>
-            <a:endParaRPr/>
-          </a:p>
-        </p:txBody>
-      </p:sp>
-    </p:spTree>
-    <p:extLst>
-      <p:ext uri="{BB962C8B-B14F-4D97-AF65-F5344CB8AC3E}">
-        <p14:creationId xmlns:p14="http://schemas.microsoft.com/office/powerpoint/2010/main" val="2232263209"/>
       </p:ext>
     </p:extLst>
   </p:cSld>
